--- a/designdocs/Project Plan Presentation.pptx
+++ b/designdocs/Project Plan Presentation.pptx
@@ -5,37 +5,47 @@
     <p:sldMasterId id="2147483656" r:id="rId1"/>
   </p:sldMasterIdLst>
   <p:notesMasterIdLst>
-    <p:notesMasterId r:id="rId14"/>
+    <p:notesMasterId r:id="rId24"/>
   </p:notesMasterIdLst>
   <p:sldIdLst>
     <p:sldId id="257" r:id="rId2"/>
-    <p:sldId id="260" r:id="rId3"/>
-    <p:sldId id="262" r:id="rId4"/>
-    <p:sldId id="261" r:id="rId5"/>
-    <p:sldId id="258" r:id="rId6"/>
+    <p:sldId id="276" r:id="rId3"/>
+    <p:sldId id="277" r:id="rId4"/>
+    <p:sldId id="278" r:id="rId5"/>
+    <p:sldId id="279" r:id="rId6"/>
     <p:sldId id="263" r:id="rId7"/>
     <p:sldId id="264" r:id="rId8"/>
-    <p:sldId id="265" r:id="rId9"/>
-    <p:sldId id="266" r:id="rId10"/>
-    <p:sldId id="267" r:id="rId11"/>
-    <p:sldId id="268" r:id="rId12"/>
-    <p:sldId id="269" r:id="rId13"/>
+    <p:sldId id="270" r:id="rId9"/>
+    <p:sldId id="280" r:id="rId10"/>
+    <p:sldId id="281" r:id="rId11"/>
+    <p:sldId id="267" r:id="rId12"/>
+    <p:sldId id="268" r:id="rId13"/>
+    <p:sldId id="271" r:id="rId14"/>
+    <p:sldId id="272" r:id="rId15"/>
+    <p:sldId id="282" r:id="rId16"/>
+    <p:sldId id="283" r:id="rId17"/>
+    <p:sldId id="284" r:id="rId18"/>
+    <p:sldId id="273" r:id="rId19"/>
+    <p:sldId id="274" r:id="rId20"/>
+    <p:sldId id="275" r:id="rId21"/>
+    <p:sldId id="285" r:id="rId22"/>
+    <p:sldId id="286" r:id="rId23"/>
   </p:sldIdLst>
   <p:sldSz cx="12192000" cy="6858000"/>
   <p:notesSz cx="6858000" cy="9144000"/>
   <p:embeddedFontLst>
     <p:embeddedFont>
       <p:font typeface="HY중고딕" panose="02030600000101010101" pitchFamily="18" charset="-127"/>
-      <p:regular r:id="rId15"/>
+      <p:regular r:id="rId25"/>
     </p:embeddedFont>
     <p:embeddedFont>
       <p:font typeface="Malgun Gothic Semilight" panose="020B0502040204020203" pitchFamily="50" charset="-127"/>
-      <p:regular r:id="rId16"/>
+      <p:regular r:id="rId26"/>
     </p:embeddedFont>
     <p:embeddedFont>
       <p:font typeface="맑은 고딕" panose="020B0503020000020004" pitchFamily="50" charset="-127"/>
-      <p:regular r:id="rId17"/>
-      <p:bold r:id="rId18"/>
+      <p:regular r:id="rId27"/>
+      <p:bold r:id="rId28"/>
     </p:embeddedFont>
   </p:embeddedFontLst>
   <p:defaultTextStyle>
@@ -223,7 +233,7 @@
           <a:p>
             <a:fld id="{17FB36FB-C10C-479A-9DFD-15DEB134881C}" type="datetimeFigureOut">
               <a:rPr lang="ko-KR" altLang="en-US" smtClean="0"/>
-              <a:t>2019-04-13</a:t>
+              <a:t>2019-04-14</a:t>
             </a:fld>
             <a:endParaRPr lang="ko-KR" altLang="en-US"/>
           </a:p>
@@ -1008,7 +1018,7 @@
           <a:p>
             <a:pPr algn="ctr"/>
             <a:r>
-              <a:rPr lang="ko-KR" altLang="en-US" sz="7200" spc="-300" dirty="0" err="1">
+              <a:rPr lang="ko-KR" altLang="en-US" sz="7200" spc="-300" err="1">
                 <a:solidFill>
                   <a:srgbClr val="00002F"/>
                 </a:solidFill>
@@ -1017,7 +1027,7 @@
               </a:rPr>
               <a:t>포니부하곰</a:t>
             </a:r>
-            <a:endParaRPr lang="ko-KR" altLang="en-US" sz="7200" spc="-300" dirty="0">
+            <a:endParaRPr lang="ko-KR" altLang="en-US" sz="7200" spc="-300">
               <a:solidFill>
                 <a:srgbClr val="00002F"/>
               </a:solidFill>
@@ -1072,13 +1082,13 @@
           <a:p>
             <a:pPr algn="ctr"/>
             <a:r>
-              <a:rPr lang="ko-KR" altLang="en-US" dirty="0" err="1">
+              <a:rPr lang="ko-KR" altLang="en-US" err="1">
                 <a:latin typeface="HY중고딕" panose="02030600000101010101" pitchFamily="18" charset="-127"/>
                 <a:ea typeface="HY중고딕" panose="02030600000101010101" pitchFamily="18" charset="-127"/>
               </a:rPr>
               <a:t>나눔스퀘어</a:t>
             </a:r>
-            <a:endParaRPr lang="ko-KR" altLang="en-US" dirty="0">
+            <a:endParaRPr lang="ko-KR" altLang="en-US">
               <a:latin typeface="HY중고딕" panose="02030600000101010101" pitchFamily="18" charset="-127"/>
               <a:ea typeface="HY중고딕" panose="02030600000101010101" pitchFamily="18" charset="-127"/>
             </a:endParaRPr>
@@ -1115,16 +1125,257 @@
           <a:chExt cx="0" cy="0"/>
         </a:xfrm>
       </p:grpSpPr>
+      <p:pic>
+        <p:nvPicPr>
+          <p:cNvPr id="2" name="그림 1">
+            <a:extLst>
+              <a:ext uri="{FF2B5EF4-FFF2-40B4-BE49-F238E27FC236}">
+                <a16:creationId xmlns:a16="http://schemas.microsoft.com/office/drawing/2014/main" id="{054D44CD-1FD0-4ED8-AB72-0EEDA17D6933}"/>
+              </a:ext>
+            </a:extLst>
+          </p:cNvPr>
+          <p:cNvPicPr>
+            <a:picLocks noChangeAspect="1"/>
+          </p:cNvPicPr>
+          <p:nvPr/>
+        </p:nvPicPr>
+        <p:blipFill>
+          <a:blip r:embed="rId2"/>
+          <a:stretch>
+            <a:fillRect/>
+          </a:stretch>
+        </p:blipFill>
+        <p:spPr>
+          <a:xfrm>
+            <a:off x="2683573" y="1835066"/>
+            <a:ext cx="6597950" cy="2066472"/>
+          </a:xfrm>
+          <a:prstGeom prst="rect">
+            <a:avLst/>
+          </a:prstGeom>
+        </p:spPr>
+      </p:pic>
+      <p:cxnSp>
+        <p:nvCxnSpPr>
+          <p:cNvPr id="14" name="직선 연결선 13"/>
+          <p:cNvCxnSpPr/>
+          <p:nvPr/>
+        </p:nvCxnSpPr>
+        <p:spPr>
+          <a:xfrm>
+            <a:off x="10430892" y="144941"/>
+            <a:ext cx="360000" cy="0"/>
+          </a:xfrm>
+          <a:prstGeom prst="line">
+            <a:avLst/>
+          </a:prstGeom>
+          <a:ln w="44450" cap="rnd">
+            <a:solidFill>
+              <a:srgbClr val="D0CECE"/>
+            </a:solidFill>
+          </a:ln>
+          <a:effectLst>
+            <a:outerShdw blurRad="50800" dist="38100" dir="5400000" algn="t" rotWithShape="0">
+              <a:prstClr val="black">
+                <a:alpha val="40000"/>
+              </a:prstClr>
+            </a:outerShdw>
+          </a:effectLst>
+        </p:spPr>
+        <p:style>
+          <a:lnRef idx="1">
+            <a:schemeClr val="accent1"/>
+          </a:lnRef>
+          <a:fillRef idx="0">
+            <a:schemeClr val="accent1"/>
+          </a:fillRef>
+          <a:effectRef idx="0">
+            <a:schemeClr val="accent1"/>
+          </a:effectRef>
+          <a:fontRef idx="minor">
+            <a:schemeClr val="tx1"/>
+          </a:fontRef>
+        </p:style>
+      </p:cxnSp>
+      <p:cxnSp>
+        <p:nvCxnSpPr>
+          <p:cNvPr id="15" name="직선 연결선 14"/>
+          <p:cNvCxnSpPr/>
+          <p:nvPr/>
+        </p:nvCxnSpPr>
+        <p:spPr>
+          <a:xfrm>
+            <a:off x="10858459" y="144941"/>
+            <a:ext cx="360000" cy="0"/>
+          </a:xfrm>
+          <a:prstGeom prst="line">
+            <a:avLst/>
+          </a:prstGeom>
+          <a:ln w="44450" cap="rnd">
+            <a:solidFill>
+              <a:schemeClr val="bg2">
+                <a:lumMod val="90000"/>
+              </a:schemeClr>
+            </a:solidFill>
+          </a:ln>
+          <a:effectLst>
+            <a:outerShdw blurRad="50800" dist="38100" dir="5400000" algn="t" rotWithShape="0">
+              <a:prstClr val="black">
+                <a:alpha val="40000"/>
+              </a:prstClr>
+            </a:outerShdw>
+          </a:effectLst>
+        </p:spPr>
+        <p:style>
+          <a:lnRef idx="1">
+            <a:schemeClr val="accent1"/>
+          </a:lnRef>
+          <a:fillRef idx="0">
+            <a:schemeClr val="accent1"/>
+          </a:fillRef>
+          <a:effectRef idx="0">
+            <a:schemeClr val="accent1"/>
+          </a:effectRef>
+          <a:fontRef idx="minor">
+            <a:schemeClr val="tx1"/>
+          </a:fontRef>
+        </p:style>
+      </p:cxnSp>
+      <p:cxnSp>
+        <p:nvCxnSpPr>
+          <p:cNvPr id="16" name="직선 연결선 15"/>
+          <p:cNvCxnSpPr/>
+          <p:nvPr/>
+        </p:nvCxnSpPr>
+        <p:spPr>
+          <a:xfrm>
+            <a:off x="11286026" y="144941"/>
+            <a:ext cx="360000" cy="0"/>
+          </a:xfrm>
+          <a:prstGeom prst="line">
+            <a:avLst/>
+          </a:prstGeom>
+          <a:ln w="44450" cap="rnd">
+            <a:solidFill>
+              <a:srgbClr val="8DBABD"/>
+            </a:solidFill>
+          </a:ln>
+          <a:effectLst>
+            <a:outerShdw blurRad="50800" dist="38100" dir="5400000" algn="t" rotWithShape="0">
+              <a:prstClr val="black">
+                <a:alpha val="40000"/>
+              </a:prstClr>
+            </a:outerShdw>
+          </a:effectLst>
+        </p:spPr>
+        <p:style>
+          <a:lnRef idx="1">
+            <a:schemeClr val="accent1"/>
+          </a:lnRef>
+          <a:fillRef idx="0">
+            <a:schemeClr val="accent1"/>
+          </a:fillRef>
+          <a:effectRef idx="0">
+            <a:schemeClr val="accent1"/>
+          </a:effectRef>
+          <a:fontRef idx="minor">
+            <a:schemeClr val="tx1"/>
+          </a:fontRef>
+        </p:style>
+      </p:cxnSp>
+      <p:cxnSp>
+        <p:nvCxnSpPr>
+          <p:cNvPr id="17" name="직선 연결선 16"/>
+          <p:cNvCxnSpPr/>
+          <p:nvPr/>
+        </p:nvCxnSpPr>
+        <p:spPr>
+          <a:xfrm>
+            <a:off x="11713592" y="144941"/>
+            <a:ext cx="360000" cy="0"/>
+          </a:xfrm>
+          <a:prstGeom prst="line">
+            <a:avLst/>
+          </a:prstGeom>
+          <a:ln w="44450" cap="rnd">
+            <a:solidFill>
+              <a:schemeClr val="bg2">
+                <a:lumMod val="90000"/>
+              </a:schemeClr>
+            </a:solidFill>
+          </a:ln>
+          <a:effectLst>
+            <a:outerShdw blurRad="50800" dist="38100" dir="5400000" algn="t" rotWithShape="0">
+              <a:prstClr val="black">
+                <a:alpha val="40000"/>
+              </a:prstClr>
+            </a:outerShdw>
+          </a:effectLst>
+        </p:spPr>
+        <p:style>
+          <a:lnRef idx="1">
+            <a:schemeClr val="accent1"/>
+          </a:lnRef>
+          <a:fillRef idx="0">
+            <a:schemeClr val="accent1"/>
+          </a:fillRef>
+          <a:effectRef idx="0">
+            <a:schemeClr val="accent1"/>
+          </a:effectRef>
+          <a:fontRef idx="minor">
+            <a:schemeClr val="tx1"/>
+          </a:fontRef>
+        </p:style>
+      </p:cxnSp>
+      <p:cxnSp>
+        <p:nvCxnSpPr>
+          <p:cNvPr id="18" name="직선 연결선 17"/>
+          <p:cNvCxnSpPr>
+            <a:cxnSpLocks/>
+          </p:cNvCxnSpPr>
+          <p:nvPr/>
+        </p:nvCxnSpPr>
+        <p:spPr>
+          <a:xfrm>
+            <a:off x="1026522" y="989148"/>
+            <a:ext cx="3545478" cy="0"/>
+          </a:xfrm>
+          <a:prstGeom prst="line">
+            <a:avLst/>
+          </a:prstGeom>
+          <a:ln>
+            <a:solidFill>
+              <a:schemeClr val="bg1">
+                <a:lumMod val="50000"/>
+              </a:schemeClr>
+            </a:solidFill>
+          </a:ln>
+        </p:spPr>
+        <p:style>
+          <a:lnRef idx="1">
+            <a:schemeClr val="accent1"/>
+          </a:lnRef>
+          <a:fillRef idx="0">
+            <a:schemeClr val="accent1"/>
+          </a:fillRef>
+          <a:effectRef idx="0">
+            <a:schemeClr val="accent1"/>
+          </a:effectRef>
+          <a:fontRef idx="minor">
+            <a:schemeClr val="tx1"/>
+          </a:fontRef>
+        </p:style>
+      </p:cxnSp>
       <p:sp>
         <p:nvSpPr>
-          <p:cNvPr id="2" name="TextBox 1"/>
+          <p:cNvPr id="19" name="TextBox 18"/>
           <p:cNvSpPr txBox="1"/>
           <p:nvPr/>
         </p:nvSpPr>
         <p:spPr>
           <a:xfrm>
-            <a:off x="4000500" y="2472873"/>
-            <a:ext cx="764953" cy="769441"/>
+            <a:off x="901674" y="422003"/>
+            <a:ext cx="3563797" cy="1077218"/>
           </a:xfrm>
           <a:prstGeom prst="rect">
             <a:avLst/>
@@ -1137,46 +1388,97 @@
           </a:bodyPr>
           <a:lstStyle/>
           <a:p>
-            <a:r>
-              <a:rPr lang="en-US" altLang="ko-KR" sz="4400" spc="-300" dirty="0">
+            <a:pPr algn="ctr"/>
+            <a:r>
+              <a:rPr lang="ko-KR" altLang="en-US" sz="3200" spc="-150" dirty="0">
                 <a:solidFill>
                   <a:srgbClr val="00002F"/>
                 </a:solidFill>
-                <a:latin typeface="HY중고딕" panose="02030600000101010101" pitchFamily="18" charset="-127"/>
-                <a:ea typeface="HY중고딕" panose="02030600000101010101" pitchFamily="18" charset="-127"/>
-              </a:rPr>
-              <a:t>04</a:t>
-            </a:r>
-            <a:endParaRPr lang="ko-KR" altLang="en-US" sz="4400" spc="-300" dirty="0">
+                <a:latin typeface="나눔스퀘어 ExtraBold" panose="020B0600000101010101" pitchFamily="50" charset="-127"/>
+                <a:ea typeface="나눔스퀘어 ExtraBold" panose="020B0600000101010101" pitchFamily="50" charset="-127"/>
+              </a:rPr>
+              <a:t>프로젝트 수행 목표</a:t>
+            </a:r>
+          </a:p>
+          <a:p>
+            <a:pPr algn="ctr"/>
+            <a:endParaRPr lang="ko-KR" altLang="en-US" sz="3200" spc="-150" dirty="0">
               <a:solidFill>
                 <a:srgbClr val="00002F"/>
               </a:solidFill>
-              <a:latin typeface="HY중고딕" panose="02030600000101010101" pitchFamily="18" charset="-127"/>
-              <a:ea typeface="HY중고딕" panose="02030600000101010101" pitchFamily="18" charset="-127"/>
+              <a:latin typeface="나눔스퀘어 ExtraBold" panose="020B0600000101010101" pitchFamily="50" charset="-127"/>
+              <a:ea typeface="나눔스퀘어 ExtraBold" panose="020B0600000101010101" pitchFamily="50" charset="-127"/>
             </a:endParaRPr>
           </a:p>
         </p:txBody>
       </p:sp>
       <p:sp>
         <p:nvSpPr>
-          <p:cNvPr id="3" name="직사각형 2"/>
+          <p:cNvPr id="20" name="TextBox 19"/>
+          <p:cNvSpPr txBox="1"/>
+          <p:nvPr/>
+        </p:nvSpPr>
+        <p:spPr>
+          <a:xfrm>
+            <a:off x="455532" y="498947"/>
+            <a:ext cx="614271" cy="461665"/>
+          </a:xfrm>
+          <a:prstGeom prst="rect">
+            <a:avLst/>
+          </a:prstGeom>
+          <a:noFill/>
+        </p:spPr>
+        <p:txBody>
+          <a:bodyPr wrap="none" rtlCol="0">
+            <a:spAutoFit/>
+          </a:bodyPr>
+          <a:lstStyle/>
+          <a:p>
+            <a:pPr algn="ctr"/>
+            <a:r>
+              <a:rPr lang="en-US" altLang="ko-KR" sz="2400" spc="-150" dirty="0">
+                <a:solidFill>
+                  <a:srgbClr val="00002F"/>
+                </a:solidFill>
+                <a:latin typeface="나눔스퀘어 ExtraBold" panose="020B0600000101010101" pitchFamily="50" charset="-127"/>
+                <a:ea typeface="나눔스퀘어 ExtraBold" panose="020B0600000101010101" pitchFamily="50" charset="-127"/>
+              </a:rPr>
+              <a:t>03.</a:t>
+            </a:r>
+            <a:endParaRPr lang="ko-KR" altLang="en-US" sz="2400" spc="-150" dirty="0">
+              <a:solidFill>
+                <a:srgbClr val="00002F"/>
+              </a:solidFill>
+              <a:latin typeface="나눔스퀘어 ExtraBold" panose="020B0600000101010101" pitchFamily="50" charset="-127"/>
+              <a:ea typeface="나눔스퀘어 ExtraBold" panose="020B0600000101010101" pitchFamily="50" charset="-127"/>
+            </a:endParaRPr>
+          </a:p>
+        </p:txBody>
+      </p:sp>
+      <p:sp>
+        <p:nvSpPr>
+          <p:cNvPr id="38" name="직사각형 37">
+            <a:extLst>
+              <a:ext uri="{FF2B5EF4-FFF2-40B4-BE49-F238E27FC236}">
+                <a16:creationId xmlns:a16="http://schemas.microsoft.com/office/drawing/2014/main" id="{6CB8090D-F738-4BE8-9C3C-3D80DF24B840}"/>
+              </a:ext>
+            </a:extLst>
+          </p:cNvPr>
           <p:cNvSpPr/>
           <p:nvPr/>
         </p:nvSpPr>
         <p:spPr>
           <a:xfrm>
-            <a:off x="4000499" y="3169741"/>
-            <a:ext cx="4200071" cy="473345"/>
+            <a:off x="3826634" y="2342792"/>
+            <a:ext cx="936716" cy="936716"/>
           </a:xfrm>
           <a:prstGeom prst="rect">
             <a:avLst/>
           </a:prstGeom>
-          <a:solidFill>
-            <a:srgbClr val="8DBABD"/>
-          </a:solidFill>
-          <a:ln>
+          <a:noFill/>
+          <a:ln w="50800">
             <a:solidFill>
-              <a:srgbClr val="8DBABD"/>
+              <a:srgbClr val="C00000"/>
             </a:solidFill>
           </a:ln>
         </p:spPr>
@@ -1201,31 +1503,210 @@
           <a:lstStyle/>
           <a:p>
             <a:pPr algn="ctr"/>
-            <a:r>
-              <a:rPr lang="ko-KR" altLang="en-US" dirty="0">
-                <a:latin typeface="HY중고딕" panose="02030600000101010101" pitchFamily="18" charset="-127"/>
-                <a:ea typeface="HY중고딕" panose="02030600000101010101" pitchFamily="18" charset="-127"/>
-              </a:rPr>
-              <a:t>내용을 입력하세요</a:t>
-            </a:r>
-            <a:r>
-              <a:rPr lang="en-US" altLang="ko-KR" dirty="0">
-                <a:latin typeface="HY중고딕" panose="02030600000101010101" pitchFamily="18" charset="-127"/>
-                <a:ea typeface="HY중고딕" panose="02030600000101010101" pitchFamily="18" charset="-127"/>
-              </a:rPr>
-              <a:t>.</a:t>
-            </a:r>
-            <a:endParaRPr lang="ko-KR" altLang="en-US" dirty="0">
-              <a:latin typeface="HY중고딕" panose="02030600000101010101" pitchFamily="18" charset="-127"/>
-              <a:ea typeface="HY중고딕" panose="02030600000101010101" pitchFamily="18" charset="-127"/>
-            </a:endParaRPr>
+            <a:endParaRPr lang="ko-KR" altLang="en-US" dirty="0"/>
           </a:p>
         </p:txBody>
       </p:sp>
+      <p:sp>
+        <p:nvSpPr>
+          <p:cNvPr id="47" name="TextBox 46">
+            <a:extLst>
+              <a:ext uri="{FF2B5EF4-FFF2-40B4-BE49-F238E27FC236}">
+                <a16:creationId xmlns:a16="http://schemas.microsoft.com/office/drawing/2014/main" id="{BDAE069A-E985-4F94-8A27-A5782F6D90D4}"/>
+              </a:ext>
+            </a:extLst>
+          </p:cNvPr>
+          <p:cNvSpPr txBox="1"/>
+          <p:nvPr/>
+        </p:nvSpPr>
+        <p:spPr>
+          <a:xfrm>
+            <a:off x="4879502" y="5047241"/>
+            <a:ext cx="1805302" cy="584775"/>
+          </a:xfrm>
+          <a:prstGeom prst="rect">
+            <a:avLst/>
+          </a:prstGeom>
+          <a:noFill/>
+        </p:spPr>
+        <p:txBody>
+          <a:bodyPr wrap="none" rtlCol="0">
+            <a:spAutoFit/>
+          </a:bodyPr>
+          <a:lstStyle/>
+          <a:p>
+            <a:pPr algn="ctr"/>
+            <a:r>
+              <a:rPr lang="en-US" altLang="ko-KR" sz="3200" spc="-150" dirty="0">
+                <a:solidFill>
+                  <a:srgbClr val="C00000"/>
+                </a:solidFill>
+                <a:latin typeface="나눔스퀘어 ExtraBold" panose="020B0600000101010101" pitchFamily="50" charset="-127"/>
+                <a:ea typeface="나눔스퀘어 ExtraBold" panose="020B0600000101010101" pitchFamily="50" charset="-127"/>
+              </a:rPr>
+              <a:t>50% </a:t>
+            </a:r>
+            <a:r>
+              <a:rPr lang="ko-KR" altLang="en-US" sz="3200" spc="-150" dirty="0">
+                <a:solidFill>
+                  <a:srgbClr val="C00000"/>
+                </a:solidFill>
+                <a:latin typeface="나눔스퀘어 ExtraBold" panose="020B0600000101010101" pitchFamily="50" charset="-127"/>
+                <a:ea typeface="나눔스퀘어 ExtraBold" panose="020B0600000101010101" pitchFamily="50" charset="-127"/>
+              </a:rPr>
+              <a:t>감소</a:t>
+            </a:r>
+          </a:p>
+        </p:txBody>
+      </p:sp>
+      <p:cxnSp>
+        <p:nvCxnSpPr>
+          <p:cNvPr id="48" name="직선 연결선 47">
+            <a:extLst>
+              <a:ext uri="{FF2B5EF4-FFF2-40B4-BE49-F238E27FC236}">
+                <a16:creationId xmlns:a16="http://schemas.microsoft.com/office/drawing/2014/main" id="{C1E542FC-E1D2-4B8C-A788-523380924E15}"/>
+              </a:ext>
+            </a:extLst>
+          </p:cNvPr>
+          <p:cNvCxnSpPr>
+            <a:cxnSpLocks/>
+          </p:cNvCxnSpPr>
+          <p:nvPr/>
+        </p:nvCxnSpPr>
+        <p:spPr>
+          <a:xfrm>
+            <a:off x="5793676" y="4033649"/>
+            <a:ext cx="0" cy="1042168"/>
+          </a:xfrm>
+          <a:prstGeom prst="line">
+            <a:avLst/>
+          </a:prstGeom>
+          <a:ln w="50800" cap="rnd">
+            <a:solidFill>
+              <a:srgbClr val="C00000"/>
+            </a:solidFill>
+            <a:round/>
+            <a:tailEnd type="triangle"/>
+          </a:ln>
+        </p:spPr>
+        <p:style>
+          <a:lnRef idx="1">
+            <a:schemeClr val="accent1"/>
+          </a:lnRef>
+          <a:fillRef idx="0">
+            <a:schemeClr val="accent1"/>
+          </a:fillRef>
+          <a:effectRef idx="0">
+            <a:schemeClr val="accent1"/>
+          </a:effectRef>
+          <a:fontRef idx="minor">
+            <a:schemeClr val="tx1"/>
+          </a:fontRef>
+        </p:style>
+      </p:cxnSp>
+      <p:sp>
+        <p:nvSpPr>
+          <p:cNvPr id="49" name="직사각형 48">
+            <a:extLst>
+              <a:ext uri="{FF2B5EF4-FFF2-40B4-BE49-F238E27FC236}">
+                <a16:creationId xmlns:a16="http://schemas.microsoft.com/office/drawing/2014/main" id="{BFE1DC8F-31EB-4DF3-9AEC-8AD250698A86}"/>
+              </a:ext>
+            </a:extLst>
+          </p:cNvPr>
+          <p:cNvSpPr/>
+          <p:nvPr/>
+        </p:nvSpPr>
+        <p:spPr>
+          <a:xfrm>
+            <a:off x="6788257" y="2342792"/>
+            <a:ext cx="936716" cy="936716"/>
+          </a:xfrm>
+          <a:prstGeom prst="rect">
+            <a:avLst/>
+          </a:prstGeom>
+          <a:noFill/>
+          <a:ln w="50800">
+            <a:solidFill>
+              <a:srgbClr val="C00000"/>
+            </a:solidFill>
+          </a:ln>
+        </p:spPr>
+        <p:style>
+          <a:lnRef idx="2">
+            <a:schemeClr val="accent1">
+              <a:shade val="50000"/>
+            </a:schemeClr>
+          </a:lnRef>
+          <a:fillRef idx="1">
+            <a:schemeClr val="accent1"/>
+          </a:fillRef>
+          <a:effectRef idx="0">
+            <a:schemeClr val="accent1"/>
+          </a:effectRef>
+          <a:fontRef idx="minor">
+            <a:schemeClr val="lt1"/>
+          </a:fontRef>
+        </p:style>
+        <p:txBody>
+          <a:bodyPr rtlCol="0" anchor="ctr"/>
+          <a:lstStyle/>
+          <a:p>
+            <a:pPr algn="ctr"/>
+            <a:endParaRPr lang="ko-KR" altLang="en-US" dirty="0"/>
+          </a:p>
+        </p:txBody>
+      </p:sp>
+      <p:cxnSp>
+        <p:nvCxnSpPr>
+          <p:cNvPr id="51" name="연결선: 꺾임 50">
+            <a:extLst>
+              <a:ext uri="{FF2B5EF4-FFF2-40B4-BE49-F238E27FC236}">
+                <a16:creationId xmlns:a16="http://schemas.microsoft.com/office/drawing/2014/main" id="{DF1075F4-760A-48D7-B61F-6B63142C989D}"/>
+              </a:ext>
+            </a:extLst>
+          </p:cNvPr>
+          <p:cNvCxnSpPr>
+            <a:cxnSpLocks/>
+            <a:stCxn id="38" idx="2"/>
+            <a:endCxn id="49" idx="2"/>
+          </p:cNvCxnSpPr>
+          <p:nvPr/>
+        </p:nvCxnSpPr>
+        <p:spPr>
+          <a:xfrm rot="16200000" flipH="1">
+            <a:off x="5775803" y="1798696"/>
+            <a:ext cx="12700" cy="2961623"/>
+          </a:xfrm>
+          <a:prstGeom prst="bentConnector3">
+            <a:avLst>
+              <a:gd name="adj1" fmla="val 5962496"/>
+            </a:avLst>
+          </a:prstGeom>
+          <a:ln w="57150">
+            <a:solidFill>
+              <a:srgbClr val="C00000"/>
+            </a:solidFill>
+          </a:ln>
+        </p:spPr>
+        <p:style>
+          <a:lnRef idx="1">
+            <a:schemeClr val="accent1"/>
+          </a:lnRef>
+          <a:fillRef idx="0">
+            <a:schemeClr val="accent1"/>
+          </a:fillRef>
+          <a:effectRef idx="0">
+            <a:schemeClr val="accent1"/>
+          </a:effectRef>
+          <a:fontRef idx="minor">
+            <a:schemeClr val="tx1"/>
+          </a:fontRef>
+        </p:style>
+      </p:cxnSp>
     </p:spTree>
     <p:extLst>
       <p:ext uri="{BB962C8B-B14F-4D97-AF65-F5344CB8AC3E}">
-        <p14:creationId xmlns:p14="http://schemas.microsoft.com/office/powerpoint/2010/main" val="2671169022"/>
+        <p14:creationId xmlns:p14="http://schemas.microsoft.com/office/powerpoint/2010/main" val="3765462064"/>
       </p:ext>
     </p:extLst>
   </p:cSld>
@@ -1254,14 +1735,14 @@
       </p:grpSpPr>
       <p:sp>
         <p:nvSpPr>
-          <p:cNvPr id="11" name="TextBox 10"/>
+          <p:cNvPr id="2" name="TextBox 1"/>
           <p:cNvSpPr txBox="1"/>
           <p:nvPr/>
         </p:nvSpPr>
         <p:spPr>
           <a:xfrm>
-            <a:off x="2762588" y="2091297"/>
-            <a:ext cx="809003" cy="584775"/>
+            <a:off x="4000500" y="2472873"/>
+            <a:ext cx="764953" cy="769441"/>
           </a:xfrm>
           <a:prstGeom prst="rect">
             <a:avLst/>
@@ -1274,361 +1755,87 @@
           </a:bodyPr>
           <a:lstStyle/>
           <a:p>
-            <a:pPr algn="ctr"/>
-            <a:r>
-              <a:rPr lang="en-US" altLang="ko-KR" sz="3200" spc="-150" dirty="0">
-                <a:solidFill>
-                  <a:srgbClr val="8DBABD"/>
-                </a:solidFill>
-                <a:latin typeface="Malgun Gothic Semilight" panose="020B0502040204020203" pitchFamily="34" charset="-127"/>
-                <a:ea typeface="Malgun Gothic Semilight" panose="020B0502040204020203" pitchFamily="34" charset="-127"/>
-              </a:rPr>
-              <a:t>Text</a:t>
-            </a:r>
-            <a:endParaRPr lang="ko-KR" altLang="en-US" sz="3200" spc="-150" dirty="0">
-              <a:solidFill>
-                <a:srgbClr val="8DBABD"/>
-              </a:solidFill>
-              <a:latin typeface="Malgun Gothic Semilight" panose="020B0502040204020203" pitchFamily="34" charset="-127"/>
-              <a:ea typeface="Malgun Gothic Semilight" panose="020B0502040204020203" pitchFamily="34" charset="-127"/>
-            </a:endParaRPr>
-          </a:p>
-        </p:txBody>
-      </p:sp>
-      <p:cxnSp>
-        <p:nvCxnSpPr>
-          <p:cNvPr id="14" name="직선 연결선 13"/>
-          <p:cNvCxnSpPr/>
-          <p:nvPr/>
-        </p:nvCxnSpPr>
-        <p:spPr>
-          <a:xfrm>
-            <a:off x="10430892" y="144941"/>
-            <a:ext cx="360000" cy="0"/>
-          </a:xfrm>
-          <a:prstGeom prst="line">
-            <a:avLst/>
-          </a:prstGeom>
-          <a:ln w="44450" cap="rnd">
-            <a:solidFill>
-              <a:srgbClr val="D0CECE"/>
-            </a:solidFill>
-          </a:ln>
-          <a:effectLst>
-            <a:outerShdw blurRad="50800" dist="38100" dir="5400000" algn="t" rotWithShape="0">
-              <a:prstClr val="black">
-                <a:alpha val="40000"/>
-              </a:prstClr>
-            </a:outerShdw>
-          </a:effectLst>
-        </p:spPr>
-        <p:style>
-          <a:lnRef idx="1">
-            <a:schemeClr val="accent1"/>
-          </a:lnRef>
-          <a:fillRef idx="0">
-            <a:schemeClr val="accent1"/>
-          </a:fillRef>
-          <a:effectRef idx="0">
-            <a:schemeClr val="accent1"/>
-          </a:effectRef>
-          <a:fontRef idx="minor">
-            <a:schemeClr val="tx1"/>
-          </a:fontRef>
-        </p:style>
-      </p:cxnSp>
-      <p:cxnSp>
-        <p:nvCxnSpPr>
-          <p:cNvPr id="15" name="직선 연결선 14"/>
-          <p:cNvCxnSpPr/>
-          <p:nvPr/>
-        </p:nvCxnSpPr>
-        <p:spPr>
-          <a:xfrm>
-            <a:off x="10858459" y="144941"/>
-            <a:ext cx="360000" cy="0"/>
-          </a:xfrm>
-          <a:prstGeom prst="line">
-            <a:avLst/>
-          </a:prstGeom>
-          <a:ln w="44450" cap="rnd">
-            <a:solidFill>
-              <a:schemeClr val="bg2">
-                <a:lumMod val="90000"/>
-              </a:schemeClr>
-            </a:solidFill>
-          </a:ln>
-          <a:effectLst>
-            <a:outerShdw blurRad="50800" dist="38100" dir="5400000" algn="t" rotWithShape="0">
-              <a:prstClr val="black">
-                <a:alpha val="40000"/>
-              </a:prstClr>
-            </a:outerShdw>
-          </a:effectLst>
-        </p:spPr>
-        <p:style>
-          <a:lnRef idx="1">
-            <a:schemeClr val="accent1"/>
-          </a:lnRef>
-          <a:fillRef idx="0">
-            <a:schemeClr val="accent1"/>
-          </a:fillRef>
-          <a:effectRef idx="0">
-            <a:schemeClr val="accent1"/>
-          </a:effectRef>
-          <a:fontRef idx="minor">
-            <a:schemeClr val="tx1"/>
-          </a:fontRef>
-        </p:style>
-      </p:cxnSp>
-      <p:cxnSp>
-        <p:nvCxnSpPr>
-          <p:cNvPr id="16" name="직선 연결선 15"/>
-          <p:cNvCxnSpPr/>
-          <p:nvPr/>
-        </p:nvCxnSpPr>
-        <p:spPr>
-          <a:xfrm>
-            <a:off x="11286026" y="144941"/>
-            <a:ext cx="360000" cy="0"/>
-          </a:xfrm>
-          <a:prstGeom prst="line">
-            <a:avLst/>
-          </a:prstGeom>
-          <a:ln w="44450" cap="rnd">
-            <a:solidFill>
-              <a:schemeClr val="bg2">
-                <a:lumMod val="90000"/>
-              </a:schemeClr>
-            </a:solidFill>
-          </a:ln>
-          <a:effectLst>
-            <a:outerShdw blurRad="50800" dist="38100" dir="5400000" algn="t" rotWithShape="0">
-              <a:prstClr val="black">
-                <a:alpha val="40000"/>
-              </a:prstClr>
-            </a:outerShdw>
-          </a:effectLst>
-        </p:spPr>
-        <p:style>
-          <a:lnRef idx="1">
-            <a:schemeClr val="accent1"/>
-          </a:lnRef>
-          <a:fillRef idx="0">
-            <a:schemeClr val="accent1"/>
-          </a:fillRef>
-          <a:effectRef idx="0">
-            <a:schemeClr val="accent1"/>
-          </a:effectRef>
-          <a:fontRef idx="minor">
-            <a:schemeClr val="tx1"/>
-          </a:fontRef>
-        </p:style>
-      </p:cxnSp>
-      <p:cxnSp>
-        <p:nvCxnSpPr>
-          <p:cNvPr id="17" name="직선 연결선 16"/>
-          <p:cNvCxnSpPr/>
-          <p:nvPr/>
-        </p:nvCxnSpPr>
-        <p:spPr>
-          <a:xfrm>
-            <a:off x="11713592" y="144941"/>
-            <a:ext cx="360000" cy="0"/>
-          </a:xfrm>
-          <a:prstGeom prst="line">
-            <a:avLst/>
-          </a:prstGeom>
-          <a:ln w="44450" cap="rnd">
-            <a:solidFill>
-              <a:srgbClr val="8DBABD"/>
-            </a:solidFill>
-          </a:ln>
-          <a:effectLst>
-            <a:outerShdw blurRad="50800" dist="38100" dir="5400000" algn="t" rotWithShape="0">
-              <a:prstClr val="black">
-                <a:alpha val="40000"/>
-              </a:prstClr>
-            </a:outerShdw>
-          </a:effectLst>
-        </p:spPr>
-        <p:style>
-          <a:lnRef idx="1">
-            <a:schemeClr val="accent1"/>
-          </a:lnRef>
-          <a:fillRef idx="0">
-            <a:schemeClr val="accent1"/>
-          </a:fillRef>
-          <a:effectRef idx="0">
-            <a:schemeClr val="accent1"/>
-          </a:effectRef>
-          <a:fontRef idx="minor">
-            <a:schemeClr val="tx1"/>
-          </a:fontRef>
-        </p:style>
-      </p:cxnSp>
-      <p:cxnSp>
-        <p:nvCxnSpPr>
-          <p:cNvPr id="18" name="직선 연결선 17"/>
-          <p:cNvCxnSpPr/>
-          <p:nvPr/>
-        </p:nvCxnSpPr>
-        <p:spPr>
-          <a:xfrm>
-            <a:off x="1026522" y="989148"/>
-            <a:ext cx="2160000" cy="0"/>
-          </a:xfrm>
-          <a:prstGeom prst="line">
-            <a:avLst/>
-          </a:prstGeom>
-          <a:ln>
-            <a:solidFill>
-              <a:schemeClr val="bg1">
-                <a:lumMod val="50000"/>
-              </a:schemeClr>
-            </a:solidFill>
-          </a:ln>
-        </p:spPr>
-        <p:style>
-          <a:lnRef idx="1">
-            <a:schemeClr val="accent1"/>
-          </a:lnRef>
-          <a:fillRef idx="0">
-            <a:schemeClr val="accent1"/>
-          </a:fillRef>
-          <a:effectRef idx="0">
-            <a:schemeClr val="accent1"/>
-          </a:effectRef>
-          <a:fontRef idx="minor">
-            <a:schemeClr val="tx1"/>
-          </a:fontRef>
-        </p:style>
-      </p:cxnSp>
-      <p:sp>
-        <p:nvSpPr>
-          <p:cNvPr id="19" name="TextBox 18"/>
-          <p:cNvSpPr txBox="1"/>
-          <p:nvPr/>
-        </p:nvSpPr>
-        <p:spPr>
-          <a:xfrm>
-            <a:off x="1069515" y="437393"/>
-            <a:ext cx="2076786" cy="584775"/>
-          </a:xfrm>
-          <a:prstGeom prst="rect">
-            <a:avLst/>
-          </a:prstGeom>
-          <a:noFill/>
-        </p:spPr>
-        <p:txBody>
-          <a:bodyPr wrap="none" rtlCol="0">
-            <a:spAutoFit/>
-          </a:bodyPr>
-          <a:lstStyle/>
-          <a:p>
-            <a:pPr algn="ctr"/>
-            <a:r>
-              <a:rPr lang="en-US" altLang="ko-KR" sz="3200" spc="-150" dirty="0">
+            <a:r>
+              <a:rPr lang="en-US" altLang="ko-KR" sz="4400" spc="-300">
                 <a:solidFill>
                   <a:srgbClr val="00002F"/>
                 </a:solidFill>
-                <a:latin typeface="Malgun Gothic Semilight" panose="020B0502040204020203" pitchFamily="34" charset="-127"/>
-                <a:ea typeface="Malgun Gothic Semilight" panose="020B0502040204020203" pitchFamily="34" charset="-127"/>
-              </a:rPr>
-              <a:t>CONTENTS</a:t>
-            </a:r>
-            <a:endParaRPr lang="ko-KR" altLang="en-US" sz="3200" spc="-150" dirty="0">
+                <a:latin typeface="HY중고딕" panose="02030600000101010101" pitchFamily="18" charset="-127"/>
+                <a:ea typeface="HY중고딕" panose="02030600000101010101" pitchFamily="18" charset="-127"/>
+              </a:rPr>
+              <a:t>04</a:t>
+            </a:r>
+            <a:endParaRPr lang="ko-KR" altLang="en-US" sz="4400" spc="-300">
               <a:solidFill>
                 <a:srgbClr val="00002F"/>
               </a:solidFill>
-              <a:latin typeface="Malgun Gothic Semilight" panose="020B0502040204020203" pitchFamily="34" charset="-127"/>
-              <a:ea typeface="Malgun Gothic Semilight" panose="020B0502040204020203" pitchFamily="34" charset="-127"/>
+              <a:latin typeface="HY중고딕" panose="02030600000101010101" pitchFamily="18" charset="-127"/>
+              <a:ea typeface="HY중고딕" panose="02030600000101010101" pitchFamily="18" charset="-127"/>
             </a:endParaRPr>
           </a:p>
         </p:txBody>
       </p:sp>
       <p:sp>
         <p:nvSpPr>
-          <p:cNvPr id="20" name="TextBox 19"/>
-          <p:cNvSpPr txBox="1"/>
+          <p:cNvPr id="3" name="직사각형 2"/>
+          <p:cNvSpPr/>
           <p:nvPr/>
         </p:nvSpPr>
         <p:spPr>
           <a:xfrm>
-            <a:off x="496409" y="498947"/>
-            <a:ext cx="532517" cy="461665"/>
+            <a:off x="4000499" y="3169741"/>
+            <a:ext cx="4200071" cy="473345"/>
           </a:xfrm>
           <a:prstGeom prst="rect">
             <a:avLst/>
           </a:prstGeom>
-          <a:noFill/>
-        </p:spPr>
+          <a:solidFill>
+            <a:srgbClr val="8DBABD"/>
+          </a:solidFill>
+          <a:ln>
+            <a:solidFill>
+              <a:srgbClr val="8DBABD"/>
+            </a:solidFill>
+          </a:ln>
+        </p:spPr>
+        <p:style>
+          <a:lnRef idx="2">
+            <a:schemeClr val="accent1">
+              <a:shade val="50000"/>
+            </a:schemeClr>
+          </a:lnRef>
+          <a:fillRef idx="1">
+            <a:schemeClr val="accent1"/>
+          </a:fillRef>
+          <a:effectRef idx="0">
+            <a:schemeClr val="accent1"/>
+          </a:effectRef>
+          <a:fontRef idx="minor">
+            <a:schemeClr val="lt1"/>
+          </a:fontRef>
+        </p:style>
         <p:txBody>
-          <a:bodyPr wrap="none" rtlCol="0">
-            <a:spAutoFit/>
-          </a:bodyPr>
+          <a:bodyPr rtlCol="0" anchor="ctr"/>
           <a:lstStyle/>
           <a:p>
             <a:pPr algn="ctr"/>
             <a:r>
-              <a:rPr lang="en-US" altLang="ko-KR" sz="2400" spc="-150" dirty="0">
-                <a:solidFill>
-                  <a:srgbClr val="00002F"/>
-                </a:solidFill>
-                <a:latin typeface="Malgun Gothic Semilight" panose="020B0502040204020203" pitchFamily="34" charset="-127"/>
-                <a:ea typeface="Malgun Gothic Semilight" panose="020B0502040204020203" pitchFamily="34" charset="-127"/>
-              </a:rPr>
-              <a:t>04.</a:t>
-            </a:r>
-            <a:endParaRPr lang="ko-KR" altLang="en-US" sz="2400" spc="-150" dirty="0">
-              <a:solidFill>
-                <a:srgbClr val="00002F"/>
-              </a:solidFill>
-              <a:latin typeface="Malgun Gothic Semilight" panose="020B0502040204020203" pitchFamily="34" charset="-127"/>
-              <a:ea typeface="Malgun Gothic Semilight" panose="020B0502040204020203" pitchFamily="34" charset="-127"/>
-            </a:endParaRPr>
-          </a:p>
-        </p:txBody>
-      </p:sp>
-      <p:sp>
-        <p:nvSpPr>
-          <p:cNvPr id="21" name="TextBox 20"/>
-          <p:cNvSpPr txBox="1"/>
-          <p:nvPr/>
-        </p:nvSpPr>
-        <p:spPr>
-          <a:xfrm>
-            <a:off x="1108242" y="1006929"/>
-            <a:ext cx="501997" cy="369332"/>
-          </a:xfrm>
-          <a:prstGeom prst="rect">
-            <a:avLst/>
-          </a:prstGeom>
-          <a:noFill/>
-        </p:spPr>
-        <p:txBody>
-          <a:bodyPr wrap="none" rtlCol="0">
-            <a:spAutoFit/>
-          </a:bodyPr>
-          <a:lstStyle/>
-          <a:p>
-            <a:pPr algn="ctr"/>
-            <a:r>
-              <a:rPr lang="en-US" altLang="ko-KR" spc="-150" dirty="0">
-                <a:solidFill>
-                  <a:srgbClr val="00002F"/>
-                </a:solidFill>
-                <a:latin typeface="Malgun Gothic Semilight" panose="020B0502040204020203" pitchFamily="34" charset="-127"/>
-                <a:ea typeface="Malgun Gothic Semilight" panose="020B0502040204020203" pitchFamily="34" charset="-127"/>
-              </a:rPr>
-              <a:t>Text</a:t>
-            </a:r>
-            <a:endParaRPr lang="ko-KR" altLang="en-US" spc="-150" dirty="0">
-              <a:solidFill>
-                <a:srgbClr val="00002F"/>
-              </a:solidFill>
-              <a:latin typeface="Malgun Gothic Semilight" panose="020B0502040204020203" pitchFamily="34" charset="-127"/>
-              <a:ea typeface="Malgun Gothic Semilight" panose="020B0502040204020203" pitchFamily="34" charset="-127"/>
+              <a:rPr lang="ko-KR" altLang="en-US">
+                <a:latin typeface="HY중고딕" panose="02030600000101010101" pitchFamily="18" charset="-127"/>
+                <a:ea typeface="HY중고딕" panose="02030600000101010101" pitchFamily="18" charset="-127"/>
+              </a:rPr>
+              <a:t>내용을 입력하세요</a:t>
+            </a:r>
+            <a:r>
+              <a:rPr lang="en-US" altLang="ko-KR">
+                <a:latin typeface="HY중고딕" panose="02030600000101010101" pitchFamily="18" charset="-127"/>
+                <a:ea typeface="HY중고딕" panose="02030600000101010101" pitchFamily="18" charset="-127"/>
+              </a:rPr>
+              <a:t>.</a:t>
+            </a:r>
+            <a:endParaRPr lang="ko-KR" altLang="en-US">
+              <a:latin typeface="HY중고딕" panose="02030600000101010101" pitchFamily="18" charset="-127"/>
+              <a:ea typeface="HY중고딕" panose="02030600000101010101" pitchFamily="18" charset="-127"/>
             </a:endParaRPr>
           </a:p>
         </p:txBody>
@@ -1636,7 +1843,7 @@
     </p:spTree>
     <p:extLst>
       <p:ext uri="{BB962C8B-B14F-4D97-AF65-F5344CB8AC3E}">
-        <p14:creationId xmlns:p14="http://schemas.microsoft.com/office/powerpoint/2010/main" val="2511007924"/>
+        <p14:creationId xmlns:p14="http://schemas.microsoft.com/office/powerpoint/2010/main" val="334047794"/>
       </p:ext>
     </p:extLst>
   </p:cSld>
@@ -1665,14 +1872,14 @@
       </p:grpSpPr>
       <p:sp>
         <p:nvSpPr>
-          <p:cNvPr id="2" name="TextBox 1"/>
+          <p:cNvPr id="11" name="TextBox 10"/>
           <p:cNvSpPr txBox="1"/>
           <p:nvPr/>
         </p:nvSpPr>
         <p:spPr>
           <a:xfrm>
-            <a:off x="4081736" y="2447473"/>
-            <a:ext cx="4028539" cy="1200329"/>
+            <a:off x="2762588" y="2091297"/>
+            <a:ext cx="809003" cy="584775"/>
           </a:xfrm>
           <a:prstGeom prst="rect">
             <a:avLst/>
@@ -1687,16 +1894,268 @@
           <a:p>
             <a:pPr algn="ctr"/>
             <a:r>
-              <a:rPr lang="en-US" altLang="ko-KR" sz="7200" spc="-300" dirty="0">
+              <a:rPr lang="en-US" altLang="ko-KR" sz="3200" spc="-150">
+                <a:solidFill>
+                  <a:srgbClr val="8DBABD"/>
+                </a:solidFill>
+                <a:latin typeface="Malgun Gothic Semilight" panose="020B0502040204020203" pitchFamily="34" charset="-127"/>
+                <a:ea typeface="Malgun Gothic Semilight" panose="020B0502040204020203" pitchFamily="34" charset="-127"/>
+              </a:rPr>
+              <a:t>Text</a:t>
+            </a:r>
+            <a:endParaRPr lang="ko-KR" altLang="en-US" sz="3200" spc="-150">
+              <a:solidFill>
+                <a:srgbClr val="8DBABD"/>
+              </a:solidFill>
+              <a:latin typeface="Malgun Gothic Semilight" panose="020B0502040204020203" pitchFamily="34" charset="-127"/>
+              <a:ea typeface="Malgun Gothic Semilight" panose="020B0502040204020203" pitchFamily="34" charset="-127"/>
+            </a:endParaRPr>
+          </a:p>
+        </p:txBody>
+      </p:sp>
+      <p:cxnSp>
+        <p:nvCxnSpPr>
+          <p:cNvPr id="14" name="직선 연결선 13"/>
+          <p:cNvCxnSpPr/>
+          <p:nvPr/>
+        </p:nvCxnSpPr>
+        <p:spPr>
+          <a:xfrm>
+            <a:off x="10430892" y="144941"/>
+            <a:ext cx="360000" cy="0"/>
+          </a:xfrm>
+          <a:prstGeom prst="line">
+            <a:avLst/>
+          </a:prstGeom>
+          <a:ln w="44450" cap="rnd">
+            <a:solidFill>
+              <a:srgbClr val="D0CECE"/>
+            </a:solidFill>
+          </a:ln>
+          <a:effectLst>
+            <a:outerShdw blurRad="50800" dist="38100" dir="5400000" algn="t" rotWithShape="0">
+              <a:prstClr val="black">
+                <a:alpha val="40000"/>
+              </a:prstClr>
+            </a:outerShdw>
+          </a:effectLst>
+        </p:spPr>
+        <p:style>
+          <a:lnRef idx="1">
+            <a:schemeClr val="accent1"/>
+          </a:lnRef>
+          <a:fillRef idx="0">
+            <a:schemeClr val="accent1"/>
+          </a:fillRef>
+          <a:effectRef idx="0">
+            <a:schemeClr val="accent1"/>
+          </a:effectRef>
+          <a:fontRef idx="minor">
+            <a:schemeClr val="tx1"/>
+          </a:fontRef>
+        </p:style>
+      </p:cxnSp>
+      <p:cxnSp>
+        <p:nvCxnSpPr>
+          <p:cNvPr id="15" name="직선 연결선 14"/>
+          <p:cNvCxnSpPr/>
+          <p:nvPr/>
+        </p:nvCxnSpPr>
+        <p:spPr>
+          <a:xfrm>
+            <a:off x="10858459" y="144941"/>
+            <a:ext cx="360000" cy="0"/>
+          </a:xfrm>
+          <a:prstGeom prst="line">
+            <a:avLst/>
+          </a:prstGeom>
+          <a:ln w="44450" cap="rnd">
+            <a:solidFill>
+              <a:schemeClr val="bg2">
+                <a:lumMod val="90000"/>
+              </a:schemeClr>
+            </a:solidFill>
+          </a:ln>
+          <a:effectLst>
+            <a:outerShdw blurRad="50800" dist="38100" dir="5400000" algn="t" rotWithShape="0">
+              <a:prstClr val="black">
+                <a:alpha val="40000"/>
+              </a:prstClr>
+            </a:outerShdw>
+          </a:effectLst>
+        </p:spPr>
+        <p:style>
+          <a:lnRef idx="1">
+            <a:schemeClr val="accent1"/>
+          </a:lnRef>
+          <a:fillRef idx="0">
+            <a:schemeClr val="accent1"/>
+          </a:fillRef>
+          <a:effectRef idx="0">
+            <a:schemeClr val="accent1"/>
+          </a:effectRef>
+          <a:fontRef idx="minor">
+            <a:schemeClr val="tx1"/>
+          </a:fontRef>
+        </p:style>
+      </p:cxnSp>
+      <p:cxnSp>
+        <p:nvCxnSpPr>
+          <p:cNvPr id="16" name="직선 연결선 15"/>
+          <p:cNvCxnSpPr/>
+          <p:nvPr/>
+        </p:nvCxnSpPr>
+        <p:spPr>
+          <a:xfrm>
+            <a:off x="11286026" y="144941"/>
+            <a:ext cx="360000" cy="0"/>
+          </a:xfrm>
+          <a:prstGeom prst="line">
+            <a:avLst/>
+          </a:prstGeom>
+          <a:ln w="44450" cap="rnd">
+            <a:solidFill>
+              <a:schemeClr val="bg2">
+                <a:lumMod val="90000"/>
+              </a:schemeClr>
+            </a:solidFill>
+          </a:ln>
+          <a:effectLst>
+            <a:outerShdw blurRad="50800" dist="38100" dir="5400000" algn="t" rotWithShape="0">
+              <a:prstClr val="black">
+                <a:alpha val="40000"/>
+              </a:prstClr>
+            </a:outerShdw>
+          </a:effectLst>
+        </p:spPr>
+        <p:style>
+          <a:lnRef idx="1">
+            <a:schemeClr val="accent1"/>
+          </a:lnRef>
+          <a:fillRef idx="0">
+            <a:schemeClr val="accent1"/>
+          </a:fillRef>
+          <a:effectRef idx="0">
+            <a:schemeClr val="accent1"/>
+          </a:effectRef>
+          <a:fontRef idx="minor">
+            <a:schemeClr val="tx1"/>
+          </a:fontRef>
+        </p:style>
+      </p:cxnSp>
+      <p:cxnSp>
+        <p:nvCxnSpPr>
+          <p:cNvPr id="17" name="직선 연결선 16"/>
+          <p:cNvCxnSpPr/>
+          <p:nvPr/>
+        </p:nvCxnSpPr>
+        <p:spPr>
+          <a:xfrm>
+            <a:off x="11713592" y="144941"/>
+            <a:ext cx="360000" cy="0"/>
+          </a:xfrm>
+          <a:prstGeom prst="line">
+            <a:avLst/>
+          </a:prstGeom>
+          <a:ln w="44450" cap="rnd">
+            <a:solidFill>
+              <a:srgbClr val="8DBABD"/>
+            </a:solidFill>
+          </a:ln>
+          <a:effectLst>
+            <a:outerShdw blurRad="50800" dist="38100" dir="5400000" algn="t" rotWithShape="0">
+              <a:prstClr val="black">
+                <a:alpha val="40000"/>
+              </a:prstClr>
+            </a:outerShdw>
+          </a:effectLst>
+        </p:spPr>
+        <p:style>
+          <a:lnRef idx="1">
+            <a:schemeClr val="accent1"/>
+          </a:lnRef>
+          <a:fillRef idx="0">
+            <a:schemeClr val="accent1"/>
+          </a:fillRef>
+          <a:effectRef idx="0">
+            <a:schemeClr val="accent1"/>
+          </a:effectRef>
+          <a:fontRef idx="minor">
+            <a:schemeClr val="tx1"/>
+          </a:fontRef>
+        </p:style>
+      </p:cxnSp>
+      <p:cxnSp>
+        <p:nvCxnSpPr>
+          <p:cNvPr id="18" name="직선 연결선 17"/>
+          <p:cNvCxnSpPr/>
+          <p:nvPr/>
+        </p:nvCxnSpPr>
+        <p:spPr>
+          <a:xfrm>
+            <a:off x="1026522" y="989148"/>
+            <a:ext cx="2160000" cy="0"/>
+          </a:xfrm>
+          <a:prstGeom prst="line">
+            <a:avLst/>
+          </a:prstGeom>
+          <a:ln>
+            <a:solidFill>
+              <a:schemeClr val="bg1">
+                <a:lumMod val="50000"/>
+              </a:schemeClr>
+            </a:solidFill>
+          </a:ln>
+        </p:spPr>
+        <p:style>
+          <a:lnRef idx="1">
+            <a:schemeClr val="accent1"/>
+          </a:lnRef>
+          <a:fillRef idx="0">
+            <a:schemeClr val="accent1"/>
+          </a:fillRef>
+          <a:effectRef idx="0">
+            <a:schemeClr val="accent1"/>
+          </a:effectRef>
+          <a:fontRef idx="minor">
+            <a:schemeClr val="tx1"/>
+          </a:fontRef>
+        </p:style>
+      </p:cxnSp>
+      <p:sp>
+        <p:nvSpPr>
+          <p:cNvPr id="19" name="TextBox 18"/>
+          <p:cNvSpPr txBox="1"/>
+          <p:nvPr/>
+        </p:nvSpPr>
+        <p:spPr>
+          <a:xfrm>
+            <a:off x="1069515" y="437393"/>
+            <a:ext cx="2076786" cy="584775"/>
+          </a:xfrm>
+          <a:prstGeom prst="rect">
+            <a:avLst/>
+          </a:prstGeom>
+          <a:noFill/>
+        </p:spPr>
+        <p:txBody>
+          <a:bodyPr wrap="none" rtlCol="0">
+            <a:spAutoFit/>
+          </a:bodyPr>
+          <a:lstStyle/>
+          <a:p>
+            <a:pPr algn="ctr"/>
+            <a:r>
+              <a:rPr lang="en-US" altLang="ko-KR" sz="3200" spc="-150">
                 <a:solidFill>
                   <a:srgbClr val="00002F"/>
                 </a:solidFill>
                 <a:latin typeface="Malgun Gothic Semilight" panose="020B0502040204020203" pitchFamily="34" charset="-127"/>
                 <a:ea typeface="Malgun Gothic Semilight" panose="020B0502040204020203" pitchFamily="34" charset="-127"/>
               </a:rPr>
-              <a:t>Thank you</a:t>
-            </a:r>
-            <a:endParaRPr lang="ko-KR" altLang="en-US" sz="7200" spc="-300" dirty="0">
+              <a:t>CONTENTS</a:t>
+            </a:r>
+            <a:endParaRPr lang="ko-KR" altLang="en-US" sz="3200" spc="-150">
               <a:solidFill>
                 <a:srgbClr val="00002F"/>
               </a:solidFill>
@@ -1708,14 +2167,172 @@
       </p:sp>
       <p:sp>
         <p:nvSpPr>
+          <p:cNvPr id="20" name="TextBox 19"/>
+          <p:cNvSpPr txBox="1"/>
+          <p:nvPr/>
+        </p:nvSpPr>
+        <p:spPr>
+          <a:xfrm>
+            <a:off x="496409" y="498947"/>
+            <a:ext cx="532517" cy="461665"/>
+          </a:xfrm>
+          <a:prstGeom prst="rect">
+            <a:avLst/>
+          </a:prstGeom>
+          <a:noFill/>
+        </p:spPr>
+        <p:txBody>
+          <a:bodyPr wrap="none" rtlCol="0">
+            <a:spAutoFit/>
+          </a:bodyPr>
+          <a:lstStyle/>
+          <a:p>
+            <a:pPr algn="ctr"/>
+            <a:r>
+              <a:rPr lang="en-US" altLang="ko-KR" sz="2400" spc="-150">
+                <a:solidFill>
+                  <a:srgbClr val="00002F"/>
+                </a:solidFill>
+                <a:latin typeface="Malgun Gothic Semilight" panose="020B0502040204020203" pitchFamily="34" charset="-127"/>
+                <a:ea typeface="Malgun Gothic Semilight" panose="020B0502040204020203" pitchFamily="34" charset="-127"/>
+              </a:rPr>
+              <a:t>04.</a:t>
+            </a:r>
+            <a:endParaRPr lang="ko-KR" altLang="en-US" sz="2400" spc="-150">
+              <a:solidFill>
+                <a:srgbClr val="00002F"/>
+              </a:solidFill>
+              <a:latin typeface="Malgun Gothic Semilight" panose="020B0502040204020203" pitchFamily="34" charset="-127"/>
+              <a:ea typeface="Malgun Gothic Semilight" panose="020B0502040204020203" pitchFamily="34" charset="-127"/>
+            </a:endParaRPr>
+          </a:p>
+        </p:txBody>
+      </p:sp>
+      <p:sp>
+        <p:nvSpPr>
+          <p:cNvPr id="21" name="TextBox 20"/>
+          <p:cNvSpPr txBox="1"/>
+          <p:nvPr/>
+        </p:nvSpPr>
+        <p:spPr>
+          <a:xfrm>
+            <a:off x="1108242" y="1006929"/>
+            <a:ext cx="501997" cy="369332"/>
+          </a:xfrm>
+          <a:prstGeom prst="rect">
+            <a:avLst/>
+          </a:prstGeom>
+          <a:noFill/>
+        </p:spPr>
+        <p:txBody>
+          <a:bodyPr wrap="none" rtlCol="0">
+            <a:spAutoFit/>
+          </a:bodyPr>
+          <a:lstStyle/>
+          <a:p>
+            <a:pPr algn="ctr"/>
+            <a:r>
+              <a:rPr lang="en-US" altLang="ko-KR" spc="-150">
+                <a:solidFill>
+                  <a:srgbClr val="00002F"/>
+                </a:solidFill>
+                <a:latin typeface="Malgun Gothic Semilight" panose="020B0502040204020203" pitchFamily="34" charset="-127"/>
+                <a:ea typeface="Malgun Gothic Semilight" panose="020B0502040204020203" pitchFamily="34" charset="-127"/>
+              </a:rPr>
+              <a:t>Text</a:t>
+            </a:r>
+            <a:endParaRPr lang="ko-KR" altLang="en-US" spc="-150">
+              <a:solidFill>
+                <a:srgbClr val="00002F"/>
+              </a:solidFill>
+              <a:latin typeface="Malgun Gothic Semilight" panose="020B0502040204020203" pitchFamily="34" charset="-127"/>
+              <a:ea typeface="Malgun Gothic Semilight" panose="020B0502040204020203" pitchFamily="34" charset="-127"/>
+            </a:endParaRPr>
+          </a:p>
+        </p:txBody>
+      </p:sp>
+    </p:spTree>
+    <p:extLst>
+      <p:ext uri="{BB962C8B-B14F-4D97-AF65-F5344CB8AC3E}">
+        <p14:creationId xmlns:p14="http://schemas.microsoft.com/office/powerpoint/2010/main" val="2755263843"/>
+      </p:ext>
+    </p:extLst>
+  </p:cSld>
+  <p:clrMapOvr>
+    <a:masterClrMapping/>
+  </p:clrMapOvr>
+</p:sld>
+</file>
+
+<file path=ppt/slides/slide13.xml><?xml version="1.0" encoding="utf-8"?>
+<p:sld xmlns:a="http://schemas.openxmlformats.org/drawingml/2006/main" xmlns:r="http://schemas.openxmlformats.org/officeDocument/2006/relationships" xmlns:p="http://schemas.openxmlformats.org/presentationml/2006/main">
+  <p:cSld>
+    <p:spTree>
+      <p:nvGrpSpPr>
+        <p:cNvPr id="1" name=""/>
+        <p:cNvGrpSpPr/>
+        <p:nvPr/>
+      </p:nvGrpSpPr>
+      <p:grpSpPr>
+        <a:xfrm>
+          <a:off x="0" y="0"/>
+          <a:ext cx="0" cy="0"/>
+          <a:chOff x="0" y="0"/>
+          <a:chExt cx="0" cy="0"/>
+        </a:xfrm>
+      </p:grpSpPr>
+      <p:sp>
+        <p:nvSpPr>
+          <p:cNvPr id="2" name="TextBox 1"/>
+          <p:cNvSpPr txBox="1"/>
+          <p:nvPr/>
+        </p:nvSpPr>
+        <p:spPr>
+          <a:xfrm>
+            <a:off x="4000500" y="2472873"/>
+            <a:ext cx="764953" cy="769441"/>
+          </a:xfrm>
+          <a:prstGeom prst="rect">
+            <a:avLst/>
+          </a:prstGeom>
+          <a:noFill/>
+        </p:spPr>
+        <p:txBody>
+          <a:bodyPr wrap="none" rtlCol="0">
+            <a:spAutoFit/>
+          </a:bodyPr>
+          <a:lstStyle/>
+          <a:p>
+            <a:r>
+              <a:rPr lang="en-US" altLang="ko-KR" sz="4400" spc="-300" dirty="0">
+                <a:solidFill>
+                  <a:srgbClr val="00002F"/>
+                </a:solidFill>
+                <a:latin typeface="HY중고딕" panose="02030600000101010101" pitchFamily="18" charset="-127"/>
+                <a:ea typeface="HY중고딕" panose="02030600000101010101" pitchFamily="18" charset="-127"/>
+              </a:rPr>
+              <a:t>05</a:t>
+            </a:r>
+            <a:endParaRPr lang="ko-KR" altLang="en-US" sz="4400" spc="-300" dirty="0">
+              <a:solidFill>
+                <a:srgbClr val="00002F"/>
+              </a:solidFill>
+              <a:latin typeface="HY중고딕" panose="02030600000101010101" pitchFamily="18" charset="-127"/>
+              <a:ea typeface="HY중고딕" panose="02030600000101010101" pitchFamily="18" charset="-127"/>
+            </a:endParaRPr>
+          </a:p>
+        </p:txBody>
+      </p:sp>
+      <p:sp>
+        <p:nvSpPr>
           <p:cNvPr id="3" name="직사각형 2"/>
           <p:cNvSpPr/>
           <p:nvPr/>
         </p:nvSpPr>
         <p:spPr>
           <a:xfrm>
-            <a:off x="4000499" y="3591816"/>
-            <a:ext cx="4200071" cy="391195"/>
+            <a:off x="4000499" y="3169741"/>
+            <a:ext cx="4200071" cy="473345"/>
           </a:xfrm>
           <a:prstGeom prst="rect">
             <a:avLst/>
@@ -1751,11 +2368,25 @@
           <a:p>
             <a:pPr algn="ctr"/>
             <a:r>
-              <a:rPr lang="ko-KR" altLang="en-US" dirty="0" err="1">
+              <a:rPr lang="en-US" altLang="ko-KR" dirty="0">
                 <a:latin typeface="HY중고딕" panose="02030600000101010101" pitchFamily="18" charset="-127"/>
                 <a:ea typeface="HY중고딕" panose="02030600000101010101" pitchFamily="18" charset="-127"/>
               </a:rPr>
-              <a:t>나눔스퀘어</a:t>
+              <a:t>Architectural</a:t>
+            </a:r>
+            <a:r>
+              <a:rPr lang="ko-KR" altLang="en-US" dirty="0">
+                <a:latin typeface="HY중고딕" panose="02030600000101010101" pitchFamily="18" charset="-127"/>
+                <a:ea typeface="HY중고딕" panose="02030600000101010101" pitchFamily="18" charset="-127"/>
+              </a:rPr>
+              <a:t> </a:t>
+            </a:r>
+            <a:r>
+              <a:rPr lang="en-US" altLang="ko-KR" dirty="0">
+                <a:latin typeface="HY중고딕" panose="02030600000101010101" pitchFamily="18" charset="-127"/>
+                <a:ea typeface="HY중고딕" panose="02030600000101010101" pitchFamily="18" charset="-127"/>
+              </a:rPr>
+              <a:t>Model</a:t>
             </a:r>
             <a:endParaRPr lang="ko-KR" altLang="en-US" dirty="0">
               <a:latin typeface="HY중고딕" panose="02030600000101010101" pitchFamily="18" charset="-127"/>
@@ -1767,7 +2398,2297 @@
     </p:spTree>
     <p:extLst>
       <p:ext uri="{BB962C8B-B14F-4D97-AF65-F5344CB8AC3E}">
-        <p14:creationId xmlns:p14="http://schemas.microsoft.com/office/powerpoint/2010/main" val="4116967652"/>
+        <p14:creationId xmlns:p14="http://schemas.microsoft.com/office/powerpoint/2010/main" val="2831566107"/>
+      </p:ext>
+    </p:extLst>
+  </p:cSld>
+  <p:clrMapOvr>
+    <a:masterClrMapping/>
+  </p:clrMapOvr>
+</p:sld>
+</file>
+
+<file path=ppt/slides/slide14.xml><?xml version="1.0" encoding="utf-8"?>
+<p:sld xmlns:a="http://schemas.openxmlformats.org/drawingml/2006/main" xmlns:r="http://schemas.openxmlformats.org/officeDocument/2006/relationships" xmlns:p="http://schemas.openxmlformats.org/presentationml/2006/main">
+  <p:cSld>
+    <p:spTree>
+      <p:nvGrpSpPr>
+        <p:cNvPr id="1" name=""/>
+        <p:cNvGrpSpPr/>
+        <p:nvPr/>
+      </p:nvGrpSpPr>
+      <p:grpSpPr>
+        <a:xfrm>
+          <a:off x="0" y="0"/>
+          <a:ext cx="0" cy="0"/>
+          <a:chOff x="0" y="0"/>
+          <a:chExt cx="0" cy="0"/>
+        </a:xfrm>
+      </p:grpSpPr>
+      <p:sp>
+        <p:nvSpPr>
+          <p:cNvPr id="11" name="TextBox 10"/>
+          <p:cNvSpPr txBox="1"/>
+          <p:nvPr/>
+        </p:nvSpPr>
+        <p:spPr>
+          <a:xfrm>
+            <a:off x="3799480" y="1232977"/>
+            <a:ext cx="4439036" cy="707886"/>
+          </a:xfrm>
+          <a:prstGeom prst="rect">
+            <a:avLst/>
+          </a:prstGeom>
+          <a:noFill/>
+        </p:spPr>
+        <p:txBody>
+          <a:bodyPr wrap="none" rtlCol="0">
+            <a:spAutoFit/>
+          </a:bodyPr>
+          <a:lstStyle/>
+          <a:p>
+            <a:pPr algn="ctr"/>
+            <a:r>
+              <a:rPr lang="en-US" altLang="ko-KR" sz="4000" b="1" spc="-150" dirty="0">
+                <a:solidFill>
+                  <a:srgbClr val="8DBABD"/>
+                </a:solidFill>
+                <a:latin typeface="Malgun Gothic Semilight" panose="020B0502040204020203" pitchFamily="34" charset="-127"/>
+                <a:ea typeface="Malgun Gothic Semilight" panose="020B0502040204020203" pitchFamily="34" charset="-127"/>
+              </a:rPr>
+              <a:t>Layered Architecture</a:t>
+            </a:r>
+            <a:endParaRPr lang="ko-KR" altLang="en-US" sz="4000" b="1" spc="-150" dirty="0">
+              <a:solidFill>
+                <a:srgbClr val="8DBABD"/>
+              </a:solidFill>
+              <a:latin typeface="Malgun Gothic Semilight" panose="020B0502040204020203" pitchFamily="34" charset="-127"/>
+              <a:ea typeface="Malgun Gothic Semilight" panose="020B0502040204020203" pitchFamily="34" charset="-127"/>
+            </a:endParaRPr>
+          </a:p>
+        </p:txBody>
+      </p:sp>
+      <p:cxnSp>
+        <p:nvCxnSpPr>
+          <p:cNvPr id="14" name="직선 연결선 13"/>
+          <p:cNvCxnSpPr/>
+          <p:nvPr/>
+        </p:nvCxnSpPr>
+        <p:spPr>
+          <a:xfrm>
+            <a:off x="10430892" y="144941"/>
+            <a:ext cx="360000" cy="0"/>
+          </a:xfrm>
+          <a:prstGeom prst="line">
+            <a:avLst/>
+          </a:prstGeom>
+          <a:ln w="44450" cap="rnd">
+            <a:solidFill>
+              <a:srgbClr val="D0CECE"/>
+            </a:solidFill>
+          </a:ln>
+          <a:effectLst>
+            <a:outerShdw blurRad="50800" dist="38100" dir="5400000" algn="t" rotWithShape="0">
+              <a:prstClr val="black">
+                <a:alpha val="40000"/>
+              </a:prstClr>
+            </a:outerShdw>
+          </a:effectLst>
+        </p:spPr>
+        <p:style>
+          <a:lnRef idx="1">
+            <a:schemeClr val="accent1"/>
+          </a:lnRef>
+          <a:fillRef idx="0">
+            <a:schemeClr val="accent1"/>
+          </a:fillRef>
+          <a:effectRef idx="0">
+            <a:schemeClr val="accent1"/>
+          </a:effectRef>
+          <a:fontRef idx="minor">
+            <a:schemeClr val="tx1"/>
+          </a:fontRef>
+        </p:style>
+      </p:cxnSp>
+      <p:cxnSp>
+        <p:nvCxnSpPr>
+          <p:cNvPr id="15" name="직선 연결선 14"/>
+          <p:cNvCxnSpPr/>
+          <p:nvPr/>
+        </p:nvCxnSpPr>
+        <p:spPr>
+          <a:xfrm>
+            <a:off x="10858459" y="144941"/>
+            <a:ext cx="360000" cy="0"/>
+          </a:xfrm>
+          <a:prstGeom prst="line">
+            <a:avLst/>
+          </a:prstGeom>
+          <a:ln w="44450" cap="rnd">
+            <a:solidFill>
+              <a:schemeClr val="bg2">
+                <a:lumMod val="90000"/>
+              </a:schemeClr>
+            </a:solidFill>
+          </a:ln>
+          <a:effectLst>
+            <a:outerShdw blurRad="50800" dist="38100" dir="5400000" algn="t" rotWithShape="0">
+              <a:prstClr val="black">
+                <a:alpha val="40000"/>
+              </a:prstClr>
+            </a:outerShdw>
+          </a:effectLst>
+        </p:spPr>
+        <p:style>
+          <a:lnRef idx="1">
+            <a:schemeClr val="accent1"/>
+          </a:lnRef>
+          <a:fillRef idx="0">
+            <a:schemeClr val="accent1"/>
+          </a:fillRef>
+          <a:effectRef idx="0">
+            <a:schemeClr val="accent1"/>
+          </a:effectRef>
+          <a:fontRef idx="minor">
+            <a:schemeClr val="tx1"/>
+          </a:fontRef>
+        </p:style>
+      </p:cxnSp>
+      <p:cxnSp>
+        <p:nvCxnSpPr>
+          <p:cNvPr id="16" name="직선 연결선 15"/>
+          <p:cNvCxnSpPr/>
+          <p:nvPr/>
+        </p:nvCxnSpPr>
+        <p:spPr>
+          <a:xfrm>
+            <a:off x="11286026" y="144941"/>
+            <a:ext cx="360000" cy="0"/>
+          </a:xfrm>
+          <a:prstGeom prst="line">
+            <a:avLst/>
+          </a:prstGeom>
+          <a:ln w="44450" cap="rnd">
+            <a:solidFill>
+              <a:schemeClr val="bg2">
+                <a:lumMod val="90000"/>
+              </a:schemeClr>
+            </a:solidFill>
+          </a:ln>
+          <a:effectLst>
+            <a:outerShdw blurRad="50800" dist="38100" dir="5400000" algn="t" rotWithShape="0">
+              <a:prstClr val="black">
+                <a:alpha val="40000"/>
+              </a:prstClr>
+            </a:outerShdw>
+          </a:effectLst>
+        </p:spPr>
+        <p:style>
+          <a:lnRef idx="1">
+            <a:schemeClr val="accent1"/>
+          </a:lnRef>
+          <a:fillRef idx="0">
+            <a:schemeClr val="accent1"/>
+          </a:fillRef>
+          <a:effectRef idx="0">
+            <a:schemeClr val="accent1"/>
+          </a:effectRef>
+          <a:fontRef idx="minor">
+            <a:schemeClr val="tx1"/>
+          </a:fontRef>
+        </p:style>
+      </p:cxnSp>
+      <p:cxnSp>
+        <p:nvCxnSpPr>
+          <p:cNvPr id="17" name="직선 연결선 16"/>
+          <p:cNvCxnSpPr/>
+          <p:nvPr/>
+        </p:nvCxnSpPr>
+        <p:spPr>
+          <a:xfrm>
+            <a:off x="11713592" y="144941"/>
+            <a:ext cx="360000" cy="0"/>
+          </a:xfrm>
+          <a:prstGeom prst="line">
+            <a:avLst/>
+          </a:prstGeom>
+          <a:ln w="44450" cap="rnd">
+            <a:solidFill>
+              <a:srgbClr val="8DBABD"/>
+            </a:solidFill>
+          </a:ln>
+          <a:effectLst>
+            <a:outerShdw blurRad="50800" dist="38100" dir="5400000" algn="t" rotWithShape="0">
+              <a:prstClr val="black">
+                <a:alpha val="40000"/>
+              </a:prstClr>
+            </a:outerShdw>
+          </a:effectLst>
+        </p:spPr>
+        <p:style>
+          <a:lnRef idx="1">
+            <a:schemeClr val="accent1"/>
+          </a:lnRef>
+          <a:fillRef idx="0">
+            <a:schemeClr val="accent1"/>
+          </a:fillRef>
+          <a:effectRef idx="0">
+            <a:schemeClr val="accent1"/>
+          </a:effectRef>
+          <a:fontRef idx="minor">
+            <a:schemeClr val="tx1"/>
+          </a:fontRef>
+        </p:style>
+      </p:cxnSp>
+      <p:cxnSp>
+        <p:nvCxnSpPr>
+          <p:cNvPr id="18" name="직선 연결선 17"/>
+          <p:cNvCxnSpPr>
+            <a:cxnSpLocks/>
+          </p:cNvCxnSpPr>
+          <p:nvPr/>
+        </p:nvCxnSpPr>
+        <p:spPr>
+          <a:xfrm>
+            <a:off x="1026522" y="989148"/>
+            <a:ext cx="3258731" cy="0"/>
+          </a:xfrm>
+          <a:prstGeom prst="line">
+            <a:avLst/>
+          </a:prstGeom>
+          <a:ln>
+            <a:solidFill>
+              <a:schemeClr val="bg1">
+                <a:lumMod val="50000"/>
+              </a:schemeClr>
+            </a:solidFill>
+          </a:ln>
+        </p:spPr>
+        <p:style>
+          <a:lnRef idx="1">
+            <a:schemeClr val="accent1"/>
+          </a:lnRef>
+          <a:fillRef idx="0">
+            <a:schemeClr val="accent1"/>
+          </a:fillRef>
+          <a:effectRef idx="0">
+            <a:schemeClr val="accent1"/>
+          </a:effectRef>
+          <a:fontRef idx="minor">
+            <a:schemeClr val="tx1"/>
+          </a:fontRef>
+        </p:style>
+      </p:cxnSp>
+      <p:sp>
+        <p:nvSpPr>
+          <p:cNvPr id="19" name="TextBox 18"/>
+          <p:cNvSpPr txBox="1"/>
+          <p:nvPr/>
+        </p:nvSpPr>
+        <p:spPr>
+          <a:xfrm>
+            <a:off x="937862" y="422154"/>
+            <a:ext cx="3347391" cy="584775"/>
+          </a:xfrm>
+          <a:prstGeom prst="rect">
+            <a:avLst/>
+          </a:prstGeom>
+          <a:noFill/>
+        </p:spPr>
+        <p:txBody>
+          <a:bodyPr wrap="none" rtlCol="0">
+            <a:spAutoFit/>
+          </a:bodyPr>
+          <a:lstStyle/>
+          <a:p>
+            <a:pPr algn="ctr"/>
+            <a:r>
+              <a:rPr lang="en-US" altLang="ko-KR" sz="3200" spc="-150" dirty="0">
+                <a:solidFill>
+                  <a:srgbClr val="00002F"/>
+                </a:solidFill>
+                <a:latin typeface="Malgun Gothic Semilight" panose="020B0502040204020203" pitchFamily="34" charset="-127"/>
+                <a:ea typeface="Malgun Gothic Semilight" panose="020B0502040204020203" pitchFamily="34" charset="-127"/>
+              </a:rPr>
+              <a:t>Architectural Model</a:t>
+            </a:r>
+            <a:endParaRPr lang="ko-KR" altLang="en-US" sz="3200" spc="-150" dirty="0">
+              <a:solidFill>
+                <a:srgbClr val="00002F"/>
+              </a:solidFill>
+              <a:latin typeface="Malgun Gothic Semilight" panose="020B0502040204020203" pitchFamily="34" charset="-127"/>
+              <a:ea typeface="Malgun Gothic Semilight" panose="020B0502040204020203" pitchFamily="34" charset="-127"/>
+            </a:endParaRPr>
+          </a:p>
+        </p:txBody>
+      </p:sp>
+      <p:sp>
+        <p:nvSpPr>
+          <p:cNvPr id="20" name="TextBox 19"/>
+          <p:cNvSpPr txBox="1"/>
+          <p:nvPr/>
+        </p:nvSpPr>
+        <p:spPr>
+          <a:xfrm>
+            <a:off x="496409" y="498947"/>
+            <a:ext cx="532517" cy="461665"/>
+          </a:xfrm>
+          <a:prstGeom prst="rect">
+            <a:avLst/>
+          </a:prstGeom>
+          <a:noFill/>
+        </p:spPr>
+        <p:txBody>
+          <a:bodyPr wrap="none" rtlCol="0">
+            <a:spAutoFit/>
+          </a:bodyPr>
+          <a:lstStyle/>
+          <a:p>
+            <a:pPr algn="ctr"/>
+            <a:r>
+              <a:rPr lang="en-US" altLang="ko-KR" sz="2400" spc="-150" dirty="0">
+                <a:solidFill>
+                  <a:srgbClr val="00002F"/>
+                </a:solidFill>
+                <a:latin typeface="Malgun Gothic Semilight" panose="020B0502040204020203" pitchFamily="34" charset="-127"/>
+                <a:ea typeface="Malgun Gothic Semilight" panose="020B0502040204020203" pitchFamily="34" charset="-127"/>
+              </a:rPr>
+              <a:t>05.</a:t>
+            </a:r>
+            <a:endParaRPr lang="ko-KR" altLang="en-US" sz="2400" spc="-150" dirty="0">
+              <a:solidFill>
+                <a:srgbClr val="00002F"/>
+              </a:solidFill>
+              <a:latin typeface="Malgun Gothic Semilight" panose="020B0502040204020203" pitchFamily="34" charset="-127"/>
+              <a:ea typeface="Malgun Gothic Semilight" panose="020B0502040204020203" pitchFamily="34" charset="-127"/>
+            </a:endParaRPr>
+          </a:p>
+        </p:txBody>
+      </p:sp>
+      <p:pic>
+        <p:nvPicPr>
+          <p:cNvPr id="4" name="Picture 3">
+            <a:extLst>
+              <a:ext uri="{FF2B5EF4-FFF2-40B4-BE49-F238E27FC236}">
+                <a16:creationId xmlns:a16="http://schemas.microsoft.com/office/drawing/2014/main" id="{78A9E877-2873-4F14-9587-FF3FB0EFE392}"/>
+              </a:ext>
+            </a:extLst>
+          </p:cNvPr>
+          <p:cNvPicPr>
+            <a:picLocks noChangeAspect="1"/>
+          </p:cNvPicPr>
+          <p:nvPr/>
+        </p:nvPicPr>
+        <p:blipFill rotWithShape="1">
+          <a:blip r:embed="rId2"/>
+          <a:srcRect l="2390" t="3977" r="2924" b="4358"/>
+          <a:stretch/>
+        </p:blipFill>
+        <p:spPr>
+          <a:xfrm>
+            <a:off x="2853801" y="2117555"/>
+            <a:ext cx="6290200" cy="4090737"/>
+          </a:xfrm>
+          <a:prstGeom prst="rect">
+            <a:avLst/>
+          </a:prstGeom>
+        </p:spPr>
+      </p:pic>
+      <p:sp>
+        <p:nvSpPr>
+          <p:cNvPr id="5" name="TextBox 4">
+            <a:extLst>
+              <a:ext uri="{FF2B5EF4-FFF2-40B4-BE49-F238E27FC236}">
+                <a16:creationId xmlns:a16="http://schemas.microsoft.com/office/drawing/2014/main" id="{CB3D56C9-6CCA-4F0B-A41E-CAA4A52CE0E6}"/>
+              </a:ext>
+            </a:extLst>
+          </p:cNvPr>
+          <p:cNvSpPr txBox="1"/>
+          <p:nvPr/>
+        </p:nvSpPr>
+        <p:spPr>
+          <a:xfrm>
+            <a:off x="4321584" y="1988742"/>
+            <a:ext cx="3202317" cy="816955"/>
+          </a:xfrm>
+          <a:prstGeom prst="rect">
+            <a:avLst/>
+          </a:prstGeom>
+          <a:noFill/>
+        </p:spPr>
+        <p:txBody>
+          <a:bodyPr wrap="square" rtlCol="0">
+            <a:spAutoFit/>
+          </a:bodyPr>
+          <a:lstStyle/>
+          <a:p>
+            <a:pPr algn="ctr">
+              <a:lnSpc>
+                <a:spcPct val="200000"/>
+              </a:lnSpc>
+            </a:pPr>
+            <a:r>
+              <a:rPr lang="en-US" sz="2800" spc="-150" dirty="0">
+                <a:latin typeface="Malgun Gothic Semilight" panose="020B0503020000020004" pitchFamily="34" charset="-127"/>
+                <a:ea typeface="Malgun Gothic Semilight" panose="020B0503020000020004" pitchFamily="34" charset="-127"/>
+              </a:rPr>
+              <a:t>User Interface (I/O)</a:t>
+            </a:r>
+          </a:p>
+        </p:txBody>
+      </p:sp>
+      <p:sp>
+        <p:nvSpPr>
+          <p:cNvPr id="22" name="TextBox 21">
+            <a:extLst>
+              <a:ext uri="{FF2B5EF4-FFF2-40B4-BE49-F238E27FC236}">
+                <a16:creationId xmlns:a16="http://schemas.microsoft.com/office/drawing/2014/main" id="{57C8921C-016C-4323-B3DC-2A2603C553C4}"/>
+              </a:ext>
+            </a:extLst>
+          </p:cNvPr>
+          <p:cNvSpPr txBox="1"/>
+          <p:nvPr/>
+        </p:nvSpPr>
+        <p:spPr>
+          <a:xfrm>
+            <a:off x="2787267" y="2997621"/>
+            <a:ext cx="6290200" cy="816955"/>
+          </a:xfrm>
+          <a:prstGeom prst="rect">
+            <a:avLst/>
+          </a:prstGeom>
+          <a:noFill/>
+        </p:spPr>
+        <p:txBody>
+          <a:bodyPr wrap="square" rtlCol="0">
+            <a:spAutoFit/>
+          </a:bodyPr>
+          <a:lstStyle/>
+          <a:p>
+            <a:pPr algn="ctr">
+              <a:lnSpc>
+                <a:spcPct val="200000"/>
+              </a:lnSpc>
+            </a:pPr>
+            <a:r>
+              <a:rPr lang="ko-KR" altLang="en-US" sz="2800" spc="-150" dirty="0">
+                <a:latin typeface="Malgun Gothic Semilight" panose="020B0503020000020004" pitchFamily="34" charset="-127"/>
+                <a:ea typeface="Malgun Gothic Semilight" panose="020B0503020000020004" pitchFamily="34" charset="-127"/>
+              </a:rPr>
+              <a:t>인증           입력 유효성 검사</a:t>
+            </a:r>
+            <a:endParaRPr lang="en-US" sz="2800" spc="-150" dirty="0">
+              <a:latin typeface="Malgun Gothic Semilight" panose="020B0503020000020004" pitchFamily="34" charset="-127"/>
+              <a:ea typeface="Malgun Gothic Semilight" panose="020B0503020000020004" pitchFamily="34" charset="-127"/>
+            </a:endParaRPr>
+          </a:p>
+        </p:txBody>
+      </p:sp>
+      <p:sp>
+        <p:nvSpPr>
+          <p:cNvPr id="23" name="TextBox 22">
+            <a:extLst>
+              <a:ext uri="{FF2B5EF4-FFF2-40B4-BE49-F238E27FC236}">
+                <a16:creationId xmlns:a16="http://schemas.microsoft.com/office/drawing/2014/main" id="{B67A2975-4E01-49EE-A3BB-DB05BDDC2E84}"/>
+              </a:ext>
+            </a:extLst>
+          </p:cNvPr>
+          <p:cNvSpPr txBox="1"/>
+          <p:nvPr/>
+        </p:nvSpPr>
+        <p:spPr>
+          <a:xfrm>
+            <a:off x="2777642" y="4006500"/>
+            <a:ext cx="6290200" cy="816955"/>
+          </a:xfrm>
+          <a:prstGeom prst="rect">
+            <a:avLst/>
+          </a:prstGeom>
+          <a:noFill/>
+        </p:spPr>
+        <p:txBody>
+          <a:bodyPr wrap="square" rtlCol="0">
+            <a:spAutoFit/>
+          </a:bodyPr>
+          <a:lstStyle/>
+          <a:p>
+            <a:pPr algn="ctr">
+              <a:lnSpc>
+                <a:spcPct val="200000"/>
+              </a:lnSpc>
+            </a:pPr>
+            <a:r>
+              <a:rPr lang="ko-KR" altLang="en-US" sz="2800" spc="-150" dirty="0">
+                <a:latin typeface="Malgun Gothic Semilight" panose="020B0503020000020004" pitchFamily="34" charset="-127"/>
+                <a:ea typeface="Malgun Gothic Semilight" panose="020B0503020000020004" pitchFamily="34" charset="-127"/>
+              </a:rPr>
+              <a:t>유저관리</a:t>
+            </a:r>
+            <a:r>
+              <a:rPr lang="en-US" altLang="ko-KR" sz="2800" spc="-150" dirty="0">
+                <a:latin typeface="Malgun Gothic Semilight" panose="020B0503020000020004" pitchFamily="34" charset="-127"/>
+                <a:ea typeface="Malgun Gothic Semilight" panose="020B0503020000020004" pitchFamily="34" charset="-127"/>
+              </a:rPr>
+              <a:t>	</a:t>
+            </a:r>
+            <a:r>
+              <a:rPr lang="ko-KR" altLang="en-US" sz="2800" spc="-150" dirty="0">
+                <a:latin typeface="Malgun Gothic Semilight" panose="020B0503020000020004" pitchFamily="34" charset="-127"/>
+                <a:ea typeface="Malgun Gothic Semilight" panose="020B0503020000020004" pitchFamily="34" charset="-127"/>
+              </a:rPr>
+              <a:t>예약기능     버스관리</a:t>
+            </a:r>
+            <a:endParaRPr lang="en-US" sz="2800" spc="-150" dirty="0">
+              <a:latin typeface="Malgun Gothic Semilight" panose="020B0503020000020004" pitchFamily="34" charset="-127"/>
+              <a:ea typeface="Malgun Gothic Semilight" panose="020B0503020000020004" pitchFamily="34" charset="-127"/>
+            </a:endParaRPr>
+          </a:p>
+        </p:txBody>
+      </p:sp>
+      <p:sp>
+        <p:nvSpPr>
+          <p:cNvPr id="24" name="TextBox 23">
+            <a:extLst>
+              <a:ext uri="{FF2B5EF4-FFF2-40B4-BE49-F238E27FC236}">
+                <a16:creationId xmlns:a16="http://schemas.microsoft.com/office/drawing/2014/main" id="{91EB1773-59BC-4C55-98F3-BF96557FE890}"/>
+              </a:ext>
+            </a:extLst>
+          </p:cNvPr>
+          <p:cNvSpPr txBox="1"/>
+          <p:nvPr/>
+        </p:nvSpPr>
+        <p:spPr>
+          <a:xfrm>
+            <a:off x="3656434" y="5117126"/>
+            <a:ext cx="4551865" cy="816955"/>
+          </a:xfrm>
+          <a:prstGeom prst="rect">
+            <a:avLst/>
+          </a:prstGeom>
+          <a:noFill/>
+        </p:spPr>
+        <p:txBody>
+          <a:bodyPr wrap="square" rtlCol="0">
+            <a:spAutoFit/>
+          </a:bodyPr>
+          <a:lstStyle/>
+          <a:p>
+            <a:pPr algn="ctr">
+              <a:lnSpc>
+                <a:spcPct val="200000"/>
+              </a:lnSpc>
+            </a:pPr>
+            <a:r>
+              <a:rPr lang="en-US" sz="2800" spc="-150" dirty="0">
+                <a:latin typeface="Malgun Gothic Semilight" panose="020B0503020000020004" pitchFamily="34" charset="-127"/>
+                <a:ea typeface="Malgun Gothic Semilight" panose="020B0503020000020004" pitchFamily="34" charset="-127"/>
+              </a:rPr>
+              <a:t>Database</a:t>
+            </a:r>
+            <a:r>
+              <a:rPr lang="ko-KR" altLang="en-US" sz="2800" spc="-150" dirty="0">
+                <a:latin typeface="Malgun Gothic Semilight" panose="020B0503020000020004" pitchFamily="34" charset="-127"/>
+                <a:ea typeface="Malgun Gothic Semilight" panose="020B0503020000020004" pitchFamily="34" charset="-127"/>
+              </a:rPr>
+              <a:t> </a:t>
+            </a:r>
+            <a:r>
+              <a:rPr lang="en-US" altLang="ko-KR" sz="2800" spc="-150" dirty="0">
+                <a:latin typeface="Malgun Gothic Semilight" panose="020B0503020000020004" pitchFamily="34" charset="-127"/>
+                <a:ea typeface="Malgun Gothic Semilight" panose="020B0503020000020004" pitchFamily="34" charset="-127"/>
+              </a:rPr>
+              <a:t>Management System</a:t>
+            </a:r>
+            <a:endParaRPr lang="en-US" sz="2800" spc="-150" dirty="0">
+              <a:latin typeface="Malgun Gothic Semilight" panose="020B0503020000020004" pitchFamily="34" charset="-127"/>
+              <a:ea typeface="Malgun Gothic Semilight" panose="020B0503020000020004" pitchFamily="34" charset="-127"/>
+            </a:endParaRPr>
+          </a:p>
+        </p:txBody>
+      </p:sp>
+    </p:spTree>
+    <p:extLst>
+      <p:ext uri="{BB962C8B-B14F-4D97-AF65-F5344CB8AC3E}">
+        <p14:creationId xmlns:p14="http://schemas.microsoft.com/office/powerpoint/2010/main" val="1174097838"/>
+      </p:ext>
+    </p:extLst>
+  </p:cSld>
+  <p:clrMapOvr>
+    <a:masterClrMapping/>
+  </p:clrMapOvr>
+</p:sld>
+</file>
+
+<file path=ppt/slides/slide15.xml><?xml version="1.0" encoding="utf-8"?>
+<p:sld xmlns:a="http://schemas.openxmlformats.org/drawingml/2006/main" xmlns:r="http://schemas.openxmlformats.org/officeDocument/2006/relationships" xmlns:p="http://schemas.openxmlformats.org/presentationml/2006/main">
+  <p:cSld>
+    <p:spTree>
+      <p:nvGrpSpPr>
+        <p:cNvPr id="1" name=""/>
+        <p:cNvGrpSpPr/>
+        <p:nvPr/>
+      </p:nvGrpSpPr>
+      <p:grpSpPr>
+        <a:xfrm>
+          <a:off x="0" y="0"/>
+          <a:ext cx="0" cy="0"/>
+          <a:chOff x="0" y="0"/>
+          <a:chExt cx="0" cy="0"/>
+        </a:xfrm>
+      </p:grpSpPr>
+      <p:sp>
+        <p:nvSpPr>
+          <p:cNvPr id="2" name="TextBox 1"/>
+          <p:cNvSpPr txBox="1"/>
+          <p:nvPr/>
+        </p:nvSpPr>
+        <p:spPr>
+          <a:xfrm>
+            <a:off x="3925974" y="2400300"/>
+            <a:ext cx="797013" cy="769441"/>
+          </a:xfrm>
+          <a:prstGeom prst="rect">
+            <a:avLst/>
+          </a:prstGeom>
+          <a:noFill/>
+        </p:spPr>
+        <p:txBody>
+          <a:bodyPr wrap="none" rtlCol="0">
+            <a:spAutoFit/>
+          </a:bodyPr>
+          <a:lstStyle/>
+          <a:p>
+            <a:r>
+              <a:rPr lang="en-US" altLang="ko-KR" sz="4400" spc="-300" dirty="0">
+                <a:solidFill>
+                  <a:srgbClr val="00002F"/>
+                </a:solidFill>
+                <a:latin typeface="나눔스퀘어 Bold" panose="020B0600000101010101" pitchFamily="50" charset="-127"/>
+                <a:ea typeface="나눔스퀘어 Bold" panose="020B0600000101010101" pitchFamily="50" charset="-127"/>
+              </a:rPr>
+              <a:t>06</a:t>
+            </a:r>
+            <a:endParaRPr lang="ko-KR" altLang="en-US" sz="4400" spc="-300" dirty="0">
+              <a:solidFill>
+                <a:srgbClr val="00002F"/>
+              </a:solidFill>
+              <a:latin typeface="나눔스퀘어 Bold" panose="020B0600000101010101" pitchFamily="50" charset="-127"/>
+              <a:ea typeface="나눔스퀘어 Bold" panose="020B0600000101010101" pitchFamily="50" charset="-127"/>
+            </a:endParaRPr>
+          </a:p>
+        </p:txBody>
+      </p:sp>
+      <p:sp>
+        <p:nvSpPr>
+          <p:cNvPr id="3" name="직사각형 2"/>
+          <p:cNvSpPr/>
+          <p:nvPr/>
+        </p:nvSpPr>
+        <p:spPr>
+          <a:xfrm>
+            <a:off x="4000499" y="3169741"/>
+            <a:ext cx="4200071" cy="473345"/>
+          </a:xfrm>
+          <a:prstGeom prst="rect">
+            <a:avLst/>
+          </a:prstGeom>
+          <a:solidFill>
+            <a:srgbClr val="8DBABD"/>
+          </a:solidFill>
+          <a:ln>
+            <a:solidFill>
+              <a:srgbClr val="8DBABD"/>
+            </a:solidFill>
+          </a:ln>
+        </p:spPr>
+        <p:style>
+          <a:lnRef idx="2">
+            <a:schemeClr val="accent1">
+              <a:shade val="50000"/>
+            </a:schemeClr>
+          </a:lnRef>
+          <a:fillRef idx="1">
+            <a:schemeClr val="accent1"/>
+          </a:fillRef>
+          <a:effectRef idx="0">
+            <a:schemeClr val="accent1"/>
+          </a:effectRef>
+          <a:fontRef idx="minor">
+            <a:schemeClr val="lt1"/>
+          </a:fontRef>
+        </p:style>
+        <p:txBody>
+          <a:bodyPr rtlCol="0" anchor="ctr"/>
+          <a:lstStyle/>
+          <a:p>
+            <a:pPr algn="ctr"/>
+            <a:r>
+              <a:rPr lang="en-US" altLang="ko-KR" dirty="0">
+                <a:latin typeface="나눔스퀘어 Bold" panose="020B0600000101010101" pitchFamily="50" charset="-127"/>
+                <a:ea typeface="나눔스퀘어 Bold" panose="020B0600000101010101" pitchFamily="50" charset="-127"/>
+              </a:rPr>
+              <a:t>Process Model</a:t>
+            </a:r>
+            <a:endParaRPr lang="ko-KR" altLang="en-US" dirty="0">
+              <a:latin typeface="나눔스퀘어 Bold" panose="020B0600000101010101" pitchFamily="50" charset="-127"/>
+              <a:ea typeface="나눔스퀘어 Bold" panose="020B0600000101010101" pitchFamily="50" charset="-127"/>
+            </a:endParaRPr>
+          </a:p>
+        </p:txBody>
+      </p:sp>
+    </p:spTree>
+    <p:extLst>
+      <p:ext uri="{BB962C8B-B14F-4D97-AF65-F5344CB8AC3E}">
+        <p14:creationId xmlns:p14="http://schemas.microsoft.com/office/powerpoint/2010/main" val="1520267434"/>
+      </p:ext>
+    </p:extLst>
+  </p:cSld>
+  <p:clrMapOvr>
+    <a:masterClrMapping/>
+  </p:clrMapOvr>
+</p:sld>
+</file>
+
+<file path=ppt/slides/slide16.xml><?xml version="1.0" encoding="utf-8"?>
+<p:sld xmlns:a="http://schemas.openxmlformats.org/drawingml/2006/main" xmlns:r="http://schemas.openxmlformats.org/officeDocument/2006/relationships" xmlns:p="http://schemas.openxmlformats.org/presentationml/2006/main">
+  <p:cSld>
+    <p:spTree>
+      <p:nvGrpSpPr>
+        <p:cNvPr id="1" name=""/>
+        <p:cNvGrpSpPr/>
+        <p:nvPr/>
+      </p:nvGrpSpPr>
+      <p:grpSpPr>
+        <a:xfrm>
+          <a:off x="0" y="0"/>
+          <a:ext cx="0" cy="0"/>
+          <a:chOff x="0" y="0"/>
+          <a:chExt cx="0" cy="0"/>
+        </a:xfrm>
+      </p:grpSpPr>
+      <p:cxnSp>
+        <p:nvCxnSpPr>
+          <p:cNvPr id="18" name="직선 연결선 17"/>
+          <p:cNvCxnSpPr/>
+          <p:nvPr/>
+        </p:nvCxnSpPr>
+        <p:spPr>
+          <a:xfrm>
+            <a:off x="1026522" y="989148"/>
+            <a:ext cx="2160000" cy="0"/>
+          </a:xfrm>
+          <a:prstGeom prst="line">
+            <a:avLst/>
+          </a:prstGeom>
+          <a:ln>
+            <a:solidFill>
+              <a:schemeClr val="bg1">
+                <a:lumMod val="50000"/>
+              </a:schemeClr>
+            </a:solidFill>
+          </a:ln>
+        </p:spPr>
+        <p:style>
+          <a:lnRef idx="1">
+            <a:schemeClr val="accent1"/>
+          </a:lnRef>
+          <a:fillRef idx="0">
+            <a:schemeClr val="accent1"/>
+          </a:fillRef>
+          <a:effectRef idx="0">
+            <a:schemeClr val="accent1"/>
+          </a:effectRef>
+          <a:fontRef idx="minor">
+            <a:schemeClr val="tx1"/>
+          </a:fontRef>
+        </p:style>
+      </p:cxnSp>
+      <p:sp>
+        <p:nvSpPr>
+          <p:cNvPr id="19" name="TextBox 18"/>
+          <p:cNvSpPr txBox="1"/>
+          <p:nvPr/>
+        </p:nvSpPr>
+        <p:spPr>
+          <a:xfrm>
+            <a:off x="873644" y="437393"/>
+            <a:ext cx="2657074" cy="584775"/>
+          </a:xfrm>
+          <a:prstGeom prst="rect">
+            <a:avLst/>
+          </a:prstGeom>
+          <a:noFill/>
+        </p:spPr>
+        <p:txBody>
+          <a:bodyPr wrap="none" rtlCol="0">
+            <a:spAutoFit/>
+          </a:bodyPr>
+          <a:lstStyle/>
+          <a:p>
+            <a:pPr algn="ctr"/>
+            <a:r>
+              <a:rPr lang="en-US" altLang="ko-KR" sz="3200" spc="-150" dirty="0">
+                <a:solidFill>
+                  <a:srgbClr val="00002F"/>
+                </a:solidFill>
+                <a:latin typeface="나눔스퀘어 ExtraBold" panose="020B0600000101010101" pitchFamily="50" charset="-127"/>
+                <a:ea typeface="나눔스퀘어 ExtraBold" panose="020B0600000101010101" pitchFamily="50" charset="-127"/>
+              </a:rPr>
+              <a:t>Process Model</a:t>
+            </a:r>
+            <a:endParaRPr lang="ko-KR" altLang="en-US" sz="3200" spc="-150" dirty="0">
+              <a:solidFill>
+                <a:srgbClr val="00002F"/>
+              </a:solidFill>
+              <a:latin typeface="나눔스퀘어 ExtraBold" panose="020B0600000101010101" pitchFamily="50" charset="-127"/>
+              <a:ea typeface="나눔스퀘어 ExtraBold" panose="020B0600000101010101" pitchFamily="50" charset="-127"/>
+            </a:endParaRPr>
+          </a:p>
+        </p:txBody>
+      </p:sp>
+      <p:sp>
+        <p:nvSpPr>
+          <p:cNvPr id="20" name="TextBox 19"/>
+          <p:cNvSpPr txBox="1"/>
+          <p:nvPr/>
+        </p:nvSpPr>
+        <p:spPr>
+          <a:xfrm>
+            <a:off x="455532" y="498947"/>
+            <a:ext cx="614271" cy="461665"/>
+          </a:xfrm>
+          <a:prstGeom prst="rect">
+            <a:avLst/>
+          </a:prstGeom>
+          <a:noFill/>
+        </p:spPr>
+        <p:txBody>
+          <a:bodyPr wrap="none" rtlCol="0">
+            <a:spAutoFit/>
+          </a:bodyPr>
+          <a:lstStyle/>
+          <a:p>
+            <a:pPr algn="ctr"/>
+            <a:r>
+              <a:rPr lang="en-US" altLang="ko-KR" sz="2400" spc="-150" dirty="0">
+                <a:solidFill>
+                  <a:srgbClr val="00002F"/>
+                </a:solidFill>
+                <a:latin typeface="나눔스퀘어 ExtraBold" panose="020B0600000101010101" pitchFamily="50" charset="-127"/>
+                <a:ea typeface="나눔스퀘어 ExtraBold" panose="020B0600000101010101" pitchFamily="50" charset="-127"/>
+              </a:rPr>
+              <a:t>06.</a:t>
+            </a:r>
+            <a:endParaRPr lang="ko-KR" altLang="en-US" sz="2400" spc="-150" dirty="0">
+              <a:solidFill>
+                <a:srgbClr val="00002F"/>
+              </a:solidFill>
+              <a:latin typeface="나눔스퀘어 ExtraBold" panose="020B0600000101010101" pitchFamily="50" charset="-127"/>
+              <a:ea typeface="나눔스퀘어 ExtraBold" panose="020B0600000101010101" pitchFamily="50" charset="-127"/>
+            </a:endParaRPr>
+          </a:p>
+        </p:txBody>
+      </p:sp>
+      <p:pic>
+        <p:nvPicPr>
+          <p:cNvPr id="3" name="그림 2">
+            <a:extLst>
+              <a:ext uri="{FF2B5EF4-FFF2-40B4-BE49-F238E27FC236}">
+                <a16:creationId xmlns:a16="http://schemas.microsoft.com/office/drawing/2014/main" id="{C3BFD4E3-0F67-4697-AC80-1065B990F9BF}"/>
+              </a:ext>
+            </a:extLst>
+          </p:cNvPr>
+          <p:cNvPicPr>
+            <a:picLocks noChangeAspect="1"/>
+          </p:cNvPicPr>
+          <p:nvPr/>
+        </p:nvPicPr>
+        <p:blipFill>
+          <a:blip r:embed="rId2"/>
+          <a:stretch>
+            <a:fillRect/>
+          </a:stretch>
+        </p:blipFill>
+        <p:spPr>
+          <a:xfrm>
+            <a:off x="1490662" y="2440800"/>
+            <a:ext cx="9210675" cy="3400425"/>
+          </a:xfrm>
+          <a:prstGeom prst="rect">
+            <a:avLst/>
+          </a:prstGeom>
+        </p:spPr>
+      </p:pic>
+      <p:sp>
+        <p:nvSpPr>
+          <p:cNvPr id="22" name="TextBox 21">
+            <a:extLst>
+              <a:ext uri="{FF2B5EF4-FFF2-40B4-BE49-F238E27FC236}">
+                <a16:creationId xmlns:a16="http://schemas.microsoft.com/office/drawing/2014/main" id="{0F7496BD-CB60-4132-8411-882132870D71}"/>
+              </a:ext>
+            </a:extLst>
+          </p:cNvPr>
+          <p:cNvSpPr txBox="1"/>
+          <p:nvPr/>
+        </p:nvSpPr>
+        <p:spPr>
+          <a:xfrm>
+            <a:off x="2629480" y="1573923"/>
+            <a:ext cx="6933053" cy="584775"/>
+          </a:xfrm>
+          <a:prstGeom prst="rect">
+            <a:avLst/>
+          </a:prstGeom>
+          <a:solidFill>
+            <a:schemeClr val="bg1"/>
+          </a:solidFill>
+        </p:spPr>
+        <p:txBody>
+          <a:bodyPr wrap="none" rtlCol="0">
+            <a:spAutoFit/>
+          </a:bodyPr>
+          <a:lstStyle/>
+          <a:p>
+            <a:pPr algn="ctr"/>
+            <a:r>
+              <a:rPr lang="en-US" altLang="ko-KR" sz="3200" spc="-150" dirty="0">
+                <a:solidFill>
+                  <a:srgbClr val="8DBABD"/>
+                </a:solidFill>
+                <a:latin typeface="나눔스퀘어 ExtraBold" panose="020B0600000101010101" pitchFamily="50" charset="-127"/>
+                <a:ea typeface="나눔스퀘어 ExtraBold" panose="020B0600000101010101" pitchFamily="50" charset="-127"/>
+              </a:rPr>
+              <a:t>Throwaway(rapid) Prototyping Model</a:t>
+            </a:r>
+            <a:endParaRPr lang="ko-KR" altLang="en-US" sz="3200" spc="-150" dirty="0">
+              <a:solidFill>
+                <a:srgbClr val="8DBABD"/>
+              </a:solidFill>
+              <a:latin typeface="나눔스퀘어 ExtraBold" panose="020B0600000101010101" pitchFamily="50" charset="-127"/>
+              <a:ea typeface="나눔스퀘어 ExtraBold" panose="020B0600000101010101" pitchFamily="50" charset="-127"/>
+            </a:endParaRPr>
+          </a:p>
+        </p:txBody>
+      </p:sp>
+      <p:cxnSp>
+        <p:nvCxnSpPr>
+          <p:cNvPr id="11" name="직선 연결선 13">
+            <a:extLst>
+              <a:ext uri="{FF2B5EF4-FFF2-40B4-BE49-F238E27FC236}">
+                <a16:creationId xmlns:a16="http://schemas.microsoft.com/office/drawing/2014/main" id="{36A1C9E8-E1F4-4F54-9757-7F4E20F089B6}"/>
+              </a:ext>
+            </a:extLst>
+          </p:cNvPr>
+          <p:cNvCxnSpPr/>
+          <p:nvPr/>
+        </p:nvCxnSpPr>
+        <p:spPr>
+          <a:xfrm>
+            <a:off x="10441247" y="128668"/>
+            <a:ext cx="360000" cy="0"/>
+          </a:xfrm>
+          <a:prstGeom prst="line">
+            <a:avLst/>
+          </a:prstGeom>
+          <a:ln w="44450" cap="rnd">
+            <a:solidFill>
+              <a:srgbClr val="D0CECE"/>
+            </a:solidFill>
+          </a:ln>
+          <a:effectLst>
+            <a:outerShdw blurRad="50800" dist="38100" dir="5400000" algn="t" rotWithShape="0">
+              <a:prstClr val="black">
+                <a:alpha val="40000"/>
+              </a:prstClr>
+            </a:outerShdw>
+          </a:effectLst>
+        </p:spPr>
+        <p:style>
+          <a:lnRef idx="1">
+            <a:schemeClr val="accent1"/>
+          </a:lnRef>
+          <a:fillRef idx="0">
+            <a:schemeClr val="accent1"/>
+          </a:fillRef>
+          <a:effectRef idx="0">
+            <a:schemeClr val="accent1"/>
+          </a:effectRef>
+          <a:fontRef idx="minor">
+            <a:schemeClr val="tx1"/>
+          </a:fontRef>
+        </p:style>
+      </p:cxnSp>
+      <p:cxnSp>
+        <p:nvCxnSpPr>
+          <p:cNvPr id="12" name="직선 연결선 14">
+            <a:extLst>
+              <a:ext uri="{FF2B5EF4-FFF2-40B4-BE49-F238E27FC236}">
+                <a16:creationId xmlns:a16="http://schemas.microsoft.com/office/drawing/2014/main" id="{1DA6497A-F849-4397-AC06-4CD0DA4519C9}"/>
+              </a:ext>
+            </a:extLst>
+          </p:cNvPr>
+          <p:cNvCxnSpPr/>
+          <p:nvPr/>
+        </p:nvCxnSpPr>
+        <p:spPr>
+          <a:xfrm>
+            <a:off x="10868814" y="128668"/>
+            <a:ext cx="360000" cy="0"/>
+          </a:xfrm>
+          <a:prstGeom prst="line">
+            <a:avLst/>
+          </a:prstGeom>
+          <a:ln w="44450" cap="rnd">
+            <a:solidFill>
+              <a:schemeClr val="bg2">
+                <a:lumMod val="90000"/>
+              </a:schemeClr>
+            </a:solidFill>
+          </a:ln>
+          <a:effectLst>
+            <a:outerShdw blurRad="50800" dist="38100" dir="5400000" algn="t" rotWithShape="0">
+              <a:prstClr val="black">
+                <a:alpha val="40000"/>
+              </a:prstClr>
+            </a:outerShdw>
+          </a:effectLst>
+        </p:spPr>
+        <p:style>
+          <a:lnRef idx="1">
+            <a:schemeClr val="accent1"/>
+          </a:lnRef>
+          <a:fillRef idx="0">
+            <a:schemeClr val="accent1"/>
+          </a:fillRef>
+          <a:effectRef idx="0">
+            <a:schemeClr val="accent1"/>
+          </a:effectRef>
+          <a:fontRef idx="minor">
+            <a:schemeClr val="tx1"/>
+          </a:fontRef>
+        </p:style>
+      </p:cxnSp>
+      <p:cxnSp>
+        <p:nvCxnSpPr>
+          <p:cNvPr id="13" name="직선 연결선 15">
+            <a:extLst>
+              <a:ext uri="{FF2B5EF4-FFF2-40B4-BE49-F238E27FC236}">
+                <a16:creationId xmlns:a16="http://schemas.microsoft.com/office/drawing/2014/main" id="{56768A4D-90D1-45B4-9C6E-4C11A2BFF1C7}"/>
+              </a:ext>
+            </a:extLst>
+          </p:cNvPr>
+          <p:cNvCxnSpPr/>
+          <p:nvPr/>
+        </p:nvCxnSpPr>
+        <p:spPr>
+          <a:xfrm>
+            <a:off x="11296381" y="128668"/>
+            <a:ext cx="360000" cy="0"/>
+          </a:xfrm>
+          <a:prstGeom prst="line">
+            <a:avLst/>
+          </a:prstGeom>
+          <a:ln w="44450" cap="rnd">
+            <a:solidFill>
+              <a:schemeClr val="bg2">
+                <a:lumMod val="90000"/>
+              </a:schemeClr>
+            </a:solidFill>
+          </a:ln>
+          <a:effectLst>
+            <a:outerShdw blurRad="50800" dist="38100" dir="5400000" algn="t" rotWithShape="0">
+              <a:prstClr val="black">
+                <a:alpha val="40000"/>
+              </a:prstClr>
+            </a:outerShdw>
+          </a:effectLst>
+        </p:spPr>
+        <p:style>
+          <a:lnRef idx="1">
+            <a:schemeClr val="accent1"/>
+          </a:lnRef>
+          <a:fillRef idx="0">
+            <a:schemeClr val="accent1"/>
+          </a:fillRef>
+          <a:effectRef idx="0">
+            <a:schemeClr val="accent1"/>
+          </a:effectRef>
+          <a:fontRef idx="minor">
+            <a:schemeClr val="tx1"/>
+          </a:fontRef>
+        </p:style>
+      </p:cxnSp>
+      <p:cxnSp>
+        <p:nvCxnSpPr>
+          <p:cNvPr id="21" name="직선 연결선 16">
+            <a:extLst>
+              <a:ext uri="{FF2B5EF4-FFF2-40B4-BE49-F238E27FC236}">
+                <a16:creationId xmlns:a16="http://schemas.microsoft.com/office/drawing/2014/main" id="{62426B57-137E-4014-A953-24B5D77E33EF}"/>
+              </a:ext>
+            </a:extLst>
+          </p:cNvPr>
+          <p:cNvCxnSpPr/>
+          <p:nvPr/>
+        </p:nvCxnSpPr>
+        <p:spPr>
+          <a:xfrm>
+            <a:off x="11723947" y="128668"/>
+            <a:ext cx="360000" cy="0"/>
+          </a:xfrm>
+          <a:prstGeom prst="line">
+            <a:avLst/>
+          </a:prstGeom>
+          <a:ln w="44450" cap="rnd">
+            <a:solidFill>
+              <a:srgbClr val="8DBABD"/>
+            </a:solidFill>
+          </a:ln>
+          <a:effectLst>
+            <a:outerShdw blurRad="50800" dist="38100" dir="5400000" algn="t" rotWithShape="0">
+              <a:prstClr val="black">
+                <a:alpha val="40000"/>
+              </a:prstClr>
+            </a:outerShdw>
+          </a:effectLst>
+        </p:spPr>
+        <p:style>
+          <a:lnRef idx="1">
+            <a:schemeClr val="accent1"/>
+          </a:lnRef>
+          <a:fillRef idx="0">
+            <a:schemeClr val="accent1"/>
+          </a:fillRef>
+          <a:effectRef idx="0">
+            <a:schemeClr val="accent1"/>
+          </a:effectRef>
+          <a:fontRef idx="minor">
+            <a:schemeClr val="tx1"/>
+          </a:fontRef>
+        </p:style>
+      </p:cxnSp>
+    </p:spTree>
+    <p:extLst>
+      <p:ext uri="{BB962C8B-B14F-4D97-AF65-F5344CB8AC3E}">
+        <p14:creationId xmlns:p14="http://schemas.microsoft.com/office/powerpoint/2010/main" val="3811386474"/>
+      </p:ext>
+    </p:extLst>
+  </p:cSld>
+  <p:clrMapOvr>
+    <a:masterClrMapping/>
+  </p:clrMapOvr>
+</p:sld>
+</file>
+
+<file path=ppt/slides/slide17.xml><?xml version="1.0" encoding="utf-8"?>
+<p:sld xmlns:a="http://schemas.openxmlformats.org/drawingml/2006/main" xmlns:r="http://schemas.openxmlformats.org/officeDocument/2006/relationships" xmlns:p="http://schemas.openxmlformats.org/presentationml/2006/main">
+  <p:cSld>
+    <p:spTree>
+      <p:nvGrpSpPr>
+        <p:cNvPr id="1" name=""/>
+        <p:cNvGrpSpPr/>
+        <p:nvPr/>
+      </p:nvGrpSpPr>
+      <p:grpSpPr>
+        <a:xfrm>
+          <a:off x="0" y="0"/>
+          <a:ext cx="0" cy="0"/>
+          <a:chOff x="0" y="0"/>
+          <a:chExt cx="0" cy="0"/>
+        </a:xfrm>
+      </p:grpSpPr>
+      <p:cxnSp>
+        <p:nvCxnSpPr>
+          <p:cNvPr id="18" name="직선 연결선 17"/>
+          <p:cNvCxnSpPr/>
+          <p:nvPr/>
+        </p:nvCxnSpPr>
+        <p:spPr>
+          <a:xfrm>
+            <a:off x="1026522" y="989148"/>
+            <a:ext cx="2160000" cy="0"/>
+          </a:xfrm>
+          <a:prstGeom prst="line">
+            <a:avLst/>
+          </a:prstGeom>
+          <a:ln>
+            <a:solidFill>
+              <a:schemeClr val="bg1">
+                <a:lumMod val="50000"/>
+              </a:schemeClr>
+            </a:solidFill>
+          </a:ln>
+        </p:spPr>
+        <p:style>
+          <a:lnRef idx="1">
+            <a:schemeClr val="accent1"/>
+          </a:lnRef>
+          <a:fillRef idx="0">
+            <a:schemeClr val="accent1"/>
+          </a:fillRef>
+          <a:effectRef idx="0">
+            <a:schemeClr val="accent1"/>
+          </a:effectRef>
+          <a:fontRef idx="minor">
+            <a:schemeClr val="tx1"/>
+          </a:fontRef>
+        </p:style>
+      </p:cxnSp>
+      <p:sp>
+        <p:nvSpPr>
+          <p:cNvPr id="19" name="TextBox 18"/>
+          <p:cNvSpPr txBox="1"/>
+          <p:nvPr/>
+        </p:nvSpPr>
+        <p:spPr>
+          <a:xfrm>
+            <a:off x="883071" y="437393"/>
+            <a:ext cx="2657074" cy="584775"/>
+          </a:xfrm>
+          <a:prstGeom prst="rect">
+            <a:avLst/>
+          </a:prstGeom>
+          <a:noFill/>
+        </p:spPr>
+        <p:txBody>
+          <a:bodyPr wrap="none" rtlCol="0">
+            <a:spAutoFit/>
+          </a:bodyPr>
+          <a:lstStyle/>
+          <a:p>
+            <a:pPr algn="ctr"/>
+            <a:r>
+              <a:rPr lang="en-US" altLang="ko-KR" sz="3200" spc="-150" dirty="0">
+                <a:solidFill>
+                  <a:srgbClr val="00002F"/>
+                </a:solidFill>
+                <a:latin typeface="나눔스퀘어 ExtraBold" panose="020B0600000101010101" pitchFamily="50" charset="-127"/>
+                <a:ea typeface="나눔스퀘어 ExtraBold" panose="020B0600000101010101" pitchFamily="50" charset="-127"/>
+              </a:rPr>
+              <a:t>Process Model</a:t>
+            </a:r>
+            <a:endParaRPr lang="ko-KR" altLang="en-US" sz="3200" spc="-150" dirty="0">
+              <a:solidFill>
+                <a:srgbClr val="00002F"/>
+              </a:solidFill>
+              <a:latin typeface="나눔스퀘어 ExtraBold" panose="020B0600000101010101" pitchFamily="50" charset="-127"/>
+              <a:ea typeface="나눔스퀘어 ExtraBold" panose="020B0600000101010101" pitchFamily="50" charset="-127"/>
+            </a:endParaRPr>
+          </a:p>
+        </p:txBody>
+      </p:sp>
+      <p:sp>
+        <p:nvSpPr>
+          <p:cNvPr id="20" name="TextBox 19"/>
+          <p:cNvSpPr txBox="1"/>
+          <p:nvPr/>
+        </p:nvSpPr>
+        <p:spPr>
+          <a:xfrm>
+            <a:off x="455532" y="498947"/>
+            <a:ext cx="614271" cy="461665"/>
+          </a:xfrm>
+          <a:prstGeom prst="rect">
+            <a:avLst/>
+          </a:prstGeom>
+          <a:noFill/>
+        </p:spPr>
+        <p:txBody>
+          <a:bodyPr wrap="none" rtlCol="0">
+            <a:spAutoFit/>
+          </a:bodyPr>
+          <a:lstStyle/>
+          <a:p>
+            <a:pPr algn="ctr"/>
+            <a:r>
+              <a:rPr lang="en-US" altLang="ko-KR" sz="2400" spc="-150" dirty="0">
+                <a:solidFill>
+                  <a:srgbClr val="00002F"/>
+                </a:solidFill>
+                <a:latin typeface="나눔스퀘어 ExtraBold" panose="020B0600000101010101" pitchFamily="50" charset="-127"/>
+                <a:ea typeface="나눔스퀘어 ExtraBold" panose="020B0600000101010101" pitchFamily="50" charset="-127"/>
+              </a:rPr>
+              <a:t>06.</a:t>
+            </a:r>
+            <a:endParaRPr lang="ko-KR" altLang="en-US" sz="2400" spc="-150" dirty="0">
+              <a:solidFill>
+                <a:srgbClr val="00002F"/>
+              </a:solidFill>
+              <a:latin typeface="나눔스퀘어 ExtraBold" panose="020B0600000101010101" pitchFamily="50" charset="-127"/>
+              <a:ea typeface="나눔스퀘어 ExtraBold" panose="020B0600000101010101" pitchFamily="50" charset="-127"/>
+            </a:endParaRPr>
+          </a:p>
+        </p:txBody>
+      </p:sp>
+      <p:sp>
+        <p:nvSpPr>
+          <p:cNvPr id="22" name="TextBox 21">
+            <a:extLst>
+              <a:ext uri="{FF2B5EF4-FFF2-40B4-BE49-F238E27FC236}">
+                <a16:creationId xmlns:a16="http://schemas.microsoft.com/office/drawing/2014/main" id="{0F7496BD-CB60-4132-8411-882132870D71}"/>
+              </a:ext>
+            </a:extLst>
+          </p:cNvPr>
+          <p:cNvSpPr txBox="1"/>
+          <p:nvPr/>
+        </p:nvSpPr>
+        <p:spPr>
+          <a:xfrm>
+            <a:off x="2629480" y="1573923"/>
+            <a:ext cx="6933053" cy="584775"/>
+          </a:xfrm>
+          <a:prstGeom prst="rect">
+            <a:avLst/>
+          </a:prstGeom>
+          <a:solidFill>
+            <a:schemeClr val="bg1"/>
+          </a:solidFill>
+        </p:spPr>
+        <p:txBody>
+          <a:bodyPr wrap="none" rtlCol="0">
+            <a:spAutoFit/>
+          </a:bodyPr>
+          <a:lstStyle/>
+          <a:p>
+            <a:pPr algn="ctr"/>
+            <a:r>
+              <a:rPr lang="en-US" altLang="ko-KR" sz="3200" spc="-150" dirty="0">
+                <a:solidFill>
+                  <a:srgbClr val="8DBABD"/>
+                </a:solidFill>
+                <a:latin typeface="나눔스퀘어 ExtraBold" panose="020B0600000101010101" pitchFamily="50" charset="-127"/>
+                <a:ea typeface="나눔스퀘어 ExtraBold" panose="020B0600000101010101" pitchFamily="50" charset="-127"/>
+              </a:rPr>
+              <a:t>Throwaway(rapid) Prototyping Model</a:t>
+            </a:r>
+            <a:endParaRPr lang="ko-KR" altLang="en-US" sz="3200" spc="-150" dirty="0">
+              <a:solidFill>
+                <a:srgbClr val="8DBABD"/>
+              </a:solidFill>
+              <a:latin typeface="나눔스퀘어 ExtraBold" panose="020B0600000101010101" pitchFamily="50" charset="-127"/>
+              <a:ea typeface="나눔스퀘어 ExtraBold" panose="020B0600000101010101" pitchFamily="50" charset="-127"/>
+            </a:endParaRPr>
+          </a:p>
+        </p:txBody>
+      </p:sp>
+      <p:sp>
+        <p:nvSpPr>
+          <p:cNvPr id="12" name="TextBox 11">
+            <a:extLst>
+              <a:ext uri="{FF2B5EF4-FFF2-40B4-BE49-F238E27FC236}">
+                <a16:creationId xmlns:a16="http://schemas.microsoft.com/office/drawing/2014/main" id="{222178DE-A75A-4989-8242-3857CBBE0658}"/>
+              </a:ext>
+            </a:extLst>
+          </p:cNvPr>
+          <p:cNvSpPr txBox="1"/>
+          <p:nvPr/>
+        </p:nvSpPr>
+        <p:spPr>
+          <a:xfrm>
+            <a:off x="1841567" y="2266057"/>
+            <a:ext cx="6665607" cy="2185214"/>
+          </a:xfrm>
+          <a:prstGeom prst="rect">
+            <a:avLst/>
+          </a:prstGeom>
+          <a:solidFill>
+            <a:schemeClr val="bg1"/>
+          </a:solidFill>
+        </p:spPr>
+        <p:txBody>
+          <a:bodyPr wrap="none" rtlCol="0">
+            <a:spAutoFit/>
+          </a:bodyPr>
+          <a:lstStyle/>
+          <a:p>
+            <a:r>
+              <a:rPr lang="ko-KR" altLang="en-US" sz="3200" spc="-150" dirty="0">
+                <a:solidFill>
+                  <a:schemeClr val="accent1">
+                    <a:lumMod val="50000"/>
+                  </a:schemeClr>
+                </a:solidFill>
+                <a:latin typeface="나눔스퀘어 ExtraBold" panose="020B0600000101010101" pitchFamily="50" charset="-127"/>
+                <a:ea typeface="나눔스퀘어 ExtraBold" panose="020B0600000101010101" pitchFamily="50" charset="-127"/>
+              </a:rPr>
+              <a:t>선택 사유</a:t>
+            </a:r>
+            <a:endParaRPr lang="en-US" altLang="ko-KR" sz="3200" spc="-150" dirty="0">
+              <a:solidFill>
+                <a:schemeClr val="accent1">
+                  <a:lumMod val="50000"/>
+                </a:schemeClr>
+              </a:solidFill>
+              <a:latin typeface="나눔스퀘어 ExtraBold" panose="020B0600000101010101" pitchFamily="50" charset="-127"/>
+              <a:ea typeface="나눔스퀘어 ExtraBold" panose="020B0600000101010101" pitchFamily="50" charset="-127"/>
+            </a:endParaRPr>
+          </a:p>
+          <a:p>
+            <a:pPr marL="457200" indent="-457200">
+              <a:buFont typeface="Arial" panose="020B0604020202020204" pitchFamily="34" charset="0"/>
+              <a:buChar char="•"/>
+            </a:pPr>
+            <a:endParaRPr lang="en-US" altLang="ko-KR" sz="3200" spc="-150" dirty="0">
+              <a:solidFill>
+                <a:schemeClr val="accent1">
+                  <a:lumMod val="50000"/>
+                </a:schemeClr>
+              </a:solidFill>
+              <a:latin typeface="나눔스퀘어 ExtraBold" panose="020B0600000101010101" pitchFamily="50" charset="-127"/>
+              <a:ea typeface="나눔스퀘어 ExtraBold" panose="020B0600000101010101" pitchFamily="50" charset="-127"/>
+            </a:endParaRPr>
+          </a:p>
+          <a:p>
+            <a:pPr marL="457200" indent="-457200">
+              <a:buFont typeface="Arial" panose="020B0604020202020204" pitchFamily="34" charset="0"/>
+              <a:buChar char="•"/>
+            </a:pPr>
+            <a:r>
+              <a:rPr lang="ko-KR" altLang="en-US" sz="2400" spc="-150" dirty="0">
+                <a:solidFill>
+                  <a:schemeClr val="accent1">
+                    <a:lumMod val="50000"/>
+                  </a:schemeClr>
+                </a:solidFill>
+                <a:latin typeface="나눔스퀘어 ExtraBold" panose="020B0600000101010101" pitchFamily="50" charset="-127"/>
+                <a:ea typeface="나눔스퀘어 ExtraBold" panose="020B0600000101010101" pitchFamily="50" charset="-127"/>
+              </a:rPr>
+              <a:t>기존의 프로젝트를 사용</a:t>
+            </a:r>
+            <a:r>
+              <a:rPr lang="en-US" altLang="ko-KR" sz="2400" spc="-150" dirty="0">
+                <a:solidFill>
+                  <a:schemeClr val="accent1">
+                    <a:lumMod val="50000"/>
+                  </a:schemeClr>
+                </a:solidFill>
+                <a:latin typeface="나눔스퀘어 ExtraBold" panose="020B0600000101010101" pitchFamily="50" charset="-127"/>
+                <a:ea typeface="나눔스퀘어 ExtraBold" panose="020B0600000101010101" pitchFamily="50" charset="-127"/>
+              </a:rPr>
+              <a:t>X → </a:t>
+            </a:r>
+            <a:r>
+              <a:rPr lang="ko-KR" altLang="en-US" sz="2400" spc="-150" dirty="0">
+                <a:solidFill>
+                  <a:schemeClr val="accent1">
+                    <a:lumMod val="50000"/>
+                  </a:schemeClr>
+                </a:solidFill>
+                <a:latin typeface="나눔스퀘어 ExtraBold" panose="020B0600000101010101" pitchFamily="50" charset="-127"/>
+                <a:ea typeface="나눔스퀘어 ExtraBold" panose="020B0600000101010101" pitchFamily="50" charset="-127"/>
+              </a:rPr>
+              <a:t>새로운 프로젝트로 시작</a:t>
+            </a:r>
+            <a:endParaRPr lang="en-US" altLang="ko-KR" sz="2400" spc="-150" dirty="0">
+              <a:solidFill>
+                <a:schemeClr val="accent1">
+                  <a:lumMod val="50000"/>
+                </a:schemeClr>
+              </a:solidFill>
+              <a:latin typeface="나눔스퀘어 ExtraBold" panose="020B0600000101010101" pitchFamily="50" charset="-127"/>
+              <a:ea typeface="나눔스퀘어 ExtraBold" panose="020B0600000101010101" pitchFamily="50" charset="-127"/>
+            </a:endParaRPr>
+          </a:p>
+          <a:p>
+            <a:pPr marL="457200" indent="-457200">
+              <a:buFont typeface="Arial" panose="020B0604020202020204" pitchFamily="34" charset="0"/>
+              <a:buChar char="•"/>
+            </a:pPr>
+            <a:r>
+              <a:rPr lang="ko-KR" altLang="en-US" sz="2400" spc="-150" dirty="0">
+                <a:solidFill>
+                  <a:schemeClr val="accent1">
+                    <a:lumMod val="50000"/>
+                  </a:schemeClr>
+                </a:solidFill>
+                <a:latin typeface="나눔스퀘어 ExtraBold" panose="020B0600000101010101" pitchFamily="50" charset="-127"/>
+                <a:ea typeface="나눔스퀘어 ExtraBold" panose="020B0600000101010101" pitchFamily="50" charset="-127"/>
+              </a:rPr>
+              <a:t>프로젝트를 </a:t>
+            </a:r>
+            <a:r>
+              <a:rPr lang="ko-KR" altLang="en-US" sz="2400" spc="-150" dirty="0" err="1">
+                <a:solidFill>
+                  <a:schemeClr val="accent1">
+                    <a:lumMod val="50000"/>
+                  </a:schemeClr>
+                </a:solidFill>
+                <a:latin typeface="나눔스퀘어 ExtraBold" panose="020B0600000101010101" pitchFamily="50" charset="-127"/>
+                <a:ea typeface="나눔스퀘어 ExtraBold" panose="020B0600000101010101" pitchFamily="50" charset="-127"/>
+              </a:rPr>
+              <a:t>개선해나가는</a:t>
+            </a:r>
+            <a:r>
+              <a:rPr lang="ko-KR" altLang="en-US" sz="2400" spc="-150" dirty="0">
+                <a:solidFill>
+                  <a:schemeClr val="accent1">
+                    <a:lumMod val="50000"/>
+                  </a:schemeClr>
+                </a:solidFill>
+                <a:latin typeface="나눔스퀘어 ExtraBold" panose="020B0600000101010101" pitchFamily="50" charset="-127"/>
+                <a:ea typeface="나눔스퀘어 ExtraBold" panose="020B0600000101010101" pitchFamily="50" charset="-127"/>
+              </a:rPr>
+              <a:t> 과제에 부합</a:t>
+            </a:r>
+            <a:endParaRPr lang="en-US" altLang="ko-KR" sz="2400" spc="-150" dirty="0">
+              <a:solidFill>
+                <a:schemeClr val="accent1">
+                  <a:lumMod val="50000"/>
+                </a:schemeClr>
+              </a:solidFill>
+              <a:latin typeface="나눔스퀘어 ExtraBold" panose="020B0600000101010101" pitchFamily="50" charset="-127"/>
+              <a:ea typeface="나눔스퀘어 ExtraBold" panose="020B0600000101010101" pitchFamily="50" charset="-127"/>
+            </a:endParaRPr>
+          </a:p>
+          <a:p>
+            <a:pPr marL="457200" indent="-457200">
+              <a:buFont typeface="Arial" panose="020B0604020202020204" pitchFamily="34" charset="0"/>
+              <a:buChar char="•"/>
+            </a:pPr>
+            <a:endParaRPr lang="ko-KR" altLang="en-US" sz="2400" spc="-150" dirty="0">
+              <a:solidFill>
+                <a:schemeClr val="accent1">
+                  <a:lumMod val="50000"/>
+                </a:schemeClr>
+              </a:solidFill>
+              <a:latin typeface="나눔스퀘어 ExtraBold" panose="020B0600000101010101" pitchFamily="50" charset="-127"/>
+              <a:ea typeface="나눔스퀘어 ExtraBold" panose="020B0600000101010101" pitchFamily="50" charset="-127"/>
+            </a:endParaRPr>
+          </a:p>
+        </p:txBody>
+      </p:sp>
+      <p:cxnSp>
+        <p:nvCxnSpPr>
+          <p:cNvPr id="11" name="직선 연결선 13">
+            <a:extLst>
+              <a:ext uri="{FF2B5EF4-FFF2-40B4-BE49-F238E27FC236}">
+                <a16:creationId xmlns:a16="http://schemas.microsoft.com/office/drawing/2014/main" id="{695D7F97-B207-4FD6-BABA-AA6D8CAA17B8}"/>
+              </a:ext>
+            </a:extLst>
+          </p:cNvPr>
+          <p:cNvCxnSpPr/>
+          <p:nvPr/>
+        </p:nvCxnSpPr>
+        <p:spPr>
+          <a:xfrm>
+            <a:off x="10441247" y="128668"/>
+            <a:ext cx="360000" cy="0"/>
+          </a:xfrm>
+          <a:prstGeom prst="line">
+            <a:avLst/>
+          </a:prstGeom>
+          <a:ln w="44450" cap="rnd">
+            <a:solidFill>
+              <a:srgbClr val="D0CECE"/>
+            </a:solidFill>
+          </a:ln>
+          <a:effectLst>
+            <a:outerShdw blurRad="50800" dist="38100" dir="5400000" algn="t" rotWithShape="0">
+              <a:prstClr val="black">
+                <a:alpha val="40000"/>
+              </a:prstClr>
+            </a:outerShdw>
+          </a:effectLst>
+        </p:spPr>
+        <p:style>
+          <a:lnRef idx="1">
+            <a:schemeClr val="accent1"/>
+          </a:lnRef>
+          <a:fillRef idx="0">
+            <a:schemeClr val="accent1"/>
+          </a:fillRef>
+          <a:effectRef idx="0">
+            <a:schemeClr val="accent1"/>
+          </a:effectRef>
+          <a:fontRef idx="minor">
+            <a:schemeClr val="tx1"/>
+          </a:fontRef>
+        </p:style>
+      </p:cxnSp>
+      <p:cxnSp>
+        <p:nvCxnSpPr>
+          <p:cNvPr id="13" name="직선 연결선 14">
+            <a:extLst>
+              <a:ext uri="{FF2B5EF4-FFF2-40B4-BE49-F238E27FC236}">
+                <a16:creationId xmlns:a16="http://schemas.microsoft.com/office/drawing/2014/main" id="{5497A57E-504D-48E8-A18C-9DB6D78E4C34}"/>
+              </a:ext>
+            </a:extLst>
+          </p:cNvPr>
+          <p:cNvCxnSpPr/>
+          <p:nvPr/>
+        </p:nvCxnSpPr>
+        <p:spPr>
+          <a:xfrm>
+            <a:off x="10868814" y="128668"/>
+            <a:ext cx="360000" cy="0"/>
+          </a:xfrm>
+          <a:prstGeom prst="line">
+            <a:avLst/>
+          </a:prstGeom>
+          <a:ln w="44450" cap="rnd">
+            <a:solidFill>
+              <a:schemeClr val="bg2">
+                <a:lumMod val="90000"/>
+              </a:schemeClr>
+            </a:solidFill>
+          </a:ln>
+          <a:effectLst>
+            <a:outerShdw blurRad="50800" dist="38100" dir="5400000" algn="t" rotWithShape="0">
+              <a:prstClr val="black">
+                <a:alpha val="40000"/>
+              </a:prstClr>
+            </a:outerShdw>
+          </a:effectLst>
+        </p:spPr>
+        <p:style>
+          <a:lnRef idx="1">
+            <a:schemeClr val="accent1"/>
+          </a:lnRef>
+          <a:fillRef idx="0">
+            <a:schemeClr val="accent1"/>
+          </a:fillRef>
+          <a:effectRef idx="0">
+            <a:schemeClr val="accent1"/>
+          </a:effectRef>
+          <a:fontRef idx="minor">
+            <a:schemeClr val="tx1"/>
+          </a:fontRef>
+        </p:style>
+      </p:cxnSp>
+      <p:cxnSp>
+        <p:nvCxnSpPr>
+          <p:cNvPr id="21" name="직선 연결선 15">
+            <a:extLst>
+              <a:ext uri="{FF2B5EF4-FFF2-40B4-BE49-F238E27FC236}">
+                <a16:creationId xmlns:a16="http://schemas.microsoft.com/office/drawing/2014/main" id="{EC0C4A89-003F-430C-A934-8E4423C5EEBD}"/>
+              </a:ext>
+            </a:extLst>
+          </p:cNvPr>
+          <p:cNvCxnSpPr/>
+          <p:nvPr/>
+        </p:nvCxnSpPr>
+        <p:spPr>
+          <a:xfrm>
+            <a:off x="11296381" y="128668"/>
+            <a:ext cx="360000" cy="0"/>
+          </a:xfrm>
+          <a:prstGeom prst="line">
+            <a:avLst/>
+          </a:prstGeom>
+          <a:ln w="44450" cap="rnd">
+            <a:solidFill>
+              <a:schemeClr val="bg2">
+                <a:lumMod val="90000"/>
+              </a:schemeClr>
+            </a:solidFill>
+          </a:ln>
+          <a:effectLst>
+            <a:outerShdw blurRad="50800" dist="38100" dir="5400000" algn="t" rotWithShape="0">
+              <a:prstClr val="black">
+                <a:alpha val="40000"/>
+              </a:prstClr>
+            </a:outerShdw>
+          </a:effectLst>
+        </p:spPr>
+        <p:style>
+          <a:lnRef idx="1">
+            <a:schemeClr val="accent1"/>
+          </a:lnRef>
+          <a:fillRef idx="0">
+            <a:schemeClr val="accent1"/>
+          </a:fillRef>
+          <a:effectRef idx="0">
+            <a:schemeClr val="accent1"/>
+          </a:effectRef>
+          <a:fontRef idx="minor">
+            <a:schemeClr val="tx1"/>
+          </a:fontRef>
+        </p:style>
+      </p:cxnSp>
+      <p:cxnSp>
+        <p:nvCxnSpPr>
+          <p:cNvPr id="23" name="직선 연결선 16">
+            <a:extLst>
+              <a:ext uri="{FF2B5EF4-FFF2-40B4-BE49-F238E27FC236}">
+                <a16:creationId xmlns:a16="http://schemas.microsoft.com/office/drawing/2014/main" id="{865BCDB7-4619-40E3-AD4B-9C4258255108}"/>
+              </a:ext>
+            </a:extLst>
+          </p:cNvPr>
+          <p:cNvCxnSpPr/>
+          <p:nvPr/>
+        </p:nvCxnSpPr>
+        <p:spPr>
+          <a:xfrm>
+            <a:off x="11723947" y="128668"/>
+            <a:ext cx="360000" cy="0"/>
+          </a:xfrm>
+          <a:prstGeom prst="line">
+            <a:avLst/>
+          </a:prstGeom>
+          <a:ln w="44450" cap="rnd">
+            <a:solidFill>
+              <a:srgbClr val="8DBABD"/>
+            </a:solidFill>
+          </a:ln>
+          <a:effectLst>
+            <a:outerShdw blurRad="50800" dist="38100" dir="5400000" algn="t" rotWithShape="0">
+              <a:prstClr val="black">
+                <a:alpha val="40000"/>
+              </a:prstClr>
+            </a:outerShdw>
+          </a:effectLst>
+        </p:spPr>
+        <p:style>
+          <a:lnRef idx="1">
+            <a:schemeClr val="accent1"/>
+          </a:lnRef>
+          <a:fillRef idx="0">
+            <a:schemeClr val="accent1"/>
+          </a:fillRef>
+          <a:effectRef idx="0">
+            <a:schemeClr val="accent1"/>
+          </a:effectRef>
+          <a:fontRef idx="minor">
+            <a:schemeClr val="tx1"/>
+          </a:fontRef>
+        </p:style>
+      </p:cxnSp>
+    </p:spTree>
+    <p:extLst>
+      <p:ext uri="{BB962C8B-B14F-4D97-AF65-F5344CB8AC3E}">
+        <p14:creationId xmlns:p14="http://schemas.microsoft.com/office/powerpoint/2010/main" val="2408525835"/>
+      </p:ext>
+    </p:extLst>
+  </p:cSld>
+  <p:clrMapOvr>
+    <a:masterClrMapping/>
+  </p:clrMapOvr>
+</p:sld>
+</file>
+
+<file path=ppt/slides/slide18.xml><?xml version="1.0" encoding="utf-8"?>
+<p:sld xmlns:a="http://schemas.openxmlformats.org/drawingml/2006/main" xmlns:r="http://schemas.openxmlformats.org/officeDocument/2006/relationships" xmlns:p="http://schemas.openxmlformats.org/presentationml/2006/main">
+  <p:cSld>
+    <p:spTree>
+      <p:nvGrpSpPr>
+        <p:cNvPr id="1" name=""/>
+        <p:cNvGrpSpPr/>
+        <p:nvPr/>
+      </p:nvGrpSpPr>
+      <p:grpSpPr>
+        <a:xfrm>
+          <a:off x="0" y="0"/>
+          <a:ext cx="0" cy="0"/>
+          <a:chOff x="0" y="0"/>
+          <a:chExt cx="0" cy="0"/>
+        </a:xfrm>
+      </p:grpSpPr>
+      <p:sp>
+        <p:nvSpPr>
+          <p:cNvPr id="2" name="TextBox 1"/>
+          <p:cNvSpPr txBox="1"/>
+          <p:nvPr/>
+        </p:nvSpPr>
+        <p:spPr>
+          <a:xfrm>
+            <a:off x="4000500" y="2472873"/>
+            <a:ext cx="764953" cy="769441"/>
+          </a:xfrm>
+          <a:prstGeom prst="rect">
+            <a:avLst/>
+          </a:prstGeom>
+          <a:noFill/>
+        </p:spPr>
+        <p:txBody>
+          <a:bodyPr wrap="none" rtlCol="0">
+            <a:spAutoFit/>
+          </a:bodyPr>
+          <a:lstStyle/>
+          <a:p>
+            <a:r>
+              <a:rPr lang="en-US" altLang="ko-KR" sz="4400" spc="-300" dirty="0">
+                <a:solidFill>
+                  <a:srgbClr val="00002F"/>
+                </a:solidFill>
+                <a:latin typeface="HY중고딕" panose="02030600000101010101" pitchFamily="18" charset="-127"/>
+                <a:ea typeface="HY중고딕" panose="02030600000101010101" pitchFamily="18" charset="-127"/>
+              </a:rPr>
+              <a:t>07</a:t>
+            </a:r>
+            <a:endParaRPr lang="ko-KR" altLang="en-US" sz="4400" spc="-300" dirty="0">
+              <a:solidFill>
+                <a:srgbClr val="00002F"/>
+              </a:solidFill>
+              <a:latin typeface="HY중고딕" panose="02030600000101010101" pitchFamily="18" charset="-127"/>
+              <a:ea typeface="HY중고딕" panose="02030600000101010101" pitchFamily="18" charset="-127"/>
+            </a:endParaRPr>
+          </a:p>
+        </p:txBody>
+      </p:sp>
+      <p:sp>
+        <p:nvSpPr>
+          <p:cNvPr id="3" name="직사각형 2"/>
+          <p:cNvSpPr/>
+          <p:nvPr/>
+        </p:nvSpPr>
+        <p:spPr>
+          <a:xfrm>
+            <a:off x="4000499" y="3169741"/>
+            <a:ext cx="4200071" cy="473345"/>
+          </a:xfrm>
+          <a:prstGeom prst="rect">
+            <a:avLst/>
+          </a:prstGeom>
+          <a:solidFill>
+            <a:srgbClr val="8DBABD"/>
+          </a:solidFill>
+          <a:ln>
+            <a:solidFill>
+              <a:srgbClr val="8DBABD"/>
+            </a:solidFill>
+          </a:ln>
+        </p:spPr>
+        <p:style>
+          <a:lnRef idx="2">
+            <a:schemeClr val="accent1">
+              <a:shade val="50000"/>
+            </a:schemeClr>
+          </a:lnRef>
+          <a:fillRef idx="1">
+            <a:schemeClr val="accent1"/>
+          </a:fillRef>
+          <a:effectRef idx="0">
+            <a:schemeClr val="accent1"/>
+          </a:effectRef>
+          <a:fontRef idx="minor">
+            <a:schemeClr val="lt1"/>
+          </a:fontRef>
+        </p:style>
+        <p:txBody>
+          <a:bodyPr rtlCol="0" anchor="ctr"/>
+          <a:lstStyle/>
+          <a:p>
+            <a:pPr algn="ctr"/>
+            <a:r>
+              <a:rPr lang="ko-KR" altLang="en-US" dirty="0">
+                <a:latin typeface="HY중고딕" panose="02030600000101010101" pitchFamily="18" charset="-127"/>
+                <a:ea typeface="HY중고딕" panose="02030600000101010101" pitchFamily="18" charset="-127"/>
+              </a:rPr>
+              <a:t>수행계획 </a:t>
+            </a:r>
+            <a:r>
+              <a:rPr lang="ko-KR" altLang="en-US">
+                <a:latin typeface="HY중고딕" panose="02030600000101010101" pitchFamily="18" charset="-127"/>
+                <a:ea typeface="HY중고딕" panose="02030600000101010101" pitchFamily="18" charset="-127"/>
+              </a:rPr>
+              <a:t>및 추진전략</a:t>
+            </a:r>
+            <a:endParaRPr lang="ko-KR" altLang="en-US" dirty="0">
+              <a:latin typeface="HY중고딕" panose="02030600000101010101" pitchFamily="18" charset="-127"/>
+              <a:ea typeface="HY중고딕" panose="02030600000101010101" pitchFamily="18" charset="-127"/>
+            </a:endParaRPr>
+          </a:p>
+        </p:txBody>
+      </p:sp>
+    </p:spTree>
+    <p:extLst>
+      <p:ext uri="{BB962C8B-B14F-4D97-AF65-F5344CB8AC3E}">
+        <p14:creationId xmlns:p14="http://schemas.microsoft.com/office/powerpoint/2010/main" val="1862650958"/>
+      </p:ext>
+    </p:extLst>
+  </p:cSld>
+  <p:clrMapOvr>
+    <a:masterClrMapping/>
+  </p:clrMapOvr>
+</p:sld>
+</file>
+
+<file path=ppt/slides/slide19.xml><?xml version="1.0" encoding="utf-8"?>
+<p:sld xmlns:a="http://schemas.openxmlformats.org/drawingml/2006/main" xmlns:r="http://schemas.openxmlformats.org/officeDocument/2006/relationships" xmlns:p="http://schemas.openxmlformats.org/presentationml/2006/main">
+  <p:cSld>
+    <p:spTree>
+      <p:nvGrpSpPr>
+        <p:cNvPr id="1" name=""/>
+        <p:cNvGrpSpPr/>
+        <p:nvPr/>
+      </p:nvGrpSpPr>
+      <p:grpSpPr>
+        <a:xfrm>
+          <a:off x="0" y="0"/>
+          <a:ext cx="0" cy="0"/>
+          <a:chOff x="0" y="0"/>
+          <a:chExt cx="0" cy="0"/>
+        </a:xfrm>
+      </p:grpSpPr>
+      <p:sp>
+        <p:nvSpPr>
+          <p:cNvPr id="11" name="TextBox 10"/>
+          <p:cNvSpPr txBox="1"/>
+          <p:nvPr/>
+        </p:nvSpPr>
+        <p:spPr>
+          <a:xfrm>
+            <a:off x="3265572" y="1279239"/>
+            <a:ext cx="5314340" cy="707886"/>
+          </a:xfrm>
+          <a:prstGeom prst="rect">
+            <a:avLst/>
+          </a:prstGeom>
+          <a:noFill/>
+        </p:spPr>
+        <p:txBody>
+          <a:bodyPr wrap="none" rtlCol="0">
+            <a:spAutoFit/>
+          </a:bodyPr>
+          <a:lstStyle/>
+          <a:p>
+            <a:pPr algn="ctr"/>
+            <a:r>
+              <a:rPr lang="en-US" altLang="ko-KR" sz="4000" b="1" spc="-150" dirty="0">
+                <a:solidFill>
+                  <a:srgbClr val="8DBABD"/>
+                </a:solidFill>
+                <a:latin typeface="Malgun Gothic Semilight" panose="020B0502040204020203" pitchFamily="34" charset="-127"/>
+                <a:ea typeface="Malgun Gothic Semilight" panose="020B0502040204020203" pitchFamily="34" charset="-127"/>
+              </a:rPr>
+              <a:t>Throw-Away Prototyping</a:t>
+            </a:r>
+            <a:endParaRPr lang="ko-KR" altLang="en-US" sz="4000" b="1" spc="-150" dirty="0">
+              <a:solidFill>
+                <a:srgbClr val="8DBABD"/>
+              </a:solidFill>
+              <a:latin typeface="Malgun Gothic Semilight" panose="020B0502040204020203" pitchFamily="34" charset="-127"/>
+              <a:ea typeface="Malgun Gothic Semilight" panose="020B0502040204020203" pitchFamily="34" charset="-127"/>
+            </a:endParaRPr>
+          </a:p>
+        </p:txBody>
+      </p:sp>
+      <p:cxnSp>
+        <p:nvCxnSpPr>
+          <p:cNvPr id="14" name="직선 연결선 13"/>
+          <p:cNvCxnSpPr/>
+          <p:nvPr/>
+        </p:nvCxnSpPr>
+        <p:spPr>
+          <a:xfrm>
+            <a:off x="10430892" y="144941"/>
+            <a:ext cx="360000" cy="0"/>
+          </a:xfrm>
+          <a:prstGeom prst="line">
+            <a:avLst/>
+          </a:prstGeom>
+          <a:ln w="44450" cap="rnd">
+            <a:solidFill>
+              <a:srgbClr val="D0CECE"/>
+            </a:solidFill>
+          </a:ln>
+          <a:effectLst>
+            <a:outerShdw blurRad="50800" dist="38100" dir="5400000" algn="t" rotWithShape="0">
+              <a:prstClr val="black">
+                <a:alpha val="40000"/>
+              </a:prstClr>
+            </a:outerShdw>
+          </a:effectLst>
+        </p:spPr>
+        <p:style>
+          <a:lnRef idx="1">
+            <a:schemeClr val="accent1"/>
+          </a:lnRef>
+          <a:fillRef idx="0">
+            <a:schemeClr val="accent1"/>
+          </a:fillRef>
+          <a:effectRef idx="0">
+            <a:schemeClr val="accent1"/>
+          </a:effectRef>
+          <a:fontRef idx="minor">
+            <a:schemeClr val="tx1"/>
+          </a:fontRef>
+        </p:style>
+      </p:cxnSp>
+      <p:cxnSp>
+        <p:nvCxnSpPr>
+          <p:cNvPr id="15" name="직선 연결선 14"/>
+          <p:cNvCxnSpPr/>
+          <p:nvPr/>
+        </p:nvCxnSpPr>
+        <p:spPr>
+          <a:xfrm>
+            <a:off x="10858459" y="144941"/>
+            <a:ext cx="360000" cy="0"/>
+          </a:xfrm>
+          <a:prstGeom prst="line">
+            <a:avLst/>
+          </a:prstGeom>
+          <a:ln w="44450" cap="rnd">
+            <a:solidFill>
+              <a:schemeClr val="bg2">
+                <a:lumMod val="90000"/>
+              </a:schemeClr>
+            </a:solidFill>
+          </a:ln>
+          <a:effectLst>
+            <a:outerShdw blurRad="50800" dist="38100" dir="5400000" algn="t" rotWithShape="0">
+              <a:prstClr val="black">
+                <a:alpha val="40000"/>
+              </a:prstClr>
+            </a:outerShdw>
+          </a:effectLst>
+        </p:spPr>
+        <p:style>
+          <a:lnRef idx="1">
+            <a:schemeClr val="accent1"/>
+          </a:lnRef>
+          <a:fillRef idx="0">
+            <a:schemeClr val="accent1"/>
+          </a:fillRef>
+          <a:effectRef idx="0">
+            <a:schemeClr val="accent1"/>
+          </a:effectRef>
+          <a:fontRef idx="minor">
+            <a:schemeClr val="tx1"/>
+          </a:fontRef>
+        </p:style>
+      </p:cxnSp>
+      <p:cxnSp>
+        <p:nvCxnSpPr>
+          <p:cNvPr id="16" name="직선 연결선 15"/>
+          <p:cNvCxnSpPr/>
+          <p:nvPr/>
+        </p:nvCxnSpPr>
+        <p:spPr>
+          <a:xfrm>
+            <a:off x="11286026" y="144941"/>
+            <a:ext cx="360000" cy="0"/>
+          </a:xfrm>
+          <a:prstGeom prst="line">
+            <a:avLst/>
+          </a:prstGeom>
+          <a:ln w="44450" cap="rnd">
+            <a:solidFill>
+              <a:schemeClr val="bg2">
+                <a:lumMod val="90000"/>
+              </a:schemeClr>
+            </a:solidFill>
+          </a:ln>
+          <a:effectLst>
+            <a:outerShdw blurRad="50800" dist="38100" dir="5400000" algn="t" rotWithShape="0">
+              <a:prstClr val="black">
+                <a:alpha val="40000"/>
+              </a:prstClr>
+            </a:outerShdw>
+          </a:effectLst>
+        </p:spPr>
+        <p:style>
+          <a:lnRef idx="1">
+            <a:schemeClr val="accent1"/>
+          </a:lnRef>
+          <a:fillRef idx="0">
+            <a:schemeClr val="accent1"/>
+          </a:fillRef>
+          <a:effectRef idx="0">
+            <a:schemeClr val="accent1"/>
+          </a:effectRef>
+          <a:fontRef idx="minor">
+            <a:schemeClr val="tx1"/>
+          </a:fontRef>
+        </p:style>
+      </p:cxnSp>
+      <p:cxnSp>
+        <p:nvCxnSpPr>
+          <p:cNvPr id="17" name="직선 연결선 16"/>
+          <p:cNvCxnSpPr/>
+          <p:nvPr/>
+        </p:nvCxnSpPr>
+        <p:spPr>
+          <a:xfrm>
+            <a:off x="11713592" y="144941"/>
+            <a:ext cx="360000" cy="0"/>
+          </a:xfrm>
+          <a:prstGeom prst="line">
+            <a:avLst/>
+          </a:prstGeom>
+          <a:ln w="44450" cap="rnd">
+            <a:solidFill>
+              <a:srgbClr val="8DBABD"/>
+            </a:solidFill>
+          </a:ln>
+          <a:effectLst>
+            <a:outerShdw blurRad="50800" dist="38100" dir="5400000" algn="t" rotWithShape="0">
+              <a:prstClr val="black">
+                <a:alpha val="40000"/>
+              </a:prstClr>
+            </a:outerShdw>
+          </a:effectLst>
+        </p:spPr>
+        <p:style>
+          <a:lnRef idx="1">
+            <a:schemeClr val="accent1"/>
+          </a:lnRef>
+          <a:fillRef idx="0">
+            <a:schemeClr val="accent1"/>
+          </a:fillRef>
+          <a:effectRef idx="0">
+            <a:schemeClr val="accent1"/>
+          </a:effectRef>
+          <a:fontRef idx="minor">
+            <a:schemeClr val="tx1"/>
+          </a:fontRef>
+        </p:style>
+      </p:cxnSp>
+      <p:cxnSp>
+        <p:nvCxnSpPr>
+          <p:cNvPr id="18" name="직선 연결선 17"/>
+          <p:cNvCxnSpPr>
+            <a:cxnSpLocks/>
+          </p:cNvCxnSpPr>
+          <p:nvPr/>
+        </p:nvCxnSpPr>
+        <p:spPr>
+          <a:xfrm>
+            <a:off x="1026522" y="989148"/>
+            <a:ext cx="3462928" cy="0"/>
+          </a:xfrm>
+          <a:prstGeom prst="line">
+            <a:avLst/>
+          </a:prstGeom>
+          <a:ln>
+            <a:solidFill>
+              <a:schemeClr val="bg1">
+                <a:lumMod val="50000"/>
+              </a:schemeClr>
+            </a:solidFill>
+          </a:ln>
+        </p:spPr>
+        <p:style>
+          <a:lnRef idx="1">
+            <a:schemeClr val="accent1"/>
+          </a:lnRef>
+          <a:fillRef idx="0">
+            <a:schemeClr val="accent1"/>
+          </a:fillRef>
+          <a:effectRef idx="0">
+            <a:schemeClr val="accent1"/>
+          </a:effectRef>
+          <a:fontRef idx="minor">
+            <a:schemeClr val="tx1"/>
+          </a:fontRef>
+        </p:style>
+      </p:cxnSp>
+      <p:sp>
+        <p:nvSpPr>
+          <p:cNvPr id="19" name="TextBox 18"/>
+          <p:cNvSpPr txBox="1"/>
+          <p:nvPr/>
+        </p:nvSpPr>
+        <p:spPr>
+          <a:xfrm>
+            <a:off x="898672" y="412529"/>
+            <a:ext cx="3656770" cy="523220"/>
+          </a:xfrm>
+          <a:prstGeom prst="rect">
+            <a:avLst/>
+          </a:prstGeom>
+          <a:noFill/>
+        </p:spPr>
+        <p:txBody>
+          <a:bodyPr wrap="none" rtlCol="0">
+            <a:spAutoFit/>
+          </a:bodyPr>
+          <a:lstStyle/>
+          <a:p>
+            <a:pPr algn="ctr"/>
+            <a:r>
+              <a:rPr lang="ko-KR" altLang="en-US" sz="2800" b="1" dirty="0">
+                <a:latin typeface="HY중고딕" panose="02030600000101010101" pitchFamily="18" charset="-127"/>
+                <a:ea typeface="HY중고딕" panose="02030600000101010101" pitchFamily="18" charset="-127"/>
+              </a:rPr>
+              <a:t>수행계획 및 추진전략</a:t>
+            </a:r>
+          </a:p>
+        </p:txBody>
+      </p:sp>
+      <p:sp>
+        <p:nvSpPr>
+          <p:cNvPr id="20" name="TextBox 19"/>
+          <p:cNvSpPr txBox="1"/>
+          <p:nvPr/>
+        </p:nvSpPr>
+        <p:spPr>
+          <a:xfrm>
+            <a:off x="502820" y="498947"/>
+            <a:ext cx="519694" cy="461665"/>
+          </a:xfrm>
+          <a:prstGeom prst="rect">
+            <a:avLst/>
+          </a:prstGeom>
+          <a:noFill/>
+        </p:spPr>
+        <p:txBody>
+          <a:bodyPr wrap="none" rtlCol="0">
+            <a:spAutoFit/>
+          </a:bodyPr>
+          <a:lstStyle/>
+          <a:p>
+            <a:pPr algn="ctr"/>
+            <a:r>
+              <a:rPr lang="en-US" altLang="ko-KR" sz="2400" spc="-150" dirty="0">
+                <a:solidFill>
+                  <a:srgbClr val="00002F"/>
+                </a:solidFill>
+                <a:latin typeface="Malgun Gothic Semilight" panose="020B0502040204020203" pitchFamily="34" charset="-127"/>
+                <a:ea typeface="Malgun Gothic Semilight" panose="020B0502040204020203" pitchFamily="34" charset="-127"/>
+              </a:rPr>
+              <a:t>07.</a:t>
+            </a:r>
+            <a:endParaRPr lang="ko-KR" altLang="en-US" sz="2400" spc="-150" dirty="0">
+              <a:solidFill>
+                <a:srgbClr val="00002F"/>
+              </a:solidFill>
+              <a:latin typeface="Malgun Gothic Semilight" panose="020B0502040204020203" pitchFamily="34" charset="-127"/>
+              <a:ea typeface="Malgun Gothic Semilight" panose="020B0502040204020203" pitchFamily="34" charset="-127"/>
+            </a:endParaRPr>
+          </a:p>
+        </p:txBody>
+      </p:sp>
+      <p:pic>
+        <p:nvPicPr>
+          <p:cNvPr id="9" name="Picture 8">
+            <a:extLst>
+              <a:ext uri="{FF2B5EF4-FFF2-40B4-BE49-F238E27FC236}">
+                <a16:creationId xmlns:a16="http://schemas.microsoft.com/office/drawing/2014/main" id="{AD9F3133-01CD-4E21-89ED-A2E490987F9C}"/>
+              </a:ext>
+            </a:extLst>
+          </p:cNvPr>
+          <p:cNvPicPr>
+            <a:picLocks noChangeAspect="1"/>
+          </p:cNvPicPr>
+          <p:nvPr/>
+        </p:nvPicPr>
+        <p:blipFill>
+          <a:blip r:embed="rId2">
+            <a:extLst>
+              <a:ext uri="{28A0092B-C50C-407E-A947-70E740481C1C}">
+                <a14:useLocalDpi xmlns:a14="http://schemas.microsoft.com/office/drawing/2010/main" val="0"/>
+              </a:ext>
+            </a:extLst>
+          </a:blip>
+          <a:stretch>
+            <a:fillRect/>
+          </a:stretch>
+        </p:blipFill>
+        <p:spPr>
+          <a:xfrm>
+            <a:off x="80471" y="2319296"/>
+            <a:ext cx="12002746" cy="2772465"/>
+          </a:xfrm>
+          <a:prstGeom prst="rect">
+            <a:avLst/>
+          </a:prstGeom>
+        </p:spPr>
+      </p:pic>
+    </p:spTree>
+    <p:extLst>
+      <p:ext uri="{BB962C8B-B14F-4D97-AF65-F5344CB8AC3E}">
+        <p14:creationId xmlns:p14="http://schemas.microsoft.com/office/powerpoint/2010/main" val="1803526317"/>
       </p:ext>
     </p:extLst>
   </p:cSld>
@@ -1796,14 +4717,20 @@
       </p:grpSpPr>
       <p:sp>
         <p:nvSpPr>
-          <p:cNvPr id="4" name="TextBox 3"/>
+          <p:cNvPr id="18" name="TextBox 17">
+            <a:extLst>
+              <a:ext uri="{FF2B5EF4-FFF2-40B4-BE49-F238E27FC236}">
+                <a16:creationId xmlns:a16="http://schemas.microsoft.com/office/drawing/2014/main" id="{BBFBBF25-36A7-4106-B294-89A51E9F0352}"/>
+              </a:ext>
+            </a:extLst>
+          </p:cNvPr>
           <p:cNvSpPr txBox="1"/>
           <p:nvPr/>
         </p:nvSpPr>
         <p:spPr>
           <a:xfrm>
-            <a:off x="365556" y="2497976"/>
-            <a:ext cx="1893467" cy="1862048"/>
+            <a:off x="8239555" y="3429000"/>
+            <a:ext cx="2012089" cy="1862048"/>
           </a:xfrm>
           <a:prstGeom prst="rect">
             <a:avLst/>
@@ -1821,39 +4748,45 @@
                 <a:solidFill>
                   <a:srgbClr val="00002F"/>
                 </a:solidFill>
-                <a:latin typeface="Malgun Gothic Semilight" panose="020B0503020000020004" pitchFamily="34" charset="-127"/>
-                <a:ea typeface="Malgun Gothic Semilight" panose="020B0503020000020004" pitchFamily="34" charset="-127"/>
-              </a:rPr>
-              <a:t>01</a:t>
+                <a:latin typeface="나눔스퀘어 ExtraBold" panose="020B0600000101010101" pitchFamily="50" charset="-127"/>
+                <a:ea typeface="나눔스퀘어 ExtraBold" panose="020B0600000101010101" pitchFamily="50" charset="-127"/>
+              </a:rPr>
+              <a:t>07</a:t>
             </a:r>
             <a:endParaRPr lang="ko-KR" altLang="en-US" sz="11500" b="1" dirty="0">
               <a:solidFill>
                 <a:srgbClr val="00002F"/>
               </a:solidFill>
-              <a:latin typeface="Malgun Gothic Semilight" panose="020B0503020000020004" pitchFamily="34" charset="-127"/>
-              <a:ea typeface="Malgun Gothic Semilight" panose="020B0503020000020004" pitchFamily="34" charset="-127"/>
+              <a:latin typeface="나눔스퀘어 ExtraBold" panose="020B0600000101010101" pitchFamily="50" charset="-127"/>
+              <a:ea typeface="나눔스퀘어 ExtraBold" panose="020B0600000101010101" pitchFamily="50" charset="-127"/>
             </a:endParaRPr>
           </a:p>
         </p:txBody>
       </p:sp>
       <p:sp>
         <p:nvSpPr>
-          <p:cNvPr id="5" name="직사각형 4"/>
+          <p:cNvPr id="22" name="직사각형 21">
+            <a:extLst>
+              <a:ext uri="{FF2B5EF4-FFF2-40B4-BE49-F238E27FC236}">
+                <a16:creationId xmlns:a16="http://schemas.microsoft.com/office/drawing/2014/main" id="{6A16EC72-FE47-4DC5-A7D3-997D16348AF5}"/>
+              </a:ext>
+            </a:extLst>
+          </p:cNvPr>
           <p:cNvSpPr/>
           <p:nvPr/>
         </p:nvSpPr>
         <p:spPr>
           <a:xfrm>
-            <a:off x="270814" y="3194050"/>
-            <a:ext cx="2201573" cy="469900"/>
+            <a:off x="8144813" y="4061744"/>
+            <a:ext cx="2201573" cy="596555"/>
           </a:xfrm>
           <a:prstGeom prst="rect">
             <a:avLst/>
           </a:prstGeom>
           <a:solidFill>
-            <a:schemeClr val="bg1">
-              <a:alpha val="80000"/>
-            </a:schemeClr>
+            <a:srgbClr val="FFFFFF">
+              <a:alpha val="85098"/>
+            </a:srgbClr>
           </a:solidFill>
           <a:ln>
             <a:solidFill>
@@ -1883,28 +4816,54 @@
           <a:p>
             <a:pPr algn="ctr"/>
             <a:r>
-              <a:rPr lang="ko-KR" altLang="en-US" sz="2000" dirty="0">
+              <a:rPr lang="ko-KR" altLang="en-US" sz="2000" b="1" dirty="0">
                 <a:solidFill>
                   <a:srgbClr val="00002F"/>
                 </a:solidFill>
-                <a:latin typeface="Malgun Gothic Semilight" panose="020B0503020000020004" pitchFamily="34" charset="-127"/>
-                <a:ea typeface="Malgun Gothic Semilight" panose="020B0503020000020004" pitchFamily="34" charset="-127"/>
-              </a:rPr>
-              <a:t>제목을 입력합니다</a:t>
+                <a:latin typeface="나눔스퀘어 ExtraBold" panose="020B0600000101010101" pitchFamily="50" charset="-127"/>
+                <a:ea typeface="나눔스퀘어 ExtraBold" panose="020B0600000101010101" pitchFamily="50" charset="-127"/>
+              </a:rPr>
+              <a:t>수행 계획 및</a:t>
+            </a:r>
+            <a:endParaRPr lang="en-US" altLang="ko-KR" sz="2000" b="1" dirty="0">
+              <a:solidFill>
+                <a:srgbClr val="00002F"/>
+              </a:solidFill>
+              <a:latin typeface="나눔스퀘어 ExtraBold" panose="020B0600000101010101" pitchFamily="50" charset="-127"/>
+              <a:ea typeface="나눔스퀘어 ExtraBold" panose="020B0600000101010101" pitchFamily="50" charset="-127"/>
+            </a:endParaRPr>
+          </a:p>
+          <a:p>
+            <a:pPr algn="ctr"/>
+            <a:r>
+              <a:rPr lang="ko-KR" altLang="en-US" sz="2000" b="1" dirty="0">
+                <a:solidFill>
+                  <a:srgbClr val="00002F"/>
+                </a:solidFill>
+                <a:latin typeface="나눔스퀘어 ExtraBold" panose="020B0600000101010101" pitchFamily="50" charset="-127"/>
+                <a:ea typeface="나눔스퀘어 ExtraBold" panose="020B0600000101010101" pitchFamily="50" charset="-127"/>
+              </a:rPr>
+              <a:t>추진 전략</a:t>
             </a:r>
           </a:p>
         </p:txBody>
       </p:sp>
       <p:sp>
         <p:nvSpPr>
-          <p:cNvPr id="6" name="TextBox 5"/>
+          <p:cNvPr id="16" name="TextBox 15">
+            <a:extLst>
+              <a:ext uri="{FF2B5EF4-FFF2-40B4-BE49-F238E27FC236}">
+                <a16:creationId xmlns:a16="http://schemas.microsoft.com/office/drawing/2014/main" id="{E60B42B9-2C47-47AD-B046-FB370CC1AAC9}"/>
+              </a:ext>
+            </a:extLst>
+          </p:cNvPr>
           <p:cNvSpPr txBox="1"/>
           <p:nvPr/>
         </p:nvSpPr>
         <p:spPr>
           <a:xfrm>
-            <a:off x="3515156" y="2497976"/>
-            <a:ext cx="1893467" cy="1862048"/>
+            <a:off x="5089955" y="3429000"/>
+            <a:ext cx="2012089" cy="1862048"/>
           </a:xfrm>
           <a:prstGeom prst="rect">
             <a:avLst/>
@@ -1922,39 +4881,45 @@
                 <a:solidFill>
                   <a:srgbClr val="00002F"/>
                 </a:solidFill>
-                <a:latin typeface="Malgun Gothic Semilight" panose="020B0503020000020004" pitchFamily="34" charset="-127"/>
-                <a:ea typeface="Malgun Gothic Semilight" panose="020B0503020000020004" pitchFamily="34" charset="-127"/>
-              </a:rPr>
-              <a:t>02</a:t>
+                <a:latin typeface="나눔스퀘어 ExtraBold" panose="020B0600000101010101" pitchFamily="50" charset="-127"/>
+                <a:ea typeface="나눔스퀘어 ExtraBold" panose="020B0600000101010101" pitchFamily="50" charset="-127"/>
+              </a:rPr>
+              <a:t>06</a:t>
             </a:r>
             <a:endParaRPr lang="ko-KR" altLang="en-US" sz="11500" b="1" dirty="0">
               <a:solidFill>
                 <a:srgbClr val="00002F"/>
               </a:solidFill>
-              <a:latin typeface="Malgun Gothic Semilight" panose="020B0503020000020004" pitchFamily="34" charset="-127"/>
-              <a:ea typeface="Malgun Gothic Semilight" panose="020B0503020000020004" pitchFamily="34" charset="-127"/>
+              <a:latin typeface="나눔스퀘어 ExtraBold" panose="020B0600000101010101" pitchFamily="50" charset="-127"/>
+              <a:ea typeface="나눔스퀘어 ExtraBold" panose="020B0600000101010101" pitchFamily="50" charset="-127"/>
             </a:endParaRPr>
           </a:p>
         </p:txBody>
       </p:sp>
       <p:sp>
         <p:nvSpPr>
-          <p:cNvPr id="7" name="직사각형 6"/>
+          <p:cNvPr id="21" name="직사각형 20">
+            <a:extLst>
+              <a:ext uri="{FF2B5EF4-FFF2-40B4-BE49-F238E27FC236}">
+                <a16:creationId xmlns:a16="http://schemas.microsoft.com/office/drawing/2014/main" id="{46AA8730-DB67-4C62-B47F-73DB289DDCA0}"/>
+              </a:ext>
+            </a:extLst>
+          </p:cNvPr>
           <p:cNvSpPr/>
           <p:nvPr/>
         </p:nvSpPr>
         <p:spPr>
           <a:xfrm>
-            <a:off x="3420414" y="3194050"/>
-            <a:ext cx="2201573" cy="469900"/>
+            <a:off x="4993288" y="4061745"/>
+            <a:ext cx="2201573" cy="596555"/>
           </a:xfrm>
           <a:prstGeom prst="rect">
             <a:avLst/>
           </a:prstGeom>
           <a:solidFill>
-            <a:schemeClr val="bg1">
-              <a:alpha val="80000"/>
-            </a:schemeClr>
+            <a:srgbClr val="FFFFFF">
+              <a:alpha val="85098"/>
+            </a:srgbClr>
           </a:solidFill>
           <a:ln>
             <a:solidFill>
@@ -1984,28 +4949,48 @@
           <a:p>
             <a:pPr algn="ctr"/>
             <a:r>
-              <a:rPr lang="ko-KR" altLang="en-US" sz="2000" dirty="0">
+              <a:rPr lang="en-US" altLang="ko-KR" sz="2000" b="1" dirty="0">
                 <a:solidFill>
                   <a:srgbClr val="00002F"/>
                 </a:solidFill>
-                <a:latin typeface="Malgun Gothic Semilight" panose="020B0503020000020004" pitchFamily="34" charset="-127"/>
-                <a:ea typeface="Malgun Gothic Semilight" panose="020B0503020000020004" pitchFamily="34" charset="-127"/>
-              </a:rPr>
-              <a:t>제목을 입력합니다</a:t>
-            </a:r>
+                <a:latin typeface="나눔스퀘어 ExtraBold" panose="020B0600000101010101" pitchFamily="50" charset="-127"/>
+                <a:ea typeface="나눔스퀘어 ExtraBold" panose="020B0600000101010101" pitchFamily="50" charset="-127"/>
+              </a:rPr>
+              <a:t>Process</a:t>
+            </a:r>
+          </a:p>
+          <a:p>
+            <a:pPr algn="ctr"/>
+            <a:r>
+              <a:rPr lang="en-US" altLang="ko-KR" sz="2000" b="1" dirty="0">
+                <a:solidFill>
+                  <a:srgbClr val="00002F"/>
+                </a:solidFill>
+                <a:latin typeface="나눔스퀘어 ExtraBold" panose="020B0600000101010101" pitchFamily="50" charset="-127"/>
+                <a:ea typeface="나눔스퀘어 ExtraBold" panose="020B0600000101010101" pitchFamily="50" charset="-127"/>
+              </a:rPr>
+              <a:t>Model</a:t>
+            </a:r>
+            <a:endParaRPr lang="ko-KR" altLang="en-US" sz="2000" b="1" dirty="0">
+              <a:solidFill>
+                <a:srgbClr val="00002F"/>
+              </a:solidFill>
+              <a:latin typeface="나눔스퀘어 ExtraBold" panose="020B0600000101010101" pitchFamily="50" charset="-127"/>
+              <a:ea typeface="나눔스퀘어 ExtraBold" panose="020B0600000101010101" pitchFamily="50" charset="-127"/>
+            </a:endParaRPr>
           </a:p>
         </p:txBody>
       </p:sp>
       <p:sp>
         <p:nvSpPr>
-          <p:cNvPr id="8" name="TextBox 7"/>
+          <p:cNvPr id="4" name="TextBox 3"/>
           <p:cNvSpPr txBox="1"/>
           <p:nvPr/>
         </p:nvSpPr>
         <p:spPr>
           <a:xfrm>
-            <a:off x="6664756" y="2497976"/>
-            <a:ext cx="1893467" cy="1862048"/>
+            <a:off x="365556" y="1801902"/>
+            <a:ext cx="2012089" cy="1862048"/>
           </a:xfrm>
           <a:prstGeom prst="rect">
             <a:avLst/>
@@ -2023,39 +5008,39 @@
                 <a:solidFill>
                   <a:srgbClr val="00002F"/>
                 </a:solidFill>
-                <a:latin typeface="Malgun Gothic Semilight" panose="020B0503020000020004" pitchFamily="34" charset="-127"/>
-                <a:ea typeface="Malgun Gothic Semilight" panose="020B0503020000020004" pitchFamily="34" charset="-127"/>
-              </a:rPr>
-              <a:t>03</a:t>
+                <a:latin typeface="나눔스퀘어 ExtraBold" panose="020B0600000101010101" pitchFamily="50" charset="-127"/>
+                <a:ea typeface="나눔스퀘어 ExtraBold" panose="020B0600000101010101" pitchFamily="50" charset="-127"/>
+              </a:rPr>
+              <a:t>01</a:t>
             </a:r>
             <a:endParaRPr lang="ko-KR" altLang="en-US" sz="11500" b="1" dirty="0">
               <a:solidFill>
                 <a:srgbClr val="00002F"/>
               </a:solidFill>
-              <a:latin typeface="Malgun Gothic Semilight" panose="020B0503020000020004" pitchFamily="34" charset="-127"/>
-              <a:ea typeface="Malgun Gothic Semilight" panose="020B0503020000020004" pitchFamily="34" charset="-127"/>
+              <a:latin typeface="나눔스퀘어 ExtraBold" panose="020B0600000101010101" pitchFamily="50" charset="-127"/>
+              <a:ea typeface="나눔스퀘어 ExtraBold" panose="020B0600000101010101" pitchFamily="50" charset="-127"/>
             </a:endParaRPr>
           </a:p>
         </p:txBody>
       </p:sp>
       <p:sp>
         <p:nvSpPr>
-          <p:cNvPr id="9" name="직사각형 8"/>
+          <p:cNvPr id="5" name="직사각형 4"/>
           <p:cNvSpPr/>
           <p:nvPr/>
         </p:nvSpPr>
         <p:spPr>
           <a:xfrm>
-            <a:off x="6570014" y="3194050"/>
+            <a:off x="270813" y="2497976"/>
             <a:ext cx="2201573" cy="469900"/>
           </a:xfrm>
           <a:prstGeom prst="rect">
             <a:avLst/>
           </a:prstGeom>
           <a:solidFill>
-            <a:schemeClr val="bg1">
-              <a:alpha val="80000"/>
-            </a:schemeClr>
+            <a:srgbClr val="FFFFFF">
+              <a:alpha val="85098"/>
+            </a:srgbClr>
           </a:solidFill>
           <a:ln>
             <a:solidFill>
@@ -2085,28 +5070,35 @@
           <a:p>
             <a:pPr algn="ctr"/>
             <a:r>
-              <a:rPr lang="ko-KR" altLang="en-US" sz="2000" dirty="0">
+              <a:rPr lang="ko-KR" altLang="en-US" sz="2000" b="1" dirty="0" err="1">
                 <a:solidFill>
                   <a:srgbClr val="00002F"/>
                 </a:solidFill>
-                <a:latin typeface="Malgun Gothic Semilight" panose="020B0503020000020004" pitchFamily="34" charset="-127"/>
-                <a:ea typeface="Malgun Gothic Semilight" panose="020B0503020000020004" pitchFamily="34" charset="-127"/>
-              </a:rPr>
-              <a:t>제목을 입력합니다</a:t>
-            </a:r>
+                <a:latin typeface="나눔스퀘어 ExtraBold" panose="020B0600000101010101" pitchFamily="50" charset="-127"/>
+                <a:ea typeface="나눔스퀘어 ExtraBold" panose="020B0600000101010101" pitchFamily="50" charset="-127"/>
+              </a:rPr>
+              <a:t>팀소개</a:t>
+            </a:r>
+            <a:endParaRPr lang="ko-KR" altLang="en-US" sz="2000" b="1" dirty="0">
+              <a:solidFill>
+                <a:srgbClr val="00002F"/>
+              </a:solidFill>
+              <a:latin typeface="나눔스퀘어 ExtraBold" panose="020B0600000101010101" pitchFamily="50" charset="-127"/>
+              <a:ea typeface="나눔스퀘어 ExtraBold" panose="020B0600000101010101" pitchFamily="50" charset="-127"/>
+            </a:endParaRPr>
           </a:p>
         </p:txBody>
       </p:sp>
       <p:sp>
         <p:nvSpPr>
-          <p:cNvPr id="10" name="TextBox 9"/>
+          <p:cNvPr id="6" name="TextBox 5"/>
           <p:cNvSpPr txBox="1"/>
           <p:nvPr/>
         </p:nvSpPr>
         <p:spPr>
           <a:xfrm>
-            <a:off x="9814356" y="2497976"/>
-            <a:ext cx="1893467" cy="1862048"/>
+            <a:off x="3515156" y="1801902"/>
+            <a:ext cx="2012089" cy="1862048"/>
           </a:xfrm>
           <a:prstGeom prst="rect">
             <a:avLst/>
@@ -2124,39 +5116,39 @@
                 <a:solidFill>
                   <a:srgbClr val="00002F"/>
                 </a:solidFill>
-                <a:latin typeface="Malgun Gothic Semilight" panose="020B0503020000020004" pitchFamily="34" charset="-127"/>
-                <a:ea typeface="Malgun Gothic Semilight" panose="020B0503020000020004" pitchFamily="34" charset="-127"/>
-              </a:rPr>
-              <a:t>04</a:t>
+                <a:latin typeface="나눔스퀘어 ExtraBold" panose="020B0600000101010101" pitchFamily="50" charset="-127"/>
+                <a:ea typeface="나눔스퀘어 ExtraBold" panose="020B0600000101010101" pitchFamily="50" charset="-127"/>
+              </a:rPr>
+              <a:t>02</a:t>
             </a:r>
             <a:endParaRPr lang="ko-KR" altLang="en-US" sz="11500" b="1" dirty="0">
               <a:solidFill>
                 <a:srgbClr val="00002F"/>
               </a:solidFill>
-              <a:latin typeface="Malgun Gothic Semilight" panose="020B0503020000020004" pitchFamily="34" charset="-127"/>
-              <a:ea typeface="Malgun Gothic Semilight" panose="020B0503020000020004" pitchFamily="34" charset="-127"/>
+              <a:latin typeface="나눔스퀘어 ExtraBold" panose="020B0600000101010101" pitchFamily="50" charset="-127"/>
+              <a:ea typeface="나눔스퀘어 ExtraBold" panose="020B0600000101010101" pitchFamily="50" charset="-127"/>
             </a:endParaRPr>
           </a:p>
         </p:txBody>
       </p:sp>
       <p:sp>
         <p:nvSpPr>
-          <p:cNvPr id="11" name="직사각형 10"/>
+          <p:cNvPr id="7" name="직사각형 6"/>
           <p:cNvSpPr/>
           <p:nvPr/>
         </p:nvSpPr>
         <p:spPr>
           <a:xfrm>
-            <a:off x="9719614" y="3194050"/>
+            <a:off x="3420414" y="2497976"/>
             <a:ext cx="2201573" cy="469900"/>
           </a:xfrm>
           <a:prstGeom prst="rect">
             <a:avLst/>
           </a:prstGeom>
           <a:solidFill>
-            <a:schemeClr val="bg1">
-              <a:alpha val="80000"/>
-            </a:schemeClr>
+            <a:srgbClr val="FFFFFF">
+              <a:alpha val="85098"/>
+            </a:srgbClr>
           </a:solidFill>
           <a:ln>
             <a:solidFill>
@@ -2186,15 +5178,237 @@
           <a:p>
             <a:pPr algn="ctr"/>
             <a:r>
-              <a:rPr lang="ko-KR" altLang="en-US" sz="2000" dirty="0">
+              <a:rPr lang="ko-KR" altLang="en-US" sz="2000" b="1" dirty="0">
                 <a:solidFill>
                   <a:srgbClr val="00002F"/>
                 </a:solidFill>
-                <a:latin typeface="Malgun Gothic Semilight" panose="020B0503020000020004" pitchFamily="34" charset="-127"/>
-                <a:ea typeface="Malgun Gothic Semilight" panose="020B0503020000020004" pitchFamily="34" charset="-127"/>
-              </a:rPr>
-              <a:t>제목을 입력합니다</a:t>
-            </a:r>
+                <a:latin typeface="나눔스퀘어 ExtraBold" panose="020B0600000101010101" pitchFamily="50" charset="-127"/>
+                <a:ea typeface="나눔스퀘어 ExtraBold" panose="020B0600000101010101" pitchFamily="50" charset="-127"/>
+              </a:rPr>
+              <a:t>주제 및 현황</a:t>
+            </a:r>
+          </a:p>
+        </p:txBody>
+      </p:sp>
+      <p:sp>
+        <p:nvSpPr>
+          <p:cNvPr id="8" name="TextBox 7"/>
+          <p:cNvSpPr txBox="1"/>
+          <p:nvPr/>
+        </p:nvSpPr>
+        <p:spPr>
+          <a:xfrm>
+            <a:off x="6664756" y="1801902"/>
+            <a:ext cx="2012089" cy="1862048"/>
+          </a:xfrm>
+          <a:prstGeom prst="rect">
+            <a:avLst/>
+          </a:prstGeom>
+          <a:noFill/>
+        </p:spPr>
+        <p:txBody>
+          <a:bodyPr wrap="none" rtlCol="0">
+            <a:spAutoFit/>
+          </a:bodyPr>
+          <a:lstStyle/>
+          <a:p>
+            <a:r>
+              <a:rPr lang="en-US" altLang="ko-KR" sz="11500" b="1" dirty="0">
+                <a:solidFill>
+                  <a:srgbClr val="00002F"/>
+                </a:solidFill>
+                <a:latin typeface="나눔스퀘어 ExtraBold" panose="020B0600000101010101" pitchFamily="50" charset="-127"/>
+                <a:ea typeface="나눔스퀘어 ExtraBold" panose="020B0600000101010101" pitchFamily="50" charset="-127"/>
+              </a:rPr>
+              <a:t>03</a:t>
+            </a:r>
+            <a:endParaRPr lang="ko-KR" altLang="en-US" sz="11500" b="1" dirty="0">
+              <a:solidFill>
+                <a:srgbClr val="00002F"/>
+              </a:solidFill>
+              <a:latin typeface="나눔스퀘어 ExtraBold" panose="020B0600000101010101" pitchFamily="50" charset="-127"/>
+              <a:ea typeface="나눔스퀘어 ExtraBold" panose="020B0600000101010101" pitchFamily="50" charset="-127"/>
+            </a:endParaRPr>
+          </a:p>
+        </p:txBody>
+      </p:sp>
+      <p:sp>
+        <p:nvSpPr>
+          <p:cNvPr id="9" name="직사각형 8"/>
+          <p:cNvSpPr/>
+          <p:nvPr/>
+        </p:nvSpPr>
+        <p:spPr>
+          <a:xfrm>
+            <a:off x="6363093" y="2497976"/>
+            <a:ext cx="2408495" cy="469900"/>
+          </a:xfrm>
+          <a:prstGeom prst="rect">
+            <a:avLst/>
+          </a:prstGeom>
+          <a:solidFill>
+            <a:srgbClr val="FFFFFF">
+              <a:alpha val="85098"/>
+            </a:srgbClr>
+          </a:solidFill>
+          <a:ln>
+            <a:solidFill>
+              <a:schemeClr val="bg1"/>
+            </a:solidFill>
+          </a:ln>
+        </p:spPr>
+        <p:style>
+          <a:lnRef idx="2">
+            <a:schemeClr val="accent1">
+              <a:shade val="50000"/>
+            </a:schemeClr>
+          </a:lnRef>
+          <a:fillRef idx="1">
+            <a:schemeClr val="accent1"/>
+          </a:fillRef>
+          <a:effectRef idx="0">
+            <a:schemeClr val="accent1"/>
+          </a:effectRef>
+          <a:fontRef idx="minor">
+            <a:schemeClr val="lt1"/>
+          </a:fontRef>
+        </p:style>
+        <p:txBody>
+          <a:bodyPr rtlCol="0" anchor="ctr"/>
+          <a:lstStyle/>
+          <a:p>
+            <a:pPr algn="ctr"/>
+            <a:r>
+              <a:rPr lang="ko-KR" altLang="en-US" sz="2000" b="1" dirty="0">
+                <a:solidFill>
+                  <a:srgbClr val="00002F"/>
+                </a:solidFill>
+                <a:latin typeface="나눔스퀘어 ExtraBold" panose="020B0600000101010101" pitchFamily="50" charset="-127"/>
+                <a:ea typeface="나눔스퀘어 ExtraBold" panose="020B0600000101010101" pitchFamily="50" charset="-127"/>
+              </a:rPr>
+              <a:t>프로젝트 수행 목표</a:t>
+            </a:r>
+          </a:p>
+        </p:txBody>
+      </p:sp>
+      <p:sp>
+        <p:nvSpPr>
+          <p:cNvPr id="10" name="TextBox 9"/>
+          <p:cNvSpPr txBox="1"/>
+          <p:nvPr/>
+        </p:nvSpPr>
+        <p:spPr>
+          <a:xfrm>
+            <a:off x="9814356" y="1801902"/>
+            <a:ext cx="2012089" cy="1862048"/>
+          </a:xfrm>
+          <a:prstGeom prst="rect">
+            <a:avLst/>
+          </a:prstGeom>
+          <a:noFill/>
+        </p:spPr>
+        <p:txBody>
+          <a:bodyPr wrap="none" rtlCol="0">
+            <a:spAutoFit/>
+          </a:bodyPr>
+          <a:lstStyle/>
+          <a:p>
+            <a:r>
+              <a:rPr lang="en-US" altLang="ko-KR" sz="11500" b="1" dirty="0">
+                <a:solidFill>
+                  <a:srgbClr val="00002F"/>
+                </a:solidFill>
+                <a:latin typeface="나눔스퀘어 ExtraBold" panose="020B0600000101010101" pitchFamily="50" charset="-127"/>
+                <a:ea typeface="나눔스퀘어 ExtraBold" panose="020B0600000101010101" pitchFamily="50" charset="-127"/>
+              </a:rPr>
+              <a:t>04</a:t>
+            </a:r>
+            <a:endParaRPr lang="ko-KR" altLang="en-US" sz="11500" b="1" dirty="0">
+              <a:solidFill>
+                <a:srgbClr val="00002F"/>
+              </a:solidFill>
+              <a:latin typeface="나눔스퀘어 ExtraBold" panose="020B0600000101010101" pitchFamily="50" charset="-127"/>
+              <a:ea typeface="나눔스퀘어 ExtraBold" panose="020B0600000101010101" pitchFamily="50" charset="-127"/>
+            </a:endParaRPr>
+          </a:p>
+        </p:txBody>
+      </p:sp>
+      <p:sp>
+        <p:nvSpPr>
+          <p:cNvPr id="11" name="직사각형 10"/>
+          <p:cNvSpPr/>
+          <p:nvPr/>
+        </p:nvSpPr>
+        <p:spPr>
+          <a:xfrm>
+            <a:off x="9653048" y="2497975"/>
+            <a:ext cx="2268140" cy="533231"/>
+          </a:xfrm>
+          <a:prstGeom prst="rect">
+            <a:avLst/>
+          </a:prstGeom>
+          <a:solidFill>
+            <a:srgbClr val="FFFFFF">
+              <a:alpha val="85098"/>
+            </a:srgbClr>
+          </a:solidFill>
+          <a:ln>
+            <a:solidFill>
+              <a:schemeClr val="bg1"/>
+            </a:solidFill>
+          </a:ln>
+        </p:spPr>
+        <p:style>
+          <a:lnRef idx="2">
+            <a:schemeClr val="accent1">
+              <a:shade val="50000"/>
+            </a:schemeClr>
+          </a:lnRef>
+          <a:fillRef idx="1">
+            <a:schemeClr val="accent1"/>
+          </a:fillRef>
+          <a:effectRef idx="0">
+            <a:schemeClr val="accent1"/>
+          </a:effectRef>
+          <a:fontRef idx="minor">
+            <a:schemeClr val="lt1"/>
+          </a:fontRef>
+        </p:style>
+        <p:txBody>
+          <a:bodyPr rtlCol="0" anchor="ctr"/>
+          <a:lstStyle/>
+          <a:p>
+            <a:pPr algn="ctr"/>
+            <a:r>
+              <a:rPr lang="en-US" altLang="ko-KR" b="1" dirty="0">
+                <a:solidFill>
+                  <a:srgbClr val="00002F"/>
+                </a:solidFill>
+                <a:latin typeface="나눔스퀘어 ExtraBold" panose="020B0600000101010101" pitchFamily="50" charset="-127"/>
+                <a:ea typeface="나눔스퀘어 ExtraBold" panose="020B0600000101010101" pitchFamily="50" charset="-127"/>
+              </a:rPr>
+              <a:t>Context/Use Case</a:t>
+            </a:r>
+          </a:p>
+          <a:p>
+            <a:pPr algn="ctr"/>
+            <a:r>
+              <a:rPr lang="en-US" altLang="ko-KR" b="1" dirty="0">
+                <a:solidFill>
+                  <a:srgbClr val="00002F"/>
+                </a:solidFill>
+                <a:latin typeface="나눔스퀘어 ExtraBold" panose="020B0600000101010101" pitchFamily="50" charset="-127"/>
+                <a:ea typeface="나눔스퀘어 ExtraBold" panose="020B0600000101010101" pitchFamily="50" charset="-127"/>
+              </a:rPr>
+              <a:t>Diagrams</a:t>
+            </a:r>
+            <a:endParaRPr lang="ko-KR" altLang="en-US" b="1" dirty="0">
+              <a:solidFill>
+                <a:srgbClr val="00002F"/>
+              </a:solidFill>
+              <a:latin typeface="나눔스퀘어 ExtraBold" panose="020B0600000101010101" pitchFamily="50" charset="-127"/>
+              <a:ea typeface="나눔스퀘어 ExtraBold" panose="020B0600000101010101" pitchFamily="50" charset="-127"/>
+            </a:endParaRPr>
           </a:p>
         </p:txBody>
       </p:sp>
@@ -2206,8 +5420,8 @@
         </p:nvSpPr>
         <p:spPr>
           <a:xfrm>
-            <a:off x="5014614" y="627893"/>
-            <a:ext cx="2162773" cy="584775"/>
+            <a:off x="5612535" y="627893"/>
+            <a:ext cx="966931" cy="584775"/>
           </a:xfrm>
           <a:prstGeom prst="rect">
             <a:avLst/>
@@ -2222,21 +5436,21 @@
           <a:p>
             <a:pPr algn="ctr"/>
             <a:r>
-              <a:rPr lang="en-US" altLang="ko-KR" sz="3200" spc="-150" dirty="0">
+              <a:rPr lang="ko-KR" altLang="en-US" sz="3200" spc="-150">
                 <a:solidFill>
                   <a:srgbClr val="00002F"/>
                 </a:solidFill>
-                <a:latin typeface="Malgun Gothic Semilight" panose="020B0503020000020004" pitchFamily="34" charset="-127"/>
-                <a:ea typeface="Malgun Gothic Semilight" panose="020B0503020000020004" pitchFamily="34" charset="-127"/>
-              </a:rPr>
-              <a:t>CONTENTS</a:t>
+                <a:latin typeface="나눔스퀘어 ExtraBold" panose="020B0600000101010101" pitchFamily="50" charset="-127"/>
+                <a:ea typeface="나눔스퀘어 ExtraBold" panose="020B0600000101010101" pitchFamily="50" charset="-127"/>
+              </a:rPr>
+              <a:t>목차</a:t>
             </a:r>
             <a:endParaRPr lang="ko-KR" altLang="en-US" sz="3200" spc="-150" dirty="0">
               <a:solidFill>
                 <a:srgbClr val="00002F"/>
               </a:solidFill>
-              <a:latin typeface="Malgun Gothic Semilight" panose="020B0503020000020004" pitchFamily="34" charset="-127"/>
-              <a:ea typeface="Malgun Gothic Semilight" panose="020B0503020000020004" pitchFamily="34" charset="-127"/>
+              <a:latin typeface="나눔스퀘어 ExtraBold" panose="020B0600000101010101" pitchFamily="50" charset="-127"/>
+              <a:ea typeface="나눔스퀘어 ExtraBold" panose="020B0600000101010101" pitchFamily="50" charset="-127"/>
             </a:endParaRPr>
           </a:p>
         </p:txBody>
@@ -2272,6 +5486,748 @@
           </a:fillRef>
           <a:effectRef idx="0">
             <a:schemeClr val="accent1"/>
+          </a:effectRef>
+          <a:fontRef idx="minor">
+            <a:schemeClr val="tx1"/>
+          </a:fontRef>
+        </p:style>
+      </p:cxnSp>
+      <p:sp>
+        <p:nvSpPr>
+          <p:cNvPr id="12" name="TextBox 11">
+            <a:extLst>
+              <a:ext uri="{FF2B5EF4-FFF2-40B4-BE49-F238E27FC236}">
+                <a16:creationId xmlns:a16="http://schemas.microsoft.com/office/drawing/2014/main" id="{19EA7EDE-E446-4956-9489-CCD51EF71B80}"/>
+              </a:ext>
+            </a:extLst>
+          </p:cNvPr>
+          <p:cNvSpPr txBox="1"/>
+          <p:nvPr/>
+        </p:nvSpPr>
+        <p:spPr>
+          <a:xfrm>
+            <a:off x="1940355" y="3429000"/>
+            <a:ext cx="2012089" cy="1862048"/>
+          </a:xfrm>
+          <a:prstGeom prst="rect">
+            <a:avLst/>
+          </a:prstGeom>
+          <a:noFill/>
+        </p:spPr>
+        <p:txBody>
+          <a:bodyPr wrap="none" rtlCol="0">
+            <a:spAutoFit/>
+          </a:bodyPr>
+          <a:lstStyle/>
+          <a:p>
+            <a:r>
+              <a:rPr lang="en-US" altLang="ko-KR" sz="11500" b="1" dirty="0">
+                <a:solidFill>
+                  <a:srgbClr val="00002F"/>
+                </a:solidFill>
+                <a:latin typeface="나눔스퀘어 ExtraBold" panose="020B0600000101010101" pitchFamily="50" charset="-127"/>
+                <a:ea typeface="나눔스퀘어 ExtraBold" panose="020B0600000101010101" pitchFamily="50" charset="-127"/>
+              </a:rPr>
+              <a:t>05</a:t>
+            </a:r>
+            <a:endParaRPr lang="ko-KR" altLang="en-US" sz="11500" b="1" dirty="0">
+              <a:solidFill>
+                <a:srgbClr val="00002F"/>
+              </a:solidFill>
+              <a:latin typeface="나눔스퀘어 ExtraBold" panose="020B0600000101010101" pitchFamily="50" charset="-127"/>
+              <a:ea typeface="나눔스퀘어 ExtraBold" panose="020B0600000101010101" pitchFamily="50" charset="-127"/>
+            </a:endParaRPr>
+          </a:p>
+        </p:txBody>
+      </p:sp>
+      <p:sp>
+        <p:nvSpPr>
+          <p:cNvPr id="13" name="직사각형 12">
+            <a:extLst>
+              <a:ext uri="{FF2B5EF4-FFF2-40B4-BE49-F238E27FC236}">
+                <a16:creationId xmlns:a16="http://schemas.microsoft.com/office/drawing/2014/main" id="{6B9081CC-5E77-4430-8446-9B5688E76E68}"/>
+              </a:ext>
+            </a:extLst>
+          </p:cNvPr>
+          <p:cNvSpPr/>
+          <p:nvPr/>
+        </p:nvSpPr>
+        <p:spPr>
+          <a:xfrm>
+            <a:off x="1845613" y="4061746"/>
+            <a:ext cx="2201573" cy="596555"/>
+          </a:xfrm>
+          <a:prstGeom prst="rect">
+            <a:avLst/>
+          </a:prstGeom>
+          <a:solidFill>
+            <a:srgbClr val="FFFFFF">
+              <a:alpha val="85098"/>
+            </a:srgbClr>
+          </a:solidFill>
+          <a:ln>
+            <a:solidFill>
+              <a:schemeClr val="bg1"/>
+            </a:solidFill>
+          </a:ln>
+        </p:spPr>
+        <p:style>
+          <a:lnRef idx="2">
+            <a:schemeClr val="accent1">
+              <a:shade val="50000"/>
+            </a:schemeClr>
+          </a:lnRef>
+          <a:fillRef idx="1">
+            <a:schemeClr val="accent1"/>
+          </a:fillRef>
+          <a:effectRef idx="0">
+            <a:schemeClr val="accent1"/>
+          </a:effectRef>
+          <a:fontRef idx="minor">
+            <a:schemeClr val="lt1"/>
+          </a:fontRef>
+        </p:style>
+        <p:txBody>
+          <a:bodyPr rtlCol="0" anchor="ctr"/>
+          <a:lstStyle/>
+          <a:p>
+            <a:pPr algn="ctr"/>
+            <a:r>
+              <a:rPr lang="en-US" altLang="ko-KR" sz="2000" b="1" dirty="0">
+                <a:solidFill>
+                  <a:srgbClr val="00002F"/>
+                </a:solidFill>
+                <a:latin typeface="나눔스퀘어 ExtraBold" panose="020B0600000101010101" pitchFamily="50" charset="-127"/>
+                <a:ea typeface="나눔스퀘어 ExtraBold" panose="020B0600000101010101" pitchFamily="50" charset="-127"/>
+              </a:rPr>
+              <a:t>Architectural Model</a:t>
+            </a:r>
+            <a:endParaRPr lang="ko-KR" altLang="en-US" sz="2000" b="1" dirty="0">
+              <a:solidFill>
+                <a:srgbClr val="00002F"/>
+              </a:solidFill>
+              <a:latin typeface="나눔스퀘어 ExtraBold" panose="020B0600000101010101" pitchFamily="50" charset="-127"/>
+              <a:ea typeface="나눔스퀘어 ExtraBold" panose="020B0600000101010101" pitchFamily="50" charset="-127"/>
+            </a:endParaRPr>
+          </a:p>
+        </p:txBody>
+      </p:sp>
+    </p:spTree>
+    <p:extLst>
+      <p:ext uri="{BB962C8B-B14F-4D97-AF65-F5344CB8AC3E}">
+        <p14:creationId xmlns:p14="http://schemas.microsoft.com/office/powerpoint/2010/main" val="3298791892"/>
+      </p:ext>
+    </p:extLst>
+  </p:cSld>
+  <p:clrMapOvr>
+    <a:masterClrMapping/>
+  </p:clrMapOvr>
+</p:sld>
+</file>
+
+<file path=ppt/slides/slide20.xml><?xml version="1.0" encoding="utf-8"?>
+<p:sld xmlns:a="http://schemas.openxmlformats.org/drawingml/2006/main" xmlns:r="http://schemas.openxmlformats.org/officeDocument/2006/relationships" xmlns:p="http://schemas.openxmlformats.org/presentationml/2006/main">
+  <p:cSld>
+    <p:spTree>
+      <p:nvGrpSpPr>
+        <p:cNvPr id="1" name=""/>
+        <p:cNvGrpSpPr/>
+        <p:nvPr/>
+      </p:nvGrpSpPr>
+      <p:grpSpPr>
+        <a:xfrm>
+          <a:off x="0" y="0"/>
+          <a:ext cx="0" cy="0"/>
+          <a:chOff x="0" y="0"/>
+          <a:chExt cx="0" cy="0"/>
+        </a:xfrm>
+      </p:grpSpPr>
+      <p:sp>
+        <p:nvSpPr>
+          <p:cNvPr id="11" name="TextBox 10"/>
+          <p:cNvSpPr txBox="1"/>
+          <p:nvPr/>
+        </p:nvSpPr>
+        <p:spPr>
+          <a:xfrm>
+            <a:off x="5014762" y="1386402"/>
+            <a:ext cx="2159567" cy="707886"/>
+          </a:xfrm>
+          <a:prstGeom prst="rect">
+            <a:avLst/>
+          </a:prstGeom>
+          <a:noFill/>
+        </p:spPr>
+        <p:txBody>
+          <a:bodyPr wrap="none" rtlCol="0">
+            <a:spAutoFit/>
+          </a:bodyPr>
+          <a:lstStyle/>
+          <a:p>
+            <a:pPr algn="ctr"/>
+            <a:r>
+              <a:rPr lang="ko-KR" altLang="en-US" sz="4000" b="1" spc="-150" dirty="0">
+                <a:solidFill>
+                  <a:srgbClr val="8DBABD"/>
+                </a:solidFill>
+                <a:latin typeface="Malgun Gothic Semilight" panose="020B0502040204020203" pitchFamily="34" charset="-127"/>
+                <a:ea typeface="Malgun Gothic Semilight" panose="020B0502040204020203" pitchFamily="34" charset="-127"/>
+              </a:rPr>
+              <a:t>추진전략</a:t>
+            </a:r>
+          </a:p>
+        </p:txBody>
+      </p:sp>
+      <p:cxnSp>
+        <p:nvCxnSpPr>
+          <p:cNvPr id="14" name="직선 연결선 13"/>
+          <p:cNvCxnSpPr/>
+          <p:nvPr/>
+        </p:nvCxnSpPr>
+        <p:spPr>
+          <a:xfrm>
+            <a:off x="10430892" y="144941"/>
+            <a:ext cx="360000" cy="0"/>
+          </a:xfrm>
+          <a:prstGeom prst="line">
+            <a:avLst/>
+          </a:prstGeom>
+          <a:ln w="44450" cap="rnd">
+            <a:solidFill>
+              <a:srgbClr val="D0CECE"/>
+            </a:solidFill>
+          </a:ln>
+          <a:effectLst>
+            <a:outerShdw blurRad="50800" dist="38100" dir="5400000" algn="t" rotWithShape="0">
+              <a:prstClr val="black">
+                <a:alpha val="40000"/>
+              </a:prstClr>
+            </a:outerShdw>
+          </a:effectLst>
+        </p:spPr>
+        <p:style>
+          <a:lnRef idx="1">
+            <a:schemeClr val="accent1"/>
+          </a:lnRef>
+          <a:fillRef idx="0">
+            <a:schemeClr val="accent1"/>
+          </a:fillRef>
+          <a:effectRef idx="0">
+            <a:schemeClr val="accent1"/>
+          </a:effectRef>
+          <a:fontRef idx="minor">
+            <a:schemeClr val="tx1"/>
+          </a:fontRef>
+        </p:style>
+      </p:cxnSp>
+      <p:cxnSp>
+        <p:nvCxnSpPr>
+          <p:cNvPr id="15" name="직선 연결선 14"/>
+          <p:cNvCxnSpPr/>
+          <p:nvPr/>
+        </p:nvCxnSpPr>
+        <p:spPr>
+          <a:xfrm>
+            <a:off x="10858459" y="144941"/>
+            <a:ext cx="360000" cy="0"/>
+          </a:xfrm>
+          <a:prstGeom prst="line">
+            <a:avLst/>
+          </a:prstGeom>
+          <a:ln w="44450" cap="rnd">
+            <a:solidFill>
+              <a:schemeClr val="bg2">
+                <a:lumMod val="90000"/>
+              </a:schemeClr>
+            </a:solidFill>
+          </a:ln>
+          <a:effectLst>
+            <a:outerShdw blurRad="50800" dist="38100" dir="5400000" algn="t" rotWithShape="0">
+              <a:prstClr val="black">
+                <a:alpha val="40000"/>
+              </a:prstClr>
+            </a:outerShdw>
+          </a:effectLst>
+        </p:spPr>
+        <p:style>
+          <a:lnRef idx="1">
+            <a:schemeClr val="accent1"/>
+          </a:lnRef>
+          <a:fillRef idx="0">
+            <a:schemeClr val="accent1"/>
+          </a:fillRef>
+          <a:effectRef idx="0">
+            <a:schemeClr val="accent1"/>
+          </a:effectRef>
+          <a:fontRef idx="minor">
+            <a:schemeClr val="tx1"/>
+          </a:fontRef>
+        </p:style>
+      </p:cxnSp>
+      <p:cxnSp>
+        <p:nvCxnSpPr>
+          <p:cNvPr id="16" name="직선 연결선 15"/>
+          <p:cNvCxnSpPr/>
+          <p:nvPr/>
+        </p:nvCxnSpPr>
+        <p:spPr>
+          <a:xfrm>
+            <a:off x="11286026" y="144941"/>
+            <a:ext cx="360000" cy="0"/>
+          </a:xfrm>
+          <a:prstGeom prst="line">
+            <a:avLst/>
+          </a:prstGeom>
+          <a:ln w="44450" cap="rnd">
+            <a:solidFill>
+              <a:schemeClr val="bg2">
+                <a:lumMod val="90000"/>
+              </a:schemeClr>
+            </a:solidFill>
+          </a:ln>
+          <a:effectLst>
+            <a:outerShdw blurRad="50800" dist="38100" dir="5400000" algn="t" rotWithShape="0">
+              <a:prstClr val="black">
+                <a:alpha val="40000"/>
+              </a:prstClr>
+            </a:outerShdw>
+          </a:effectLst>
+        </p:spPr>
+        <p:style>
+          <a:lnRef idx="1">
+            <a:schemeClr val="accent1"/>
+          </a:lnRef>
+          <a:fillRef idx="0">
+            <a:schemeClr val="accent1"/>
+          </a:fillRef>
+          <a:effectRef idx="0">
+            <a:schemeClr val="accent1"/>
+          </a:effectRef>
+          <a:fontRef idx="minor">
+            <a:schemeClr val="tx1"/>
+          </a:fontRef>
+        </p:style>
+      </p:cxnSp>
+      <p:cxnSp>
+        <p:nvCxnSpPr>
+          <p:cNvPr id="17" name="직선 연결선 16"/>
+          <p:cNvCxnSpPr/>
+          <p:nvPr/>
+        </p:nvCxnSpPr>
+        <p:spPr>
+          <a:xfrm>
+            <a:off x="11713592" y="144941"/>
+            <a:ext cx="360000" cy="0"/>
+          </a:xfrm>
+          <a:prstGeom prst="line">
+            <a:avLst/>
+          </a:prstGeom>
+          <a:ln w="44450" cap="rnd">
+            <a:solidFill>
+              <a:srgbClr val="8DBABD"/>
+            </a:solidFill>
+          </a:ln>
+          <a:effectLst>
+            <a:outerShdw blurRad="50800" dist="38100" dir="5400000" algn="t" rotWithShape="0">
+              <a:prstClr val="black">
+                <a:alpha val="40000"/>
+              </a:prstClr>
+            </a:outerShdw>
+          </a:effectLst>
+        </p:spPr>
+        <p:style>
+          <a:lnRef idx="1">
+            <a:schemeClr val="accent1"/>
+          </a:lnRef>
+          <a:fillRef idx="0">
+            <a:schemeClr val="accent1"/>
+          </a:fillRef>
+          <a:effectRef idx="0">
+            <a:schemeClr val="accent1"/>
+          </a:effectRef>
+          <a:fontRef idx="minor">
+            <a:schemeClr val="tx1"/>
+          </a:fontRef>
+        </p:style>
+      </p:cxnSp>
+      <p:cxnSp>
+        <p:nvCxnSpPr>
+          <p:cNvPr id="18" name="직선 연결선 17"/>
+          <p:cNvCxnSpPr>
+            <a:cxnSpLocks/>
+          </p:cNvCxnSpPr>
+          <p:nvPr/>
+        </p:nvCxnSpPr>
+        <p:spPr>
+          <a:xfrm>
+            <a:off x="1026522" y="989148"/>
+            <a:ext cx="3462928" cy="0"/>
+          </a:xfrm>
+          <a:prstGeom prst="line">
+            <a:avLst/>
+          </a:prstGeom>
+          <a:ln>
+            <a:solidFill>
+              <a:schemeClr val="bg1">
+                <a:lumMod val="50000"/>
+              </a:schemeClr>
+            </a:solidFill>
+          </a:ln>
+        </p:spPr>
+        <p:style>
+          <a:lnRef idx="1">
+            <a:schemeClr val="accent1"/>
+          </a:lnRef>
+          <a:fillRef idx="0">
+            <a:schemeClr val="accent1"/>
+          </a:fillRef>
+          <a:effectRef idx="0">
+            <a:schemeClr val="accent1"/>
+          </a:effectRef>
+          <a:fontRef idx="minor">
+            <a:schemeClr val="tx1"/>
+          </a:fontRef>
+        </p:style>
+      </p:cxnSp>
+      <p:sp>
+        <p:nvSpPr>
+          <p:cNvPr id="19" name="TextBox 18"/>
+          <p:cNvSpPr txBox="1"/>
+          <p:nvPr/>
+        </p:nvSpPr>
+        <p:spPr>
+          <a:xfrm>
+            <a:off x="898672" y="412529"/>
+            <a:ext cx="3656770" cy="523220"/>
+          </a:xfrm>
+          <a:prstGeom prst="rect">
+            <a:avLst/>
+          </a:prstGeom>
+          <a:noFill/>
+        </p:spPr>
+        <p:txBody>
+          <a:bodyPr wrap="none" rtlCol="0">
+            <a:spAutoFit/>
+          </a:bodyPr>
+          <a:lstStyle/>
+          <a:p>
+            <a:pPr algn="ctr"/>
+            <a:r>
+              <a:rPr lang="ko-KR" altLang="en-US" sz="2800" b="1" dirty="0">
+                <a:latin typeface="HY중고딕" panose="02030600000101010101" pitchFamily="18" charset="-127"/>
+                <a:ea typeface="HY중고딕" panose="02030600000101010101" pitchFamily="18" charset="-127"/>
+              </a:rPr>
+              <a:t>수행계획 및 추진전략</a:t>
+            </a:r>
+          </a:p>
+        </p:txBody>
+      </p:sp>
+      <p:sp>
+        <p:nvSpPr>
+          <p:cNvPr id="20" name="TextBox 19"/>
+          <p:cNvSpPr txBox="1"/>
+          <p:nvPr/>
+        </p:nvSpPr>
+        <p:spPr>
+          <a:xfrm>
+            <a:off x="502820" y="498947"/>
+            <a:ext cx="519694" cy="461665"/>
+          </a:xfrm>
+          <a:prstGeom prst="rect">
+            <a:avLst/>
+          </a:prstGeom>
+          <a:noFill/>
+        </p:spPr>
+        <p:txBody>
+          <a:bodyPr wrap="none" rtlCol="0">
+            <a:spAutoFit/>
+          </a:bodyPr>
+          <a:lstStyle/>
+          <a:p>
+            <a:pPr algn="ctr"/>
+            <a:r>
+              <a:rPr lang="en-US" altLang="ko-KR" sz="2400" spc="-150" dirty="0">
+                <a:solidFill>
+                  <a:srgbClr val="00002F"/>
+                </a:solidFill>
+                <a:latin typeface="Malgun Gothic Semilight" panose="020B0502040204020203" pitchFamily="34" charset="-127"/>
+                <a:ea typeface="Malgun Gothic Semilight" panose="020B0502040204020203" pitchFamily="34" charset="-127"/>
+              </a:rPr>
+              <a:t>07.</a:t>
+            </a:r>
+            <a:endParaRPr lang="ko-KR" altLang="en-US" sz="2400" spc="-150" dirty="0">
+              <a:solidFill>
+                <a:srgbClr val="00002F"/>
+              </a:solidFill>
+              <a:latin typeface="Malgun Gothic Semilight" panose="020B0502040204020203" pitchFamily="34" charset="-127"/>
+              <a:ea typeface="Malgun Gothic Semilight" panose="020B0502040204020203" pitchFamily="34" charset="-127"/>
+            </a:endParaRPr>
+          </a:p>
+        </p:txBody>
+      </p:sp>
+      <p:pic>
+        <p:nvPicPr>
+          <p:cNvPr id="3" name="Graphic 2">
+            <a:extLst>
+              <a:ext uri="{FF2B5EF4-FFF2-40B4-BE49-F238E27FC236}">
+                <a16:creationId xmlns:a16="http://schemas.microsoft.com/office/drawing/2014/main" id="{2B6A813D-ADB3-4242-A24B-08DBD5CAD3E1}"/>
+              </a:ext>
+            </a:extLst>
+          </p:cNvPr>
+          <p:cNvPicPr>
+            <a:picLocks noChangeAspect="1"/>
+          </p:cNvPicPr>
+          <p:nvPr/>
+        </p:nvPicPr>
+        <p:blipFill>
+          <a:blip r:embed="rId2">
+            <a:extLst>
+              <a:ext uri="{28A0092B-C50C-407E-A947-70E740481C1C}">
+                <a14:useLocalDpi xmlns:a14="http://schemas.microsoft.com/office/drawing/2010/main" val="0"/>
+              </a:ext>
+              <a:ext uri="{96DAC541-7B7A-43D3-8B79-37D633B846F1}">
+                <asvg:svgBlip xmlns:asvg="http://schemas.microsoft.com/office/drawing/2016/SVG/main" r:embed="rId3"/>
+              </a:ext>
+            </a:extLst>
+          </a:blip>
+          <a:stretch>
+            <a:fillRect/>
+          </a:stretch>
+        </p:blipFill>
+        <p:spPr>
+          <a:xfrm>
+            <a:off x="4026020" y="1949219"/>
+            <a:ext cx="4137050" cy="2158461"/>
+          </a:xfrm>
+          <a:prstGeom prst="rect">
+            <a:avLst/>
+          </a:prstGeom>
+        </p:spPr>
+      </p:pic>
+      <p:pic>
+        <p:nvPicPr>
+          <p:cNvPr id="5" name="Picture 4">
+            <a:extLst>
+              <a:ext uri="{FF2B5EF4-FFF2-40B4-BE49-F238E27FC236}">
+                <a16:creationId xmlns:a16="http://schemas.microsoft.com/office/drawing/2014/main" id="{422C1DFB-D666-4E96-95B1-481401A9A5B6}"/>
+              </a:ext>
+            </a:extLst>
+          </p:cNvPr>
+          <p:cNvPicPr>
+            <a:picLocks noChangeAspect="1"/>
+          </p:cNvPicPr>
+          <p:nvPr/>
+        </p:nvPicPr>
+        <p:blipFill>
+          <a:blip r:embed="rId4" cstate="print">
+            <a:extLst>
+              <a:ext uri="{28A0092B-C50C-407E-A947-70E740481C1C}">
+                <a14:useLocalDpi xmlns:a14="http://schemas.microsoft.com/office/drawing/2010/main" val="0"/>
+              </a:ext>
+            </a:extLst>
+          </a:blip>
+          <a:stretch>
+            <a:fillRect/>
+          </a:stretch>
+        </p:blipFill>
+        <p:spPr>
+          <a:xfrm>
+            <a:off x="1997230" y="4969603"/>
+            <a:ext cx="3232724" cy="993561"/>
+          </a:xfrm>
+          <a:prstGeom prst="rect">
+            <a:avLst/>
+          </a:prstGeom>
+        </p:spPr>
+      </p:pic>
+      <p:pic>
+        <p:nvPicPr>
+          <p:cNvPr id="7" name="Picture 6">
+            <a:extLst>
+              <a:ext uri="{FF2B5EF4-FFF2-40B4-BE49-F238E27FC236}">
+                <a16:creationId xmlns:a16="http://schemas.microsoft.com/office/drawing/2014/main" id="{D9CA0E05-5DC9-4D18-80F9-F3471DA2BE0C}"/>
+              </a:ext>
+            </a:extLst>
+          </p:cNvPr>
+          <p:cNvPicPr>
+            <a:picLocks noChangeAspect="1"/>
+          </p:cNvPicPr>
+          <p:nvPr/>
+        </p:nvPicPr>
+        <p:blipFill rotWithShape="1">
+          <a:blip r:embed="rId5">
+            <a:extLst>
+              <a:ext uri="{BEBA8EAE-BF5A-486C-A8C5-ECC9F3942E4B}">
+                <a14:imgProps xmlns:a14="http://schemas.microsoft.com/office/drawing/2010/main">
+                  <a14:imgLayer r:embed="rId6">
+                    <a14:imgEffect>
+                      <a14:backgroundRemoval t="10000" b="90000" l="10000" r="90000">
+                        <a14:foregroundMark x1="44416" y1="54250" x2="44416" y2="54250"/>
+                        <a14:foregroundMark x1="46753" y1="42250" x2="37532" y2="58750"/>
+                        <a14:foregroundMark x1="48831" y1="30500" x2="49221" y2="56750"/>
+                        <a14:foregroundMark x1="49221" y1="56750" x2="50000" y2="61750"/>
+                        <a14:foregroundMark x1="57662" y1="42750" x2="63117" y2="62000"/>
+                        <a14:foregroundMark x1="72857" y1="44000" x2="72208" y2="57750"/>
+                        <a14:foregroundMark x1="70909" y1="45000" x2="73247" y2="47250"/>
+                        <a14:foregroundMark x1="72727" y1="54750" x2="67143" y2="59500"/>
+                        <a14:foregroundMark x1="60519" y1="40750" x2="62727" y2="47250"/>
+                        <a14:foregroundMark x1="76234" y1="33250" x2="82987" y2="55500"/>
+                        <a14:foregroundMark x1="82987" y1="55500" x2="79091" y2="52000"/>
+                        <a14:foregroundMark x1="83377" y1="42750" x2="83896" y2="41250"/>
+                        <a14:foregroundMark x1="80909" y1="52000" x2="82338" y2="51000"/>
+                        <a14:foregroundMark x1="49870" y1="55750" x2="49221" y2="58750"/>
+                      </a14:backgroundRemoval>
+                    </a14:imgEffect>
+                  </a14:imgLayer>
+                </a14:imgProps>
+              </a:ext>
+              <a:ext uri="{28A0092B-C50C-407E-A947-70E740481C1C}">
+                <a14:useLocalDpi xmlns:a14="http://schemas.microsoft.com/office/drawing/2010/main" val="0"/>
+              </a:ext>
+            </a:extLst>
+          </a:blip>
+          <a:srcRect l="11892" t="28020" r="12993" b="28807"/>
+          <a:stretch/>
+        </p:blipFill>
+        <p:spPr>
+          <a:xfrm>
+            <a:off x="6842033" y="4875291"/>
+            <a:ext cx="3327666" cy="993557"/>
+          </a:xfrm>
+          <a:prstGeom prst="rect">
+            <a:avLst/>
+          </a:prstGeom>
+        </p:spPr>
+      </p:pic>
+      <p:cxnSp>
+        <p:nvCxnSpPr>
+          <p:cNvPr id="10" name="Straight Arrow Connector 9">
+            <a:extLst>
+              <a:ext uri="{FF2B5EF4-FFF2-40B4-BE49-F238E27FC236}">
+                <a16:creationId xmlns:a16="http://schemas.microsoft.com/office/drawing/2014/main" id="{58AF2B03-8974-4928-B0B2-B708E4DB69BB}"/>
+              </a:ext>
+            </a:extLst>
+          </p:cNvPr>
+          <p:cNvCxnSpPr>
+            <a:cxnSpLocks/>
+          </p:cNvCxnSpPr>
+          <p:nvPr/>
+        </p:nvCxnSpPr>
+        <p:spPr>
+          <a:xfrm flipH="1">
+            <a:off x="3613592" y="3859731"/>
+            <a:ext cx="1292085" cy="927300"/>
+          </a:xfrm>
+          <a:prstGeom prst="straightConnector1">
+            <a:avLst/>
+          </a:prstGeom>
+          <a:ln w="57150">
+            <a:solidFill>
+              <a:schemeClr val="accent6"/>
+            </a:solidFill>
+            <a:headEnd type="triangle"/>
+            <a:tailEnd type="triangle"/>
+          </a:ln>
+        </p:spPr>
+        <p:style>
+          <a:lnRef idx="1">
+            <a:schemeClr val="dk1"/>
+          </a:lnRef>
+          <a:fillRef idx="0">
+            <a:schemeClr val="dk1"/>
+          </a:fillRef>
+          <a:effectRef idx="0">
+            <a:schemeClr val="dk1"/>
+          </a:effectRef>
+          <a:fontRef idx="minor">
+            <a:schemeClr val="tx1"/>
+          </a:fontRef>
+        </p:style>
+      </p:cxnSp>
+      <p:cxnSp>
+        <p:nvCxnSpPr>
+          <p:cNvPr id="25" name="Straight Arrow Connector 24">
+            <a:extLst>
+              <a:ext uri="{FF2B5EF4-FFF2-40B4-BE49-F238E27FC236}">
+                <a16:creationId xmlns:a16="http://schemas.microsoft.com/office/drawing/2014/main" id="{665E0611-50CA-4180-AA92-E91C39B9D98A}"/>
+              </a:ext>
+            </a:extLst>
+          </p:cNvPr>
+          <p:cNvCxnSpPr>
+            <a:cxnSpLocks/>
+          </p:cNvCxnSpPr>
+          <p:nvPr/>
+        </p:nvCxnSpPr>
+        <p:spPr>
+          <a:xfrm flipH="1" flipV="1">
+            <a:off x="7286324" y="3859731"/>
+            <a:ext cx="1171418" cy="927300"/>
+          </a:xfrm>
+          <a:prstGeom prst="straightConnector1">
+            <a:avLst/>
+          </a:prstGeom>
+          <a:ln w="57150">
+            <a:solidFill>
+              <a:schemeClr val="accent6"/>
+            </a:solidFill>
+            <a:headEnd type="triangle"/>
+            <a:tailEnd type="triangle"/>
+          </a:ln>
+        </p:spPr>
+        <p:style>
+          <a:lnRef idx="1">
+            <a:schemeClr val="dk1"/>
+          </a:lnRef>
+          <a:fillRef idx="0">
+            <a:schemeClr val="dk1"/>
+          </a:fillRef>
+          <a:effectRef idx="0">
+            <a:schemeClr val="dk1"/>
+          </a:effectRef>
+          <a:fontRef idx="minor">
+            <a:schemeClr val="tx1"/>
+          </a:fontRef>
+        </p:style>
+      </p:cxnSp>
+      <p:cxnSp>
+        <p:nvCxnSpPr>
+          <p:cNvPr id="32" name="Straight Arrow Connector 31">
+            <a:extLst>
+              <a:ext uri="{FF2B5EF4-FFF2-40B4-BE49-F238E27FC236}">
+                <a16:creationId xmlns:a16="http://schemas.microsoft.com/office/drawing/2014/main" id="{DB70DD50-A243-4546-93F5-D692157C79CE}"/>
+              </a:ext>
+            </a:extLst>
+          </p:cNvPr>
+          <p:cNvCxnSpPr>
+            <a:cxnSpLocks/>
+          </p:cNvCxnSpPr>
+          <p:nvPr/>
+        </p:nvCxnSpPr>
+        <p:spPr>
+          <a:xfrm flipH="1">
+            <a:off x="5351646" y="5478085"/>
+            <a:ext cx="1490387" cy="0"/>
+          </a:xfrm>
+          <a:prstGeom prst="straightConnector1">
+            <a:avLst/>
+          </a:prstGeom>
+          <a:ln w="57150">
+            <a:solidFill>
+              <a:schemeClr val="accent6"/>
+            </a:solidFill>
+            <a:headEnd type="triangle"/>
+            <a:tailEnd type="triangle"/>
+          </a:ln>
+        </p:spPr>
+        <p:style>
+          <a:lnRef idx="1">
+            <a:schemeClr val="dk1"/>
+          </a:lnRef>
+          <a:fillRef idx="0">
+            <a:schemeClr val="dk1"/>
+          </a:fillRef>
+          <a:effectRef idx="0">
+            <a:schemeClr val="dk1"/>
           </a:effectRef>
           <a:fontRef idx="minor">
             <a:schemeClr val="tx1"/>
@@ -2281,7 +6237,153 @@
     </p:spTree>
     <p:extLst>
       <p:ext uri="{BB962C8B-B14F-4D97-AF65-F5344CB8AC3E}">
-        <p14:creationId xmlns:p14="http://schemas.microsoft.com/office/powerpoint/2010/main" val="1723337297"/>
+        <p14:creationId xmlns:p14="http://schemas.microsoft.com/office/powerpoint/2010/main" val="1844777026"/>
+      </p:ext>
+    </p:extLst>
+  </p:cSld>
+  <p:clrMapOvr>
+    <a:masterClrMapping/>
+  </p:clrMapOvr>
+</p:sld>
+</file>
+
+<file path=ppt/slides/slide21.xml><?xml version="1.0" encoding="utf-8"?>
+<p:sld xmlns:a="http://schemas.openxmlformats.org/drawingml/2006/main" xmlns:r="http://schemas.openxmlformats.org/officeDocument/2006/relationships" xmlns:p="http://schemas.openxmlformats.org/presentationml/2006/main">
+  <p:cSld>
+    <p:spTree>
+      <p:nvGrpSpPr>
+        <p:cNvPr id="1" name=""/>
+        <p:cNvGrpSpPr/>
+        <p:nvPr/>
+      </p:nvGrpSpPr>
+      <p:grpSpPr>
+        <a:xfrm>
+          <a:off x="0" y="0"/>
+          <a:ext cx="0" cy="0"/>
+          <a:chOff x="0" y="0"/>
+          <a:chExt cx="0" cy="0"/>
+        </a:xfrm>
+      </p:grpSpPr>
+      <p:sp>
+        <p:nvSpPr>
+          <p:cNvPr id="2" name="TextBox 1"/>
+          <p:cNvSpPr txBox="1"/>
+          <p:nvPr/>
+        </p:nvSpPr>
+        <p:spPr>
+          <a:xfrm>
+            <a:off x="5095572" y="2447473"/>
+            <a:ext cx="2000869" cy="1200329"/>
+          </a:xfrm>
+          <a:prstGeom prst="rect">
+            <a:avLst/>
+          </a:prstGeom>
+          <a:noFill/>
+        </p:spPr>
+        <p:txBody>
+          <a:bodyPr wrap="none" rtlCol="0">
+            <a:spAutoFit/>
+          </a:bodyPr>
+          <a:lstStyle/>
+          <a:p>
+            <a:pPr algn="ctr"/>
+            <a:r>
+              <a:rPr lang="en-US" altLang="ko-KR" sz="7200" spc="-300" dirty="0">
+                <a:solidFill>
+                  <a:srgbClr val="00002F"/>
+                </a:solidFill>
+                <a:latin typeface="나눔스퀘어 ExtraBold" panose="020B0600000101010101" pitchFamily="50" charset="-127"/>
+                <a:ea typeface="나눔스퀘어 ExtraBold" panose="020B0600000101010101" pitchFamily="50" charset="-127"/>
+              </a:rPr>
+              <a:t>Q&amp;A</a:t>
+            </a:r>
+            <a:endParaRPr lang="ko-KR" altLang="en-US" sz="7200" spc="-300" dirty="0">
+              <a:solidFill>
+                <a:srgbClr val="00002F"/>
+              </a:solidFill>
+              <a:latin typeface="나눔스퀘어 ExtraBold" panose="020B0600000101010101" pitchFamily="50" charset="-127"/>
+              <a:ea typeface="나눔스퀘어 ExtraBold" panose="020B0600000101010101" pitchFamily="50" charset="-127"/>
+            </a:endParaRPr>
+          </a:p>
+        </p:txBody>
+      </p:sp>
+    </p:spTree>
+    <p:extLst>
+      <p:ext uri="{BB962C8B-B14F-4D97-AF65-F5344CB8AC3E}">
+        <p14:creationId xmlns:p14="http://schemas.microsoft.com/office/powerpoint/2010/main" val="3537551099"/>
+      </p:ext>
+    </p:extLst>
+  </p:cSld>
+  <p:clrMapOvr>
+    <a:masterClrMapping/>
+  </p:clrMapOvr>
+</p:sld>
+</file>
+
+<file path=ppt/slides/slide22.xml><?xml version="1.0" encoding="utf-8"?>
+<p:sld xmlns:a="http://schemas.openxmlformats.org/drawingml/2006/main" xmlns:r="http://schemas.openxmlformats.org/officeDocument/2006/relationships" xmlns:p="http://schemas.openxmlformats.org/presentationml/2006/main">
+  <p:cSld>
+    <p:spTree>
+      <p:nvGrpSpPr>
+        <p:cNvPr id="1" name=""/>
+        <p:cNvGrpSpPr/>
+        <p:nvPr/>
+      </p:nvGrpSpPr>
+      <p:grpSpPr>
+        <a:xfrm>
+          <a:off x="0" y="0"/>
+          <a:ext cx="0" cy="0"/>
+          <a:chOff x="0" y="0"/>
+          <a:chExt cx="0" cy="0"/>
+        </a:xfrm>
+      </p:grpSpPr>
+      <p:sp>
+        <p:nvSpPr>
+          <p:cNvPr id="2" name="TextBox 1"/>
+          <p:cNvSpPr txBox="1"/>
+          <p:nvPr/>
+        </p:nvSpPr>
+        <p:spPr>
+          <a:xfrm>
+            <a:off x="3868376" y="2447473"/>
+            <a:ext cx="4455259" cy="1200329"/>
+          </a:xfrm>
+          <a:prstGeom prst="rect">
+            <a:avLst/>
+          </a:prstGeom>
+          <a:noFill/>
+        </p:spPr>
+        <p:txBody>
+          <a:bodyPr wrap="none" rtlCol="0">
+            <a:spAutoFit/>
+          </a:bodyPr>
+          <a:lstStyle/>
+          <a:p>
+            <a:pPr algn="ctr"/>
+            <a:r>
+              <a:rPr lang="en-US" altLang="ko-KR" sz="7200" spc="-300" dirty="0">
+                <a:solidFill>
+                  <a:srgbClr val="00002F"/>
+                </a:solidFill>
+                <a:latin typeface="나눔스퀘어 ExtraBold" panose="020B0600000101010101" pitchFamily="50" charset="-127"/>
+                <a:ea typeface="나눔스퀘어 ExtraBold" panose="020B0600000101010101" pitchFamily="50" charset="-127"/>
+              </a:rPr>
+              <a:t>Thank you</a:t>
+            </a:r>
+            <a:endParaRPr lang="ko-KR" altLang="en-US" sz="7200" spc="-300" dirty="0">
+              <a:solidFill>
+                <a:srgbClr val="00002F"/>
+              </a:solidFill>
+              <a:latin typeface="나눔스퀘어 ExtraBold" panose="020B0600000101010101" pitchFamily="50" charset="-127"/>
+              <a:ea typeface="나눔스퀘어 ExtraBold" panose="020B0600000101010101" pitchFamily="50" charset="-127"/>
+            </a:endParaRPr>
+          </a:p>
+        </p:txBody>
+      </p:sp>
+    </p:spTree>
+    <p:extLst>
+      <p:ext uri="{BB962C8B-B14F-4D97-AF65-F5344CB8AC3E}">
+        <p14:creationId xmlns:p14="http://schemas.microsoft.com/office/powerpoint/2010/main" val="3213411204"/>
       </p:ext>
     </p:extLst>
   </p:cSld>
@@ -2310,14 +6412,14 @@
       </p:grpSpPr>
       <p:sp>
         <p:nvSpPr>
-          <p:cNvPr id="4" name="TextBox 3"/>
+          <p:cNvPr id="2" name="TextBox 1"/>
           <p:cNvSpPr txBox="1"/>
           <p:nvPr/>
         </p:nvSpPr>
         <p:spPr>
           <a:xfrm>
-            <a:off x="365556" y="2497976"/>
-            <a:ext cx="1893467" cy="1862048"/>
+            <a:off x="4000500" y="2472873"/>
+            <a:ext cx="797013" cy="769441"/>
           </a:xfrm>
           <a:prstGeom prst="rect">
             <a:avLst/>
@@ -2331,42 +6433,46 @@
           <a:lstStyle/>
           <a:p>
             <a:r>
-              <a:rPr lang="en-US" altLang="ko-KR" sz="11500" b="1" dirty="0">
+              <a:rPr lang="en-US" altLang="ko-KR" sz="4400" spc="-300" dirty="0">
                 <a:solidFill>
                   <a:srgbClr val="00002F"/>
                 </a:solidFill>
-                <a:latin typeface="Malgun Gothic Semilight" panose="020B0503020000020004" pitchFamily="34" charset="-127"/>
-                <a:ea typeface="Malgun Gothic Semilight" panose="020B0503020000020004" pitchFamily="34" charset="-127"/>
+                <a:latin typeface="나눔스퀘어 Bold" panose="020B0600000101010101" pitchFamily="50" charset="-127"/>
+                <a:ea typeface="나눔스퀘어 Bold" panose="020B0600000101010101" pitchFamily="50" charset="-127"/>
               </a:rPr>
               <a:t>01</a:t>
             </a:r>
-            <a:endParaRPr lang="ko-KR" altLang="en-US" sz="11500" b="1" dirty="0">
+            <a:endParaRPr lang="ko-KR" altLang="en-US" sz="4400" spc="-300" dirty="0">
               <a:solidFill>
                 <a:srgbClr val="00002F"/>
               </a:solidFill>
-              <a:latin typeface="Malgun Gothic Semilight" panose="020B0503020000020004" pitchFamily="34" charset="-127"/>
-              <a:ea typeface="Malgun Gothic Semilight" panose="020B0503020000020004" pitchFamily="34" charset="-127"/>
+              <a:latin typeface="나눔스퀘어 Bold" panose="020B0600000101010101" pitchFamily="50" charset="-127"/>
+              <a:ea typeface="나눔스퀘어 Bold" panose="020B0600000101010101" pitchFamily="50" charset="-127"/>
             </a:endParaRPr>
           </a:p>
         </p:txBody>
       </p:sp>
       <p:sp>
         <p:nvSpPr>
-          <p:cNvPr id="5" name="직사각형 4"/>
+          <p:cNvPr id="3" name="직사각형 2"/>
           <p:cNvSpPr/>
           <p:nvPr/>
         </p:nvSpPr>
         <p:spPr>
           <a:xfrm>
-            <a:off x="270814" y="4044950"/>
-            <a:ext cx="2201573" cy="469900"/>
+            <a:off x="4000499" y="3169741"/>
+            <a:ext cx="4200071" cy="473345"/>
           </a:xfrm>
           <a:prstGeom prst="rect">
             <a:avLst/>
           </a:prstGeom>
-          <a:noFill/>
+          <a:solidFill>
+            <a:srgbClr val="8DBABD"/>
+          </a:solidFill>
           <a:ln>
-            <a:noFill/>
+            <a:solidFill>
+              <a:srgbClr val="8DBABD"/>
+            </a:solidFill>
           </a:ln>
         </p:spPr>
         <p:style>
@@ -2391,703 +6497,15 @@
           <a:p>
             <a:pPr algn="ctr"/>
             <a:r>
-              <a:rPr lang="ko-KR" altLang="en-US" sz="2000" dirty="0">
-                <a:solidFill>
-                  <a:srgbClr val="00002F"/>
-                </a:solidFill>
-                <a:latin typeface="Malgun Gothic Semilight" panose="020B0503020000020004" pitchFamily="34" charset="-127"/>
-                <a:ea typeface="Malgun Gothic Semilight" panose="020B0503020000020004" pitchFamily="34" charset="-127"/>
-              </a:rPr>
-              <a:t>제목을 입력합니다</a:t>
-            </a:r>
-          </a:p>
-        </p:txBody>
-      </p:sp>
-      <p:sp>
-        <p:nvSpPr>
-          <p:cNvPr id="6" name="TextBox 5"/>
-          <p:cNvSpPr txBox="1"/>
-          <p:nvPr/>
-        </p:nvSpPr>
-        <p:spPr>
-          <a:xfrm>
-            <a:off x="3515156" y="2497976"/>
-            <a:ext cx="1893467" cy="1862048"/>
-          </a:xfrm>
-          <a:prstGeom prst="rect">
-            <a:avLst/>
-          </a:prstGeom>
-          <a:noFill/>
-        </p:spPr>
-        <p:txBody>
-          <a:bodyPr wrap="none" rtlCol="0">
-            <a:spAutoFit/>
-          </a:bodyPr>
-          <a:lstStyle/>
-          <a:p>
-            <a:r>
-              <a:rPr lang="en-US" altLang="ko-KR" sz="11500" b="1" dirty="0">
-                <a:solidFill>
-                  <a:srgbClr val="00002F"/>
-                </a:solidFill>
-                <a:latin typeface="Malgun Gothic Semilight" panose="020B0503020000020004" pitchFamily="34" charset="-127"/>
-                <a:ea typeface="Malgun Gothic Semilight" panose="020B0503020000020004" pitchFamily="34" charset="-127"/>
-              </a:rPr>
-              <a:t>02</a:t>
-            </a:r>
-            <a:endParaRPr lang="ko-KR" altLang="en-US" sz="11500" b="1" dirty="0">
-              <a:solidFill>
-                <a:srgbClr val="00002F"/>
-              </a:solidFill>
-              <a:latin typeface="Malgun Gothic Semilight" panose="020B0503020000020004" pitchFamily="34" charset="-127"/>
-              <a:ea typeface="Malgun Gothic Semilight" panose="020B0503020000020004" pitchFamily="34" charset="-127"/>
-            </a:endParaRPr>
-          </a:p>
-        </p:txBody>
-      </p:sp>
-      <p:sp>
-        <p:nvSpPr>
-          <p:cNvPr id="7" name="직사각형 6"/>
-          <p:cNvSpPr/>
-          <p:nvPr/>
-        </p:nvSpPr>
-        <p:spPr>
-          <a:xfrm>
-            <a:off x="3420414" y="4044950"/>
-            <a:ext cx="2201573" cy="469900"/>
-          </a:xfrm>
-          <a:prstGeom prst="rect">
-            <a:avLst/>
-          </a:prstGeom>
-          <a:noFill/>
-          <a:ln>
-            <a:noFill/>
-          </a:ln>
-        </p:spPr>
-        <p:style>
-          <a:lnRef idx="2">
-            <a:schemeClr val="accent1">
-              <a:shade val="50000"/>
-            </a:schemeClr>
-          </a:lnRef>
-          <a:fillRef idx="1">
-            <a:schemeClr val="accent1"/>
-          </a:fillRef>
-          <a:effectRef idx="0">
-            <a:schemeClr val="accent1"/>
-          </a:effectRef>
-          <a:fontRef idx="minor">
-            <a:schemeClr val="lt1"/>
-          </a:fontRef>
-        </p:style>
-        <p:txBody>
-          <a:bodyPr rtlCol="0" anchor="ctr"/>
-          <a:lstStyle/>
-          <a:p>
-            <a:pPr algn="ctr"/>
-            <a:r>
-              <a:rPr lang="ko-KR" altLang="en-US" sz="2000" dirty="0">
-                <a:solidFill>
-                  <a:srgbClr val="00002F"/>
-                </a:solidFill>
-                <a:latin typeface="Malgun Gothic Semilight" panose="020B0503020000020004" pitchFamily="34" charset="-127"/>
-                <a:ea typeface="Malgun Gothic Semilight" panose="020B0503020000020004" pitchFamily="34" charset="-127"/>
-              </a:rPr>
-              <a:t>제목을 입력합니다</a:t>
-            </a:r>
-          </a:p>
-        </p:txBody>
-      </p:sp>
-      <p:sp>
-        <p:nvSpPr>
-          <p:cNvPr id="8" name="TextBox 7"/>
-          <p:cNvSpPr txBox="1"/>
-          <p:nvPr/>
-        </p:nvSpPr>
-        <p:spPr>
-          <a:xfrm>
-            <a:off x="6664756" y="2497976"/>
-            <a:ext cx="1893467" cy="1862048"/>
-          </a:xfrm>
-          <a:prstGeom prst="rect">
-            <a:avLst/>
-          </a:prstGeom>
-          <a:noFill/>
-        </p:spPr>
-        <p:txBody>
-          <a:bodyPr wrap="none" rtlCol="0">
-            <a:spAutoFit/>
-          </a:bodyPr>
-          <a:lstStyle/>
-          <a:p>
-            <a:r>
-              <a:rPr lang="en-US" altLang="ko-KR" sz="11500" b="1" dirty="0">
-                <a:solidFill>
-                  <a:srgbClr val="00002F"/>
-                </a:solidFill>
-                <a:latin typeface="Malgun Gothic Semilight" panose="020B0503020000020004" pitchFamily="34" charset="-127"/>
-                <a:ea typeface="Malgun Gothic Semilight" panose="020B0503020000020004" pitchFamily="34" charset="-127"/>
-              </a:rPr>
-              <a:t>03</a:t>
-            </a:r>
-            <a:endParaRPr lang="ko-KR" altLang="en-US" sz="11500" b="1" dirty="0">
-              <a:solidFill>
-                <a:srgbClr val="00002F"/>
-              </a:solidFill>
-              <a:latin typeface="Malgun Gothic Semilight" panose="020B0503020000020004" pitchFamily="34" charset="-127"/>
-              <a:ea typeface="Malgun Gothic Semilight" panose="020B0503020000020004" pitchFamily="34" charset="-127"/>
-            </a:endParaRPr>
-          </a:p>
-        </p:txBody>
-      </p:sp>
-      <p:sp>
-        <p:nvSpPr>
-          <p:cNvPr id="9" name="직사각형 8"/>
-          <p:cNvSpPr/>
-          <p:nvPr/>
-        </p:nvSpPr>
-        <p:spPr>
-          <a:xfrm>
-            <a:off x="6570014" y="4044950"/>
-            <a:ext cx="2201573" cy="469900"/>
-          </a:xfrm>
-          <a:prstGeom prst="rect">
-            <a:avLst/>
-          </a:prstGeom>
-          <a:noFill/>
-          <a:ln>
-            <a:noFill/>
-          </a:ln>
-        </p:spPr>
-        <p:style>
-          <a:lnRef idx="2">
-            <a:schemeClr val="accent1">
-              <a:shade val="50000"/>
-            </a:schemeClr>
-          </a:lnRef>
-          <a:fillRef idx="1">
-            <a:schemeClr val="accent1"/>
-          </a:fillRef>
-          <a:effectRef idx="0">
-            <a:schemeClr val="accent1"/>
-          </a:effectRef>
-          <a:fontRef idx="minor">
-            <a:schemeClr val="lt1"/>
-          </a:fontRef>
-        </p:style>
-        <p:txBody>
-          <a:bodyPr rtlCol="0" anchor="ctr"/>
-          <a:lstStyle/>
-          <a:p>
-            <a:pPr algn="ctr"/>
-            <a:r>
-              <a:rPr lang="ko-KR" altLang="en-US" sz="2000" dirty="0">
-                <a:solidFill>
-                  <a:srgbClr val="00002F"/>
-                </a:solidFill>
-                <a:latin typeface="Malgun Gothic Semilight" panose="020B0503020000020004" pitchFamily="34" charset="-127"/>
-                <a:ea typeface="Malgun Gothic Semilight" panose="020B0503020000020004" pitchFamily="34" charset="-127"/>
-              </a:rPr>
-              <a:t>제목을 입력합니다</a:t>
-            </a:r>
-          </a:p>
-        </p:txBody>
-      </p:sp>
-      <p:sp>
-        <p:nvSpPr>
-          <p:cNvPr id="10" name="TextBox 9"/>
-          <p:cNvSpPr txBox="1"/>
-          <p:nvPr/>
-        </p:nvSpPr>
-        <p:spPr>
-          <a:xfrm>
-            <a:off x="9814356" y="2497976"/>
-            <a:ext cx="1893467" cy="1862048"/>
-          </a:xfrm>
-          <a:prstGeom prst="rect">
-            <a:avLst/>
-          </a:prstGeom>
-          <a:noFill/>
-        </p:spPr>
-        <p:txBody>
-          <a:bodyPr wrap="none" rtlCol="0">
-            <a:spAutoFit/>
-          </a:bodyPr>
-          <a:lstStyle/>
-          <a:p>
-            <a:r>
-              <a:rPr lang="en-US" altLang="ko-KR" sz="11500" b="1" dirty="0">
-                <a:solidFill>
-                  <a:srgbClr val="00002F"/>
-                </a:solidFill>
-                <a:latin typeface="Malgun Gothic Semilight" panose="020B0503020000020004" pitchFamily="34" charset="-127"/>
-                <a:ea typeface="Malgun Gothic Semilight" panose="020B0503020000020004" pitchFamily="34" charset="-127"/>
-              </a:rPr>
-              <a:t>04</a:t>
-            </a:r>
-            <a:endParaRPr lang="ko-KR" altLang="en-US" sz="11500" b="1" dirty="0">
-              <a:solidFill>
-                <a:srgbClr val="00002F"/>
-              </a:solidFill>
-              <a:latin typeface="Malgun Gothic Semilight" panose="020B0503020000020004" pitchFamily="34" charset="-127"/>
-              <a:ea typeface="Malgun Gothic Semilight" panose="020B0503020000020004" pitchFamily="34" charset="-127"/>
-            </a:endParaRPr>
-          </a:p>
-        </p:txBody>
-      </p:sp>
-      <p:sp>
-        <p:nvSpPr>
-          <p:cNvPr id="11" name="직사각형 10"/>
-          <p:cNvSpPr/>
-          <p:nvPr/>
-        </p:nvSpPr>
-        <p:spPr>
-          <a:xfrm>
-            <a:off x="9719614" y="4044950"/>
-            <a:ext cx="2201573" cy="469900"/>
-          </a:xfrm>
-          <a:prstGeom prst="rect">
-            <a:avLst/>
-          </a:prstGeom>
-          <a:noFill/>
-          <a:ln>
-            <a:noFill/>
-          </a:ln>
-        </p:spPr>
-        <p:style>
-          <a:lnRef idx="2">
-            <a:schemeClr val="accent1">
-              <a:shade val="50000"/>
-            </a:schemeClr>
-          </a:lnRef>
-          <a:fillRef idx="1">
-            <a:schemeClr val="accent1"/>
-          </a:fillRef>
-          <a:effectRef idx="0">
-            <a:schemeClr val="accent1"/>
-          </a:effectRef>
-          <a:fontRef idx="minor">
-            <a:schemeClr val="lt1"/>
-          </a:fontRef>
-        </p:style>
-        <p:txBody>
-          <a:bodyPr rtlCol="0" anchor="ctr"/>
-          <a:lstStyle/>
-          <a:p>
-            <a:pPr algn="ctr"/>
-            <a:r>
-              <a:rPr lang="ko-KR" altLang="en-US" sz="2000" dirty="0">
-                <a:solidFill>
-                  <a:srgbClr val="00002F"/>
-                </a:solidFill>
-                <a:latin typeface="Malgun Gothic Semilight" panose="020B0503020000020004" pitchFamily="34" charset="-127"/>
-                <a:ea typeface="Malgun Gothic Semilight" panose="020B0503020000020004" pitchFamily="34" charset="-127"/>
-              </a:rPr>
-              <a:t>제목을 입력합니다</a:t>
-            </a:r>
-          </a:p>
-        </p:txBody>
-      </p:sp>
-      <p:sp>
-        <p:nvSpPr>
-          <p:cNvPr id="12" name="TextBox 11"/>
-          <p:cNvSpPr txBox="1"/>
-          <p:nvPr/>
-        </p:nvSpPr>
-        <p:spPr>
-          <a:xfrm>
-            <a:off x="5014614" y="627893"/>
-            <a:ext cx="2162773" cy="584775"/>
-          </a:xfrm>
-          <a:prstGeom prst="rect">
-            <a:avLst/>
-          </a:prstGeom>
-          <a:noFill/>
-        </p:spPr>
-        <p:txBody>
-          <a:bodyPr wrap="none" rtlCol="0">
-            <a:spAutoFit/>
-          </a:bodyPr>
-          <a:lstStyle/>
-          <a:p>
-            <a:pPr algn="ctr"/>
-            <a:r>
-              <a:rPr lang="en-US" altLang="ko-KR" sz="3200" spc="-150" dirty="0">
-                <a:solidFill>
-                  <a:srgbClr val="00002F"/>
-                </a:solidFill>
-                <a:latin typeface="Malgun Gothic Semilight" panose="020B0503020000020004" pitchFamily="34" charset="-127"/>
-                <a:ea typeface="Malgun Gothic Semilight" panose="020B0503020000020004" pitchFamily="34" charset="-127"/>
-              </a:rPr>
-              <a:t>CONTENTS</a:t>
-            </a:r>
-            <a:endParaRPr lang="ko-KR" altLang="en-US" sz="3200" spc="-150" dirty="0">
-              <a:solidFill>
-                <a:srgbClr val="00002F"/>
-              </a:solidFill>
-              <a:latin typeface="Malgun Gothic Semilight" panose="020B0503020000020004" pitchFamily="34" charset="-127"/>
-              <a:ea typeface="Malgun Gothic Semilight" panose="020B0503020000020004" pitchFamily="34" charset="-127"/>
-            </a:endParaRPr>
-          </a:p>
-        </p:txBody>
-      </p:sp>
-      <p:cxnSp>
-        <p:nvCxnSpPr>
-          <p:cNvPr id="13" name="직선 연결선 12"/>
-          <p:cNvCxnSpPr/>
-          <p:nvPr/>
-        </p:nvCxnSpPr>
-        <p:spPr>
-          <a:xfrm>
-            <a:off x="5014614" y="1243148"/>
-            <a:ext cx="2160000" cy="0"/>
-          </a:xfrm>
-          <a:prstGeom prst="line">
-            <a:avLst/>
-          </a:prstGeom>
-          <a:ln>
-            <a:solidFill>
-              <a:schemeClr val="bg1">
-                <a:lumMod val="50000"/>
-              </a:schemeClr>
-            </a:solidFill>
-          </a:ln>
-        </p:spPr>
-        <p:style>
-          <a:lnRef idx="1">
-            <a:schemeClr val="accent1"/>
-          </a:lnRef>
-          <a:fillRef idx="0">
-            <a:schemeClr val="accent1"/>
-          </a:fillRef>
-          <a:effectRef idx="0">
-            <a:schemeClr val="accent1"/>
-          </a:effectRef>
-          <a:fontRef idx="minor">
-            <a:schemeClr val="tx1"/>
-          </a:fontRef>
-        </p:style>
-      </p:cxnSp>
-      <p:sp>
-        <p:nvSpPr>
-          <p:cNvPr id="3" name="직사각형 2"/>
-          <p:cNvSpPr/>
-          <p:nvPr/>
-        </p:nvSpPr>
-        <p:spPr>
-          <a:xfrm>
-            <a:off x="702185" y="4514850"/>
-            <a:ext cx="1338829" cy="369332"/>
-          </a:xfrm>
-          <a:prstGeom prst="rect">
-            <a:avLst/>
-          </a:prstGeom>
-        </p:spPr>
-        <p:txBody>
-          <a:bodyPr wrap="none">
-            <a:spAutoFit/>
-          </a:bodyPr>
-          <a:lstStyle/>
-          <a:p>
-            <a:pPr algn="ctr"/>
-            <a:r>
               <a:rPr lang="ko-KR" altLang="en-US" dirty="0" err="1">
-                <a:latin typeface="HY중고딕" panose="02030600000101010101" pitchFamily="18" charset="-127"/>
-                <a:ea typeface="HY중고딕" panose="02030600000101010101" pitchFamily="18" charset="-127"/>
-              </a:rPr>
-              <a:t>나눔스퀘어</a:t>
+                <a:latin typeface="나눔스퀘어 Bold" panose="020B0600000101010101" pitchFamily="50" charset="-127"/>
+                <a:ea typeface="나눔스퀘어 Bold" panose="020B0600000101010101" pitchFamily="50" charset="-127"/>
+              </a:rPr>
+              <a:t>팀소개</a:t>
             </a:r>
             <a:endParaRPr lang="ko-KR" altLang="en-US" dirty="0">
-              <a:latin typeface="HY중고딕" panose="02030600000101010101" pitchFamily="18" charset="-127"/>
-              <a:ea typeface="HY중고딕" panose="02030600000101010101" pitchFamily="18" charset="-127"/>
-            </a:endParaRPr>
-          </a:p>
-        </p:txBody>
-      </p:sp>
-      <p:sp>
-        <p:nvSpPr>
-          <p:cNvPr id="14" name="직사각형 13"/>
-          <p:cNvSpPr/>
-          <p:nvPr/>
-        </p:nvSpPr>
-        <p:spPr>
-          <a:xfrm>
-            <a:off x="3851785" y="4514850"/>
-            <a:ext cx="1338829" cy="369332"/>
-          </a:xfrm>
-          <a:prstGeom prst="rect">
-            <a:avLst/>
-          </a:prstGeom>
-        </p:spPr>
-        <p:txBody>
-          <a:bodyPr wrap="none">
-            <a:spAutoFit/>
-          </a:bodyPr>
-          <a:lstStyle/>
-          <a:p>
-            <a:pPr algn="ctr"/>
-            <a:r>
-              <a:rPr lang="ko-KR" altLang="en-US" dirty="0" err="1">
-                <a:latin typeface="HY중고딕" panose="02030600000101010101" pitchFamily="18" charset="-127"/>
-                <a:ea typeface="HY중고딕" panose="02030600000101010101" pitchFamily="18" charset="-127"/>
-              </a:rPr>
-              <a:t>나눔스퀘어</a:t>
-            </a:r>
-            <a:endParaRPr lang="ko-KR" altLang="en-US" dirty="0">
-              <a:latin typeface="HY중고딕" panose="02030600000101010101" pitchFamily="18" charset="-127"/>
-              <a:ea typeface="HY중고딕" panose="02030600000101010101" pitchFamily="18" charset="-127"/>
-            </a:endParaRPr>
-          </a:p>
-        </p:txBody>
-      </p:sp>
-      <p:sp>
-        <p:nvSpPr>
-          <p:cNvPr id="15" name="직사각형 14"/>
-          <p:cNvSpPr/>
-          <p:nvPr/>
-        </p:nvSpPr>
-        <p:spPr>
-          <a:xfrm>
-            <a:off x="7001385" y="4514850"/>
-            <a:ext cx="1338829" cy="369332"/>
-          </a:xfrm>
-          <a:prstGeom prst="rect">
-            <a:avLst/>
-          </a:prstGeom>
-        </p:spPr>
-        <p:txBody>
-          <a:bodyPr wrap="none">
-            <a:spAutoFit/>
-          </a:bodyPr>
-          <a:lstStyle/>
-          <a:p>
-            <a:pPr algn="ctr"/>
-            <a:r>
-              <a:rPr lang="ko-KR" altLang="en-US" dirty="0" err="1">
-                <a:latin typeface="HY중고딕" panose="02030600000101010101" pitchFamily="18" charset="-127"/>
-                <a:ea typeface="HY중고딕" panose="02030600000101010101" pitchFamily="18" charset="-127"/>
-              </a:rPr>
-              <a:t>나눔스퀘어</a:t>
-            </a:r>
-            <a:endParaRPr lang="ko-KR" altLang="en-US" dirty="0">
-              <a:latin typeface="HY중고딕" panose="02030600000101010101" pitchFamily="18" charset="-127"/>
-              <a:ea typeface="HY중고딕" panose="02030600000101010101" pitchFamily="18" charset="-127"/>
-            </a:endParaRPr>
-          </a:p>
-        </p:txBody>
-      </p:sp>
-      <p:sp>
-        <p:nvSpPr>
-          <p:cNvPr id="16" name="직사각형 15"/>
-          <p:cNvSpPr/>
-          <p:nvPr/>
-        </p:nvSpPr>
-        <p:spPr>
-          <a:xfrm>
-            <a:off x="10150985" y="4514850"/>
-            <a:ext cx="1338829" cy="369332"/>
-          </a:xfrm>
-          <a:prstGeom prst="rect">
-            <a:avLst/>
-          </a:prstGeom>
-        </p:spPr>
-        <p:txBody>
-          <a:bodyPr wrap="none">
-            <a:spAutoFit/>
-          </a:bodyPr>
-          <a:lstStyle/>
-          <a:p>
-            <a:pPr algn="ctr"/>
-            <a:r>
-              <a:rPr lang="ko-KR" altLang="en-US" dirty="0" err="1">
-                <a:latin typeface="HY중고딕" panose="02030600000101010101" pitchFamily="18" charset="-127"/>
-                <a:ea typeface="HY중고딕" panose="02030600000101010101" pitchFamily="18" charset="-127"/>
-              </a:rPr>
-              <a:t>나눔스퀘어</a:t>
-            </a:r>
-            <a:endParaRPr lang="ko-KR" altLang="en-US" dirty="0">
-              <a:latin typeface="HY중고딕" panose="02030600000101010101" pitchFamily="18" charset="-127"/>
-              <a:ea typeface="HY중고딕" panose="02030600000101010101" pitchFamily="18" charset="-127"/>
-            </a:endParaRPr>
-          </a:p>
-        </p:txBody>
-      </p:sp>
-      <p:sp>
-        <p:nvSpPr>
-          <p:cNvPr id="17" name="직사각형 16"/>
-          <p:cNvSpPr/>
-          <p:nvPr/>
-        </p:nvSpPr>
-        <p:spPr>
-          <a:xfrm>
-            <a:off x="3851785" y="4884182"/>
-            <a:ext cx="1338829" cy="369332"/>
-          </a:xfrm>
-          <a:prstGeom prst="rect">
-            <a:avLst/>
-          </a:prstGeom>
-        </p:spPr>
-        <p:txBody>
-          <a:bodyPr wrap="none">
-            <a:spAutoFit/>
-          </a:bodyPr>
-          <a:lstStyle/>
-          <a:p>
-            <a:pPr algn="ctr"/>
-            <a:r>
-              <a:rPr lang="ko-KR" altLang="en-US" dirty="0" err="1">
-                <a:latin typeface="HY중고딕" panose="02030600000101010101" pitchFamily="18" charset="-127"/>
-                <a:ea typeface="HY중고딕" panose="02030600000101010101" pitchFamily="18" charset="-127"/>
-              </a:rPr>
-              <a:t>나눔스퀘어</a:t>
-            </a:r>
-            <a:endParaRPr lang="ko-KR" altLang="en-US" dirty="0">
-              <a:latin typeface="HY중고딕" panose="02030600000101010101" pitchFamily="18" charset="-127"/>
-              <a:ea typeface="HY중고딕" panose="02030600000101010101" pitchFamily="18" charset="-127"/>
-            </a:endParaRPr>
-          </a:p>
-        </p:txBody>
-      </p:sp>
-      <p:sp>
-        <p:nvSpPr>
-          <p:cNvPr id="18" name="직사각형 17"/>
-          <p:cNvSpPr/>
-          <p:nvPr/>
-        </p:nvSpPr>
-        <p:spPr>
-          <a:xfrm>
-            <a:off x="3851785" y="5253514"/>
-            <a:ext cx="1338829" cy="369332"/>
-          </a:xfrm>
-          <a:prstGeom prst="rect">
-            <a:avLst/>
-          </a:prstGeom>
-        </p:spPr>
-        <p:txBody>
-          <a:bodyPr wrap="none">
-            <a:spAutoFit/>
-          </a:bodyPr>
-          <a:lstStyle/>
-          <a:p>
-            <a:pPr algn="ctr"/>
-            <a:r>
-              <a:rPr lang="ko-KR" altLang="en-US" dirty="0" err="1">
-                <a:latin typeface="HY중고딕" panose="02030600000101010101" pitchFamily="18" charset="-127"/>
-                <a:ea typeface="HY중고딕" panose="02030600000101010101" pitchFamily="18" charset="-127"/>
-              </a:rPr>
-              <a:t>나눔스퀘어</a:t>
-            </a:r>
-            <a:endParaRPr lang="ko-KR" altLang="en-US" dirty="0">
-              <a:latin typeface="HY중고딕" panose="02030600000101010101" pitchFamily="18" charset="-127"/>
-              <a:ea typeface="HY중고딕" panose="02030600000101010101" pitchFamily="18" charset="-127"/>
-            </a:endParaRPr>
-          </a:p>
-        </p:txBody>
-      </p:sp>
-      <p:sp>
-        <p:nvSpPr>
-          <p:cNvPr id="19" name="직사각형 18"/>
-          <p:cNvSpPr/>
-          <p:nvPr/>
-        </p:nvSpPr>
-        <p:spPr>
-          <a:xfrm>
-            <a:off x="7001384" y="4884182"/>
-            <a:ext cx="1338829" cy="369332"/>
-          </a:xfrm>
-          <a:prstGeom prst="rect">
-            <a:avLst/>
-          </a:prstGeom>
-        </p:spPr>
-        <p:txBody>
-          <a:bodyPr wrap="none">
-            <a:spAutoFit/>
-          </a:bodyPr>
-          <a:lstStyle/>
-          <a:p>
-            <a:pPr algn="ctr"/>
-            <a:r>
-              <a:rPr lang="ko-KR" altLang="en-US" dirty="0" err="1">
-                <a:latin typeface="HY중고딕" panose="02030600000101010101" pitchFamily="18" charset="-127"/>
-                <a:ea typeface="HY중고딕" panose="02030600000101010101" pitchFamily="18" charset="-127"/>
-              </a:rPr>
-              <a:t>나눔스퀘어</a:t>
-            </a:r>
-            <a:endParaRPr lang="ko-KR" altLang="en-US" dirty="0">
-              <a:latin typeface="HY중고딕" panose="02030600000101010101" pitchFamily="18" charset="-127"/>
-              <a:ea typeface="HY중고딕" panose="02030600000101010101" pitchFamily="18" charset="-127"/>
-            </a:endParaRPr>
-          </a:p>
-        </p:txBody>
-      </p:sp>
-      <p:sp>
-        <p:nvSpPr>
-          <p:cNvPr id="20" name="직사각형 19"/>
-          <p:cNvSpPr/>
-          <p:nvPr/>
-        </p:nvSpPr>
-        <p:spPr>
-          <a:xfrm>
-            <a:off x="7001383" y="5253514"/>
-            <a:ext cx="1338829" cy="369332"/>
-          </a:xfrm>
-          <a:prstGeom prst="rect">
-            <a:avLst/>
-          </a:prstGeom>
-        </p:spPr>
-        <p:txBody>
-          <a:bodyPr wrap="none">
-            <a:spAutoFit/>
-          </a:bodyPr>
-          <a:lstStyle/>
-          <a:p>
-            <a:pPr algn="ctr"/>
-            <a:r>
-              <a:rPr lang="ko-KR" altLang="en-US" dirty="0" err="1">
-                <a:latin typeface="HY중고딕" panose="02030600000101010101" pitchFamily="18" charset="-127"/>
-                <a:ea typeface="HY중고딕" panose="02030600000101010101" pitchFamily="18" charset="-127"/>
-              </a:rPr>
-              <a:t>나눔스퀘어</a:t>
-            </a:r>
-            <a:endParaRPr lang="ko-KR" altLang="en-US" dirty="0">
-              <a:latin typeface="HY중고딕" panose="02030600000101010101" pitchFamily="18" charset="-127"/>
-              <a:ea typeface="HY중고딕" panose="02030600000101010101" pitchFamily="18" charset="-127"/>
-            </a:endParaRPr>
-          </a:p>
-        </p:txBody>
-      </p:sp>
-      <p:sp>
-        <p:nvSpPr>
-          <p:cNvPr id="21" name="직사각형 20"/>
-          <p:cNvSpPr/>
-          <p:nvPr/>
-        </p:nvSpPr>
-        <p:spPr>
-          <a:xfrm>
-            <a:off x="7001382" y="5622846"/>
-            <a:ext cx="1338829" cy="369332"/>
-          </a:xfrm>
-          <a:prstGeom prst="rect">
-            <a:avLst/>
-          </a:prstGeom>
-        </p:spPr>
-        <p:txBody>
-          <a:bodyPr wrap="none">
-            <a:spAutoFit/>
-          </a:bodyPr>
-          <a:lstStyle/>
-          <a:p>
-            <a:pPr algn="ctr"/>
-            <a:r>
-              <a:rPr lang="ko-KR" altLang="en-US" dirty="0" err="1">
-                <a:latin typeface="HY중고딕" panose="02030600000101010101" pitchFamily="18" charset="-127"/>
-                <a:ea typeface="HY중고딕" panose="02030600000101010101" pitchFamily="18" charset="-127"/>
-              </a:rPr>
-              <a:t>나눔스퀘어</a:t>
-            </a:r>
-            <a:endParaRPr lang="ko-KR" altLang="en-US" dirty="0">
-              <a:latin typeface="HY중고딕" panose="02030600000101010101" pitchFamily="18" charset="-127"/>
-              <a:ea typeface="HY중고딕" panose="02030600000101010101" pitchFamily="18" charset="-127"/>
+              <a:latin typeface="나눔스퀘어 Bold" panose="020B0600000101010101" pitchFamily="50" charset="-127"/>
+              <a:ea typeface="나눔스퀘어 Bold" panose="020B0600000101010101" pitchFamily="50" charset="-127"/>
             </a:endParaRPr>
           </a:p>
         </p:txBody>
@@ -3095,7 +6513,7 @@
     </p:spTree>
     <p:extLst>
       <p:ext uri="{BB962C8B-B14F-4D97-AF65-F5344CB8AC3E}">
-        <p14:creationId xmlns:p14="http://schemas.microsoft.com/office/powerpoint/2010/main" val="2240987367"/>
+        <p14:creationId xmlns:p14="http://schemas.microsoft.com/office/powerpoint/2010/main" val="52842193"/>
       </p:ext>
     </p:extLst>
   </p:cSld>
@@ -3124,19 +6542,27 @@
       </p:grpSpPr>
       <p:sp>
         <p:nvSpPr>
-          <p:cNvPr id="2" name="TextBox 1"/>
+          <p:cNvPr id="17" name="TextBox 16">
+            <a:extLst>
+              <a:ext uri="{FF2B5EF4-FFF2-40B4-BE49-F238E27FC236}">
+                <a16:creationId xmlns:a16="http://schemas.microsoft.com/office/drawing/2014/main" id="{E9B2D15D-B51A-4ABE-90BC-7C5A611EA912}"/>
+              </a:ext>
+            </a:extLst>
+          </p:cNvPr>
           <p:cNvSpPr txBox="1"/>
           <p:nvPr/>
         </p:nvSpPr>
         <p:spPr>
           <a:xfrm>
-            <a:off x="4000500" y="2472873"/>
-            <a:ext cx="764953" cy="769441"/>
+            <a:off x="3753060" y="1390548"/>
+            <a:ext cx="4685899" cy="584775"/>
           </a:xfrm>
           <a:prstGeom prst="rect">
             <a:avLst/>
           </a:prstGeom>
-          <a:noFill/>
+          <a:solidFill>
+            <a:schemeClr val="bg1"/>
+          </a:solidFill>
         </p:spPr>
         <p:txBody>
           <a:bodyPr wrap="none" rtlCol="0">
@@ -3144,48 +6570,447 @@
           </a:bodyPr>
           <a:lstStyle/>
           <a:p>
-            <a:r>
-              <a:rPr lang="en-US" altLang="ko-KR" sz="4400" spc="-300" dirty="0">
+            <a:pPr algn="ctr"/>
+            <a:r>
+              <a:rPr lang="ko-KR" altLang="en-US" sz="3200" spc="-150" dirty="0">
+                <a:solidFill>
+                  <a:srgbClr val="8DBABD"/>
+                </a:solidFill>
+                <a:latin typeface="나눔스퀘어 ExtraBold" panose="020B0600000101010101" pitchFamily="50" charset="-127"/>
+                <a:ea typeface="나눔스퀘어 ExtraBold" panose="020B0600000101010101" pitchFamily="50" charset="-127"/>
+              </a:rPr>
+              <a:t>소프트웨어 공학 구글 </a:t>
+            </a:r>
+            <a:r>
+              <a:rPr lang="ko-KR" altLang="en-US" sz="3200" spc="-150" dirty="0" err="1">
+                <a:solidFill>
+                  <a:srgbClr val="8DBABD"/>
+                </a:solidFill>
+                <a:latin typeface="나눔스퀘어 ExtraBold" panose="020B0600000101010101" pitchFamily="50" charset="-127"/>
+                <a:ea typeface="나눔스퀘어 ExtraBold" panose="020B0600000101010101" pitchFamily="50" charset="-127"/>
+              </a:rPr>
+              <a:t>대구점</a:t>
+            </a:r>
+            <a:endParaRPr lang="ko-KR" altLang="en-US" sz="3200" spc="-150" dirty="0">
+              <a:solidFill>
+                <a:srgbClr val="8DBABD"/>
+              </a:solidFill>
+              <a:latin typeface="나눔스퀘어 ExtraBold" panose="020B0600000101010101" pitchFamily="50" charset="-127"/>
+              <a:ea typeface="나눔스퀘어 ExtraBold" panose="020B0600000101010101" pitchFamily="50" charset="-127"/>
+            </a:endParaRPr>
+          </a:p>
+        </p:txBody>
+      </p:sp>
+      <p:cxnSp>
+        <p:nvCxnSpPr>
+          <p:cNvPr id="4" name="직선 연결선 3"/>
+          <p:cNvCxnSpPr/>
+          <p:nvPr/>
+        </p:nvCxnSpPr>
+        <p:spPr>
+          <a:xfrm>
+            <a:off x="1026522" y="989148"/>
+            <a:ext cx="2160000" cy="0"/>
+          </a:xfrm>
+          <a:prstGeom prst="line">
+            <a:avLst/>
+          </a:prstGeom>
+          <a:ln>
+            <a:solidFill>
+              <a:schemeClr val="bg1">
+                <a:lumMod val="50000"/>
+              </a:schemeClr>
+            </a:solidFill>
+          </a:ln>
+        </p:spPr>
+        <p:style>
+          <a:lnRef idx="1">
+            <a:schemeClr val="accent1"/>
+          </a:lnRef>
+          <a:fillRef idx="0">
+            <a:schemeClr val="accent1"/>
+          </a:fillRef>
+          <a:effectRef idx="0">
+            <a:schemeClr val="accent1"/>
+          </a:effectRef>
+          <a:fontRef idx="minor">
+            <a:schemeClr val="tx1"/>
+          </a:fontRef>
+        </p:style>
+      </p:cxnSp>
+      <p:sp>
+        <p:nvSpPr>
+          <p:cNvPr id="5" name="TextBox 4"/>
+          <p:cNvSpPr txBox="1"/>
+          <p:nvPr/>
+        </p:nvSpPr>
+        <p:spPr>
+          <a:xfrm>
+            <a:off x="1428877" y="437393"/>
+            <a:ext cx="1358064" cy="584775"/>
+          </a:xfrm>
+          <a:prstGeom prst="rect">
+            <a:avLst/>
+          </a:prstGeom>
+          <a:noFill/>
+        </p:spPr>
+        <p:txBody>
+          <a:bodyPr wrap="none" rtlCol="0">
+            <a:spAutoFit/>
+          </a:bodyPr>
+          <a:lstStyle/>
+          <a:p>
+            <a:pPr algn="ctr"/>
+            <a:r>
+              <a:rPr lang="ko-KR" altLang="en-US" sz="3200" spc="-150" dirty="0" err="1">
                 <a:solidFill>
                   <a:srgbClr val="00002F"/>
                 </a:solidFill>
-                <a:latin typeface="HY중고딕" panose="02030600000101010101" pitchFamily="18" charset="-127"/>
-                <a:ea typeface="HY중고딕" panose="02030600000101010101" pitchFamily="18" charset="-127"/>
-              </a:rPr>
-              <a:t>01</a:t>
-            </a:r>
-            <a:endParaRPr lang="ko-KR" altLang="en-US" sz="4400" spc="-300" dirty="0">
+                <a:latin typeface="나눔스퀘어 ExtraBold" panose="020B0600000101010101" pitchFamily="50" charset="-127"/>
+                <a:ea typeface="나눔스퀘어 ExtraBold" panose="020B0600000101010101" pitchFamily="50" charset="-127"/>
+              </a:rPr>
+              <a:t>팀소개</a:t>
+            </a:r>
+            <a:endParaRPr lang="ko-KR" altLang="en-US" sz="3200" spc="-150" dirty="0">
               <a:solidFill>
                 <a:srgbClr val="00002F"/>
               </a:solidFill>
-              <a:latin typeface="HY중고딕" panose="02030600000101010101" pitchFamily="18" charset="-127"/>
-              <a:ea typeface="HY중고딕" panose="02030600000101010101" pitchFamily="18" charset="-127"/>
+              <a:latin typeface="나눔스퀘어 ExtraBold" panose="020B0600000101010101" pitchFamily="50" charset="-127"/>
+              <a:ea typeface="나눔스퀘어 ExtraBold" panose="020B0600000101010101" pitchFamily="50" charset="-127"/>
             </a:endParaRPr>
           </a:p>
         </p:txBody>
       </p:sp>
       <p:sp>
         <p:nvSpPr>
-          <p:cNvPr id="3" name="직사각형 2"/>
-          <p:cNvSpPr/>
+          <p:cNvPr id="12" name="TextBox 11"/>
+          <p:cNvSpPr txBox="1"/>
           <p:nvPr/>
         </p:nvSpPr>
         <p:spPr>
           <a:xfrm>
-            <a:off x="4000499" y="3169741"/>
-            <a:ext cx="4200071" cy="473345"/>
+            <a:off x="455532" y="498947"/>
+            <a:ext cx="614271" cy="461665"/>
           </a:xfrm>
           <a:prstGeom prst="rect">
             <a:avLst/>
           </a:prstGeom>
-          <a:solidFill>
-            <a:srgbClr val="8DBABD"/>
-          </a:solidFill>
-          <a:ln>
+          <a:noFill/>
+        </p:spPr>
+        <p:txBody>
+          <a:bodyPr wrap="none" rtlCol="0">
+            <a:spAutoFit/>
+          </a:bodyPr>
+          <a:lstStyle/>
+          <a:p>
+            <a:pPr algn="ctr"/>
+            <a:r>
+              <a:rPr lang="en-US" altLang="ko-KR" sz="2400" spc="-150" dirty="0">
+                <a:solidFill>
+                  <a:srgbClr val="00002F"/>
+                </a:solidFill>
+                <a:latin typeface="나눔스퀘어 ExtraBold" panose="020B0600000101010101" pitchFamily="50" charset="-127"/>
+                <a:ea typeface="나눔스퀘어 ExtraBold" panose="020B0600000101010101" pitchFamily="50" charset="-127"/>
+              </a:rPr>
+              <a:t>01.</a:t>
+            </a:r>
+            <a:endParaRPr lang="ko-KR" altLang="en-US" sz="2400" spc="-150" dirty="0">
+              <a:solidFill>
+                <a:srgbClr val="00002F"/>
+              </a:solidFill>
+              <a:latin typeface="나눔스퀘어 ExtraBold" panose="020B0600000101010101" pitchFamily="50" charset="-127"/>
+              <a:ea typeface="나눔스퀘어 ExtraBold" panose="020B0600000101010101" pitchFamily="50" charset="-127"/>
+            </a:endParaRPr>
+          </a:p>
+        </p:txBody>
+      </p:sp>
+      <p:cxnSp>
+        <p:nvCxnSpPr>
+          <p:cNvPr id="7" name="직선 연결선 6"/>
+          <p:cNvCxnSpPr/>
+          <p:nvPr/>
+        </p:nvCxnSpPr>
+        <p:spPr>
+          <a:xfrm>
+            <a:off x="10430892" y="144941"/>
+            <a:ext cx="360000" cy="0"/>
+          </a:xfrm>
+          <a:prstGeom prst="line">
+            <a:avLst/>
+          </a:prstGeom>
+          <a:ln w="44450" cap="rnd">
             <a:solidFill>
               <a:srgbClr val="8DBABD"/>
             </a:solidFill>
           </a:ln>
+          <a:effectLst>
+            <a:outerShdw blurRad="50800" dist="38100" dir="5400000" algn="t" rotWithShape="0">
+              <a:prstClr val="black">
+                <a:alpha val="40000"/>
+              </a:prstClr>
+            </a:outerShdw>
+          </a:effectLst>
+        </p:spPr>
+        <p:style>
+          <a:lnRef idx="1">
+            <a:schemeClr val="accent1"/>
+          </a:lnRef>
+          <a:fillRef idx="0">
+            <a:schemeClr val="accent1"/>
+          </a:fillRef>
+          <a:effectRef idx="0">
+            <a:schemeClr val="accent1"/>
+          </a:effectRef>
+          <a:fontRef idx="minor">
+            <a:schemeClr val="tx1"/>
+          </a:fontRef>
+        </p:style>
+      </p:cxnSp>
+      <p:cxnSp>
+        <p:nvCxnSpPr>
+          <p:cNvPr id="8" name="직선 연결선 7"/>
+          <p:cNvCxnSpPr/>
+          <p:nvPr/>
+        </p:nvCxnSpPr>
+        <p:spPr>
+          <a:xfrm>
+            <a:off x="10858459" y="144941"/>
+            <a:ext cx="360000" cy="0"/>
+          </a:xfrm>
+          <a:prstGeom prst="line">
+            <a:avLst/>
+          </a:prstGeom>
+          <a:ln w="44450" cap="rnd">
+            <a:solidFill>
+              <a:schemeClr val="bg2">
+                <a:lumMod val="90000"/>
+              </a:schemeClr>
+            </a:solidFill>
+          </a:ln>
+          <a:effectLst>
+            <a:outerShdw blurRad="50800" dist="38100" dir="5400000" algn="t" rotWithShape="0">
+              <a:prstClr val="black">
+                <a:alpha val="40000"/>
+              </a:prstClr>
+            </a:outerShdw>
+          </a:effectLst>
+        </p:spPr>
+        <p:style>
+          <a:lnRef idx="1">
+            <a:schemeClr val="accent1"/>
+          </a:lnRef>
+          <a:fillRef idx="0">
+            <a:schemeClr val="accent1"/>
+          </a:fillRef>
+          <a:effectRef idx="0">
+            <a:schemeClr val="accent1"/>
+          </a:effectRef>
+          <a:fontRef idx="minor">
+            <a:schemeClr val="tx1"/>
+          </a:fontRef>
+        </p:style>
+      </p:cxnSp>
+      <p:cxnSp>
+        <p:nvCxnSpPr>
+          <p:cNvPr id="9" name="직선 연결선 8"/>
+          <p:cNvCxnSpPr/>
+          <p:nvPr/>
+        </p:nvCxnSpPr>
+        <p:spPr>
+          <a:xfrm>
+            <a:off x="11286026" y="144941"/>
+            <a:ext cx="360000" cy="0"/>
+          </a:xfrm>
+          <a:prstGeom prst="line">
+            <a:avLst/>
+          </a:prstGeom>
+          <a:ln w="44450" cap="rnd">
+            <a:solidFill>
+              <a:schemeClr val="bg2">
+                <a:lumMod val="90000"/>
+              </a:schemeClr>
+            </a:solidFill>
+          </a:ln>
+          <a:effectLst>
+            <a:outerShdw blurRad="50800" dist="38100" dir="5400000" algn="t" rotWithShape="0">
+              <a:prstClr val="black">
+                <a:alpha val="40000"/>
+              </a:prstClr>
+            </a:outerShdw>
+          </a:effectLst>
+        </p:spPr>
+        <p:style>
+          <a:lnRef idx="1">
+            <a:schemeClr val="accent1"/>
+          </a:lnRef>
+          <a:fillRef idx="0">
+            <a:schemeClr val="accent1"/>
+          </a:fillRef>
+          <a:effectRef idx="0">
+            <a:schemeClr val="accent1"/>
+          </a:effectRef>
+          <a:fontRef idx="minor">
+            <a:schemeClr val="tx1"/>
+          </a:fontRef>
+        </p:style>
+      </p:cxnSp>
+      <p:cxnSp>
+        <p:nvCxnSpPr>
+          <p:cNvPr id="10" name="직선 연결선 9"/>
+          <p:cNvCxnSpPr/>
+          <p:nvPr/>
+        </p:nvCxnSpPr>
+        <p:spPr>
+          <a:xfrm>
+            <a:off x="11713592" y="144941"/>
+            <a:ext cx="360000" cy="0"/>
+          </a:xfrm>
+          <a:prstGeom prst="line">
+            <a:avLst/>
+          </a:prstGeom>
+          <a:ln w="44450" cap="rnd">
+            <a:solidFill>
+              <a:schemeClr val="bg2">
+                <a:lumMod val="90000"/>
+              </a:schemeClr>
+            </a:solidFill>
+          </a:ln>
+          <a:effectLst>
+            <a:outerShdw blurRad="50800" dist="38100" dir="5400000" algn="t" rotWithShape="0">
+              <a:prstClr val="black">
+                <a:alpha val="40000"/>
+              </a:prstClr>
+            </a:outerShdw>
+          </a:effectLst>
+        </p:spPr>
+        <p:style>
+          <a:lnRef idx="1">
+            <a:schemeClr val="accent1"/>
+          </a:lnRef>
+          <a:fillRef idx="0">
+            <a:schemeClr val="accent1"/>
+          </a:fillRef>
+          <a:effectRef idx="0">
+            <a:schemeClr val="accent1"/>
+          </a:effectRef>
+          <a:fontRef idx="minor">
+            <a:schemeClr val="tx1"/>
+          </a:fontRef>
+        </p:style>
+      </p:cxnSp>
+      <p:sp>
+        <p:nvSpPr>
+          <p:cNvPr id="14" name="TextBox 13">
+            <a:extLst>
+              <a:ext uri="{FF2B5EF4-FFF2-40B4-BE49-F238E27FC236}">
+                <a16:creationId xmlns:a16="http://schemas.microsoft.com/office/drawing/2014/main" id="{D2A26A0C-5B39-42C3-A5E7-5110ECCD430F}"/>
+              </a:ext>
+            </a:extLst>
+          </p:cNvPr>
+          <p:cNvSpPr txBox="1"/>
+          <p:nvPr/>
+        </p:nvSpPr>
+        <p:spPr>
+          <a:xfrm>
+            <a:off x="5708714" y="1376261"/>
+            <a:ext cx="774572" cy="584775"/>
+          </a:xfrm>
+          <a:prstGeom prst="rect">
+            <a:avLst/>
+          </a:prstGeom>
+          <a:noFill/>
+        </p:spPr>
+        <p:txBody>
+          <a:bodyPr wrap="none" rtlCol="0">
+            <a:spAutoFit/>
+          </a:bodyPr>
+          <a:lstStyle/>
+          <a:p>
+            <a:pPr algn="ctr"/>
+            <a:r>
+              <a:rPr lang="en-US" altLang="ko-KR" sz="3200" spc="-150" dirty="0">
+                <a:solidFill>
+                  <a:srgbClr val="8DBABD"/>
+                </a:solidFill>
+                <a:latin typeface="나눔스퀘어 ExtraBold" panose="020B0600000101010101" pitchFamily="50" charset="-127"/>
+                <a:ea typeface="나눔스퀘어 ExtraBold" panose="020B0600000101010101" pitchFamily="50" charset="-127"/>
+              </a:rPr>
+              <a:t>3</a:t>
+            </a:r>
+            <a:r>
+              <a:rPr lang="ko-KR" altLang="en-US" sz="3200" spc="-150" dirty="0">
+                <a:solidFill>
+                  <a:srgbClr val="8DBABD"/>
+                </a:solidFill>
+                <a:latin typeface="나눔스퀘어 ExtraBold" panose="020B0600000101010101" pitchFamily="50" charset="-127"/>
+                <a:ea typeface="나눔스퀘어 ExtraBold" panose="020B0600000101010101" pitchFamily="50" charset="-127"/>
+              </a:rPr>
+              <a:t>조</a:t>
+            </a:r>
+          </a:p>
+        </p:txBody>
+      </p:sp>
+      <p:cxnSp>
+        <p:nvCxnSpPr>
+          <p:cNvPr id="3" name="직선 연결선 2">
+            <a:extLst>
+              <a:ext uri="{FF2B5EF4-FFF2-40B4-BE49-F238E27FC236}">
+                <a16:creationId xmlns:a16="http://schemas.microsoft.com/office/drawing/2014/main" id="{EFE74DB9-2F1C-4F05-91F0-12434CAF90A0}"/>
+              </a:ext>
+            </a:extLst>
+          </p:cNvPr>
+          <p:cNvCxnSpPr>
+            <a:cxnSpLocks/>
+            <a:stCxn id="14" idx="1"/>
+            <a:endCxn id="14" idx="3"/>
+          </p:cNvCxnSpPr>
+          <p:nvPr/>
+        </p:nvCxnSpPr>
+        <p:spPr>
+          <a:xfrm>
+            <a:off x="5708714" y="1668649"/>
+            <a:ext cx="774572" cy="0"/>
+          </a:xfrm>
+          <a:prstGeom prst="line">
+            <a:avLst/>
+          </a:prstGeom>
+          <a:ln w="50800"/>
+        </p:spPr>
+        <p:style>
+          <a:lnRef idx="1">
+            <a:schemeClr val="accent1"/>
+          </a:lnRef>
+          <a:fillRef idx="0">
+            <a:schemeClr val="accent1"/>
+          </a:fillRef>
+          <a:effectRef idx="0">
+            <a:schemeClr val="accent1"/>
+          </a:effectRef>
+          <a:fontRef idx="minor">
+            <a:schemeClr val="tx1"/>
+          </a:fontRef>
+        </p:style>
+      </p:cxnSp>
+      <p:sp>
+        <p:nvSpPr>
+          <p:cNvPr id="16" name="직사각형 15">
+            <a:extLst>
+              <a:ext uri="{FF2B5EF4-FFF2-40B4-BE49-F238E27FC236}">
+                <a16:creationId xmlns:a16="http://schemas.microsoft.com/office/drawing/2014/main" id="{0CF73D16-505A-4ADE-9D97-D9D32ACDD458}"/>
+              </a:ext>
+            </a:extLst>
+          </p:cNvPr>
+          <p:cNvSpPr/>
+          <p:nvPr/>
+        </p:nvSpPr>
+        <p:spPr>
+          <a:xfrm>
+            <a:off x="1738311" y="2323748"/>
+            <a:ext cx="8715375" cy="4096859"/>
+          </a:xfrm>
+          <a:prstGeom prst="rect">
+            <a:avLst/>
+          </a:prstGeom>
         </p:spPr>
         <p:style>
           <a:lnRef idx="2">
@@ -3208,23 +7033,61 @@
           <a:lstStyle/>
           <a:p>
             <a:pPr algn="ctr"/>
-            <a:r>
-              <a:rPr lang="ko-KR" altLang="en-US" dirty="0">
-                <a:latin typeface="HY중고딕" panose="02030600000101010101" pitchFamily="18" charset="-127"/>
-                <a:ea typeface="HY중고딕" panose="02030600000101010101" pitchFamily="18" charset="-127"/>
-              </a:rPr>
-              <a:t>내용을 입력하세요</a:t>
-            </a:r>
-            <a:r>
-              <a:rPr lang="en-US" altLang="ko-KR" dirty="0">
-                <a:latin typeface="HY중고딕" panose="02030600000101010101" pitchFamily="18" charset="-127"/>
-                <a:ea typeface="HY중고딕" panose="02030600000101010101" pitchFamily="18" charset="-127"/>
-              </a:rPr>
-              <a:t>.</a:t>
-            </a:r>
-            <a:endParaRPr lang="ko-KR" altLang="en-US" dirty="0">
-              <a:latin typeface="HY중고딕" panose="02030600000101010101" pitchFamily="18" charset="-127"/>
-              <a:ea typeface="HY중고딕" panose="02030600000101010101" pitchFamily="18" charset="-127"/>
+            <a:endParaRPr lang="ko-KR" altLang="en-US"/>
+          </a:p>
+        </p:txBody>
+      </p:sp>
+      <p:sp>
+        <p:nvSpPr>
+          <p:cNvPr id="11" name="TextBox 10"/>
+          <p:cNvSpPr txBox="1"/>
+          <p:nvPr/>
+        </p:nvSpPr>
+        <p:spPr>
+          <a:xfrm>
+            <a:off x="3753050" y="1390548"/>
+            <a:ext cx="4685899" cy="584775"/>
+          </a:xfrm>
+          <a:prstGeom prst="rect">
+            <a:avLst/>
+          </a:prstGeom>
+          <a:solidFill>
+            <a:schemeClr val="bg1"/>
+          </a:solidFill>
+        </p:spPr>
+        <p:txBody>
+          <a:bodyPr wrap="none" rtlCol="0">
+            <a:spAutoFit/>
+          </a:bodyPr>
+          <a:lstStyle/>
+          <a:p>
+            <a:pPr algn="ctr"/>
+            <a:r>
+              <a:rPr lang="ko-KR" altLang="en-US" sz="3200" spc="-150" dirty="0">
+                <a:solidFill>
+                  <a:srgbClr val="8DBABD"/>
+                </a:solidFill>
+                <a:latin typeface="나눔스퀘어 ExtraBold" panose="020B0600000101010101" pitchFamily="50" charset="-127"/>
+                <a:ea typeface="나눔스퀘어 ExtraBold" panose="020B0600000101010101" pitchFamily="50" charset="-127"/>
+              </a:rPr>
+              <a:t>소프트웨어 공학 구글 </a:t>
+            </a:r>
+            <a:r>
+              <a:rPr lang="ko-KR" altLang="en-US" sz="3200" spc="-150" dirty="0" err="1">
+                <a:solidFill>
+                  <a:srgbClr val="8DBABD"/>
+                </a:solidFill>
+                <a:latin typeface="나눔스퀘어 ExtraBold" panose="020B0600000101010101" pitchFamily="50" charset="-127"/>
+                <a:ea typeface="나눔스퀘어 ExtraBold" panose="020B0600000101010101" pitchFamily="50" charset="-127"/>
+              </a:rPr>
+              <a:t>대구점</a:t>
+            </a:r>
+            <a:endParaRPr lang="ko-KR" altLang="en-US" sz="3200" spc="-150" dirty="0">
+              <a:solidFill>
+                <a:srgbClr val="8DBABD"/>
+              </a:solidFill>
+              <a:latin typeface="나눔스퀘어 ExtraBold" panose="020B0600000101010101" pitchFamily="50" charset="-127"/>
+              <a:ea typeface="나눔스퀘어 ExtraBold" panose="020B0600000101010101" pitchFamily="50" charset="-127"/>
             </a:endParaRPr>
           </a:p>
         </p:txBody>
@@ -3232,13 +7095,144 @@
     </p:spTree>
     <p:extLst>
       <p:ext uri="{BB962C8B-B14F-4D97-AF65-F5344CB8AC3E}">
-        <p14:creationId xmlns:p14="http://schemas.microsoft.com/office/powerpoint/2010/main" val="3514545922"/>
+        <p14:creationId xmlns:p14="http://schemas.microsoft.com/office/powerpoint/2010/main" val="2660042987"/>
       </p:ext>
     </p:extLst>
   </p:cSld>
   <p:clrMapOvr>
     <a:masterClrMapping/>
   </p:clrMapOvr>
+  <p:timing>
+    <p:tnLst>
+      <p:par>
+        <p:cTn id="1" dur="indefinite" restart="never" nodeType="tmRoot">
+          <p:childTnLst>
+            <p:seq concurrent="1" nextAc="seek">
+              <p:cTn id="2" dur="indefinite" nodeType="mainSeq">
+                <p:childTnLst>
+                  <p:par>
+                    <p:cTn id="3" fill="hold">
+                      <p:stCondLst>
+                        <p:cond delay="indefinite"/>
+                      </p:stCondLst>
+                      <p:childTnLst>
+                        <p:par>
+                          <p:cTn id="4" fill="hold">
+                            <p:stCondLst>
+                              <p:cond delay="0"/>
+                            </p:stCondLst>
+                            <p:childTnLst>
+                              <p:par>
+                                <p:cTn id="5" presetID="1" presetClass="entr" presetSubtype="0" fill="hold" grpId="0" nodeType="clickEffect">
+                                  <p:stCondLst>
+                                    <p:cond delay="0"/>
+                                  </p:stCondLst>
+                                  <p:childTnLst>
+                                    <p:set>
+                                      <p:cBhvr>
+                                        <p:cTn id="6" dur="1" fill="hold">
+                                          <p:stCondLst>
+                                            <p:cond delay="0"/>
+                                          </p:stCondLst>
+                                        </p:cTn>
+                                        <p:tgtEl>
+                                          <p:spTgt spid="17"/>
+                                        </p:tgtEl>
+                                        <p:attrNameLst>
+                                          <p:attrName>style.visibility</p:attrName>
+                                        </p:attrNameLst>
+                                      </p:cBhvr>
+                                      <p:to>
+                                        <p:strVal val="visible"/>
+                                      </p:to>
+                                    </p:set>
+                                  </p:childTnLst>
+                                </p:cTn>
+                              </p:par>
+                            </p:childTnLst>
+                          </p:cTn>
+                        </p:par>
+                      </p:childTnLst>
+                    </p:cTn>
+                  </p:par>
+                  <p:par>
+                    <p:cTn id="7" fill="hold">
+                      <p:stCondLst>
+                        <p:cond delay="indefinite"/>
+                      </p:stCondLst>
+                      <p:childTnLst>
+                        <p:par>
+                          <p:cTn id="8" fill="hold">
+                            <p:stCondLst>
+                              <p:cond delay="0"/>
+                            </p:stCondLst>
+                            <p:childTnLst>
+                              <p:par>
+                                <p:cTn id="9" presetID="22" presetClass="entr" presetSubtype="8" fill="hold" nodeType="clickEffect">
+                                  <p:stCondLst>
+                                    <p:cond delay="0"/>
+                                  </p:stCondLst>
+                                  <p:childTnLst>
+                                    <p:set>
+                                      <p:cBhvr>
+                                        <p:cTn id="10" dur="1" fill="hold">
+                                          <p:stCondLst>
+                                            <p:cond delay="0"/>
+                                          </p:stCondLst>
+                                        </p:cTn>
+                                        <p:tgtEl>
+                                          <p:spTgt spid="3"/>
+                                        </p:tgtEl>
+                                        <p:attrNameLst>
+                                          <p:attrName>style.visibility</p:attrName>
+                                        </p:attrNameLst>
+                                      </p:cBhvr>
+                                      <p:to>
+                                        <p:strVal val="visible"/>
+                                      </p:to>
+                                    </p:set>
+                                    <p:animEffect transition="in" filter="wipe(left)">
+                                      <p:cBhvr>
+                                        <p:cTn id="11" dur="500"/>
+                                        <p:tgtEl>
+                                          <p:spTgt spid="3"/>
+                                        </p:tgtEl>
+                                      </p:cBhvr>
+                                    </p:animEffect>
+                                  </p:childTnLst>
+                                </p:cTn>
+                              </p:par>
+                            </p:childTnLst>
+                          </p:cTn>
+                        </p:par>
+                      </p:childTnLst>
+                    </p:cTn>
+                  </p:par>
+                </p:childTnLst>
+              </p:cTn>
+              <p:prevCondLst>
+                <p:cond evt="onPrev" delay="0">
+                  <p:tgtEl>
+                    <p:sldTgt/>
+                  </p:tgtEl>
+                </p:cond>
+              </p:prevCondLst>
+              <p:nextCondLst>
+                <p:cond evt="onNext" delay="0">
+                  <p:tgtEl>
+                    <p:sldTgt/>
+                  </p:tgtEl>
+                </p:cond>
+              </p:nextCondLst>
+            </p:seq>
+          </p:childTnLst>
+        </p:cTn>
+      </p:par>
+    </p:tnLst>
+    <p:bldLst>
+      <p:bldP spid="17" grpId="0" animBg="1"/>
+    </p:bldLst>
+  </p:timing>
 </p:sld>
 </file>
 
@@ -3259,6 +7253,630 @@
           <a:chExt cx="0" cy="0"/>
         </a:xfrm>
       </p:grpSpPr>
+      <p:grpSp>
+        <p:nvGrpSpPr>
+          <p:cNvPr id="34" name="그룹 33">
+            <a:extLst>
+              <a:ext uri="{FF2B5EF4-FFF2-40B4-BE49-F238E27FC236}">
+                <a16:creationId xmlns:a16="http://schemas.microsoft.com/office/drawing/2014/main" id="{9EF7B82D-BFEC-4851-9D8B-0F6A583BB8EC}"/>
+              </a:ext>
+            </a:extLst>
+          </p:cNvPr>
+          <p:cNvGrpSpPr/>
+          <p:nvPr/>
+        </p:nvGrpSpPr>
+        <p:grpSpPr>
+          <a:xfrm>
+            <a:off x="6813529" y="4383168"/>
+            <a:ext cx="4136113" cy="1738687"/>
+            <a:chOff x="1321712" y="2286112"/>
+            <a:chExt cx="4136113" cy="1738687"/>
+          </a:xfrm>
+        </p:grpSpPr>
+        <p:grpSp>
+          <p:nvGrpSpPr>
+            <p:cNvPr id="35" name="그룹 34">
+              <a:extLst>
+                <a:ext uri="{FF2B5EF4-FFF2-40B4-BE49-F238E27FC236}">
+                  <a16:creationId xmlns:a16="http://schemas.microsoft.com/office/drawing/2014/main" id="{CA4B1B85-3D24-4DD0-BDF0-582E8D80CFEB}"/>
+                </a:ext>
+              </a:extLst>
+            </p:cNvPr>
+            <p:cNvGrpSpPr/>
+            <p:nvPr/>
+          </p:nvGrpSpPr>
+          <p:grpSpPr>
+            <a:xfrm>
+              <a:off x="1321712" y="2286112"/>
+              <a:ext cx="2431338" cy="1620000"/>
+              <a:chOff x="918259" y="2529000"/>
+              <a:chExt cx="2431338" cy="1620000"/>
+            </a:xfrm>
+          </p:grpSpPr>
+          <p:sp>
+            <p:nvSpPr>
+              <p:cNvPr id="37" name="직사각형 36">
+                <a:extLst>
+                  <a:ext uri="{FF2B5EF4-FFF2-40B4-BE49-F238E27FC236}">
+                    <a16:creationId xmlns:a16="http://schemas.microsoft.com/office/drawing/2014/main" id="{FE4F143C-4778-4DD3-A7DC-CFC28A166B09}"/>
+                  </a:ext>
+                </a:extLst>
+              </p:cNvPr>
+              <p:cNvSpPr>
+                <a:spLocks noChangeAspect="1"/>
+              </p:cNvSpPr>
+              <p:nvPr/>
+            </p:nvSpPr>
+            <p:spPr>
+              <a:xfrm>
+                <a:off x="918259" y="2529000"/>
+                <a:ext cx="1620000" cy="1620000"/>
+              </a:xfrm>
+              <a:prstGeom prst="rect">
+                <a:avLst/>
+              </a:prstGeom>
+            </p:spPr>
+            <p:style>
+              <a:lnRef idx="2">
+                <a:schemeClr val="accent1">
+                  <a:shade val="50000"/>
+                </a:schemeClr>
+              </a:lnRef>
+              <a:fillRef idx="1">
+                <a:schemeClr val="accent1"/>
+              </a:fillRef>
+              <a:effectRef idx="0">
+                <a:schemeClr val="accent1"/>
+              </a:effectRef>
+              <a:fontRef idx="minor">
+                <a:schemeClr val="lt1"/>
+              </a:fontRef>
+            </p:style>
+            <p:txBody>
+              <a:bodyPr rtlCol="0" anchor="ctr"/>
+              <a:lstStyle/>
+              <a:p>
+                <a:pPr algn="ctr"/>
+                <a:endParaRPr lang="ko-KR" altLang="en-US" dirty="0"/>
+              </a:p>
+            </p:txBody>
+          </p:sp>
+          <p:sp>
+            <p:nvSpPr>
+              <p:cNvPr id="38" name="TextBox 37">
+                <a:extLst>
+                  <a:ext uri="{FF2B5EF4-FFF2-40B4-BE49-F238E27FC236}">
+                    <a16:creationId xmlns:a16="http://schemas.microsoft.com/office/drawing/2014/main" id="{E05F94FE-3E30-4395-9F1A-4364BFD5ADEB}"/>
+                  </a:ext>
+                </a:extLst>
+              </p:cNvPr>
+              <p:cNvSpPr txBox="1"/>
+              <p:nvPr/>
+            </p:nvSpPr>
+            <p:spPr>
+              <a:xfrm>
+                <a:off x="2651970" y="3502669"/>
+                <a:ext cx="697627" cy="646331"/>
+              </a:xfrm>
+              <a:prstGeom prst="rect">
+                <a:avLst/>
+              </a:prstGeom>
+              <a:noFill/>
+            </p:spPr>
+            <p:txBody>
+              <a:bodyPr wrap="none" rtlCol="0">
+                <a:spAutoFit/>
+              </a:bodyPr>
+              <a:lstStyle/>
+              <a:p>
+                <a:r>
+                  <a:rPr lang="ko-KR" altLang="en-US" dirty="0">
+                    <a:solidFill>
+                      <a:schemeClr val="accent1">
+                        <a:lumMod val="50000"/>
+                      </a:schemeClr>
+                    </a:solidFill>
+                  </a:rPr>
+                  <a:t>이름</a:t>
+                </a:r>
+                <a:r>
+                  <a:rPr lang="en-US" altLang="ko-KR" dirty="0">
+                    <a:solidFill>
+                      <a:schemeClr val="accent1">
+                        <a:lumMod val="50000"/>
+                      </a:schemeClr>
+                    </a:solidFill>
+                  </a:rPr>
+                  <a:t>:</a:t>
+                </a:r>
+              </a:p>
+              <a:p>
+                <a:r>
+                  <a:rPr lang="ko-KR" altLang="en-US" dirty="0">
+                    <a:solidFill>
+                      <a:schemeClr val="accent1">
+                        <a:lumMod val="50000"/>
+                      </a:schemeClr>
+                    </a:solidFill>
+                  </a:rPr>
+                  <a:t>담당</a:t>
+                </a:r>
+                <a:r>
+                  <a:rPr lang="en-US" altLang="ko-KR" dirty="0">
+                    <a:solidFill>
+                      <a:schemeClr val="accent1">
+                        <a:lumMod val="50000"/>
+                      </a:schemeClr>
+                    </a:solidFill>
+                  </a:rPr>
+                  <a:t>:</a:t>
+                </a:r>
+              </a:p>
+            </p:txBody>
+          </p:sp>
+        </p:grpSp>
+        <p:cxnSp>
+          <p:nvCxnSpPr>
+            <p:cNvPr id="36" name="직선 연결선 35">
+              <a:extLst>
+                <a:ext uri="{FF2B5EF4-FFF2-40B4-BE49-F238E27FC236}">
+                  <a16:creationId xmlns:a16="http://schemas.microsoft.com/office/drawing/2014/main" id="{BD733F66-449E-4087-9F6D-F0E8FEE97881}"/>
+                </a:ext>
+              </a:extLst>
+            </p:cNvPr>
+            <p:cNvCxnSpPr>
+              <a:cxnSpLocks/>
+            </p:cNvCxnSpPr>
+            <p:nvPr/>
+          </p:nvCxnSpPr>
+          <p:spPr>
+            <a:xfrm flipV="1">
+              <a:off x="1321712" y="4014787"/>
+              <a:ext cx="4136113" cy="10012"/>
+            </a:xfrm>
+            <a:prstGeom prst="line">
+              <a:avLst/>
+            </a:prstGeom>
+            <a:ln w="50800">
+              <a:solidFill>
+                <a:schemeClr val="tx2">
+                  <a:lumMod val="75000"/>
+                </a:schemeClr>
+              </a:solidFill>
+            </a:ln>
+          </p:spPr>
+          <p:style>
+            <a:lnRef idx="1">
+              <a:schemeClr val="accent1"/>
+            </a:lnRef>
+            <a:fillRef idx="0">
+              <a:schemeClr val="accent1"/>
+            </a:fillRef>
+            <a:effectRef idx="0">
+              <a:schemeClr val="accent1"/>
+            </a:effectRef>
+            <a:fontRef idx="minor">
+              <a:schemeClr val="tx1"/>
+            </a:fontRef>
+          </p:style>
+        </p:cxnSp>
+      </p:grpSp>
+      <p:grpSp>
+        <p:nvGrpSpPr>
+          <p:cNvPr id="39" name="그룹 38">
+            <a:extLst>
+              <a:ext uri="{FF2B5EF4-FFF2-40B4-BE49-F238E27FC236}">
+                <a16:creationId xmlns:a16="http://schemas.microsoft.com/office/drawing/2014/main" id="{A28DBB0E-5616-4A92-8C90-97893A0BA97A}"/>
+              </a:ext>
+            </a:extLst>
+          </p:cNvPr>
+          <p:cNvGrpSpPr/>
+          <p:nvPr/>
+        </p:nvGrpSpPr>
+        <p:grpSpPr>
+          <a:xfrm>
+            <a:off x="6813350" y="2286112"/>
+            <a:ext cx="4136113" cy="1738687"/>
+            <a:chOff x="1321712" y="2286112"/>
+            <a:chExt cx="4136113" cy="1738687"/>
+          </a:xfrm>
+        </p:grpSpPr>
+        <p:grpSp>
+          <p:nvGrpSpPr>
+            <p:cNvPr id="40" name="그룹 39">
+              <a:extLst>
+                <a:ext uri="{FF2B5EF4-FFF2-40B4-BE49-F238E27FC236}">
+                  <a16:creationId xmlns:a16="http://schemas.microsoft.com/office/drawing/2014/main" id="{BD651705-01BD-401B-B68B-5654C06EF41B}"/>
+                </a:ext>
+              </a:extLst>
+            </p:cNvPr>
+            <p:cNvGrpSpPr/>
+            <p:nvPr/>
+          </p:nvGrpSpPr>
+          <p:grpSpPr>
+            <a:xfrm>
+              <a:off x="1321712" y="2286112"/>
+              <a:ext cx="2431338" cy="1620000"/>
+              <a:chOff x="918259" y="2529000"/>
+              <a:chExt cx="2431338" cy="1620000"/>
+            </a:xfrm>
+          </p:grpSpPr>
+          <p:sp>
+            <p:nvSpPr>
+              <p:cNvPr id="42" name="직사각형 41">
+                <a:extLst>
+                  <a:ext uri="{FF2B5EF4-FFF2-40B4-BE49-F238E27FC236}">
+                    <a16:creationId xmlns:a16="http://schemas.microsoft.com/office/drawing/2014/main" id="{9632DDF1-C444-457F-AADE-EF3E4691FF04}"/>
+                  </a:ext>
+                </a:extLst>
+              </p:cNvPr>
+              <p:cNvSpPr>
+                <a:spLocks noChangeAspect="1"/>
+              </p:cNvSpPr>
+              <p:nvPr/>
+            </p:nvSpPr>
+            <p:spPr>
+              <a:xfrm>
+                <a:off x="918259" y="2529000"/>
+                <a:ext cx="1620000" cy="1620000"/>
+              </a:xfrm>
+              <a:prstGeom prst="rect">
+                <a:avLst/>
+              </a:prstGeom>
+            </p:spPr>
+            <p:style>
+              <a:lnRef idx="2">
+                <a:schemeClr val="accent1">
+                  <a:shade val="50000"/>
+                </a:schemeClr>
+              </a:lnRef>
+              <a:fillRef idx="1">
+                <a:schemeClr val="accent1"/>
+              </a:fillRef>
+              <a:effectRef idx="0">
+                <a:schemeClr val="accent1"/>
+              </a:effectRef>
+              <a:fontRef idx="minor">
+                <a:schemeClr val="lt1"/>
+              </a:fontRef>
+            </p:style>
+            <p:txBody>
+              <a:bodyPr rtlCol="0" anchor="ctr"/>
+              <a:lstStyle/>
+              <a:p>
+                <a:pPr algn="ctr"/>
+                <a:endParaRPr lang="ko-KR" altLang="en-US" dirty="0"/>
+              </a:p>
+            </p:txBody>
+          </p:sp>
+          <p:sp>
+            <p:nvSpPr>
+              <p:cNvPr id="43" name="TextBox 42">
+                <a:extLst>
+                  <a:ext uri="{FF2B5EF4-FFF2-40B4-BE49-F238E27FC236}">
+                    <a16:creationId xmlns:a16="http://schemas.microsoft.com/office/drawing/2014/main" id="{FDD52CE9-6005-4D0B-9D5D-6DF49EFF64B5}"/>
+                  </a:ext>
+                </a:extLst>
+              </p:cNvPr>
+              <p:cNvSpPr txBox="1"/>
+              <p:nvPr/>
+            </p:nvSpPr>
+            <p:spPr>
+              <a:xfrm>
+                <a:off x="2651970" y="3502669"/>
+                <a:ext cx="697627" cy="646331"/>
+              </a:xfrm>
+              <a:prstGeom prst="rect">
+                <a:avLst/>
+              </a:prstGeom>
+              <a:noFill/>
+            </p:spPr>
+            <p:txBody>
+              <a:bodyPr wrap="none" rtlCol="0">
+                <a:spAutoFit/>
+              </a:bodyPr>
+              <a:lstStyle/>
+              <a:p>
+                <a:r>
+                  <a:rPr lang="ko-KR" altLang="en-US" dirty="0">
+                    <a:solidFill>
+                      <a:schemeClr val="accent1">
+                        <a:lumMod val="50000"/>
+                      </a:schemeClr>
+                    </a:solidFill>
+                  </a:rPr>
+                  <a:t>이름</a:t>
+                </a:r>
+                <a:r>
+                  <a:rPr lang="en-US" altLang="ko-KR" dirty="0">
+                    <a:solidFill>
+                      <a:schemeClr val="accent1">
+                        <a:lumMod val="50000"/>
+                      </a:schemeClr>
+                    </a:solidFill>
+                  </a:rPr>
+                  <a:t>:</a:t>
+                </a:r>
+              </a:p>
+              <a:p>
+                <a:r>
+                  <a:rPr lang="ko-KR" altLang="en-US" dirty="0">
+                    <a:solidFill>
+                      <a:schemeClr val="accent1">
+                        <a:lumMod val="50000"/>
+                      </a:schemeClr>
+                    </a:solidFill>
+                  </a:rPr>
+                  <a:t>담당</a:t>
+                </a:r>
+                <a:r>
+                  <a:rPr lang="en-US" altLang="ko-KR" dirty="0">
+                    <a:solidFill>
+                      <a:schemeClr val="accent1">
+                        <a:lumMod val="50000"/>
+                      </a:schemeClr>
+                    </a:solidFill>
+                  </a:rPr>
+                  <a:t>:</a:t>
+                </a:r>
+              </a:p>
+            </p:txBody>
+          </p:sp>
+        </p:grpSp>
+        <p:cxnSp>
+          <p:nvCxnSpPr>
+            <p:cNvPr id="41" name="직선 연결선 40">
+              <a:extLst>
+                <a:ext uri="{FF2B5EF4-FFF2-40B4-BE49-F238E27FC236}">
+                  <a16:creationId xmlns:a16="http://schemas.microsoft.com/office/drawing/2014/main" id="{45784C97-2845-414B-A753-FC32E99E104A}"/>
+                </a:ext>
+              </a:extLst>
+            </p:cNvPr>
+            <p:cNvCxnSpPr>
+              <a:cxnSpLocks/>
+            </p:cNvCxnSpPr>
+            <p:nvPr/>
+          </p:nvCxnSpPr>
+          <p:spPr>
+            <a:xfrm flipV="1">
+              <a:off x="1321712" y="4014787"/>
+              <a:ext cx="4136113" cy="10012"/>
+            </a:xfrm>
+            <a:prstGeom prst="line">
+              <a:avLst/>
+            </a:prstGeom>
+            <a:ln w="50800">
+              <a:solidFill>
+                <a:schemeClr val="tx2">
+                  <a:lumMod val="75000"/>
+                </a:schemeClr>
+              </a:solidFill>
+            </a:ln>
+          </p:spPr>
+          <p:style>
+            <a:lnRef idx="1">
+              <a:schemeClr val="accent1"/>
+            </a:lnRef>
+            <a:fillRef idx="0">
+              <a:schemeClr val="accent1"/>
+            </a:fillRef>
+            <a:effectRef idx="0">
+              <a:schemeClr val="accent1"/>
+            </a:effectRef>
+            <a:fontRef idx="minor">
+              <a:schemeClr val="tx1"/>
+            </a:fontRef>
+          </p:style>
+        </p:cxnSp>
+      </p:grpSp>
+      <p:grpSp>
+        <p:nvGrpSpPr>
+          <p:cNvPr id="29" name="그룹 28">
+            <a:extLst>
+              <a:ext uri="{FF2B5EF4-FFF2-40B4-BE49-F238E27FC236}">
+                <a16:creationId xmlns:a16="http://schemas.microsoft.com/office/drawing/2014/main" id="{DC151F7B-5386-4E42-9E12-333BB6553287}"/>
+              </a:ext>
+            </a:extLst>
+          </p:cNvPr>
+          <p:cNvGrpSpPr/>
+          <p:nvPr/>
+        </p:nvGrpSpPr>
+        <p:grpSpPr>
+          <a:xfrm>
+            <a:off x="1321891" y="4383168"/>
+            <a:ext cx="4136113" cy="1738687"/>
+            <a:chOff x="1321712" y="2286112"/>
+            <a:chExt cx="4136113" cy="1738687"/>
+          </a:xfrm>
+        </p:grpSpPr>
+        <p:grpSp>
+          <p:nvGrpSpPr>
+            <p:cNvPr id="30" name="그룹 29">
+              <a:extLst>
+                <a:ext uri="{FF2B5EF4-FFF2-40B4-BE49-F238E27FC236}">
+                  <a16:creationId xmlns:a16="http://schemas.microsoft.com/office/drawing/2014/main" id="{8E10590E-3FC6-4EA7-A46B-E9DBDE87BED1}"/>
+                </a:ext>
+              </a:extLst>
+            </p:cNvPr>
+            <p:cNvGrpSpPr/>
+            <p:nvPr/>
+          </p:nvGrpSpPr>
+          <p:grpSpPr>
+            <a:xfrm>
+              <a:off x="1321712" y="2286112"/>
+              <a:ext cx="2431338" cy="1620000"/>
+              <a:chOff x="918259" y="2529000"/>
+              <a:chExt cx="2431338" cy="1620000"/>
+            </a:xfrm>
+          </p:grpSpPr>
+          <p:sp>
+            <p:nvSpPr>
+              <p:cNvPr id="32" name="직사각형 31">
+                <a:extLst>
+                  <a:ext uri="{FF2B5EF4-FFF2-40B4-BE49-F238E27FC236}">
+                    <a16:creationId xmlns:a16="http://schemas.microsoft.com/office/drawing/2014/main" id="{82F6CF89-41F5-4500-A802-9656CC019CD7}"/>
+                  </a:ext>
+                </a:extLst>
+              </p:cNvPr>
+              <p:cNvSpPr>
+                <a:spLocks noChangeAspect="1"/>
+              </p:cNvSpPr>
+              <p:nvPr/>
+            </p:nvSpPr>
+            <p:spPr>
+              <a:xfrm>
+                <a:off x="918259" y="2529000"/>
+                <a:ext cx="1620000" cy="1620000"/>
+              </a:xfrm>
+              <a:prstGeom prst="rect">
+                <a:avLst/>
+              </a:prstGeom>
+            </p:spPr>
+            <p:style>
+              <a:lnRef idx="2">
+                <a:schemeClr val="accent1">
+                  <a:shade val="50000"/>
+                </a:schemeClr>
+              </a:lnRef>
+              <a:fillRef idx="1">
+                <a:schemeClr val="accent1"/>
+              </a:fillRef>
+              <a:effectRef idx="0">
+                <a:schemeClr val="accent1"/>
+              </a:effectRef>
+              <a:fontRef idx="minor">
+                <a:schemeClr val="lt1"/>
+              </a:fontRef>
+            </p:style>
+            <p:txBody>
+              <a:bodyPr rtlCol="0" anchor="ctr"/>
+              <a:lstStyle/>
+              <a:p>
+                <a:pPr algn="ctr"/>
+                <a:endParaRPr lang="ko-KR" altLang="en-US" dirty="0"/>
+              </a:p>
+            </p:txBody>
+          </p:sp>
+          <p:sp>
+            <p:nvSpPr>
+              <p:cNvPr id="33" name="TextBox 32">
+                <a:extLst>
+                  <a:ext uri="{FF2B5EF4-FFF2-40B4-BE49-F238E27FC236}">
+                    <a16:creationId xmlns:a16="http://schemas.microsoft.com/office/drawing/2014/main" id="{172AF78D-8501-442A-929A-BF18216691BD}"/>
+                  </a:ext>
+                </a:extLst>
+              </p:cNvPr>
+              <p:cNvSpPr txBox="1"/>
+              <p:nvPr/>
+            </p:nvSpPr>
+            <p:spPr>
+              <a:xfrm>
+                <a:off x="2651970" y="3502669"/>
+                <a:ext cx="697627" cy="646331"/>
+              </a:xfrm>
+              <a:prstGeom prst="rect">
+                <a:avLst/>
+              </a:prstGeom>
+              <a:noFill/>
+            </p:spPr>
+            <p:txBody>
+              <a:bodyPr wrap="none" rtlCol="0">
+                <a:spAutoFit/>
+              </a:bodyPr>
+              <a:lstStyle/>
+              <a:p>
+                <a:r>
+                  <a:rPr lang="ko-KR" altLang="en-US" dirty="0">
+                    <a:solidFill>
+                      <a:schemeClr val="accent1">
+                        <a:lumMod val="50000"/>
+                      </a:schemeClr>
+                    </a:solidFill>
+                  </a:rPr>
+                  <a:t>이름</a:t>
+                </a:r>
+                <a:r>
+                  <a:rPr lang="en-US" altLang="ko-KR" dirty="0">
+                    <a:solidFill>
+                      <a:schemeClr val="accent1">
+                        <a:lumMod val="50000"/>
+                      </a:schemeClr>
+                    </a:solidFill>
+                  </a:rPr>
+                  <a:t>:</a:t>
+                </a:r>
+              </a:p>
+              <a:p>
+                <a:r>
+                  <a:rPr lang="ko-KR" altLang="en-US" dirty="0">
+                    <a:solidFill>
+                      <a:schemeClr val="accent1">
+                        <a:lumMod val="50000"/>
+                      </a:schemeClr>
+                    </a:solidFill>
+                  </a:rPr>
+                  <a:t>담당</a:t>
+                </a:r>
+                <a:r>
+                  <a:rPr lang="en-US" altLang="ko-KR" dirty="0">
+                    <a:solidFill>
+                      <a:schemeClr val="accent1">
+                        <a:lumMod val="50000"/>
+                      </a:schemeClr>
+                    </a:solidFill>
+                  </a:rPr>
+                  <a:t>:</a:t>
+                </a:r>
+              </a:p>
+            </p:txBody>
+          </p:sp>
+        </p:grpSp>
+        <p:cxnSp>
+          <p:nvCxnSpPr>
+            <p:cNvPr id="31" name="직선 연결선 30">
+              <a:extLst>
+                <a:ext uri="{FF2B5EF4-FFF2-40B4-BE49-F238E27FC236}">
+                  <a16:creationId xmlns:a16="http://schemas.microsoft.com/office/drawing/2014/main" id="{411886A1-5E1A-4561-8D93-BE3B1EBE3201}"/>
+                </a:ext>
+              </a:extLst>
+            </p:cNvPr>
+            <p:cNvCxnSpPr>
+              <a:cxnSpLocks/>
+            </p:cNvCxnSpPr>
+            <p:nvPr/>
+          </p:nvCxnSpPr>
+          <p:spPr>
+            <a:xfrm flipV="1">
+              <a:off x="1321712" y="4014787"/>
+              <a:ext cx="4136113" cy="10012"/>
+            </a:xfrm>
+            <a:prstGeom prst="line">
+              <a:avLst/>
+            </a:prstGeom>
+            <a:ln w="50800">
+              <a:solidFill>
+                <a:schemeClr val="tx2">
+                  <a:lumMod val="75000"/>
+                </a:schemeClr>
+              </a:solidFill>
+            </a:ln>
+          </p:spPr>
+          <p:style>
+            <a:lnRef idx="1">
+              <a:schemeClr val="accent1"/>
+            </a:lnRef>
+            <a:fillRef idx="0">
+              <a:schemeClr val="accent1"/>
+            </a:fillRef>
+            <a:effectRef idx="0">
+              <a:schemeClr val="accent1"/>
+            </a:effectRef>
+            <a:fontRef idx="minor">
+              <a:schemeClr val="tx1"/>
+            </a:fontRef>
+          </p:style>
+        </p:cxnSp>
+      </p:grpSp>
       <p:cxnSp>
         <p:nvCxnSpPr>
           <p:cNvPr id="4" name="직선 연결선 3"/>
@@ -3304,8 +7922,8 @@
         </p:nvSpPr>
         <p:spPr>
           <a:xfrm>
-            <a:off x="1026522" y="437393"/>
-            <a:ext cx="2162773" cy="584775"/>
+            <a:off x="1428877" y="437393"/>
+            <a:ext cx="1358064" cy="584775"/>
           </a:xfrm>
           <a:prstGeom prst="rect">
             <a:avLst/>
@@ -3320,21 +7938,21 @@
           <a:p>
             <a:pPr algn="ctr"/>
             <a:r>
-              <a:rPr lang="en-US" altLang="ko-KR" sz="3200" spc="-150" dirty="0">
+              <a:rPr lang="ko-KR" altLang="en-US" sz="3200" spc="-150" dirty="0" err="1">
                 <a:solidFill>
                   <a:srgbClr val="00002F"/>
                 </a:solidFill>
-                <a:latin typeface="Malgun Gothic Semilight" panose="020B0503020000020004" pitchFamily="34" charset="-127"/>
-                <a:ea typeface="Malgun Gothic Semilight" panose="020B0503020000020004" pitchFamily="34" charset="-127"/>
-              </a:rPr>
-              <a:t>CONTENTS</a:t>
+                <a:latin typeface="나눔스퀘어 ExtraBold" panose="020B0600000101010101" pitchFamily="50" charset="-127"/>
+                <a:ea typeface="나눔스퀘어 ExtraBold" panose="020B0600000101010101" pitchFamily="50" charset="-127"/>
+              </a:rPr>
+              <a:t>팀소개</a:t>
             </a:r>
             <a:endParaRPr lang="ko-KR" altLang="en-US" sz="3200" spc="-150" dirty="0">
               <a:solidFill>
                 <a:srgbClr val="00002F"/>
               </a:solidFill>
-              <a:latin typeface="Malgun Gothic Semilight" panose="020B0503020000020004" pitchFamily="34" charset="-127"/>
-              <a:ea typeface="Malgun Gothic Semilight" panose="020B0503020000020004" pitchFamily="34" charset="-127"/>
+              <a:latin typeface="나눔스퀘어 ExtraBold" panose="020B0600000101010101" pitchFamily="50" charset="-127"/>
+              <a:ea typeface="나눔스퀘어 ExtraBold" panose="020B0600000101010101" pitchFamily="50" charset="-127"/>
             </a:endParaRPr>
           </a:p>
         </p:txBody>
@@ -3347,8 +7965,8 @@
         </p:nvSpPr>
         <p:spPr>
           <a:xfrm>
-            <a:off x="495607" y="498947"/>
-            <a:ext cx="534121" cy="461665"/>
+            <a:off x="455532" y="498947"/>
+            <a:ext cx="614271" cy="461665"/>
           </a:xfrm>
           <a:prstGeom prst="rect">
             <a:avLst/>
@@ -3367,8 +7985,8 @@
                 <a:solidFill>
                   <a:srgbClr val="00002F"/>
                 </a:solidFill>
-                <a:latin typeface="Malgun Gothic Semilight" panose="020B0503020000020004" pitchFamily="34" charset="-127"/>
-                <a:ea typeface="Malgun Gothic Semilight" panose="020B0503020000020004" pitchFamily="34" charset="-127"/>
+                <a:latin typeface="나눔스퀘어 ExtraBold" panose="020B0600000101010101" pitchFamily="50" charset="-127"/>
+                <a:ea typeface="나눔스퀘어 ExtraBold" panose="020B0600000101010101" pitchFamily="50" charset="-127"/>
               </a:rPr>
               <a:t>01.</a:t>
             </a:r>
@@ -3376,8 +7994,8 @@
               <a:solidFill>
                 <a:srgbClr val="00002F"/>
               </a:solidFill>
-              <a:latin typeface="Malgun Gothic Semilight" panose="020B0503020000020004" pitchFamily="34" charset="-127"/>
-              <a:ea typeface="Malgun Gothic Semilight" panose="020B0503020000020004" pitchFamily="34" charset="-127"/>
+              <a:latin typeface="나눔스퀘어 ExtraBold" panose="020B0600000101010101" pitchFamily="50" charset="-127"/>
+              <a:ea typeface="나눔스퀘어 ExtraBold" panose="020B0600000101010101" pitchFamily="50" charset="-127"/>
             </a:endParaRPr>
           </a:p>
         </p:txBody>
@@ -3564,13 +8182,15 @@
         </p:nvSpPr>
         <p:spPr>
           <a:xfrm>
-            <a:off x="2177493" y="2091297"/>
-            <a:ext cx="1979196" cy="584775"/>
+            <a:off x="3753050" y="1390548"/>
+            <a:ext cx="4685899" cy="584775"/>
           </a:xfrm>
           <a:prstGeom prst="rect">
             <a:avLst/>
           </a:prstGeom>
-          <a:noFill/>
+          <a:solidFill>
+            <a:schemeClr val="bg1"/>
+          </a:solidFill>
         </p:spPr>
         <p:txBody>
           <a:bodyPr wrap="none" rtlCol="0">
@@ -3580,72 +8200,247 @@
           <a:p>
             <a:pPr algn="ctr"/>
             <a:r>
-              <a:rPr lang="en-US" altLang="ko-KR" sz="3200" spc="-150" dirty="0">
+              <a:rPr lang="ko-KR" altLang="en-US" sz="3200" spc="-150" dirty="0">
                 <a:solidFill>
                   <a:srgbClr val="8DBABD"/>
                 </a:solidFill>
-                <a:latin typeface="Malgun Gothic Semilight" panose="020B0503020000020004" pitchFamily="34" charset="-127"/>
-                <a:ea typeface="Malgun Gothic Semilight" panose="020B0503020000020004" pitchFamily="34" charset="-127"/>
-              </a:rPr>
-              <a:t>12345 Test</a:t>
+                <a:latin typeface="나눔스퀘어 ExtraBold" panose="020B0600000101010101" pitchFamily="50" charset="-127"/>
+                <a:ea typeface="나눔스퀘어 ExtraBold" panose="020B0600000101010101" pitchFamily="50" charset="-127"/>
+              </a:rPr>
+              <a:t>소프트웨어 공학 구글 </a:t>
+            </a:r>
+            <a:r>
+              <a:rPr lang="ko-KR" altLang="en-US" sz="3200" spc="-150" dirty="0" err="1">
+                <a:solidFill>
+                  <a:srgbClr val="8DBABD"/>
+                </a:solidFill>
+                <a:latin typeface="나눔스퀘어 ExtraBold" panose="020B0600000101010101" pitchFamily="50" charset="-127"/>
+                <a:ea typeface="나눔스퀘어 ExtraBold" panose="020B0600000101010101" pitchFamily="50" charset="-127"/>
+              </a:rPr>
+              <a:t>대구점</a:t>
             </a:r>
             <a:endParaRPr lang="ko-KR" altLang="en-US" sz="3200" spc="-150" dirty="0">
               <a:solidFill>
                 <a:srgbClr val="8DBABD"/>
               </a:solidFill>
-              <a:latin typeface="Malgun Gothic Semilight" panose="020B0503020000020004" pitchFamily="34" charset="-127"/>
-              <a:ea typeface="Malgun Gothic Semilight" panose="020B0503020000020004" pitchFamily="34" charset="-127"/>
+              <a:latin typeface="나눔스퀘어 ExtraBold" panose="020B0600000101010101" pitchFamily="50" charset="-127"/>
+              <a:ea typeface="나눔스퀘어 ExtraBold" panose="020B0600000101010101" pitchFamily="50" charset="-127"/>
             </a:endParaRPr>
           </a:p>
         </p:txBody>
       </p:sp>
-      <p:sp>
-        <p:nvSpPr>
-          <p:cNvPr id="13" name="TextBox 12"/>
-          <p:cNvSpPr txBox="1"/>
-          <p:nvPr/>
-        </p:nvSpPr>
-        <p:spPr>
-          <a:xfrm>
-            <a:off x="1101029" y="1006929"/>
-            <a:ext cx="516423" cy="369332"/>
-          </a:xfrm>
-          <a:prstGeom prst="rect">
-            <a:avLst/>
-          </a:prstGeom>
-          <a:noFill/>
-        </p:spPr>
-        <p:txBody>
-          <a:bodyPr wrap="none" rtlCol="0">
-            <a:spAutoFit/>
-          </a:bodyPr>
-          <a:lstStyle/>
-          <a:p>
-            <a:pPr algn="ctr"/>
-            <a:r>
-              <a:rPr lang="en-US" altLang="ko-KR" spc="-150" dirty="0">
-                <a:solidFill>
-                  <a:srgbClr val="00002F"/>
-                </a:solidFill>
-                <a:latin typeface="Malgun Gothic Semilight" panose="020B0503020000020004" pitchFamily="34" charset="-127"/>
-                <a:ea typeface="Malgun Gothic Semilight" panose="020B0503020000020004" pitchFamily="34" charset="-127"/>
-              </a:rPr>
-              <a:t>Text</a:t>
-            </a:r>
-            <a:endParaRPr lang="ko-KR" altLang="en-US" spc="-150" dirty="0">
+      <p:grpSp>
+        <p:nvGrpSpPr>
+          <p:cNvPr id="28" name="그룹 27">
+            <a:extLst>
+              <a:ext uri="{FF2B5EF4-FFF2-40B4-BE49-F238E27FC236}">
+                <a16:creationId xmlns:a16="http://schemas.microsoft.com/office/drawing/2014/main" id="{A63E2809-60EC-4363-99F5-39619CA6DDF0}"/>
+              </a:ext>
+            </a:extLst>
+          </p:cNvPr>
+          <p:cNvGrpSpPr/>
+          <p:nvPr/>
+        </p:nvGrpSpPr>
+        <p:grpSpPr>
+          <a:xfrm>
+            <a:off x="1321712" y="2286112"/>
+            <a:ext cx="4136113" cy="1738687"/>
+            <a:chOff x="1321712" y="2286112"/>
+            <a:chExt cx="4136113" cy="1738687"/>
+          </a:xfrm>
+        </p:grpSpPr>
+        <p:grpSp>
+          <p:nvGrpSpPr>
+            <p:cNvPr id="19" name="그룹 18">
+              <a:extLst>
+                <a:ext uri="{FF2B5EF4-FFF2-40B4-BE49-F238E27FC236}">
+                  <a16:creationId xmlns:a16="http://schemas.microsoft.com/office/drawing/2014/main" id="{14F51E34-9FF5-46F3-8B66-90D9C8189085}"/>
+                </a:ext>
+              </a:extLst>
+            </p:cNvPr>
+            <p:cNvGrpSpPr/>
+            <p:nvPr/>
+          </p:nvGrpSpPr>
+          <p:grpSpPr>
+            <a:xfrm>
+              <a:off x="1321712" y="2286112"/>
+              <a:ext cx="2431338" cy="1620000"/>
+              <a:chOff x="918259" y="2529000"/>
+              <a:chExt cx="2431338" cy="1620000"/>
+            </a:xfrm>
+          </p:grpSpPr>
+          <p:sp>
+            <p:nvSpPr>
+              <p:cNvPr id="15" name="직사각형 14">
+                <a:extLst>
+                  <a:ext uri="{FF2B5EF4-FFF2-40B4-BE49-F238E27FC236}">
+                    <a16:creationId xmlns:a16="http://schemas.microsoft.com/office/drawing/2014/main" id="{BE90E507-D502-4073-AFCF-EF3043C54B34}"/>
+                  </a:ext>
+                </a:extLst>
+              </p:cNvPr>
+              <p:cNvSpPr>
+                <a:spLocks noChangeAspect="1"/>
+              </p:cNvSpPr>
+              <p:nvPr/>
+            </p:nvSpPr>
+            <p:spPr>
+              <a:xfrm>
+                <a:off x="918259" y="2529000"/>
+                <a:ext cx="1620000" cy="1620000"/>
+              </a:xfrm>
+              <a:prstGeom prst="rect">
+                <a:avLst/>
+              </a:prstGeom>
+            </p:spPr>
+            <p:style>
+              <a:lnRef idx="2">
+                <a:schemeClr val="accent1">
+                  <a:shade val="50000"/>
+                </a:schemeClr>
+              </a:lnRef>
+              <a:fillRef idx="1">
+                <a:schemeClr val="accent1"/>
+              </a:fillRef>
+              <a:effectRef idx="0">
+                <a:schemeClr val="accent1"/>
+              </a:effectRef>
+              <a:fontRef idx="minor">
+                <a:schemeClr val="lt1"/>
+              </a:fontRef>
+            </p:style>
+            <p:txBody>
+              <a:bodyPr rtlCol="0" anchor="ctr"/>
+              <a:lstStyle/>
+              <a:p>
+                <a:pPr algn="ctr"/>
+                <a:endParaRPr lang="ko-KR" altLang="en-US" dirty="0"/>
+              </a:p>
+            </p:txBody>
+          </p:sp>
+          <p:sp>
+            <p:nvSpPr>
+              <p:cNvPr id="2" name="TextBox 1">
+                <a:extLst>
+                  <a:ext uri="{FF2B5EF4-FFF2-40B4-BE49-F238E27FC236}">
+                    <a16:creationId xmlns:a16="http://schemas.microsoft.com/office/drawing/2014/main" id="{FE4642F1-C5E1-4984-8444-C04195DDF000}"/>
+                  </a:ext>
+                </a:extLst>
+              </p:cNvPr>
+              <p:cNvSpPr txBox="1"/>
+              <p:nvPr/>
+            </p:nvSpPr>
+            <p:spPr>
+              <a:xfrm>
+                <a:off x="2651970" y="3502669"/>
+                <a:ext cx="697627" cy="646331"/>
+              </a:xfrm>
+              <a:prstGeom prst="rect">
+                <a:avLst/>
+              </a:prstGeom>
+              <a:noFill/>
+            </p:spPr>
+            <p:txBody>
+              <a:bodyPr wrap="none" rtlCol="0">
+                <a:spAutoFit/>
+              </a:bodyPr>
+              <a:lstStyle/>
+              <a:p>
+                <a:r>
+                  <a:rPr lang="ko-KR" altLang="en-US" dirty="0">
+                    <a:solidFill>
+                      <a:schemeClr val="accent1">
+                        <a:lumMod val="50000"/>
+                      </a:schemeClr>
+                    </a:solidFill>
+                  </a:rPr>
+                  <a:t>이름</a:t>
+                </a:r>
+                <a:r>
+                  <a:rPr lang="en-US" altLang="ko-KR" dirty="0">
+                    <a:solidFill>
+                      <a:schemeClr val="accent1">
+                        <a:lumMod val="50000"/>
+                      </a:schemeClr>
+                    </a:solidFill>
+                  </a:rPr>
+                  <a:t>:</a:t>
+                </a:r>
+              </a:p>
+              <a:p>
+                <a:r>
+                  <a:rPr lang="ko-KR" altLang="en-US" dirty="0">
+                    <a:solidFill>
+                      <a:schemeClr val="accent1">
+                        <a:lumMod val="50000"/>
+                      </a:schemeClr>
+                    </a:solidFill>
+                  </a:rPr>
+                  <a:t>담당</a:t>
+                </a:r>
+                <a:r>
+                  <a:rPr lang="en-US" altLang="ko-KR" dirty="0">
+                    <a:solidFill>
+                      <a:schemeClr val="accent1">
+                        <a:lumMod val="50000"/>
+                      </a:schemeClr>
+                    </a:solidFill>
+                  </a:rPr>
+                  <a:t>:</a:t>
+                </a:r>
+              </a:p>
+            </p:txBody>
+          </p:sp>
+        </p:grpSp>
+        <p:cxnSp>
+          <p:nvCxnSpPr>
+            <p:cNvPr id="27" name="직선 연결선 26">
+              <a:extLst>
+                <a:ext uri="{FF2B5EF4-FFF2-40B4-BE49-F238E27FC236}">
+                  <a16:creationId xmlns:a16="http://schemas.microsoft.com/office/drawing/2014/main" id="{9E475833-D00C-4383-B2B2-34C8A7602E24}"/>
+                </a:ext>
+              </a:extLst>
+            </p:cNvPr>
+            <p:cNvCxnSpPr>
+              <a:cxnSpLocks/>
+            </p:cNvCxnSpPr>
+            <p:nvPr/>
+          </p:nvCxnSpPr>
+          <p:spPr>
+            <a:xfrm flipV="1">
+              <a:off x="1321712" y="4014787"/>
+              <a:ext cx="4136113" cy="10012"/>
+            </a:xfrm>
+            <a:prstGeom prst="line">
+              <a:avLst/>
+            </a:prstGeom>
+            <a:ln w="50800">
               <a:solidFill>
-                <a:srgbClr val="00002F"/>
+                <a:schemeClr val="tx2">
+                  <a:lumMod val="75000"/>
+                </a:schemeClr>
               </a:solidFill>
-              <a:latin typeface="Malgun Gothic Semilight" panose="020B0503020000020004" pitchFamily="34" charset="-127"/>
-              <a:ea typeface="Malgun Gothic Semilight" panose="020B0503020000020004" pitchFamily="34" charset="-127"/>
-            </a:endParaRPr>
-          </a:p>
-        </p:txBody>
-      </p:sp>
+            </a:ln>
+          </p:spPr>
+          <p:style>
+            <a:lnRef idx="1">
+              <a:schemeClr val="accent1"/>
+            </a:lnRef>
+            <a:fillRef idx="0">
+              <a:schemeClr val="accent1"/>
+            </a:fillRef>
+            <a:effectRef idx="0">
+              <a:schemeClr val="accent1"/>
+            </a:effectRef>
+            <a:fontRef idx="minor">
+              <a:schemeClr val="tx1"/>
+            </a:fontRef>
+          </p:style>
+        </p:cxnSp>
+      </p:grpSp>
     </p:spTree>
     <p:extLst>
       <p:ext uri="{BB962C8B-B14F-4D97-AF65-F5344CB8AC3E}">
-        <p14:creationId xmlns:p14="http://schemas.microsoft.com/office/powerpoint/2010/main" val="1489070648"/>
+        <p14:creationId xmlns:p14="http://schemas.microsoft.com/office/powerpoint/2010/main" val="3773967359"/>
       </p:ext>
     </p:extLst>
   </p:cSld>
@@ -3695,7 +8490,7 @@
           <a:lstStyle/>
           <a:p>
             <a:r>
-              <a:rPr lang="en-US" altLang="ko-KR" sz="4400" spc="-300" dirty="0">
+              <a:rPr lang="en-US" altLang="ko-KR" sz="4400" spc="-300">
                 <a:solidFill>
                   <a:srgbClr val="00002F"/>
                 </a:solidFill>
@@ -3704,7 +8499,7 @@
               </a:rPr>
               <a:t>02</a:t>
             </a:r>
-            <a:endParaRPr lang="ko-KR" altLang="en-US" sz="4400" spc="-300" dirty="0">
+            <a:endParaRPr lang="ko-KR" altLang="en-US" sz="4400" spc="-300">
               <a:solidFill>
                 <a:srgbClr val="00002F"/>
               </a:solidFill>
@@ -3763,19 +8558,8 @@
                 <a:latin typeface="HY중고딕" panose="02030600000101010101" pitchFamily="18" charset="-127"/>
                 <a:ea typeface="HY중고딕" panose="02030600000101010101" pitchFamily="18" charset="-127"/>
               </a:rPr>
-              <a:t>내용을 입력하세요</a:t>
-            </a:r>
-            <a:r>
-              <a:rPr lang="en-US" altLang="ko-KR" dirty="0">
-                <a:latin typeface="HY중고딕" panose="02030600000101010101" pitchFamily="18" charset="-127"/>
-                <a:ea typeface="HY중고딕" panose="02030600000101010101" pitchFamily="18" charset="-127"/>
-              </a:rPr>
-              <a:t>.</a:t>
-            </a:r>
-            <a:endParaRPr lang="ko-KR" altLang="en-US" dirty="0">
-              <a:latin typeface="HY중고딕" panose="02030600000101010101" pitchFamily="18" charset="-127"/>
-              <a:ea typeface="HY중고딕" panose="02030600000101010101" pitchFamily="18" charset="-127"/>
-            </a:endParaRPr>
+              <a:t>주제 및 현황</a:t>
+            </a:r>
           </a:p>
         </p:txBody>
       </p:sp>
@@ -3817,8 +8601,8 @@
         </p:nvSpPr>
         <p:spPr>
           <a:xfrm>
-            <a:off x="2750565" y="2091297"/>
-            <a:ext cx="833049" cy="584775"/>
+            <a:off x="1026522" y="1112870"/>
+            <a:ext cx="8654933" cy="3875163"/>
           </a:xfrm>
           <a:prstGeom prst="rect">
             <a:avLst/>
@@ -3831,7 +8615,39 @@
           </a:bodyPr>
           <a:lstStyle/>
           <a:p>
-            <a:pPr algn="ctr"/>
+            <a:pPr marL="457200" indent="-457200">
+              <a:lnSpc>
+                <a:spcPct val="200000"/>
+              </a:lnSpc>
+              <a:buFont typeface="Arial" panose="020B0604020202020204" pitchFamily="34" charset="0"/>
+              <a:buChar char="•"/>
+            </a:pPr>
+            <a:r>
+              <a:rPr lang="ko-KR" altLang="en-US" sz="3200" spc="-150" dirty="0">
+                <a:solidFill>
+                  <a:srgbClr val="8DBABD"/>
+                </a:solidFill>
+                <a:latin typeface="Malgun Gothic Semilight" panose="020B0503020000020004" pitchFamily="34" charset="-127"/>
+                <a:ea typeface="Malgun Gothic Semilight" panose="020B0503020000020004" pitchFamily="34" charset="-127"/>
+              </a:rPr>
+              <a:t>수업내용 최대로 활용할 수 있는 객체지향 언어</a:t>
+            </a:r>
+            <a:endParaRPr lang="en-US" altLang="ko-KR" sz="3200" spc="-150" dirty="0">
+              <a:solidFill>
+                <a:srgbClr val="8DBABD"/>
+              </a:solidFill>
+              <a:latin typeface="Malgun Gothic Semilight" panose="020B0503020000020004" pitchFamily="34" charset="-127"/>
+              <a:ea typeface="Malgun Gothic Semilight" panose="020B0503020000020004" pitchFamily="34" charset="-127"/>
+            </a:endParaRPr>
+          </a:p>
+          <a:p>
+            <a:pPr marL="3200400" lvl="6" indent="-457200">
+              <a:lnSpc>
+                <a:spcPct val="200000"/>
+              </a:lnSpc>
+              <a:buFont typeface="Arial" panose="020B0604020202020204" pitchFamily="34" charset="0"/>
+              <a:buChar char="•"/>
+            </a:pPr>
             <a:r>
               <a:rPr lang="en-US" altLang="ko-KR" sz="3200" spc="-150" dirty="0">
                 <a:solidFill>
@@ -3840,8 +8656,63 @@
                 <a:latin typeface="Malgun Gothic Semilight" panose="020B0503020000020004" pitchFamily="34" charset="-127"/>
                 <a:ea typeface="Malgun Gothic Semilight" panose="020B0503020000020004" pitchFamily="34" charset="-127"/>
               </a:rPr>
-              <a:t>Text</a:t>
-            </a:r>
+              <a:t>Multi-User </a:t>
+            </a:r>
+            <a:r>
+              <a:rPr lang="ko-KR" altLang="en-US" sz="3200" spc="-150" dirty="0">
+                <a:solidFill>
+                  <a:srgbClr val="8DBABD"/>
+                </a:solidFill>
+                <a:latin typeface="Malgun Gothic Semilight" panose="020B0503020000020004" pitchFamily="34" charset="-127"/>
+                <a:ea typeface="Malgun Gothic Semilight" panose="020B0503020000020004" pitchFamily="34" charset="-127"/>
+              </a:rPr>
+              <a:t>시스템 </a:t>
+            </a:r>
+            <a:r>
+              <a:rPr lang="en-US" altLang="ko-KR" sz="3200" spc="-150" dirty="0">
+                <a:solidFill>
+                  <a:srgbClr val="8DBABD"/>
+                </a:solidFill>
+                <a:latin typeface="Malgun Gothic Semilight" panose="020B0503020000020004" pitchFamily="34" charset="-127"/>
+                <a:ea typeface="Malgun Gothic Semilight" panose="020B0503020000020004" pitchFamily="34" charset="-127"/>
+              </a:rPr>
+              <a:t>requirement</a:t>
+            </a:r>
+          </a:p>
+          <a:p>
+            <a:pPr marL="457200" indent="-457200">
+              <a:lnSpc>
+                <a:spcPct val="200000"/>
+              </a:lnSpc>
+              <a:buFont typeface="Arial" panose="020B0604020202020204" pitchFamily="34" charset="0"/>
+              <a:buChar char="•"/>
+            </a:pPr>
+            <a:r>
+              <a:rPr lang="ko-KR" altLang="en-US" sz="3200" spc="-150" dirty="0">
+                <a:solidFill>
+                  <a:srgbClr val="8DBABD"/>
+                </a:solidFill>
+                <a:latin typeface="Malgun Gothic Semilight" panose="020B0503020000020004" pitchFamily="34" charset="-127"/>
+                <a:ea typeface="Malgun Gothic Semilight" panose="020B0503020000020004" pitchFamily="34" charset="-127"/>
+              </a:rPr>
+              <a:t>팀원들의 기존 경험과 능력</a:t>
+            </a:r>
+            <a:endParaRPr lang="en-US" altLang="ko-KR" sz="3200" spc="-150" dirty="0">
+              <a:solidFill>
+                <a:srgbClr val="8DBABD"/>
+              </a:solidFill>
+              <a:latin typeface="Malgun Gothic Semilight" panose="020B0503020000020004" pitchFamily="34" charset="-127"/>
+              <a:ea typeface="Malgun Gothic Semilight" panose="020B0503020000020004" pitchFamily="34" charset="-127"/>
+            </a:endParaRPr>
+          </a:p>
+          <a:p>
+            <a:pPr marL="457200" indent="-457200">
+              <a:lnSpc>
+                <a:spcPct val="200000"/>
+              </a:lnSpc>
+              <a:buFont typeface="Arial" panose="020B0604020202020204" pitchFamily="34" charset="0"/>
+              <a:buChar char="•"/>
+            </a:pPr>
             <a:endParaRPr lang="ko-KR" altLang="en-US" sz="3200" spc="-150" dirty="0">
               <a:solidFill>
                 <a:srgbClr val="8DBABD"/>
@@ -4069,8 +8940,8 @@
         </p:nvSpPr>
         <p:spPr>
           <a:xfrm>
-            <a:off x="1026522" y="437393"/>
-            <a:ext cx="2162773" cy="584775"/>
+            <a:off x="941564" y="437393"/>
+            <a:ext cx="2332690" cy="584775"/>
           </a:xfrm>
           <a:prstGeom prst="rect">
             <a:avLst/>
@@ -4085,16 +8956,52 @@
           <a:p>
             <a:pPr algn="ctr"/>
             <a:r>
-              <a:rPr lang="en-US" altLang="ko-KR" sz="3200" spc="-150" dirty="0">
+              <a:rPr lang="ko-KR" altLang="en-US" sz="3200" b="1" spc="-150" dirty="0">
                 <a:solidFill>
                   <a:srgbClr val="00002F"/>
                 </a:solidFill>
                 <a:latin typeface="Malgun Gothic Semilight" panose="020B0503020000020004" pitchFamily="34" charset="-127"/>
                 <a:ea typeface="Malgun Gothic Semilight" panose="020B0503020000020004" pitchFamily="34" charset="-127"/>
               </a:rPr>
-              <a:t>CONTENTS</a:t>
-            </a:r>
-            <a:endParaRPr lang="ko-KR" altLang="en-US" sz="3200" spc="-150" dirty="0">
+              <a:t>주제 및 현황</a:t>
+            </a:r>
+          </a:p>
+        </p:txBody>
+      </p:sp>
+      <p:sp>
+        <p:nvSpPr>
+          <p:cNvPr id="20" name="TextBox 19"/>
+          <p:cNvSpPr txBox="1"/>
+          <p:nvPr/>
+        </p:nvSpPr>
+        <p:spPr>
+          <a:xfrm>
+            <a:off x="495607" y="498947"/>
+            <a:ext cx="534121" cy="461665"/>
+          </a:xfrm>
+          <a:prstGeom prst="rect">
+            <a:avLst/>
+          </a:prstGeom>
+          <a:noFill/>
+        </p:spPr>
+        <p:txBody>
+          <a:bodyPr wrap="none" rtlCol="0">
+            <a:spAutoFit/>
+          </a:bodyPr>
+          <a:lstStyle/>
+          <a:p>
+            <a:pPr algn="ctr"/>
+            <a:r>
+              <a:rPr lang="en-US" altLang="ko-KR" sz="2400" spc="-150">
+                <a:solidFill>
+                  <a:srgbClr val="00002F"/>
+                </a:solidFill>
+                <a:latin typeface="Malgun Gothic Semilight" panose="020B0503020000020004" pitchFamily="34" charset="-127"/>
+                <a:ea typeface="Malgun Gothic Semilight" panose="020B0503020000020004" pitchFamily="34" charset="-127"/>
+              </a:rPr>
+              <a:t>02.</a:t>
+            </a:r>
+            <a:endParaRPr lang="ko-KR" altLang="en-US" sz="2400" spc="-150">
               <a:solidFill>
                 <a:srgbClr val="00002F"/>
               </a:solidFill>
@@ -4104,16 +9011,181 @@
           </a:p>
         </p:txBody>
       </p:sp>
+      <p:pic>
+        <p:nvPicPr>
+          <p:cNvPr id="4" name="Picture 3">
+            <a:extLst>
+              <a:ext uri="{FF2B5EF4-FFF2-40B4-BE49-F238E27FC236}">
+                <a16:creationId xmlns:a16="http://schemas.microsoft.com/office/drawing/2014/main" id="{5F95DDF4-96BC-43F2-8C4F-ACBCAC38ED01}"/>
+              </a:ext>
+            </a:extLst>
+          </p:cNvPr>
+          <p:cNvPicPr>
+            <a:picLocks noChangeAspect="1"/>
+          </p:cNvPicPr>
+          <p:nvPr/>
+        </p:nvPicPr>
+        <p:blipFill>
+          <a:blip r:embed="rId2" cstate="print">
+            <a:extLst>
+              <a:ext uri="{BEBA8EAE-BF5A-486C-A8C5-ECC9F3942E4B}">
+                <a14:imgProps xmlns:a14="http://schemas.microsoft.com/office/drawing/2010/main">
+                  <a14:imgLayer r:embed="rId3">
+                    <a14:imgEffect>
+                      <a14:backgroundRemoval t="6970" b="90000" l="10000" r="90000">
+                        <a14:foregroundMark x1="54111" y1="9848" x2="51222" y2="6970"/>
+                        <a14:foregroundMark x1="46333" y1="89394" x2="53000" y2="90000"/>
+                      </a14:backgroundRemoval>
+                    </a14:imgEffect>
+                  </a14:imgLayer>
+                </a14:imgProps>
+              </a:ext>
+              <a:ext uri="{28A0092B-C50C-407E-A947-70E740481C1C}">
+                <a14:useLocalDpi xmlns:a14="http://schemas.microsoft.com/office/drawing/2010/main" val="0"/>
+              </a:ext>
+            </a:extLst>
+          </a:blip>
+          <a:stretch>
+            <a:fillRect/>
+          </a:stretch>
+        </p:blipFill>
+        <p:spPr>
+          <a:xfrm>
+            <a:off x="9716455" y="961841"/>
+            <a:ext cx="1502004" cy="1101470"/>
+          </a:xfrm>
+          <a:prstGeom prst="rect">
+            <a:avLst/>
+          </a:prstGeom>
+        </p:spPr>
+      </p:pic>
+      <p:cxnSp>
+        <p:nvCxnSpPr>
+          <p:cNvPr id="9" name="Straight Connector 8">
+            <a:extLst>
+              <a:ext uri="{FF2B5EF4-FFF2-40B4-BE49-F238E27FC236}">
+                <a16:creationId xmlns:a16="http://schemas.microsoft.com/office/drawing/2014/main" id="{98ADBEC0-7D34-4D97-BB10-5AC2F877B101}"/>
+              </a:ext>
+            </a:extLst>
+          </p:cNvPr>
+          <p:cNvCxnSpPr>
+            <a:cxnSpLocks/>
+          </p:cNvCxnSpPr>
+          <p:nvPr/>
+        </p:nvCxnSpPr>
+        <p:spPr>
+          <a:xfrm flipV="1">
+            <a:off x="9931983" y="1101077"/>
+            <a:ext cx="1117600" cy="873793"/>
+          </a:xfrm>
+          <a:prstGeom prst="line">
+            <a:avLst/>
+          </a:prstGeom>
+          <a:ln w="76200">
+            <a:solidFill>
+              <a:srgbClr val="FF0000"/>
+            </a:solidFill>
+          </a:ln>
+        </p:spPr>
+        <p:style>
+          <a:lnRef idx="1">
+            <a:schemeClr val="accent2"/>
+          </a:lnRef>
+          <a:fillRef idx="0">
+            <a:schemeClr val="accent2"/>
+          </a:fillRef>
+          <a:effectRef idx="0">
+            <a:schemeClr val="accent2"/>
+          </a:effectRef>
+          <a:fontRef idx="minor">
+            <a:schemeClr val="tx1"/>
+          </a:fontRef>
+        </p:style>
+      </p:cxnSp>
+      <p:pic>
+        <p:nvPicPr>
+          <p:cNvPr id="27" name="Picture 26">
+            <a:extLst>
+              <a:ext uri="{FF2B5EF4-FFF2-40B4-BE49-F238E27FC236}">
+                <a16:creationId xmlns:a16="http://schemas.microsoft.com/office/drawing/2014/main" id="{2B09242F-C828-47C8-A22C-7BB954570553}"/>
+              </a:ext>
+            </a:extLst>
+          </p:cNvPr>
+          <p:cNvPicPr>
+            <a:picLocks noChangeAspect="1"/>
+          </p:cNvPicPr>
+          <p:nvPr/>
+        </p:nvPicPr>
+        <p:blipFill>
+          <a:blip r:embed="rId4" cstate="print">
+            <a:extLst>
+              <a:ext uri="{BEBA8EAE-BF5A-486C-A8C5-ECC9F3942E4B}">
+                <a14:imgProps xmlns:a14="http://schemas.microsoft.com/office/drawing/2010/main">
+                  <a14:imgLayer r:embed="rId5">
+                    <a14:imgEffect>
+                      <a14:backgroundRemoval t="10000" b="90000" l="10000" r="90000">
+                        <a14:foregroundMark x1="20889" y1="63556" x2="19778" y2="51444"/>
+                        <a14:foregroundMark x1="19778" y1="51444" x2="25667" y2="47556"/>
+                        <a14:foregroundMark x1="25667" y1="47556" x2="29778" y2="54444"/>
+                        <a14:foregroundMark x1="29778" y1="54444" x2="25000" y2="62889"/>
+                        <a14:foregroundMark x1="25000" y1="62889" x2="24000" y2="53111"/>
+                        <a14:foregroundMark x1="24000" y1="53111" x2="27333" y2="46667"/>
+                        <a14:foregroundMark x1="27333" y1="46667" x2="31667" y2="52222"/>
+                        <a14:foregroundMark x1="31667" y1="52222" x2="25222" y2="59778"/>
+                        <a14:foregroundMark x1="25222" y1="59778" x2="25444" y2="50000"/>
+                        <a14:foregroundMark x1="25444" y1="50000" x2="33222" y2="47889"/>
+                        <a14:foregroundMark x1="33222" y1="47889" x2="32000" y2="51000"/>
+                        <a14:foregroundMark x1="26778" y1="34889" x2="25889" y2="26000"/>
+                        <a14:foregroundMark x1="25889" y1="26000" x2="33778" y2="32667"/>
+                        <a14:foregroundMark x1="33778" y1="32667" x2="27444" y2="29778"/>
+                        <a14:foregroundMark x1="27444" y1="29778" x2="34889" y2="27556"/>
+                        <a14:foregroundMark x1="34889" y1="27556" x2="34667" y2="34000"/>
+                        <a14:foregroundMark x1="49667" y1="44667" x2="50889" y2="46222"/>
+                        <a14:foregroundMark x1="67889" y1="35556" x2="66778" y2="28667"/>
+                        <a14:foregroundMark x1="66778" y1="28667" x2="71556" y2="32556"/>
+                        <a14:foregroundMark x1="73556" y1="58444" x2="69556" y2="51333"/>
+                        <a14:foregroundMark x1="69556" y1="51333" x2="76889" y2="50778"/>
+                        <a14:foregroundMark x1="76889" y1="50778" x2="77111" y2="54778"/>
+                      </a14:backgroundRemoval>
+                    </a14:imgEffect>
+                  </a14:imgLayer>
+                </a14:imgProps>
+              </a:ext>
+              <a:ext uri="{28A0092B-C50C-407E-A947-70E740481C1C}">
+                <a14:useLocalDpi xmlns:a14="http://schemas.microsoft.com/office/drawing/2010/main" val="0"/>
+              </a:ext>
+            </a:extLst>
+          </a:blip>
+          <a:stretch>
+            <a:fillRect/>
+          </a:stretch>
+        </p:blipFill>
+        <p:spPr>
+          <a:xfrm>
+            <a:off x="1682553" y="1883359"/>
+            <a:ext cx="1765775" cy="1765775"/>
+          </a:xfrm>
+          <a:prstGeom prst="rect">
+            <a:avLst/>
+          </a:prstGeom>
+        </p:spPr>
+      </p:pic>
       <p:sp>
         <p:nvSpPr>
-          <p:cNvPr id="20" name="TextBox 19"/>
+          <p:cNvPr id="29" name="TextBox 28">
+            <a:extLst>
+              <a:ext uri="{FF2B5EF4-FFF2-40B4-BE49-F238E27FC236}">
+                <a16:creationId xmlns:a16="http://schemas.microsoft.com/office/drawing/2014/main" id="{DDEA9941-7806-4C20-BE77-BBF800172A44}"/>
+              </a:ext>
+            </a:extLst>
+          </p:cNvPr>
           <p:cNvSpPr txBox="1"/>
           <p:nvPr/>
         </p:nvSpPr>
         <p:spPr>
           <a:xfrm>
-            <a:off x="495607" y="498947"/>
-            <a:ext cx="534121" cy="461665"/>
+            <a:off x="1093508" y="4463204"/>
+            <a:ext cx="9087439" cy="1127553"/>
           </a:xfrm>
           <a:prstGeom prst="rect">
             <a:avLst/>
@@ -4121,72 +9193,46 @@
           <a:noFill/>
         </p:spPr>
         <p:txBody>
-          <a:bodyPr wrap="none" rtlCol="0">
+          <a:bodyPr wrap="square" rtlCol="0">
             <a:spAutoFit/>
           </a:bodyPr>
           <a:lstStyle/>
           <a:p>
-            <a:pPr algn="ctr"/>
-            <a:r>
-              <a:rPr lang="en-US" altLang="ko-KR" sz="2400" spc="-150" dirty="0">
+            <a:pPr algn="ctr">
+              <a:lnSpc>
+                <a:spcPct val="200000"/>
+              </a:lnSpc>
+            </a:pPr>
+            <a:r>
+              <a:rPr lang="en-US" sz="4000" b="1" spc="-150" dirty="0">
                 <a:solidFill>
-                  <a:srgbClr val="00002F"/>
+                  <a:srgbClr val="8DBABD"/>
                 </a:solidFill>
                 <a:latin typeface="Malgun Gothic Semilight" panose="020B0503020000020004" pitchFamily="34" charset="-127"/>
                 <a:ea typeface="Malgun Gothic Semilight" panose="020B0503020000020004" pitchFamily="34" charset="-127"/>
               </a:rPr>
-              <a:t>02.</a:t>
-            </a:r>
-            <a:endParaRPr lang="ko-KR" altLang="en-US" sz="2400" spc="-150" dirty="0">
-              <a:solidFill>
-                <a:srgbClr val="00002F"/>
-              </a:solidFill>
-              <a:latin typeface="Malgun Gothic Semilight" panose="020B0503020000020004" pitchFamily="34" charset="-127"/>
-              <a:ea typeface="Malgun Gothic Semilight" panose="020B0503020000020004" pitchFamily="34" charset="-127"/>
-            </a:endParaRPr>
-          </a:p>
-        </p:txBody>
-      </p:sp>
-      <p:sp>
-        <p:nvSpPr>
-          <p:cNvPr id="21" name="TextBox 20"/>
-          <p:cNvSpPr txBox="1"/>
-          <p:nvPr/>
-        </p:nvSpPr>
-        <p:spPr>
-          <a:xfrm>
-            <a:off x="1101029" y="1006929"/>
-            <a:ext cx="516423" cy="369332"/>
-          </a:xfrm>
-          <a:prstGeom prst="rect">
-            <a:avLst/>
-          </a:prstGeom>
-          <a:noFill/>
-        </p:spPr>
-        <p:txBody>
-          <a:bodyPr wrap="none" rtlCol="0">
-            <a:spAutoFit/>
-          </a:bodyPr>
-          <a:lstStyle/>
-          <a:p>
-            <a:pPr algn="ctr"/>
-            <a:r>
-              <a:rPr lang="en-US" altLang="ko-KR" spc="-150" dirty="0">
+              <a:t>Java</a:t>
+            </a:r>
+            <a:r>
+              <a:rPr lang="ko-KR" altLang="en-US" sz="4000" b="1" spc="-150" dirty="0">
                 <a:solidFill>
-                  <a:srgbClr val="00002F"/>
+                  <a:srgbClr val="8DBABD"/>
                 </a:solidFill>
                 <a:latin typeface="Malgun Gothic Semilight" panose="020B0503020000020004" pitchFamily="34" charset="-127"/>
                 <a:ea typeface="Malgun Gothic Semilight" panose="020B0503020000020004" pitchFamily="34" charset="-127"/>
               </a:rPr>
-              <a:t>Text</a:t>
-            </a:r>
-            <a:endParaRPr lang="ko-KR" altLang="en-US" spc="-150" dirty="0">
-              <a:solidFill>
-                <a:srgbClr val="00002F"/>
-              </a:solidFill>
-              <a:latin typeface="Malgun Gothic Semilight" panose="020B0503020000020004" pitchFamily="34" charset="-127"/>
-              <a:ea typeface="Malgun Gothic Semilight" panose="020B0503020000020004" pitchFamily="34" charset="-127"/>
-            </a:endParaRPr>
+              <a:t> 바탕의 새로운</a:t>
+            </a:r>
+            <a:r>
+              <a:rPr lang="en-US" sz="4000" b="1" spc="-150" dirty="0">
+                <a:solidFill>
+                  <a:srgbClr val="8DBABD"/>
+                </a:solidFill>
+                <a:latin typeface="Malgun Gothic Semilight" panose="020B0503020000020004" pitchFamily="34" charset="-127"/>
+                <a:ea typeface="Malgun Gothic Semilight" panose="020B0503020000020004" pitchFamily="34" charset="-127"/>
+              </a:rPr>
+              <a:t> Management System</a:t>
+            </a:r>
           </a:p>
         </p:txBody>
       </p:sp>
@@ -4220,16 +9266,225 @@
           <a:chExt cx="0" cy="0"/>
         </a:xfrm>
       </p:grpSpPr>
+      <p:cxnSp>
+        <p:nvCxnSpPr>
+          <p:cNvPr id="14" name="직선 연결선 13"/>
+          <p:cNvCxnSpPr/>
+          <p:nvPr/>
+        </p:nvCxnSpPr>
+        <p:spPr>
+          <a:xfrm>
+            <a:off x="10430892" y="144941"/>
+            <a:ext cx="360000" cy="0"/>
+          </a:xfrm>
+          <a:prstGeom prst="line">
+            <a:avLst/>
+          </a:prstGeom>
+          <a:ln w="44450" cap="rnd">
+            <a:solidFill>
+              <a:srgbClr val="D0CECE"/>
+            </a:solidFill>
+          </a:ln>
+          <a:effectLst>
+            <a:outerShdw blurRad="50800" dist="38100" dir="5400000" algn="t" rotWithShape="0">
+              <a:prstClr val="black">
+                <a:alpha val="40000"/>
+              </a:prstClr>
+            </a:outerShdw>
+          </a:effectLst>
+        </p:spPr>
+        <p:style>
+          <a:lnRef idx="1">
+            <a:schemeClr val="accent1"/>
+          </a:lnRef>
+          <a:fillRef idx="0">
+            <a:schemeClr val="accent1"/>
+          </a:fillRef>
+          <a:effectRef idx="0">
+            <a:schemeClr val="accent1"/>
+          </a:effectRef>
+          <a:fontRef idx="minor">
+            <a:schemeClr val="tx1"/>
+          </a:fontRef>
+        </p:style>
+      </p:cxnSp>
+      <p:cxnSp>
+        <p:nvCxnSpPr>
+          <p:cNvPr id="15" name="직선 연결선 14"/>
+          <p:cNvCxnSpPr/>
+          <p:nvPr/>
+        </p:nvCxnSpPr>
+        <p:spPr>
+          <a:xfrm>
+            <a:off x="10858459" y="144941"/>
+            <a:ext cx="360000" cy="0"/>
+          </a:xfrm>
+          <a:prstGeom prst="line">
+            <a:avLst/>
+          </a:prstGeom>
+          <a:ln w="44450" cap="rnd">
+            <a:solidFill>
+              <a:srgbClr val="8DBABD"/>
+            </a:solidFill>
+          </a:ln>
+          <a:effectLst>
+            <a:outerShdw blurRad="50800" dist="38100" dir="5400000" algn="t" rotWithShape="0">
+              <a:prstClr val="black">
+                <a:alpha val="40000"/>
+              </a:prstClr>
+            </a:outerShdw>
+          </a:effectLst>
+        </p:spPr>
+        <p:style>
+          <a:lnRef idx="1">
+            <a:schemeClr val="accent1"/>
+          </a:lnRef>
+          <a:fillRef idx="0">
+            <a:schemeClr val="accent1"/>
+          </a:fillRef>
+          <a:effectRef idx="0">
+            <a:schemeClr val="accent1"/>
+          </a:effectRef>
+          <a:fontRef idx="minor">
+            <a:schemeClr val="tx1"/>
+          </a:fontRef>
+        </p:style>
+      </p:cxnSp>
+      <p:cxnSp>
+        <p:nvCxnSpPr>
+          <p:cNvPr id="16" name="직선 연결선 15"/>
+          <p:cNvCxnSpPr/>
+          <p:nvPr/>
+        </p:nvCxnSpPr>
+        <p:spPr>
+          <a:xfrm>
+            <a:off x="11286026" y="144941"/>
+            <a:ext cx="360000" cy="0"/>
+          </a:xfrm>
+          <a:prstGeom prst="line">
+            <a:avLst/>
+          </a:prstGeom>
+          <a:ln w="44450" cap="rnd">
+            <a:solidFill>
+              <a:schemeClr val="bg2">
+                <a:lumMod val="90000"/>
+              </a:schemeClr>
+            </a:solidFill>
+          </a:ln>
+          <a:effectLst>
+            <a:outerShdw blurRad="50800" dist="38100" dir="5400000" algn="t" rotWithShape="0">
+              <a:prstClr val="black">
+                <a:alpha val="40000"/>
+              </a:prstClr>
+            </a:outerShdw>
+          </a:effectLst>
+        </p:spPr>
+        <p:style>
+          <a:lnRef idx="1">
+            <a:schemeClr val="accent1"/>
+          </a:lnRef>
+          <a:fillRef idx="0">
+            <a:schemeClr val="accent1"/>
+          </a:fillRef>
+          <a:effectRef idx="0">
+            <a:schemeClr val="accent1"/>
+          </a:effectRef>
+          <a:fontRef idx="minor">
+            <a:schemeClr val="tx1"/>
+          </a:fontRef>
+        </p:style>
+      </p:cxnSp>
+      <p:cxnSp>
+        <p:nvCxnSpPr>
+          <p:cNvPr id="17" name="직선 연결선 16"/>
+          <p:cNvCxnSpPr/>
+          <p:nvPr/>
+        </p:nvCxnSpPr>
+        <p:spPr>
+          <a:xfrm>
+            <a:off x="11713592" y="144941"/>
+            <a:ext cx="360000" cy="0"/>
+          </a:xfrm>
+          <a:prstGeom prst="line">
+            <a:avLst/>
+          </a:prstGeom>
+          <a:ln w="44450" cap="rnd">
+            <a:solidFill>
+              <a:schemeClr val="bg2">
+                <a:lumMod val="90000"/>
+              </a:schemeClr>
+            </a:solidFill>
+          </a:ln>
+          <a:effectLst>
+            <a:outerShdw blurRad="50800" dist="38100" dir="5400000" algn="t" rotWithShape="0">
+              <a:prstClr val="black">
+                <a:alpha val="40000"/>
+              </a:prstClr>
+            </a:outerShdw>
+          </a:effectLst>
+        </p:spPr>
+        <p:style>
+          <a:lnRef idx="1">
+            <a:schemeClr val="accent1"/>
+          </a:lnRef>
+          <a:fillRef idx="0">
+            <a:schemeClr val="accent1"/>
+          </a:fillRef>
+          <a:effectRef idx="0">
+            <a:schemeClr val="accent1"/>
+          </a:effectRef>
+          <a:fontRef idx="minor">
+            <a:schemeClr val="tx1"/>
+          </a:fontRef>
+        </p:style>
+      </p:cxnSp>
+      <p:cxnSp>
+        <p:nvCxnSpPr>
+          <p:cNvPr id="18" name="직선 연결선 17"/>
+          <p:cNvCxnSpPr/>
+          <p:nvPr/>
+        </p:nvCxnSpPr>
+        <p:spPr>
+          <a:xfrm>
+            <a:off x="1026522" y="989148"/>
+            <a:ext cx="2160000" cy="0"/>
+          </a:xfrm>
+          <a:prstGeom prst="line">
+            <a:avLst/>
+          </a:prstGeom>
+          <a:ln>
+            <a:solidFill>
+              <a:schemeClr val="bg1">
+                <a:lumMod val="50000"/>
+              </a:schemeClr>
+            </a:solidFill>
+          </a:ln>
+        </p:spPr>
+        <p:style>
+          <a:lnRef idx="1">
+            <a:schemeClr val="accent1"/>
+          </a:lnRef>
+          <a:fillRef idx="0">
+            <a:schemeClr val="accent1"/>
+          </a:fillRef>
+          <a:effectRef idx="0">
+            <a:schemeClr val="accent1"/>
+          </a:effectRef>
+          <a:fontRef idx="minor">
+            <a:schemeClr val="tx1"/>
+          </a:fontRef>
+        </p:style>
+      </p:cxnSp>
       <p:sp>
         <p:nvSpPr>
-          <p:cNvPr id="2" name="TextBox 1"/>
+          <p:cNvPr id="19" name="TextBox 18"/>
           <p:cNvSpPr txBox="1"/>
           <p:nvPr/>
         </p:nvSpPr>
         <p:spPr>
           <a:xfrm>
-            <a:off x="4000500" y="2472873"/>
-            <a:ext cx="764953" cy="769441"/>
+            <a:off x="941564" y="437393"/>
+            <a:ext cx="2332690" cy="584775"/>
           </a:xfrm>
           <a:prstGeom prst="rect">
             <a:avLst/>
@@ -4242,87 +9497,224 @@
           </a:bodyPr>
           <a:lstStyle/>
           <a:p>
-            <a:r>
-              <a:rPr lang="en-US" altLang="ko-KR" sz="4400" spc="-300" dirty="0">
+            <a:pPr algn="ctr"/>
+            <a:r>
+              <a:rPr lang="ko-KR" altLang="en-US" sz="3200" b="1" spc="-150" dirty="0">
                 <a:solidFill>
                   <a:srgbClr val="00002F"/>
                 </a:solidFill>
-                <a:latin typeface="HY중고딕" panose="02030600000101010101" pitchFamily="18" charset="-127"/>
-                <a:ea typeface="HY중고딕" panose="02030600000101010101" pitchFamily="18" charset="-127"/>
-              </a:rPr>
-              <a:t>03</a:t>
-            </a:r>
-            <a:endParaRPr lang="ko-KR" altLang="en-US" sz="4400" spc="-300" dirty="0">
+                <a:latin typeface="Malgun Gothic Semilight" panose="020B0503020000020004" pitchFamily="34" charset="-127"/>
+                <a:ea typeface="Malgun Gothic Semilight" panose="020B0503020000020004" pitchFamily="34" charset="-127"/>
+              </a:rPr>
+              <a:t>주제 및 현황</a:t>
+            </a:r>
+          </a:p>
+        </p:txBody>
+      </p:sp>
+      <p:sp>
+        <p:nvSpPr>
+          <p:cNvPr id="20" name="TextBox 19"/>
+          <p:cNvSpPr txBox="1"/>
+          <p:nvPr/>
+        </p:nvSpPr>
+        <p:spPr>
+          <a:xfrm>
+            <a:off x="495607" y="498947"/>
+            <a:ext cx="534121" cy="461665"/>
+          </a:xfrm>
+          <a:prstGeom prst="rect">
+            <a:avLst/>
+          </a:prstGeom>
+          <a:noFill/>
+        </p:spPr>
+        <p:txBody>
+          <a:bodyPr wrap="none" rtlCol="0">
+            <a:spAutoFit/>
+          </a:bodyPr>
+          <a:lstStyle/>
+          <a:p>
+            <a:pPr algn="ctr"/>
+            <a:r>
+              <a:rPr lang="en-US" altLang="ko-KR" sz="2400" spc="-150">
+                <a:solidFill>
+                  <a:srgbClr val="00002F"/>
+                </a:solidFill>
+                <a:latin typeface="Malgun Gothic Semilight" panose="020B0503020000020004" pitchFamily="34" charset="-127"/>
+                <a:ea typeface="Malgun Gothic Semilight" panose="020B0503020000020004" pitchFamily="34" charset="-127"/>
+              </a:rPr>
+              <a:t>02.</a:t>
+            </a:r>
+            <a:endParaRPr lang="ko-KR" altLang="en-US" sz="2400" spc="-150">
               <a:solidFill>
                 <a:srgbClr val="00002F"/>
               </a:solidFill>
-              <a:latin typeface="HY중고딕" panose="02030600000101010101" pitchFamily="18" charset="-127"/>
-              <a:ea typeface="HY중고딕" panose="02030600000101010101" pitchFamily="18" charset="-127"/>
+              <a:latin typeface="Malgun Gothic Semilight" panose="020B0503020000020004" pitchFamily="34" charset="-127"/>
+              <a:ea typeface="Malgun Gothic Semilight" panose="020B0503020000020004" pitchFamily="34" charset="-127"/>
             </a:endParaRPr>
           </a:p>
         </p:txBody>
       </p:sp>
       <p:sp>
         <p:nvSpPr>
-          <p:cNvPr id="3" name="직사각형 2"/>
-          <p:cNvSpPr/>
+          <p:cNvPr id="29" name="TextBox 28">
+            <a:extLst>
+              <a:ext uri="{FF2B5EF4-FFF2-40B4-BE49-F238E27FC236}">
+                <a16:creationId xmlns:a16="http://schemas.microsoft.com/office/drawing/2014/main" id="{DDEA9941-7806-4C20-BE77-BBF800172A44}"/>
+              </a:ext>
+            </a:extLst>
+          </p:cNvPr>
+          <p:cNvSpPr txBox="1"/>
           <p:nvPr/>
         </p:nvSpPr>
         <p:spPr>
           <a:xfrm>
-            <a:off x="4000499" y="3169741"/>
-            <a:ext cx="4200071" cy="473345"/>
+            <a:off x="1343453" y="780828"/>
+            <a:ext cx="9087439" cy="1127553"/>
           </a:xfrm>
           <a:prstGeom prst="rect">
             <a:avLst/>
           </a:prstGeom>
-          <a:solidFill>
-            <a:srgbClr val="8DBABD"/>
-          </a:solidFill>
-          <a:ln>
-            <a:solidFill>
-              <a:srgbClr val="8DBABD"/>
-            </a:solidFill>
-          </a:ln>
-        </p:spPr>
-        <p:style>
-          <a:lnRef idx="2">
-            <a:schemeClr val="accent1">
-              <a:shade val="50000"/>
-            </a:schemeClr>
-          </a:lnRef>
-          <a:fillRef idx="1">
-            <a:schemeClr val="accent1"/>
-          </a:fillRef>
-          <a:effectRef idx="0">
-            <a:schemeClr val="accent1"/>
-          </a:effectRef>
-          <a:fontRef idx="minor">
-            <a:schemeClr val="lt1"/>
-          </a:fontRef>
-        </p:style>
+          <a:noFill/>
+        </p:spPr>
         <p:txBody>
-          <a:bodyPr rtlCol="0" anchor="ctr"/>
+          <a:bodyPr wrap="square" rtlCol="0">
+            <a:spAutoFit/>
+          </a:bodyPr>
           <a:lstStyle/>
           <a:p>
-            <a:pPr algn="ctr"/>
-            <a:r>
-              <a:rPr lang="ko-KR" altLang="en-US" dirty="0">
-                <a:latin typeface="HY중고딕" panose="02030600000101010101" pitchFamily="18" charset="-127"/>
-                <a:ea typeface="HY중고딕" panose="02030600000101010101" pitchFamily="18" charset="-127"/>
-              </a:rPr>
-              <a:t>내용을 입력하세요</a:t>
-            </a:r>
-            <a:r>
-              <a:rPr lang="en-US" altLang="ko-KR" dirty="0">
-                <a:latin typeface="HY중고딕" panose="02030600000101010101" pitchFamily="18" charset="-127"/>
-                <a:ea typeface="HY중고딕" panose="02030600000101010101" pitchFamily="18" charset="-127"/>
-              </a:rPr>
-              <a:t>.</a:t>
-            </a:r>
-            <a:endParaRPr lang="ko-KR" altLang="en-US" dirty="0">
-              <a:latin typeface="HY중고딕" panose="02030600000101010101" pitchFamily="18" charset="-127"/>
-              <a:ea typeface="HY중고딕" panose="02030600000101010101" pitchFamily="18" charset="-127"/>
+            <a:pPr algn="ctr">
+              <a:lnSpc>
+                <a:spcPct val="200000"/>
+              </a:lnSpc>
+            </a:pPr>
+            <a:r>
+              <a:rPr lang="ko-KR" altLang="en-US" sz="4000" b="1" spc="-150" dirty="0">
+                <a:solidFill>
+                  <a:srgbClr val="8DBABD"/>
+                </a:solidFill>
+                <a:latin typeface="Malgun Gothic Semilight" panose="020B0503020000020004" pitchFamily="34" charset="-127"/>
+                <a:ea typeface="Malgun Gothic Semilight" panose="020B0503020000020004" pitchFamily="34" charset="-127"/>
+              </a:rPr>
+              <a:t>버스 예약 </a:t>
+            </a:r>
+            <a:r>
+              <a:rPr lang="en-US" sz="4000" b="1" spc="-150" dirty="0">
+                <a:solidFill>
+                  <a:srgbClr val="8DBABD"/>
+                </a:solidFill>
+                <a:latin typeface="Malgun Gothic Semilight" panose="020B0503020000020004" pitchFamily="34" charset="-127"/>
+                <a:ea typeface="Malgun Gothic Semilight" panose="020B0503020000020004" pitchFamily="34" charset="-127"/>
+              </a:rPr>
+              <a:t>Management System</a:t>
+            </a:r>
+          </a:p>
+        </p:txBody>
+      </p:sp>
+      <p:pic>
+        <p:nvPicPr>
+          <p:cNvPr id="3" name="Picture 2">
+            <a:extLst>
+              <a:ext uri="{FF2B5EF4-FFF2-40B4-BE49-F238E27FC236}">
+                <a16:creationId xmlns:a16="http://schemas.microsoft.com/office/drawing/2014/main" id="{9ABDD542-CEE0-4C33-84C7-65E1AAFC7889}"/>
+              </a:ext>
+            </a:extLst>
+          </p:cNvPr>
+          <p:cNvPicPr>
+            <a:picLocks noChangeAspect="1"/>
+          </p:cNvPicPr>
+          <p:nvPr/>
+        </p:nvPicPr>
+        <p:blipFill>
+          <a:blip r:embed="rId2">
+            <a:extLst>
+              <a:ext uri="{28A0092B-C50C-407E-A947-70E740481C1C}">
+                <a14:useLocalDpi xmlns:a14="http://schemas.microsoft.com/office/drawing/2010/main" val="0"/>
+              </a:ext>
+            </a:extLst>
+          </a:blip>
+          <a:stretch>
+            <a:fillRect/>
+          </a:stretch>
+        </p:blipFill>
+        <p:spPr>
+          <a:xfrm>
+            <a:off x="5404396" y="2485436"/>
+            <a:ext cx="4199068" cy="3728144"/>
+          </a:xfrm>
+          <a:prstGeom prst="rect">
+            <a:avLst/>
+          </a:prstGeom>
+        </p:spPr>
+      </p:pic>
+      <p:sp>
+        <p:nvSpPr>
+          <p:cNvPr id="5" name="TextBox 4">
+            <a:extLst>
+              <a:ext uri="{FF2B5EF4-FFF2-40B4-BE49-F238E27FC236}">
+                <a16:creationId xmlns:a16="http://schemas.microsoft.com/office/drawing/2014/main" id="{16EB04E1-68E1-4023-886F-5D17CB7BA64E}"/>
+              </a:ext>
+            </a:extLst>
+          </p:cNvPr>
+          <p:cNvSpPr txBox="1"/>
+          <p:nvPr/>
+        </p:nvSpPr>
+        <p:spPr>
+          <a:xfrm>
+            <a:off x="1264913" y="3429000"/>
+            <a:ext cx="4139483" cy="920508"/>
+          </a:xfrm>
+          <a:prstGeom prst="rect">
+            <a:avLst/>
+          </a:prstGeom>
+          <a:noFill/>
+        </p:spPr>
+        <p:txBody>
+          <a:bodyPr wrap="square" rtlCol="0">
+            <a:spAutoFit/>
+          </a:bodyPr>
+          <a:lstStyle/>
+          <a:p>
+            <a:pPr algn="l">
+              <a:lnSpc>
+                <a:spcPct val="200000"/>
+              </a:lnSpc>
+            </a:pPr>
+            <a:r>
+              <a:rPr lang="ko-KR" altLang="en-US" sz="3200" spc="-150">
+                <a:solidFill>
+                  <a:srgbClr val="8DBABD"/>
+                </a:solidFill>
+                <a:latin typeface="Malgun Gothic Semilight" panose="020B0503020000020004" pitchFamily="34" charset="-127"/>
+                <a:ea typeface="Malgun Gothic Semilight" panose="020B0503020000020004" pitchFamily="34" charset="-127"/>
+              </a:rPr>
+              <a:t>영감</a:t>
+            </a:r>
+            <a:r>
+              <a:rPr lang="en-US" altLang="ko-KR" sz="3200" spc="-150" dirty="0">
+                <a:solidFill>
+                  <a:srgbClr val="8DBABD"/>
+                </a:solidFill>
+                <a:latin typeface="Malgun Gothic Semilight" panose="020B0503020000020004" pitchFamily="34" charset="-127"/>
+                <a:ea typeface="Malgun Gothic Semilight" panose="020B0503020000020004" pitchFamily="34" charset="-127"/>
+              </a:rPr>
+              <a:t>: </a:t>
+            </a:r>
+            <a:r>
+              <a:rPr lang="ko-KR" altLang="en-US" sz="3200" spc="-150" dirty="0">
+                <a:solidFill>
+                  <a:srgbClr val="8DBABD"/>
+                </a:solidFill>
+                <a:latin typeface="Malgun Gothic Semilight" panose="020B0503020000020004" pitchFamily="34" charset="-127"/>
+                <a:ea typeface="Malgun Gothic Semilight" panose="020B0503020000020004" pitchFamily="34" charset="-127"/>
+              </a:rPr>
+              <a:t>고속버스 앱</a:t>
+            </a:r>
+            <a:endParaRPr lang="en-US" sz="3200" spc="-150" dirty="0">
+              <a:solidFill>
+                <a:srgbClr val="8DBABD"/>
+              </a:solidFill>
+              <a:latin typeface="Malgun Gothic Semilight" panose="020B0503020000020004" pitchFamily="34" charset="-127"/>
+              <a:ea typeface="Malgun Gothic Semilight" panose="020B0503020000020004" pitchFamily="34" charset="-127"/>
             </a:endParaRPr>
           </a:p>
         </p:txBody>
@@ -4330,7 +9722,7 @@
     </p:spTree>
     <p:extLst>
       <p:ext uri="{BB962C8B-B14F-4D97-AF65-F5344CB8AC3E}">
-        <p14:creationId xmlns:p14="http://schemas.microsoft.com/office/powerpoint/2010/main" val="244040977"/>
+        <p14:creationId xmlns:p14="http://schemas.microsoft.com/office/powerpoint/2010/main" val="277834986"/>
       </p:ext>
     </p:extLst>
   </p:cSld>
@@ -4359,14 +9751,14 @@
       </p:grpSpPr>
       <p:sp>
         <p:nvSpPr>
-          <p:cNvPr id="11" name="TextBox 10"/>
+          <p:cNvPr id="2" name="TextBox 1"/>
           <p:cNvSpPr txBox="1"/>
           <p:nvPr/>
         </p:nvSpPr>
         <p:spPr>
           <a:xfrm>
-            <a:off x="2750565" y="2091297"/>
-            <a:ext cx="833049" cy="584775"/>
+            <a:off x="4000500" y="2472873"/>
+            <a:ext cx="797013" cy="769441"/>
           </a:xfrm>
           <a:prstGeom prst="rect">
             <a:avLst/>
@@ -4379,369 +9771,84 @@
           </a:bodyPr>
           <a:lstStyle/>
           <a:p>
-            <a:pPr algn="ctr"/>
-            <a:r>
-              <a:rPr lang="en-US" altLang="ko-KR" sz="3200" spc="-150" dirty="0">
-                <a:solidFill>
-                  <a:srgbClr val="8DBABD"/>
-                </a:solidFill>
-                <a:latin typeface="Malgun Gothic Semilight" panose="020B0503020000020004" pitchFamily="34" charset="-127"/>
-                <a:ea typeface="Malgun Gothic Semilight" panose="020B0503020000020004" pitchFamily="34" charset="-127"/>
-              </a:rPr>
-              <a:t>Text</a:t>
-            </a:r>
-            <a:endParaRPr lang="ko-KR" altLang="en-US" sz="3200" spc="-150" dirty="0">
-              <a:solidFill>
-                <a:srgbClr val="8DBABD"/>
-              </a:solidFill>
-              <a:latin typeface="Malgun Gothic Semilight" panose="020B0503020000020004" pitchFamily="34" charset="-127"/>
-              <a:ea typeface="Malgun Gothic Semilight" panose="020B0503020000020004" pitchFamily="34" charset="-127"/>
-            </a:endParaRPr>
-          </a:p>
-        </p:txBody>
-      </p:sp>
-      <p:cxnSp>
-        <p:nvCxnSpPr>
-          <p:cNvPr id="14" name="직선 연결선 13"/>
-          <p:cNvCxnSpPr/>
-          <p:nvPr/>
-        </p:nvCxnSpPr>
-        <p:spPr>
-          <a:xfrm>
-            <a:off x="10430892" y="144941"/>
-            <a:ext cx="360000" cy="0"/>
-          </a:xfrm>
-          <a:prstGeom prst="line">
-            <a:avLst/>
-          </a:prstGeom>
-          <a:ln w="44450" cap="rnd">
-            <a:solidFill>
-              <a:srgbClr val="D0CECE"/>
-            </a:solidFill>
-          </a:ln>
-          <a:effectLst>
-            <a:outerShdw blurRad="50800" dist="38100" dir="5400000" algn="t" rotWithShape="0">
-              <a:prstClr val="black">
-                <a:alpha val="40000"/>
-              </a:prstClr>
-            </a:outerShdw>
-          </a:effectLst>
-        </p:spPr>
-        <p:style>
-          <a:lnRef idx="1">
-            <a:schemeClr val="accent1"/>
-          </a:lnRef>
-          <a:fillRef idx="0">
-            <a:schemeClr val="accent1"/>
-          </a:fillRef>
-          <a:effectRef idx="0">
-            <a:schemeClr val="accent1"/>
-          </a:effectRef>
-          <a:fontRef idx="minor">
-            <a:schemeClr val="tx1"/>
-          </a:fontRef>
-        </p:style>
-      </p:cxnSp>
-      <p:cxnSp>
-        <p:nvCxnSpPr>
-          <p:cNvPr id="15" name="직선 연결선 14"/>
-          <p:cNvCxnSpPr/>
-          <p:nvPr/>
-        </p:nvCxnSpPr>
-        <p:spPr>
-          <a:xfrm>
-            <a:off x="10858459" y="144941"/>
-            <a:ext cx="360000" cy="0"/>
-          </a:xfrm>
-          <a:prstGeom prst="line">
-            <a:avLst/>
-          </a:prstGeom>
-          <a:ln w="44450" cap="rnd">
-            <a:solidFill>
-              <a:schemeClr val="bg2">
-                <a:lumMod val="90000"/>
-              </a:schemeClr>
-            </a:solidFill>
-          </a:ln>
-          <a:effectLst>
-            <a:outerShdw blurRad="50800" dist="38100" dir="5400000" algn="t" rotWithShape="0">
-              <a:prstClr val="black">
-                <a:alpha val="40000"/>
-              </a:prstClr>
-            </a:outerShdw>
-          </a:effectLst>
-        </p:spPr>
-        <p:style>
-          <a:lnRef idx="1">
-            <a:schemeClr val="accent1"/>
-          </a:lnRef>
-          <a:fillRef idx="0">
-            <a:schemeClr val="accent1"/>
-          </a:fillRef>
-          <a:effectRef idx="0">
-            <a:schemeClr val="accent1"/>
-          </a:effectRef>
-          <a:fontRef idx="minor">
-            <a:schemeClr val="tx1"/>
-          </a:fontRef>
-        </p:style>
-      </p:cxnSp>
-      <p:cxnSp>
-        <p:nvCxnSpPr>
-          <p:cNvPr id="16" name="직선 연결선 15"/>
-          <p:cNvCxnSpPr/>
-          <p:nvPr/>
-        </p:nvCxnSpPr>
-        <p:spPr>
-          <a:xfrm>
-            <a:off x="11286026" y="144941"/>
-            <a:ext cx="360000" cy="0"/>
-          </a:xfrm>
-          <a:prstGeom prst="line">
-            <a:avLst/>
-          </a:prstGeom>
-          <a:ln w="44450" cap="rnd">
-            <a:solidFill>
-              <a:srgbClr val="8DBABD"/>
-            </a:solidFill>
-          </a:ln>
-          <a:effectLst>
-            <a:outerShdw blurRad="50800" dist="38100" dir="5400000" algn="t" rotWithShape="0">
-              <a:prstClr val="black">
-                <a:alpha val="40000"/>
-              </a:prstClr>
-            </a:outerShdw>
-          </a:effectLst>
-        </p:spPr>
-        <p:style>
-          <a:lnRef idx="1">
-            <a:schemeClr val="accent1"/>
-          </a:lnRef>
-          <a:fillRef idx="0">
-            <a:schemeClr val="accent1"/>
-          </a:fillRef>
-          <a:effectRef idx="0">
-            <a:schemeClr val="accent1"/>
-          </a:effectRef>
-          <a:fontRef idx="minor">
-            <a:schemeClr val="tx1"/>
-          </a:fontRef>
-        </p:style>
-      </p:cxnSp>
-      <p:cxnSp>
-        <p:nvCxnSpPr>
-          <p:cNvPr id="17" name="직선 연결선 16"/>
-          <p:cNvCxnSpPr/>
-          <p:nvPr/>
-        </p:nvCxnSpPr>
-        <p:spPr>
-          <a:xfrm>
-            <a:off x="11713592" y="144941"/>
-            <a:ext cx="360000" cy="0"/>
-          </a:xfrm>
-          <a:prstGeom prst="line">
-            <a:avLst/>
-          </a:prstGeom>
-          <a:ln w="44450" cap="rnd">
-            <a:solidFill>
-              <a:schemeClr val="bg2">
-                <a:lumMod val="90000"/>
-              </a:schemeClr>
-            </a:solidFill>
-          </a:ln>
-          <a:effectLst>
-            <a:outerShdw blurRad="50800" dist="38100" dir="5400000" algn="t" rotWithShape="0">
-              <a:prstClr val="black">
-                <a:alpha val="40000"/>
-              </a:prstClr>
-            </a:outerShdw>
-          </a:effectLst>
-        </p:spPr>
-        <p:style>
-          <a:lnRef idx="1">
-            <a:schemeClr val="accent1"/>
-          </a:lnRef>
-          <a:fillRef idx="0">
-            <a:schemeClr val="accent1"/>
-          </a:fillRef>
-          <a:effectRef idx="0">
-            <a:schemeClr val="accent1"/>
-          </a:effectRef>
-          <a:fontRef idx="minor">
-            <a:schemeClr val="tx1"/>
-          </a:fontRef>
-        </p:style>
-      </p:cxnSp>
-      <p:cxnSp>
-        <p:nvCxnSpPr>
-          <p:cNvPr id="18" name="직선 연결선 17"/>
-          <p:cNvCxnSpPr/>
-          <p:nvPr/>
-        </p:nvCxnSpPr>
-        <p:spPr>
-          <a:xfrm>
-            <a:off x="1026522" y="989148"/>
-            <a:ext cx="2160000" cy="0"/>
-          </a:xfrm>
-          <a:prstGeom prst="line">
-            <a:avLst/>
-          </a:prstGeom>
-          <a:ln>
-            <a:solidFill>
-              <a:schemeClr val="bg1">
-                <a:lumMod val="50000"/>
-              </a:schemeClr>
-            </a:solidFill>
-          </a:ln>
-        </p:spPr>
-        <p:style>
-          <a:lnRef idx="1">
-            <a:schemeClr val="accent1"/>
-          </a:lnRef>
-          <a:fillRef idx="0">
-            <a:schemeClr val="accent1"/>
-          </a:fillRef>
-          <a:effectRef idx="0">
-            <a:schemeClr val="accent1"/>
-          </a:effectRef>
-          <a:fontRef idx="minor">
-            <a:schemeClr val="tx1"/>
-          </a:fontRef>
-        </p:style>
-      </p:cxnSp>
-      <p:sp>
-        <p:nvSpPr>
-          <p:cNvPr id="19" name="TextBox 18"/>
-          <p:cNvSpPr txBox="1"/>
-          <p:nvPr/>
-        </p:nvSpPr>
-        <p:spPr>
-          <a:xfrm>
-            <a:off x="1026522" y="437393"/>
-            <a:ext cx="2162773" cy="584775"/>
-          </a:xfrm>
-          <a:prstGeom prst="rect">
-            <a:avLst/>
-          </a:prstGeom>
-          <a:noFill/>
-        </p:spPr>
-        <p:txBody>
-          <a:bodyPr wrap="none" rtlCol="0">
-            <a:spAutoFit/>
-          </a:bodyPr>
-          <a:lstStyle/>
-          <a:p>
-            <a:pPr algn="ctr"/>
-            <a:r>
-              <a:rPr lang="en-US" altLang="ko-KR" sz="3200" spc="-150" dirty="0">
+            <a:r>
+              <a:rPr lang="en-US" altLang="ko-KR" sz="4400" spc="-300" dirty="0">
                 <a:solidFill>
                   <a:srgbClr val="00002F"/>
                 </a:solidFill>
-                <a:latin typeface="Malgun Gothic Semilight" panose="020B0503020000020004" pitchFamily="34" charset="-127"/>
-                <a:ea typeface="Malgun Gothic Semilight" panose="020B0503020000020004" pitchFamily="34" charset="-127"/>
-              </a:rPr>
-              <a:t>CONTENTS</a:t>
-            </a:r>
-            <a:endParaRPr lang="ko-KR" altLang="en-US" sz="3200" spc="-150" dirty="0">
+                <a:latin typeface="나눔스퀘어 Bold" panose="020B0600000101010101" pitchFamily="50" charset="-127"/>
+                <a:ea typeface="나눔스퀘어 Bold" panose="020B0600000101010101" pitchFamily="50" charset="-127"/>
+              </a:rPr>
+              <a:t>03</a:t>
+            </a:r>
+            <a:endParaRPr lang="ko-KR" altLang="en-US" sz="4400" spc="-300" dirty="0">
               <a:solidFill>
                 <a:srgbClr val="00002F"/>
               </a:solidFill>
-              <a:latin typeface="Malgun Gothic Semilight" panose="020B0503020000020004" pitchFamily="34" charset="-127"/>
-              <a:ea typeface="Malgun Gothic Semilight" panose="020B0503020000020004" pitchFamily="34" charset="-127"/>
+              <a:latin typeface="나눔스퀘어 Bold" panose="020B0600000101010101" pitchFamily="50" charset="-127"/>
+              <a:ea typeface="나눔스퀘어 Bold" panose="020B0600000101010101" pitchFamily="50" charset="-127"/>
             </a:endParaRPr>
           </a:p>
         </p:txBody>
       </p:sp>
       <p:sp>
         <p:nvSpPr>
-          <p:cNvPr id="20" name="TextBox 19"/>
-          <p:cNvSpPr txBox="1"/>
+          <p:cNvPr id="3" name="직사각형 2"/>
+          <p:cNvSpPr/>
           <p:nvPr/>
         </p:nvSpPr>
         <p:spPr>
           <a:xfrm>
-            <a:off x="495607" y="498947"/>
-            <a:ext cx="534121" cy="461665"/>
+            <a:off x="4000499" y="3169741"/>
+            <a:ext cx="4200071" cy="473345"/>
           </a:xfrm>
           <a:prstGeom prst="rect">
             <a:avLst/>
           </a:prstGeom>
-          <a:noFill/>
-        </p:spPr>
+          <a:solidFill>
+            <a:srgbClr val="8DBABD"/>
+          </a:solidFill>
+          <a:ln>
+            <a:solidFill>
+              <a:srgbClr val="8DBABD"/>
+            </a:solidFill>
+          </a:ln>
+        </p:spPr>
+        <p:style>
+          <a:lnRef idx="2">
+            <a:schemeClr val="accent1">
+              <a:shade val="50000"/>
+            </a:schemeClr>
+          </a:lnRef>
+          <a:fillRef idx="1">
+            <a:schemeClr val="accent1"/>
+          </a:fillRef>
+          <a:effectRef idx="0">
+            <a:schemeClr val="accent1"/>
+          </a:effectRef>
+          <a:fontRef idx="minor">
+            <a:schemeClr val="lt1"/>
+          </a:fontRef>
+        </p:style>
         <p:txBody>
-          <a:bodyPr wrap="none" rtlCol="0">
-            <a:spAutoFit/>
-          </a:bodyPr>
+          <a:bodyPr rtlCol="0" anchor="ctr"/>
           <a:lstStyle/>
           <a:p>
             <a:pPr algn="ctr"/>
             <a:r>
-              <a:rPr lang="en-US" altLang="ko-KR" sz="2400" spc="-150" dirty="0">
-                <a:solidFill>
-                  <a:srgbClr val="00002F"/>
-                </a:solidFill>
-                <a:latin typeface="Malgun Gothic Semilight" panose="020B0503020000020004" pitchFamily="34" charset="-127"/>
-                <a:ea typeface="Malgun Gothic Semilight" panose="020B0503020000020004" pitchFamily="34" charset="-127"/>
-              </a:rPr>
-              <a:t>03.</a:t>
-            </a:r>
-            <a:endParaRPr lang="ko-KR" altLang="en-US" sz="2400" spc="-150" dirty="0">
-              <a:solidFill>
-                <a:srgbClr val="00002F"/>
-              </a:solidFill>
-              <a:latin typeface="Malgun Gothic Semilight" panose="020B0503020000020004" pitchFamily="34" charset="-127"/>
-              <a:ea typeface="Malgun Gothic Semilight" panose="020B0503020000020004" pitchFamily="34" charset="-127"/>
-            </a:endParaRPr>
-          </a:p>
-        </p:txBody>
-      </p:sp>
-      <p:sp>
-        <p:nvSpPr>
-          <p:cNvPr id="21" name="TextBox 20"/>
-          <p:cNvSpPr txBox="1"/>
-          <p:nvPr/>
-        </p:nvSpPr>
-        <p:spPr>
-          <a:xfrm>
-            <a:off x="1108242" y="1006929"/>
-            <a:ext cx="501997" cy="369332"/>
-          </a:xfrm>
-          <a:prstGeom prst="rect">
-            <a:avLst/>
-          </a:prstGeom>
-          <a:noFill/>
-        </p:spPr>
-        <p:txBody>
-          <a:bodyPr wrap="none" rtlCol="0">
-            <a:spAutoFit/>
-          </a:bodyPr>
-          <a:lstStyle/>
-          <a:p>
-            <a:pPr algn="ctr"/>
-            <a:r>
-              <a:rPr lang="en-US" altLang="ko-KR" spc="-150" dirty="0">
-                <a:solidFill>
-                  <a:srgbClr val="00002F"/>
-                </a:solidFill>
-                <a:latin typeface="Malgun Gothic Semilight" panose="020B0503020000020004" pitchFamily="34" charset="-127"/>
-                <a:ea typeface="Malgun Gothic Semilight" panose="020B0503020000020004" pitchFamily="34" charset="-127"/>
-              </a:rPr>
-              <a:t>Text</a:t>
-            </a:r>
-            <a:endParaRPr lang="ko-KR" altLang="en-US" spc="-150" dirty="0">
-              <a:solidFill>
-                <a:srgbClr val="00002F"/>
-              </a:solidFill>
-              <a:latin typeface="Malgun Gothic Semilight" panose="020B0503020000020004" pitchFamily="34" charset="-127"/>
-              <a:ea typeface="Malgun Gothic Semilight" panose="020B0503020000020004" pitchFamily="34" charset="-127"/>
-            </a:endParaRPr>
+              <a:rPr lang="ko-KR" altLang="en-US" dirty="0">
+                <a:latin typeface="나눔스퀘어 Bold" panose="020B0600000101010101" pitchFamily="50" charset="-127"/>
+                <a:ea typeface="나눔스퀘어 Bold" panose="020B0600000101010101" pitchFamily="50" charset="-127"/>
+              </a:rPr>
+              <a:t>프로젝트 수행 목표</a:t>
+            </a:r>
           </a:p>
         </p:txBody>
       </p:sp>
     </p:spTree>
     <p:extLst>
       <p:ext uri="{BB962C8B-B14F-4D97-AF65-F5344CB8AC3E}">
-        <p14:creationId xmlns:p14="http://schemas.microsoft.com/office/powerpoint/2010/main" val="1531280797"/>
+        <p14:creationId xmlns:p14="http://schemas.microsoft.com/office/powerpoint/2010/main" val="1376063438"/>
       </p:ext>
     </p:extLst>
   </p:cSld>

--- a/designdocs/Project Plan Presentation.pptx
+++ b/designdocs/Project Plan Presentation.pptx
@@ -5,7 +5,7 @@
     <p:sldMasterId id="2147483656" r:id="rId1"/>
   </p:sldMasterIdLst>
   <p:notesMasterIdLst>
-    <p:notesMasterId r:id="rId24"/>
+    <p:notesMasterId r:id="rId25"/>
   </p:notesMasterIdLst>
   <p:sldIdLst>
     <p:sldId id="257" r:id="rId2"/>
@@ -20,32 +20,33 @@
     <p:sldId id="281" r:id="rId11"/>
     <p:sldId id="267" r:id="rId12"/>
     <p:sldId id="268" r:id="rId13"/>
-    <p:sldId id="271" r:id="rId14"/>
-    <p:sldId id="272" r:id="rId15"/>
-    <p:sldId id="282" r:id="rId16"/>
-    <p:sldId id="283" r:id="rId17"/>
-    <p:sldId id="284" r:id="rId18"/>
-    <p:sldId id="273" r:id="rId19"/>
-    <p:sldId id="274" r:id="rId20"/>
-    <p:sldId id="275" r:id="rId21"/>
-    <p:sldId id="285" r:id="rId22"/>
-    <p:sldId id="286" r:id="rId23"/>
+    <p:sldId id="287" r:id="rId14"/>
+    <p:sldId id="271" r:id="rId15"/>
+    <p:sldId id="272" r:id="rId16"/>
+    <p:sldId id="282" r:id="rId17"/>
+    <p:sldId id="283" r:id="rId18"/>
+    <p:sldId id="284" r:id="rId19"/>
+    <p:sldId id="273" r:id="rId20"/>
+    <p:sldId id="274" r:id="rId21"/>
+    <p:sldId id="275" r:id="rId22"/>
+    <p:sldId id="285" r:id="rId23"/>
+    <p:sldId id="286" r:id="rId24"/>
   </p:sldIdLst>
   <p:sldSz cx="12192000" cy="6858000"/>
   <p:notesSz cx="6858000" cy="9144000"/>
   <p:embeddedFontLst>
     <p:embeddedFont>
       <p:font typeface="HY중고딕" panose="02030600000101010101" pitchFamily="18" charset="-127"/>
-      <p:regular r:id="rId25"/>
+      <p:regular r:id="rId26"/>
     </p:embeddedFont>
     <p:embeddedFont>
       <p:font typeface="Malgun Gothic Semilight" panose="020B0502040204020203" pitchFamily="50" charset="-127"/>
-      <p:regular r:id="rId26"/>
+      <p:regular r:id="rId27"/>
     </p:embeddedFont>
     <p:embeddedFont>
       <p:font typeface="맑은 고딕" panose="020B0503020000020004" pitchFamily="50" charset="-127"/>
-      <p:regular r:id="rId27"/>
-      <p:bold r:id="rId28"/>
+      <p:regular r:id="rId28"/>
+      <p:bold r:id="rId29"/>
     </p:embeddedFont>
   </p:embeddedFontLst>
   <p:defaultTextStyle>
@@ -233,7 +234,7 @@
           <a:p>
             <a:fld id="{17FB36FB-C10C-479A-9DFD-15DEB134881C}" type="datetimeFigureOut">
               <a:rPr lang="ko-KR" altLang="en-US" smtClean="0"/>
-              <a:t>2019-04-14</a:t>
+              <a:t>2019-04-15</a:t>
             </a:fld>
             <a:endParaRPr lang="ko-KR" altLang="en-US"/>
           </a:p>
@@ -1820,20 +1821,13 @@
           <a:p>
             <a:pPr algn="ctr"/>
             <a:r>
-              <a:rPr lang="ko-KR" altLang="en-US">
+              <a:rPr lang="en-US" altLang="ko-KR" dirty="0">
                 <a:latin typeface="HY중고딕" panose="02030600000101010101" pitchFamily="18" charset="-127"/>
                 <a:ea typeface="HY중고딕" panose="02030600000101010101" pitchFamily="18" charset="-127"/>
               </a:rPr>
-              <a:t>내용을 입력하세요</a:t>
-            </a:r>
-            <a:r>
-              <a:rPr lang="en-US" altLang="ko-KR">
-                <a:latin typeface="HY중고딕" panose="02030600000101010101" pitchFamily="18" charset="-127"/>
-                <a:ea typeface="HY중고딕" panose="02030600000101010101" pitchFamily="18" charset="-127"/>
-              </a:rPr>
-              <a:t>.</a:t>
-            </a:r>
-            <a:endParaRPr lang="ko-KR" altLang="en-US">
+              <a:t>Context &amp; Use Case Diagrams</a:t>
+            </a:r>
+            <a:endParaRPr lang="ko-KR" altLang="en-US" dirty="0">
               <a:latin typeface="HY중고딕" panose="02030600000101010101" pitchFamily="18" charset="-127"/>
               <a:ea typeface="HY중고딕" panose="02030600000101010101" pitchFamily="18" charset="-127"/>
             </a:endParaRPr>
@@ -1870,49 +1864,6 @@
           <a:chExt cx="0" cy="0"/>
         </a:xfrm>
       </p:grpSpPr>
-      <p:sp>
-        <p:nvSpPr>
-          <p:cNvPr id="11" name="TextBox 10"/>
-          <p:cNvSpPr txBox="1"/>
-          <p:nvPr/>
-        </p:nvSpPr>
-        <p:spPr>
-          <a:xfrm>
-            <a:off x="2762588" y="2091297"/>
-            <a:ext cx="809003" cy="584775"/>
-          </a:xfrm>
-          <a:prstGeom prst="rect">
-            <a:avLst/>
-          </a:prstGeom>
-          <a:noFill/>
-        </p:spPr>
-        <p:txBody>
-          <a:bodyPr wrap="none" rtlCol="0">
-            <a:spAutoFit/>
-          </a:bodyPr>
-          <a:lstStyle/>
-          <a:p>
-            <a:pPr algn="ctr"/>
-            <a:r>
-              <a:rPr lang="en-US" altLang="ko-KR" sz="3200" spc="-150">
-                <a:solidFill>
-                  <a:srgbClr val="8DBABD"/>
-                </a:solidFill>
-                <a:latin typeface="Malgun Gothic Semilight" panose="020B0502040204020203" pitchFamily="34" charset="-127"/>
-                <a:ea typeface="Malgun Gothic Semilight" panose="020B0502040204020203" pitchFamily="34" charset="-127"/>
-              </a:rPr>
-              <a:t>Text</a:t>
-            </a:r>
-            <a:endParaRPr lang="ko-KR" altLang="en-US" sz="3200" spc="-150">
-              <a:solidFill>
-                <a:srgbClr val="8DBABD"/>
-              </a:solidFill>
-              <a:latin typeface="Malgun Gothic Semilight" panose="020B0502040204020203" pitchFamily="34" charset="-127"/>
-              <a:ea typeface="Malgun Gothic Semilight" panose="020B0502040204020203" pitchFamily="34" charset="-127"/>
-            </a:endParaRPr>
-          </a:p>
-        </p:txBody>
-      </p:sp>
       <p:cxnSp>
         <p:nvCxnSpPr>
           <p:cNvPr id="14" name="직선 연결선 13"/>
@@ -2088,13 +2039,15 @@
       <p:cxnSp>
         <p:nvCxnSpPr>
           <p:cNvPr id="18" name="직선 연결선 17"/>
-          <p:cNvCxnSpPr/>
+          <p:cNvCxnSpPr>
+            <a:cxnSpLocks/>
+          </p:cNvCxnSpPr>
           <p:nvPr/>
         </p:nvCxnSpPr>
         <p:spPr>
           <a:xfrm>
             <a:off x="1026522" y="989148"/>
-            <a:ext cx="2160000" cy="0"/>
+            <a:ext cx="6001276" cy="0"/>
           </a:xfrm>
           <a:prstGeom prst="line">
             <a:avLst/>
@@ -2130,8 +2083,8 @@
         </p:nvSpPr>
         <p:spPr>
           <a:xfrm>
-            <a:off x="1069515" y="437393"/>
-            <a:ext cx="2076786" cy="584775"/>
+            <a:off x="997647" y="422003"/>
+            <a:ext cx="5841471" cy="1077218"/>
           </a:xfrm>
           <a:prstGeom prst="rect">
             <a:avLst/>
@@ -2146,16 +2099,20 @@
           <a:p>
             <a:pPr algn="ctr"/>
             <a:r>
-              <a:rPr lang="en-US" altLang="ko-KR" sz="3200" spc="-150">
-                <a:solidFill>
-                  <a:srgbClr val="00002F"/>
-                </a:solidFill>
-                <a:latin typeface="Malgun Gothic Semilight" panose="020B0502040204020203" pitchFamily="34" charset="-127"/>
-                <a:ea typeface="Malgun Gothic Semilight" panose="020B0502040204020203" pitchFamily="34" charset="-127"/>
+              <a:rPr lang="en-US" altLang="ko-KR" sz="3200" dirty="0">
+                <a:latin typeface="나눔스퀘어 ExtraBold"/>
+                <a:ea typeface="HY중고딕" panose="02030600000101010101" pitchFamily="18" charset="-127"/>
               </a:rPr>
-              <a:t>CONTENTS</a:t>
-            </a:r>
-            <a:endParaRPr lang="ko-KR" altLang="en-US" sz="3200" spc="-150">
+              <a:t>Context &amp; Use Case Diagrams</a:t>
+            </a:r>
+            <a:endParaRPr lang="ko-KR" altLang="en-US" sz="3200" dirty="0">
+              <a:latin typeface="나눔스퀘어 ExtraBold"/>
+              <a:ea typeface="HY중고딕" panose="02030600000101010101" pitchFamily="18" charset="-127"/>
+            </a:endParaRPr>
+          </a:p>
+          <a:p>
+            <a:pPr algn="ctr"/>
+            <a:endParaRPr lang="ko-KR" altLang="en-US" sz="3200" spc="-150" dirty="0">
               <a:solidFill>
                 <a:srgbClr val="00002F"/>
               </a:solidFill>
@@ -2208,16 +2165,52 @@
           </a:p>
         </p:txBody>
       </p:sp>
+      <p:pic>
+        <p:nvPicPr>
+          <p:cNvPr id="6" name="Picture 5">
+            <a:extLst>
+              <a:ext uri="{FF2B5EF4-FFF2-40B4-BE49-F238E27FC236}">
+                <a16:creationId xmlns:a16="http://schemas.microsoft.com/office/drawing/2014/main" id="{AFCD180F-D6B3-407B-BA01-A7F2823DB9DD}"/>
+              </a:ext>
+            </a:extLst>
+          </p:cNvPr>
+          <p:cNvPicPr>
+            <a:picLocks noChangeAspect="1"/>
+          </p:cNvPicPr>
+          <p:nvPr/>
+        </p:nvPicPr>
+        <p:blipFill>
+          <a:blip r:embed="rId2"/>
+          <a:stretch>
+            <a:fillRect/>
+          </a:stretch>
+        </p:blipFill>
+        <p:spPr>
+          <a:xfrm>
+            <a:off x="628609" y="1262899"/>
+            <a:ext cx="10229850" cy="4981575"/>
+          </a:xfrm>
+          <a:prstGeom prst="rect">
+            <a:avLst/>
+          </a:prstGeom>
+        </p:spPr>
+      </p:pic>
       <p:sp>
         <p:nvSpPr>
-          <p:cNvPr id="21" name="TextBox 20"/>
+          <p:cNvPr id="7" name="TextBox 6">
+            <a:extLst>
+              <a:ext uri="{FF2B5EF4-FFF2-40B4-BE49-F238E27FC236}">
+                <a16:creationId xmlns:a16="http://schemas.microsoft.com/office/drawing/2014/main" id="{834398CF-428E-431B-AF86-1F2228F0CC32}"/>
+              </a:ext>
+            </a:extLst>
+          </p:cNvPr>
           <p:cNvSpPr txBox="1"/>
           <p:nvPr/>
         </p:nvSpPr>
         <p:spPr>
           <a:xfrm>
-            <a:off x="1108242" y="1006929"/>
-            <a:ext cx="501997" cy="369332"/>
+            <a:off x="4764099" y="6148892"/>
+            <a:ext cx="1958870" cy="369332"/>
           </a:xfrm>
           <a:prstGeom prst="rect">
             <a:avLst/>
@@ -2230,24 +2223,10 @@
           </a:bodyPr>
           <a:lstStyle/>
           <a:p>
-            <a:pPr algn="ctr"/>
-            <a:r>
-              <a:rPr lang="en-US" altLang="ko-KR" spc="-150">
-                <a:solidFill>
-                  <a:srgbClr val="00002F"/>
-                </a:solidFill>
-                <a:latin typeface="Malgun Gothic Semilight" panose="020B0502040204020203" pitchFamily="34" charset="-127"/>
-                <a:ea typeface="Malgun Gothic Semilight" panose="020B0502040204020203" pitchFamily="34" charset="-127"/>
-              </a:rPr>
-              <a:t>Text</a:t>
-            </a:r>
-            <a:endParaRPr lang="ko-KR" altLang="en-US" spc="-150">
-              <a:solidFill>
-                <a:srgbClr val="00002F"/>
-              </a:solidFill>
-              <a:latin typeface="Malgun Gothic Semilight" panose="020B0502040204020203" pitchFamily="34" charset="-127"/>
-              <a:ea typeface="Malgun Gothic Semilight" panose="020B0502040204020203" pitchFamily="34" charset="-127"/>
-            </a:endParaRPr>
+            <a:r>
+              <a:rPr lang="en-US" i="1" u="sng" dirty="0"/>
+              <a:t>Context Diagram</a:t>
+            </a:r>
           </a:p>
         </p:txBody>
       </p:sp>
@@ -2281,16 +2260,227 @@
           <a:chExt cx="0" cy="0"/>
         </a:xfrm>
       </p:grpSpPr>
+      <p:cxnSp>
+        <p:nvCxnSpPr>
+          <p:cNvPr id="14" name="직선 연결선 13"/>
+          <p:cNvCxnSpPr/>
+          <p:nvPr/>
+        </p:nvCxnSpPr>
+        <p:spPr>
+          <a:xfrm>
+            <a:off x="10430892" y="144941"/>
+            <a:ext cx="360000" cy="0"/>
+          </a:xfrm>
+          <a:prstGeom prst="line">
+            <a:avLst/>
+          </a:prstGeom>
+          <a:ln w="44450" cap="rnd">
+            <a:solidFill>
+              <a:srgbClr val="D0CECE"/>
+            </a:solidFill>
+          </a:ln>
+          <a:effectLst>
+            <a:outerShdw blurRad="50800" dist="38100" dir="5400000" algn="t" rotWithShape="0">
+              <a:prstClr val="black">
+                <a:alpha val="40000"/>
+              </a:prstClr>
+            </a:outerShdw>
+          </a:effectLst>
+        </p:spPr>
+        <p:style>
+          <a:lnRef idx="1">
+            <a:schemeClr val="accent1"/>
+          </a:lnRef>
+          <a:fillRef idx="0">
+            <a:schemeClr val="accent1"/>
+          </a:fillRef>
+          <a:effectRef idx="0">
+            <a:schemeClr val="accent1"/>
+          </a:effectRef>
+          <a:fontRef idx="minor">
+            <a:schemeClr val="tx1"/>
+          </a:fontRef>
+        </p:style>
+      </p:cxnSp>
+      <p:cxnSp>
+        <p:nvCxnSpPr>
+          <p:cNvPr id="15" name="직선 연결선 14"/>
+          <p:cNvCxnSpPr/>
+          <p:nvPr/>
+        </p:nvCxnSpPr>
+        <p:spPr>
+          <a:xfrm>
+            <a:off x="10858459" y="144941"/>
+            <a:ext cx="360000" cy="0"/>
+          </a:xfrm>
+          <a:prstGeom prst="line">
+            <a:avLst/>
+          </a:prstGeom>
+          <a:ln w="44450" cap="rnd">
+            <a:solidFill>
+              <a:schemeClr val="bg2">
+                <a:lumMod val="90000"/>
+              </a:schemeClr>
+            </a:solidFill>
+          </a:ln>
+          <a:effectLst>
+            <a:outerShdw blurRad="50800" dist="38100" dir="5400000" algn="t" rotWithShape="0">
+              <a:prstClr val="black">
+                <a:alpha val="40000"/>
+              </a:prstClr>
+            </a:outerShdw>
+          </a:effectLst>
+        </p:spPr>
+        <p:style>
+          <a:lnRef idx="1">
+            <a:schemeClr val="accent1"/>
+          </a:lnRef>
+          <a:fillRef idx="0">
+            <a:schemeClr val="accent1"/>
+          </a:fillRef>
+          <a:effectRef idx="0">
+            <a:schemeClr val="accent1"/>
+          </a:effectRef>
+          <a:fontRef idx="minor">
+            <a:schemeClr val="tx1"/>
+          </a:fontRef>
+        </p:style>
+      </p:cxnSp>
+      <p:cxnSp>
+        <p:nvCxnSpPr>
+          <p:cNvPr id="16" name="직선 연결선 15"/>
+          <p:cNvCxnSpPr/>
+          <p:nvPr/>
+        </p:nvCxnSpPr>
+        <p:spPr>
+          <a:xfrm>
+            <a:off x="11286026" y="144941"/>
+            <a:ext cx="360000" cy="0"/>
+          </a:xfrm>
+          <a:prstGeom prst="line">
+            <a:avLst/>
+          </a:prstGeom>
+          <a:ln w="44450" cap="rnd">
+            <a:solidFill>
+              <a:schemeClr val="bg2">
+                <a:lumMod val="90000"/>
+              </a:schemeClr>
+            </a:solidFill>
+          </a:ln>
+          <a:effectLst>
+            <a:outerShdw blurRad="50800" dist="38100" dir="5400000" algn="t" rotWithShape="0">
+              <a:prstClr val="black">
+                <a:alpha val="40000"/>
+              </a:prstClr>
+            </a:outerShdw>
+          </a:effectLst>
+        </p:spPr>
+        <p:style>
+          <a:lnRef idx="1">
+            <a:schemeClr val="accent1"/>
+          </a:lnRef>
+          <a:fillRef idx="0">
+            <a:schemeClr val="accent1"/>
+          </a:fillRef>
+          <a:effectRef idx="0">
+            <a:schemeClr val="accent1"/>
+          </a:effectRef>
+          <a:fontRef idx="minor">
+            <a:schemeClr val="tx1"/>
+          </a:fontRef>
+        </p:style>
+      </p:cxnSp>
+      <p:cxnSp>
+        <p:nvCxnSpPr>
+          <p:cNvPr id="17" name="직선 연결선 16"/>
+          <p:cNvCxnSpPr/>
+          <p:nvPr/>
+        </p:nvCxnSpPr>
+        <p:spPr>
+          <a:xfrm>
+            <a:off x="11713592" y="144941"/>
+            <a:ext cx="360000" cy="0"/>
+          </a:xfrm>
+          <a:prstGeom prst="line">
+            <a:avLst/>
+          </a:prstGeom>
+          <a:ln w="44450" cap="rnd">
+            <a:solidFill>
+              <a:srgbClr val="8DBABD"/>
+            </a:solidFill>
+          </a:ln>
+          <a:effectLst>
+            <a:outerShdw blurRad="50800" dist="38100" dir="5400000" algn="t" rotWithShape="0">
+              <a:prstClr val="black">
+                <a:alpha val="40000"/>
+              </a:prstClr>
+            </a:outerShdw>
+          </a:effectLst>
+        </p:spPr>
+        <p:style>
+          <a:lnRef idx="1">
+            <a:schemeClr val="accent1"/>
+          </a:lnRef>
+          <a:fillRef idx="0">
+            <a:schemeClr val="accent1"/>
+          </a:fillRef>
+          <a:effectRef idx="0">
+            <a:schemeClr val="accent1"/>
+          </a:effectRef>
+          <a:fontRef idx="minor">
+            <a:schemeClr val="tx1"/>
+          </a:fontRef>
+        </p:style>
+      </p:cxnSp>
+      <p:cxnSp>
+        <p:nvCxnSpPr>
+          <p:cNvPr id="18" name="직선 연결선 17"/>
+          <p:cNvCxnSpPr>
+            <a:cxnSpLocks/>
+          </p:cNvCxnSpPr>
+          <p:nvPr/>
+        </p:nvCxnSpPr>
+        <p:spPr>
+          <a:xfrm>
+            <a:off x="1026522" y="989148"/>
+            <a:ext cx="6001276" cy="0"/>
+          </a:xfrm>
+          <a:prstGeom prst="line">
+            <a:avLst/>
+          </a:prstGeom>
+          <a:ln>
+            <a:solidFill>
+              <a:schemeClr val="bg1">
+                <a:lumMod val="50000"/>
+              </a:schemeClr>
+            </a:solidFill>
+          </a:ln>
+        </p:spPr>
+        <p:style>
+          <a:lnRef idx="1">
+            <a:schemeClr val="accent1"/>
+          </a:lnRef>
+          <a:fillRef idx="0">
+            <a:schemeClr val="accent1"/>
+          </a:fillRef>
+          <a:effectRef idx="0">
+            <a:schemeClr val="accent1"/>
+          </a:effectRef>
+          <a:fontRef idx="minor">
+            <a:schemeClr val="tx1"/>
+          </a:fontRef>
+        </p:style>
+      </p:cxnSp>
       <p:sp>
         <p:nvSpPr>
-          <p:cNvPr id="2" name="TextBox 1"/>
+          <p:cNvPr id="19" name="TextBox 18"/>
           <p:cNvSpPr txBox="1"/>
           <p:nvPr/>
         </p:nvSpPr>
         <p:spPr>
           <a:xfrm>
-            <a:off x="4000500" y="2472873"/>
-            <a:ext cx="764953" cy="769441"/>
+            <a:off x="997647" y="422003"/>
+            <a:ext cx="5841471" cy="1077218"/>
           </a:xfrm>
           <a:prstGeom prst="rect">
             <a:avLst/>
@@ -2303,102 +2493,142 @@
           </a:bodyPr>
           <a:lstStyle/>
           <a:p>
-            <a:r>
-              <a:rPr lang="en-US" altLang="ko-KR" sz="4400" spc="-300" dirty="0">
-                <a:solidFill>
-                  <a:srgbClr val="00002F"/>
-                </a:solidFill>
-                <a:latin typeface="HY중고딕" panose="02030600000101010101" pitchFamily="18" charset="-127"/>
+            <a:pPr algn="ctr"/>
+            <a:r>
+              <a:rPr lang="en-US" altLang="ko-KR" sz="3200" dirty="0">
+                <a:latin typeface="나눔스퀘어 ExtraBold"/>
                 <a:ea typeface="HY중고딕" panose="02030600000101010101" pitchFamily="18" charset="-127"/>
               </a:rPr>
-              <a:t>05</a:t>
-            </a:r>
-            <a:endParaRPr lang="ko-KR" altLang="en-US" sz="4400" spc="-300" dirty="0">
+              <a:t>Context &amp; Use Case Diagrams</a:t>
+            </a:r>
+            <a:endParaRPr lang="ko-KR" altLang="en-US" sz="3200" dirty="0">
+              <a:latin typeface="나눔스퀘어 ExtraBold"/>
+              <a:ea typeface="HY중고딕" panose="02030600000101010101" pitchFamily="18" charset="-127"/>
+            </a:endParaRPr>
+          </a:p>
+          <a:p>
+            <a:pPr algn="ctr"/>
+            <a:endParaRPr lang="ko-KR" altLang="en-US" sz="3200" spc="-150" dirty="0">
               <a:solidFill>
                 <a:srgbClr val="00002F"/>
               </a:solidFill>
-              <a:latin typeface="HY중고딕" panose="02030600000101010101" pitchFamily="18" charset="-127"/>
-              <a:ea typeface="HY중고딕" panose="02030600000101010101" pitchFamily="18" charset="-127"/>
+              <a:latin typeface="Malgun Gothic Semilight" panose="020B0502040204020203" pitchFamily="34" charset="-127"/>
+              <a:ea typeface="Malgun Gothic Semilight" panose="020B0502040204020203" pitchFamily="34" charset="-127"/>
             </a:endParaRPr>
           </a:p>
         </p:txBody>
       </p:sp>
       <p:sp>
         <p:nvSpPr>
-          <p:cNvPr id="3" name="직사각형 2"/>
-          <p:cNvSpPr/>
+          <p:cNvPr id="20" name="TextBox 19"/>
+          <p:cNvSpPr txBox="1"/>
           <p:nvPr/>
         </p:nvSpPr>
         <p:spPr>
           <a:xfrm>
-            <a:off x="4000499" y="3169741"/>
-            <a:ext cx="4200071" cy="473345"/>
+            <a:off x="496409" y="498947"/>
+            <a:ext cx="532517" cy="461665"/>
           </a:xfrm>
           <a:prstGeom prst="rect">
             <a:avLst/>
           </a:prstGeom>
-          <a:solidFill>
-            <a:srgbClr val="8DBABD"/>
-          </a:solidFill>
-          <a:ln>
-            <a:solidFill>
-              <a:srgbClr val="8DBABD"/>
-            </a:solidFill>
-          </a:ln>
-        </p:spPr>
-        <p:style>
-          <a:lnRef idx="2">
-            <a:schemeClr val="accent1">
-              <a:shade val="50000"/>
-            </a:schemeClr>
-          </a:lnRef>
-          <a:fillRef idx="1">
-            <a:schemeClr val="accent1"/>
-          </a:fillRef>
-          <a:effectRef idx="0">
-            <a:schemeClr val="accent1"/>
-          </a:effectRef>
-          <a:fontRef idx="minor">
-            <a:schemeClr val="lt1"/>
-          </a:fontRef>
-        </p:style>
+          <a:noFill/>
+        </p:spPr>
         <p:txBody>
-          <a:bodyPr rtlCol="0" anchor="ctr"/>
+          <a:bodyPr wrap="none" rtlCol="0">
+            <a:spAutoFit/>
+          </a:bodyPr>
           <a:lstStyle/>
           <a:p>
             <a:pPr algn="ctr"/>
             <a:r>
-              <a:rPr lang="en-US" altLang="ko-KR" dirty="0">
-                <a:latin typeface="HY중고딕" panose="02030600000101010101" pitchFamily="18" charset="-127"/>
-                <a:ea typeface="HY중고딕" panose="02030600000101010101" pitchFamily="18" charset="-127"/>
+              <a:rPr lang="en-US" altLang="ko-KR" sz="2400" spc="-150">
+                <a:solidFill>
+                  <a:srgbClr val="00002F"/>
+                </a:solidFill>
+                <a:latin typeface="Malgun Gothic Semilight" panose="020B0502040204020203" pitchFamily="34" charset="-127"/>
+                <a:ea typeface="Malgun Gothic Semilight" panose="020B0502040204020203" pitchFamily="34" charset="-127"/>
               </a:rPr>
-              <a:t>Architectural</a:t>
-            </a:r>
-            <a:r>
-              <a:rPr lang="ko-KR" altLang="en-US" dirty="0">
-                <a:latin typeface="HY중고딕" panose="02030600000101010101" pitchFamily="18" charset="-127"/>
-                <a:ea typeface="HY중고딕" panose="02030600000101010101" pitchFamily="18" charset="-127"/>
-              </a:rPr>
-              <a:t> </a:t>
-            </a:r>
-            <a:r>
-              <a:rPr lang="en-US" altLang="ko-KR" dirty="0">
-                <a:latin typeface="HY중고딕" panose="02030600000101010101" pitchFamily="18" charset="-127"/>
-                <a:ea typeface="HY중고딕" panose="02030600000101010101" pitchFamily="18" charset="-127"/>
-              </a:rPr>
-              <a:t>Model</a:t>
-            </a:r>
-            <a:endParaRPr lang="ko-KR" altLang="en-US" dirty="0">
-              <a:latin typeface="HY중고딕" panose="02030600000101010101" pitchFamily="18" charset="-127"/>
-              <a:ea typeface="HY중고딕" panose="02030600000101010101" pitchFamily="18" charset="-127"/>
+              <a:t>04.</a:t>
+            </a:r>
+            <a:endParaRPr lang="ko-KR" altLang="en-US" sz="2400" spc="-150">
+              <a:solidFill>
+                <a:srgbClr val="00002F"/>
+              </a:solidFill>
+              <a:latin typeface="Malgun Gothic Semilight" panose="020B0502040204020203" pitchFamily="34" charset="-127"/>
+              <a:ea typeface="Malgun Gothic Semilight" panose="020B0502040204020203" pitchFamily="34" charset="-127"/>
             </a:endParaRPr>
           </a:p>
         </p:txBody>
       </p:sp>
+      <p:sp>
+        <p:nvSpPr>
+          <p:cNvPr id="7" name="TextBox 6">
+            <a:extLst>
+              <a:ext uri="{FF2B5EF4-FFF2-40B4-BE49-F238E27FC236}">
+                <a16:creationId xmlns:a16="http://schemas.microsoft.com/office/drawing/2014/main" id="{834398CF-428E-431B-AF86-1F2228F0CC32}"/>
+              </a:ext>
+            </a:extLst>
+          </p:cNvPr>
+          <p:cNvSpPr txBox="1"/>
+          <p:nvPr/>
+        </p:nvSpPr>
+        <p:spPr>
+          <a:xfrm>
+            <a:off x="9860619" y="3685638"/>
+            <a:ext cx="2108269" cy="369332"/>
+          </a:xfrm>
+          <a:prstGeom prst="rect">
+            <a:avLst/>
+          </a:prstGeom>
+          <a:noFill/>
+        </p:spPr>
+        <p:txBody>
+          <a:bodyPr wrap="none" rtlCol="0">
+            <a:spAutoFit/>
+          </a:bodyPr>
+          <a:lstStyle/>
+          <a:p>
+            <a:r>
+              <a:rPr lang="en-US" i="1" u="sng" dirty="0"/>
+              <a:t>Use Case Diagram</a:t>
+            </a:r>
+          </a:p>
+        </p:txBody>
+      </p:sp>
+      <p:pic>
+        <p:nvPicPr>
+          <p:cNvPr id="2" name="Picture 1">
+            <a:extLst>
+              <a:ext uri="{FF2B5EF4-FFF2-40B4-BE49-F238E27FC236}">
+                <a16:creationId xmlns:a16="http://schemas.microsoft.com/office/drawing/2014/main" id="{6EFCC753-42FC-4514-AE32-B5A1986F496D}"/>
+              </a:ext>
+            </a:extLst>
+          </p:cNvPr>
+          <p:cNvPicPr>
+            <a:picLocks noChangeAspect="1"/>
+          </p:cNvPicPr>
+          <p:nvPr/>
+        </p:nvPicPr>
+        <p:blipFill rotWithShape="1">
+          <a:blip r:embed="rId2"/>
+          <a:srcRect l="2116" t="1554" r="1897" b="1149"/>
+          <a:stretch/>
+        </p:blipFill>
+        <p:spPr>
+          <a:xfrm>
+            <a:off x="223112" y="1037556"/>
+            <a:ext cx="9666612" cy="5665497"/>
+          </a:xfrm>
+          <a:prstGeom prst="rect">
+            <a:avLst/>
+          </a:prstGeom>
+        </p:spPr>
+      </p:pic>
     </p:spTree>
     <p:extLst>
       <p:ext uri="{BB962C8B-B14F-4D97-AF65-F5344CB8AC3E}">
-        <p14:creationId xmlns:p14="http://schemas.microsoft.com/office/powerpoint/2010/main" val="2831566107"/>
+        <p14:creationId xmlns:p14="http://schemas.microsoft.com/office/powerpoint/2010/main" val="3837813581"/>
       </p:ext>
     </p:extLst>
   </p:cSld>
@@ -2427,14 +2657,14 @@
       </p:grpSpPr>
       <p:sp>
         <p:nvSpPr>
-          <p:cNvPr id="11" name="TextBox 10"/>
+          <p:cNvPr id="2" name="TextBox 1"/>
           <p:cNvSpPr txBox="1"/>
           <p:nvPr/>
         </p:nvSpPr>
         <p:spPr>
           <a:xfrm>
-            <a:off x="3799480" y="1232977"/>
-            <a:ext cx="4439036" cy="707886"/>
+            <a:off x="4000500" y="2472873"/>
+            <a:ext cx="764953" cy="769441"/>
           </a:xfrm>
           <a:prstGeom prst="rect">
             <a:avLst/>
@@ -2447,561 +2677,94 @@
           </a:bodyPr>
           <a:lstStyle/>
           <a:p>
-            <a:pPr algn="ctr"/>
-            <a:r>
-              <a:rPr lang="en-US" altLang="ko-KR" sz="4000" b="1" spc="-150" dirty="0">
-                <a:solidFill>
-                  <a:srgbClr val="8DBABD"/>
-                </a:solidFill>
-                <a:latin typeface="Malgun Gothic Semilight" panose="020B0502040204020203" pitchFamily="34" charset="-127"/>
-                <a:ea typeface="Malgun Gothic Semilight" panose="020B0502040204020203" pitchFamily="34" charset="-127"/>
-              </a:rPr>
-              <a:t>Layered Architecture</a:t>
-            </a:r>
-            <a:endParaRPr lang="ko-KR" altLang="en-US" sz="4000" b="1" spc="-150" dirty="0">
-              <a:solidFill>
-                <a:srgbClr val="8DBABD"/>
-              </a:solidFill>
-              <a:latin typeface="Malgun Gothic Semilight" panose="020B0502040204020203" pitchFamily="34" charset="-127"/>
-              <a:ea typeface="Malgun Gothic Semilight" panose="020B0502040204020203" pitchFamily="34" charset="-127"/>
-            </a:endParaRPr>
-          </a:p>
-        </p:txBody>
-      </p:sp>
-      <p:cxnSp>
-        <p:nvCxnSpPr>
-          <p:cNvPr id="14" name="직선 연결선 13"/>
-          <p:cNvCxnSpPr/>
-          <p:nvPr/>
-        </p:nvCxnSpPr>
-        <p:spPr>
-          <a:xfrm>
-            <a:off x="10430892" y="144941"/>
-            <a:ext cx="360000" cy="0"/>
-          </a:xfrm>
-          <a:prstGeom prst="line">
-            <a:avLst/>
-          </a:prstGeom>
-          <a:ln w="44450" cap="rnd">
-            <a:solidFill>
-              <a:srgbClr val="D0CECE"/>
-            </a:solidFill>
-          </a:ln>
-          <a:effectLst>
-            <a:outerShdw blurRad="50800" dist="38100" dir="5400000" algn="t" rotWithShape="0">
-              <a:prstClr val="black">
-                <a:alpha val="40000"/>
-              </a:prstClr>
-            </a:outerShdw>
-          </a:effectLst>
-        </p:spPr>
-        <p:style>
-          <a:lnRef idx="1">
-            <a:schemeClr val="accent1"/>
-          </a:lnRef>
-          <a:fillRef idx="0">
-            <a:schemeClr val="accent1"/>
-          </a:fillRef>
-          <a:effectRef idx="0">
-            <a:schemeClr val="accent1"/>
-          </a:effectRef>
-          <a:fontRef idx="minor">
-            <a:schemeClr val="tx1"/>
-          </a:fontRef>
-        </p:style>
-      </p:cxnSp>
-      <p:cxnSp>
-        <p:nvCxnSpPr>
-          <p:cNvPr id="15" name="직선 연결선 14"/>
-          <p:cNvCxnSpPr/>
-          <p:nvPr/>
-        </p:nvCxnSpPr>
-        <p:spPr>
-          <a:xfrm>
-            <a:off x="10858459" y="144941"/>
-            <a:ext cx="360000" cy="0"/>
-          </a:xfrm>
-          <a:prstGeom prst="line">
-            <a:avLst/>
-          </a:prstGeom>
-          <a:ln w="44450" cap="rnd">
-            <a:solidFill>
-              <a:schemeClr val="bg2">
-                <a:lumMod val="90000"/>
-              </a:schemeClr>
-            </a:solidFill>
-          </a:ln>
-          <a:effectLst>
-            <a:outerShdw blurRad="50800" dist="38100" dir="5400000" algn="t" rotWithShape="0">
-              <a:prstClr val="black">
-                <a:alpha val="40000"/>
-              </a:prstClr>
-            </a:outerShdw>
-          </a:effectLst>
-        </p:spPr>
-        <p:style>
-          <a:lnRef idx="1">
-            <a:schemeClr val="accent1"/>
-          </a:lnRef>
-          <a:fillRef idx="0">
-            <a:schemeClr val="accent1"/>
-          </a:fillRef>
-          <a:effectRef idx="0">
-            <a:schemeClr val="accent1"/>
-          </a:effectRef>
-          <a:fontRef idx="minor">
-            <a:schemeClr val="tx1"/>
-          </a:fontRef>
-        </p:style>
-      </p:cxnSp>
-      <p:cxnSp>
-        <p:nvCxnSpPr>
-          <p:cNvPr id="16" name="직선 연결선 15"/>
-          <p:cNvCxnSpPr/>
-          <p:nvPr/>
-        </p:nvCxnSpPr>
-        <p:spPr>
-          <a:xfrm>
-            <a:off x="11286026" y="144941"/>
-            <a:ext cx="360000" cy="0"/>
-          </a:xfrm>
-          <a:prstGeom prst="line">
-            <a:avLst/>
-          </a:prstGeom>
-          <a:ln w="44450" cap="rnd">
-            <a:solidFill>
-              <a:schemeClr val="bg2">
-                <a:lumMod val="90000"/>
-              </a:schemeClr>
-            </a:solidFill>
-          </a:ln>
-          <a:effectLst>
-            <a:outerShdw blurRad="50800" dist="38100" dir="5400000" algn="t" rotWithShape="0">
-              <a:prstClr val="black">
-                <a:alpha val="40000"/>
-              </a:prstClr>
-            </a:outerShdw>
-          </a:effectLst>
-        </p:spPr>
-        <p:style>
-          <a:lnRef idx="1">
-            <a:schemeClr val="accent1"/>
-          </a:lnRef>
-          <a:fillRef idx="0">
-            <a:schemeClr val="accent1"/>
-          </a:fillRef>
-          <a:effectRef idx="0">
-            <a:schemeClr val="accent1"/>
-          </a:effectRef>
-          <a:fontRef idx="minor">
-            <a:schemeClr val="tx1"/>
-          </a:fontRef>
-        </p:style>
-      </p:cxnSp>
-      <p:cxnSp>
-        <p:nvCxnSpPr>
-          <p:cNvPr id="17" name="직선 연결선 16"/>
-          <p:cNvCxnSpPr/>
-          <p:nvPr/>
-        </p:nvCxnSpPr>
-        <p:spPr>
-          <a:xfrm>
-            <a:off x="11713592" y="144941"/>
-            <a:ext cx="360000" cy="0"/>
-          </a:xfrm>
-          <a:prstGeom prst="line">
-            <a:avLst/>
-          </a:prstGeom>
-          <a:ln w="44450" cap="rnd">
-            <a:solidFill>
-              <a:srgbClr val="8DBABD"/>
-            </a:solidFill>
-          </a:ln>
-          <a:effectLst>
-            <a:outerShdw blurRad="50800" dist="38100" dir="5400000" algn="t" rotWithShape="0">
-              <a:prstClr val="black">
-                <a:alpha val="40000"/>
-              </a:prstClr>
-            </a:outerShdw>
-          </a:effectLst>
-        </p:spPr>
-        <p:style>
-          <a:lnRef idx="1">
-            <a:schemeClr val="accent1"/>
-          </a:lnRef>
-          <a:fillRef idx="0">
-            <a:schemeClr val="accent1"/>
-          </a:fillRef>
-          <a:effectRef idx="0">
-            <a:schemeClr val="accent1"/>
-          </a:effectRef>
-          <a:fontRef idx="minor">
-            <a:schemeClr val="tx1"/>
-          </a:fontRef>
-        </p:style>
-      </p:cxnSp>
-      <p:cxnSp>
-        <p:nvCxnSpPr>
-          <p:cNvPr id="18" name="직선 연결선 17"/>
-          <p:cNvCxnSpPr>
-            <a:cxnSpLocks/>
-          </p:cNvCxnSpPr>
-          <p:nvPr/>
-        </p:nvCxnSpPr>
-        <p:spPr>
-          <a:xfrm>
-            <a:off x="1026522" y="989148"/>
-            <a:ext cx="3258731" cy="0"/>
-          </a:xfrm>
-          <a:prstGeom prst="line">
-            <a:avLst/>
-          </a:prstGeom>
-          <a:ln>
-            <a:solidFill>
-              <a:schemeClr val="bg1">
-                <a:lumMod val="50000"/>
-              </a:schemeClr>
-            </a:solidFill>
-          </a:ln>
-        </p:spPr>
-        <p:style>
-          <a:lnRef idx="1">
-            <a:schemeClr val="accent1"/>
-          </a:lnRef>
-          <a:fillRef idx="0">
-            <a:schemeClr val="accent1"/>
-          </a:fillRef>
-          <a:effectRef idx="0">
-            <a:schemeClr val="accent1"/>
-          </a:effectRef>
-          <a:fontRef idx="minor">
-            <a:schemeClr val="tx1"/>
-          </a:fontRef>
-        </p:style>
-      </p:cxnSp>
-      <p:sp>
-        <p:nvSpPr>
-          <p:cNvPr id="19" name="TextBox 18"/>
-          <p:cNvSpPr txBox="1"/>
-          <p:nvPr/>
-        </p:nvSpPr>
-        <p:spPr>
-          <a:xfrm>
-            <a:off x="937862" y="422154"/>
-            <a:ext cx="3347391" cy="584775"/>
-          </a:xfrm>
-          <a:prstGeom prst="rect">
-            <a:avLst/>
-          </a:prstGeom>
-          <a:noFill/>
-        </p:spPr>
-        <p:txBody>
-          <a:bodyPr wrap="none" rtlCol="0">
-            <a:spAutoFit/>
-          </a:bodyPr>
-          <a:lstStyle/>
-          <a:p>
-            <a:pPr algn="ctr"/>
-            <a:r>
-              <a:rPr lang="en-US" altLang="ko-KR" sz="3200" spc="-150" dirty="0">
+            <a:r>
+              <a:rPr lang="en-US" altLang="ko-KR" sz="4400" spc="-300" dirty="0">
                 <a:solidFill>
                   <a:srgbClr val="00002F"/>
                 </a:solidFill>
-                <a:latin typeface="Malgun Gothic Semilight" panose="020B0502040204020203" pitchFamily="34" charset="-127"/>
-                <a:ea typeface="Malgun Gothic Semilight" panose="020B0502040204020203" pitchFamily="34" charset="-127"/>
+                <a:latin typeface="HY중고딕" panose="02030600000101010101" pitchFamily="18" charset="-127"/>
+                <a:ea typeface="HY중고딕" panose="02030600000101010101" pitchFamily="18" charset="-127"/>
               </a:rPr>
-              <a:t>Architectural Model</a:t>
-            </a:r>
-            <a:endParaRPr lang="ko-KR" altLang="en-US" sz="3200" spc="-150" dirty="0">
+              <a:t>05</a:t>
+            </a:r>
+            <a:endParaRPr lang="ko-KR" altLang="en-US" sz="4400" spc="-300" dirty="0">
               <a:solidFill>
                 <a:srgbClr val="00002F"/>
               </a:solidFill>
-              <a:latin typeface="Malgun Gothic Semilight" panose="020B0502040204020203" pitchFamily="34" charset="-127"/>
-              <a:ea typeface="Malgun Gothic Semilight" panose="020B0502040204020203" pitchFamily="34" charset="-127"/>
+              <a:latin typeface="HY중고딕" panose="02030600000101010101" pitchFamily="18" charset="-127"/>
+              <a:ea typeface="HY중고딕" panose="02030600000101010101" pitchFamily="18" charset="-127"/>
             </a:endParaRPr>
           </a:p>
         </p:txBody>
       </p:sp>
       <p:sp>
         <p:nvSpPr>
-          <p:cNvPr id="20" name="TextBox 19"/>
-          <p:cNvSpPr txBox="1"/>
+          <p:cNvPr id="3" name="직사각형 2"/>
+          <p:cNvSpPr/>
           <p:nvPr/>
         </p:nvSpPr>
         <p:spPr>
           <a:xfrm>
-            <a:off x="496409" y="498947"/>
-            <a:ext cx="532517" cy="461665"/>
+            <a:off x="4000499" y="3169741"/>
+            <a:ext cx="4200071" cy="473345"/>
           </a:xfrm>
           <a:prstGeom prst="rect">
             <a:avLst/>
           </a:prstGeom>
-          <a:noFill/>
-        </p:spPr>
+          <a:solidFill>
+            <a:srgbClr val="8DBABD"/>
+          </a:solidFill>
+          <a:ln>
+            <a:solidFill>
+              <a:srgbClr val="8DBABD"/>
+            </a:solidFill>
+          </a:ln>
+        </p:spPr>
+        <p:style>
+          <a:lnRef idx="2">
+            <a:schemeClr val="accent1">
+              <a:shade val="50000"/>
+            </a:schemeClr>
+          </a:lnRef>
+          <a:fillRef idx="1">
+            <a:schemeClr val="accent1"/>
+          </a:fillRef>
+          <a:effectRef idx="0">
+            <a:schemeClr val="accent1"/>
+          </a:effectRef>
+          <a:fontRef idx="minor">
+            <a:schemeClr val="lt1"/>
+          </a:fontRef>
+        </p:style>
         <p:txBody>
-          <a:bodyPr wrap="none" rtlCol="0">
-            <a:spAutoFit/>
-          </a:bodyPr>
+          <a:bodyPr rtlCol="0" anchor="ctr"/>
           <a:lstStyle/>
           <a:p>
             <a:pPr algn="ctr"/>
             <a:r>
-              <a:rPr lang="en-US" altLang="ko-KR" sz="2400" spc="-150" dirty="0">
-                <a:solidFill>
-                  <a:srgbClr val="00002F"/>
-                </a:solidFill>
-                <a:latin typeface="Malgun Gothic Semilight" panose="020B0502040204020203" pitchFamily="34" charset="-127"/>
-                <a:ea typeface="Malgun Gothic Semilight" panose="020B0502040204020203" pitchFamily="34" charset="-127"/>
+              <a:rPr lang="en-US" altLang="ko-KR" dirty="0">
+                <a:latin typeface="HY중고딕" panose="02030600000101010101" pitchFamily="18" charset="-127"/>
+                <a:ea typeface="HY중고딕" panose="02030600000101010101" pitchFamily="18" charset="-127"/>
               </a:rPr>
-              <a:t>05.</a:t>
-            </a:r>
-            <a:endParaRPr lang="ko-KR" altLang="en-US" sz="2400" spc="-150" dirty="0">
-              <a:solidFill>
-                <a:srgbClr val="00002F"/>
-              </a:solidFill>
-              <a:latin typeface="Malgun Gothic Semilight" panose="020B0502040204020203" pitchFamily="34" charset="-127"/>
-              <a:ea typeface="Malgun Gothic Semilight" panose="020B0502040204020203" pitchFamily="34" charset="-127"/>
-            </a:endParaRPr>
-          </a:p>
-        </p:txBody>
-      </p:sp>
-      <p:pic>
-        <p:nvPicPr>
-          <p:cNvPr id="4" name="Picture 3">
-            <a:extLst>
-              <a:ext uri="{FF2B5EF4-FFF2-40B4-BE49-F238E27FC236}">
-                <a16:creationId xmlns:a16="http://schemas.microsoft.com/office/drawing/2014/main" id="{78A9E877-2873-4F14-9587-FF3FB0EFE392}"/>
-              </a:ext>
-            </a:extLst>
-          </p:cNvPr>
-          <p:cNvPicPr>
-            <a:picLocks noChangeAspect="1"/>
-          </p:cNvPicPr>
-          <p:nvPr/>
-        </p:nvPicPr>
-        <p:blipFill rotWithShape="1">
-          <a:blip r:embed="rId2"/>
-          <a:srcRect l="2390" t="3977" r="2924" b="4358"/>
-          <a:stretch/>
-        </p:blipFill>
-        <p:spPr>
-          <a:xfrm>
-            <a:off x="2853801" y="2117555"/>
-            <a:ext cx="6290200" cy="4090737"/>
-          </a:xfrm>
-          <a:prstGeom prst="rect">
-            <a:avLst/>
-          </a:prstGeom>
-        </p:spPr>
-      </p:pic>
-      <p:sp>
-        <p:nvSpPr>
-          <p:cNvPr id="5" name="TextBox 4">
-            <a:extLst>
-              <a:ext uri="{FF2B5EF4-FFF2-40B4-BE49-F238E27FC236}">
-                <a16:creationId xmlns:a16="http://schemas.microsoft.com/office/drawing/2014/main" id="{CB3D56C9-6CCA-4F0B-A41E-CAA4A52CE0E6}"/>
-              </a:ext>
-            </a:extLst>
-          </p:cNvPr>
-          <p:cNvSpPr txBox="1"/>
-          <p:nvPr/>
-        </p:nvSpPr>
-        <p:spPr>
-          <a:xfrm>
-            <a:off x="4321584" y="1988742"/>
-            <a:ext cx="3202317" cy="816955"/>
-          </a:xfrm>
-          <a:prstGeom prst="rect">
-            <a:avLst/>
-          </a:prstGeom>
-          <a:noFill/>
-        </p:spPr>
-        <p:txBody>
-          <a:bodyPr wrap="square" rtlCol="0">
-            <a:spAutoFit/>
-          </a:bodyPr>
-          <a:lstStyle/>
-          <a:p>
-            <a:pPr algn="ctr">
-              <a:lnSpc>
-                <a:spcPct val="200000"/>
-              </a:lnSpc>
-            </a:pPr>
-            <a:r>
-              <a:rPr lang="en-US" sz="2800" spc="-150" dirty="0">
-                <a:latin typeface="Malgun Gothic Semilight" panose="020B0503020000020004" pitchFamily="34" charset="-127"/>
-                <a:ea typeface="Malgun Gothic Semilight" panose="020B0503020000020004" pitchFamily="34" charset="-127"/>
-              </a:rPr>
-              <a:t>User Interface (I/O)</a:t>
-            </a:r>
-          </a:p>
-        </p:txBody>
-      </p:sp>
-      <p:sp>
-        <p:nvSpPr>
-          <p:cNvPr id="22" name="TextBox 21">
-            <a:extLst>
-              <a:ext uri="{FF2B5EF4-FFF2-40B4-BE49-F238E27FC236}">
-                <a16:creationId xmlns:a16="http://schemas.microsoft.com/office/drawing/2014/main" id="{57C8921C-016C-4323-B3DC-2A2603C553C4}"/>
-              </a:ext>
-            </a:extLst>
-          </p:cNvPr>
-          <p:cNvSpPr txBox="1"/>
-          <p:nvPr/>
-        </p:nvSpPr>
-        <p:spPr>
-          <a:xfrm>
-            <a:off x="2787267" y="2997621"/>
-            <a:ext cx="6290200" cy="816955"/>
-          </a:xfrm>
-          <a:prstGeom prst="rect">
-            <a:avLst/>
-          </a:prstGeom>
-          <a:noFill/>
-        </p:spPr>
-        <p:txBody>
-          <a:bodyPr wrap="square" rtlCol="0">
-            <a:spAutoFit/>
-          </a:bodyPr>
-          <a:lstStyle/>
-          <a:p>
-            <a:pPr algn="ctr">
-              <a:lnSpc>
-                <a:spcPct val="200000"/>
-              </a:lnSpc>
-            </a:pPr>
-            <a:r>
-              <a:rPr lang="ko-KR" altLang="en-US" sz="2800" spc="-150" dirty="0">
-                <a:latin typeface="Malgun Gothic Semilight" panose="020B0503020000020004" pitchFamily="34" charset="-127"/>
-                <a:ea typeface="Malgun Gothic Semilight" panose="020B0503020000020004" pitchFamily="34" charset="-127"/>
-              </a:rPr>
-              <a:t>인증           입력 유효성 검사</a:t>
-            </a:r>
-            <a:endParaRPr lang="en-US" sz="2800" spc="-150" dirty="0">
-              <a:latin typeface="Malgun Gothic Semilight" panose="020B0503020000020004" pitchFamily="34" charset="-127"/>
-              <a:ea typeface="Malgun Gothic Semilight" panose="020B0503020000020004" pitchFamily="34" charset="-127"/>
-            </a:endParaRPr>
-          </a:p>
-        </p:txBody>
-      </p:sp>
-      <p:sp>
-        <p:nvSpPr>
-          <p:cNvPr id="23" name="TextBox 22">
-            <a:extLst>
-              <a:ext uri="{FF2B5EF4-FFF2-40B4-BE49-F238E27FC236}">
-                <a16:creationId xmlns:a16="http://schemas.microsoft.com/office/drawing/2014/main" id="{B67A2975-4E01-49EE-A3BB-DB05BDDC2E84}"/>
-              </a:ext>
-            </a:extLst>
-          </p:cNvPr>
-          <p:cNvSpPr txBox="1"/>
-          <p:nvPr/>
-        </p:nvSpPr>
-        <p:spPr>
-          <a:xfrm>
-            <a:off x="2777642" y="4006500"/>
-            <a:ext cx="6290200" cy="816955"/>
-          </a:xfrm>
-          <a:prstGeom prst="rect">
-            <a:avLst/>
-          </a:prstGeom>
-          <a:noFill/>
-        </p:spPr>
-        <p:txBody>
-          <a:bodyPr wrap="square" rtlCol="0">
-            <a:spAutoFit/>
-          </a:bodyPr>
-          <a:lstStyle/>
-          <a:p>
-            <a:pPr algn="ctr">
-              <a:lnSpc>
-                <a:spcPct val="200000"/>
-              </a:lnSpc>
-            </a:pPr>
-            <a:r>
-              <a:rPr lang="ko-KR" altLang="en-US" sz="2800" spc="-150" dirty="0">
-                <a:latin typeface="Malgun Gothic Semilight" panose="020B0503020000020004" pitchFamily="34" charset="-127"/>
-                <a:ea typeface="Malgun Gothic Semilight" panose="020B0503020000020004" pitchFamily="34" charset="-127"/>
-              </a:rPr>
-              <a:t>유저관리</a:t>
-            </a:r>
-            <a:r>
-              <a:rPr lang="en-US" altLang="ko-KR" sz="2800" spc="-150" dirty="0">
-                <a:latin typeface="Malgun Gothic Semilight" panose="020B0503020000020004" pitchFamily="34" charset="-127"/>
-                <a:ea typeface="Malgun Gothic Semilight" panose="020B0503020000020004" pitchFamily="34" charset="-127"/>
-              </a:rPr>
-              <a:t>	</a:t>
-            </a:r>
-            <a:r>
-              <a:rPr lang="ko-KR" altLang="en-US" sz="2800" spc="-150" dirty="0">
-                <a:latin typeface="Malgun Gothic Semilight" panose="020B0503020000020004" pitchFamily="34" charset="-127"/>
-                <a:ea typeface="Malgun Gothic Semilight" panose="020B0503020000020004" pitchFamily="34" charset="-127"/>
-              </a:rPr>
-              <a:t>예약기능     버스관리</a:t>
-            </a:r>
-            <a:endParaRPr lang="en-US" sz="2800" spc="-150" dirty="0">
-              <a:latin typeface="Malgun Gothic Semilight" panose="020B0503020000020004" pitchFamily="34" charset="-127"/>
-              <a:ea typeface="Malgun Gothic Semilight" panose="020B0503020000020004" pitchFamily="34" charset="-127"/>
-            </a:endParaRPr>
-          </a:p>
-        </p:txBody>
-      </p:sp>
-      <p:sp>
-        <p:nvSpPr>
-          <p:cNvPr id="24" name="TextBox 23">
-            <a:extLst>
-              <a:ext uri="{FF2B5EF4-FFF2-40B4-BE49-F238E27FC236}">
-                <a16:creationId xmlns:a16="http://schemas.microsoft.com/office/drawing/2014/main" id="{91EB1773-59BC-4C55-98F3-BF96557FE890}"/>
-              </a:ext>
-            </a:extLst>
-          </p:cNvPr>
-          <p:cNvSpPr txBox="1"/>
-          <p:nvPr/>
-        </p:nvSpPr>
-        <p:spPr>
-          <a:xfrm>
-            <a:off x="3656434" y="5117126"/>
-            <a:ext cx="4551865" cy="816955"/>
-          </a:xfrm>
-          <a:prstGeom prst="rect">
-            <a:avLst/>
-          </a:prstGeom>
-          <a:noFill/>
-        </p:spPr>
-        <p:txBody>
-          <a:bodyPr wrap="square" rtlCol="0">
-            <a:spAutoFit/>
-          </a:bodyPr>
-          <a:lstStyle/>
-          <a:p>
-            <a:pPr algn="ctr">
-              <a:lnSpc>
-                <a:spcPct val="200000"/>
-              </a:lnSpc>
-            </a:pPr>
-            <a:r>
-              <a:rPr lang="en-US" sz="2800" spc="-150" dirty="0">
-                <a:latin typeface="Malgun Gothic Semilight" panose="020B0503020000020004" pitchFamily="34" charset="-127"/>
-                <a:ea typeface="Malgun Gothic Semilight" panose="020B0503020000020004" pitchFamily="34" charset="-127"/>
-              </a:rPr>
-              <a:t>Database</a:t>
-            </a:r>
-            <a:r>
-              <a:rPr lang="ko-KR" altLang="en-US" sz="2800" spc="-150" dirty="0">
-                <a:latin typeface="Malgun Gothic Semilight" panose="020B0503020000020004" pitchFamily="34" charset="-127"/>
-                <a:ea typeface="Malgun Gothic Semilight" panose="020B0503020000020004" pitchFamily="34" charset="-127"/>
+              <a:t>Architectural</a:t>
+            </a:r>
+            <a:r>
+              <a:rPr lang="ko-KR" altLang="en-US" dirty="0">
+                <a:latin typeface="HY중고딕" panose="02030600000101010101" pitchFamily="18" charset="-127"/>
+                <a:ea typeface="HY중고딕" panose="02030600000101010101" pitchFamily="18" charset="-127"/>
               </a:rPr>
               <a:t> </a:t>
             </a:r>
             <a:r>
-              <a:rPr lang="en-US" altLang="ko-KR" sz="2800" spc="-150" dirty="0">
-                <a:latin typeface="Malgun Gothic Semilight" panose="020B0503020000020004" pitchFamily="34" charset="-127"/>
-                <a:ea typeface="Malgun Gothic Semilight" panose="020B0503020000020004" pitchFamily="34" charset="-127"/>
+              <a:rPr lang="en-US" altLang="ko-KR" dirty="0">
+                <a:latin typeface="HY중고딕" panose="02030600000101010101" pitchFamily="18" charset="-127"/>
+                <a:ea typeface="HY중고딕" panose="02030600000101010101" pitchFamily="18" charset="-127"/>
               </a:rPr>
-              <a:t>Management System</a:t>
-            </a:r>
-            <a:endParaRPr lang="en-US" sz="2800" spc="-150" dirty="0">
-              <a:latin typeface="Malgun Gothic Semilight" panose="020B0503020000020004" pitchFamily="34" charset="-127"/>
-              <a:ea typeface="Malgun Gothic Semilight" panose="020B0503020000020004" pitchFamily="34" charset="-127"/>
+              <a:t>Model</a:t>
+            </a:r>
+            <a:endParaRPr lang="ko-KR" altLang="en-US" dirty="0">
+              <a:latin typeface="HY중고딕" panose="02030600000101010101" pitchFamily="18" charset="-127"/>
+              <a:ea typeface="HY중고딕" panose="02030600000101010101" pitchFamily="18" charset="-127"/>
             </a:endParaRPr>
           </a:p>
         </p:txBody>
@@ -3009,7 +2772,7 @@
     </p:spTree>
     <p:extLst>
       <p:ext uri="{BB962C8B-B14F-4D97-AF65-F5344CB8AC3E}">
-        <p14:creationId xmlns:p14="http://schemas.microsoft.com/office/powerpoint/2010/main" val="1174097838"/>
+        <p14:creationId xmlns:p14="http://schemas.microsoft.com/office/powerpoint/2010/main" val="2831566107"/>
       </p:ext>
     </p:extLst>
   </p:cSld>
@@ -3038,14 +2801,14 @@
       </p:grpSpPr>
       <p:sp>
         <p:nvSpPr>
-          <p:cNvPr id="2" name="TextBox 1"/>
+          <p:cNvPr id="11" name="TextBox 10"/>
           <p:cNvSpPr txBox="1"/>
           <p:nvPr/>
         </p:nvSpPr>
         <p:spPr>
           <a:xfrm>
-            <a:off x="3925974" y="2400300"/>
-            <a:ext cx="797013" cy="769441"/>
+            <a:off x="3799480" y="1232977"/>
+            <a:ext cx="4439036" cy="707886"/>
           </a:xfrm>
           <a:prstGeom prst="rect">
             <a:avLst/>
@@ -3058,80 +2821,561 @@
           </a:bodyPr>
           <a:lstStyle/>
           <a:p>
-            <a:r>
-              <a:rPr lang="en-US" altLang="ko-KR" sz="4400" spc="-300" dirty="0">
+            <a:pPr algn="ctr"/>
+            <a:r>
+              <a:rPr lang="en-US" altLang="ko-KR" sz="4000" b="1" spc="-150" dirty="0">
+                <a:solidFill>
+                  <a:srgbClr val="8DBABD"/>
+                </a:solidFill>
+                <a:latin typeface="Malgun Gothic Semilight" panose="020B0502040204020203" pitchFamily="34" charset="-127"/>
+                <a:ea typeface="Malgun Gothic Semilight" panose="020B0502040204020203" pitchFamily="34" charset="-127"/>
+              </a:rPr>
+              <a:t>Layered Architecture</a:t>
+            </a:r>
+            <a:endParaRPr lang="ko-KR" altLang="en-US" sz="4000" b="1" spc="-150" dirty="0">
+              <a:solidFill>
+                <a:srgbClr val="8DBABD"/>
+              </a:solidFill>
+              <a:latin typeface="Malgun Gothic Semilight" panose="020B0502040204020203" pitchFamily="34" charset="-127"/>
+              <a:ea typeface="Malgun Gothic Semilight" panose="020B0502040204020203" pitchFamily="34" charset="-127"/>
+            </a:endParaRPr>
+          </a:p>
+        </p:txBody>
+      </p:sp>
+      <p:cxnSp>
+        <p:nvCxnSpPr>
+          <p:cNvPr id="14" name="직선 연결선 13"/>
+          <p:cNvCxnSpPr/>
+          <p:nvPr/>
+        </p:nvCxnSpPr>
+        <p:spPr>
+          <a:xfrm>
+            <a:off x="10430892" y="144941"/>
+            <a:ext cx="360000" cy="0"/>
+          </a:xfrm>
+          <a:prstGeom prst="line">
+            <a:avLst/>
+          </a:prstGeom>
+          <a:ln w="44450" cap="rnd">
+            <a:solidFill>
+              <a:srgbClr val="D0CECE"/>
+            </a:solidFill>
+          </a:ln>
+          <a:effectLst>
+            <a:outerShdw blurRad="50800" dist="38100" dir="5400000" algn="t" rotWithShape="0">
+              <a:prstClr val="black">
+                <a:alpha val="40000"/>
+              </a:prstClr>
+            </a:outerShdw>
+          </a:effectLst>
+        </p:spPr>
+        <p:style>
+          <a:lnRef idx="1">
+            <a:schemeClr val="accent1"/>
+          </a:lnRef>
+          <a:fillRef idx="0">
+            <a:schemeClr val="accent1"/>
+          </a:fillRef>
+          <a:effectRef idx="0">
+            <a:schemeClr val="accent1"/>
+          </a:effectRef>
+          <a:fontRef idx="minor">
+            <a:schemeClr val="tx1"/>
+          </a:fontRef>
+        </p:style>
+      </p:cxnSp>
+      <p:cxnSp>
+        <p:nvCxnSpPr>
+          <p:cNvPr id="15" name="직선 연결선 14"/>
+          <p:cNvCxnSpPr/>
+          <p:nvPr/>
+        </p:nvCxnSpPr>
+        <p:spPr>
+          <a:xfrm>
+            <a:off x="10858459" y="144941"/>
+            <a:ext cx="360000" cy="0"/>
+          </a:xfrm>
+          <a:prstGeom prst="line">
+            <a:avLst/>
+          </a:prstGeom>
+          <a:ln w="44450" cap="rnd">
+            <a:solidFill>
+              <a:schemeClr val="bg2">
+                <a:lumMod val="90000"/>
+              </a:schemeClr>
+            </a:solidFill>
+          </a:ln>
+          <a:effectLst>
+            <a:outerShdw blurRad="50800" dist="38100" dir="5400000" algn="t" rotWithShape="0">
+              <a:prstClr val="black">
+                <a:alpha val="40000"/>
+              </a:prstClr>
+            </a:outerShdw>
+          </a:effectLst>
+        </p:spPr>
+        <p:style>
+          <a:lnRef idx="1">
+            <a:schemeClr val="accent1"/>
+          </a:lnRef>
+          <a:fillRef idx="0">
+            <a:schemeClr val="accent1"/>
+          </a:fillRef>
+          <a:effectRef idx="0">
+            <a:schemeClr val="accent1"/>
+          </a:effectRef>
+          <a:fontRef idx="minor">
+            <a:schemeClr val="tx1"/>
+          </a:fontRef>
+        </p:style>
+      </p:cxnSp>
+      <p:cxnSp>
+        <p:nvCxnSpPr>
+          <p:cNvPr id="16" name="직선 연결선 15"/>
+          <p:cNvCxnSpPr/>
+          <p:nvPr/>
+        </p:nvCxnSpPr>
+        <p:spPr>
+          <a:xfrm>
+            <a:off x="11286026" y="144941"/>
+            <a:ext cx="360000" cy="0"/>
+          </a:xfrm>
+          <a:prstGeom prst="line">
+            <a:avLst/>
+          </a:prstGeom>
+          <a:ln w="44450" cap="rnd">
+            <a:solidFill>
+              <a:schemeClr val="bg2">
+                <a:lumMod val="90000"/>
+              </a:schemeClr>
+            </a:solidFill>
+          </a:ln>
+          <a:effectLst>
+            <a:outerShdw blurRad="50800" dist="38100" dir="5400000" algn="t" rotWithShape="0">
+              <a:prstClr val="black">
+                <a:alpha val="40000"/>
+              </a:prstClr>
+            </a:outerShdw>
+          </a:effectLst>
+        </p:spPr>
+        <p:style>
+          <a:lnRef idx="1">
+            <a:schemeClr val="accent1"/>
+          </a:lnRef>
+          <a:fillRef idx="0">
+            <a:schemeClr val="accent1"/>
+          </a:fillRef>
+          <a:effectRef idx="0">
+            <a:schemeClr val="accent1"/>
+          </a:effectRef>
+          <a:fontRef idx="minor">
+            <a:schemeClr val="tx1"/>
+          </a:fontRef>
+        </p:style>
+      </p:cxnSp>
+      <p:cxnSp>
+        <p:nvCxnSpPr>
+          <p:cNvPr id="17" name="직선 연결선 16"/>
+          <p:cNvCxnSpPr/>
+          <p:nvPr/>
+        </p:nvCxnSpPr>
+        <p:spPr>
+          <a:xfrm>
+            <a:off x="11713592" y="144941"/>
+            <a:ext cx="360000" cy="0"/>
+          </a:xfrm>
+          <a:prstGeom prst="line">
+            <a:avLst/>
+          </a:prstGeom>
+          <a:ln w="44450" cap="rnd">
+            <a:solidFill>
+              <a:srgbClr val="8DBABD"/>
+            </a:solidFill>
+          </a:ln>
+          <a:effectLst>
+            <a:outerShdw blurRad="50800" dist="38100" dir="5400000" algn="t" rotWithShape="0">
+              <a:prstClr val="black">
+                <a:alpha val="40000"/>
+              </a:prstClr>
+            </a:outerShdw>
+          </a:effectLst>
+        </p:spPr>
+        <p:style>
+          <a:lnRef idx="1">
+            <a:schemeClr val="accent1"/>
+          </a:lnRef>
+          <a:fillRef idx="0">
+            <a:schemeClr val="accent1"/>
+          </a:fillRef>
+          <a:effectRef idx="0">
+            <a:schemeClr val="accent1"/>
+          </a:effectRef>
+          <a:fontRef idx="minor">
+            <a:schemeClr val="tx1"/>
+          </a:fontRef>
+        </p:style>
+      </p:cxnSp>
+      <p:cxnSp>
+        <p:nvCxnSpPr>
+          <p:cNvPr id="18" name="직선 연결선 17"/>
+          <p:cNvCxnSpPr>
+            <a:cxnSpLocks/>
+          </p:cNvCxnSpPr>
+          <p:nvPr/>
+        </p:nvCxnSpPr>
+        <p:spPr>
+          <a:xfrm>
+            <a:off x="1026522" y="989148"/>
+            <a:ext cx="3258731" cy="0"/>
+          </a:xfrm>
+          <a:prstGeom prst="line">
+            <a:avLst/>
+          </a:prstGeom>
+          <a:ln>
+            <a:solidFill>
+              <a:schemeClr val="bg1">
+                <a:lumMod val="50000"/>
+              </a:schemeClr>
+            </a:solidFill>
+          </a:ln>
+        </p:spPr>
+        <p:style>
+          <a:lnRef idx="1">
+            <a:schemeClr val="accent1"/>
+          </a:lnRef>
+          <a:fillRef idx="0">
+            <a:schemeClr val="accent1"/>
+          </a:fillRef>
+          <a:effectRef idx="0">
+            <a:schemeClr val="accent1"/>
+          </a:effectRef>
+          <a:fontRef idx="minor">
+            <a:schemeClr val="tx1"/>
+          </a:fontRef>
+        </p:style>
+      </p:cxnSp>
+      <p:sp>
+        <p:nvSpPr>
+          <p:cNvPr id="19" name="TextBox 18"/>
+          <p:cNvSpPr txBox="1"/>
+          <p:nvPr/>
+        </p:nvSpPr>
+        <p:spPr>
+          <a:xfrm>
+            <a:off x="868741" y="422154"/>
+            <a:ext cx="3485634" cy="584775"/>
+          </a:xfrm>
+          <a:prstGeom prst="rect">
+            <a:avLst/>
+          </a:prstGeom>
+          <a:noFill/>
+        </p:spPr>
+        <p:txBody>
+          <a:bodyPr wrap="none" rtlCol="0">
+            <a:spAutoFit/>
+          </a:bodyPr>
+          <a:lstStyle/>
+          <a:p>
+            <a:pPr algn="ctr"/>
+            <a:r>
+              <a:rPr lang="en-US" altLang="ko-KR" sz="3200" spc="-150" dirty="0">
                 <a:solidFill>
                   <a:srgbClr val="00002F"/>
                 </a:solidFill>
-                <a:latin typeface="나눔스퀘어 Bold" panose="020B0600000101010101" pitchFamily="50" charset="-127"/>
-                <a:ea typeface="나눔스퀘어 Bold" panose="020B0600000101010101" pitchFamily="50" charset="-127"/>
+                <a:latin typeface="나눔스퀘어 ExtraBold"/>
+                <a:ea typeface="Malgun Gothic Semilight" panose="020B0502040204020203" pitchFamily="34" charset="-127"/>
               </a:rPr>
-              <a:t>06</a:t>
-            </a:r>
-            <a:endParaRPr lang="ko-KR" altLang="en-US" sz="4400" spc="-300" dirty="0">
+              <a:t>Architectural Model</a:t>
+            </a:r>
+            <a:endParaRPr lang="ko-KR" altLang="en-US" sz="3200" spc="-150" dirty="0">
               <a:solidFill>
                 <a:srgbClr val="00002F"/>
               </a:solidFill>
-              <a:latin typeface="나눔스퀘어 Bold" panose="020B0600000101010101" pitchFamily="50" charset="-127"/>
-              <a:ea typeface="나눔스퀘어 Bold" panose="020B0600000101010101" pitchFamily="50" charset="-127"/>
+              <a:latin typeface="나눔스퀘어 ExtraBold"/>
+              <a:ea typeface="Malgun Gothic Semilight" panose="020B0502040204020203" pitchFamily="34" charset="-127"/>
             </a:endParaRPr>
           </a:p>
         </p:txBody>
       </p:sp>
       <p:sp>
         <p:nvSpPr>
-          <p:cNvPr id="3" name="직사각형 2"/>
-          <p:cNvSpPr/>
+          <p:cNvPr id="20" name="TextBox 19"/>
+          <p:cNvSpPr txBox="1"/>
           <p:nvPr/>
         </p:nvSpPr>
         <p:spPr>
           <a:xfrm>
-            <a:off x="4000499" y="3169741"/>
-            <a:ext cx="4200071" cy="473345"/>
+            <a:off x="496409" y="498947"/>
+            <a:ext cx="532517" cy="461665"/>
           </a:xfrm>
           <a:prstGeom prst="rect">
             <a:avLst/>
           </a:prstGeom>
-          <a:solidFill>
-            <a:srgbClr val="8DBABD"/>
-          </a:solidFill>
-          <a:ln>
-            <a:solidFill>
-              <a:srgbClr val="8DBABD"/>
-            </a:solidFill>
-          </a:ln>
-        </p:spPr>
-        <p:style>
-          <a:lnRef idx="2">
-            <a:schemeClr val="accent1">
-              <a:shade val="50000"/>
-            </a:schemeClr>
-          </a:lnRef>
-          <a:fillRef idx="1">
-            <a:schemeClr val="accent1"/>
-          </a:fillRef>
-          <a:effectRef idx="0">
-            <a:schemeClr val="accent1"/>
-          </a:effectRef>
-          <a:fontRef idx="minor">
-            <a:schemeClr val="lt1"/>
-          </a:fontRef>
-        </p:style>
+          <a:noFill/>
+        </p:spPr>
         <p:txBody>
-          <a:bodyPr rtlCol="0" anchor="ctr"/>
+          <a:bodyPr wrap="none" rtlCol="0">
+            <a:spAutoFit/>
+          </a:bodyPr>
           <a:lstStyle/>
           <a:p>
             <a:pPr algn="ctr"/>
             <a:r>
-              <a:rPr lang="en-US" altLang="ko-KR" dirty="0">
-                <a:latin typeface="나눔스퀘어 Bold" panose="020B0600000101010101" pitchFamily="50" charset="-127"/>
-                <a:ea typeface="나눔스퀘어 Bold" panose="020B0600000101010101" pitchFamily="50" charset="-127"/>
+              <a:rPr lang="en-US" altLang="ko-KR" sz="2400" spc="-150" dirty="0">
+                <a:solidFill>
+                  <a:srgbClr val="00002F"/>
+                </a:solidFill>
+                <a:latin typeface="Malgun Gothic Semilight" panose="020B0502040204020203" pitchFamily="34" charset="-127"/>
+                <a:ea typeface="Malgun Gothic Semilight" panose="020B0502040204020203" pitchFamily="34" charset="-127"/>
               </a:rPr>
-              <a:t>Process Model</a:t>
-            </a:r>
-            <a:endParaRPr lang="ko-KR" altLang="en-US" dirty="0">
-              <a:latin typeface="나눔스퀘어 Bold" panose="020B0600000101010101" pitchFamily="50" charset="-127"/>
-              <a:ea typeface="나눔스퀘어 Bold" panose="020B0600000101010101" pitchFamily="50" charset="-127"/>
+              <a:t>05.</a:t>
+            </a:r>
+            <a:endParaRPr lang="ko-KR" altLang="en-US" sz="2400" spc="-150" dirty="0">
+              <a:solidFill>
+                <a:srgbClr val="00002F"/>
+              </a:solidFill>
+              <a:latin typeface="Malgun Gothic Semilight" panose="020B0502040204020203" pitchFamily="34" charset="-127"/>
+              <a:ea typeface="Malgun Gothic Semilight" panose="020B0502040204020203" pitchFamily="34" charset="-127"/>
+            </a:endParaRPr>
+          </a:p>
+        </p:txBody>
+      </p:sp>
+      <p:pic>
+        <p:nvPicPr>
+          <p:cNvPr id="4" name="Picture 3">
+            <a:extLst>
+              <a:ext uri="{FF2B5EF4-FFF2-40B4-BE49-F238E27FC236}">
+                <a16:creationId xmlns:a16="http://schemas.microsoft.com/office/drawing/2014/main" id="{78A9E877-2873-4F14-9587-FF3FB0EFE392}"/>
+              </a:ext>
+            </a:extLst>
+          </p:cNvPr>
+          <p:cNvPicPr>
+            <a:picLocks noChangeAspect="1"/>
+          </p:cNvPicPr>
+          <p:nvPr/>
+        </p:nvPicPr>
+        <p:blipFill rotWithShape="1">
+          <a:blip r:embed="rId2"/>
+          <a:srcRect l="2390" t="3977" r="2924" b="4358"/>
+          <a:stretch/>
+        </p:blipFill>
+        <p:spPr>
+          <a:xfrm>
+            <a:off x="2853801" y="2117555"/>
+            <a:ext cx="6290200" cy="4090737"/>
+          </a:xfrm>
+          <a:prstGeom prst="rect">
+            <a:avLst/>
+          </a:prstGeom>
+        </p:spPr>
+      </p:pic>
+      <p:sp>
+        <p:nvSpPr>
+          <p:cNvPr id="5" name="TextBox 4">
+            <a:extLst>
+              <a:ext uri="{FF2B5EF4-FFF2-40B4-BE49-F238E27FC236}">
+                <a16:creationId xmlns:a16="http://schemas.microsoft.com/office/drawing/2014/main" id="{CB3D56C9-6CCA-4F0B-A41E-CAA4A52CE0E6}"/>
+              </a:ext>
+            </a:extLst>
+          </p:cNvPr>
+          <p:cNvSpPr txBox="1"/>
+          <p:nvPr/>
+        </p:nvSpPr>
+        <p:spPr>
+          <a:xfrm>
+            <a:off x="4321584" y="1988742"/>
+            <a:ext cx="3202317" cy="816955"/>
+          </a:xfrm>
+          <a:prstGeom prst="rect">
+            <a:avLst/>
+          </a:prstGeom>
+          <a:noFill/>
+        </p:spPr>
+        <p:txBody>
+          <a:bodyPr wrap="square" rtlCol="0">
+            <a:spAutoFit/>
+          </a:bodyPr>
+          <a:lstStyle/>
+          <a:p>
+            <a:pPr algn="ctr">
+              <a:lnSpc>
+                <a:spcPct val="200000"/>
+              </a:lnSpc>
+            </a:pPr>
+            <a:r>
+              <a:rPr lang="en-US" sz="2800" spc="-150" dirty="0">
+                <a:latin typeface="Malgun Gothic Semilight" panose="020B0503020000020004" pitchFamily="34" charset="-127"/>
+                <a:ea typeface="Malgun Gothic Semilight" panose="020B0503020000020004" pitchFamily="34" charset="-127"/>
+              </a:rPr>
+              <a:t>User Interface (I/O)</a:t>
+            </a:r>
+          </a:p>
+        </p:txBody>
+      </p:sp>
+      <p:sp>
+        <p:nvSpPr>
+          <p:cNvPr id="22" name="TextBox 21">
+            <a:extLst>
+              <a:ext uri="{FF2B5EF4-FFF2-40B4-BE49-F238E27FC236}">
+                <a16:creationId xmlns:a16="http://schemas.microsoft.com/office/drawing/2014/main" id="{57C8921C-016C-4323-B3DC-2A2603C553C4}"/>
+              </a:ext>
+            </a:extLst>
+          </p:cNvPr>
+          <p:cNvSpPr txBox="1"/>
+          <p:nvPr/>
+        </p:nvSpPr>
+        <p:spPr>
+          <a:xfrm>
+            <a:off x="2787267" y="2997621"/>
+            <a:ext cx="6290200" cy="816955"/>
+          </a:xfrm>
+          <a:prstGeom prst="rect">
+            <a:avLst/>
+          </a:prstGeom>
+          <a:noFill/>
+        </p:spPr>
+        <p:txBody>
+          <a:bodyPr wrap="square" rtlCol="0">
+            <a:spAutoFit/>
+          </a:bodyPr>
+          <a:lstStyle/>
+          <a:p>
+            <a:pPr algn="ctr">
+              <a:lnSpc>
+                <a:spcPct val="200000"/>
+              </a:lnSpc>
+            </a:pPr>
+            <a:r>
+              <a:rPr lang="ko-KR" altLang="en-US" sz="2800" spc="-150" dirty="0">
+                <a:latin typeface="Malgun Gothic Semilight" panose="020B0503020000020004" pitchFamily="34" charset="-127"/>
+                <a:ea typeface="Malgun Gothic Semilight" panose="020B0503020000020004" pitchFamily="34" charset="-127"/>
+              </a:rPr>
+              <a:t>인증           입력 유효성 검사</a:t>
+            </a:r>
+            <a:endParaRPr lang="en-US" sz="2800" spc="-150" dirty="0">
+              <a:latin typeface="Malgun Gothic Semilight" panose="020B0503020000020004" pitchFamily="34" charset="-127"/>
+              <a:ea typeface="Malgun Gothic Semilight" panose="020B0503020000020004" pitchFamily="34" charset="-127"/>
+            </a:endParaRPr>
+          </a:p>
+        </p:txBody>
+      </p:sp>
+      <p:sp>
+        <p:nvSpPr>
+          <p:cNvPr id="23" name="TextBox 22">
+            <a:extLst>
+              <a:ext uri="{FF2B5EF4-FFF2-40B4-BE49-F238E27FC236}">
+                <a16:creationId xmlns:a16="http://schemas.microsoft.com/office/drawing/2014/main" id="{B67A2975-4E01-49EE-A3BB-DB05BDDC2E84}"/>
+              </a:ext>
+            </a:extLst>
+          </p:cNvPr>
+          <p:cNvSpPr txBox="1"/>
+          <p:nvPr/>
+        </p:nvSpPr>
+        <p:spPr>
+          <a:xfrm>
+            <a:off x="2777642" y="4006500"/>
+            <a:ext cx="6290200" cy="816955"/>
+          </a:xfrm>
+          <a:prstGeom prst="rect">
+            <a:avLst/>
+          </a:prstGeom>
+          <a:noFill/>
+        </p:spPr>
+        <p:txBody>
+          <a:bodyPr wrap="square" rtlCol="0">
+            <a:spAutoFit/>
+          </a:bodyPr>
+          <a:lstStyle/>
+          <a:p>
+            <a:pPr algn="ctr">
+              <a:lnSpc>
+                <a:spcPct val="200000"/>
+              </a:lnSpc>
+            </a:pPr>
+            <a:r>
+              <a:rPr lang="ko-KR" altLang="en-US" sz="2800" spc="-150" dirty="0">
+                <a:latin typeface="Malgun Gothic Semilight" panose="020B0503020000020004" pitchFamily="34" charset="-127"/>
+                <a:ea typeface="Malgun Gothic Semilight" panose="020B0503020000020004" pitchFamily="34" charset="-127"/>
+              </a:rPr>
+              <a:t>유저관리</a:t>
+            </a:r>
+            <a:r>
+              <a:rPr lang="en-US" altLang="ko-KR" sz="2800" spc="-150" dirty="0">
+                <a:latin typeface="Malgun Gothic Semilight" panose="020B0503020000020004" pitchFamily="34" charset="-127"/>
+                <a:ea typeface="Malgun Gothic Semilight" panose="020B0503020000020004" pitchFamily="34" charset="-127"/>
+              </a:rPr>
+              <a:t>	</a:t>
+            </a:r>
+            <a:r>
+              <a:rPr lang="ko-KR" altLang="en-US" sz="2800" spc="-150" dirty="0">
+                <a:latin typeface="Malgun Gothic Semilight" panose="020B0503020000020004" pitchFamily="34" charset="-127"/>
+                <a:ea typeface="Malgun Gothic Semilight" panose="020B0503020000020004" pitchFamily="34" charset="-127"/>
+              </a:rPr>
+              <a:t>예약기능     버스관리</a:t>
+            </a:r>
+            <a:endParaRPr lang="en-US" sz="2800" spc="-150" dirty="0">
+              <a:latin typeface="Malgun Gothic Semilight" panose="020B0503020000020004" pitchFamily="34" charset="-127"/>
+              <a:ea typeface="Malgun Gothic Semilight" panose="020B0503020000020004" pitchFamily="34" charset="-127"/>
+            </a:endParaRPr>
+          </a:p>
+        </p:txBody>
+      </p:sp>
+      <p:sp>
+        <p:nvSpPr>
+          <p:cNvPr id="24" name="TextBox 23">
+            <a:extLst>
+              <a:ext uri="{FF2B5EF4-FFF2-40B4-BE49-F238E27FC236}">
+                <a16:creationId xmlns:a16="http://schemas.microsoft.com/office/drawing/2014/main" id="{91EB1773-59BC-4C55-98F3-BF96557FE890}"/>
+              </a:ext>
+            </a:extLst>
+          </p:cNvPr>
+          <p:cNvSpPr txBox="1"/>
+          <p:nvPr/>
+        </p:nvSpPr>
+        <p:spPr>
+          <a:xfrm>
+            <a:off x="3656434" y="5117126"/>
+            <a:ext cx="4551865" cy="816955"/>
+          </a:xfrm>
+          <a:prstGeom prst="rect">
+            <a:avLst/>
+          </a:prstGeom>
+          <a:noFill/>
+        </p:spPr>
+        <p:txBody>
+          <a:bodyPr wrap="square" rtlCol="0">
+            <a:spAutoFit/>
+          </a:bodyPr>
+          <a:lstStyle/>
+          <a:p>
+            <a:pPr algn="ctr">
+              <a:lnSpc>
+                <a:spcPct val="200000"/>
+              </a:lnSpc>
+            </a:pPr>
+            <a:r>
+              <a:rPr lang="en-US" sz="2800" spc="-150" dirty="0">
+                <a:latin typeface="Malgun Gothic Semilight" panose="020B0503020000020004" pitchFamily="34" charset="-127"/>
+                <a:ea typeface="Malgun Gothic Semilight" panose="020B0503020000020004" pitchFamily="34" charset="-127"/>
+              </a:rPr>
+              <a:t>Database</a:t>
+            </a:r>
+            <a:r>
+              <a:rPr lang="ko-KR" altLang="en-US" sz="2800" spc="-150" dirty="0">
+                <a:latin typeface="Malgun Gothic Semilight" panose="020B0503020000020004" pitchFamily="34" charset="-127"/>
+                <a:ea typeface="Malgun Gothic Semilight" panose="020B0503020000020004" pitchFamily="34" charset="-127"/>
+              </a:rPr>
+              <a:t> </a:t>
+            </a:r>
+            <a:r>
+              <a:rPr lang="en-US" altLang="ko-KR" sz="2800" spc="-150" dirty="0">
+                <a:latin typeface="Malgun Gothic Semilight" panose="020B0503020000020004" pitchFamily="34" charset="-127"/>
+                <a:ea typeface="Malgun Gothic Semilight" panose="020B0503020000020004" pitchFamily="34" charset="-127"/>
+              </a:rPr>
+              <a:t>Management System</a:t>
+            </a:r>
+            <a:endParaRPr lang="en-US" sz="2800" spc="-150" dirty="0">
+              <a:latin typeface="Malgun Gothic Semilight" panose="020B0503020000020004" pitchFamily="34" charset="-127"/>
+              <a:ea typeface="Malgun Gothic Semilight" panose="020B0503020000020004" pitchFamily="34" charset="-127"/>
             </a:endParaRPr>
           </a:p>
         </p:txBody>
@@ -3139,7 +3383,7 @@
     </p:spTree>
     <p:extLst>
       <p:ext uri="{BB962C8B-B14F-4D97-AF65-F5344CB8AC3E}">
-        <p14:creationId xmlns:p14="http://schemas.microsoft.com/office/powerpoint/2010/main" val="1520267434"/>
+        <p14:creationId xmlns:p14="http://schemas.microsoft.com/office/powerpoint/2010/main" val="1174097838"/>
       </p:ext>
     </p:extLst>
   </p:cSld>
@@ -3166,6 +3410,136 @@
           <a:chExt cx="0" cy="0"/>
         </a:xfrm>
       </p:grpSpPr>
+      <p:sp>
+        <p:nvSpPr>
+          <p:cNvPr id="2" name="TextBox 1"/>
+          <p:cNvSpPr txBox="1"/>
+          <p:nvPr/>
+        </p:nvSpPr>
+        <p:spPr>
+          <a:xfrm>
+            <a:off x="3925974" y="2400300"/>
+            <a:ext cx="797013" cy="769441"/>
+          </a:xfrm>
+          <a:prstGeom prst="rect">
+            <a:avLst/>
+          </a:prstGeom>
+          <a:noFill/>
+        </p:spPr>
+        <p:txBody>
+          <a:bodyPr wrap="none" rtlCol="0">
+            <a:spAutoFit/>
+          </a:bodyPr>
+          <a:lstStyle/>
+          <a:p>
+            <a:r>
+              <a:rPr lang="en-US" altLang="ko-KR" sz="4400" spc="-300" dirty="0">
+                <a:solidFill>
+                  <a:srgbClr val="00002F"/>
+                </a:solidFill>
+                <a:latin typeface="나눔스퀘어 Bold" panose="020B0600000101010101" pitchFamily="50" charset="-127"/>
+                <a:ea typeface="나눔스퀘어 Bold" panose="020B0600000101010101" pitchFamily="50" charset="-127"/>
+              </a:rPr>
+              <a:t>06</a:t>
+            </a:r>
+            <a:endParaRPr lang="ko-KR" altLang="en-US" sz="4400" spc="-300" dirty="0">
+              <a:solidFill>
+                <a:srgbClr val="00002F"/>
+              </a:solidFill>
+              <a:latin typeface="나눔스퀘어 Bold" panose="020B0600000101010101" pitchFamily="50" charset="-127"/>
+              <a:ea typeface="나눔스퀘어 Bold" panose="020B0600000101010101" pitchFamily="50" charset="-127"/>
+            </a:endParaRPr>
+          </a:p>
+        </p:txBody>
+      </p:sp>
+      <p:sp>
+        <p:nvSpPr>
+          <p:cNvPr id="3" name="직사각형 2"/>
+          <p:cNvSpPr/>
+          <p:nvPr/>
+        </p:nvSpPr>
+        <p:spPr>
+          <a:xfrm>
+            <a:off x="4000499" y="3169741"/>
+            <a:ext cx="4200071" cy="473345"/>
+          </a:xfrm>
+          <a:prstGeom prst="rect">
+            <a:avLst/>
+          </a:prstGeom>
+          <a:solidFill>
+            <a:srgbClr val="8DBABD"/>
+          </a:solidFill>
+          <a:ln>
+            <a:solidFill>
+              <a:srgbClr val="8DBABD"/>
+            </a:solidFill>
+          </a:ln>
+        </p:spPr>
+        <p:style>
+          <a:lnRef idx="2">
+            <a:schemeClr val="accent1">
+              <a:shade val="50000"/>
+            </a:schemeClr>
+          </a:lnRef>
+          <a:fillRef idx="1">
+            <a:schemeClr val="accent1"/>
+          </a:fillRef>
+          <a:effectRef idx="0">
+            <a:schemeClr val="accent1"/>
+          </a:effectRef>
+          <a:fontRef idx="minor">
+            <a:schemeClr val="lt1"/>
+          </a:fontRef>
+        </p:style>
+        <p:txBody>
+          <a:bodyPr rtlCol="0" anchor="ctr"/>
+          <a:lstStyle/>
+          <a:p>
+            <a:pPr algn="ctr"/>
+            <a:r>
+              <a:rPr lang="en-US" altLang="ko-KR" dirty="0">
+                <a:latin typeface="나눔스퀘어 Bold" panose="020B0600000101010101" pitchFamily="50" charset="-127"/>
+                <a:ea typeface="나눔스퀘어 Bold" panose="020B0600000101010101" pitchFamily="50" charset="-127"/>
+              </a:rPr>
+              <a:t>Process Model</a:t>
+            </a:r>
+            <a:endParaRPr lang="ko-KR" altLang="en-US" dirty="0">
+              <a:latin typeface="나눔스퀘어 Bold" panose="020B0600000101010101" pitchFamily="50" charset="-127"/>
+              <a:ea typeface="나눔스퀘어 Bold" panose="020B0600000101010101" pitchFamily="50" charset="-127"/>
+            </a:endParaRPr>
+          </a:p>
+        </p:txBody>
+      </p:sp>
+    </p:spTree>
+    <p:extLst>
+      <p:ext uri="{BB962C8B-B14F-4D97-AF65-F5344CB8AC3E}">
+        <p14:creationId xmlns:p14="http://schemas.microsoft.com/office/powerpoint/2010/main" val="1520267434"/>
+      </p:ext>
+    </p:extLst>
+  </p:cSld>
+  <p:clrMapOvr>
+    <a:masterClrMapping/>
+  </p:clrMapOvr>
+</p:sld>
+</file>
+
+<file path=ppt/slides/slide17.xml><?xml version="1.0" encoding="utf-8"?>
+<p:sld xmlns:a="http://schemas.openxmlformats.org/drawingml/2006/main" xmlns:r="http://schemas.openxmlformats.org/officeDocument/2006/relationships" xmlns:p="http://schemas.openxmlformats.org/presentationml/2006/main">
+  <p:cSld>
+    <p:spTree>
+      <p:nvGrpSpPr>
+        <p:cNvPr id="1" name=""/>
+        <p:cNvGrpSpPr/>
+        <p:nvPr/>
+      </p:nvGrpSpPr>
+      <p:grpSpPr>
+        <a:xfrm>
+          <a:off x="0" y="0"/>
+          <a:ext cx="0" cy="0"/>
+          <a:chOff x="0" y="0"/>
+          <a:chExt cx="0" cy="0"/>
+        </a:xfrm>
+      </p:grpSpPr>
       <p:cxnSp>
         <p:nvCxnSpPr>
           <p:cNvPr id="18" name="직선 연결선 17"/>
@@ -3579,7 +3953,7 @@
 </p:sld>
 </file>
 
-<file path=ppt/slides/slide17.xml><?xml version="1.0" encoding="utf-8"?>
+<file path=ppt/slides/slide18.xml><?xml version="1.0" encoding="utf-8"?>
 <p:sld xmlns:a="http://schemas.openxmlformats.org/drawingml/2006/main" xmlns:r="http://schemas.openxmlformats.org/officeDocument/2006/relationships" xmlns:p="http://schemas.openxmlformats.org/presentationml/2006/main">
   <p:cSld>
     <p:spTree>
@@ -4165,7 +4539,7 @@
 </p:sld>
 </file>
 
-<file path=ppt/slides/slide18.xml><?xml version="1.0" encoding="utf-8"?>
+<file path=ppt/slides/slide19.xml><?xml version="1.0" encoding="utf-8"?>
 <p:sld xmlns:a="http://schemas.openxmlformats.org/drawingml/2006/main" xmlns:r="http://schemas.openxmlformats.org/officeDocument/2006/relationships" xmlns:p="http://schemas.openxmlformats.org/presentationml/2006/main">
   <p:cSld>
     <p:spTree>
@@ -4293,402 +4667,6 @@
     <p:extLst>
       <p:ext uri="{BB962C8B-B14F-4D97-AF65-F5344CB8AC3E}">
         <p14:creationId xmlns:p14="http://schemas.microsoft.com/office/powerpoint/2010/main" val="1862650958"/>
-      </p:ext>
-    </p:extLst>
-  </p:cSld>
-  <p:clrMapOvr>
-    <a:masterClrMapping/>
-  </p:clrMapOvr>
-</p:sld>
-</file>
-
-<file path=ppt/slides/slide19.xml><?xml version="1.0" encoding="utf-8"?>
-<p:sld xmlns:a="http://schemas.openxmlformats.org/drawingml/2006/main" xmlns:r="http://schemas.openxmlformats.org/officeDocument/2006/relationships" xmlns:p="http://schemas.openxmlformats.org/presentationml/2006/main">
-  <p:cSld>
-    <p:spTree>
-      <p:nvGrpSpPr>
-        <p:cNvPr id="1" name=""/>
-        <p:cNvGrpSpPr/>
-        <p:nvPr/>
-      </p:nvGrpSpPr>
-      <p:grpSpPr>
-        <a:xfrm>
-          <a:off x="0" y="0"/>
-          <a:ext cx="0" cy="0"/>
-          <a:chOff x="0" y="0"/>
-          <a:chExt cx="0" cy="0"/>
-        </a:xfrm>
-      </p:grpSpPr>
-      <p:sp>
-        <p:nvSpPr>
-          <p:cNvPr id="11" name="TextBox 10"/>
-          <p:cNvSpPr txBox="1"/>
-          <p:nvPr/>
-        </p:nvSpPr>
-        <p:spPr>
-          <a:xfrm>
-            <a:off x="3265572" y="1279239"/>
-            <a:ext cx="5314340" cy="707886"/>
-          </a:xfrm>
-          <a:prstGeom prst="rect">
-            <a:avLst/>
-          </a:prstGeom>
-          <a:noFill/>
-        </p:spPr>
-        <p:txBody>
-          <a:bodyPr wrap="none" rtlCol="0">
-            <a:spAutoFit/>
-          </a:bodyPr>
-          <a:lstStyle/>
-          <a:p>
-            <a:pPr algn="ctr"/>
-            <a:r>
-              <a:rPr lang="en-US" altLang="ko-KR" sz="4000" b="1" spc="-150" dirty="0">
-                <a:solidFill>
-                  <a:srgbClr val="8DBABD"/>
-                </a:solidFill>
-                <a:latin typeface="Malgun Gothic Semilight" panose="020B0502040204020203" pitchFamily="34" charset="-127"/>
-                <a:ea typeface="Malgun Gothic Semilight" panose="020B0502040204020203" pitchFamily="34" charset="-127"/>
-              </a:rPr>
-              <a:t>Throw-Away Prototyping</a:t>
-            </a:r>
-            <a:endParaRPr lang="ko-KR" altLang="en-US" sz="4000" b="1" spc="-150" dirty="0">
-              <a:solidFill>
-                <a:srgbClr val="8DBABD"/>
-              </a:solidFill>
-              <a:latin typeface="Malgun Gothic Semilight" panose="020B0502040204020203" pitchFamily="34" charset="-127"/>
-              <a:ea typeface="Malgun Gothic Semilight" panose="020B0502040204020203" pitchFamily="34" charset="-127"/>
-            </a:endParaRPr>
-          </a:p>
-        </p:txBody>
-      </p:sp>
-      <p:cxnSp>
-        <p:nvCxnSpPr>
-          <p:cNvPr id="14" name="직선 연결선 13"/>
-          <p:cNvCxnSpPr/>
-          <p:nvPr/>
-        </p:nvCxnSpPr>
-        <p:spPr>
-          <a:xfrm>
-            <a:off x="10430892" y="144941"/>
-            <a:ext cx="360000" cy="0"/>
-          </a:xfrm>
-          <a:prstGeom prst="line">
-            <a:avLst/>
-          </a:prstGeom>
-          <a:ln w="44450" cap="rnd">
-            <a:solidFill>
-              <a:srgbClr val="D0CECE"/>
-            </a:solidFill>
-          </a:ln>
-          <a:effectLst>
-            <a:outerShdw blurRad="50800" dist="38100" dir="5400000" algn="t" rotWithShape="0">
-              <a:prstClr val="black">
-                <a:alpha val="40000"/>
-              </a:prstClr>
-            </a:outerShdw>
-          </a:effectLst>
-        </p:spPr>
-        <p:style>
-          <a:lnRef idx="1">
-            <a:schemeClr val="accent1"/>
-          </a:lnRef>
-          <a:fillRef idx="0">
-            <a:schemeClr val="accent1"/>
-          </a:fillRef>
-          <a:effectRef idx="0">
-            <a:schemeClr val="accent1"/>
-          </a:effectRef>
-          <a:fontRef idx="minor">
-            <a:schemeClr val="tx1"/>
-          </a:fontRef>
-        </p:style>
-      </p:cxnSp>
-      <p:cxnSp>
-        <p:nvCxnSpPr>
-          <p:cNvPr id="15" name="직선 연결선 14"/>
-          <p:cNvCxnSpPr/>
-          <p:nvPr/>
-        </p:nvCxnSpPr>
-        <p:spPr>
-          <a:xfrm>
-            <a:off x="10858459" y="144941"/>
-            <a:ext cx="360000" cy="0"/>
-          </a:xfrm>
-          <a:prstGeom prst="line">
-            <a:avLst/>
-          </a:prstGeom>
-          <a:ln w="44450" cap="rnd">
-            <a:solidFill>
-              <a:schemeClr val="bg2">
-                <a:lumMod val="90000"/>
-              </a:schemeClr>
-            </a:solidFill>
-          </a:ln>
-          <a:effectLst>
-            <a:outerShdw blurRad="50800" dist="38100" dir="5400000" algn="t" rotWithShape="0">
-              <a:prstClr val="black">
-                <a:alpha val="40000"/>
-              </a:prstClr>
-            </a:outerShdw>
-          </a:effectLst>
-        </p:spPr>
-        <p:style>
-          <a:lnRef idx="1">
-            <a:schemeClr val="accent1"/>
-          </a:lnRef>
-          <a:fillRef idx="0">
-            <a:schemeClr val="accent1"/>
-          </a:fillRef>
-          <a:effectRef idx="0">
-            <a:schemeClr val="accent1"/>
-          </a:effectRef>
-          <a:fontRef idx="minor">
-            <a:schemeClr val="tx1"/>
-          </a:fontRef>
-        </p:style>
-      </p:cxnSp>
-      <p:cxnSp>
-        <p:nvCxnSpPr>
-          <p:cNvPr id="16" name="직선 연결선 15"/>
-          <p:cNvCxnSpPr/>
-          <p:nvPr/>
-        </p:nvCxnSpPr>
-        <p:spPr>
-          <a:xfrm>
-            <a:off x="11286026" y="144941"/>
-            <a:ext cx="360000" cy="0"/>
-          </a:xfrm>
-          <a:prstGeom prst="line">
-            <a:avLst/>
-          </a:prstGeom>
-          <a:ln w="44450" cap="rnd">
-            <a:solidFill>
-              <a:schemeClr val="bg2">
-                <a:lumMod val="90000"/>
-              </a:schemeClr>
-            </a:solidFill>
-          </a:ln>
-          <a:effectLst>
-            <a:outerShdw blurRad="50800" dist="38100" dir="5400000" algn="t" rotWithShape="0">
-              <a:prstClr val="black">
-                <a:alpha val="40000"/>
-              </a:prstClr>
-            </a:outerShdw>
-          </a:effectLst>
-        </p:spPr>
-        <p:style>
-          <a:lnRef idx="1">
-            <a:schemeClr val="accent1"/>
-          </a:lnRef>
-          <a:fillRef idx="0">
-            <a:schemeClr val="accent1"/>
-          </a:fillRef>
-          <a:effectRef idx="0">
-            <a:schemeClr val="accent1"/>
-          </a:effectRef>
-          <a:fontRef idx="minor">
-            <a:schemeClr val="tx1"/>
-          </a:fontRef>
-        </p:style>
-      </p:cxnSp>
-      <p:cxnSp>
-        <p:nvCxnSpPr>
-          <p:cNvPr id="17" name="직선 연결선 16"/>
-          <p:cNvCxnSpPr/>
-          <p:nvPr/>
-        </p:nvCxnSpPr>
-        <p:spPr>
-          <a:xfrm>
-            <a:off x="11713592" y="144941"/>
-            <a:ext cx="360000" cy="0"/>
-          </a:xfrm>
-          <a:prstGeom prst="line">
-            <a:avLst/>
-          </a:prstGeom>
-          <a:ln w="44450" cap="rnd">
-            <a:solidFill>
-              <a:srgbClr val="8DBABD"/>
-            </a:solidFill>
-          </a:ln>
-          <a:effectLst>
-            <a:outerShdw blurRad="50800" dist="38100" dir="5400000" algn="t" rotWithShape="0">
-              <a:prstClr val="black">
-                <a:alpha val="40000"/>
-              </a:prstClr>
-            </a:outerShdw>
-          </a:effectLst>
-        </p:spPr>
-        <p:style>
-          <a:lnRef idx="1">
-            <a:schemeClr val="accent1"/>
-          </a:lnRef>
-          <a:fillRef idx="0">
-            <a:schemeClr val="accent1"/>
-          </a:fillRef>
-          <a:effectRef idx="0">
-            <a:schemeClr val="accent1"/>
-          </a:effectRef>
-          <a:fontRef idx="minor">
-            <a:schemeClr val="tx1"/>
-          </a:fontRef>
-        </p:style>
-      </p:cxnSp>
-      <p:cxnSp>
-        <p:nvCxnSpPr>
-          <p:cNvPr id="18" name="직선 연결선 17"/>
-          <p:cNvCxnSpPr>
-            <a:cxnSpLocks/>
-          </p:cNvCxnSpPr>
-          <p:nvPr/>
-        </p:nvCxnSpPr>
-        <p:spPr>
-          <a:xfrm>
-            <a:off x="1026522" y="989148"/>
-            <a:ext cx="3462928" cy="0"/>
-          </a:xfrm>
-          <a:prstGeom prst="line">
-            <a:avLst/>
-          </a:prstGeom>
-          <a:ln>
-            <a:solidFill>
-              <a:schemeClr val="bg1">
-                <a:lumMod val="50000"/>
-              </a:schemeClr>
-            </a:solidFill>
-          </a:ln>
-        </p:spPr>
-        <p:style>
-          <a:lnRef idx="1">
-            <a:schemeClr val="accent1"/>
-          </a:lnRef>
-          <a:fillRef idx="0">
-            <a:schemeClr val="accent1"/>
-          </a:fillRef>
-          <a:effectRef idx="0">
-            <a:schemeClr val="accent1"/>
-          </a:effectRef>
-          <a:fontRef idx="minor">
-            <a:schemeClr val="tx1"/>
-          </a:fontRef>
-        </p:style>
-      </p:cxnSp>
-      <p:sp>
-        <p:nvSpPr>
-          <p:cNvPr id="19" name="TextBox 18"/>
-          <p:cNvSpPr txBox="1"/>
-          <p:nvPr/>
-        </p:nvSpPr>
-        <p:spPr>
-          <a:xfrm>
-            <a:off x="898672" y="412529"/>
-            <a:ext cx="3656770" cy="523220"/>
-          </a:xfrm>
-          <a:prstGeom prst="rect">
-            <a:avLst/>
-          </a:prstGeom>
-          <a:noFill/>
-        </p:spPr>
-        <p:txBody>
-          <a:bodyPr wrap="none" rtlCol="0">
-            <a:spAutoFit/>
-          </a:bodyPr>
-          <a:lstStyle/>
-          <a:p>
-            <a:pPr algn="ctr"/>
-            <a:r>
-              <a:rPr lang="ko-KR" altLang="en-US" sz="2800" b="1" dirty="0">
-                <a:latin typeface="HY중고딕" panose="02030600000101010101" pitchFamily="18" charset="-127"/>
-                <a:ea typeface="HY중고딕" panose="02030600000101010101" pitchFamily="18" charset="-127"/>
-              </a:rPr>
-              <a:t>수행계획 및 추진전략</a:t>
-            </a:r>
-          </a:p>
-        </p:txBody>
-      </p:sp>
-      <p:sp>
-        <p:nvSpPr>
-          <p:cNvPr id="20" name="TextBox 19"/>
-          <p:cNvSpPr txBox="1"/>
-          <p:nvPr/>
-        </p:nvSpPr>
-        <p:spPr>
-          <a:xfrm>
-            <a:off x="502820" y="498947"/>
-            <a:ext cx="519694" cy="461665"/>
-          </a:xfrm>
-          <a:prstGeom prst="rect">
-            <a:avLst/>
-          </a:prstGeom>
-          <a:noFill/>
-        </p:spPr>
-        <p:txBody>
-          <a:bodyPr wrap="none" rtlCol="0">
-            <a:spAutoFit/>
-          </a:bodyPr>
-          <a:lstStyle/>
-          <a:p>
-            <a:pPr algn="ctr"/>
-            <a:r>
-              <a:rPr lang="en-US" altLang="ko-KR" sz="2400" spc="-150" dirty="0">
-                <a:solidFill>
-                  <a:srgbClr val="00002F"/>
-                </a:solidFill>
-                <a:latin typeface="Malgun Gothic Semilight" panose="020B0502040204020203" pitchFamily="34" charset="-127"/>
-                <a:ea typeface="Malgun Gothic Semilight" panose="020B0502040204020203" pitchFamily="34" charset="-127"/>
-              </a:rPr>
-              <a:t>07.</a:t>
-            </a:r>
-            <a:endParaRPr lang="ko-KR" altLang="en-US" sz="2400" spc="-150" dirty="0">
-              <a:solidFill>
-                <a:srgbClr val="00002F"/>
-              </a:solidFill>
-              <a:latin typeface="Malgun Gothic Semilight" panose="020B0502040204020203" pitchFamily="34" charset="-127"/>
-              <a:ea typeface="Malgun Gothic Semilight" panose="020B0502040204020203" pitchFamily="34" charset="-127"/>
-            </a:endParaRPr>
-          </a:p>
-        </p:txBody>
-      </p:sp>
-      <p:pic>
-        <p:nvPicPr>
-          <p:cNvPr id="9" name="Picture 8">
-            <a:extLst>
-              <a:ext uri="{FF2B5EF4-FFF2-40B4-BE49-F238E27FC236}">
-                <a16:creationId xmlns:a16="http://schemas.microsoft.com/office/drawing/2014/main" id="{AD9F3133-01CD-4E21-89ED-A2E490987F9C}"/>
-              </a:ext>
-            </a:extLst>
-          </p:cNvPr>
-          <p:cNvPicPr>
-            <a:picLocks noChangeAspect="1"/>
-          </p:cNvPicPr>
-          <p:nvPr/>
-        </p:nvPicPr>
-        <p:blipFill>
-          <a:blip r:embed="rId2">
-            <a:extLst>
-              <a:ext uri="{28A0092B-C50C-407E-A947-70E740481C1C}">
-                <a14:useLocalDpi xmlns:a14="http://schemas.microsoft.com/office/drawing/2010/main" val="0"/>
-              </a:ext>
-            </a:extLst>
-          </a:blip>
-          <a:stretch>
-            <a:fillRect/>
-          </a:stretch>
-        </p:blipFill>
-        <p:spPr>
-          <a:xfrm>
-            <a:off x="80471" y="2319296"/>
-            <a:ext cx="12002746" cy="2772465"/>
-          </a:xfrm>
-          <a:prstGeom prst="rect">
-            <a:avLst/>
-          </a:prstGeom>
-        </p:spPr>
-      </p:pic>
-    </p:spTree>
-    <p:extLst>
-      <p:ext uri="{BB962C8B-B14F-4D97-AF65-F5344CB8AC3E}">
-        <p14:creationId xmlns:p14="http://schemas.microsoft.com/office/powerpoint/2010/main" val="1803526317"/>
       </p:ext>
     </p:extLst>
   </p:cSld>
@@ -5650,6 +5628,402 @@
         </p:nvSpPr>
         <p:spPr>
           <a:xfrm>
+            <a:off x="3265572" y="1279239"/>
+            <a:ext cx="5314340" cy="707886"/>
+          </a:xfrm>
+          <a:prstGeom prst="rect">
+            <a:avLst/>
+          </a:prstGeom>
+          <a:noFill/>
+        </p:spPr>
+        <p:txBody>
+          <a:bodyPr wrap="none" rtlCol="0">
+            <a:spAutoFit/>
+          </a:bodyPr>
+          <a:lstStyle/>
+          <a:p>
+            <a:pPr algn="ctr"/>
+            <a:r>
+              <a:rPr lang="en-US" altLang="ko-KR" sz="4000" b="1" spc="-150" dirty="0">
+                <a:solidFill>
+                  <a:srgbClr val="8DBABD"/>
+                </a:solidFill>
+                <a:latin typeface="Malgun Gothic Semilight" panose="020B0502040204020203" pitchFamily="34" charset="-127"/>
+                <a:ea typeface="Malgun Gothic Semilight" panose="020B0502040204020203" pitchFamily="34" charset="-127"/>
+              </a:rPr>
+              <a:t>Throw-Away Prototyping</a:t>
+            </a:r>
+            <a:endParaRPr lang="ko-KR" altLang="en-US" sz="4000" b="1" spc="-150" dirty="0">
+              <a:solidFill>
+                <a:srgbClr val="8DBABD"/>
+              </a:solidFill>
+              <a:latin typeface="Malgun Gothic Semilight" panose="020B0502040204020203" pitchFamily="34" charset="-127"/>
+              <a:ea typeface="Malgun Gothic Semilight" panose="020B0502040204020203" pitchFamily="34" charset="-127"/>
+            </a:endParaRPr>
+          </a:p>
+        </p:txBody>
+      </p:sp>
+      <p:cxnSp>
+        <p:nvCxnSpPr>
+          <p:cNvPr id="14" name="직선 연결선 13"/>
+          <p:cNvCxnSpPr/>
+          <p:nvPr/>
+        </p:nvCxnSpPr>
+        <p:spPr>
+          <a:xfrm>
+            <a:off x="10430892" y="144941"/>
+            <a:ext cx="360000" cy="0"/>
+          </a:xfrm>
+          <a:prstGeom prst="line">
+            <a:avLst/>
+          </a:prstGeom>
+          <a:ln w="44450" cap="rnd">
+            <a:solidFill>
+              <a:srgbClr val="D0CECE"/>
+            </a:solidFill>
+          </a:ln>
+          <a:effectLst>
+            <a:outerShdw blurRad="50800" dist="38100" dir="5400000" algn="t" rotWithShape="0">
+              <a:prstClr val="black">
+                <a:alpha val="40000"/>
+              </a:prstClr>
+            </a:outerShdw>
+          </a:effectLst>
+        </p:spPr>
+        <p:style>
+          <a:lnRef idx="1">
+            <a:schemeClr val="accent1"/>
+          </a:lnRef>
+          <a:fillRef idx="0">
+            <a:schemeClr val="accent1"/>
+          </a:fillRef>
+          <a:effectRef idx="0">
+            <a:schemeClr val="accent1"/>
+          </a:effectRef>
+          <a:fontRef idx="minor">
+            <a:schemeClr val="tx1"/>
+          </a:fontRef>
+        </p:style>
+      </p:cxnSp>
+      <p:cxnSp>
+        <p:nvCxnSpPr>
+          <p:cNvPr id="15" name="직선 연결선 14"/>
+          <p:cNvCxnSpPr/>
+          <p:nvPr/>
+        </p:nvCxnSpPr>
+        <p:spPr>
+          <a:xfrm>
+            <a:off x="10858459" y="144941"/>
+            <a:ext cx="360000" cy="0"/>
+          </a:xfrm>
+          <a:prstGeom prst="line">
+            <a:avLst/>
+          </a:prstGeom>
+          <a:ln w="44450" cap="rnd">
+            <a:solidFill>
+              <a:schemeClr val="bg2">
+                <a:lumMod val="90000"/>
+              </a:schemeClr>
+            </a:solidFill>
+          </a:ln>
+          <a:effectLst>
+            <a:outerShdw blurRad="50800" dist="38100" dir="5400000" algn="t" rotWithShape="0">
+              <a:prstClr val="black">
+                <a:alpha val="40000"/>
+              </a:prstClr>
+            </a:outerShdw>
+          </a:effectLst>
+        </p:spPr>
+        <p:style>
+          <a:lnRef idx="1">
+            <a:schemeClr val="accent1"/>
+          </a:lnRef>
+          <a:fillRef idx="0">
+            <a:schemeClr val="accent1"/>
+          </a:fillRef>
+          <a:effectRef idx="0">
+            <a:schemeClr val="accent1"/>
+          </a:effectRef>
+          <a:fontRef idx="minor">
+            <a:schemeClr val="tx1"/>
+          </a:fontRef>
+        </p:style>
+      </p:cxnSp>
+      <p:cxnSp>
+        <p:nvCxnSpPr>
+          <p:cNvPr id="16" name="직선 연결선 15"/>
+          <p:cNvCxnSpPr/>
+          <p:nvPr/>
+        </p:nvCxnSpPr>
+        <p:spPr>
+          <a:xfrm>
+            <a:off x="11286026" y="144941"/>
+            <a:ext cx="360000" cy="0"/>
+          </a:xfrm>
+          <a:prstGeom prst="line">
+            <a:avLst/>
+          </a:prstGeom>
+          <a:ln w="44450" cap="rnd">
+            <a:solidFill>
+              <a:schemeClr val="bg2">
+                <a:lumMod val="90000"/>
+              </a:schemeClr>
+            </a:solidFill>
+          </a:ln>
+          <a:effectLst>
+            <a:outerShdw blurRad="50800" dist="38100" dir="5400000" algn="t" rotWithShape="0">
+              <a:prstClr val="black">
+                <a:alpha val="40000"/>
+              </a:prstClr>
+            </a:outerShdw>
+          </a:effectLst>
+        </p:spPr>
+        <p:style>
+          <a:lnRef idx="1">
+            <a:schemeClr val="accent1"/>
+          </a:lnRef>
+          <a:fillRef idx="0">
+            <a:schemeClr val="accent1"/>
+          </a:fillRef>
+          <a:effectRef idx="0">
+            <a:schemeClr val="accent1"/>
+          </a:effectRef>
+          <a:fontRef idx="minor">
+            <a:schemeClr val="tx1"/>
+          </a:fontRef>
+        </p:style>
+      </p:cxnSp>
+      <p:cxnSp>
+        <p:nvCxnSpPr>
+          <p:cNvPr id="17" name="직선 연결선 16"/>
+          <p:cNvCxnSpPr/>
+          <p:nvPr/>
+        </p:nvCxnSpPr>
+        <p:spPr>
+          <a:xfrm>
+            <a:off x="11713592" y="144941"/>
+            <a:ext cx="360000" cy="0"/>
+          </a:xfrm>
+          <a:prstGeom prst="line">
+            <a:avLst/>
+          </a:prstGeom>
+          <a:ln w="44450" cap="rnd">
+            <a:solidFill>
+              <a:srgbClr val="8DBABD"/>
+            </a:solidFill>
+          </a:ln>
+          <a:effectLst>
+            <a:outerShdw blurRad="50800" dist="38100" dir="5400000" algn="t" rotWithShape="0">
+              <a:prstClr val="black">
+                <a:alpha val="40000"/>
+              </a:prstClr>
+            </a:outerShdw>
+          </a:effectLst>
+        </p:spPr>
+        <p:style>
+          <a:lnRef idx="1">
+            <a:schemeClr val="accent1"/>
+          </a:lnRef>
+          <a:fillRef idx="0">
+            <a:schemeClr val="accent1"/>
+          </a:fillRef>
+          <a:effectRef idx="0">
+            <a:schemeClr val="accent1"/>
+          </a:effectRef>
+          <a:fontRef idx="minor">
+            <a:schemeClr val="tx1"/>
+          </a:fontRef>
+        </p:style>
+      </p:cxnSp>
+      <p:cxnSp>
+        <p:nvCxnSpPr>
+          <p:cNvPr id="18" name="직선 연결선 17"/>
+          <p:cNvCxnSpPr>
+            <a:cxnSpLocks/>
+          </p:cNvCxnSpPr>
+          <p:nvPr/>
+        </p:nvCxnSpPr>
+        <p:spPr>
+          <a:xfrm>
+            <a:off x="1026522" y="989148"/>
+            <a:ext cx="3462928" cy="0"/>
+          </a:xfrm>
+          <a:prstGeom prst="line">
+            <a:avLst/>
+          </a:prstGeom>
+          <a:ln>
+            <a:solidFill>
+              <a:schemeClr val="bg1">
+                <a:lumMod val="50000"/>
+              </a:schemeClr>
+            </a:solidFill>
+          </a:ln>
+        </p:spPr>
+        <p:style>
+          <a:lnRef idx="1">
+            <a:schemeClr val="accent1"/>
+          </a:lnRef>
+          <a:fillRef idx="0">
+            <a:schemeClr val="accent1"/>
+          </a:fillRef>
+          <a:effectRef idx="0">
+            <a:schemeClr val="accent1"/>
+          </a:effectRef>
+          <a:fontRef idx="minor">
+            <a:schemeClr val="tx1"/>
+          </a:fontRef>
+        </p:style>
+      </p:cxnSp>
+      <p:sp>
+        <p:nvSpPr>
+          <p:cNvPr id="19" name="TextBox 18"/>
+          <p:cNvSpPr txBox="1"/>
+          <p:nvPr/>
+        </p:nvSpPr>
+        <p:spPr>
+          <a:xfrm>
+            <a:off x="898672" y="412529"/>
+            <a:ext cx="3656770" cy="523220"/>
+          </a:xfrm>
+          <a:prstGeom prst="rect">
+            <a:avLst/>
+          </a:prstGeom>
+          <a:noFill/>
+        </p:spPr>
+        <p:txBody>
+          <a:bodyPr wrap="none" rtlCol="0">
+            <a:spAutoFit/>
+          </a:bodyPr>
+          <a:lstStyle/>
+          <a:p>
+            <a:pPr algn="ctr"/>
+            <a:r>
+              <a:rPr lang="ko-KR" altLang="en-US" sz="2800" b="1" dirty="0">
+                <a:latin typeface="HY중고딕" panose="02030600000101010101" pitchFamily="18" charset="-127"/>
+                <a:ea typeface="HY중고딕" panose="02030600000101010101" pitchFamily="18" charset="-127"/>
+              </a:rPr>
+              <a:t>수행계획 및 추진전략</a:t>
+            </a:r>
+          </a:p>
+        </p:txBody>
+      </p:sp>
+      <p:sp>
+        <p:nvSpPr>
+          <p:cNvPr id="20" name="TextBox 19"/>
+          <p:cNvSpPr txBox="1"/>
+          <p:nvPr/>
+        </p:nvSpPr>
+        <p:spPr>
+          <a:xfrm>
+            <a:off x="502820" y="498947"/>
+            <a:ext cx="519694" cy="461665"/>
+          </a:xfrm>
+          <a:prstGeom prst="rect">
+            <a:avLst/>
+          </a:prstGeom>
+          <a:noFill/>
+        </p:spPr>
+        <p:txBody>
+          <a:bodyPr wrap="none" rtlCol="0">
+            <a:spAutoFit/>
+          </a:bodyPr>
+          <a:lstStyle/>
+          <a:p>
+            <a:pPr algn="ctr"/>
+            <a:r>
+              <a:rPr lang="en-US" altLang="ko-KR" sz="2400" spc="-150" dirty="0">
+                <a:solidFill>
+                  <a:srgbClr val="00002F"/>
+                </a:solidFill>
+                <a:latin typeface="Malgun Gothic Semilight" panose="020B0502040204020203" pitchFamily="34" charset="-127"/>
+                <a:ea typeface="Malgun Gothic Semilight" panose="020B0502040204020203" pitchFamily="34" charset="-127"/>
+              </a:rPr>
+              <a:t>07.</a:t>
+            </a:r>
+            <a:endParaRPr lang="ko-KR" altLang="en-US" sz="2400" spc="-150" dirty="0">
+              <a:solidFill>
+                <a:srgbClr val="00002F"/>
+              </a:solidFill>
+              <a:latin typeface="Malgun Gothic Semilight" panose="020B0502040204020203" pitchFamily="34" charset="-127"/>
+              <a:ea typeface="Malgun Gothic Semilight" panose="020B0502040204020203" pitchFamily="34" charset="-127"/>
+            </a:endParaRPr>
+          </a:p>
+        </p:txBody>
+      </p:sp>
+      <p:pic>
+        <p:nvPicPr>
+          <p:cNvPr id="9" name="Picture 8">
+            <a:extLst>
+              <a:ext uri="{FF2B5EF4-FFF2-40B4-BE49-F238E27FC236}">
+                <a16:creationId xmlns:a16="http://schemas.microsoft.com/office/drawing/2014/main" id="{AD9F3133-01CD-4E21-89ED-A2E490987F9C}"/>
+              </a:ext>
+            </a:extLst>
+          </p:cNvPr>
+          <p:cNvPicPr>
+            <a:picLocks noChangeAspect="1"/>
+          </p:cNvPicPr>
+          <p:nvPr/>
+        </p:nvPicPr>
+        <p:blipFill>
+          <a:blip r:embed="rId2">
+            <a:extLst>
+              <a:ext uri="{28A0092B-C50C-407E-A947-70E740481C1C}">
+                <a14:useLocalDpi xmlns:a14="http://schemas.microsoft.com/office/drawing/2010/main" val="0"/>
+              </a:ext>
+            </a:extLst>
+          </a:blip>
+          <a:stretch>
+            <a:fillRect/>
+          </a:stretch>
+        </p:blipFill>
+        <p:spPr>
+          <a:xfrm>
+            <a:off x="80471" y="2319296"/>
+            <a:ext cx="12002746" cy="2772465"/>
+          </a:xfrm>
+          <a:prstGeom prst="rect">
+            <a:avLst/>
+          </a:prstGeom>
+        </p:spPr>
+      </p:pic>
+    </p:spTree>
+    <p:extLst>
+      <p:ext uri="{BB962C8B-B14F-4D97-AF65-F5344CB8AC3E}">
+        <p14:creationId xmlns:p14="http://schemas.microsoft.com/office/powerpoint/2010/main" val="1803526317"/>
+      </p:ext>
+    </p:extLst>
+  </p:cSld>
+  <p:clrMapOvr>
+    <a:masterClrMapping/>
+  </p:clrMapOvr>
+</p:sld>
+</file>
+
+<file path=ppt/slides/slide21.xml><?xml version="1.0" encoding="utf-8"?>
+<p:sld xmlns:a="http://schemas.openxmlformats.org/drawingml/2006/main" xmlns:r="http://schemas.openxmlformats.org/officeDocument/2006/relationships" xmlns:p="http://schemas.openxmlformats.org/presentationml/2006/main">
+  <p:cSld>
+    <p:spTree>
+      <p:nvGrpSpPr>
+        <p:cNvPr id="1" name=""/>
+        <p:cNvGrpSpPr/>
+        <p:nvPr/>
+      </p:nvGrpSpPr>
+      <p:grpSpPr>
+        <a:xfrm>
+          <a:off x="0" y="0"/>
+          <a:ext cx="0" cy="0"/>
+          <a:chOff x="0" y="0"/>
+          <a:chExt cx="0" cy="0"/>
+        </a:xfrm>
+      </p:grpSpPr>
+      <p:sp>
+        <p:nvSpPr>
+          <p:cNvPr id="11" name="TextBox 10"/>
+          <p:cNvSpPr txBox="1"/>
+          <p:nvPr/>
+        </p:nvSpPr>
+        <p:spPr>
+          <a:xfrm>
             <a:off x="5014762" y="1386402"/>
             <a:ext cx="2159567" cy="707886"/>
           </a:xfrm>
@@ -6247,7 +6621,7 @@
 </p:sld>
 </file>
 
-<file path=ppt/slides/slide21.xml><?xml version="1.0" encoding="utf-8"?>
+<file path=ppt/slides/slide22.xml><?xml version="1.0" encoding="utf-8"?>
 <p:sld xmlns:a="http://schemas.openxmlformats.org/drawingml/2006/main" xmlns:r="http://schemas.openxmlformats.org/officeDocument/2006/relationships" xmlns:p="http://schemas.openxmlformats.org/presentationml/2006/main">
   <p:cSld>
     <p:spTree>
@@ -6320,7 +6694,7 @@
 </p:sld>
 </file>
 
-<file path=ppt/slides/slide22.xml><?xml version="1.0" encoding="utf-8"?>
+<file path=ppt/slides/slide23.xml><?xml version="1.0" encoding="utf-8"?>
 <p:sld xmlns:a="http://schemas.openxmlformats.org/drawingml/2006/main" xmlns:r="http://schemas.openxmlformats.org/officeDocument/2006/relationships" xmlns:p="http://schemas.openxmlformats.org/presentationml/2006/main">
   <p:cSld>
     <p:spTree>

--- a/designdocs/Project Plan Presentation.pptx
+++ b/designdocs/Project Plan Presentation.pptx
@@ -5,7 +5,7 @@
     <p:sldMasterId id="2147483656" r:id="rId1"/>
   </p:sldMasterIdLst>
   <p:notesMasterIdLst>
-    <p:notesMasterId r:id="rId25"/>
+    <p:notesMasterId r:id="rId24"/>
   </p:notesMasterIdLst>
   <p:sldIdLst>
     <p:sldId id="257" r:id="rId2"/>
@@ -20,33 +20,41 @@
     <p:sldId id="281" r:id="rId11"/>
     <p:sldId id="267" r:id="rId12"/>
     <p:sldId id="268" r:id="rId13"/>
-    <p:sldId id="287" r:id="rId14"/>
-    <p:sldId id="271" r:id="rId15"/>
-    <p:sldId id="272" r:id="rId16"/>
-    <p:sldId id="282" r:id="rId17"/>
-    <p:sldId id="283" r:id="rId18"/>
-    <p:sldId id="284" r:id="rId19"/>
-    <p:sldId id="273" r:id="rId20"/>
-    <p:sldId id="274" r:id="rId21"/>
-    <p:sldId id="275" r:id="rId22"/>
-    <p:sldId id="285" r:id="rId23"/>
-    <p:sldId id="286" r:id="rId24"/>
+    <p:sldId id="271" r:id="rId14"/>
+    <p:sldId id="272" r:id="rId15"/>
+    <p:sldId id="282" r:id="rId16"/>
+    <p:sldId id="283" r:id="rId17"/>
+    <p:sldId id="284" r:id="rId18"/>
+    <p:sldId id="273" r:id="rId19"/>
+    <p:sldId id="274" r:id="rId20"/>
+    <p:sldId id="275" r:id="rId21"/>
+    <p:sldId id="285" r:id="rId22"/>
+    <p:sldId id="286" r:id="rId23"/>
   </p:sldIdLst>
   <p:sldSz cx="12192000" cy="6858000"/>
   <p:notesSz cx="6858000" cy="9144000"/>
   <p:embeddedFontLst>
     <p:embeddedFont>
       <p:font typeface="HY중고딕" panose="02030600000101010101" pitchFamily="18" charset="-127"/>
+      <p:regular r:id="rId25"/>
+    </p:embeddedFont>
+    <p:embeddedFont>
+      <p:font typeface="Malgun Gothic Semilight" panose="020B0502040204020203" pitchFamily="50" charset="-127"/>
       <p:regular r:id="rId26"/>
     </p:embeddedFont>
     <p:embeddedFont>
-      <p:font typeface="Malgun Gothic Semilight" panose="020B0502040204020203" pitchFamily="50" charset="-127"/>
+      <p:font typeface="나눔바른고딕" panose="020B0603020101020101" pitchFamily="50" charset="-127"/>
       <p:regular r:id="rId27"/>
+      <p:bold r:id="rId28"/>
+    </p:embeddedFont>
+    <p:embeddedFont>
+      <p:font typeface="나눔스퀘어 ExtraBold" panose="020B0600000101010101" pitchFamily="50" charset="-127"/>
+      <p:bold r:id="rId29"/>
     </p:embeddedFont>
     <p:embeddedFont>
       <p:font typeface="맑은 고딕" panose="020B0503020000020004" pitchFamily="50" charset="-127"/>
-      <p:regular r:id="rId28"/>
-      <p:bold r:id="rId29"/>
+      <p:regular r:id="rId30"/>
+      <p:bold r:id="rId31"/>
     </p:embeddedFont>
   </p:embeddedFontLst>
   <p:defaultTextStyle>
@@ -150,6 +158,15 @@
     </p:ext>
   </p:extLst>
 </p:presentation>
+</file>
+
+<file path=ppt/revisionInfo.xml><?xml version="1.0" encoding="utf-8"?>
+<p1510:revInfo xmlns:a="http://schemas.openxmlformats.org/drawingml/2006/main" xmlns:r="http://schemas.openxmlformats.org/officeDocument/2006/relationships" xmlns:p1510="http://schemas.microsoft.com/office/powerpoint/2015/10/main">
+  <p1510:revLst>
+    <p1510:client id="{D02F155A-D535-4388-BE65-F87F4169F270}" v="704" dt="2019-04-13T14:22:17.763"/>
+    <p1510:client id="{DDA0B81F-49F4-A750-96F7-01BF9F253C28}" v="23" dt="2019-04-13T17:00:41.390"/>
+  </p1510:revLst>
+</p1510:revInfo>
 </file>
 
 <file path=ppt/notesMasters/notesMaster1.xml><?xml version="1.0" encoding="utf-8"?>
@@ -499,6 +516,93 @@
     </a:lvl9pPr>
   </p:notesStyle>
 </p:notesMaster>
+</file>
+
+<file path=ppt/notesSlides/notesSlide1.xml><?xml version="1.0" encoding="utf-8"?>
+<p:notes xmlns:a="http://schemas.openxmlformats.org/drawingml/2006/main" xmlns:r="http://schemas.openxmlformats.org/officeDocument/2006/relationships" xmlns:p="http://schemas.openxmlformats.org/presentationml/2006/main">
+  <p:cSld>
+    <p:spTree>
+      <p:nvGrpSpPr>
+        <p:cNvPr id="1" name=""/>
+        <p:cNvGrpSpPr/>
+        <p:nvPr/>
+      </p:nvGrpSpPr>
+      <p:grpSpPr>
+        <a:xfrm>
+          <a:off x="0" y="0"/>
+          <a:ext cx="0" cy="0"/>
+          <a:chOff x="0" y="0"/>
+          <a:chExt cx="0" cy="0"/>
+        </a:xfrm>
+      </p:grpSpPr>
+      <p:sp>
+        <p:nvSpPr>
+          <p:cNvPr id="2" name="슬라이드 이미지 개체 틀 1"/>
+          <p:cNvSpPr>
+            <a:spLocks noGrp="1" noRot="1" noChangeAspect="1"/>
+          </p:cNvSpPr>
+          <p:nvPr>
+            <p:ph type="sldImg"/>
+          </p:nvPr>
+        </p:nvSpPr>
+        <p:spPr/>
+      </p:sp>
+      <p:sp>
+        <p:nvSpPr>
+          <p:cNvPr id="3" name="슬라이드 노트 개체 틀 2"/>
+          <p:cNvSpPr>
+            <a:spLocks noGrp="1"/>
+          </p:cNvSpPr>
+          <p:nvPr>
+            <p:ph type="body" idx="1"/>
+          </p:nvPr>
+        </p:nvSpPr>
+        <p:spPr/>
+        <p:txBody>
+          <a:bodyPr/>
+          <a:lstStyle/>
+          <a:p>
+            <a:endParaRPr lang="ko-KR" altLang="en-US" dirty="0">
+              <a:latin typeface="나눔스퀘어 ExtraBold" panose="020B0600000101010101" pitchFamily="50" charset="-127"/>
+              <a:ea typeface="나눔스퀘어 ExtraBold" panose="020B0600000101010101" pitchFamily="50" charset="-127"/>
+            </a:endParaRPr>
+          </a:p>
+        </p:txBody>
+      </p:sp>
+      <p:sp>
+        <p:nvSpPr>
+          <p:cNvPr id="4" name="슬라이드 번호 개체 틀 3"/>
+          <p:cNvSpPr>
+            <a:spLocks noGrp="1"/>
+          </p:cNvSpPr>
+          <p:nvPr>
+            <p:ph type="sldNum" sz="quarter" idx="5"/>
+          </p:nvPr>
+        </p:nvSpPr>
+        <p:spPr/>
+        <p:txBody>
+          <a:bodyPr/>
+          <a:lstStyle/>
+          <a:p>
+            <a:fld id="{2D64B5D5-48B7-4F94-AE9E-F3674E44000D}" type="slidenum">
+              <a:rPr lang="ko-KR" altLang="en-US" smtClean="0"/>
+              <a:t>1</a:t>
+            </a:fld>
+            <a:endParaRPr lang="ko-KR" altLang="en-US"/>
+          </a:p>
+        </p:txBody>
+      </p:sp>
+    </p:spTree>
+    <p:extLst>
+      <p:ext uri="{BB962C8B-B14F-4D97-AF65-F5344CB8AC3E}">
+        <p14:creationId xmlns:p14="http://schemas.microsoft.com/office/powerpoint/2010/main" val="2178722394"/>
+      </p:ext>
+    </p:extLst>
+  </p:cSld>
+  <p:clrMapOvr>
+    <a:masterClrMapping/>
+  </p:clrMapOvr>
+</p:notes>
 </file>
 
 <file path=ppt/slideLayouts/slideLayout1.xml><?xml version="1.0" encoding="utf-8"?>
@@ -1003,8 +1107,8 @@
         </p:nvSpPr>
         <p:spPr>
           <a:xfrm>
-            <a:off x="3791526" y="2447473"/>
-            <a:ext cx="4608955" cy="1200329"/>
+            <a:off x="3999915" y="2447473"/>
+            <a:ext cx="4192173" cy="1200329"/>
           </a:xfrm>
           <a:prstGeom prst="rect">
             <a:avLst/>
@@ -1019,22 +1123,15 @@
           <a:p>
             <a:pPr algn="ctr"/>
             <a:r>
-              <a:rPr lang="ko-KR" altLang="en-US" sz="7200" spc="-300" err="1">
+              <a:rPr lang="ko-KR" altLang="en-US" sz="7200" spc="-300" dirty="0">
                 <a:solidFill>
                   <a:srgbClr val="00002F"/>
                 </a:solidFill>
-                <a:latin typeface="Malgun Gothic Semilight" panose="020B0503020000020004" pitchFamily="34" charset="-127"/>
-                <a:ea typeface="Malgun Gothic Semilight" panose="020B0503020000020004" pitchFamily="34" charset="-127"/>
-              </a:rPr>
-              <a:t>포니부하곰</a:t>
-            </a:r>
-            <a:endParaRPr lang="ko-KR" altLang="en-US" sz="7200" spc="-300">
-              <a:solidFill>
-                <a:srgbClr val="00002F"/>
-              </a:solidFill>
-              <a:latin typeface="Malgun Gothic Semilight" panose="020B0503020000020004" pitchFamily="34" charset="-127"/>
-              <a:ea typeface="Malgun Gothic Semilight" panose="020B0503020000020004" pitchFamily="34" charset="-127"/>
-            </a:endParaRPr>
+                <a:latin typeface="나눔스퀘어 ExtraBold" panose="020B0600000101010101" pitchFamily="50" charset="-127"/>
+                <a:ea typeface="나눔스퀘어 ExtraBold" panose="020B0600000101010101" pitchFamily="50" charset="-127"/>
+              </a:rPr>
+              <a:t>구글대구점</a:t>
+            </a:r>
           </a:p>
         </p:txBody>
       </p:sp>
@@ -1083,16 +1180,12 @@
           <a:p>
             <a:pPr algn="ctr"/>
             <a:r>
-              <a:rPr lang="ko-KR" altLang="en-US" err="1">
+              <a:rPr lang="ko-KR" altLang="en-US" dirty="0">
                 <a:latin typeface="HY중고딕" panose="02030600000101010101" pitchFamily="18" charset="-127"/>
                 <a:ea typeface="HY중고딕" panose="02030600000101010101" pitchFamily="18" charset="-127"/>
               </a:rPr>
-              <a:t>나눔스퀘어</a:t>
-            </a:r>
-            <a:endParaRPr lang="ko-KR" altLang="en-US">
-              <a:latin typeface="HY중고딕" panose="02030600000101010101" pitchFamily="18" charset="-127"/>
-              <a:ea typeface="HY중고딕" panose="02030600000101010101" pitchFamily="18" charset="-127"/>
-            </a:endParaRPr>
+              <a:t>소프트웨어 공학</a:t>
+            </a:r>
           </a:p>
         </p:txBody>
       </p:sp>
@@ -1126,6 +1219,41 @@
           <a:chExt cx="0" cy="0"/>
         </a:xfrm>
       </p:grpSpPr>
+      <p:sp>
+        <p:nvSpPr>
+          <p:cNvPr id="19" name="TextBox 18"/>
+          <p:cNvSpPr txBox="1"/>
+          <p:nvPr/>
+        </p:nvSpPr>
+        <p:spPr>
+          <a:xfrm>
+            <a:off x="901675" y="437393"/>
+            <a:ext cx="3563796" cy="584775"/>
+          </a:xfrm>
+          <a:prstGeom prst="rect">
+            <a:avLst/>
+          </a:prstGeom>
+          <a:noFill/>
+        </p:spPr>
+        <p:txBody>
+          <a:bodyPr wrap="none" rtlCol="0">
+            <a:spAutoFit/>
+          </a:bodyPr>
+          <a:lstStyle/>
+          <a:p>
+            <a:pPr algn="ctr"/>
+            <a:r>
+              <a:rPr lang="ko-KR" altLang="en-US" sz="3200" spc="-150" dirty="0">
+                <a:solidFill>
+                  <a:srgbClr val="00002F"/>
+                </a:solidFill>
+                <a:latin typeface="+mn-ea"/>
+              </a:rPr>
+              <a:t>프로젝트 수행 목표</a:t>
+            </a:r>
+          </a:p>
+        </p:txBody>
+      </p:sp>
       <p:pic>
         <p:nvPicPr>
           <p:cNvPr id="2" name="그림 1">
@@ -1339,7 +1467,7 @@
         <p:spPr>
           <a:xfrm>
             <a:off x="1026522" y="989148"/>
-            <a:ext cx="3545478" cy="0"/>
+            <a:ext cx="3438949" cy="0"/>
           </a:xfrm>
           <a:prstGeom prst="line">
             <a:avLst/>
@@ -1369,14 +1497,14 @@
       </p:cxnSp>
       <p:sp>
         <p:nvSpPr>
-          <p:cNvPr id="19" name="TextBox 18"/>
+          <p:cNvPr id="20" name="TextBox 19"/>
           <p:cNvSpPr txBox="1"/>
           <p:nvPr/>
         </p:nvSpPr>
         <p:spPr>
           <a:xfrm>
-            <a:off x="901674" y="422003"/>
-            <a:ext cx="3563797" cy="1077218"/>
+            <a:off x="495607" y="498947"/>
+            <a:ext cx="534121" cy="461665"/>
           </a:xfrm>
           <a:prstGeom prst="rect">
             <a:avLst/>
@@ -1391,57 +1519,11 @@
           <a:p>
             <a:pPr algn="ctr"/>
             <a:r>
-              <a:rPr lang="ko-KR" altLang="en-US" sz="3200" spc="-150" dirty="0">
-                <a:solidFill>
-                  <a:srgbClr val="00002F"/>
-                </a:solidFill>
-                <a:latin typeface="나눔스퀘어 ExtraBold" panose="020B0600000101010101" pitchFamily="50" charset="-127"/>
-                <a:ea typeface="나눔스퀘어 ExtraBold" panose="020B0600000101010101" pitchFamily="50" charset="-127"/>
-              </a:rPr>
-              <a:t>프로젝트 수행 목표</a:t>
-            </a:r>
-          </a:p>
-          <a:p>
-            <a:pPr algn="ctr"/>
-            <a:endParaRPr lang="ko-KR" altLang="en-US" sz="3200" spc="-150" dirty="0">
-              <a:solidFill>
-                <a:srgbClr val="00002F"/>
-              </a:solidFill>
-              <a:latin typeface="나눔스퀘어 ExtraBold" panose="020B0600000101010101" pitchFamily="50" charset="-127"/>
-              <a:ea typeface="나눔스퀘어 ExtraBold" panose="020B0600000101010101" pitchFamily="50" charset="-127"/>
-            </a:endParaRPr>
-          </a:p>
-        </p:txBody>
-      </p:sp>
-      <p:sp>
-        <p:nvSpPr>
-          <p:cNvPr id="20" name="TextBox 19"/>
-          <p:cNvSpPr txBox="1"/>
-          <p:nvPr/>
-        </p:nvSpPr>
-        <p:spPr>
-          <a:xfrm>
-            <a:off x="455532" y="498947"/>
-            <a:ext cx="614271" cy="461665"/>
-          </a:xfrm>
-          <a:prstGeom prst="rect">
-            <a:avLst/>
-          </a:prstGeom>
-          <a:noFill/>
-        </p:spPr>
-        <p:txBody>
-          <a:bodyPr wrap="none" rtlCol="0">
-            <a:spAutoFit/>
-          </a:bodyPr>
-          <a:lstStyle/>
-          <a:p>
-            <a:pPr algn="ctr"/>
-            <a:r>
               <a:rPr lang="en-US" altLang="ko-KR" sz="2400" spc="-150" dirty="0">
                 <a:solidFill>
                   <a:srgbClr val="00002F"/>
                 </a:solidFill>
-                <a:latin typeface="나눔스퀘어 ExtraBold" panose="020B0600000101010101" pitchFamily="50" charset="-127"/>
+                <a:latin typeface="+mj-lt"/>
                 <a:ea typeface="나눔스퀘어 ExtraBold" panose="020B0600000101010101" pitchFamily="50" charset="-127"/>
               </a:rPr>
               <a:t>03.</a:t>
@@ -1450,7 +1532,7 @@
               <a:solidFill>
                 <a:srgbClr val="00002F"/>
               </a:solidFill>
-              <a:latin typeface="나눔스퀘어 ExtraBold" panose="020B0600000101010101" pitchFamily="50" charset="-127"/>
+              <a:latin typeface="+mj-lt"/>
               <a:ea typeface="나눔스퀘어 ExtraBold" panose="020B0600000101010101" pitchFamily="50" charset="-127"/>
             </a:endParaRPr>
           </a:p>
@@ -1522,7 +1604,7 @@
         </p:nvSpPr>
         <p:spPr>
           <a:xfrm>
-            <a:off x="4879502" y="5047241"/>
+            <a:off x="4879503" y="5047241"/>
             <a:ext cx="1805302" cy="584775"/>
           </a:xfrm>
           <a:prstGeom prst="rect">
@@ -1545,7 +1627,7 @@
                 <a:latin typeface="나눔스퀘어 ExtraBold" panose="020B0600000101010101" pitchFamily="50" charset="-127"/>
                 <a:ea typeface="나눔스퀘어 ExtraBold" panose="020B0600000101010101" pitchFamily="50" charset="-127"/>
               </a:rPr>
-              <a:t>50% </a:t>
+              <a:t>70% </a:t>
             </a:r>
             <a:r>
               <a:rPr lang="ko-KR" altLang="en-US" sz="3200" spc="-150" dirty="0">
@@ -1825,7 +1907,7 @@
                 <a:latin typeface="HY중고딕" panose="02030600000101010101" pitchFamily="18" charset="-127"/>
                 <a:ea typeface="HY중고딕" panose="02030600000101010101" pitchFamily="18" charset="-127"/>
               </a:rPr>
-              <a:t>Context &amp; Use Case Diagrams</a:t>
+              <a:t>Context Diagram</a:t>
             </a:r>
             <a:endParaRPr lang="ko-KR" altLang="en-US" dirty="0">
               <a:latin typeface="HY중고딕" panose="02030600000101010101" pitchFamily="18" charset="-127"/>
@@ -1864,6 +1946,92 @@
           <a:chExt cx="0" cy="0"/>
         </a:xfrm>
       </p:grpSpPr>
+      <p:sp>
+        <p:nvSpPr>
+          <p:cNvPr id="19" name="TextBox 18"/>
+          <p:cNvSpPr txBox="1"/>
+          <p:nvPr/>
+        </p:nvSpPr>
+        <p:spPr>
+          <a:xfrm>
+            <a:off x="981075" y="423325"/>
+            <a:ext cx="2940228" cy="584775"/>
+          </a:xfrm>
+          <a:prstGeom prst="rect">
+            <a:avLst/>
+          </a:prstGeom>
+          <a:noFill/>
+        </p:spPr>
+        <p:txBody>
+          <a:bodyPr wrap="none" rtlCol="0">
+            <a:spAutoFit/>
+          </a:bodyPr>
+          <a:lstStyle/>
+          <a:p>
+            <a:pPr algn="ctr"/>
+            <a:r>
+              <a:rPr lang="en-US" altLang="ko-KR" sz="3200" spc="-150" dirty="0">
+                <a:solidFill>
+                  <a:srgbClr val="00002F"/>
+                </a:solidFill>
+                <a:latin typeface="Malgun Gothic Semilight" panose="020B0502040204020203" pitchFamily="34" charset="-127"/>
+                <a:ea typeface="Malgun Gothic Semilight" panose="020B0502040204020203" pitchFamily="34" charset="-127"/>
+              </a:rPr>
+              <a:t>Context Diagram</a:t>
+            </a:r>
+            <a:endParaRPr lang="ko-KR" altLang="en-US" sz="3200" spc="-150" dirty="0">
+              <a:solidFill>
+                <a:srgbClr val="00002F"/>
+              </a:solidFill>
+              <a:latin typeface="Malgun Gothic Semilight" panose="020B0502040204020203" pitchFamily="34" charset="-127"/>
+              <a:ea typeface="Malgun Gothic Semilight" panose="020B0502040204020203" pitchFamily="34" charset="-127"/>
+            </a:endParaRPr>
+          </a:p>
+        </p:txBody>
+      </p:sp>
+      <p:sp>
+        <p:nvSpPr>
+          <p:cNvPr id="11" name="TextBox 10"/>
+          <p:cNvSpPr txBox="1"/>
+          <p:nvPr/>
+        </p:nvSpPr>
+        <p:spPr>
+          <a:xfrm>
+            <a:off x="2762588" y="2091297"/>
+            <a:ext cx="809003" cy="584775"/>
+          </a:xfrm>
+          <a:prstGeom prst="rect">
+            <a:avLst/>
+          </a:prstGeom>
+          <a:noFill/>
+        </p:spPr>
+        <p:txBody>
+          <a:bodyPr wrap="none" rtlCol="0">
+            <a:spAutoFit/>
+          </a:bodyPr>
+          <a:lstStyle/>
+          <a:p>
+            <a:pPr algn="ctr"/>
+            <a:r>
+              <a:rPr lang="en-US" altLang="ko-KR" sz="3200" spc="-150" dirty="0">
+                <a:solidFill>
+                  <a:srgbClr val="8DBABD"/>
+                </a:solidFill>
+                <a:latin typeface="Malgun Gothic Semilight" panose="020B0502040204020203" pitchFamily="34" charset="-127"/>
+                <a:ea typeface="Malgun Gothic Semilight" panose="020B0502040204020203" pitchFamily="34" charset="-127"/>
+              </a:rPr>
+              <a:t>Text</a:t>
+            </a:r>
+            <a:endParaRPr lang="ko-KR" altLang="en-US" sz="3200" spc="-150" dirty="0">
+              <a:solidFill>
+                <a:srgbClr val="8DBABD"/>
+              </a:solidFill>
+              <a:latin typeface="Malgun Gothic Semilight" panose="020B0502040204020203" pitchFamily="34" charset="-127"/>
+              <a:ea typeface="Malgun Gothic Semilight" panose="020B0502040204020203" pitchFamily="34" charset="-127"/>
+            </a:endParaRPr>
+          </a:p>
+        </p:txBody>
+      </p:sp>
       <p:cxnSp>
         <p:nvCxnSpPr>
           <p:cNvPr id="14" name="직선 연결선 13"/>
@@ -2047,7 +2215,7 @@
         <p:spPr>
           <a:xfrm>
             <a:off x="1026522" y="989148"/>
-            <a:ext cx="6001276" cy="0"/>
+            <a:ext cx="2894781" cy="0"/>
           </a:xfrm>
           <a:prstGeom prst="line">
             <a:avLst/>
@@ -2075,53 +2243,6 @@
           </a:fontRef>
         </p:style>
       </p:cxnSp>
-      <p:sp>
-        <p:nvSpPr>
-          <p:cNvPr id="19" name="TextBox 18"/>
-          <p:cNvSpPr txBox="1"/>
-          <p:nvPr/>
-        </p:nvSpPr>
-        <p:spPr>
-          <a:xfrm>
-            <a:off x="997647" y="422003"/>
-            <a:ext cx="5841471" cy="1077218"/>
-          </a:xfrm>
-          <a:prstGeom prst="rect">
-            <a:avLst/>
-          </a:prstGeom>
-          <a:noFill/>
-        </p:spPr>
-        <p:txBody>
-          <a:bodyPr wrap="none" rtlCol="0">
-            <a:spAutoFit/>
-          </a:bodyPr>
-          <a:lstStyle/>
-          <a:p>
-            <a:pPr algn="ctr"/>
-            <a:r>
-              <a:rPr lang="en-US" altLang="ko-KR" sz="3200" dirty="0">
-                <a:latin typeface="나눔스퀘어 ExtraBold"/>
-                <a:ea typeface="HY중고딕" panose="02030600000101010101" pitchFamily="18" charset="-127"/>
-              </a:rPr>
-              <a:t>Context &amp; Use Case Diagrams</a:t>
-            </a:r>
-            <a:endParaRPr lang="ko-KR" altLang="en-US" sz="3200" dirty="0">
-              <a:latin typeface="나눔스퀘어 ExtraBold"/>
-              <a:ea typeface="HY중고딕" panose="02030600000101010101" pitchFamily="18" charset="-127"/>
-            </a:endParaRPr>
-          </a:p>
-          <a:p>
-            <a:pPr algn="ctr"/>
-            <a:endParaRPr lang="ko-KR" altLang="en-US" sz="3200" spc="-150" dirty="0">
-              <a:solidFill>
-                <a:srgbClr val="00002F"/>
-              </a:solidFill>
-              <a:latin typeface="Malgun Gothic Semilight" panose="020B0502040204020203" pitchFamily="34" charset="-127"/>
-              <a:ea typeface="Malgun Gothic Semilight" panose="020B0502040204020203" pitchFamily="34" charset="-127"/>
-            </a:endParaRPr>
-          </a:p>
-        </p:txBody>
-      </p:sp>
       <p:sp>
         <p:nvSpPr>
           <p:cNvPr id="20" name="TextBox 19"/>
@@ -2167,10 +2288,10 @@
       </p:sp>
       <p:pic>
         <p:nvPicPr>
-          <p:cNvPr id="6" name="Picture 5">
+          <p:cNvPr id="3" name="그림 2">
             <a:extLst>
               <a:ext uri="{FF2B5EF4-FFF2-40B4-BE49-F238E27FC236}">
-                <a16:creationId xmlns:a16="http://schemas.microsoft.com/office/drawing/2014/main" id="{AFCD180F-D6B3-407B-BA01-A7F2823DB9DD}"/>
+                <a16:creationId xmlns:a16="http://schemas.microsoft.com/office/drawing/2014/main" id="{9A18990C-F454-4FFA-8EAE-D551F0C549BF}"/>
               </a:ext>
             </a:extLst>
           </p:cNvPr>
@@ -2180,14 +2301,20 @@
           <p:nvPr/>
         </p:nvPicPr>
         <p:blipFill>
-          <a:blip r:embed="rId2"/>
+          <a:blip r:embed="rId2">
+            <a:extLst>
+              <a:ext uri="{28A0092B-C50C-407E-A947-70E740481C1C}">
+                <a14:useLocalDpi xmlns:a14="http://schemas.microsoft.com/office/drawing/2010/main" val="0"/>
+              </a:ext>
+            </a:extLst>
+          </a:blip>
           <a:stretch>
             <a:fillRect/>
           </a:stretch>
         </p:blipFill>
         <p:spPr>
           <a:xfrm>
-            <a:off x="628609" y="1262899"/>
+            <a:off x="981075" y="1580768"/>
             <a:ext cx="10229850" cy="4981575"/>
           </a:xfrm>
           <a:prstGeom prst="rect">
@@ -2195,41 +2322,6 @@
           </a:prstGeom>
         </p:spPr>
       </p:pic>
-      <p:sp>
-        <p:nvSpPr>
-          <p:cNvPr id="7" name="TextBox 6">
-            <a:extLst>
-              <a:ext uri="{FF2B5EF4-FFF2-40B4-BE49-F238E27FC236}">
-                <a16:creationId xmlns:a16="http://schemas.microsoft.com/office/drawing/2014/main" id="{834398CF-428E-431B-AF86-1F2228F0CC32}"/>
-              </a:ext>
-            </a:extLst>
-          </p:cNvPr>
-          <p:cNvSpPr txBox="1"/>
-          <p:nvPr/>
-        </p:nvSpPr>
-        <p:spPr>
-          <a:xfrm>
-            <a:off x="4764099" y="6148892"/>
-            <a:ext cx="1958870" cy="369332"/>
-          </a:xfrm>
-          <a:prstGeom prst="rect">
-            <a:avLst/>
-          </a:prstGeom>
-          <a:noFill/>
-        </p:spPr>
-        <p:txBody>
-          <a:bodyPr wrap="none" rtlCol="0">
-            <a:spAutoFit/>
-          </a:bodyPr>
-          <a:lstStyle/>
-          <a:p>
-            <a:r>
-              <a:rPr lang="en-US" i="1" u="sng" dirty="0"/>
-              <a:t>Context Diagram</a:t>
-            </a:r>
-          </a:p>
-        </p:txBody>
-      </p:sp>
     </p:spTree>
     <p:extLst>
       <p:ext uri="{BB962C8B-B14F-4D97-AF65-F5344CB8AC3E}">
@@ -2260,227 +2352,16 @@
           <a:chExt cx="0" cy="0"/>
         </a:xfrm>
       </p:grpSpPr>
-      <p:cxnSp>
-        <p:nvCxnSpPr>
-          <p:cNvPr id="14" name="직선 연결선 13"/>
-          <p:cNvCxnSpPr/>
-          <p:nvPr/>
-        </p:nvCxnSpPr>
-        <p:spPr>
-          <a:xfrm>
-            <a:off x="10430892" y="144941"/>
-            <a:ext cx="360000" cy="0"/>
-          </a:xfrm>
-          <a:prstGeom prst="line">
-            <a:avLst/>
-          </a:prstGeom>
-          <a:ln w="44450" cap="rnd">
-            <a:solidFill>
-              <a:srgbClr val="D0CECE"/>
-            </a:solidFill>
-          </a:ln>
-          <a:effectLst>
-            <a:outerShdw blurRad="50800" dist="38100" dir="5400000" algn="t" rotWithShape="0">
-              <a:prstClr val="black">
-                <a:alpha val="40000"/>
-              </a:prstClr>
-            </a:outerShdw>
-          </a:effectLst>
-        </p:spPr>
-        <p:style>
-          <a:lnRef idx="1">
-            <a:schemeClr val="accent1"/>
-          </a:lnRef>
-          <a:fillRef idx="0">
-            <a:schemeClr val="accent1"/>
-          </a:fillRef>
-          <a:effectRef idx="0">
-            <a:schemeClr val="accent1"/>
-          </a:effectRef>
-          <a:fontRef idx="minor">
-            <a:schemeClr val="tx1"/>
-          </a:fontRef>
-        </p:style>
-      </p:cxnSp>
-      <p:cxnSp>
-        <p:nvCxnSpPr>
-          <p:cNvPr id="15" name="직선 연결선 14"/>
-          <p:cNvCxnSpPr/>
-          <p:nvPr/>
-        </p:nvCxnSpPr>
-        <p:spPr>
-          <a:xfrm>
-            <a:off x="10858459" y="144941"/>
-            <a:ext cx="360000" cy="0"/>
-          </a:xfrm>
-          <a:prstGeom prst="line">
-            <a:avLst/>
-          </a:prstGeom>
-          <a:ln w="44450" cap="rnd">
-            <a:solidFill>
-              <a:schemeClr val="bg2">
-                <a:lumMod val="90000"/>
-              </a:schemeClr>
-            </a:solidFill>
-          </a:ln>
-          <a:effectLst>
-            <a:outerShdw blurRad="50800" dist="38100" dir="5400000" algn="t" rotWithShape="0">
-              <a:prstClr val="black">
-                <a:alpha val="40000"/>
-              </a:prstClr>
-            </a:outerShdw>
-          </a:effectLst>
-        </p:spPr>
-        <p:style>
-          <a:lnRef idx="1">
-            <a:schemeClr val="accent1"/>
-          </a:lnRef>
-          <a:fillRef idx="0">
-            <a:schemeClr val="accent1"/>
-          </a:fillRef>
-          <a:effectRef idx="0">
-            <a:schemeClr val="accent1"/>
-          </a:effectRef>
-          <a:fontRef idx="minor">
-            <a:schemeClr val="tx1"/>
-          </a:fontRef>
-        </p:style>
-      </p:cxnSp>
-      <p:cxnSp>
-        <p:nvCxnSpPr>
-          <p:cNvPr id="16" name="직선 연결선 15"/>
-          <p:cNvCxnSpPr/>
-          <p:nvPr/>
-        </p:nvCxnSpPr>
-        <p:spPr>
-          <a:xfrm>
-            <a:off x="11286026" y="144941"/>
-            <a:ext cx="360000" cy="0"/>
-          </a:xfrm>
-          <a:prstGeom prst="line">
-            <a:avLst/>
-          </a:prstGeom>
-          <a:ln w="44450" cap="rnd">
-            <a:solidFill>
-              <a:schemeClr val="bg2">
-                <a:lumMod val="90000"/>
-              </a:schemeClr>
-            </a:solidFill>
-          </a:ln>
-          <a:effectLst>
-            <a:outerShdw blurRad="50800" dist="38100" dir="5400000" algn="t" rotWithShape="0">
-              <a:prstClr val="black">
-                <a:alpha val="40000"/>
-              </a:prstClr>
-            </a:outerShdw>
-          </a:effectLst>
-        </p:spPr>
-        <p:style>
-          <a:lnRef idx="1">
-            <a:schemeClr val="accent1"/>
-          </a:lnRef>
-          <a:fillRef idx="0">
-            <a:schemeClr val="accent1"/>
-          </a:fillRef>
-          <a:effectRef idx="0">
-            <a:schemeClr val="accent1"/>
-          </a:effectRef>
-          <a:fontRef idx="minor">
-            <a:schemeClr val="tx1"/>
-          </a:fontRef>
-        </p:style>
-      </p:cxnSp>
-      <p:cxnSp>
-        <p:nvCxnSpPr>
-          <p:cNvPr id="17" name="직선 연결선 16"/>
-          <p:cNvCxnSpPr/>
-          <p:nvPr/>
-        </p:nvCxnSpPr>
-        <p:spPr>
-          <a:xfrm>
-            <a:off x="11713592" y="144941"/>
-            <a:ext cx="360000" cy="0"/>
-          </a:xfrm>
-          <a:prstGeom prst="line">
-            <a:avLst/>
-          </a:prstGeom>
-          <a:ln w="44450" cap="rnd">
-            <a:solidFill>
-              <a:srgbClr val="8DBABD"/>
-            </a:solidFill>
-          </a:ln>
-          <a:effectLst>
-            <a:outerShdw blurRad="50800" dist="38100" dir="5400000" algn="t" rotWithShape="0">
-              <a:prstClr val="black">
-                <a:alpha val="40000"/>
-              </a:prstClr>
-            </a:outerShdw>
-          </a:effectLst>
-        </p:spPr>
-        <p:style>
-          <a:lnRef idx="1">
-            <a:schemeClr val="accent1"/>
-          </a:lnRef>
-          <a:fillRef idx="0">
-            <a:schemeClr val="accent1"/>
-          </a:fillRef>
-          <a:effectRef idx="0">
-            <a:schemeClr val="accent1"/>
-          </a:effectRef>
-          <a:fontRef idx="minor">
-            <a:schemeClr val="tx1"/>
-          </a:fontRef>
-        </p:style>
-      </p:cxnSp>
-      <p:cxnSp>
-        <p:nvCxnSpPr>
-          <p:cNvPr id="18" name="직선 연결선 17"/>
-          <p:cNvCxnSpPr>
-            <a:cxnSpLocks/>
-          </p:cNvCxnSpPr>
-          <p:nvPr/>
-        </p:nvCxnSpPr>
-        <p:spPr>
-          <a:xfrm>
-            <a:off x="1026522" y="989148"/>
-            <a:ext cx="6001276" cy="0"/>
-          </a:xfrm>
-          <a:prstGeom prst="line">
-            <a:avLst/>
-          </a:prstGeom>
-          <a:ln>
-            <a:solidFill>
-              <a:schemeClr val="bg1">
-                <a:lumMod val="50000"/>
-              </a:schemeClr>
-            </a:solidFill>
-          </a:ln>
-        </p:spPr>
-        <p:style>
-          <a:lnRef idx="1">
-            <a:schemeClr val="accent1"/>
-          </a:lnRef>
-          <a:fillRef idx="0">
-            <a:schemeClr val="accent1"/>
-          </a:fillRef>
-          <a:effectRef idx="0">
-            <a:schemeClr val="accent1"/>
-          </a:effectRef>
-          <a:fontRef idx="minor">
-            <a:schemeClr val="tx1"/>
-          </a:fontRef>
-        </p:style>
-      </p:cxnSp>
       <p:sp>
         <p:nvSpPr>
-          <p:cNvPr id="19" name="TextBox 18"/>
+          <p:cNvPr id="2" name="TextBox 1"/>
           <p:cNvSpPr txBox="1"/>
           <p:nvPr/>
         </p:nvSpPr>
         <p:spPr>
           <a:xfrm>
-            <a:off x="997647" y="422003"/>
-            <a:ext cx="5841471" cy="1077218"/>
+            <a:off x="4000500" y="2472873"/>
+            <a:ext cx="764953" cy="769441"/>
           </a:xfrm>
           <a:prstGeom prst="rect">
             <a:avLst/>
@@ -2493,142 +2374,102 @@
           </a:bodyPr>
           <a:lstStyle/>
           <a:p>
-            <a:pPr algn="ctr"/>
-            <a:r>
-              <a:rPr lang="en-US" altLang="ko-KR" sz="3200" dirty="0">
-                <a:latin typeface="나눔스퀘어 ExtraBold"/>
+            <a:r>
+              <a:rPr lang="en-US" altLang="ko-KR" sz="4400" spc="-300" dirty="0">
+                <a:solidFill>
+                  <a:srgbClr val="00002F"/>
+                </a:solidFill>
+                <a:latin typeface="HY중고딕" panose="02030600000101010101" pitchFamily="18" charset="-127"/>
                 <a:ea typeface="HY중고딕" panose="02030600000101010101" pitchFamily="18" charset="-127"/>
               </a:rPr>
-              <a:t>Context &amp; Use Case Diagrams</a:t>
-            </a:r>
-            <a:endParaRPr lang="ko-KR" altLang="en-US" sz="3200" dirty="0">
-              <a:latin typeface="나눔스퀘어 ExtraBold"/>
-              <a:ea typeface="HY중고딕" panose="02030600000101010101" pitchFamily="18" charset="-127"/>
-            </a:endParaRPr>
-          </a:p>
-          <a:p>
-            <a:pPr algn="ctr"/>
-            <a:endParaRPr lang="ko-KR" altLang="en-US" sz="3200" spc="-150" dirty="0">
+              <a:t>05</a:t>
+            </a:r>
+            <a:endParaRPr lang="ko-KR" altLang="en-US" sz="4400" spc="-300" dirty="0">
               <a:solidFill>
                 <a:srgbClr val="00002F"/>
               </a:solidFill>
-              <a:latin typeface="Malgun Gothic Semilight" panose="020B0502040204020203" pitchFamily="34" charset="-127"/>
-              <a:ea typeface="Malgun Gothic Semilight" panose="020B0502040204020203" pitchFamily="34" charset="-127"/>
+              <a:latin typeface="HY중고딕" panose="02030600000101010101" pitchFamily="18" charset="-127"/>
+              <a:ea typeface="HY중고딕" panose="02030600000101010101" pitchFamily="18" charset="-127"/>
             </a:endParaRPr>
           </a:p>
         </p:txBody>
       </p:sp>
       <p:sp>
         <p:nvSpPr>
-          <p:cNvPr id="20" name="TextBox 19"/>
-          <p:cNvSpPr txBox="1"/>
+          <p:cNvPr id="3" name="직사각형 2"/>
+          <p:cNvSpPr/>
           <p:nvPr/>
         </p:nvSpPr>
         <p:spPr>
           <a:xfrm>
-            <a:off x="496409" y="498947"/>
-            <a:ext cx="532517" cy="461665"/>
+            <a:off x="4000499" y="3169741"/>
+            <a:ext cx="4200071" cy="473345"/>
           </a:xfrm>
           <a:prstGeom prst="rect">
             <a:avLst/>
           </a:prstGeom>
-          <a:noFill/>
-        </p:spPr>
+          <a:solidFill>
+            <a:srgbClr val="8DBABD"/>
+          </a:solidFill>
+          <a:ln>
+            <a:solidFill>
+              <a:srgbClr val="8DBABD"/>
+            </a:solidFill>
+          </a:ln>
+        </p:spPr>
+        <p:style>
+          <a:lnRef idx="2">
+            <a:schemeClr val="accent1">
+              <a:shade val="50000"/>
+            </a:schemeClr>
+          </a:lnRef>
+          <a:fillRef idx="1">
+            <a:schemeClr val="accent1"/>
+          </a:fillRef>
+          <a:effectRef idx="0">
+            <a:schemeClr val="accent1"/>
+          </a:effectRef>
+          <a:fontRef idx="minor">
+            <a:schemeClr val="lt1"/>
+          </a:fontRef>
+        </p:style>
         <p:txBody>
-          <a:bodyPr wrap="none" rtlCol="0">
-            <a:spAutoFit/>
-          </a:bodyPr>
+          <a:bodyPr rtlCol="0" anchor="ctr"/>
           <a:lstStyle/>
           <a:p>
             <a:pPr algn="ctr"/>
             <a:r>
-              <a:rPr lang="en-US" altLang="ko-KR" sz="2400" spc="-150">
-                <a:solidFill>
-                  <a:srgbClr val="00002F"/>
-                </a:solidFill>
-                <a:latin typeface="Malgun Gothic Semilight" panose="020B0502040204020203" pitchFamily="34" charset="-127"/>
-                <a:ea typeface="Malgun Gothic Semilight" panose="020B0502040204020203" pitchFamily="34" charset="-127"/>
-              </a:rPr>
-              <a:t>04.</a:t>
-            </a:r>
-            <a:endParaRPr lang="ko-KR" altLang="en-US" sz="2400" spc="-150">
-              <a:solidFill>
-                <a:srgbClr val="00002F"/>
-              </a:solidFill>
-              <a:latin typeface="Malgun Gothic Semilight" panose="020B0502040204020203" pitchFamily="34" charset="-127"/>
-              <a:ea typeface="Malgun Gothic Semilight" panose="020B0502040204020203" pitchFamily="34" charset="-127"/>
+              <a:rPr lang="en-US" altLang="ko-KR" dirty="0">
+                <a:latin typeface="HY중고딕" panose="02030600000101010101" pitchFamily="18" charset="-127"/>
+                <a:ea typeface="HY중고딕" panose="02030600000101010101" pitchFamily="18" charset="-127"/>
+              </a:rPr>
+              <a:t>Architectural</a:t>
+            </a:r>
+            <a:r>
+              <a:rPr lang="ko-KR" altLang="en-US" dirty="0">
+                <a:latin typeface="HY중고딕" panose="02030600000101010101" pitchFamily="18" charset="-127"/>
+                <a:ea typeface="HY중고딕" panose="02030600000101010101" pitchFamily="18" charset="-127"/>
+              </a:rPr>
+              <a:t> </a:t>
+            </a:r>
+            <a:r>
+              <a:rPr lang="en-US" altLang="ko-KR" dirty="0">
+                <a:latin typeface="HY중고딕" panose="02030600000101010101" pitchFamily="18" charset="-127"/>
+                <a:ea typeface="HY중고딕" panose="02030600000101010101" pitchFamily="18" charset="-127"/>
+              </a:rPr>
+              <a:t>Model</a:t>
+            </a:r>
+            <a:endParaRPr lang="ko-KR" altLang="en-US" dirty="0">
+              <a:latin typeface="HY중고딕" panose="02030600000101010101" pitchFamily="18" charset="-127"/>
+              <a:ea typeface="HY중고딕" panose="02030600000101010101" pitchFamily="18" charset="-127"/>
             </a:endParaRPr>
           </a:p>
         </p:txBody>
       </p:sp>
-      <p:sp>
-        <p:nvSpPr>
-          <p:cNvPr id="7" name="TextBox 6">
-            <a:extLst>
-              <a:ext uri="{FF2B5EF4-FFF2-40B4-BE49-F238E27FC236}">
-                <a16:creationId xmlns:a16="http://schemas.microsoft.com/office/drawing/2014/main" id="{834398CF-428E-431B-AF86-1F2228F0CC32}"/>
-              </a:ext>
-            </a:extLst>
-          </p:cNvPr>
-          <p:cNvSpPr txBox="1"/>
-          <p:nvPr/>
-        </p:nvSpPr>
-        <p:spPr>
-          <a:xfrm>
-            <a:off x="9860619" y="3685638"/>
-            <a:ext cx="2108269" cy="369332"/>
-          </a:xfrm>
-          <a:prstGeom prst="rect">
-            <a:avLst/>
-          </a:prstGeom>
-          <a:noFill/>
-        </p:spPr>
-        <p:txBody>
-          <a:bodyPr wrap="none" rtlCol="0">
-            <a:spAutoFit/>
-          </a:bodyPr>
-          <a:lstStyle/>
-          <a:p>
-            <a:r>
-              <a:rPr lang="en-US" i="1" u="sng" dirty="0"/>
-              <a:t>Use Case Diagram</a:t>
-            </a:r>
-          </a:p>
-        </p:txBody>
-      </p:sp>
-      <p:pic>
-        <p:nvPicPr>
-          <p:cNvPr id="2" name="Picture 1">
-            <a:extLst>
-              <a:ext uri="{FF2B5EF4-FFF2-40B4-BE49-F238E27FC236}">
-                <a16:creationId xmlns:a16="http://schemas.microsoft.com/office/drawing/2014/main" id="{6EFCC753-42FC-4514-AE32-B5A1986F496D}"/>
-              </a:ext>
-            </a:extLst>
-          </p:cNvPr>
-          <p:cNvPicPr>
-            <a:picLocks noChangeAspect="1"/>
-          </p:cNvPicPr>
-          <p:nvPr/>
-        </p:nvPicPr>
-        <p:blipFill rotWithShape="1">
-          <a:blip r:embed="rId2"/>
-          <a:srcRect l="2116" t="1554" r="1897" b="1149"/>
-          <a:stretch/>
-        </p:blipFill>
-        <p:spPr>
-          <a:xfrm>
-            <a:off x="223112" y="1037556"/>
-            <a:ext cx="9666612" cy="5665497"/>
-          </a:xfrm>
-          <a:prstGeom prst="rect">
-            <a:avLst/>
-          </a:prstGeom>
-        </p:spPr>
-      </p:pic>
     </p:spTree>
     <p:extLst>
       <p:ext uri="{BB962C8B-B14F-4D97-AF65-F5344CB8AC3E}">
-        <p14:creationId xmlns:p14="http://schemas.microsoft.com/office/powerpoint/2010/main" val="3837813581"/>
+        <p14:creationId xmlns:p14="http://schemas.microsoft.com/office/powerpoint/2010/main" val="2831566107"/>
       </p:ext>
     </p:extLst>
   </p:cSld>
@@ -2657,14 +2498,14 @@
       </p:grpSpPr>
       <p:sp>
         <p:nvSpPr>
-          <p:cNvPr id="2" name="TextBox 1"/>
+          <p:cNvPr id="11" name="TextBox 10"/>
           <p:cNvSpPr txBox="1"/>
           <p:nvPr/>
         </p:nvSpPr>
         <p:spPr>
           <a:xfrm>
-            <a:off x="4000500" y="2472873"/>
-            <a:ext cx="764953" cy="769441"/>
+            <a:off x="3799480" y="1232977"/>
+            <a:ext cx="4439036" cy="707886"/>
           </a:xfrm>
           <a:prstGeom prst="rect">
             <a:avLst/>
@@ -2677,94 +2518,561 @@
           </a:bodyPr>
           <a:lstStyle/>
           <a:p>
-            <a:r>
-              <a:rPr lang="en-US" altLang="ko-KR" sz="4400" spc="-300" dirty="0">
+            <a:pPr algn="ctr"/>
+            <a:r>
+              <a:rPr lang="en-US" altLang="ko-KR" sz="4000" b="1" spc="-150" dirty="0">
+                <a:solidFill>
+                  <a:srgbClr val="8DBABD"/>
+                </a:solidFill>
+                <a:latin typeface="Malgun Gothic Semilight" panose="020B0502040204020203" pitchFamily="34" charset="-127"/>
+                <a:ea typeface="Malgun Gothic Semilight" panose="020B0502040204020203" pitchFamily="34" charset="-127"/>
+              </a:rPr>
+              <a:t>Layered Architecture</a:t>
+            </a:r>
+            <a:endParaRPr lang="ko-KR" altLang="en-US" sz="4000" b="1" spc="-150" dirty="0">
+              <a:solidFill>
+                <a:srgbClr val="8DBABD"/>
+              </a:solidFill>
+              <a:latin typeface="Malgun Gothic Semilight" panose="020B0502040204020203" pitchFamily="34" charset="-127"/>
+              <a:ea typeface="Malgun Gothic Semilight" panose="020B0502040204020203" pitchFamily="34" charset="-127"/>
+            </a:endParaRPr>
+          </a:p>
+        </p:txBody>
+      </p:sp>
+      <p:cxnSp>
+        <p:nvCxnSpPr>
+          <p:cNvPr id="14" name="직선 연결선 13"/>
+          <p:cNvCxnSpPr/>
+          <p:nvPr/>
+        </p:nvCxnSpPr>
+        <p:spPr>
+          <a:xfrm>
+            <a:off x="10430892" y="144941"/>
+            <a:ext cx="360000" cy="0"/>
+          </a:xfrm>
+          <a:prstGeom prst="line">
+            <a:avLst/>
+          </a:prstGeom>
+          <a:ln w="44450" cap="rnd">
+            <a:solidFill>
+              <a:srgbClr val="D0CECE"/>
+            </a:solidFill>
+          </a:ln>
+          <a:effectLst>
+            <a:outerShdw blurRad="50800" dist="38100" dir="5400000" algn="t" rotWithShape="0">
+              <a:prstClr val="black">
+                <a:alpha val="40000"/>
+              </a:prstClr>
+            </a:outerShdw>
+          </a:effectLst>
+        </p:spPr>
+        <p:style>
+          <a:lnRef idx="1">
+            <a:schemeClr val="accent1"/>
+          </a:lnRef>
+          <a:fillRef idx="0">
+            <a:schemeClr val="accent1"/>
+          </a:fillRef>
+          <a:effectRef idx="0">
+            <a:schemeClr val="accent1"/>
+          </a:effectRef>
+          <a:fontRef idx="minor">
+            <a:schemeClr val="tx1"/>
+          </a:fontRef>
+        </p:style>
+      </p:cxnSp>
+      <p:cxnSp>
+        <p:nvCxnSpPr>
+          <p:cNvPr id="15" name="직선 연결선 14"/>
+          <p:cNvCxnSpPr/>
+          <p:nvPr/>
+        </p:nvCxnSpPr>
+        <p:spPr>
+          <a:xfrm>
+            <a:off x="10858459" y="144941"/>
+            <a:ext cx="360000" cy="0"/>
+          </a:xfrm>
+          <a:prstGeom prst="line">
+            <a:avLst/>
+          </a:prstGeom>
+          <a:ln w="44450" cap="rnd">
+            <a:solidFill>
+              <a:schemeClr val="bg2">
+                <a:lumMod val="90000"/>
+              </a:schemeClr>
+            </a:solidFill>
+          </a:ln>
+          <a:effectLst>
+            <a:outerShdw blurRad="50800" dist="38100" dir="5400000" algn="t" rotWithShape="0">
+              <a:prstClr val="black">
+                <a:alpha val="40000"/>
+              </a:prstClr>
+            </a:outerShdw>
+          </a:effectLst>
+        </p:spPr>
+        <p:style>
+          <a:lnRef idx="1">
+            <a:schemeClr val="accent1"/>
+          </a:lnRef>
+          <a:fillRef idx="0">
+            <a:schemeClr val="accent1"/>
+          </a:fillRef>
+          <a:effectRef idx="0">
+            <a:schemeClr val="accent1"/>
+          </a:effectRef>
+          <a:fontRef idx="minor">
+            <a:schemeClr val="tx1"/>
+          </a:fontRef>
+        </p:style>
+      </p:cxnSp>
+      <p:cxnSp>
+        <p:nvCxnSpPr>
+          <p:cNvPr id="16" name="직선 연결선 15"/>
+          <p:cNvCxnSpPr/>
+          <p:nvPr/>
+        </p:nvCxnSpPr>
+        <p:spPr>
+          <a:xfrm>
+            <a:off x="11286026" y="144941"/>
+            <a:ext cx="360000" cy="0"/>
+          </a:xfrm>
+          <a:prstGeom prst="line">
+            <a:avLst/>
+          </a:prstGeom>
+          <a:ln w="44450" cap="rnd">
+            <a:solidFill>
+              <a:schemeClr val="bg2">
+                <a:lumMod val="90000"/>
+              </a:schemeClr>
+            </a:solidFill>
+          </a:ln>
+          <a:effectLst>
+            <a:outerShdw blurRad="50800" dist="38100" dir="5400000" algn="t" rotWithShape="0">
+              <a:prstClr val="black">
+                <a:alpha val="40000"/>
+              </a:prstClr>
+            </a:outerShdw>
+          </a:effectLst>
+        </p:spPr>
+        <p:style>
+          <a:lnRef idx="1">
+            <a:schemeClr val="accent1"/>
+          </a:lnRef>
+          <a:fillRef idx="0">
+            <a:schemeClr val="accent1"/>
+          </a:fillRef>
+          <a:effectRef idx="0">
+            <a:schemeClr val="accent1"/>
+          </a:effectRef>
+          <a:fontRef idx="minor">
+            <a:schemeClr val="tx1"/>
+          </a:fontRef>
+        </p:style>
+      </p:cxnSp>
+      <p:cxnSp>
+        <p:nvCxnSpPr>
+          <p:cNvPr id="17" name="직선 연결선 16"/>
+          <p:cNvCxnSpPr/>
+          <p:nvPr/>
+        </p:nvCxnSpPr>
+        <p:spPr>
+          <a:xfrm>
+            <a:off x="11713592" y="144941"/>
+            <a:ext cx="360000" cy="0"/>
+          </a:xfrm>
+          <a:prstGeom prst="line">
+            <a:avLst/>
+          </a:prstGeom>
+          <a:ln w="44450" cap="rnd">
+            <a:solidFill>
+              <a:srgbClr val="8DBABD"/>
+            </a:solidFill>
+          </a:ln>
+          <a:effectLst>
+            <a:outerShdw blurRad="50800" dist="38100" dir="5400000" algn="t" rotWithShape="0">
+              <a:prstClr val="black">
+                <a:alpha val="40000"/>
+              </a:prstClr>
+            </a:outerShdw>
+          </a:effectLst>
+        </p:spPr>
+        <p:style>
+          <a:lnRef idx="1">
+            <a:schemeClr val="accent1"/>
+          </a:lnRef>
+          <a:fillRef idx="0">
+            <a:schemeClr val="accent1"/>
+          </a:fillRef>
+          <a:effectRef idx="0">
+            <a:schemeClr val="accent1"/>
+          </a:effectRef>
+          <a:fontRef idx="minor">
+            <a:schemeClr val="tx1"/>
+          </a:fontRef>
+        </p:style>
+      </p:cxnSp>
+      <p:cxnSp>
+        <p:nvCxnSpPr>
+          <p:cNvPr id="18" name="직선 연결선 17"/>
+          <p:cNvCxnSpPr>
+            <a:cxnSpLocks/>
+          </p:cNvCxnSpPr>
+          <p:nvPr/>
+        </p:nvCxnSpPr>
+        <p:spPr>
+          <a:xfrm>
+            <a:off x="1026522" y="989148"/>
+            <a:ext cx="3258731" cy="0"/>
+          </a:xfrm>
+          <a:prstGeom prst="line">
+            <a:avLst/>
+          </a:prstGeom>
+          <a:ln>
+            <a:solidFill>
+              <a:schemeClr val="bg1">
+                <a:lumMod val="50000"/>
+              </a:schemeClr>
+            </a:solidFill>
+          </a:ln>
+        </p:spPr>
+        <p:style>
+          <a:lnRef idx="1">
+            <a:schemeClr val="accent1"/>
+          </a:lnRef>
+          <a:fillRef idx="0">
+            <a:schemeClr val="accent1"/>
+          </a:fillRef>
+          <a:effectRef idx="0">
+            <a:schemeClr val="accent1"/>
+          </a:effectRef>
+          <a:fontRef idx="minor">
+            <a:schemeClr val="tx1"/>
+          </a:fontRef>
+        </p:style>
+      </p:cxnSp>
+      <p:sp>
+        <p:nvSpPr>
+          <p:cNvPr id="19" name="TextBox 18"/>
+          <p:cNvSpPr txBox="1"/>
+          <p:nvPr/>
+        </p:nvSpPr>
+        <p:spPr>
+          <a:xfrm>
+            <a:off x="937862" y="422154"/>
+            <a:ext cx="3347391" cy="584775"/>
+          </a:xfrm>
+          <a:prstGeom prst="rect">
+            <a:avLst/>
+          </a:prstGeom>
+          <a:noFill/>
+        </p:spPr>
+        <p:txBody>
+          <a:bodyPr wrap="none" rtlCol="0">
+            <a:spAutoFit/>
+          </a:bodyPr>
+          <a:lstStyle/>
+          <a:p>
+            <a:pPr algn="ctr"/>
+            <a:r>
+              <a:rPr lang="en-US" altLang="ko-KR" sz="3200" spc="-150" dirty="0">
                 <a:solidFill>
                   <a:srgbClr val="00002F"/>
                 </a:solidFill>
-                <a:latin typeface="HY중고딕" panose="02030600000101010101" pitchFamily="18" charset="-127"/>
-                <a:ea typeface="HY중고딕" panose="02030600000101010101" pitchFamily="18" charset="-127"/>
-              </a:rPr>
-              <a:t>05</a:t>
-            </a:r>
-            <a:endParaRPr lang="ko-KR" altLang="en-US" sz="4400" spc="-300" dirty="0">
+                <a:latin typeface="Malgun Gothic Semilight" panose="020B0502040204020203" pitchFamily="34" charset="-127"/>
+                <a:ea typeface="Malgun Gothic Semilight" panose="020B0502040204020203" pitchFamily="34" charset="-127"/>
+              </a:rPr>
+              <a:t>Architectural Model</a:t>
+            </a:r>
+            <a:endParaRPr lang="ko-KR" altLang="en-US" sz="3200" spc="-150" dirty="0">
               <a:solidFill>
                 <a:srgbClr val="00002F"/>
               </a:solidFill>
-              <a:latin typeface="HY중고딕" panose="02030600000101010101" pitchFamily="18" charset="-127"/>
-              <a:ea typeface="HY중고딕" panose="02030600000101010101" pitchFamily="18" charset="-127"/>
+              <a:latin typeface="Malgun Gothic Semilight" panose="020B0502040204020203" pitchFamily="34" charset="-127"/>
+              <a:ea typeface="Malgun Gothic Semilight" panose="020B0502040204020203" pitchFamily="34" charset="-127"/>
             </a:endParaRPr>
           </a:p>
         </p:txBody>
       </p:sp>
       <p:sp>
         <p:nvSpPr>
-          <p:cNvPr id="3" name="직사각형 2"/>
-          <p:cNvSpPr/>
+          <p:cNvPr id="20" name="TextBox 19"/>
+          <p:cNvSpPr txBox="1"/>
           <p:nvPr/>
         </p:nvSpPr>
         <p:spPr>
           <a:xfrm>
-            <a:off x="4000499" y="3169741"/>
-            <a:ext cx="4200071" cy="473345"/>
+            <a:off x="496409" y="498947"/>
+            <a:ext cx="532517" cy="461665"/>
           </a:xfrm>
           <a:prstGeom prst="rect">
             <a:avLst/>
           </a:prstGeom>
-          <a:solidFill>
-            <a:srgbClr val="8DBABD"/>
-          </a:solidFill>
-          <a:ln>
-            <a:solidFill>
-              <a:srgbClr val="8DBABD"/>
-            </a:solidFill>
-          </a:ln>
-        </p:spPr>
-        <p:style>
-          <a:lnRef idx="2">
-            <a:schemeClr val="accent1">
-              <a:shade val="50000"/>
-            </a:schemeClr>
-          </a:lnRef>
-          <a:fillRef idx="1">
-            <a:schemeClr val="accent1"/>
-          </a:fillRef>
-          <a:effectRef idx="0">
-            <a:schemeClr val="accent1"/>
-          </a:effectRef>
-          <a:fontRef idx="minor">
-            <a:schemeClr val="lt1"/>
-          </a:fontRef>
-        </p:style>
+          <a:noFill/>
+        </p:spPr>
         <p:txBody>
-          <a:bodyPr rtlCol="0" anchor="ctr"/>
+          <a:bodyPr wrap="none" rtlCol="0">
+            <a:spAutoFit/>
+          </a:bodyPr>
           <a:lstStyle/>
           <a:p>
             <a:pPr algn="ctr"/>
             <a:r>
-              <a:rPr lang="en-US" altLang="ko-KR" dirty="0">
-                <a:latin typeface="HY중고딕" panose="02030600000101010101" pitchFamily="18" charset="-127"/>
-                <a:ea typeface="HY중고딕" panose="02030600000101010101" pitchFamily="18" charset="-127"/>
-              </a:rPr>
-              <a:t>Architectural</a:t>
-            </a:r>
-            <a:r>
-              <a:rPr lang="ko-KR" altLang="en-US" dirty="0">
-                <a:latin typeface="HY중고딕" panose="02030600000101010101" pitchFamily="18" charset="-127"/>
-                <a:ea typeface="HY중고딕" panose="02030600000101010101" pitchFamily="18" charset="-127"/>
+              <a:rPr lang="en-US" altLang="ko-KR" sz="2400" spc="-150" dirty="0">
+                <a:solidFill>
+                  <a:srgbClr val="00002F"/>
+                </a:solidFill>
+                <a:latin typeface="Malgun Gothic Semilight" panose="020B0502040204020203" pitchFamily="34" charset="-127"/>
+                <a:ea typeface="Malgun Gothic Semilight" panose="020B0502040204020203" pitchFamily="34" charset="-127"/>
+              </a:rPr>
+              <a:t>05.</a:t>
+            </a:r>
+            <a:endParaRPr lang="ko-KR" altLang="en-US" sz="2400" spc="-150" dirty="0">
+              <a:solidFill>
+                <a:srgbClr val="00002F"/>
+              </a:solidFill>
+              <a:latin typeface="Malgun Gothic Semilight" panose="020B0502040204020203" pitchFamily="34" charset="-127"/>
+              <a:ea typeface="Malgun Gothic Semilight" panose="020B0502040204020203" pitchFamily="34" charset="-127"/>
+            </a:endParaRPr>
+          </a:p>
+        </p:txBody>
+      </p:sp>
+      <p:pic>
+        <p:nvPicPr>
+          <p:cNvPr id="4" name="Picture 3">
+            <a:extLst>
+              <a:ext uri="{FF2B5EF4-FFF2-40B4-BE49-F238E27FC236}">
+                <a16:creationId xmlns:a16="http://schemas.microsoft.com/office/drawing/2014/main" id="{78A9E877-2873-4F14-9587-FF3FB0EFE392}"/>
+              </a:ext>
+            </a:extLst>
+          </p:cNvPr>
+          <p:cNvPicPr>
+            <a:picLocks noChangeAspect="1"/>
+          </p:cNvPicPr>
+          <p:nvPr/>
+        </p:nvPicPr>
+        <p:blipFill rotWithShape="1">
+          <a:blip r:embed="rId2"/>
+          <a:srcRect l="2390" t="3977" r="2924" b="4358"/>
+          <a:stretch/>
+        </p:blipFill>
+        <p:spPr>
+          <a:xfrm>
+            <a:off x="2853801" y="2117555"/>
+            <a:ext cx="6290200" cy="4090737"/>
+          </a:xfrm>
+          <a:prstGeom prst="rect">
+            <a:avLst/>
+          </a:prstGeom>
+        </p:spPr>
+      </p:pic>
+      <p:sp>
+        <p:nvSpPr>
+          <p:cNvPr id="5" name="TextBox 4">
+            <a:extLst>
+              <a:ext uri="{FF2B5EF4-FFF2-40B4-BE49-F238E27FC236}">
+                <a16:creationId xmlns:a16="http://schemas.microsoft.com/office/drawing/2014/main" id="{CB3D56C9-6CCA-4F0B-A41E-CAA4A52CE0E6}"/>
+              </a:ext>
+            </a:extLst>
+          </p:cNvPr>
+          <p:cNvSpPr txBox="1"/>
+          <p:nvPr/>
+        </p:nvSpPr>
+        <p:spPr>
+          <a:xfrm>
+            <a:off x="4321584" y="1988742"/>
+            <a:ext cx="3202317" cy="816955"/>
+          </a:xfrm>
+          <a:prstGeom prst="rect">
+            <a:avLst/>
+          </a:prstGeom>
+          <a:noFill/>
+        </p:spPr>
+        <p:txBody>
+          <a:bodyPr wrap="square" rtlCol="0">
+            <a:spAutoFit/>
+          </a:bodyPr>
+          <a:lstStyle/>
+          <a:p>
+            <a:pPr algn="ctr">
+              <a:lnSpc>
+                <a:spcPct val="200000"/>
+              </a:lnSpc>
+            </a:pPr>
+            <a:r>
+              <a:rPr lang="en-US" sz="2800" spc="-150" dirty="0">
+                <a:latin typeface="Malgun Gothic Semilight" panose="020B0503020000020004" pitchFamily="34" charset="-127"/>
+                <a:ea typeface="Malgun Gothic Semilight" panose="020B0503020000020004" pitchFamily="34" charset="-127"/>
+              </a:rPr>
+              <a:t>User Interface (I/O)</a:t>
+            </a:r>
+          </a:p>
+        </p:txBody>
+      </p:sp>
+      <p:sp>
+        <p:nvSpPr>
+          <p:cNvPr id="22" name="TextBox 21">
+            <a:extLst>
+              <a:ext uri="{FF2B5EF4-FFF2-40B4-BE49-F238E27FC236}">
+                <a16:creationId xmlns:a16="http://schemas.microsoft.com/office/drawing/2014/main" id="{57C8921C-016C-4323-B3DC-2A2603C553C4}"/>
+              </a:ext>
+            </a:extLst>
+          </p:cNvPr>
+          <p:cNvSpPr txBox="1"/>
+          <p:nvPr/>
+        </p:nvSpPr>
+        <p:spPr>
+          <a:xfrm>
+            <a:off x="2787267" y="2997621"/>
+            <a:ext cx="6290200" cy="816955"/>
+          </a:xfrm>
+          <a:prstGeom prst="rect">
+            <a:avLst/>
+          </a:prstGeom>
+          <a:noFill/>
+        </p:spPr>
+        <p:txBody>
+          <a:bodyPr wrap="square" rtlCol="0">
+            <a:spAutoFit/>
+          </a:bodyPr>
+          <a:lstStyle/>
+          <a:p>
+            <a:pPr algn="ctr">
+              <a:lnSpc>
+                <a:spcPct val="200000"/>
+              </a:lnSpc>
+            </a:pPr>
+            <a:r>
+              <a:rPr lang="ko-KR" altLang="en-US" sz="2800" spc="-150" dirty="0">
+                <a:latin typeface="Malgun Gothic Semilight" panose="020B0503020000020004" pitchFamily="34" charset="-127"/>
+                <a:ea typeface="Malgun Gothic Semilight" panose="020B0503020000020004" pitchFamily="34" charset="-127"/>
+              </a:rPr>
+              <a:t>인증           입력 유효성 검사</a:t>
+            </a:r>
+            <a:endParaRPr lang="en-US" sz="2800" spc="-150" dirty="0">
+              <a:latin typeface="Malgun Gothic Semilight" panose="020B0503020000020004" pitchFamily="34" charset="-127"/>
+              <a:ea typeface="Malgun Gothic Semilight" panose="020B0503020000020004" pitchFamily="34" charset="-127"/>
+            </a:endParaRPr>
+          </a:p>
+        </p:txBody>
+      </p:sp>
+      <p:sp>
+        <p:nvSpPr>
+          <p:cNvPr id="23" name="TextBox 22">
+            <a:extLst>
+              <a:ext uri="{FF2B5EF4-FFF2-40B4-BE49-F238E27FC236}">
+                <a16:creationId xmlns:a16="http://schemas.microsoft.com/office/drawing/2014/main" id="{B67A2975-4E01-49EE-A3BB-DB05BDDC2E84}"/>
+              </a:ext>
+            </a:extLst>
+          </p:cNvPr>
+          <p:cNvSpPr txBox="1"/>
+          <p:nvPr/>
+        </p:nvSpPr>
+        <p:spPr>
+          <a:xfrm>
+            <a:off x="2777642" y="4006500"/>
+            <a:ext cx="6290200" cy="816955"/>
+          </a:xfrm>
+          <a:prstGeom prst="rect">
+            <a:avLst/>
+          </a:prstGeom>
+          <a:noFill/>
+        </p:spPr>
+        <p:txBody>
+          <a:bodyPr wrap="square" rtlCol="0">
+            <a:spAutoFit/>
+          </a:bodyPr>
+          <a:lstStyle/>
+          <a:p>
+            <a:pPr algn="ctr">
+              <a:lnSpc>
+                <a:spcPct val="200000"/>
+              </a:lnSpc>
+            </a:pPr>
+            <a:r>
+              <a:rPr lang="ko-KR" altLang="en-US" sz="2800" spc="-150" dirty="0">
+                <a:latin typeface="Malgun Gothic Semilight" panose="020B0503020000020004" pitchFamily="34" charset="-127"/>
+                <a:ea typeface="Malgun Gothic Semilight" panose="020B0503020000020004" pitchFamily="34" charset="-127"/>
+              </a:rPr>
+              <a:t>유저관리</a:t>
+            </a:r>
+            <a:r>
+              <a:rPr lang="en-US" altLang="ko-KR" sz="2800" spc="-150" dirty="0">
+                <a:latin typeface="Malgun Gothic Semilight" panose="020B0503020000020004" pitchFamily="34" charset="-127"/>
+                <a:ea typeface="Malgun Gothic Semilight" panose="020B0503020000020004" pitchFamily="34" charset="-127"/>
+              </a:rPr>
+              <a:t>	</a:t>
+            </a:r>
+            <a:r>
+              <a:rPr lang="ko-KR" altLang="en-US" sz="2800" spc="-150" dirty="0">
+                <a:latin typeface="Malgun Gothic Semilight" panose="020B0503020000020004" pitchFamily="34" charset="-127"/>
+                <a:ea typeface="Malgun Gothic Semilight" panose="020B0503020000020004" pitchFamily="34" charset="-127"/>
+              </a:rPr>
+              <a:t>예약기능     버스관리</a:t>
+            </a:r>
+            <a:endParaRPr lang="en-US" sz="2800" spc="-150" dirty="0">
+              <a:latin typeface="Malgun Gothic Semilight" panose="020B0503020000020004" pitchFamily="34" charset="-127"/>
+              <a:ea typeface="Malgun Gothic Semilight" panose="020B0503020000020004" pitchFamily="34" charset="-127"/>
+            </a:endParaRPr>
+          </a:p>
+        </p:txBody>
+      </p:sp>
+      <p:sp>
+        <p:nvSpPr>
+          <p:cNvPr id="24" name="TextBox 23">
+            <a:extLst>
+              <a:ext uri="{FF2B5EF4-FFF2-40B4-BE49-F238E27FC236}">
+                <a16:creationId xmlns:a16="http://schemas.microsoft.com/office/drawing/2014/main" id="{91EB1773-59BC-4C55-98F3-BF96557FE890}"/>
+              </a:ext>
+            </a:extLst>
+          </p:cNvPr>
+          <p:cNvSpPr txBox="1"/>
+          <p:nvPr/>
+        </p:nvSpPr>
+        <p:spPr>
+          <a:xfrm>
+            <a:off x="3656434" y="5117126"/>
+            <a:ext cx="4551865" cy="816955"/>
+          </a:xfrm>
+          <a:prstGeom prst="rect">
+            <a:avLst/>
+          </a:prstGeom>
+          <a:noFill/>
+        </p:spPr>
+        <p:txBody>
+          <a:bodyPr wrap="square" rtlCol="0">
+            <a:spAutoFit/>
+          </a:bodyPr>
+          <a:lstStyle/>
+          <a:p>
+            <a:pPr algn="ctr">
+              <a:lnSpc>
+                <a:spcPct val="200000"/>
+              </a:lnSpc>
+            </a:pPr>
+            <a:r>
+              <a:rPr lang="en-US" sz="2800" spc="-150" dirty="0">
+                <a:latin typeface="Malgun Gothic Semilight" panose="020B0503020000020004" pitchFamily="34" charset="-127"/>
+                <a:ea typeface="Malgun Gothic Semilight" panose="020B0503020000020004" pitchFamily="34" charset="-127"/>
+              </a:rPr>
+              <a:t>Database</a:t>
+            </a:r>
+            <a:r>
+              <a:rPr lang="ko-KR" altLang="en-US" sz="2800" spc="-150" dirty="0">
+                <a:latin typeface="Malgun Gothic Semilight" panose="020B0503020000020004" pitchFamily="34" charset="-127"/>
+                <a:ea typeface="Malgun Gothic Semilight" panose="020B0503020000020004" pitchFamily="34" charset="-127"/>
               </a:rPr>
               <a:t> </a:t>
             </a:r>
             <a:r>
-              <a:rPr lang="en-US" altLang="ko-KR" dirty="0">
-                <a:latin typeface="HY중고딕" panose="02030600000101010101" pitchFamily="18" charset="-127"/>
-                <a:ea typeface="HY중고딕" panose="02030600000101010101" pitchFamily="18" charset="-127"/>
-              </a:rPr>
-              <a:t>Model</a:t>
-            </a:r>
-            <a:endParaRPr lang="ko-KR" altLang="en-US" dirty="0">
-              <a:latin typeface="HY중고딕" panose="02030600000101010101" pitchFamily="18" charset="-127"/>
-              <a:ea typeface="HY중고딕" panose="02030600000101010101" pitchFamily="18" charset="-127"/>
+              <a:rPr lang="en-US" altLang="ko-KR" sz="2800" spc="-150" dirty="0">
+                <a:latin typeface="Malgun Gothic Semilight" panose="020B0503020000020004" pitchFamily="34" charset="-127"/>
+                <a:ea typeface="Malgun Gothic Semilight" panose="020B0503020000020004" pitchFamily="34" charset="-127"/>
+              </a:rPr>
+              <a:t>Management System</a:t>
+            </a:r>
+            <a:endParaRPr lang="en-US" sz="2800" spc="-150" dirty="0">
+              <a:latin typeface="Malgun Gothic Semilight" panose="020B0503020000020004" pitchFamily="34" charset="-127"/>
+              <a:ea typeface="Malgun Gothic Semilight" panose="020B0503020000020004" pitchFamily="34" charset="-127"/>
             </a:endParaRPr>
           </a:p>
         </p:txBody>
@@ -2772,7 +3080,7 @@
     </p:spTree>
     <p:extLst>
       <p:ext uri="{BB962C8B-B14F-4D97-AF65-F5344CB8AC3E}">
-        <p14:creationId xmlns:p14="http://schemas.microsoft.com/office/powerpoint/2010/main" val="2831566107"/>
+        <p14:creationId xmlns:p14="http://schemas.microsoft.com/office/powerpoint/2010/main" val="1174097838"/>
       </p:ext>
     </p:extLst>
   </p:cSld>
@@ -2801,14 +3109,14 @@
       </p:grpSpPr>
       <p:sp>
         <p:nvSpPr>
-          <p:cNvPr id="11" name="TextBox 10"/>
+          <p:cNvPr id="2" name="TextBox 1"/>
           <p:cNvSpPr txBox="1"/>
           <p:nvPr/>
         </p:nvSpPr>
         <p:spPr>
           <a:xfrm>
-            <a:off x="3799480" y="1232977"/>
-            <a:ext cx="4439036" cy="707886"/>
+            <a:off x="3925974" y="2400300"/>
+            <a:ext cx="764953" cy="769441"/>
           </a:xfrm>
           <a:prstGeom prst="rect">
             <a:avLst/>
@@ -2821,561 +3129,80 @@
           </a:bodyPr>
           <a:lstStyle/>
           <a:p>
-            <a:pPr algn="ctr"/>
-            <a:r>
-              <a:rPr lang="en-US" altLang="ko-KR" sz="4000" b="1" spc="-150" dirty="0">
-                <a:solidFill>
-                  <a:srgbClr val="8DBABD"/>
-                </a:solidFill>
-                <a:latin typeface="Malgun Gothic Semilight" panose="020B0502040204020203" pitchFamily="34" charset="-127"/>
-                <a:ea typeface="Malgun Gothic Semilight" panose="020B0502040204020203" pitchFamily="34" charset="-127"/>
-              </a:rPr>
-              <a:t>Layered Architecture</a:t>
-            </a:r>
-            <a:endParaRPr lang="ko-KR" altLang="en-US" sz="4000" b="1" spc="-150" dirty="0">
-              <a:solidFill>
-                <a:srgbClr val="8DBABD"/>
-              </a:solidFill>
-              <a:latin typeface="Malgun Gothic Semilight" panose="020B0502040204020203" pitchFamily="34" charset="-127"/>
-              <a:ea typeface="Malgun Gothic Semilight" panose="020B0502040204020203" pitchFamily="34" charset="-127"/>
-            </a:endParaRPr>
-          </a:p>
-        </p:txBody>
-      </p:sp>
-      <p:cxnSp>
-        <p:nvCxnSpPr>
-          <p:cNvPr id="14" name="직선 연결선 13"/>
-          <p:cNvCxnSpPr/>
-          <p:nvPr/>
-        </p:nvCxnSpPr>
-        <p:spPr>
-          <a:xfrm>
-            <a:off x="10430892" y="144941"/>
-            <a:ext cx="360000" cy="0"/>
-          </a:xfrm>
-          <a:prstGeom prst="line">
-            <a:avLst/>
-          </a:prstGeom>
-          <a:ln w="44450" cap="rnd">
-            <a:solidFill>
-              <a:srgbClr val="D0CECE"/>
-            </a:solidFill>
-          </a:ln>
-          <a:effectLst>
-            <a:outerShdw blurRad="50800" dist="38100" dir="5400000" algn="t" rotWithShape="0">
-              <a:prstClr val="black">
-                <a:alpha val="40000"/>
-              </a:prstClr>
-            </a:outerShdw>
-          </a:effectLst>
-        </p:spPr>
-        <p:style>
-          <a:lnRef idx="1">
-            <a:schemeClr val="accent1"/>
-          </a:lnRef>
-          <a:fillRef idx="0">
-            <a:schemeClr val="accent1"/>
-          </a:fillRef>
-          <a:effectRef idx="0">
-            <a:schemeClr val="accent1"/>
-          </a:effectRef>
-          <a:fontRef idx="minor">
-            <a:schemeClr val="tx1"/>
-          </a:fontRef>
-        </p:style>
-      </p:cxnSp>
-      <p:cxnSp>
-        <p:nvCxnSpPr>
-          <p:cNvPr id="15" name="직선 연결선 14"/>
-          <p:cNvCxnSpPr/>
-          <p:nvPr/>
-        </p:nvCxnSpPr>
-        <p:spPr>
-          <a:xfrm>
-            <a:off x="10858459" y="144941"/>
-            <a:ext cx="360000" cy="0"/>
-          </a:xfrm>
-          <a:prstGeom prst="line">
-            <a:avLst/>
-          </a:prstGeom>
-          <a:ln w="44450" cap="rnd">
-            <a:solidFill>
-              <a:schemeClr val="bg2">
-                <a:lumMod val="90000"/>
-              </a:schemeClr>
-            </a:solidFill>
-          </a:ln>
-          <a:effectLst>
-            <a:outerShdw blurRad="50800" dist="38100" dir="5400000" algn="t" rotWithShape="0">
-              <a:prstClr val="black">
-                <a:alpha val="40000"/>
-              </a:prstClr>
-            </a:outerShdw>
-          </a:effectLst>
-        </p:spPr>
-        <p:style>
-          <a:lnRef idx="1">
-            <a:schemeClr val="accent1"/>
-          </a:lnRef>
-          <a:fillRef idx="0">
-            <a:schemeClr val="accent1"/>
-          </a:fillRef>
-          <a:effectRef idx="0">
-            <a:schemeClr val="accent1"/>
-          </a:effectRef>
-          <a:fontRef idx="minor">
-            <a:schemeClr val="tx1"/>
-          </a:fontRef>
-        </p:style>
-      </p:cxnSp>
-      <p:cxnSp>
-        <p:nvCxnSpPr>
-          <p:cNvPr id="16" name="직선 연결선 15"/>
-          <p:cNvCxnSpPr/>
-          <p:nvPr/>
-        </p:nvCxnSpPr>
-        <p:spPr>
-          <a:xfrm>
-            <a:off x="11286026" y="144941"/>
-            <a:ext cx="360000" cy="0"/>
-          </a:xfrm>
-          <a:prstGeom prst="line">
-            <a:avLst/>
-          </a:prstGeom>
-          <a:ln w="44450" cap="rnd">
-            <a:solidFill>
-              <a:schemeClr val="bg2">
-                <a:lumMod val="90000"/>
-              </a:schemeClr>
-            </a:solidFill>
-          </a:ln>
-          <a:effectLst>
-            <a:outerShdw blurRad="50800" dist="38100" dir="5400000" algn="t" rotWithShape="0">
-              <a:prstClr val="black">
-                <a:alpha val="40000"/>
-              </a:prstClr>
-            </a:outerShdw>
-          </a:effectLst>
-        </p:spPr>
-        <p:style>
-          <a:lnRef idx="1">
-            <a:schemeClr val="accent1"/>
-          </a:lnRef>
-          <a:fillRef idx="0">
-            <a:schemeClr val="accent1"/>
-          </a:fillRef>
-          <a:effectRef idx="0">
-            <a:schemeClr val="accent1"/>
-          </a:effectRef>
-          <a:fontRef idx="minor">
-            <a:schemeClr val="tx1"/>
-          </a:fontRef>
-        </p:style>
-      </p:cxnSp>
-      <p:cxnSp>
-        <p:nvCxnSpPr>
-          <p:cNvPr id="17" name="직선 연결선 16"/>
-          <p:cNvCxnSpPr/>
-          <p:nvPr/>
-        </p:nvCxnSpPr>
-        <p:spPr>
-          <a:xfrm>
-            <a:off x="11713592" y="144941"/>
-            <a:ext cx="360000" cy="0"/>
-          </a:xfrm>
-          <a:prstGeom prst="line">
-            <a:avLst/>
-          </a:prstGeom>
-          <a:ln w="44450" cap="rnd">
-            <a:solidFill>
-              <a:srgbClr val="8DBABD"/>
-            </a:solidFill>
-          </a:ln>
-          <a:effectLst>
-            <a:outerShdw blurRad="50800" dist="38100" dir="5400000" algn="t" rotWithShape="0">
-              <a:prstClr val="black">
-                <a:alpha val="40000"/>
-              </a:prstClr>
-            </a:outerShdw>
-          </a:effectLst>
-        </p:spPr>
-        <p:style>
-          <a:lnRef idx="1">
-            <a:schemeClr val="accent1"/>
-          </a:lnRef>
-          <a:fillRef idx="0">
-            <a:schemeClr val="accent1"/>
-          </a:fillRef>
-          <a:effectRef idx="0">
-            <a:schemeClr val="accent1"/>
-          </a:effectRef>
-          <a:fontRef idx="minor">
-            <a:schemeClr val="tx1"/>
-          </a:fontRef>
-        </p:style>
-      </p:cxnSp>
-      <p:cxnSp>
-        <p:nvCxnSpPr>
-          <p:cNvPr id="18" name="직선 연결선 17"/>
-          <p:cNvCxnSpPr>
-            <a:cxnSpLocks/>
-          </p:cNvCxnSpPr>
-          <p:nvPr/>
-        </p:nvCxnSpPr>
-        <p:spPr>
-          <a:xfrm>
-            <a:off x="1026522" y="989148"/>
-            <a:ext cx="3258731" cy="0"/>
-          </a:xfrm>
-          <a:prstGeom prst="line">
-            <a:avLst/>
-          </a:prstGeom>
-          <a:ln>
-            <a:solidFill>
-              <a:schemeClr val="bg1">
-                <a:lumMod val="50000"/>
-              </a:schemeClr>
-            </a:solidFill>
-          </a:ln>
-        </p:spPr>
-        <p:style>
-          <a:lnRef idx="1">
-            <a:schemeClr val="accent1"/>
-          </a:lnRef>
-          <a:fillRef idx="0">
-            <a:schemeClr val="accent1"/>
-          </a:fillRef>
-          <a:effectRef idx="0">
-            <a:schemeClr val="accent1"/>
-          </a:effectRef>
-          <a:fontRef idx="minor">
-            <a:schemeClr val="tx1"/>
-          </a:fontRef>
-        </p:style>
-      </p:cxnSp>
-      <p:sp>
-        <p:nvSpPr>
-          <p:cNvPr id="19" name="TextBox 18"/>
-          <p:cNvSpPr txBox="1"/>
-          <p:nvPr/>
-        </p:nvSpPr>
-        <p:spPr>
-          <a:xfrm>
-            <a:off x="868741" y="422154"/>
-            <a:ext cx="3485634" cy="584775"/>
-          </a:xfrm>
-          <a:prstGeom prst="rect">
-            <a:avLst/>
-          </a:prstGeom>
-          <a:noFill/>
-        </p:spPr>
-        <p:txBody>
-          <a:bodyPr wrap="none" rtlCol="0">
-            <a:spAutoFit/>
-          </a:bodyPr>
-          <a:lstStyle/>
-          <a:p>
-            <a:pPr algn="ctr"/>
-            <a:r>
-              <a:rPr lang="en-US" altLang="ko-KR" sz="3200" spc="-150" dirty="0">
+            <a:r>
+              <a:rPr lang="en-US" altLang="ko-KR" sz="4400" spc="-300" dirty="0">
                 <a:solidFill>
                   <a:srgbClr val="00002F"/>
                 </a:solidFill>
-                <a:latin typeface="나눔스퀘어 ExtraBold"/>
-                <a:ea typeface="Malgun Gothic Semilight" panose="020B0502040204020203" pitchFamily="34" charset="-127"/>
-              </a:rPr>
-              <a:t>Architectural Model</a:t>
-            </a:r>
-            <a:endParaRPr lang="ko-KR" altLang="en-US" sz="3200" spc="-150" dirty="0">
+                <a:latin typeface="HY중고딕" panose="02030600000101010101" pitchFamily="18" charset="-127"/>
+                <a:ea typeface="HY중고딕" panose="02030600000101010101" pitchFamily="18" charset="-127"/>
+              </a:rPr>
+              <a:t>06</a:t>
+            </a:r>
+            <a:endParaRPr lang="ko-KR" altLang="en-US" sz="4400" spc="-300" dirty="0">
               <a:solidFill>
                 <a:srgbClr val="00002F"/>
               </a:solidFill>
-              <a:latin typeface="나눔스퀘어 ExtraBold"/>
-              <a:ea typeface="Malgun Gothic Semilight" panose="020B0502040204020203" pitchFamily="34" charset="-127"/>
+              <a:latin typeface="HY중고딕" panose="02030600000101010101" pitchFamily="18" charset="-127"/>
+              <a:ea typeface="HY중고딕" panose="02030600000101010101" pitchFamily="18" charset="-127"/>
             </a:endParaRPr>
           </a:p>
         </p:txBody>
       </p:sp>
       <p:sp>
         <p:nvSpPr>
-          <p:cNvPr id="20" name="TextBox 19"/>
-          <p:cNvSpPr txBox="1"/>
+          <p:cNvPr id="3" name="직사각형 2"/>
+          <p:cNvSpPr/>
           <p:nvPr/>
         </p:nvSpPr>
         <p:spPr>
           <a:xfrm>
-            <a:off x="496409" y="498947"/>
-            <a:ext cx="532517" cy="461665"/>
+            <a:off x="4000499" y="3169741"/>
+            <a:ext cx="4200071" cy="473345"/>
           </a:xfrm>
           <a:prstGeom prst="rect">
             <a:avLst/>
           </a:prstGeom>
-          <a:noFill/>
-        </p:spPr>
+          <a:solidFill>
+            <a:srgbClr val="8DBABD"/>
+          </a:solidFill>
+          <a:ln>
+            <a:solidFill>
+              <a:srgbClr val="8DBABD"/>
+            </a:solidFill>
+          </a:ln>
+        </p:spPr>
+        <p:style>
+          <a:lnRef idx="2">
+            <a:schemeClr val="accent1">
+              <a:shade val="50000"/>
+            </a:schemeClr>
+          </a:lnRef>
+          <a:fillRef idx="1">
+            <a:schemeClr val="accent1"/>
+          </a:fillRef>
+          <a:effectRef idx="0">
+            <a:schemeClr val="accent1"/>
+          </a:effectRef>
+          <a:fontRef idx="minor">
+            <a:schemeClr val="lt1"/>
+          </a:fontRef>
+        </p:style>
         <p:txBody>
-          <a:bodyPr wrap="none" rtlCol="0">
-            <a:spAutoFit/>
-          </a:bodyPr>
+          <a:bodyPr rtlCol="0" anchor="ctr"/>
           <a:lstStyle/>
           <a:p>
             <a:pPr algn="ctr"/>
             <a:r>
-              <a:rPr lang="en-US" altLang="ko-KR" sz="2400" spc="-150" dirty="0">
-                <a:solidFill>
-                  <a:srgbClr val="00002F"/>
-                </a:solidFill>
-                <a:latin typeface="Malgun Gothic Semilight" panose="020B0502040204020203" pitchFamily="34" charset="-127"/>
-                <a:ea typeface="Malgun Gothic Semilight" panose="020B0502040204020203" pitchFamily="34" charset="-127"/>
-              </a:rPr>
-              <a:t>05.</a:t>
-            </a:r>
-            <a:endParaRPr lang="ko-KR" altLang="en-US" sz="2400" spc="-150" dirty="0">
-              <a:solidFill>
-                <a:srgbClr val="00002F"/>
-              </a:solidFill>
-              <a:latin typeface="Malgun Gothic Semilight" panose="020B0502040204020203" pitchFamily="34" charset="-127"/>
-              <a:ea typeface="Malgun Gothic Semilight" panose="020B0502040204020203" pitchFamily="34" charset="-127"/>
-            </a:endParaRPr>
-          </a:p>
-        </p:txBody>
-      </p:sp>
-      <p:pic>
-        <p:nvPicPr>
-          <p:cNvPr id="4" name="Picture 3">
-            <a:extLst>
-              <a:ext uri="{FF2B5EF4-FFF2-40B4-BE49-F238E27FC236}">
-                <a16:creationId xmlns:a16="http://schemas.microsoft.com/office/drawing/2014/main" id="{78A9E877-2873-4F14-9587-FF3FB0EFE392}"/>
-              </a:ext>
-            </a:extLst>
-          </p:cNvPr>
-          <p:cNvPicPr>
-            <a:picLocks noChangeAspect="1"/>
-          </p:cNvPicPr>
-          <p:nvPr/>
-        </p:nvPicPr>
-        <p:blipFill rotWithShape="1">
-          <a:blip r:embed="rId2"/>
-          <a:srcRect l="2390" t="3977" r="2924" b="4358"/>
-          <a:stretch/>
-        </p:blipFill>
-        <p:spPr>
-          <a:xfrm>
-            <a:off x="2853801" y="2117555"/>
-            <a:ext cx="6290200" cy="4090737"/>
-          </a:xfrm>
-          <a:prstGeom prst="rect">
-            <a:avLst/>
-          </a:prstGeom>
-        </p:spPr>
-      </p:pic>
-      <p:sp>
-        <p:nvSpPr>
-          <p:cNvPr id="5" name="TextBox 4">
-            <a:extLst>
-              <a:ext uri="{FF2B5EF4-FFF2-40B4-BE49-F238E27FC236}">
-                <a16:creationId xmlns:a16="http://schemas.microsoft.com/office/drawing/2014/main" id="{CB3D56C9-6CCA-4F0B-A41E-CAA4A52CE0E6}"/>
-              </a:ext>
-            </a:extLst>
-          </p:cNvPr>
-          <p:cNvSpPr txBox="1"/>
-          <p:nvPr/>
-        </p:nvSpPr>
-        <p:spPr>
-          <a:xfrm>
-            <a:off x="4321584" y="1988742"/>
-            <a:ext cx="3202317" cy="816955"/>
-          </a:xfrm>
-          <a:prstGeom prst="rect">
-            <a:avLst/>
-          </a:prstGeom>
-          <a:noFill/>
-        </p:spPr>
-        <p:txBody>
-          <a:bodyPr wrap="square" rtlCol="0">
-            <a:spAutoFit/>
-          </a:bodyPr>
-          <a:lstStyle/>
-          <a:p>
-            <a:pPr algn="ctr">
-              <a:lnSpc>
-                <a:spcPct val="200000"/>
-              </a:lnSpc>
-            </a:pPr>
-            <a:r>
-              <a:rPr lang="en-US" sz="2800" spc="-150" dirty="0">
-                <a:latin typeface="Malgun Gothic Semilight" panose="020B0503020000020004" pitchFamily="34" charset="-127"/>
-                <a:ea typeface="Malgun Gothic Semilight" panose="020B0503020000020004" pitchFamily="34" charset="-127"/>
-              </a:rPr>
-              <a:t>User Interface (I/O)</a:t>
-            </a:r>
-          </a:p>
-        </p:txBody>
-      </p:sp>
-      <p:sp>
-        <p:nvSpPr>
-          <p:cNvPr id="22" name="TextBox 21">
-            <a:extLst>
-              <a:ext uri="{FF2B5EF4-FFF2-40B4-BE49-F238E27FC236}">
-                <a16:creationId xmlns:a16="http://schemas.microsoft.com/office/drawing/2014/main" id="{57C8921C-016C-4323-B3DC-2A2603C553C4}"/>
-              </a:ext>
-            </a:extLst>
-          </p:cNvPr>
-          <p:cNvSpPr txBox="1"/>
-          <p:nvPr/>
-        </p:nvSpPr>
-        <p:spPr>
-          <a:xfrm>
-            <a:off x="2787267" y="2997621"/>
-            <a:ext cx="6290200" cy="816955"/>
-          </a:xfrm>
-          <a:prstGeom prst="rect">
-            <a:avLst/>
-          </a:prstGeom>
-          <a:noFill/>
-        </p:spPr>
-        <p:txBody>
-          <a:bodyPr wrap="square" rtlCol="0">
-            <a:spAutoFit/>
-          </a:bodyPr>
-          <a:lstStyle/>
-          <a:p>
-            <a:pPr algn="ctr">
-              <a:lnSpc>
-                <a:spcPct val="200000"/>
-              </a:lnSpc>
-            </a:pPr>
-            <a:r>
-              <a:rPr lang="ko-KR" altLang="en-US" sz="2800" spc="-150" dirty="0">
-                <a:latin typeface="Malgun Gothic Semilight" panose="020B0503020000020004" pitchFamily="34" charset="-127"/>
-                <a:ea typeface="Malgun Gothic Semilight" panose="020B0503020000020004" pitchFamily="34" charset="-127"/>
-              </a:rPr>
-              <a:t>인증           입력 유효성 검사</a:t>
-            </a:r>
-            <a:endParaRPr lang="en-US" sz="2800" spc="-150" dirty="0">
-              <a:latin typeface="Malgun Gothic Semilight" panose="020B0503020000020004" pitchFamily="34" charset="-127"/>
-              <a:ea typeface="Malgun Gothic Semilight" panose="020B0503020000020004" pitchFamily="34" charset="-127"/>
-            </a:endParaRPr>
-          </a:p>
-        </p:txBody>
-      </p:sp>
-      <p:sp>
-        <p:nvSpPr>
-          <p:cNvPr id="23" name="TextBox 22">
-            <a:extLst>
-              <a:ext uri="{FF2B5EF4-FFF2-40B4-BE49-F238E27FC236}">
-                <a16:creationId xmlns:a16="http://schemas.microsoft.com/office/drawing/2014/main" id="{B67A2975-4E01-49EE-A3BB-DB05BDDC2E84}"/>
-              </a:ext>
-            </a:extLst>
-          </p:cNvPr>
-          <p:cNvSpPr txBox="1"/>
-          <p:nvPr/>
-        </p:nvSpPr>
-        <p:spPr>
-          <a:xfrm>
-            <a:off x="2777642" y="4006500"/>
-            <a:ext cx="6290200" cy="816955"/>
-          </a:xfrm>
-          <a:prstGeom prst="rect">
-            <a:avLst/>
-          </a:prstGeom>
-          <a:noFill/>
-        </p:spPr>
-        <p:txBody>
-          <a:bodyPr wrap="square" rtlCol="0">
-            <a:spAutoFit/>
-          </a:bodyPr>
-          <a:lstStyle/>
-          <a:p>
-            <a:pPr algn="ctr">
-              <a:lnSpc>
-                <a:spcPct val="200000"/>
-              </a:lnSpc>
-            </a:pPr>
-            <a:r>
-              <a:rPr lang="ko-KR" altLang="en-US" sz="2800" spc="-150" dirty="0">
-                <a:latin typeface="Malgun Gothic Semilight" panose="020B0503020000020004" pitchFamily="34" charset="-127"/>
-                <a:ea typeface="Malgun Gothic Semilight" panose="020B0503020000020004" pitchFamily="34" charset="-127"/>
-              </a:rPr>
-              <a:t>유저관리</a:t>
-            </a:r>
-            <a:r>
-              <a:rPr lang="en-US" altLang="ko-KR" sz="2800" spc="-150" dirty="0">
-                <a:latin typeface="Malgun Gothic Semilight" panose="020B0503020000020004" pitchFamily="34" charset="-127"/>
-                <a:ea typeface="Malgun Gothic Semilight" panose="020B0503020000020004" pitchFamily="34" charset="-127"/>
-              </a:rPr>
-              <a:t>	</a:t>
-            </a:r>
-            <a:r>
-              <a:rPr lang="ko-KR" altLang="en-US" sz="2800" spc="-150" dirty="0">
-                <a:latin typeface="Malgun Gothic Semilight" panose="020B0503020000020004" pitchFamily="34" charset="-127"/>
-                <a:ea typeface="Malgun Gothic Semilight" panose="020B0503020000020004" pitchFamily="34" charset="-127"/>
-              </a:rPr>
-              <a:t>예약기능     버스관리</a:t>
-            </a:r>
-            <a:endParaRPr lang="en-US" sz="2800" spc="-150" dirty="0">
-              <a:latin typeface="Malgun Gothic Semilight" panose="020B0503020000020004" pitchFamily="34" charset="-127"/>
-              <a:ea typeface="Malgun Gothic Semilight" panose="020B0503020000020004" pitchFamily="34" charset="-127"/>
-            </a:endParaRPr>
-          </a:p>
-        </p:txBody>
-      </p:sp>
-      <p:sp>
-        <p:nvSpPr>
-          <p:cNvPr id="24" name="TextBox 23">
-            <a:extLst>
-              <a:ext uri="{FF2B5EF4-FFF2-40B4-BE49-F238E27FC236}">
-                <a16:creationId xmlns:a16="http://schemas.microsoft.com/office/drawing/2014/main" id="{91EB1773-59BC-4C55-98F3-BF96557FE890}"/>
-              </a:ext>
-            </a:extLst>
-          </p:cNvPr>
-          <p:cNvSpPr txBox="1"/>
-          <p:nvPr/>
-        </p:nvSpPr>
-        <p:spPr>
-          <a:xfrm>
-            <a:off x="3656434" y="5117126"/>
-            <a:ext cx="4551865" cy="816955"/>
-          </a:xfrm>
-          <a:prstGeom prst="rect">
-            <a:avLst/>
-          </a:prstGeom>
-          <a:noFill/>
-        </p:spPr>
-        <p:txBody>
-          <a:bodyPr wrap="square" rtlCol="0">
-            <a:spAutoFit/>
-          </a:bodyPr>
-          <a:lstStyle/>
-          <a:p>
-            <a:pPr algn="ctr">
-              <a:lnSpc>
-                <a:spcPct val="200000"/>
-              </a:lnSpc>
-            </a:pPr>
-            <a:r>
-              <a:rPr lang="en-US" sz="2800" spc="-150" dirty="0">
-                <a:latin typeface="Malgun Gothic Semilight" panose="020B0503020000020004" pitchFamily="34" charset="-127"/>
-                <a:ea typeface="Malgun Gothic Semilight" panose="020B0503020000020004" pitchFamily="34" charset="-127"/>
-              </a:rPr>
-              <a:t>Database</a:t>
-            </a:r>
-            <a:r>
-              <a:rPr lang="ko-KR" altLang="en-US" sz="2800" spc="-150" dirty="0">
-                <a:latin typeface="Malgun Gothic Semilight" panose="020B0503020000020004" pitchFamily="34" charset="-127"/>
-                <a:ea typeface="Malgun Gothic Semilight" panose="020B0503020000020004" pitchFamily="34" charset="-127"/>
-              </a:rPr>
-              <a:t> </a:t>
-            </a:r>
-            <a:r>
-              <a:rPr lang="en-US" altLang="ko-KR" sz="2800" spc="-150" dirty="0">
-                <a:latin typeface="Malgun Gothic Semilight" panose="020B0503020000020004" pitchFamily="34" charset="-127"/>
-                <a:ea typeface="Malgun Gothic Semilight" panose="020B0503020000020004" pitchFamily="34" charset="-127"/>
-              </a:rPr>
-              <a:t>Management System</a:t>
-            </a:r>
-            <a:endParaRPr lang="en-US" sz="2800" spc="-150" dirty="0">
-              <a:latin typeface="Malgun Gothic Semilight" panose="020B0503020000020004" pitchFamily="34" charset="-127"/>
-              <a:ea typeface="Malgun Gothic Semilight" panose="020B0503020000020004" pitchFamily="34" charset="-127"/>
+              <a:rPr lang="en-US" altLang="ko-KR" dirty="0">
+                <a:latin typeface="HY중고딕" panose="02030600000101010101" pitchFamily="18" charset="-127"/>
+                <a:ea typeface="HY중고딕" panose="02030600000101010101" pitchFamily="18" charset="-127"/>
+              </a:rPr>
+              <a:t>Process Model</a:t>
+            </a:r>
+            <a:endParaRPr lang="ko-KR" altLang="en-US" dirty="0">
+              <a:latin typeface="HY중고딕" panose="02030600000101010101" pitchFamily="18" charset="-127"/>
+              <a:ea typeface="HY중고딕" panose="02030600000101010101" pitchFamily="18" charset="-127"/>
             </a:endParaRPr>
           </a:p>
         </p:txBody>
@@ -3383,7 +3210,7 @@
     </p:spTree>
     <p:extLst>
       <p:ext uri="{BB962C8B-B14F-4D97-AF65-F5344CB8AC3E}">
-        <p14:creationId xmlns:p14="http://schemas.microsoft.com/office/powerpoint/2010/main" val="1174097838"/>
+        <p14:creationId xmlns:p14="http://schemas.microsoft.com/office/powerpoint/2010/main" val="1520267434"/>
       </p:ext>
     </p:extLst>
   </p:cSld>
@@ -3410,16 +3237,225 @@
           <a:chExt cx="0" cy="0"/>
         </a:xfrm>
       </p:grpSpPr>
+      <p:cxnSp>
+        <p:nvCxnSpPr>
+          <p:cNvPr id="14" name="직선 연결선 13"/>
+          <p:cNvCxnSpPr/>
+          <p:nvPr/>
+        </p:nvCxnSpPr>
+        <p:spPr>
+          <a:xfrm>
+            <a:off x="10430892" y="144941"/>
+            <a:ext cx="360000" cy="0"/>
+          </a:xfrm>
+          <a:prstGeom prst="line">
+            <a:avLst/>
+          </a:prstGeom>
+          <a:ln w="44450" cap="rnd">
+            <a:solidFill>
+              <a:srgbClr val="D0CECE"/>
+            </a:solidFill>
+          </a:ln>
+          <a:effectLst>
+            <a:outerShdw blurRad="50800" dist="38100" dir="5400000" algn="t" rotWithShape="0">
+              <a:prstClr val="black">
+                <a:alpha val="40000"/>
+              </a:prstClr>
+            </a:outerShdw>
+          </a:effectLst>
+        </p:spPr>
+        <p:style>
+          <a:lnRef idx="1">
+            <a:schemeClr val="accent1"/>
+          </a:lnRef>
+          <a:fillRef idx="0">
+            <a:schemeClr val="accent1"/>
+          </a:fillRef>
+          <a:effectRef idx="0">
+            <a:schemeClr val="accent1"/>
+          </a:effectRef>
+          <a:fontRef idx="minor">
+            <a:schemeClr val="tx1"/>
+          </a:fontRef>
+        </p:style>
+      </p:cxnSp>
+      <p:cxnSp>
+        <p:nvCxnSpPr>
+          <p:cNvPr id="15" name="직선 연결선 14"/>
+          <p:cNvCxnSpPr/>
+          <p:nvPr/>
+        </p:nvCxnSpPr>
+        <p:spPr>
+          <a:xfrm>
+            <a:off x="10858459" y="144941"/>
+            <a:ext cx="360000" cy="0"/>
+          </a:xfrm>
+          <a:prstGeom prst="line">
+            <a:avLst/>
+          </a:prstGeom>
+          <a:ln w="44450" cap="rnd">
+            <a:solidFill>
+              <a:schemeClr val="bg2">
+                <a:lumMod val="90000"/>
+              </a:schemeClr>
+            </a:solidFill>
+          </a:ln>
+          <a:effectLst>
+            <a:outerShdw blurRad="50800" dist="38100" dir="5400000" algn="t" rotWithShape="0">
+              <a:prstClr val="black">
+                <a:alpha val="40000"/>
+              </a:prstClr>
+            </a:outerShdw>
+          </a:effectLst>
+        </p:spPr>
+        <p:style>
+          <a:lnRef idx="1">
+            <a:schemeClr val="accent1"/>
+          </a:lnRef>
+          <a:fillRef idx="0">
+            <a:schemeClr val="accent1"/>
+          </a:fillRef>
+          <a:effectRef idx="0">
+            <a:schemeClr val="accent1"/>
+          </a:effectRef>
+          <a:fontRef idx="minor">
+            <a:schemeClr val="tx1"/>
+          </a:fontRef>
+        </p:style>
+      </p:cxnSp>
+      <p:cxnSp>
+        <p:nvCxnSpPr>
+          <p:cNvPr id="16" name="직선 연결선 15"/>
+          <p:cNvCxnSpPr/>
+          <p:nvPr/>
+        </p:nvCxnSpPr>
+        <p:spPr>
+          <a:xfrm>
+            <a:off x="11286026" y="144941"/>
+            <a:ext cx="360000" cy="0"/>
+          </a:xfrm>
+          <a:prstGeom prst="line">
+            <a:avLst/>
+          </a:prstGeom>
+          <a:ln w="44450" cap="rnd">
+            <a:solidFill>
+              <a:srgbClr val="8DBABD"/>
+            </a:solidFill>
+          </a:ln>
+          <a:effectLst>
+            <a:outerShdw blurRad="50800" dist="38100" dir="5400000" algn="t" rotWithShape="0">
+              <a:prstClr val="black">
+                <a:alpha val="40000"/>
+              </a:prstClr>
+            </a:outerShdw>
+          </a:effectLst>
+        </p:spPr>
+        <p:style>
+          <a:lnRef idx="1">
+            <a:schemeClr val="accent1"/>
+          </a:lnRef>
+          <a:fillRef idx="0">
+            <a:schemeClr val="accent1"/>
+          </a:fillRef>
+          <a:effectRef idx="0">
+            <a:schemeClr val="accent1"/>
+          </a:effectRef>
+          <a:fontRef idx="minor">
+            <a:schemeClr val="tx1"/>
+          </a:fontRef>
+        </p:style>
+      </p:cxnSp>
+      <p:cxnSp>
+        <p:nvCxnSpPr>
+          <p:cNvPr id="17" name="직선 연결선 16"/>
+          <p:cNvCxnSpPr/>
+          <p:nvPr/>
+        </p:nvCxnSpPr>
+        <p:spPr>
+          <a:xfrm>
+            <a:off x="11713592" y="144941"/>
+            <a:ext cx="360000" cy="0"/>
+          </a:xfrm>
+          <a:prstGeom prst="line">
+            <a:avLst/>
+          </a:prstGeom>
+          <a:ln w="44450" cap="rnd">
+            <a:solidFill>
+              <a:schemeClr val="bg2">
+                <a:lumMod val="90000"/>
+              </a:schemeClr>
+            </a:solidFill>
+          </a:ln>
+          <a:effectLst>
+            <a:outerShdw blurRad="50800" dist="38100" dir="5400000" algn="t" rotWithShape="0">
+              <a:prstClr val="black">
+                <a:alpha val="40000"/>
+              </a:prstClr>
+            </a:outerShdw>
+          </a:effectLst>
+        </p:spPr>
+        <p:style>
+          <a:lnRef idx="1">
+            <a:schemeClr val="accent1"/>
+          </a:lnRef>
+          <a:fillRef idx="0">
+            <a:schemeClr val="accent1"/>
+          </a:fillRef>
+          <a:effectRef idx="0">
+            <a:schemeClr val="accent1"/>
+          </a:effectRef>
+          <a:fontRef idx="minor">
+            <a:schemeClr val="tx1"/>
+          </a:fontRef>
+        </p:style>
+      </p:cxnSp>
+      <p:cxnSp>
+        <p:nvCxnSpPr>
+          <p:cNvPr id="18" name="직선 연결선 17"/>
+          <p:cNvCxnSpPr/>
+          <p:nvPr/>
+        </p:nvCxnSpPr>
+        <p:spPr>
+          <a:xfrm>
+            <a:off x="1026522" y="989148"/>
+            <a:ext cx="2160000" cy="0"/>
+          </a:xfrm>
+          <a:prstGeom prst="line">
+            <a:avLst/>
+          </a:prstGeom>
+          <a:ln>
+            <a:solidFill>
+              <a:schemeClr val="bg1">
+                <a:lumMod val="50000"/>
+              </a:schemeClr>
+            </a:solidFill>
+          </a:ln>
+        </p:spPr>
+        <p:style>
+          <a:lnRef idx="1">
+            <a:schemeClr val="accent1"/>
+          </a:lnRef>
+          <a:fillRef idx="0">
+            <a:schemeClr val="accent1"/>
+          </a:fillRef>
+          <a:effectRef idx="0">
+            <a:schemeClr val="accent1"/>
+          </a:effectRef>
+          <a:fontRef idx="minor">
+            <a:schemeClr val="tx1"/>
+          </a:fontRef>
+        </p:style>
+      </p:cxnSp>
       <p:sp>
         <p:nvSpPr>
-          <p:cNvPr id="2" name="TextBox 1"/>
+          <p:cNvPr id="19" name="TextBox 18"/>
           <p:cNvSpPr txBox="1"/>
           <p:nvPr/>
         </p:nvSpPr>
         <p:spPr>
           <a:xfrm>
-            <a:off x="3925974" y="2400300"/>
-            <a:ext cx="797013" cy="769441"/>
+            <a:off x="1026522" y="437393"/>
+            <a:ext cx="2657073" cy="584775"/>
           </a:xfrm>
           <a:prstGeom prst="rect">
             <a:avLst/>
@@ -3432,80 +3468,165 @@
           </a:bodyPr>
           <a:lstStyle/>
           <a:p>
-            <a:r>
-              <a:rPr lang="en-US" altLang="ko-KR" sz="4400" spc="-300" dirty="0">
+            <a:pPr algn="ctr"/>
+            <a:r>
+              <a:rPr lang="en-US" altLang="ko-KR" sz="3200" spc="-150" dirty="0">
                 <a:solidFill>
                   <a:srgbClr val="00002F"/>
                 </a:solidFill>
-                <a:latin typeface="나눔스퀘어 Bold" panose="020B0600000101010101" pitchFamily="50" charset="-127"/>
-                <a:ea typeface="나눔스퀘어 Bold" panose="020B0600000101010101" pitchFamily="50" charset="-127"/>
-              </a:rPr>
-              <a:t>06</a:t>
-            </a:r>
-            <a:endParaRPr lang="ko-KR" altLang="en-US" sz="4400" spc="-300" dirty="0">
+                <a:latin typeface="+mj-ea"/>
+                <a:ea typeface="+mj-ea"/>
+              </a:rPr>
+              <a:t>Process</a:t>
+            </a:r>
+            <a:r>
+              <a:rPr lang="ko-KR" altLang="en-US" sz="3200" spc="-150" dirty="0">
+                <a:solidFill>
+                  <a:srgbClr val="00002F"/>
+                </a:solidFill>
+                <a:latin typeface="+mj-ea"/>
+                <a:ea typeface="+mj-ea"/>
+              </a:rPr>
+              <a:t> </a:t>
+            </a:r>
+            <a:r>
+              <a:rPr lang="en-US" altLang="ko-KR" sz="3200" spc="-150" dirty="0">
+                <a:solidFill>
+                  <a:srgbClr val="00002F"/>
+                </a:solidFill>
+                <a:latin typeface="+mj-ea"/>
+                <a:ea typeface="+mj-ea"/>
+              </a:rPr>
+              <a:t>Model</a:t>
+            </a:r>
+            <a:endParaRPr lang="ko-KR" altLang="en-US" sz="3200" spc="-150" dirty="0">
               <a:solidFill>
                 <a:srgbClr val="00002F"/>
               </a:solidFill>
-              <a:latin typeface="나눔스퀘어 Bold" panose="020B0600000101010101" pitchFamily="50" charset="-127"/>
-              <a:ea typeface="나눔스퀘어 Bold" panose="020B0600000101010101" pitchFamily="50" charset="-127"/>
+              <a:latin typeface="+mj-ea"/>
+              <a:ea typeface="+mj-ea"/>
             </a:endParaRPr>
           </a:p>
         </p:txBody>
       </p:sp>
       <p:sp>
         <p:nvSpPr>
-          <p:cNvPr id="3" name="직사각형 2"/>
-          <p:cNvSpPr/>
+          <p:cNvPr id="20" name="TextBox 19"/>
+          <p:cNvSpPr txBox="1"/>
           <p:nvPr/>
         </p:nvSpPr>
         <p:spPr>
           <a:xfrm>
-            <a:off x="4000499" y="3169741"/>
-            <a:ext cx="4200071" cy="473345"/>
+            <a:off x="495607" y="498947"/>
+            <a:ext cx="534121" cy="461665"/>
           </a:xfrm>
           <a:prstGeom prst="rect">
             <a:avLst/>
           </a:prstGeom>
-          <a:solidFill>
-            <a:srgbClr val="8DBABD"/>
-          </a:solidFill>
-          <a:ln>
-            <a:solidFill>
-              <a:srgbClr val="8DBABD"/>
-            </a:solidFill>
-          </a:ln>
-        </p:spPr>
-        <p:style>
-          <a:lnRef idx="2">
-            <a:schemeClr val="accent1">
-              <a:shade val="50000"/>
-            </a:schemeClr>
-          </a:lnRef>
-          <a:fillRef idx="1">
-            <a:schemeClr val="accent1"/>
-          </a:fillRef>
-          <a:effectRef idx="0">
-            <a:schemeClr val="accent1"/>
-          </a:effectRef>
-          <a:fontRef idx="minor">
-            <a:schemeClr val="lt1"/>
-          </a:fontRef>
-        </p:style>
+          <a:noFill/>
+        </p:spPr>
         <p:txBody>
-          <a:bodyPr rtlCol="0" anchor="ctr"/>
+          <a:bodyPr wrap="none" rtlCol="0">
+            <a:spAutoFit/>
+          </a:bodyPr>
           <a:lstStyle/>
           <a:p>
             <a:pPr algn="ctr"/>
             <a:r>
-              <a:rPr lang="en-US" altLang="ko-KR" dirty="0">
-                <a:latin typeface="나눔스퀘어 Bold" panose="020B0600000101010101" pitchFamily="50" charset="-127"/>
-                <a:ea typeface="나눔스퀘어 Bold" panose="020B0600000101010101" pitchFamily="50" charset="-127"/>
-              </a:rPr>
-              <a:t>Process Model</a:t>
-            </a:r>
-            <a:endParaRPr lang="ko-KR" altLang="en-US" dirty="0">
-              <a:latin typeface="나눔스퀘어 Bold" panose="020B0600000101010101" pitchFamily="50" charset="-127"/>
-              <a:ea typeface="나눔스퀘어 Bold" panose="020B0600000101010101" pitchFamily="50" charset="-127"/>
+              <a:rPr lang="en-US" altLang="ko-KR" sz="2400" spc="-150" dirty="0">
+                <a:solidFill>
+                  <a:srgbClr val="00002F"/>
+                </a:solidFill>
+                <a:ea typeface="나눔스퀘어 ExtraBold" panose="020B0600000101010101" pitchFamily="50" charset="-127"/>
+              </a:rPr>
+              <a:t>06.</a:t>
+            </a:r>
+            <a:endParaRPr lang="ko-KR" altLang="en-US" sz="2400" spc="-150" dirty="0">
+              <a:solidFill>
+                <a:srgbClr val="00002F"/>
+              </a:solidFill>
+              <a:ea typeface="나눔스퀘어 ExtraBold" panose="020B0600000101010101" pitchFamily="50" charset="-127"/>
+            </a:endParaRPr>
+          </a:p>
+        </p:txBody>
+      </p:sp>
+      <p:pic>
+        <p:nvPicPr>
+          <p:cNvPr id="3" name="그림 2">
+            <a:extLst>
+              <a:ext uri="{FF2B5EF4-FFF2-40B4-BE49-F238E27FC236}">
+                <a16:creationId xmlns:a16="http://schemas.microsoft.com/office/drawing/2014/main" id="{C3BFD4E3-0F67-4697-AC80-1065B990F9BF}"/>
+              </a:ext>
+            </a:extLst>
+          </p:cNvPr>
+          <p:cNvPicPr>
+            <a:picLocks noChangeAspect="1"/>
+          </p:cNvPicPr>
+          <p:nvPr/>
+        </p:nvPicPr>
+        <p:blipFill>
+          <a:blip r:embed="rId2"/>
+          <a:stretch>
+            <a:fillRect/>
+          </a:stretch>
+        </p:blipFill>
+        <p:spPr>
+          <a:xfrm>
+            <a:off x="1490662" y="2440800"/>
+            <a:ext cx="9210675" cy="3400425"/>
+          </a:xfrm>
+          <a:prstGeom prst="rect">
+            <a:avLst/>
+          </a:prstGeom>
+        </p:spPr>
+      </p:pic>
+      <p:sp>
+        <p:nvSpPr>
+          <p:cNvPr id="22" name="TextBox 21">
+            <a:extLst>
+              <a:ext uri="{FF2B5EF4-FFF2-40B4-BE49-F238E27FC236}">
+                <a16:creationId xmlns:a16="http://schemas.microsoft.com/office/drawing/2014/main" id="{0F7496BD-CB60-4132-8411-882132870D71}"/>
+              </a:ext>
+            </a:extLst>
+          </p:cNvPr>
+          <p:cNvSpPr txBox="1"/>
+          <p:nvPr/>
+        </p:nvSpPr>
+        <p:spPr>
+          <a:xfrm>
+            <a:off x="2629480" y="1573923"/>
+            <a:ext cx="6933053" cy="584775"/>
+          </a:xfrm>
+          <a:prstGeom prst="rect">
+            <a:avLst/>
+          </a:prstGeom>
+          <a:solidFill>
+            <a:schemeClr val="bg1"/>
+          </a:solidFill>
+        </p:spPr>
+        <p:txBody>
+          <a:bodyPr wrap="none" rtlCol="0">
+            <a:spAutoFit/>
+          </a:bodyPr>
+          <a:lstStyle/>
+          <a:p>
+            <a:pPr algn="ctr"/>
+            <a:r>
+              <a:rPr lang="en-US" altLang="ko-KR" sz="3200" spc="-150" dirty="0">
+                <a:solidFill>
+                  <a:srgbClr val="8DBABD"/>
+                </a:solidFill>
+                <a:latin typeface="나눔스퀘어 ExtraBold" panose="020B0600000101010101" pitchFamily="50" charset="-127"/>
+                <a:ea typeface="나눔스퀘어 ExtraBold" panose="020B0600000101010101" pitchFamily="50" charset="-127"/>
+              </a:rPr>
+              <a:t>Throwaway(rapid) Prototyping Model</a:t>
+            </a:r>
+            <a:endParaRPr lang="ko-KR" altLang="en-US" sz="3200" spc="-150" dirty="0">
+              <a:solidFill>
+                <a:srgbClr val="8DBABD"/>
+              </a:solidFill>
+              <a:latin typeface="나눔스퀘어 ExtraBold" panose="020B0600000101010101" pitchFamily="50" charset="-127"/>
+              <a:ea typeface="나눔스퀘어 ExtraBold" panose="020B0600000101010101" pitchFamily="50" charset="-127"/>
             </a:endParaRPr>
           </a:p>
         </p:txBody>
@@ -3513,7 +3634,7 @@
     </p:spTree>
     <p:extLst>
       <p:ext uri="{BB962C8B-B14F-4D97-AF65-F5344CB8AC3E}">
-        <p14:creationId xmlns:p14="http://schemas.microsoft.com/office/powerpoint/2010/main" val="1520267434"/>
+        <p14:creationId xmlns:p14="http://schemas.microsoft.com/office/powerpoint/2010/main" val="3811386474"/>
       </p:ext>
     </p:extLst>
   </p:cSld>
@@ -3542,223 +3663,13 @@
       </p:grpSpPr>
       <p:cxnSp>
         <p:nvCxnSpPr>
-          <p:cNvPr id="18" name="직선 연결선 17"/>
+          <p:cNvPr id="14" name="직선 연결선 13"/>
           <p:cNvCxnSpPr/>
           <p:nvPr/>
         </p:nvCxnSpPr>
         <p:spPr>
           <a:xfrm>
-            <a:off x="1026522" y="989148"/>
-            <a:ext cx="2160000" cy="0"/>
-          </a:xfrm>
-          <a:prstGeom prst="line">
-            <a:avLst/>
-          </a:prstGeom>
-          <a:ln>
-            <a:solidFill>
-              <a:schemeClr val="bg1">
-                <a:lumMod val="50000"/>
-              </a:schemeClr>
-            </a:solidFill>
-          </a:ln>
-        </p:spPr>
-        <p:style>
-          <a:lnRef idx="1">
-            <a:schemeClr val="accent1"/>
-          </a:lnRef>
-          <a:fillRef idx="0">
-            <a:schemeClr val="accent1"/>
-          </a:fillRef>
-          <a:effectRef idx="0">
-            <a:schemeClr val="accent1"/>
-          </a:effectRef>
-          <a:fontRef idx="minor">
-            <a:schemeClr val="tx1"/>
-          </a:fontRef>
-        </p:style>
-      </p:cxnSp>
-      <p:sp>
-        <p:nvSpPr>
-          <p:cNvPr id="19" name="TextBox 18"/>
-          <p:cNvSpPr txBox="1"/>
-          <p:nvPr/>
-        </p:nvSpPr>
-        <p:spPr>
-          <a:xfrm>
-            <a:off x="873644" y="437393"/>
-            <a:ext cx="2657074" cy="584775"/>
-          </a:xfrm>
-          <a:prstGeom prst="rect">
-            <a:avLst/>
-          </a:prstGeom>
-          <a:noFill/>
-        </p:spPr>
-        <p:txBody>
-          <a:bodyPr wrap="none" rtlCol="0">
-            <a:spAutoFit/>
-          </a:bodyPr>
-          <a:lstStyle/>
-          <a:p>
-            <a:pPr algn="ctr"/>
-            <a:r>
-              <a:rPr lang="en-US" altLang="ko-KR" sz="3200" spc="-150" dirty="0">
-                <a:solidFill>
-                  <a:srgbClr val="00002F"/>
-                </a:solidFill>
-                <a:latin typeface="나눔스퀘어 ExtraBold" panose="020B0600000101010101" pitchFamily="50" charset="-127"/>
-                <a:ea typeface="나눔스퀘어 ExtraBold" panose="020B0600000101010101" pitchFamily="50" charset="-127"/>
-              </a:rPr>
-              <a:t>Process Model</a:t>
-            </a:r>
-            <a:endParaRPr lang="ko-KR" altLang="en-US" sz="3200" spc="-150" dirty="0">
-              <a:solidFill>
-                <a:srgbClr val="00002F"/>
-              </a:solidFill>
-              <a:latin typeface="나눔스퀘어 ExtraBold" panose="020B0600000101010101" pitchFamily="50" charset="-127"/>
-              <a:ea typeface="나눔스퀘어 ExtraBold" panose="020B0600000101010101" pitchFamily="50" charset="-127"/>
-            </a:endParaRPr>
-          </a:p>
-        </p:txBody>
-      </p:sp>
-      <p:sp>
-        <p:nvSpPr>
-          <p:cNvPr id="20" name="TextBox 19"/>
-          <p:cNvSpPr txBox="1"/>
-          <p:nvPr/>
-        </p:nvSpPr>
-        <p:spPr>
-          <a:xfrm>
-            <a:off x="455532" y="498947"/>
-            <a:ext cx="614271" cy="461665"/>
-          </a:xfrm>
-          <a:prstGeom prst="rect">
-            <a:avLst/>
-          </a:prstGeom>
-          <a:noFill/>
-        </p:spPr>
-        <p:txBody>
-          <a:bodyPr wrap="none" rtlCol="0">
-            <a:spAutoFit/>
-          </a:bodyPr>
-          <a:lstStyle/>
-          <a:p>
-            <a:pPr algn="ctr"/>
-            <a:r>
-              <a:rPr lang="en-US" altLang="ko-KR" sz="2400" spc="-150" dirty="0">
-                <a:solidFill>
-                  <a:srgbClr val="00002F"/>
-                </a:solidFill>
-                <a:latin typeface="나눔스퀘어 ExtraBold" panose="020B0600000101010101" pitchFamily="50" charset="-127"/>
-                <a:ea typeface="나눔스퀘어 ExtraBold" panose="020B0600000101010101" pitchFamily="50" charset="-127"/>
-              </a:rPr>
-              <a:t>06.</a:t>
-            </a:r>
-            <a:endParaRPr lang="ko-KR" altLang="en-US" sz="2400" spc="-150" dirty="0">
-              <a:solidFill>
-                <a:srgbClr val="00002F"/>
-              </a:solidFill>
-              <a:latin typeface="나눔스퀘어 ExtraBold" panose="020B0600000101010101" pitchFamily="50" charset="-127"/>
-              <a:ea typeface="나눔스퀘어 ExtraBold" panose="020B0600000101010101" pitchFamily="50" charset="-127"/>
-            </a:endParaRPr>
-          </a:p>
-        </p:txBody>
-      </p:sp>
-      <p:pic>
-        <p:nvPicPr>
-          <p:cNvPr id="3" name="그림 2">
-            <a:extLst>
-              <a:ext uri="{FF2B5EF4-FFF2-40B4-BE49-F238E27FC236}">
-                <a16:creationId xmlns:a16="http://schemas.microsoft.com/office/drawing/2014/main" id="{C3BFD4E3-0F67-4697-AC80-1065B990F9BF}"/>
-              </a:ext>
-            </a:extLst>
-          </p:cNvPr>
-          <p:cNvPicPr>
-            <a:picLocks noChangeAspect="1"/>
-          </p:cNvPicPr>
-          <p:nvPr/>
-        </p:nvPicPr>
-        <p:blipFill>
-          <a:blip r:embed="rId2"/>
-          <a:stretch>
-            <a:fillRect/>
-          </a:stretch>
-        </p:blipFill>
-        <p:spPr>
-          <a:xfrm>
-            <a:off x="1490662" y="2440800"/>
-            <a:ext cx="9210675" cy="3400425"/>
-          </a:xfrm>
-          <a:prstGeom prst="rect">
-            <a:avLst/>
-          </a:prstGeom>
-        </p:spPr>
-      </p:pic>
-      <p:sp>
-        <p:nvSpPr>
-          <p:cNvPr id="22" name="TextBox 21">
-            <a:extLst>
-              <a:ext uri="{FF2B5EF4-FFF2-40B4-BE49-F238E27FC236}">
-                <a16:creationId xmlns:a16="http://schemas.microsoft.com/office/drawing/2014/main" id="{0F7496BD-CB60-4132-8411-882132870D71}"/>
-              </a:ext>
-            </a:extLst>
-          </p:cNvPr>
-          <p:cNvSpPr txBox="1"/>
-          <p:nvPr/>
-        </p:nvSpPr>
-        <p:spPr>
-          <a:xfrm>
-            <a:off x="2629480" y="1573923"/>
-            <a:ext cx="6933053" cy="584775"/>
-          </a:xfrm>
-          <a:prstGeom prst="rect">
-            <a:avLst/>
-          </a:prstGeom>
-          <a:solidFill>
-            <a:schemeClr val="bg1"/>
-          </a:solidFill>
-        </p:spPr>
-        <p:txBody>
-          <a:bodyPr wrap="none" rtlCol="0">
-            <a:spAutoFit/>
-          </a:bodyPr>
-          <a:lstStyle/>
-          <a:p>
-            <a:pPr algn="ctr"/>
-            <a:r>
-              <a:rPr lang="en-US" altLang="ko-KR" sz="3200" spc="-150" dirty="0">
-                <a:solidFill>
-                  <a:srgbClr val="8DBABD"/>
-                </a:solidFill>
-                <a:latin typeface="나눔스퀘어 ExtraBold" panose="020B0600000101010101" pitchFamily="50" charset="-127"/>
-                <a:ea typeface="나눔스퀘어 ExtraBold" panose="020B0600000101010101" pitchFamily="50" charset="-127"/>
-              </a:rPr>
-              <a:t>Throwaway(rapid) Prototyping Model</a:t>
-            </a:r>
-            <a:endParaRPr lang="ko-KR" altLang="en-US" sz="3200" spc="-150" dirty="0">
-              <a:solidFill>
-                <a:srgbClr val="8DBABD"/>
-              </a:solidFill>
-              <a:latin typeface="나눔스퀘어 ExtraBold" panose="020B0600000101010101" pitchFamily="50" charset="-127"/>
-              <a:ea typeface="나눔스퀘어 ExtraBold" panose="020B0600000101010101" pitchFamily="50" charset="-127"/>
-            </a:endParaRPr>
-          </a:p>
-        </p:txBody>
-      </p:sp>
-      <p:cxnSp>
-        <p:nvCxnSpPr>
-          <p:cNvPr id="11" name="직선 연결선 13">
-            <a:extLst>
-              <a:ext uri="{FF2B5EF4-FFF2-40B4-BE49-F238E27FC236}">
-                <a16:creationId xmlns:a16="http://schemas.microsoft.com/office/drawing/2014/main" id="{36A1C9E8-E1F4-4F54-9757-7F4E20F089B6}"/>
-              </a:ext>
-            </a:extLst>
-          </p:cNvPr>
-          <p:cNvCxnSpPr/>
-          <p:nvPr/>
-        </p:nvCxnSpPr>
-        <p:spPr>
-          <a:xfrm>
-            <a:off x="10441247" y="128668"/>
+            <a:off x="10430892" y="144941"/>
             <a:ext cx="360000" cy="0"/>
           </a:xfrm>
           <a:prstGeom prst="line">
@@ -3794,19 +3705,13 @@
       </p:cxnSp>
       <p:cxnSp>
         <p:nvCxnSpPr>
-          <p:cNvPr id="12" name="직선 연결선 14">
-            <a:extLst>
-              <a:ext uri="{FF2B5EF4-FFF2-40B4-BE49-F238E27FC236}">
-                <a16:creationId xmlns:a16="http://schemas.microsoft.com/office/drawing/2014/main" id="{1DA6497A-F849-4397-AC06-4CD0DA4519C9}"/>
-              </a:ext>
-            </a:extLst>
-          </p:cNvPr>
+          <p:cNvPr id="15" name="직선 연결선 14"/>
           <p:cNvCxnSpPr/>
           <p:nvPr/>
         </p:nvCxnSpPr>
         <p:spPr>
           <a:xfrm>
-            <a:off x="10868814" y="128668"/>
+            <a:off x="10858459" y="144941"/>
             <a:ext cx="360000" cy="0"/>
           </a:xfrm>
           <a:prstGeom prst="line">
@@ -3844,19 +3749,55 @@
       </p:cxnSp>
       <p:cxnSp>
         <p:nvCxnSpPr>
-          <p:cNvPr id="13" name="직선 연결선 15">
-            <a:extLst>
-              <a:ext uri="{FF2B5EF4-FFF2-40B4-BE49-F238E27FC236}">
-                <a16:creationId xmlns:a16="http://schemas.microsoft.com/office/drawing/2014/main" id="{56768A4D-90D1-45B4-9C6E-4C11A2BFF1C7}"/>
-              </a:ext>
-            </a:extLst>
-          </p:cNvPr>
+          <p:cNvPr id="16" name="직선 연결선 15"/>
           <p:cNvCxnSpPr/>
           <p:nvPr/>
         </p:nvCxnSpPr>
         <p:spPr>
           <a:xfrm>
-            <a:off x="11296381" y="128668"/>
+            <a:off x="11286026" y="144941"/>
+            <a:ext cx="360000" cy="0"/>
+          </a:xfrm>
+          <a:prstGeom prst="line">
+            <a:avLst/>
+          </a:prstGeom>
+          <a:ln w="44450" cap="rnd">
+            <a:solidFill>
+              <a:srgbClr val="8DBABD"/>
+            </a:solidFill>
+          </a:ln>
+          <a:effectLst>
+            <a:outerShdw blurRad="50800" dist="38100" dir="5400000" algn="t" rotWithShape="0">
+              <a:prstClr val="black">
+                <a:alpha val="40000"/>
+              </a:prstClr>
+            </a:outerShdw>
+          </a:effectLst>
+        </p:spPr>
+        <p:style>
+          <a:lnRef idx="1">
+            <a:schemeClr val="accent1"/>
+          </a:lnRef>
+          <a:fillRef idx="0">
+            <a:schemeClr val="accent1"/>
+          </a:fillRef>
+          <a:effectRef idx="0">
+            <a:schemeClr val="accent1"/>
+          </a:effectRef>
+          <a:fontRef idx="minor">
+            <a:schemeClr val="tx1"/>
+          </a:fontRef>
+        </p:style>
+      </p:cxnSp>
+      <p:cxnSp>
+        <p:nvCxnSpPr>
+          <p:cNvPr id="17" name="직선 연결선 16"/>
+          <p:cNvCxnSpPr/>
+          <p:nvPr/>
+        </p:nvCxnSpPr>
+        <p:spPr>
+          <a:xfrm>
+            <a:off x="11713592" y="144941"/>
             <a:ext cx="360000" cy="0"/>
           </a:xfrm>
           <a:prstGeom prst="line">
@@ -3892,207 +3833,6 @@
           </a:fontRef>
         </p:style>
       </p:cxnSp>
-      <p:cxnSp>
-        <p:nvCxnSpPr>
-          <p:cNvPr id="21" name="직선 연결선 16">
-            <a:extLst>
-              <a:ext uri="{FF2B5EF4-FFF2-40B4-BE49-F238E27FC236}">
-                <a16:creationId xmlns:a16="http://schemas.microsoft.com/office/drawing/2014/main" id="{62426B57-137E-4014-A953-24B5D77E33EF}"/>
-              </a:ext>
-            </a:extLst>
-          </p:cNvPr>
-          <p:cNvCxnSpPr/>
-          <p:nvPr/>
-        </p:nvCxnSpPr>
-        <p:spPr>
-          <a:xfrm>
-            <a:off x="11723947" y="128668"/>
-            <a:ext cx="360000" cy="0"/>
-          </a:xfrm>
-          <a:prstGeom prst="line">
-            <a:avLst/>
-          </a:prstGeom>
-          <a:ln w="44450" cap="rnd">
-            <a:solidFill>
-              <a:srgbClr val="8DBABD"/>
-            </a:solidFill>
-          </a:ln>
-          <a:effectLst>
-            <a:outerShdw blurRad="50800" dist="38100" dir="5400000" algn="t" rotWithShape="0">
-              <a:prstClr val="black">
-                <a:alpha val="40000"/>
-              </a:prstClr>
-            </a:outerShdw>
-          </a:effectLst>
-        </p:spPr>
-        <p:style>
-          <a:lnRef idx="1">
-            <a:schemeClr val="accent1"/>
-          </a:lnRef>
-          <a:fillRef idx="0">
-            <a:schemeClr val="accent1"/>
-          </a:fillRef>
-          <a:effectRef idx="0">
-            <a:schemeClr val="accent1"/>
-          </a:effectRef>
-          <a:fontRef idx="minor">
-            <a:schemeClr val="tx1"/>
-          </a:fontRef>
-        </p:style>
-      </p:cxnSp>
-    </p:spTree>
-    <p:extLst>
-      <p:ext uri="{BB962C8B-B14F-4D97-AF65-F5344CB8AC3E}">
-        <p14:creationId xmlns:p14="http://schemas.microsoft.com/office/powerpoint/2010/main" val="3811386474"/>
-      </p:ext>
-    </p:extLst>
-  </p:cSld>
-  <p:clrMapOvr>
-    <a:masterClrMapping/>
-  </p:clrMapOvr>
-</p:sld>
-</file>
-
-<file path=ppt/slides/slide18.xml><?xml version="1.0" encoding="utf-8"?>
-<p:sld xmlns:a="http://schemas.openxmlformats.org/drawingml/2006/main" xmlns:r="http://schemas.openxmlformats.org/officeDocument/2006/relationships" xmlns:p="http://schemas.openxmlformats.org/presentationml/2006/main">
-  <p:cSld>
-    <p:spTree>
-      <p:nvGrpSpPr>
-        <p:cNvPr id="1" name=""/>
-        <p:cNvGrpSpPr/>
-        <p:nvPr/>
-      </p:nvGrpSpPr>
-      <p:grpSpPr>
-        <a:xfrm>
-          <a:off x="0" y="0"/>
-          <a:ext cx="0" cy="0"/>
-          <a:chOff x="0" y="0"/>
-          <a:chExt cx="0" cy="0"/>
-        </a:xfrm>
-      </p:grpSpPr>
-      <p:cxnSp>
-        <p:nvCxnSpPr>
-          <p:cNvPr id="18" name="직선 연결선 17"/>
-          <p:cNvCxnSpPr/>
-          <p:nvPr/>
-        </p:nvCxnSpPr>
-        <p:spPr>
-          <a:xfrm>
-            <a:off x="1026522" y="989148"/>
-            <a:ext cx="2160000" cy="0"/>
-          </a:xfrm>
-          <a:prstGeom prst="line">
-            <a:avLst/>
-          </a:prstGeom>
-          <a:ln>
-            <a:solidFill>
-              <a:schemeClr val="bg1">
-                <a:lumMod val="50000"/>
-              </a:schemeClr>
-            </a:solidFill>
-          </a:ln>
-        </p:spPr>
-        <p:style>
-          <a:lnRef idx="1">
-            <a:schemeClr val="accent1"/>
-          </a:lnRef>
-          <a:fillRef idx="0">
-            <a:schemeClr val="accent1"/>
-          </a:fillRef>
-          <a:effectRef idx="0">
-            <a:schemeClr val="accent1"/>
-          </a:effectRef>
-          <a:fontRef idx="minor">
-            <a:schemeClr val="tx1"/>
-          </a:fontRef>
-        </p:style>
-      </p:cxnSp>
-      <p:sp>
-        <p:nvSpPr>
-          <p:cNvPr id="19" name="TextBox 18"/>
-          <p:cNvSpPr txBox="1"/>
-          <p:nvPr/>
-        </p:nvSpPr>
-        <p:spPr>
-          <a:xfrm>
-            <a:off x="883071" y="437393"/>
-            <a:ext cx="2657074" cy="584775"/>
-          </a:xfrm>
-          <a:prstGeom prst="rect">
-            <a:avLst/>
-          </a:prstGeom>
-          <a:noFill/>
-        </p:spPr>
-        <p:txBody>
-          <a:bodyPr wrap="none" rtlCol="0">
-            <a:spAutoFit/>
-          </a:bodyPr>
-          <a:lstStyle/>
-          <a:p>
-            <a:pPr algn="ctr"/>
-            <a:r>
-              <a:rPr lang="en-US" altLang="ko-KR" sz="3200" spc="-150" dirty="0">
-                <a:solidFill>
-                  <a:srgbClr val="00002F"/>
-                </a:solidFill>
-                <a:latin typeface="나눔스퀘어 ExtraBold" panose="020B0600000101010101" pitchFamily="50" charset="-127"/>
-                <a:ea typeface="나눔스퀘어 ExtraBold" panose="020B0600000101010101" pitchFamily="50" charset="-127"/>
-              </a:rPr>
-              <a:t>Process Model</a:t>
-            </a:r>
-            <a:endParaRPr lang="ko-KR" altLang="en-US" sz="3200" spc="-150" dirty="0">
-              <a:solidFill>
-                <a:srgbClr val="00002F"/>
-              </a:solidFill>
-              <a:latin typeface="나눔스퀘어 ExtraBold" panose="020B0600000101010101" pitchFamily="50" charset="-127"/>
-              <a:ea typeface="나눔스퀘어 ExtraBold" panose="020B0600000101010101" pitchFamily="50" charset="-127"/>
-            </a:endParaRPr>
-          </a:p>
-        </p:txBody>
-      </p:sp>
-      <p:sp>
-        <p:nvSpPr>
-          <p:cNvPr id="20" name="TextBox 19"/>
-          <p:cNvSpPr txBox="1"/>
-          <p:nvPr/>
-        </p:nvSpPr>
-        <p:spPr>
-          <a:xfrm>
-            <a:off x="455532" y="498947"/>
-            <a:ext cx="614271" cy="461665"/>
-          </a:xfrm>
-          <a:prstGeom prst="rect">
-            <a:avLst/>
-          </a:prstGeom>
-          <a:noFill/>
-        </p:spPr>
-        <p:txBody>
-          <a:bodyPr wrap="none" rtlCol="0">
-            <a:spAutoFit/>
-          </a:bodyPr>
-          <a:lstStyle/>
-          <a:p>
-            <a:pPr algn="ctr"/>
-            <a:r>
-              <a:rPr lang="en-US" altLang="ko-KR" sz="2400" spc="-150" dirty="0">
-                <a:solidFill>
-                  <a:srgbClr val="00002F"/>
-                </a:solidFill>
-                <a:latin typeface="나눔스퀘어 ExtraBold" panose="020B0600000101010101" pitchFamily="50" charset="-127"/>
-                <a:ea typeface="나눔스퀘어 ExtraBold" panose="020B0600000101010101" pitchFamily="50" charset="-127"/>
-              </a:rPr>
-              <a:t>06.</a:t>
-            </a:r>
-            <a:endParaRPr lang="ko-KR" altLang="en-US" sz="2400" spc="-150" dirty="0">
-              <a:solidFill>
-                <a:srgbClr val="00002F"/>
-              </a:solidFill>
-              <a:latin typeface="나눔스퀘어 ExtraBold" panose="020B0600000101010101" pitchFamily="50" charset="-127"/>
-              <a:ea typeface="나눔스퀘어 ExtraBold" panose="020B0600000101010101" pitchFamily="50" charset="-127"/>
-            </a:endParaRPr>
-          </a:p>
-        </p:txBody>
-      </p:sp>
       <p:sp>
         <p:nvSpPr>
           <p:cNvPr id="22" name="TextBox 21">
@@ -4332,10 +4072,10 @@
       </p:sp>
       <p:cxnSp>
         <p:nvCxnSpPr>
-          <p:cNvPr id="11" name="직선 연결선 13">
+          <p:cNvPr id="13" name="직선 연결선 12">
             <a:extLst>
               <a:ext uri="{FF2B5EF4-FFF2-40B4-BE49-F238E27FC236}">
-                <a16:creationId xmlns:a16="http://schemas.microsoft.com/office/drawing/2014/main" id="{695D7F97-B207-4FD6-BABA-AA6D8CAA17B8}"/>
+                <a16:creationId xmlns:a16="http://schemas.microsoft.com/office/drawing/2014/main" id="{7B18F6E8-46EE-4E7F-A353-184FF44B46DD}"/>
               </a:ext>
             </a:extLst>
           </p:cNvPr>
@@ -4344,24 +4084,19 @@
         </p:nvCxnSpPr>
         <p:spPr>
           <a:xfrm>
-            <a:off x="10441247" y="128668"/>
-            <a:ext cx="360000" cy="0"/>
+            <a:off x="1026522" y="989148"/>
+            <a:ext cx="2160000" cy="0"/>
           </a:xfrm>
           <a:prstGeom prst="line">
             <a:avLst/>
           </a:prstGeom>
-          <a:ln w="44450" cap="rnd">
+          <a:ln>
             <a:solidFill>
-              <a:srgbClr val="D0CECE"/>
+              <a:schemeClr val="bg1">
+                <a:lumMod val="50000"/>
+              </a:schemeClr>
             </a:solidFill>
           </a:ln>
-          <a:effectLst>
-            <a:outerShdw blurRad="50800" dist="38100" dir="5400000" algn="t" rotWithShape="0">
-              <a:prstClr val="black">
-                <a:alpha val="40000"/>
-              </a:prstClr>
-            </a:outerShdw>
-          </a:effectLst>
         </p:spPr>
         <p:style>
           <a:lnRef idx="1">
@@ -4378,158 +4113,263 @@
           </a:fontRef>
         </p:style>
       </p:cxnSp>
-      <p:cxnSp>
-        <p:nvCxnSpPr>
-          <p:cNvPr id="13" name="직선 연결선 14">
+      <p:sp>
+        <p:nvSpPr>
+          <p:cNvPr id="23" name="TextBox 22">
             <a:extLst>
               <a:ext uri="{FF2B5EF4-FFF2-40B4-BE49-F238E27FC236}">
-                <a16:creationId xmlns:a16="http://schemas.microsoft.com/office/drawing/2014/main" id="{5497A57E-504D-48E8-A18C-9DB6D78E4C34}"/>
+                <a16:creationId xmlns:a16="http://schemas.microsoft.com/office/drawing/2014/main" id="{4DB7EC7C-E481-4B95-B12A-4FA491801887}"/>
               </a:ext>
             </a:extLst>
           </p:cNvPr>
-          <p:cNvCxnSpPr/>
-          <p:nvPr/>
-        </p:nvCxnSpPr>
-        <p:spPr>
-          <a:xfrm>
-            <a:off x="10868814" y="128668"/>
-            <a:ext cx="360000" cy="0"/>
-          </a:xfrm>
-          <a:prstGeom prst="line">
-            <a:avLst/>
-          </a:prstGeom>
-          <a:ln w="44450" cap="rnd">
-            <a:solidFill>
-              <a:schemeClr val="bg2">
-                <a:lumMod val="90000"/>
-              </a:schemeClr>
-            </a:solidFill>
-          </a:ln>
-          <a:effectLst>
-            <a:outerShdw blurRad="50800" dist="38100" dir="5400000" algn="t" rotWithShape="0">
-              <a:prstClr val="black">
-                <a:alpha val="40000"/>
-              </a:prstClr>
-            </a:outerShdw>
-          </a:effectLst>
-        </p:spPr>
-        <p:style>
-          <a:lnRef idx="1">
-            <a:schemeClr val="accent1"/>
-          </a:lnRef>
-          <a:fillRef idx="0">
-            <a:schemeClr val="accent1"/>
-          </a:fillRef>
-          <a:effectRef idx="0">
-            <a:schemeClr val="accent1"/>
-          </a:effectRef>
-          <a:fontRef idx="minor">
-            <a:schemeClr val="tx1"/>
-          </a:fontRef>
-        </p:style>
-      </p:cxnSp>
-      <p:cxnSp>
-        <p:nvCxnSpPr>
-          <p:cNvPr id="21" name="직선 연결선 15">
+          <p:cNvSpPr txBox="1"/>
+          <p:nvPr/>
+        </p:nvSpPr>
+        <p:spPr>
+          <a:xfrm>
+            <a:off x="1026522" y="437393"/>
+            <a:ext cx="2657073" cy="584775"/>
+          </a:xfrm>
+          <a:prstGeom prst="rect">
+            <a:avLst/>
+          </a:prstGeom>
+          <a:noFill/>
+        </p:spPr>
+        <p:txBody>
+          <a:bodyPr wrap="none" rtlCol="0">
+            <a:spAutoFit/>
+          </a:bodyPr>
+          <a:lstStyle/>
+          <a:p>
+            <a:pPr algn="ctr"/>
+            <a:r>
+              <a:rPr lang="en-US" altLang="ko-KR" sz="3200" spc="-150" dirty="0">
+                <a:solidFill>
+                  <a:srgbClr val="00002F"/>
+                </a:solidFill>
+                <a:latin typeface="+mj-ea"/>
+                <a:ea typeface="+mj-ea"/>
+              </a:rPr>
+              <a:t>Process</a:t>
+            </a:r>
+            <a:r>
+              <a:rPr lang="ko-KR" altLang="en-US" sz="3200" spc="-150" dirty="0">
+                <a:solidFill>
+                  <a:srgbClr val="00002F"/>
+                </a:solidFill>
+                <a:latin typeface="+mj-ea"/>
+                <a:ea typeface="+mj-ea"/>
+              </a:rPr>
+              <a:t> </a:t>
+            </a:r>
+            <a:r>
+              <a:rPr lang="en-US" altLang="ko-KR" sz="3200" spc="-150" dirty="0">
+                <a:solidFill>
+                  <a:srgbClr val="00002F"/>
+                </a:solidFill>
+                <a:latin typeface="+mj-ea"/>
+                <a:ea typeface="+mj-ea"/>
+              </a:rPr>
+              <a:t>Model</a:t>
+            </a:r>
+            <a:endParaRPr lang="ko-KR" altLang="en-US" sz="3200" spc="-150" dirty="0">
+              <a:solidFill>
+                <a:srgbClr val="00002F"/>
+              </a:solidFill>
+              <a:latin typeface="+mj-ea"/>
+              <a:ea typeface="+mj-ea"/>
+            </a:endParaRPr>
+          </a:p>
+        </p:txBody>
+      </p:sp>
+      <p:sp>
+        <p:nvSpPr>
+          <p:cNvPr id="24" name="TextBox 23">
             <a:extLst>
               <a:ext uri="{FF2B5EF4-FFF2-40B4-BE49-F238E27FC236}">
-                <a16:creationId xmlns:a16="http://schemas.microsoft.com/office/drawing/2014/main" id="{EC0C4A89-003F-430C-A934-8E4423C5EEBD}"/>
+                <a16:creationId xmlns:a16="http://schemas.microsoft.com/office/drawing/2014/main" id="{5DB76B6D-76EA-4359-B0CD-A0EA14E137A2}"/>
               </a:ext>
             </a:extLst>
           </p:cNvPr>
-          <p:cNvCxnSpPr/>
-          <p:nvPr/>
-        </p:nvCxnSpPr>
-        <p:spPr>
-          <a:xfrm>
-            <a:off x="11296381" y="128668"/>
-            <a:ext cx="360000" cy="0"/>
-          </a:xfrm>
-          <a:prstGeom prst="line">
-            <a:avLst/>
-          </a:prstGeom>
-          <a:ln w="44450" cap="rnd">
-            <a:solidFill>
-              <a:schemeClr val="bg2">
-                <a:lumMod val="90000"/>
-              </a:schemeClr>
-            </a:solidFill>
-          </a:ln>
-          <a:effectLst>
-            <a:outerShdw blurRad="50800" dist="38100" dir="5400000" algn="t" rotWithShape="0">
-              <a:prstClr val="black">
-                <a:alpha val="40000"/>
-              </a:prstClr>
-            </a:outerShdw>
-          </a:effectLst>
-        </p:spPr>
-        <p:style>
-          <a:lnRef idx="1">
-            <a:schemeClr val="accent1"/>
-          </a:lnRef>
-          <a:fillRef idx="0">
-            <a:schemeClr val="accent1"/>
-          </a:fillRef>
-          <a:effectRef idx="0">
-            <a:schemeClr val="accent1"/>
-          </a:effectRef>
-          <a:fontRef idx="minor">
-            <a:schemeClr val="tx1"/>
-          </a:fontRef>
-        </p:style>
-      </p:cxnSp>
-      <p:cxnSp>
-        <p:nvCxnSpPr>
-          <p:cNvPr id="23" name="직선 연결선 16">
-            <a:extLst>
-              <a:ext uri="{FF2B5EF4-FFF2-40B4-BE49-F238E27FC236}">
-                <a16:creationId xmlns:a16="http://schemas.microsoft.com/office/drawing/2014/main" id="{865BCDB7-4619-40E3-AD4B-9C4258255108}"/>
-              </a:ext>
-            </a:extLst>
-          </p:cNvPr>
-          <p:cNvCxnSpPr/>
-          <p:nvPr/>
-        </p:nvCxnSpPr>
-        <p:spPr>
-          <a:xfrm>
-            <a:off x="11723947" y="128668"/>
-            <a:ext cx="360000" cy="0"/>
-          </a:xfrm>
-          <a:prstGeom prst="line">
-            <a:avLst/>
-          </a:prstGeom>
-          <a:ln w="44450" cap="rnd">
+          <p:cNvSpPr txBox="1"/>
+          <p:nvPr/>
+        </p:nvSpPr>
+        <p:spPr>
+          <a:xfrm>
+            <a:off x="495607" y="498947"/>
+            <a:ext cx="534121" cy="461665"/>
+          </a:xfrm>
+          <a:prstGeom prst="rect">
+            <a:avLst/>
+          </a:prstGeom>
+          <a:noFill/>
+        </p:spPr>
+        <p:txBody>
+          <a:bodyPr wrap="none" rtlCol="0">
+            <a:spAutoFit/>
+          </a:bodyPr>
+          <a:lstStyle/>
+          <a:p>
+            <a:pPr algn="ctr"/>
+            <a:r>
+              <a:rPr lang="en-US" altLang="ko-KR" sz="2400" spc="-150" dirty="0">
+                <a:solidFill>
+                  <a:srgbClr val="00002F"/>
+                </a:solidFill>
+                <a:ea typeface="나눔스퀘어 ExtraBold" panose="020B0600000101010101" pitchFamily="50" charset="-127"/>
+              </a:rPr>
+              <a:t>06.</a:t>
+            </a:r>
+            <a:endParaRPr lang="ko-KR" altLang="en-US" sz="2400" spc="-150" dirty="0">
+              <a:solidFill>
+                <a:srgbClr val="00002F"/>
+              </a:solidFill>
+              <a:ea typeface="나눔스퀘어 ExtraBold" panose="020B0600000101010101" pitchFamily="50" charset="-127"/>
+            </a:endParaRPr>
+          </a:p>
+        </p:txBody>
+      </p:sp>
+    </p:spTree>
+    <p:extLst>
+      <p:ext uri="{BB962C8B-B14F-4D97-AF65-F5344CB8AC3E}">
+        <p14:creationId xmlns:p14="http://schemas.microsoft.com/office/powerpoint/2010/main" val="2408525835"/>
+      </p:ext>
+    </p:extLst>
+  </p:cSld>
+  <p:clrMapOvr>
+    <a:masterClrMapping/>
+  </p:clrMapOvr>
+</p:sld>
+</file>
+
+<file path=ppt/slides/slide18.xml><?xml version="1.0" encoding="utf-8"?>
+<p:sld xmlns:a="http://schemas.openxmlformats.org/drawingml/2006/main" xmlns:r="http://schemas.openxmlformats.org/officeDocument/2006/relationships" xmlns:p="http://schemas.openxmlformats.org/presentationml/2006/main">
+  <p:cSld>
+    <p:spTree>
+      <p:nvGrpSpPr>
+        <p:cNvPr id="1" name=""/>
+        <p:cNvGrpSpPr/>
+        <p:nvPr/>
+      </p:nvGrpSpPr>
+      <p:grpSpPr>
+        <a:xfrm>
+          <a:off x="0" y="0"/>
+          <a:ext cx="0" cy="0"/>
+          <a:chOff x="0" y="0"/>
+          <a:chExt cx="0" cy="0"/>
+        </a:xfrm>
+      </p:grpSpPr>
+      <p:sp>
+        <p:nvSpPr>
+          <p:cNvPr id="2" name="TextBox 1"/>
+          <p:cNvSpPr txBox="1"/>
+          <p:nvPr/>
+        </p:nvSpPr>
+        <p:spPr>
+          <a:xfrm>
+            <a:off x="4000500" y="2472873"/>
+            <a:ext cx="764953" cy="769441"/>
+          </a:xfrm>
+          <a:prstGeom prst="rect">
+            <a:avLst/>
+          </a:prstGeom>
+          <a:noFill/>
+        </p:spPr>
+        <p:txBody>
+          <a:bodyPr wrap="none" rtlCol="0">
+            <a:spAutoFit/>
+          </a:bodyPr>
+          <a:lstStyle/>
+          <a:p>
+            <a:r>
+              <a:rPr lang="en-US" altLang="ko-KR" sz="4400" spc="-300" dirty="0">
+                <a:solidFill>
+                  <a:srgbClr val="00002F"/>
+                </a:solidFill>
+                <a:latin typeface="HY중고딕" panose="02030600000101010101" pitchFamily="18" charset="-127"/>
+                <a:ea typeface="HY중고딕" panose="02030600000101010101" pitchFamily="18" charset="-127"/>
+              </a:rPr>
+              <a:t>07</a:t>
+            </a:r>
+            <a:endParaRPr lang="ko-KR" altLang="en-US" sz="4400" spc="-300" dirty="0">
+              <a:solidFill>
+                <a:srgbClr val="00002F"/>
+              </a:solidFill>
+              <a:latin typeface="HY중고딕" panose="02030600000101010101" pitchFamily="18" charset="-127"/>
+              <a:ea typeface="HY중고딕" panose="02030600000101010101" pitchFamily="18" charset="-127"/>
+            </a:endParaRPr>
+          </a:p>
+        </p:txBody>
+      </p:sp>
+      <p:sp>
+        <p:nvSpPr>
+          <p:cNvPr id="3" name="직사각형 2"/>
+          <p:cNvSpPr/>
+          <p:nvPr/>
+        </p:nvSpPr>
+        <p:spPr>
+          <a:xfrm>
+            <a:off x="4000499" y="3169741"/>
+            <a:ext cx="4200071" cy="473345"/>
+          </a:xfrm>
+          <a:prstGeom prst="rect">
+            <a:avLst/>
+          </a:prstGeom>
+          <a:solidFill>
+            <a:srgbClr val="8DBABD"/>
+          </a:solidFill>
+          <a:ln>
             <a:solidFill>
               <a:srgbClr val="8DBABD"/>
             </a:solidFill>
           </a:ln>
-          <a:effectLst>
-            <a:outerShdw blurRad="50800" dist="38100" dir="5400000" algn="t" rotWithShape="0">
-              <a:prstClr val="black">
-                <a:alpha val="40000"/>
-              </a:prstClr>
-            </a:outerShdw>
-          </a:effectLst>
         </p:spPr>
         <p:style>
-          <a:lnRef idx="1">
-            <a:schemeClr val="accent1"/>
+          <a:lnRef idx="2">
+            <a:schemeClr val="accent1">
+              <a:shade val="50000"/>
+            </a:schemeClr>
           </a:lnRef>
-          <a:fillRef idx="0">
+          <a:fillRef idx="1">
             <a:schemeClr val="accent1"/>
           </a:fillRef>
           <a:effectRef idx="0">
             <a:schemeClr val="accent1"/>
           </a:effectRef>
           <a:fontRef idx="minor">
-            <a:schemeClr val="tx1"/>
+            <a:schemeClr val="lt1"/>
           </a:fontRef>
         </p:style>
-      </p:cxnSp>
+        <p:txBody>
+          <a:bodyPr rtlCol="0" anchor="ctr"/>
+          <a:lstStyle/>
+          <a:p>
+            <a:pPr algn="ctr"/>
+            <a:r>
+              <a:rPr lang="ko-KR" altLang="en-US" dirty="0">
+                <a:latin typeface="HY중고딕" panose="02030600000101010101" pitchFamily="18" charset="-127"/>
+                <a:ea typeface="HY중고딕" panose="02030600000101010101" pitchFamily="18" charset="-127"/>
+              </a:rPr>
+              <a:t>수행계획 </a:t>
+            </a:r>
+            <a:r>
+              <a:rPr lang="ko-KR" altLang="en-US">
+                <a:latin typeface="HY중고딕" panose="02030600000101010101" pitchFamily="18" charset="-127"/>
+                <a:ea typeface="HY중고딕" panose="02030600000101010101" pitchFamily="18" charset="-127"/>
+              </a:rPr>
+              <a:t>및 추진전략</a:t>
+            </a:r>
+            <a:endParaRPr lang="ko-KR" altLang="en-US" dirty="0">
+              <a:latin typeface="HY중고딕" panose="02030600000101010101" pitchFamily="18" charset="-127"/>
+              <a:ea typeface="HY중고딕" panose="02030600000101010101" pitchFamily="18" charset="-127"/>
+            </a:endParaRPr>
+          </a:p>
+        </p:txBody>
+      </p:sp>
     </p:spTree>
     <p:extLst>
       <p:ext uri="{BB962C8B-B14F-4D97-AF65-F5344CB8AC3E}">
-        <p14:creationId xmlns:p14="http://schemas.microsoft.com/office/powerpoint/2010/main" val="2408525835"/>
+        <p14:creationId xmlns:p14="http://schemas.microsoft.com/office/powerpoint/2010/main" val="1862650958"/>
       </p:ext>
     </p:extLst>
   </p:cSld>
@@ -4558,14 +4398,14 @@
       </p:grpSpPr>
       <p:sp>
         <p:nvSpPr>
-          <p:cNvPr id="2" name="TextBox 1"/>
+          <p:cNvPr id="11" name="TextBox 10"/>
           <p:cNvSpPr txBox="1"/>
           <p:nvPr/>
         </p:nvSpPr>
         <p:spPr>
           <a:xfrm>
-            <a:off x="4000500" y="2472873"/>
-            <a:ext cx="764953" cy="769441"/>
+            <a:off x="3265572" y="1279239"/>
+            <a:ext cx="5314340" cy="707886"/>
           </a:xfrm>
           <a:prstGeom prst="rect">
             <a:avLst/>
@@ -4578,20 +4418,276 @@
           </a:bodyPr>
           <a:lstStyle/>
           <a:p>
-            <a:r>
-              <a:rPr lang="en-US" altLang="ko-KR" sz="4400" spc="-300" dirty="0">
+            <a:pPr algn="ctr"/>
+            <a:r>
+              <a:rPr lang="en-US" altLang="ko-KR" sz="4000" b="1" spc="-150" dirty="0">
                 <a:solidFill>
-                  <a:srgbClr val="00002F"/>
+                  <a:srgbClr val="8DBABD"/>
                 </a:solidFill>
+                <a:latin typeface="Malgun Gothic Semilight" panose="020B0502040204020203" pitchFamily="34" charset="-127"/>
+                <a:ea typeface="Malgun Gothic Semilight" panose="020B0502040204020203" pitchFamily="34" charset="-127"/>
+              </a:rPr>
+              <a:t>Throw-Away Prototyping</a:t>
+            </a:r>
+            <a:endParaRPr lang="ko-KR" altLang="en-US" sz="4000" b="1" spc="-150" dirty="0">
+              <a:solidFill>
+                <a:srgbClr val="8DBABD"/>
+              </a:solidFill>
+              <a:latin typeface="Malgun Gothic Semilight" panose="020B0502040204020203" pitchFamily="34" charset="-127"/>
+              <a:ea typeface="Malgun Gothic Semilight" panose="020B0502040204020203" pitchFamily="34" charset="-127"/>
+            </a:endParaRPr>
+          </a:p>
+        </p:txBody>
+      </p:sp>
+      <p:cxnSp>
+        <p:nvCxnSpPr>
+          <p:cNvPr id="14" name="직선 연결선 13"/>
+          <p:cNvCxnSpPr/>
+          <p:nvPr/>
+        </p:nvCxnSpPr>
+        <p:spPr>
+          <a:xfrm>
+            <a:off x="10430892" y="144941"/>
+            <a:ext cx="360000" cy="0"/>
+          </a:xfrm>
+          <a:prstGeom prst="line">
+            <a:avLst/>
+          </a:prstGeom>
+          <a:ln w="44450" cap="rnd">
+            <a:solidFill>
+              <a:srgbClr val="D0CECE"/>
+            </a:solidFill>
+          </a:ln>
+          <a:effectLst>
+            <a:outerShdw blurRad="50800" dist="38100" dir="5400000" algn="t" rotWithShape="0">
+              <a:prstClr val="black">
+                <a:alpha val="40000"/>
+              </a:prstClr>
+            </a:outerShdw>
+          </a:effectLst>
+        </p:spPr>
+        <p:style>
+          <a:lnRef idx="1">
+            <a:schemeClr val="accent1"/>
+          </a:lnRef>
+          <a:fillRef idx="0">
+            <a:schemeClr val="accent1"/>
+          </a:fillRef>
+          <a:effectRef idx="0">
+            <a:schemeClr val="accent1"/>
+          </a:effectRef>
+          <a:fontRef idx="minor">
+            <a:schemeClr val="tx1"/>
+          </a:fontRef>
+        </p:style>
+      </p:cxnSp>
+      <p:cxnSp>
+        <p:nvCxnSpPr>
+          <p:cNvPr id="15" name="직선 연결선 14"/>
+          <p:cNvCxnSpPr/>
+          <p:nvPr/>
+        </p:nvCxnSpPr>
+        <p:spPr>
+          <a:xfrm>
+            <a:off x="10858459" y="144941"/>
+            <a:ext cx="360000" cy="0"/>
+          </a:xfrm>
+          <a:prstGeom prst="line">
+            <a:avLst/>
+          </a:prstGeom>
+          <a:ln w="44450" cap="rnd">
+            <a:solidFill>
+              <a:schemeClr val="bg2">
+                <a:lumMod val="90000"/>
+              </a:schemeClr>
+            </a:solidFill>
+          </a:ln>
+          <a:effectLst>
+            <a:outerShdw blurRad="50800" dist="38100" dir="5400000" algn="t" rotWithShape="0">
+              <a:prstClr val="black">
+                <a:alpha val="40000"/>
+              </a:prstClr>
+            </a:outerShdw>
+          </a:effectLst>
+        </p:spPr>
+        <p:style>
+          <a:lnRef idx="1">
+            <a:schemeClr val="accent1"/>
+          </a:lnRef>
+          <a:fillRef idx="0">
+            <a:schemeClr val="accent1"/>
+          </a:fillRef>
+          <a:effectRef idx="0">
+            <a:schemeClr val="accent1"/>
+          </a:effectRef>
+          <a:fontRef idx="minor">
+            <a:schemeClr val="tx1"/>
+          </a:fontRef>
+        </p:style>
+      </p:cxnSp>
+      <p:cxnSp>
+        <p:nvCxnSpPr>
+          <p:cNvPr id="16" name="직선 연결선 15"/>
+          <p:cNvCxnSpPr/>
+          <p:nvPr/>
+        </p:nvCxnSpPr>
+        <p:spPr>
+          <a:xfrm>
+            <a:off x="11286026" y="144941"/>
+            <a:ext cx="360000" cy="0"/>
+          </a:xfrm>
+          <a:prstGeom prst="line">
+            <a:avLst/>
+          </a:prstGeom>
+          <a:ln w="44450" cap="rnd">
+            <a:solidFill>
+              <a:schemeClr val="bg2">
+                <a:lumMod val="90000"/>
+              </a:schemeClr>
+            </a:solidFill>
+          </a:ln>
+          <a:effectLst>
+            <a:outerShdw blurRad="50800" dist="38100" dir="5400000" algn="t" rotWithShape="0">
+              <a:prstClr val="black">
+                <a:alpha val="40000"/>
+              </a:prstClr>
+            </a:outerShdw>
+          </a:effectLst>
+        </p:spPr>
+        <p:style>
+          <a:lnRef idx="1">
+            <a:schemeClr val="accent1"/>
+          </a:lnRef>
+          <a:fillRef idx="0">
+            <a:schemeClr val="accent1"/>
+          </a:fillRef>
+          <a:effectRef idx="0">
+            <a:schemeClr val="accent1"/>
+          </a:effectRef>
+          <a:fontRef idx="minor">
+            <a:schemeClr val="tx1"/>
+          </a:fontRef>
+        </p:style>
+      </p:cxnSp>
+      <p:cxnSp>
+        <p:nvCxnSpPr>
+          <p:cNvPr id="17" name="직선 연결선 16"/>
+          <p:cNvCxnSpPr/>
+          <p:nvPr/>
+        </p:nvCxnSpPr>
+        <p:spPr>
+          <a:xfrm>
+            <a:off x="11713592" y="144941"/>
+            <a:ext cx="360000" cy="0"/>
+          </a:xfrm>
+          <a:prstGeom prst="line">
+            <a:avLst/>
+          </a:prstGeom>
+          <a:ln w="44450" cap="rnd">
+            <a:solidFill>
+              <a:srgbClr val="8DBABD"/>
+            </a:solidFill>
+          </a:ln>
+          <a:effectLst>
+            <a:outerShdw blurRad="50800" dist="38100" dir="5400000" algn="t" rotWithShape="0">
+              <a:prstClr val="black">
+                <a:alpha val="40000"/>
+              </a:prstClr>
+            </a:outerShdw>
+          </a:effectLst>
+        </p:spPr>
+        <p:style>
+          <a:lnRef idx="1">
+            <a:schemeClr val="accent1"/>
+          </a:lnRef>
+          <a:fillRef idx="0">
+            <a:schemeClr val="accent1"/>
+          </a:fillRef>
+          <a:effectRef idx="0">
+            <a:schemeClr val="accent1"/>
+          </a:effectRef>
+          <a:fontRef idx="minor">
+            <a:schemeClr val="tx1"/>
+          </a:fontRef>
+        </p:style>
+      </p:cxnSp>
+      <p:cxnSp>
+        <p:nvCxnSpPr>
+          <p:cNvPr id="18" name="직선 연결선 17"/>
+          <p:cNvCxnSpPr>
+            <a:cxnSpLocks/>
+          </p:cNvCxnSpPr>
+          <p:nvPr/>
+        </p:nvCxnSpPr>
+        <p:spPr>
+          <a:xfrm>
+            <a:off x="1026522" y="989148"/>
+            <a:ext cx="3462928" cy="0"/>
+          </a:xfrm>
+          <a:prstGeom prst="line">
+            <a:avLst/>
+          </a:prstGeom>
+          <a:ln>
+            <a:solidFill>
+              <a:schemeClr val="bg1">
+                <a:lumMod val="50000"/>
+              </a:schemeClr>
+            </a:solidFill>
+          </a:ln>
+        </p:spPr>
+        <p:style>
+          <a:lnRef idx="1">
+            <a:schemeClr val="accent1"/>
+          </a:lnRef>
+          <a:fillRef idx="0">
+            <a:schemeClr val="accent1"/>
+          </a:fillRef>
+          <a:effectRef idx="0">
+            <a:schemeClr val="accent1"/>
+          </a:effectRef>
+          <a:fontRef idx="minor">
+            <a:schemeClr val="tx1"/>
+          </a:fontRef>
+        </p:style>
+      </p:cxnSp>
+      <p:sp>
+        <p:nvSpPr>
+          <p:cNvPr id="19" name="TextBox 18"/>
+          <p:cNvSpPr txBox="1"/>
+          <p:nvPr/>
+        </p:nvSpPr>
+        <p:spPr>
+          <a:xfrm>
+            <a:off x="898672" y="412529"/>
+            <a:ext cx="3656770" cy="523220"/>
+          </a:xfrm>
+          <a:prstGeom prst="rect">
+            <a:avLst/>
+          </a:prstGeom>
+          <a:noFill/>
+        </p:spPr>
+        <p:txBody>
+          <a:bodyPr wrap="none" rtlCol="0">
+            <a:spAutoFit/>
+          </a:bodyPr>
+          <a:lstStyle/>
+          <a:p>
+            <a:pPr algn="ctr"/>
+            <a:r>
+              <a:rPr lang="ko-KR" altLang="en-US" sz="2800" dirty="0">
                 <a:latin typeface="HY중고딕" panose="02030600000101010101" pitchFamily="18" charset="-127"/>
                 <a:ea typeface="HY중고딕" panose="02030600000101010101" pitchFamily="18" charset="-127"/>
               </a:rPr>
-              <a:t>07</a:t>
-            </a:r>
-            <a:endParaRPr lang="ko-KR" altLang="en-US" sz="4400" spc="-300" dirty="0">
-              <a:solidFill>
-                <a:srgbClr val="00002F"/>
-              </a:solidFill>
+              <a:t>수행계획 </a:t>
+            </a:r>
+            <a:r>
+              <a:rPr lang="ko-KR" altLang="en-US" sz="2800">
+                <a:latin typeface="HY중고딕" panose="02030600000101010101" pitchFamily="18" charset="-127"/>
+                <a:ea typeface="HY중고딕" panose="02030600000101010101" pitchFamily="18" charset="-127"/>
+              </a:rPr>
+              <a:t>및 추진전략</a:t>
+            </a:r>
+            <a:endParaRPr lang="ko-KR" altLang="en-US" sz="2800" dirty="0">
               <a:latin typeface="HY중고딕" panose="02030600000101010101" pitchFamily="18" charset="-127"/>
               <a:ea typeface="HY중고딕" panose="02030600000101010101" pitchFamily="18" charset="-127"/>
             </a:endParaRPr>
@@ -4600,73 +4696,87 @@
       </p:sp>
       <p:sp>
         <p:nvSpPr>
-          <p:cNvPr id="3" name="직사각형 2"/>
-          <p:cNvSpPr/>
+          <p:cNvPr id="20" name="TextBox 19"/>
+          <p:cNvSpPr txBox="1"/>
           <p:nvPr/>
         </p:nvSpPr>
         <p:spPr>
           <a:xfrm>
-            <a:off x="4000499" y="3169741"/>
-            <a:ext cx="4200071" cy="473345"/>
+            <a:off x="502820" y="498947"/>
+            <a:ext cx="519694" cy="461665"/>
           </a:xfrm>
           <a:prstGeom prst="rect">
             <a:avLst/>
           </a:prstGeom>
-          <a:solidFill>
-            <a:srgbClr val="8DBABD"/>
-          </a:solidFill>
-          <a:ln>
-            <a:solidFill>
-              <a:srgbClr val="8DBABD"/>
-            </a:solidFill>
-          </a:ln>
-        </p:spPr>
-        <p:style>
-          <a:lnRef idx="2">
-            <a:schemeClr val="accent1">
-              <a:shade val="50000"/>
-            </a:schemeClr>
-          </a:lnRef>
-          <a:fillRef idx="1">
-            <a:schemeClr val="accent1"/>
-          </a:fillRef>
-          <a:effectRef idx="0">
-            <a:schemeClr val="accent1"/>
-          </a:effectRef>
-          <a:fontRef idx="minor">
-            <a:schemeClr val="lt1"/>
-          </a:fontRef>
-        </p:style>
+          <a:noFill/>
+        </p:spPr>
         <p:txBody>
-          <a:bodyPr rtlCol="0" anchor="ctr"/>
+          <a:bodyPr wrap="none" rtlCol="0">
+            <a:spAutoFit/>
+          </a:bodyPr>
           <a:lstStyle/>
           <a:p>
             <a:pPr algn="ctr"/>
             <a:r>
-              <a:rPr lang="ko-KR" altLang="en-US" dirty="0">
-                <a:latin typeface="HY중고딕" panose="02030600000101010101" pitchFamily="18" charset="-127"/>
-                <a:ea typeface="HY중고딕" panose="02030600000101010101" pitchFamily="18" charset="-127"/>
-              </a:rPr>
-              <a:t>수행계획 </a:t>
-            </a:r>
-            <a:r>
-              <a:rPr lang="ko-KR" altLang="en-US">
-                <a:latin typeface="HY중고딕" panose="02030600000101010101" pitchFamily="18" charset="-127"/>
-                <a:ea typeface="HY중고딕" panose="02030600000101010101" pitchFamily="18" charset="-127"/>
-              </a:rPr>
-              <a:t>및 추진전략</a:t>
-            </a:r>
-            <a:endParaRPr lang="ko-KR" altLang="en-US" dirty="0">
-              <a:latin typeface="HY중고딕" panose="02030600000101010101" pitchFamily="18" charset="-127"/>
-              <a:ea typeface="HY중고딕" panose="02030600000101010101" pitchFamily="18" charset="-127"/>
+              <a:rPr lang="en-US" altLang="ko-KR" sz="2400" spc="-150" dirty="0">
+                <a:solidFill>
+                  <a:srgbClr val="00002F"/>
+                </a:solidFill>
+                <a:latin typeface="Malgun Gothic Semilight" panose="020B0502040204020203" pitchFamily="34" charset="-127"/>
+                <a:ea typeface="Malgun Gothic Semilight" panose="020B0502040204020203" pitchFamily="34" charset="-127"/>
+              </a:rPr>
+              <a:t>07.</a:t>
+            </a:r>
+            <a:endParaRPr lang="ko-KR" altLang="en-US" sz="2400" spc="-150" dirty="0">
+              <a:solidFill>
+                <a:srgbClr val="00002F"/>
+              </a:solidFill>
+              <a:latin typeface="Malgun Gothic Semilight" panose="020B0502040204020203" pitchFamily="34" charset="-127"/>
+              <a:ea typeface="Malgun Gothic Semilight" panose="020B0502040204020203" pitchFamily="34" charset="-127"/>
             </a:endParaRPr>
           </a:p>
         </p:txBody>
       </p:sp>
+      <p:pic>
+        <p:nvPicPr>
+          <p:cNvPr id="9" name="Picture 8">
+            <a:extLst>
+              <a:ext uri="{FF2B5EF4-FFF2-40B4-BE49-F238E27FC236}">
+                <a16:creationId xmlns:a16="http://schemas.microsoft.com/office/drawing/2014/main" id="{AD9F3133-01CD-4E21-89ED-A2E490987F9C}"/>
+              </a:ext>
+            </a:extLst>
+          </p:cNvPr>
+          <p:cNvPicPr>
+            <a:picLocks noChangeAspect="1"/>
+          </p:cNvPicPr>
+          <p:nvPr/>
+        </p:nvPicPr>
+        <p:blipFill>
+          <a:blip r:embed="rId2">
+            <a:extLst>
+              <a:ext uri="{28A0092B-C50C-407E-A947-70E740481C1C}">
+                <a14:useLocalDpi xmlns:a14="http://schemas.microsoft.com/office/drawing/2010/main" val="0"/>
+              </a:ext>
+            </a:extLst>
+          </a:blip>
+          <a:stretch>
+            <a:fillRect/>
+          </a:stretch>
+        </p:blipFill>
+        <p:spPr>
+          <a:xfrm>
+            <a:off x="80471" y="2319296"/>
+            <a:ext cx="12002746" cy="2772465"/>
+          </a:xfrm>
+          <a:prstGeom prst="rect">
+            <a:avLst/>
+          </a:prstGeom>
+        </p:spPr>
+      </p:pic>
     </p:spTree>
     <p:extLst>
       <p:ext uri="{BB962C8B-B14F-4D97-AF65-F5344CB8AC3E}">
-        <p14:creationId xmlns:p14="http://schemas.microsoft.com/office/powerpoint/2010/main" val="1862650958"/>
+        <p14:creationId xmlns:p14="http://schemas.microsoft.com/office/powerpoint/2010/main" val="1803526317"/>
       </p:ext>
     </p:extLst>
   </p:cSld>
@@ -4762,9 +4872,9 @@
             <a:avLst/>
           </a:prstGeom>
           <a:solidFill>
-            <a:srgbClr val="FFFFFF">
-              <a:alpha val="85098"/>
-            </a:srgbClr>
+            <a:schemeClr val="bg1">
+              <a:alpha val="80000"/>
+            </a:schemeClr>
           </a:solidFill>
           <a:ln>
             <a:solidFill>
@@ -4794,7 +4904,7 @@
           <a:p>
             <a:pPr algn="ctr"/>
             <a:r>
-              <a:rPr lang="ko-KR" altLang="en-US" sz="2000" b="1" dirty="0">
+              <a:rPr lang="ko-KR" altLang="en-US" sz="2000" dirty="0">
                 <a:solidFill>
                   <a:srgbClr val="00002F"/>
                 </a:solidFill>
@@ -4803,7 +4913,7 @@
               </a:rPr>
               <a:t>수행 계획 및</a:t>
             </a:r>
-            <a:endParaRPr lang="en-US" altLang="ko-KR" sz="2000" b="1" dirty="0">
+            <a:endParaRPr lang="en-US" altLang="ko-KR" sz="2000" dirty="0">
               <a:solidFill>
                 <a:srgbClr val="00002F"/>
               </a:solidFill>
@@ -4814,7 +4924,7 @@
           <a:p>
             <a:pPr algn="ctr"/>
             <a:r>
-              <a:rPr lang="ko-KR" altLang="en-US" sz="2000" b="1" dirty="0">
+              <a:rPr lang="ko-KR" altLang="en-US" sz="2000" dirty="0">
                 <a:solidFill>
                   <a:srgbClr val="00002F"/>
                 </a:solidFill>
@@ -4895,9 +5005,9 @@
             <a:avLst/>
           </a:prstGeom>
           <a:solidFill>
-            <a:srgbClr val="FFFFFF">
-              <a:alpha val="85098"/>
-            </a:srgbClr>
+            <a:schemeClr val="bg1">
+              <a:alpha val="80000"/>
+            </a:schemeClr>
           </a:solidFill>
           <a:ln>
             <a:solidFill>
@@ -4927,7 +5037,7 @@
           <a:p>
             <a:pPr algn="ctr"/>
             <a:r>
-              <a:rPr lang="en-US" altLang="ko-KR" sz="2000" b="1" dirty="0">
+              <a:rPr lang="en-US" altLang="ko-KR" sz="2000" dirty="0">
                 <a:solidFill>
                   <a:srgbClr val="00002F"/>
                 </a:solidFill>
@@ -4940,7 +5050,7 @@
           <a:p>
             <a:pPr algn="ctr"/>
             <a:r>
-              <a:rPr lang="en-US" altLang="ko-KR" sz="2000" b="1" dirty="0">
+              <a:rPr lang="en-US" altLang="ko-KR" sz="2000" dirty="0">
                 <a:solidFill>
                   <a:srgbClr val="00002F"/>
                 </a:solidFill>
@@ -4949,7 +5059,7 @@
               </a:rPr>
               <a:t>Model</a:t>
             </a:r>
-            <a:endParaRPr lang="ko-KR" altLang="en-US" sz="2000" b="1" dirty="0">
+            <a:endParaRPr lang="ko-KR" altLang="en-US" sz="2000" dirty="0">
               <a:solidFill>
                 <a:srgbClr val="00002F"/>
               </a:solidFill>
@@ -5009,16 +5119,16 @@
         </p:nvSpPr>
         <p:spPr>
           <a:xfrm>
-            <a:off x="270813" y="2497976"/>
+            <a:off x="270814" y="2497976"/>
             <a:ext cx="2201573" cy="469900"/>
           </a:xfrm>
           <a:prstGeom prst="rect">
             <a:avLst/>
           </a:prstGeom>
           <a:solidFill>
-            <a:srgbClr val="FFFFFF">
-              <a:alpha val="85098"/>
-            </a:srgbClr>
+            <a:schemeClr val="bg1">
+              <a:alpha val="80000"/>
+            </a:schemeClr>
           </a:solidFill>
           <a:ln>
             <a:solidFill>
@@ -5048,7 +5158,7 @@
           <a:p>
             <a:pPr algn="ctr"/>
             <a:r>
-              <a:rPr lang="ko-KR" altLang="en-US" sz="2000" b="1" dirty="0" err="1">
+              <a:rPr lang="ko-KR" altLang="en-US" sz="2000" dirty="0" err="1">
                 <a:solidFill>
                   <a:srgbClr val="00002F"/>
                 </a:solidFill>
@@ -5057,7 +5167,7 @@
               </a:rPr>
               <a:t>팀소개</a:t>
             </a:r>
-            <a:endParaRPr lang="ko-KR" altLang="en-US" sz="2000" b="1" dirty="0">
+            <a:endParaRPr lang="ko-KR" altLang="en-US" sz="2000" dirty="0">
               <a:solidFill>
                 <a:srgbClr val="00002F"/>
               </a:solidFill>
@@ -5124,9 +5234,9 @@
             <a:avLst/>
           </a:prstGeom>
           <a:solidFill>
-            <a:srgbClr val="FFFFFF">
-              <a:alpha val="85098"/>
-            </a:srgbClr>
+            <a:schemeClr val="bg1">
+              <a:alpha val="80000"/>
+            </a:schemeClr>
           </a:solidFill>
           <a:ln>
             <a:solidFill>
@@ -5156,7 +5266,7 @@
           <a:p>
             <a:pPr algn="ctr"/>
             <a:r>
-              <a:rPr lang="ko-KR" altLang="en-US" sz="2000" b="1" dirty="0">
+              <a:rPr lang="ko-KR" altLang="en-US" sz="2000" dirty="0">
                 <a:solidFill>
                   <a:srgbClr val="00002F"/>
                 </a:solidFill>
@@ -5218,16 +5328,16 @@
         </p:nvSpPr>
         <p:spPr>
           <a:xfrm>
-            <a:off x="6363093" y="2497976"/>
-            <a:ext cx="2408495" cy="469900"/>
+            <a:off x="6570014" y="2497976"/>
+            <a:ext cx="2201573" cy="469900"/>
           </a:xfrm>
           <a:prstGeom prst="rect">
             <a:avLst/>
           </a:prstGeom>
           <a:solidFill>
-            <a:srgbClr val="FFFFFF">
-              <a:alpha val="85098"/>
-            </a:srgbClr>
+            <a:schemeClr val="bg1">
+              <a:alpha val="80000"/>
+            </a:schemeClr>
           </a:solidFill>
           <a:ln>
             <a:solidFill>
@@ -5257,7 +5367,7 @@
           <a:p>
             <a:pPr algn="ctr"/>
             <a:r>
-              <a:rPr lang="ko-KR" altLang="en-US" sz="2000" b="1" dirty="0">
+              <a:rPr lang="ko-KR" altLang="en-US" sz="2000" dirty="0">
                 <a:solidFill>
                   <a:srgbClr val="00002F"/>
                 </a:solidFill>
@@ -5319,16 +5429,16 @@
         </p:nvSpPr>
         <p:spPr>
           <a:xfrm>
-            <a:off x="9653048" y="2497975"/>
-            <a:ext cx="2268140" cy="533231"/>
+            <a:off x="9584268" y="2497976"/>
+            <a:ext cx="2336920" cy="469900"/>
           </a:xfrm>
           <a:prstGeom prst="rect">
             <a:avLst/>
           </a:prstGeom>
           <a:solidFill>
-            <a:srgbClr val="FFFFFF">
-              <a:alpha val="85098"/>
-            </a:srgbClr>
+            <a:schemeClr val="bg1">
+              <a:alpha val="80000"/>
+            </a:schemeClr>
           </a:solidFill>
           <a:ln>
             <a:solidFill>
@@ -5358,29 +5468,36 @@
           <a:p>
             <a:pPr algn="ctr"/>
             <a:r>
-              <a:rPr lang="en-US" altLang="ko-KR" b="1" dirty="0">
+              <a:rPr lang="en-US" altLang="ko-KR" sz="2000" dirty="0">
                 <a:solidFill>
                   <a:srgbClr val="00002F"/>
                 </a:solidFill>
                 <a:latin typeface="나눔스퀘어 ExtraBold" panose="020B0600000101010101" pitchFamily="50" charset="-127"/>
                 <a:ea typeface="나눔스퀘어 ExtraBold" panose="020B0600000101010101" pitchFamily="50" charset="-127"/>
               </a:rPr>
-              <a:t>Context/Use Case</a:t>
-            </a:r>
-          </a:p>
-          <a:p>
-            <a:pPr algn="ctr"/>
-            <a:r>
-              <a:rPr lang="en-US" altLang="ko-KR" b="1" dirty="0">
+              <a:t>Context</a:t>
+            </a:r>
+            <a:r>
+              <a:rPr lang="ko-KR" altLang="en-US" sz="2000" dirty="0">
                 <a:solidFill>
                   <a:srgbClr val="00002F"/>
                 </a:solidFill>
                 <a:latin typeface="나눔스퀘어 ExtraBold" panose="020B0600000101010101" pitchFamily="50" charset="-127"/>
                 <a:ea typeface="나눔스퀘어 ExtraBold" panose="020B0600000101010101" pitchFamily="50" charset="-127"/>
               </a:rPr>
-              <a:t>Diagrams</a:t>
-            </a:r>
-            <a:endParaRPr lang="ko-KR" altLang="en-US" b="1" dirty="0">
+              <a:t> </a:t>
+            </a:r>
+            <a:r>
+              <a:rPr lang="en-US" altLang="ko-KR" sz="2000" dirty="0">
+                <a:solidFill>
+                  <a:srgbClr val="00002F"/>
+                </a:solidFill>
+                <a:latin typeface="나눔스퀘어 ExtraBold" panose="020B0600000101010101" pitchFamily="50" charset="-127"/>
+                <a:ea typeface="나눔스퀘어 ExtraBold" panose="020B0600000101010101" pitchFamily="50" charset="-127"/>
+              </a:rPr>
+              <a:t>Diagram</a:t>
+            </a:r>
+            <a:endParaRPr lang="ko-KR" altLang="en-US" sz="2000" dirty="0">
               <a:solidFill>
                 <a:srgbClr val="00002F"/>
               </a:solidFill>
@@ -5398,8 +5515,8 @@
         </p:nvSpPr>
         <p:spPr>
           <a:xfrm>
-            <a:off x="5612535" y="627893"/>
-            <a:ext cx="966931" cy="584775"/>
+            <a:off x="5014614" y="627893"/>
+            <a:ext cx="2162773" cy="584775"/>
           </a:xfrm>
           <a:prstGeom prst="rect">
             <a:avLst/>
@@ -5414,14 +5531,14 @@
           <a:p>
             <a:pPr algn="ctr"/>
             <a:r>
-              <a:rPr lang="ko-KR" altLang="en-US" sz="3200" spc="-150">
+              <a:rPr lang="en-US" altLang="ko-KR" sz="3200" spc="-150" dirty="0">
                 <a:solidFill>
                   <a:srgbClr val="00002F"/>
                 </a:solidFill>
                 <a:latin typeface="나눔스퀘어 ExtraBold" panose="020B0600000101010101" pitchFamily="50" charset="-127"/>
                 <a:ea typeface="나눔스퀘어 ExtraBold" panose="020B0600000101010101" pitchFamily="50" charset="-127"/>
               </a:rPr>
-              <a:t>목차</a:t>
+              <a:t>CONTENTS</a:t>
             </a:r>
             <a:endParaRPr lang="ko-KR" altLang="en-US" sz="3200" spc="-150" dirty="0">
               <a:solidFill>
@@ -5539,9 +5656,9 @@
             <a:avLst/>
           </a:prstGeom>
           <a:solidFill>
-            <a:srgbClr val="FFFFFF">
-              <a:alpha val="85098"/>
-            </a:srgbClr>
+            <a:schemeClr val="bg1">
+              <a:alpha val="80000"/>
+            </a:schemeClr>
           </a:solidFill>
           <a:ln>
             <a:solidFill>
@@ -5571,7 +5688,7 @@
           <a:p>
             <a:pPr algn="ctr"/>
             <a:r>
-              <a:rPr lang="en-US" altLang="ko-KR" sz="2000" b="1" dirty="0">
+              <a:rPr lang="en-US" altLang="ko-KR" sz="2000" dirty="0">
                 <a:solidFill>
                   <a:srgbClr val="00002F"/>
                 </a:solidFill>
@@ -5580,7 +5697,7 @@
               </a:rPr>
               <a:t>Architectural Model</a:t>
             </a:r>
-            <a:endParaRPr lang="ko-KR" altLang="en-US" sz="2000" b="1" dirty="0">
+            <a:endParaRPr lang="ko-KR" altLang="en-US" sz="2000" dirty="0">
               <a:solidFill>
                 <a:srgbClr val="00002F"/>
               </a:solidFill>
@@ -5590,6 +5707,49 @@
           </a:p>
         </p:txBody>
       </p:sp>
+      <p:cxnSp>
+        <p:nvCxnSpPr>
+          <p:cNvPr id="20" name="직선 연결선 19">
+            <a:extLst>
+              <a:ext uri="{FF2B5EF4-FFF2-40B4-BE49-F238E27FC236}">
+                <a16:creationId xmlns:a16="http://schemas.microsoft.com/office/drawing/2014/main" id="{660F0E77-193E-4B71-8F3B-63F6EB1994F9}"/>
+              </a:ext>
+            </a:extLst>
+          </p:cNvPr>
+          <p:cNvCxnSpPr/>
+          <p:nvPr/>
+        </p:nvCxnSpPr>
+        <p:spPr>
+          <a:xfrm>
+            <a:off x="6589413" y="2945697"/>
+            <a:ext cx="2160000" cy="0"/>
+          </a:xfrm>
+          <a:prstGeom prst="line">
+            <a:avLst/>
+          </a:prstGeom>
+          <a:ln>
+            <a:solidFill>
+              <a:schemeClr val="bg1">
+                <a:lumMod val="50000"/>
+              </a:schemeClr>
+            </a:solidFill>
+          </a:ln>
+        </p:spPr>
+        <p:style>
+          <a:lnRef idx="1">
+            <a:schemeClr val="accent1"/>
+          </a:lnRef>
+          <a:fillRef idx="0">
+            <a:schemeClr val="accent1"/>
+          </a:fillRef>
+          <a:effectRef idx="0">
+            <a:schemeClr val="accent1"/>
+          </a:effectRef>
+          <a:fontRef idx="minor">
+            <a:schemeClr val="tx1"/>
+          </a:fontRef>
+        </p:style>
+      </p:cxnSp>
     </p:spTree>
     <p:extLst>
       <p:ext uri="{BB962C8B-B14F-4D97-AF65-F5344CB8AC3E}">
@@ -5628,8 +5788,8 @@
         </p:nvSpPr>
         <p:spPr>
           <a:xfrm>
-            <a:off x="3265572" y="1279239"/>
-            <a:ext cx="5314340" cy="707886"/>
+            <a:off x="5014762" y="1386402"/>
+            <a:ext cx="2159567" cy="707886"/>
           </a:xfrm>
           <a:prstGeom prst="rect">
             <a:avLst/>
@@ -5644,22 +5804,15 @@
           <a:p>
             <a:pPr algn="ctr"/>
             <a:r>
-              <a:rPr lang="en-US" altLang="ko-KR" sz="4000" b="1" spc="-150" dirty="0">
+              <a:rPr lang="ko-KR" altLang="en-US" sz="4000" b="1" spc="-150" dirty="0">
                 <a:solidFill>
                   <a:srgbClr val="8DBABD"/>
                 </a:solidFill>
                 <a:latin typeface="Malgun Gothic Semilight" panose="020B0502040204020203" pitchFamily="34" charset="-127"/>
                 <a:ea typeface="Malgun Gothic Semilight" panose="020B0502040204020203" pitchFamily="34" charset="-127"/>
               </a:rPr>
-              <a:t>Throw-Away Prototyping</a:t>
-            </a:r>
-            <a:endParaRPr lang="ko-KR" altLang="en-US" sz="4000" b="1" spc="-150" dirty="0">
-              <a:solidFill>
-                <a:srgbClr val="8DBABD"/>
-              </a:solidFill>
-              <a:latin typeface="Malgun Gothic Semilight" panose="020B0502040204020203" pitchFamily="34" charset="-127"/>
-              <a:ea typeface="Malgun Gothic Semilight" panose="020B0502040204020203" pitchFamily="34" charset="-127"/>
-            </a:endParaRPr>
+              <a:t>추진전략</a:t>
+            </a:r>
           </a:p>
         </p:txBody>
       </p:sp>
@@ -5898,401 +6051,23 @@
           <a:p>
             <a:pPr algn="ctr"/>
             <a:r>
-              <a:rPr lang="ko-KR" altLang="en-US" sz="2800" b="1" dirty="0">
+              <a:rPr lang="ko-KR" altLang="en-US" sz="2800" dirty="0">
                 <a:latin typeface="HY중고딕" panose="02030600000101010101" pitchFamily="18" charset="-127"/>
                 <a:ea typeface="HY중고딕" panose="02030600000101010101" pitchFamily="18" charset="-127"/>
               </a:rPr>
-              <a:t>수행계획 및 추진전략</a:t>
-            </a:r>
-          </a:p>
-        </p:txBody>
-      </p:sp>
-      <p:sp>
-        <p:nvSpPr>
-          <p:cNvPr id="20" name="TextBox 19"/>
-          <p:cNvSpPr txBox="1"/>
-          <p:nvPr/>
-        </p:nvSpPr>
-        <p:spPr>
-          <a:xfrm>
-            <a:off x="502820" y="498947"/>
-            <a:ext cx="519694" cy="461665"/>
-          </a:xfrm>
-          <a:prstGeom prst="rect">
-            <a:avLst/>
-          </a:prstGeom>
-          <a:noFill/>
-        </p:spPr>
-        <p:txBody>
-          <a:bodyPr wrap="none" rtlCol="0">
-            <a:spAutoFit/>
-          </a:bodyPr>
-          <a:lstStyle/>
-          <a:p>
-            <a:pPr algn="ctr"/>
-            <a:r>
-              <a:rPr lang="en-US" altLang="ko-KR" sz="2400" spc="-150" dirty="0">
-                <a:solidFill>
-                  <a:srgbClr val="00002F"/>
-                </a:solidFill>
-                <a:latin typeface="Malgun Gothic Semilight" panose="020B0502040204020203" pitchFamily="34" charset="-127"/>
-                <a:ea typeface="Malgun Gothic Semilight" panose="020B0502040204020203" pitchFamily="34" charset="-127"/>
-              </a:rPr>
-              <a:t>07.</a:t>
-            </a:r>
-            <a:endParaRPr lang="ko-KR" altLang="en-US" sz="2400" spc="-150" dirty="0">
-              <a:solidFill>
-                <a:srgbClr val="00002F"/>
-              </a:solidFill>
-              <a:latin typeface="Malgun Gothic Semilight" panose="020B0502040204020203" pitchFamily="34" charset="-127"/>
-              <a:ea typeface="Malgun Gothic Semilight" panose="020B0502040204020203" pitchFamily="34" charset="-127"/>
-            </a:endParaRPr>
-          </a:p>
-        </p:txBody>
-      </p:sp>
-      <p:pic>
-        <p:nvPicPr>
-          <p:cNvPr id="9" name="Picture 8">
-            <a:extLst>
-              <a:ext uri="{FF2B5EF4-FFF2-40B4-BE49-F238E27FC236}">
-                <a16:creationId xmlns:a16="http://schemas.microsoft.com/office/drawing/2014/main" id="{AD9F3133-01CD-4E21-89ED-A2E490987F9C}"/>
-              </a:ext>
-            </a:extLst>
-          </p:cNvPr>
-          <p:cNvPicPr>
-            <a:picLocks noChangeAspect="1"/>
-          </p:cNvPicPr>
-          <p:nvPr/>
-        </p:nvPicPr>
-        <p:blipFill>
-          <a:blip r:embed="rId2">
-            <a:extLst>
-              <a:ext uri="{28A0092B-C50C-407E-A947-70E740481C1C}">
-                <a14:useLocalDpi xmlns:a14="http://schemas.microsoft.com/office/drawing/2010/main" val="0"/>
-              </a:ext>
-            </a:extLst>
-          </a:blip>
-          <a:stretch>
-            <a:fillRect/>
-          </a:stretch>
-        </p:blipFill>
-        <p:spPr>
-          <a:xfrm>
-            <a:off x="80471" y="2319296"/>
-            <a:ext cx="12002746" cy="2772465"/>
-          </a:xfrm>
-          <a:prstGeom prst="rect">
-            <a:avLst/>
-          </a:prstGeom>
-        </p:spPr>
-      </p:pic>
-    </p:spTree>
-    <p:extLst>
-      <p:ext uri="{BB962C8B-B14F-4D97-AF65-F5344CB8AC3E}">
-        <p14:creationId xmlns:p14="http://schemas.microsoft.com/office/powerpoint/2010/main" val="1803526317"/>
-      </p:ext>
-    </p:extLst>
-  </p:cSld>
-  <p:clrMapOvr>
-    <a:masterClrMapping/>
-  </p:clrMapOvr>
-</p:sld>
-</file>
-
-<file path=ppt/slides/slide21.xml><?xml version="1.0" encoding="utf-8"?>
-<p:sld xmlns:a="http://schemas.openxmlformats.org/drawingml/2006/main" xmlns:r="http://schemas.openxmlformats.org/officeDocument/2006/relationships" xmlns:p="http://schemas.openxmlformats.org/presentationml/2006/main">
-  <p:cSld>
-    <p:spTree>
-      <p:nvGrpSpPr>
-        <p:cNvPr id="1" name=""/>
-        <p:cNvGrpSpPr/>
-        <p:nvPr/>
-      </p:nvGrpSpPr>
-      <p:grpSpPr>
-        <a:xfrm>
-          <a:off x="0" y="0"/>
-          <a:ext cx="0" cy="0"/>
-          <a:chOff x="0" y="0"/>
-          <a:chExt cx="0" cy="0"/>
-        </a:xfrm>
-      </p:grpSpPr>
-      <p:sp>
-        <p:nvSpPr>
-          <p:cNvPr id="11" name="TextBox 10"/>
-          <p:cNvSpPr txBox="1"/>
-          <p:nvPr/>
-        </p:nvSpPr>
-        <p:spPr>
-          <a:xfrm>
-            <a:off x="5014762" y="1386402"/>
-            <a:ext cx="2159567" cy="707886"/>
-          </a:xfrm>
-          <a:prstGeom prst="rect">
-            <a:avLst/>
-          </a:prstGeom>
-          <a:noFill/>
-        </p:spPr>
-        <p:txBody>
-          <a:bodyPr wrap="none" rtlCol="0">
-            <a:spAutoFit/>
-          </a:bodyPr>
-          <a:lstStyle/>
-          <a:p>
-            <a:pPr algn="ctr"/>
-            <a:r>
-              <a:rPr lang="ko-KR" altLang="en-US" sz="4000" b="1" spc="-150" dirty="0">
-                <a:solidFill>
-                  <a:srgbClr val="8DBABD"/>
-                </a:solidFill>
-                <a:latin typeface="Malgun Gothic Semilight" panose="020B0502040204020203" pitchFamily="34" charset="-127"/>
-                <a:ea typeface="Malgun Gothic Semilight" panose="020B0502040204020203" pitchFamily="34" charset="-127"/>
-              </a:rPr>
-              <a:t>추진전략</a:t>
-            </a:r>
-          </a:p>
-        </p:txBody>
-      </p:sp>
-      <p:cxnSp>
-        <p:nvCxnSpPr>
-          <p:cNvPr id="14" name="직선 연결선 13"/>
-          <p:cNvCxnSpPr/>
-          <p:nvPr/>
-        </p:nvCxnSpPr>
-        <p:spPr>
-          <a:xfrm>
-            <a:off x="10430892" y="144941"/>
-            <a:ext cx="360000" cy="0"/>
-          </a:xfrm>
-          <a:prstGeom prst="line">
-            <a:avLst/>
-          </a:prstGeom>
-          <a:ln w="44450" cap="rnd">
-            <a:solidFill>
-              <a:srgbClr val="D0CECE"/>
-            </a:solidFill>
-          </a:ln>
-          <a:effectLst>
-            <a:outerShdw blurRad="50800" dist="38100" dir="5400000" algn="t" rotWithShape="0">
-              <a:prstClr val="black">
-                <a:alpha val="40000"/>
-              </a:prstClr>
-            </a:outerShdw>
-          </a:effectLst>
-        </p:spPr>
-        <p:style>
-          <a:lnRef idx="1">
-            <a:schemeClr val="accent1"/>
-          </a:lnRef>
-          <a:fillRef idx="0">
-            <a:schemeClr val="accent1"/>
-          </a:fillRef>
-          <a:effectRef idx="0">
-            <a:schemeClr val="accent1"/>
-          </a:effectRef>
-          <a:fontRef idx="minor">
-            <a:schemeClr val="tx1"/>
-          </a:fontRef>
-        </p:style>
-      </p:cxnSp>
-      <p:cxnSp>
-        <p:nvCxnSpPr>
-          <p:cNvPr id="15" name="직선 연결선 14"/>
-          <p:cNvCxnSpPr/>
-          <p:nvPr/>
-        </p:nvCxnSpPr>
-        <p:spPr>
-          <a:xfrm>
-            <a:off x="10858459" y="144941"/>
-            <a:ext cx="360000" cy="0"/>
-          </a:xfrm>
-          <a:prstGeom prst="line">
-            <a:avLst/>
-          </a:prstGeom>
-          <a:ln w="44450" cap="rnd">
-            <a:solidFill>
-              <a:schemeClr val="bg2">
-                <a:lumMod val="90000"/>
-              </a:schemeClr>
-            </a:solidFill>
-          </a:ln>
-          <a:effectLst>
-            <a:outerShdw blurRad="50800" dist="38100" dir="5400000" algn="t" rotWithShape="0">
-              <a:prstClr val="black">
-                <a:alpha val="40000"/>
-              </a:prstClr>
-            </a:outerShdw>
-          </a:effectLst>
-        </p:spPr>
-        <p:style>
-          <a:lnRef idx="1">
-            <a:schemeClr val="accent1"/>
-          </a:lnRef>
-          <a:fillRef idx="0">
-            <a:schemeClr val="accent1"/>
-          </a:fillRef>
-          <a:effectRef idx="0">
-            <a:schemeClr val="accent1"/>
-          </a:effectRef>
-          <a:fontRef idx="minor">
-            <a:schemeClr val="tx1"/>
-          </a:fontRef>
-        </p:style>
-      </p:cxnSp>
-      <p:cxnSp>
-        <p:nvCxnSpPr>
-          <p:cNvPr id="16" name="직선 연결선 15"/>
-          <p:cNvCxnSpPr/>
-          <p:nvPr/>
-        </p:nvCxnSpPr>
-        <p:spPr>
-          <a:xfrm>
-            <a:off x="11286026" y="144941"/>
-            <a:ext cx="360000" cy="0"/>
-          </a:xfrm>
-          <a:prstGeom prst="line">
-            <a:avLst/>
-          </a:prstGeom>
-          <a:ln w="44450" cap="rnd">
-            <a:solidFill>
-              <a:schemeClr val="bg2">
-                <a:lumMod val="90000"/>
-              </a:schemeClr>
-            </a:solidFill>
-          </a:ln>
-          <a:effectLst>
-            <a:outerShdw blurRad="50800" dist="38100" dir="5400000" algn="t" rotWithShape="0">
-              <a:prstClr val="black">
-                <a:alpha val="40000"/>
-              </a:prstClr>
-            </a:outerShdw>
-          </a:effectLst>
-        </p:spPr>
-        <p:style>
-          <a:lnRef idx="1">
-            <a:schemeClr val="accent1"/>
-          </a:lnRef>
-          <a:fillRef idx="0">
-            <a:schemeClr val="accent1"/>
-          </a:fillRef>
-          <a:effectRef idx="0">
-            <a:schemeClr val="accent1"/>
-          </a:effectRef>
-          <a:fontRef idx="minor">
-            <a:schemeClr val="tx1"/>
-          </a:fontRef>
-        </p:style>
-      </p:cxnSp>
-      <p:cxnSp>
-        <p:nvCxnSpPr>
-          <p:cNvPr id="17" name="직선 연결선 16"/>
-          <p:cNvCxnSpPr/>
-          <p:nvPr/>
-        </p:nvCxnSpPr>
-        <p:spPr>
-          <a:xfrm>
-            <a:off x="11713592" y="144941"/>
-            <a:ext cx="360000" cy="0"/>
-          </a:xfrm>
-          <a:prstGeom prst="line">
-            <a:avLst/>
-          </a:prstGeom>
-          <a:ln w="44450" cap="rnd">
-            <a:solidFill>
-              <a:srgbClr val="8DBABD"/>
-            </a:solidFill>
-          </a:ln>
-          <a:effectLst>
-            <a:outerShdw blurRad="50800" dist="38100" dir="5400000" algn="t" rotWithShape="0">
-              <a:prstClr val="black">
-                <a:alpha val="40000"/>
-              </a:prstClr>
-            </a:outerShdw>
-          </a:effectLst>
-        </p:spPr>
-        <p:style>
-          <a:lnRef idx="1">
-            <a:schemeClr val="accent1"/>
-          </a:lnRef>
-          <a:fillRef idx="0">
-            <a:schemeClr val="accent1"/>
-          </a:fillRef>
-          <a:effectRef idx="0">
-            <a:schemeClr val="accent1"/>
-          </a:effectRef>
-          <a:fontRef idx="minor">
-            <a:schemeClr val="tx1"/>
-          </a:fontRef>
-        </p:style>
-      </p:cxnSp>
-      <p:cxnSp>
-        <p:nvCxnSpPr>
-          <p:cNvPr id="18" name="직선 연결선 17"/>
-          <p:cNvCxnSpPr>
-            <a:cxnSpLocks/>
-          </p:cNvCxnSpPr>
-          <p:nvPr/>
-        </p:nvCxnSpPr>
-        <p:spPr>
-          <a:xfrm>
-            <a:off x="1026522" y="989148"/>
-            <a:ext cx="3462928" cy="0"/>
-          </a:xfrm>
-          <a:prstGeom prst="line">
-            <a:avLst/>
-          </a:prstGeom>
-          <a:ln>
-            <a:solidFill>
-              <a:schemeClr val="bg1">
-                <a:lumMod val="50000"/>
-              </a:schemeClr>
-            </a:solidFill>
-          </a:ln>
-        </p:spPr>
-        <p:style>
-          <a:lnRef idx="1">
-            <a:schemeClr val="accent1"/>
-          </a:lnRef>
-          <a:fillRef idx="0">
-            <a:schemeClr val="accent1"/>
-          </a:fillRef>
-          <a:effectRef idx="0">
-            <a:schemeClr val="accent1"/>
-          </a:effectRef>
-          <a:fontRef idx="minor">
-            <a:schemeClr val="tx1"/>
-          </a:fontRef>
-        </p:style>
-      </p:cxnSp>
-      <p:sp>
-        <p:nvSpPr>
-          <p:cNvPr id="19" name="TextBox 18"/>
-          <p:cNvSpPr txBox="1"/>
-          <p:nvPr/>
-        </p:nvSpPr>
-        <p:spPr>
-          <a:xfrm>
-            <a:off x="898672" y="412529"/>
-            <a:ext cx="3656770" cy="523220"/>
-          </a:xfrm>
-          <a:prstGeom prst="rect">
-            <a:avLst/>
-          </a:prstGeom>
-          <a:noFill/>
-        </p:spPr>
-        <p:txBody>
-          <a:bodyPr wrap="none" rtlCol="0">
-            <a:spAutoFit/>
-          </a:bodyPr>
-          <a:lstStyle/>
-          <a:p>
-            <a:pPr algn="ctr"/>
-            <a:r>
-              <a:rPr lang="ko-KR" altLang="en-US" sz="2800" b="1" dirty="0">
+              <a:t>수행계획 </a:t>
+            </a:r>
+            <a:r>
+              <a:rPr lang="ko-KR" altLang="en-US" sz="2800">
                 <a:latin typeface="HY중고딕" panose="02030600000101010101" pitchFamily="18" charset="-127"/>
                 <a:ea typeface="HY중고딕" panose="02030600000101010101" pitchFamily="18" charset="-127"/>
               </a:rPr>
-              <a:t>수행계획 및 추진전략</a:t>
-            </a:r>
+              <a:t>및 추진전략</a:t>
+            </a:r>
+            <a:endParaRPr lang="ko-KR" altLang="en-US" sz="2800" dirty="0">
+              <a:latin typeface="HY중고딕" panose="02030600000101010101" pitchFamily="18" charset="-127"/>
+              <a:ea typeface="HY중고딕" panose="02030600000101010101" pitchFamily="18" charset="-127"/>
+            </a:endParaRPr>
           </a:p>
         </p:txBody>
       </p:sp>
@@ -6621,7 +6396,7 @@
 </p:sld>
 </file>
 
-<file path=ppt/slides/slide22.xml><?xml version="1.0" encoding="utf-8"?>
+<file path=ppt/slides/slide21.xml><?xml version="1.0" encoding="utf-8"?>
 <p:sld xmlns:a="http://schemas.openxmlformats.org/drawingml/2006/main" xmlns:r="http://schemas.openxmlformats.org/officeDocument/2006/relationships" xmlns:p="http://schemas.openxmlformats.org/presentationml/2006/main">
   <p:cSld>
     <p:spTree>
@@ -6694,7 +6469,7 @@
 </p:sld>
 </file>
 
-<file path=ppt/slides/slide23.xml><?xml version="1.0" encoding="utf-8"?>
+<file path=ppt/slides/slide22.xml><?xml version="1.0" encoding="utf-8"?>
 <p:sld xmlns:a="http://schemas.openxmlformats.org/drawingml/2006/main" xmlns:r="http://schemas.openxmlformats.org/officeDocument/2006/relationships" xmlns:p="http://schemas.openxmlformats.org/presentationml/2006/main">
   <p:cSld>
     <p:spTree>
@@ -6793,7 +6568,7 @@
         <p:spPr>
           <a:xfrm>
             <a:off x="4000500" y="2472873"/>
-            <a:ext cx="797013" cy="769441"/>
+            <a:ext cx="764953" cy="769441"/>
           </a:xfrm>
           <a:prstGeom prst="rect">
             <a:avLst/>
@@ -6811,8 +6586,8 @@
                 <a:solidFill>
                   <a:srgbClr val="00002F"/>
                 </a:solidFill>
-                <a:latin typeface="나눔스퀘어 Bold" panose="020B0600000101010101" pitchFamily="50" charset="-127"/>
-                <a:ea typeface="나눔스퀘어 Bold" panose="020B0600000101010101" pitchFamily="50" charset="-127"/>
+                <a:latin typeface="HY중고딕" panose="02030600000101010101" pitchFamily="18" charset="-127"/>
+                <a:ea typeface="HY중고딕" panose="02030600000101010101" pitchFamily="18" charset="-127"/>
               </a:rPr>
               <a:t>01</a:t>
             </a:r>
@@ -6820,8 +6595,8 @@
               <a:solidFill>
                 <a:srgbClr val="00002F"/>
               </a:solidFill>
-              <a:latin typeface="나눔스퀘어 Bold" panose="020B0600000101010101" pitchFamily="50" charset="-127"/>
-              <a:ea typeface="나눔스퀘어 Bold" panose="020B0600000101010101" pitchFamily="50" charset="-127"/>
+              <a:latin typeface="HY중고딕" panose="02030600000101010101" pitchFamily="18" charset="-127"/>
+              <a:ea typeface="HY중고딕" panose="02030600000101010101" pitchFamily="18" charset="-127"/>
             </a:endParaRPr>
           </a:p>
         </p:txBody>
@@ -6872,14 +6647,14 @@
             <a:pPr algn="ctr"/>
             <a:r>
               <a:rPr lang="ko-KR" altLang="en-US" dirty="0" err="1">
-                <a:latin typeface="나눔스퀘어 Bold" panose="020B0600000101010101" pitchFamily="50" charset="-127"/>
-                <a:ea typeface="나눔스퀘어 Bold" panose="020B0600000101010101" pitchFamily="50" charset="-127"/>
+                <a:latin typeface="HY중고딕" panose="02030600000101010101" pitchFamily="18" charset="-127"/>
+                <a:ea typeface="HY중고딕" panose="02030600000101010101" pitchFamily="18" charset="-127"/>
               </a:rPr>
               <a:t>팀소개</a:t>
             </a:r>
             <a:endParaRPr lang="ko-KR" altLang="en-US" dirty="0">
-              <a:latin typeface="나눔스퀘어 Bold" panose="020B0600000101010101" pitchFamily="50" charset="-127"/>
-              <a:ea typeface="나눔스퀘어 Bold" panose="020B0600000101010101" pitchFamily="50" charset="-127"/>
+              <a:latin typeface="HY중고딕" panose="02030600000101010101" pitchFamily="18" charset="-127"/>
+              <a:ea typeface="HY중고딕" panose="02030600000101010101" pitchFamily="18" charset="-127"/>
             </a:endParaRPr>
           </a:p>
         </p:txBody>
@@ -6914,6 +6689,41 @@
           <a:chExt cx="0" cy="0"/>
         </a:xfrm>
       </p:grpSpPr>
+      <p:pic>
+        <p:nvPicPr>
+          <p:cNvPr id="6" name="그림 5">
+            <a:extLst>
+              <a:ext uri="{FF2B5EF4-FFF2-40B4-BE49-F238E27FC236}">
+                <a16:creationId xmlns:a16="http://schemas.microsoft.com/office/drawing/2014/main" id="{CBD0C84F-8756-4CBE-B36F-AC3F21D93F1F}"/>
+              </a:ext>
+            </a:extLst>
+          </p:cNvPr>
+          <p:cNvPicPr>
+            <a:picLocks noChangeAspect="1"/>
+          </p:cNvPicPr>
+          <p:nvPr/>
+        </p:nvPicPr>
+        <p:blipFill rotWithShape="1">
+          <a:blip r:embed="rId2">
+            <a:extLst>
+              <a:ext uri="{28A0092B-C50C-407E-A947-70E740481C1C}">
+                <a14:useLocalDpi xmlns:a14="http://schemas.microsoft.com/office/drawing/2010/main" val="0"/>
+              </a:ext>
+            </a:extLst>
+          </a:blip>
+          <a:srcRect t="26207"/>
+          <a:stretch/>
+        </p:blipFill>
+        <p:spPr>
+          <a:xfrm>
+            <a:off x="2344139" y="2267712"/>
+            <a:ext cx="7503717" cy="4152895"/>
+          </a:xfrm>
+          <a:prstGeom prst="rect">
+            <a:avLst/>
+          </a:prstGeom>
+        </p:spPr>
+      </p:pic>
       <p:sp>
         <p:nvSpPr>
           <p:cNvPr id="17" name="TextBox 16">
@@ -7020,8 +6830,8 @@
         </p:nvSpPr>
         <p:spPr>
           <a:xfrm>
-            <a:off x="1428877" y="437393"/>
-            <a:ext cx="1358064" cy="584775"/>
+            <a:off x="971218" y="437393"/>
+            <a:ext cx="1358065" cy="584775"/>
           </a:xfrm>
           <a:prstGeom prst="rect">
             <a:avLst/>
@@ -7040,8 +6850,7 @@
                 <a:solidFill>
                   <a:srgbClr val="00002F"/>
                 </a:solidFill>
-                <a:latin typeface="나눔스퀘어 ExtraBold" panose="020B0600000101010101" pitchFamily="50" charset="-127"/>
-                <a:ea typeface="나눔스퀘어 ExtraBold" panose="020B0600000101010101" pitchFamily="50" charset="-127"/>
+                <a:latin typeface="+mn-ea"/>
               </a:rPr>
               <a:t>팀소개</a:t>
             </a:r>
@@ -7049,8 +6858,7 @@
               <a:solidFill>
                 <a:srgbClr val="00002F"/>
               </a:solidFill>
-              <a:latin typeface="나눔스퀘어 ExtraBold" panose="020B0600000101010101" pitchFamily="50" charset="-127"/>
-              <a:ea typeface="나눔스퀘어 ExtraBold" panose="020B0600000101010101" pitchFamily="50" charset="-127"/>
+              <a:latin typeface="+mn-ea"/>
             </a:endParaRPr>
           </a:p>
         </p:txBody>
@@ -7063,8 +6871,8 @@
         </p:nvSpPr>
         <p:spPr>
           <a:xfrm>
-            <a:off x="455532" y="498947"/>
-            <a:ext cx="614271" cy="461665"/>
+            <a:off x="495607" y="498947"/>
+            <a:ext cx="534121" cy="461665"/>
           </a:xfrm>
           <a:prstGeom prst="rect">
             <a:avLst/>
@@ -7083,8 +6891,7 @@
                 <a:solidFill>
                   <a:srgbClr val="00002F"/>
                 </a:solidFill>
-                <a:latin typeface="나눔스퀘어 ExtraBold" panose="020B0600000101010101" pitchFamily="50" charset="-127"/>
-                <a:ea typeface="나눔스퀘어 ExtraBold" panose="020B0600000101010101" pitchFamily="50" charset="-127"/>
+                <a:latin typeface="+mn-ea"/>
               </a:rPr>
               <a:t>01.</a:t>
             </a:r>
@@ -7092,8 +6899,7 @@
               <a:solidFill>
                 <a:srgbClr val="00002F"/>
               </a:solidFill>
-              <a:latin typeface="나눔스퀘어 ExtraBold" panose="020B0600000101010101" pitchFamily="50" charset="-127"/>
-              <a:ea typeface="나눔스퀘어 ExtraBold" panose="020B0600000101010101" pitchFamily="50" charset="-127"/>
+              <a:latin typeface="+mn-ea"/>
             </a:endParaRPr>
           </a:p>
         </p:txBody>
@@ -7365,52 +7171,6 @@
           </a:fontRef>
         </p:style>
       </p:cxnSp>
-      <p:sp>
-        <p:nvSpPr>
-          <p:cNvPr id="16" name="직사각형 15">
-            <a:extLst>
-              <a:ext uri="{FF2B5EF4-FFF2-40B4-BE49-F238E27FC236}">
-                <a16:creationId xmlns:a16="http://schemas.microsoft.com/office/drawing/2014/main" id="{0CF73D16-505A-4ADE-9D97-D9D32ACDD458}"/>
-              </a:ext>
-            </a:extLst>
-          </p:cNvPr>
-          <p:cNvSpPr/>
-          <p:nvPr/>
-        </p:nvSpPr>
-        <p:spPr>
-          <a:xfrm>
-            <a:off x="1738311" y="2323748"/>
-            <a:ext cx="8715375" cy="4096859"/>
-          </a:xfrm>
-          <a:prstGeom prst="rect">
-            <a:avLst/>
-          </a:prstGeom>
-        </p:spPr>
-        <p:style>
-          <a:lnRef idx="2">
-            <a:schemeClr val="accent1">
-              <a:shade val="50000"/>
-            </a:schemeClr>
-          </a:lnRef>
-          <a:fillRef idx="1">
-            <a:schemeClr val="accent1"/>
-          </a:fillRef>
-          <a:effectRef idx="0">
-            <a:schemeClr val="accent1"/>
-          </a:effectRef>
-          <a:fontRef idx="minor">
-            <a:schemeClr val="lt1"/>
-          </a:fontRef>
-        </p:style>
-        <p:txBody>
-          <a:bodyPr rtlCol="0" anchor="ctr"/>
-          <a:lstStyle/>
-          <a:p>
-            <a:pPr algn="ctr"/>
-            <a:endParaRPr lang="ko-KR" altLang="en-US"/>
-          </a:p>
-        </p:txBody>
-      </p:sp>
       <p:sp>
         <p:nvSpPr>
           <p:cNvPr id="11" name="TextBox 10"/>
@@ -7627,6 +7387,222 @@
           <a:chExt cx="0" cy="0"/>
         </a:xfrm>
       </p:grpSpPr>
+      <p:pic>
+        <p:nvPicPr>
+          <p:cNvPr id="47" name="그림 46">
+            <a:extLst>
+              <a:ext uri="{FF2B5EF4-FFF2-40B4-BE49-F238E27FC236}">
+                <a16:creationId xmlns:a16="http://schemas.microsoft.com/office/drawing/2014/main" id="{504B8FA2-1C0B-4103-8EF7-5D52A733ACFC}"/>
+              </a:ext>
+            </a:extLst>
+          </p:cNvPr>
+          <p:cNvPicPr>
+            <a:picLocks noChangeAspect="1"/>
+          </p:cNvPicPr>
+          <p:nvPr/>
+        </p:nvPicPr>
+        <p:blipFill rotWithShape="1">
+          <a:blip r:embed="rId2">
+            <a:extLst>
+              <a:ext uri="{28A0092B-C50C-407E-A947-70E740481C1C}">
+                <a14:useLocalDpi xmlns:a14="http://schemas.microsoft.com/office/drawing/2010/main" val="0"/>
+              </a:ext>
+            </a:extLst>
+          </a:blip>
+          <a:srcRect l="1" t="53783" r="78410" b="17431"/>
+          <a:stretch/>
+        </p:blipFill>
+        <p:spPr>
+          <a:xfrm>
+            <a:off x="6817479" y="4381847"/>
+            <a:ext cx="1620000" cy="1620001"/>
+          </a:xfrm>
+          <a:prstGeom prst="rect">
+            <a:avLst/>
+          </a:prstGeom>
+        </p:spPr>
+      </p:pic>
+      <p:pic>
+        <p:nvPicPr>
+          <p:cNvPr id="46" name="그림 45">
+            <a:extLst>
+              <a:ext uri="{FF2B5EF4-FFF2-40B4-BE49-F238E27FC236}">
+                <a16:creationId xmlns:a16="http://schemas.microsoft.com/office/drawing/2014/main" id="{CE93136D-4717-468F-BA8B-D1C6E6D227ED}"/>
+              </a:ext>
+            </a:extLst>
+          </p:cNvPr>
+          <p:cNvPicPr>
+            <a:picLocks noChangeAspect="1"/>
+          </p:cNvPicPr>
+          <p:nvPr/>
+        </p:nvPicPr>
+        <p:blipFill rotWithShape="1">
+          <a:blip r:embed="rId2">
+            <a:extLst>
+              <a:ext uri="{28A0092B-C50C-407E-A947-70E740481C1C}">
+                <a14:useLocalDpi xmlns:a14="http://schemas.microsoft.com/office/drawing/2010/main" val="0"/>
+              </a:ext>
+            </a:extLst>
+          </a:blip>
+          <a:srcRect l="59685" t="43530" r="18726" b="27684"/>
+          <a:stretch/>
+        </p:blipFill>
+        <p:spPr>
+          <a:xfrm>
+            <a:off x="6803956" y="2288953"/>
+            <a:ext cx="1620001" cy="1620001"/>
+          </a:xfrm>
+          <a:prstGeom prst="rect">
+            <a:avLst/>
+          </a:prstGeom>
+        </p:spPr>
+      </p:pic>
+      <p:pic>
+        <p:nvPicPr>
+          <p:cNvPr id="45" name="그림 44">
+            <a:extLst>
+              <a:ext uri="{FF2B5EF4-FFF2-40B4-BE49-F238E27FC236}">
+                <a16:creationId xmlns:a16="http://schemas.microsoft.com/office/drawing/2014/main" id="{2E72181B-95B3-4134-ADCA-DB65F99B0519}"/>
+              </a:ext>
+            </a:extLst>
+          </p:cNvPr>
+          <p:cNvPicPr>
+            <a:picLocks noChangeAspect="1"/>
+          </p:cNvPicPr>
+          <p:nvPr/>
+        </p:nvPicPr>
+        <p:blipFill rotWithShape="1">
+          <a:blip r:embed="rId3" cstate="print">
+            <a:extLst>
+              <a:ext uri="{28A0092B-C50C-407E-A947-70E740481C1C}">
+                <a14:useLocalDpi xmlns:a14="http://schemas.microsoft.com/office/drawing/2010/main" val="0"/>
+              </a:ext>
+            </a:extLst>
+          </a:blip>
+          <a:srcRect l="65313" t="31965" r="116" b="21939"/>
+          <a:stretch/>
+        </p:blipFill>
+        <p:spPr>
+          <a:xfrm>
+            <a:off x="1321712" y="4383168"/>
+            <a:ext cx="1620000" cy="1620001"/>
+          </a:xfrm>
+          <a:prstGeom prst="rect">
+            <a:avLst/>
+          </a:prstGeom>
+        </p:spPr>
+      </p:pic>
+      <p:pic>
+        <p:nvPicPr>
+          <p:cNvPr id="44" name="그림 43">
+            <a:extLst>
+              <a:ext uri="{FF2B5EF4-FFF2-40B4-BE49-F238E27FC236}">
+                <a16:creationId xmlns:a16="http://schemas.microsoft.com/office/drawing/2014/main" id="{1D766238-A45D-4B86-9A1F-4A9EB1FD7577}"/>
+              </a:ext>
+            </a:extLst>
+          </p:cNvPr>
+          <p:cNvPicPr>
+            <a:picLocks noChangeAspect="1"/>
+          </p:cNvPicPr>
+          <p:nvPr/>
+        </p:nvPicPr>
+        <p:blipFill rotWithShape="1">
+          <a:blip r:embed="rId2">
+            <a:extLst>
+              <a:ext uri="{28A0092B-C50C-407E-A947-70E740481C1C}">
+                <a14:useLocalDpi xmlns:a14="http://schemas.microsoft.com/office/drawing/2010/main" val="0"/>
+              </a:ext>
+            </a:extLst>
+          </a:blip>
+          <a:srcRect l="21422" t="36689" r="56989" b="34525"/>
+          <a:stretch/>
+        </p:blipFill>
+        <p:spPr>
+          <a:xfrm>
+            <a:off x="1331106" y="2299212"/>
+            <a:ext cx="1620000" cy="1620000"/>
+          </a:xfrm>
+          <a:prstGeom prst="rect">
+            <a:avLst/>
+          </a:prstGeom>
+        </p:spPr>
+      </p:pic>
+      <p:sp>
+        <p:nvSpPr>
+          <p:cNvPr id="48" name="TextBox 47">
+            <a:extLst>
+              <a:ext uri="{FF2B5EF4-FFF2-40B4-BE49-F238E27FC236}">
+                <a16:creationId xmlns:a16="http://schemas.microsoft.com/office/drawing/2014/main" id="{D8FB937A-5F41-461A-9C8F-5AFBBAFDB2D1}"/>
+              </a:ext>
+            </a:extLst>
+          </p:cNvPr>
+          <p:cNvSpPr txBox="1"/>
+          <p:nvPr/>
+        </p:nvSpPr>
+        <p:spPr>
+          <a:xfrm>
+            <a:off x="3080430" y="5644387"/>
+            <a:ext cx="1330814" cy="369332"/>
+          </a:xfrm>
+          <a:prstGeom prst="rect">
+            <a:avLst/>
+          </a:prstGeom>
+          <a:noFill/>
+        </p:spPr>
+        <p:txBody>
+          <a:bodyPr wrap="none" rtlCol="0">
+            <a:spAutoFit/>
+          </a:bodyPr>
+          <a:lstStyle/>
+          <a:p>
+            <a:r>
+              <a:rPr lang="ko-KR" altLang="en-US" dirty="0">
+                <a:solidFill>
+                  <a:schemeClr val="accent1">
+                    <a:lumMod val="50000"/>
+                  </a:schemeClr>
+                </a:solidFill>
+                <a:latin typeface="나눔바른고딕" panose="020B0603020101020101" pitchFamily="50" charset="-127"/>
+                <a:ea typeface="나눔바른고딕" panose="020B0603020101020101" pitchFamily="50" charset="-127"/>
+              </a:rPr>
+              <a:t>이름</a:t>
+            </a:r>
+            <a:r>
+              <a:rPr lang="en-US" altLang="ko-KR" dirty="0">
+                <a:solidFill>
+                  <a:schemeClr val="accent1">
+                    <a:lumMod val="50000"/>
+                  </a:schemeClr>
+                </a:solidFill>
+                <a:latin typeface="나눔바른고딕" panose="020B0603020101020101" pitchFamily="50" charset="-127"/>
+                <a:ea typeface="나눔바른고딕" panose="020B0603020101020101" pitchFamily="50" charset="-127"/>
+              </a:rPr>
+              <a:t>:</a:t>
+            </a:r>
+            <a:r>
+              <a:rPr lang="ko-KR" altLang="en-US" dirty="0">
+                <a:solidFill>
+                  <a:schemeClr val="accent1">
+                    <a:lumMod val="50000"/>
+                  </a:schemeClr>
+                </a:solidFill>
+                <a:latin typeface="나눔바른고딕" panose="020B0603020101020101" pitchFamily="50" charset="-127"/>
+                <a:ea typeface="나눔바른고딕" panose="020B0603020101020101" pitchFamily="50" charset="-127"/>
+              </a:rPr>
+              <a:t> 박준수</a:t>
+            </a:r>
+            <a:endParaRPr lang="en-US" altLang="ko-KR" dirty="0">
+              <a:solidFill>
+                <a:schemeClr val="accent1">
+                  <a:lumMod val="50000"/>
+                </a:schemeClr>
+              </a:solidFill>
+              <a:latin typeface="나눔바른고딕" panose="020B0603020101020101" pitchFamily="50" charset="-127"/>
+              <a:ea typeface="나눔바른고딕" panose="020B0603020101020101" pitchFamily="50" charset="-127"/>
+            </a:endParaRPr>
+          </a:p>
+        </p:txBody>
+      </p:sp>
       <p:grpSp>
         <p:nvGrpSpPr>
           <p:cNvPr id="34" name="그룹 33">
@@ -7641,154 +7617,88 @@
         </p:nvGrpSpPr>
         <p:grpSpPr>
           <a:xfrm>
-            <a:off x="6813529" y="4383168"/>
-            <a:ext cx="4136113" cy="1738687"/>
-            <a:chOff x="1321712" y="2286112"/>
-            <a:chExt cx="4136113" cy="1738687"/>
+            <a:off x="6813529" y="5644387"/>
+            <a:ext cx="4136113" cy="477468"/>
+            <a:chOff x="1321712" y="3547331"/>
+            <a:chExt cx="4136113" cy="477468"/>
           </a:xfrm>
         </p:grpSpPr>
-        <p:grpSp>
-          <p:nvGrpSpPr>
-            <p:cNvPr id="35" name="그룹 34">
+        <p:sp>
+          <p:nvSpPr>
+            <p:cNvPr id="38" name="TextBox 37">
               <a:extLst>
                 <a:ext uri="{FF2B5EF4-FFF2-40B4-BE49-F238E27FC236}">
-                  <a16:creationId xmlns:a16="http://schemas.microsoft.com/office/drawing/2014/main" id="{CA4B1B85-3D24-4DD0-BDF0-582E8D80CFEB}"/>
+                  <a16:creationId xmlns:a16="http://schemas.microsoft.com/office/drawing/2014/main" id="{E05F94FE-3E30-4395-9F1A-4364BFD5ADEB}"/>
                 </a:ext>
               </a:extLst>
             </p:cNvPr>
-            <p:cNvGrpSpPr/>
+            <p:cNvSpPr txBox="1"/>
             <p:nvPr/>
-          </p:nvGrpSpPr>
-          <p:grpSpPr>
+          </p:nvSpPr>
+          <p:spPr>
             <a:xfrm>
-              <a:off x="1321712" y="2286112"/>
-              <a:ext cx="2431338" cy="1620000"/>
-              <a:chOff x="918259" y="2529000"/>
-              <a:chExt cx="2431338" cy="1620000"/>
+              <a:off x="3055423" y="3547331"/>
+              <a:ext cx="1330814" cy="369332"/>
             </a:xfrm>
-          </p:grpSpPr>
-          <p:sp>
-            <p:nvSpPr>
-              <p:cNvPr id="37" name="직사각형 36">
-                <a:extLst>
-                  <a:ext uri="{FF2B5EF4-FFF2-40B4-BE49-F238E27FC236}">
-                    <a16:creationId xmlns:a16="http://schemas.microsoft.com/office/drawing/2014/main" id="{FE4F143C-4778-4DD3-A7DC-CFC28A166B09}"/>
-                  </a:ext>
-                </a:extLst>
-              </p:cNvPr>
-              <p:cNvSpPr>
-                <a:spLocks noChangeAspect="1"/>
-              </p:cNvSpPr>
-              <p:nvPr/>
-            </p:nvSpPr>
-            <p:spPr>
-              <a:xfrm>
-                <a:off x="918259" y="2529000"/>
-                <a:ext cx="1620000" cy="1620000"/>
-              </a:xfrm>
-              <a:prstGeom prst="rect">
-                <a:avLst/>
-              </a:prstGeom>
-            </p:spPr>
-            <p:style>
-              <a:lnRef idx="2">
-                <a:schemeClr val="accent1">
-                  <a:shade val="50000"/>
-                </a:schemeClr>
-              </a:lnRef>
-              <a:fillRef idx="1">
-                <a:schemeClr val="accent1"/>
-              </a:fillRef>
-              <a:effectRef idx="0">
-                <a:schemeClr val="accent1"/>
-              </a:effectRef>
-              <a:fontRef idx="minor">
-                <a:schemeClr val="lt1"/>
-              </a:fontRef>
-            </p:style>
-            <p:txBody>
-              <a:bodyPr rtlCol="0" anchor="ctr"/>
-              <a:lstStyle/>
-              <a:p>
-                <a:pPr algn="ctr"/>
-                <a:endParaRPr lang="ko-KR" altLang="en-US" dirty="0"/>
-              </a:p>
-            </p:txBody>
-          </p:sp>
-          <p:sp>
-            <p:nvSpPr>
-              <p:cNvPr id="38" name="TextBox 37">
-                <a:extLst>
-                  <a:ext uri="{FF2B5EF4-FFF2-40B4-BE49-F238E27FC236}">
-                    <a16:creationId xmlns:a16="http://schemas.microsoft.com/office/drawing/2014/main" id="{E05F94FE-3E30-4395-9F1A-4364BFD5ADEB}"/>
-                  </a:ext>
-                </a:extLst>
-              </p:cNvPr>
-              <p:cNvSpPr txBox="1"/>
-              <p:nvPr/>
-            </p:nvSpPr>
-            <p:spPr>
-              <a:xfrm>
-                <a:off x="2651970" y="3502669"/>
-                <a:ext cx="697627" cy="646331"/>
-              </a:xfrm>
-              <a:prstGeom prst="rect">
-                <a:avLst/>
-              </a:prstGeom>
-              <a:noFill/>
-            </p:spPr>
-            <p:txBody>
-              <a:bodyPr wrap="none" rtlCol="0">
-                <a:spAutoFit/>
-              </a:bodyPr>
-              <a:lstStyle/>
-              <a:p>
-                <a:r>
-                  <a:rPr lang="ko-KR" altLang="en-US" dirty="0">
-                    <a:solidFill>
-                      <a:schemeClr val="accent1">
-                        <a:lumMod val="50000"/>
-                      </a:schemeClr>
-                    </a:solidFill>
-                  </a:rPr>
-                  <a:t>이름</a:t>
-                </a:r>
-                <a:r>
-                  <a:rPr lang="en-US" altLang="ko-KR" dirty="0">
-                    <a:solidFill>
-                      <a:schemeClr val="accent1">
-                        <a:lumMod val="50000"/>
-                      </a:schemeClr>
-                    </a:solidFill>
-                  </a:rPr>
-                  <a:t>:</a:t>
-                </a:r>
-              </a:p>
-              <a:p>
-                <a:r>
-                  <a:rPr lang="ko-KR" altLang="en-US" dirty="0">
-                    <a:solidFill>
-                      <a:schemeClr val="accent1">
-                        <a:lumMod val="50000"/>
-                      </a:schemeClr>
-                    </a:solidFill>
-                  </a:rPr>
-                  <a:t>담당</a:t>
-                </a:r>
-                <a:r>
-                  <a:rPr lang="en-US" altLang="ko-KR" dirty="0">
-                    <a:solidFill>
-                      <a:schemeClr val="accent1">
-                        <a:lumMod val="50000"/>
-                      </a:schemeClr>
-                    </a:solidFill>
-                  </a:rPr>
-                  <a:t>:</a:t>
-                </a:r>
-              </a:p>
-            </p:txBody>
-          </p:sp>
-        </p:grpSp>
+            <a:prstGeom prst="rect">
+              <a:avLst/>
+            </a:prstGeom>
+            <a:noFill/>
+          </p:spPr>
+          <p:txBody>
+            <a:bodyPr wrap="none" rtlCol="0">
+              <a:spAutoFit/>
+            </a:bodyPr>
+            <a:lstStyle/>
+            <a:p>
+              <a:r>
+                <a:rPr lang="ko-KR" altLang="en-US" dirty="0">
+                  <a:solidFill>
+                    <a:schemeClr val="accent1">
+                      <a:lumMod val="50000"/>
+                    </a:schemeClr>
+                  </a:solidFill>
+                  <a:latin typeface="나눔바른고딕" panose="020B0603020101020101" pitchFamily="50" charset="-127"/>
+                  <a:ea typeface="나눔바른고딕" panose="020B0603020101020101" pitchFamily="50" charset="-127"/>
+                </a:rPr>
+                <a:t>이름</a:t>
+              </a:r>
+              <a:r>
+                <a:rPr lang="en-US" altLang="ko-KR" dirty="0">
+                  <a:solidFill>
+                    <a:schemeClr val="accent1">
+                      <a:lumMod val="50000"/>
+                    </a:schemeClr>
+                  </a:solidFill>
+                  <a:latin typeface="나눔바른고딕" panose="020B0603020101020101" pitchFamily="50" charset="-127"/>
+                  <a:ea typeface="나눔바른고딕" panose="020B0603020101020101" pitchFamily="50" charset="-127"/>
+                </a:rPr>
+                <a:t>: </a:t>
+              </a:r>
+              <a:r>
+                <a:rPr lang="ko-KR" altLang="en-US" dirty="0">
+                  <a:solidFill>
+                    <a:schemeClr val="accent1">
+                      <a:lumMod val="50000"/>
+                    </a:schemeClr>
+                  </a:solidFill>
+                  <a:latin typeface="나눔바른고딕" panose="020B0603020101020101" pitchFamily="50" charset="-127"/>
+                  <a:ea typeface="나눔바른고딕" panose="020B0603020101020101" pitchFamily="50" charset="-127"/>
+                </a:rPr>
+                <a:t>유송은</a:t>
+              </a:r>
+              <a:endParaRPr lang="en-US" altLang="ko-KR" dirty="0">
+                <a:solidFill>
+                  <a:schemeClr val="accent1">
+                    <a:lumMod val="50000"/>
+                  </a:schemeClr>
+                </a:solidFill>
+                <a:latin typeface="나눔바른고딕" panose="020B0603020101020101" pitchFamily="50" charset="-127"/>
+                <a:ea typeface="나눔바른고딕" panose="020B0603020101020101" pitchFamily="50" charset="-127"/>
+              </a:endParaRPr>
+            </a:p>
+          </p:txBody>
+        </p:sp>
         <p:cxnSp>
           <p:nvCxnSpPr>
             <p:cNvPr id="36" name="직선 연결선 35">
@@ -7849,154 +7759,79 @@
         </p:nvGrpSpPr>
         <p:grpSpPr>
           <a:xfrm>
-            <a:off x="6813350" y="2286112"/>
-            <a:ext cx="4136113" cy="1738687"/>
-            <a:chOff x="1321712" y="2286112"/>
-            <a:chExt cx="4136113" cy="1738687"/>
+            <a:off x="6813350" y="3557660"/>
+            <a:ext cx="4136113" cy="467139"/>
+            <a:chOff x="1321712" y="3557660"/>
+            <a:chExt cx="4136113" cy="467139"/>
           </a:xfrm>
         </p:grpSpPr>
-        <p:grpSp>
-          <p:nvGrpSpPr>
-            <p:cNvPr id="40" name="그룹 39">
+        <p:sp>
+          <p:nvSpPr>
+            <p:cNvPr id="43" name="TextBox 42">
               <a:extLst>
                 <a:ext uri="{FF2B5EF4-FFF2-40B4-BE49-F238E27FC236}">
-                  <a16:creationId xmlns:a16="http://schemas.microsoft.com/office/drawing/2014/main" id="{BD651705-01BD-401B-B68B-5654C06EF41B}"/>
+                  <a16:creationId xmlns:a16="http://schemas.microsoft.com/office/drawing/2014/main" id="{FDD52CE9-6005-4D0B-9D5D-6DF49EFF64B5}"/>
                 </a:ext>
               </a:extLst>
             </p:cNvPr>
-            <p:cNvGrpSpPr/>
+            <p:cNvSpPr txBox="1"/>
             <p:nvPr/>
-          </p:nvGrpSpPr>
-          <p:grpSpPr>
+          </p:nvSpPr>
+          <p:spPr>
             <a:xfrm>
-              <a:off x="1321712" y="2286112"/>
-              <a:ext cx="2431338" cy="1620000"/>
-              <a:chOff x="918259" y="2529000"/>
-              <a:chExt cx="2431338" cy="1620000"/>
+              <a:off x="3055423" y="3557660"/>
+              <a:ext cx="1330814" cy="369332"/>
             </a:xfrm>
-          </p:grpSpPr>
-          <p:sp>
-            <p:nvSpPr>
-              <p:cNvPr id="42" name="직사각형 41">
-                <a:extLst>
-                  <a:ext uri="{FF2B5EF4-FFF2-40B4-BE49-F238E27FC236}">
-                    <a16:creationId xmlns:a16="http://schemas.microsoft.com/office/drawing/2014/main" id="{9632DDF1-C444-457F-AADE-EF3E4691FF04}"/>
-                  </a:ext>
-                </a:extLst>
-              </p:cNvPr>
-              <p:cNvSpPr>
-                <a:spLocks noChangeAspect="1"/>
-              </p:cNvSpPr>
-              <p:nvPr/>
-            </p:nvSpPr>
-            <p:spPr>
-              <a:xfrm>
-                <a:off x="918259" y="2529000"/>
-                <a:ext cx="1620000" cy="1620000"/>
-              </a:xfrm>
-              <a:prstGeom prst="rect">
-                <a:avLst/>
-              </a:prstGeom>
-            </p:spPr>
-            <p:style>
-              <a:lnRef idx="2">
-                <a:schemeClr val="accent1">
-                  <a:shade val="50000"/>
-                </a:schemeClr>
-              </a:lnRef>
-              <a:fillRef idx="1">
-                <a:schemeClr val="accent1"/>
-              </a:fillRef>
-              <a:effectRef idx="0">
-                <a:schemeClr val="accent1"/>
-              </a:effectRef>
-              <a:fontRef idx="minor">
-                <a:schemeClr val="lt1"/>
-              </a:fontRef>
-            </p:style>
-            <p:txBody>
-              <a:bodyPr rtlCol="0" anchor="ctr"/>
-              <a:lstStyle/>
-              <a:p>
-                <a:pPr algn="ctr"/>
-                <a:endParaRPr lang="ko-KR" altLang="en-US" dirty="0"/>
-              </a:p>
-            </p:txBody>
-          </p:sp>
-          <p:sp>
-            <p:nvSpPr>
-              <p:cNvPr id="43" name="TextBox 42">
-                <a:extLst>
-                  <a:ext uri="{FF2B5EF4-FFF2-40B4-BE49-F238E27FC236}">
-                    <a16:creationId xmlns:a16="http://schemas.microsoft.com/office/drawing/2014/main" id="{FDD52CE9-6005-4D0B-9D5D-6DF49EFF64B5}"/>
-                  </a:ext>
-                </a:extLst>
-              </p:cNvPr>
-              <p:cNvSpPr txBox="1"/>
-              <p:nvPr/>
-            </p:nvSpPr>
-            <p:spPr>
-              <a:xfrm>
-                <a:off x="2651970" y="3502669"/>
-                <a:ext cx="697627" cy="646331"/>
-              </a:xfrm>
-              <a:prstGeom prst="rect">
-                <a:avLst/>
-              </a:prstGeom>
-              <a:noFill/>
-            </p:spPr>
-            <p:txBody>
-              <a:bodyPr wrap="none" rtlCol="0">
-                <a:spAutoFit/>
-              </a:bodyPr>
-              <a:lstStyle/>
-              <a:p>
-                <a:r>
-                  <a:rPr lang="ko-KR" altLang="en-US" dirty="0">
-                    <a:solidFill>
-                      <a:schemeClr val="accent1">
-                        <a:lumMod val="50000"/>
-                      </a:schemeClr>
-                    </a:solidFill>
-                  </a:rPr>
-                  <a:t>이름</a:t>
-                </a:r>
-                <a:r>
-                  <a:rPr lang="en-US" altLang="ko-KR" dirty="0">
-                    <a:solidFill>
-                      <a:schemeClr val="accent1">
-                        <a:lumMod val="50000"/>
-                      </a:schemeClr>
-                    </a:solidFill>
-                  </a:rPr>
-                  <a:t>:</a:t>
-                </a:r>
-              </a:p>
-              <a:p>
-                <a:r>
-                  <a:rPr lang="ko-KR" altLang="en-US" dirty="0">
-                    <a:solidFill>
-                      <a:schemeClr val="accent1">
-                        <a:lumMod val="50000"/>
-                      </a:schemeClr>
-                    </a:solidFill>
-                  </a:rPr>
-                  <a:t>담당</a:t>
-                </a:r>
-                <a:r>
-                  <a:rPr lang="en-US" altLang="ko-KR" dirty="0">
-                    <a:solidFill>
-                      <a:schemeClr val="accent1">
-                        <a:lumMod val="50000"/>
-                      </a:schemeClr>
-                    </a:solidFill>
-                  </a:rPr>
-                  <a:t>:</a:t>
-                </a:r>
-              </a:p>
-            </p:txBody>
-          </p:sp>
-        </p:grpSp>
+            <a:prstGeom prst="rect">
+              <a:avLst/>
+            </a:prstGeom>
+            <a:noFill/>
+          </p:spPr>
+          <p:txBody>
+            <a:bodyPr wrap="none" rtlCol="0">
+              <a:spAutoFit/>
+            </a:bodyPr>
+            <a:lstStyle/>
+            <a:p>
+              <a:r>
+                <a:rPr lang="ko-KR" altLang="en-US" dirty="0">
+                  <a:solidFill>
+                    <a:schemeClr val="accent1">
+                      <a:lumMod val="50000"/>
+                    </a:schemeClr>
+                  </a:solidFill>
+                  <a:latin typeface="나눔바른고딕" panose="020B0603020101020101" pitchFamily="50" charset="-127"/>
+                  <a:ea typeface="나눔바른고딕" panose="020B0603020101020101" pitchFamily="50" charset="-127"/>
+                </a:rPr>
+                <a:t>이름</a:t>
+              </a:r>
+              <a:r>
+                <a:rPr lang="en-US" altLang="ko-KR" dirty="0">
+                  <a:solidFill>
+                    <a:schemeClr val="accent1">
+                      <a:lumMod val="50000"/>
+                    </a:schemeClr>
+                  </a:solidFill>
+                  <a:latin typeface="나눔바른고딕" panose="020B0603020101020101" pitchFamily="50" charset="-127"/>
+                  <a:ea typeface="나눔바른고딕" panose="020B0603020101020101" pitchFamily="50" charset="-127"/>
+                </a:rPr>
+                <a:t>: </a:t>
+              </a:r>
+              <a:r>
+                <a:rPr lang="ko-KR" altLang="en-US" dirty="0">
+                  <a:solidFill>
+                    <a:schemeClr val="accent1">
+                      <a:lumMod val="50000"/>
+                    </a:schemeClr>
+                  </a:solidFill>
+                  <a:latin typeface="나눔바른고딕" panose="020B0603020101020101" pitchFamily="50" charset="-127"/>
+                  <a:ea typeface="나눔바른고딕" panose="020B0603020101020101" pitchFamily="50" charset="-127"/>
+                </a:rPr>
+                <a:t>김동영</a:t>
+              </a:r>
+            </a:p>
+          </p:txBody>
+        </p:sp>
         <p:cxnSp>
           <p:nvCxnSpPr>
             <p:cNvPr id="41" name="직선 연결선 40">
@@ -8043,214 +7878,51 @@
           </p:style>
         </p:cxnSp>
       </p:grpSp>
-      <p:grpSp>
-        <p:nvGrpSpPr>
-          <p:cNvPr id="29" name="그룹 28">
+      <p:cxnSp>
+        <p:nvCxnSpPr>
+          <p:cNvPr id="31" name="직선 연결선 30">
             <a:extLst>
               <a:ext uri="{FF2B5EF4-FFF2-40B4-BE49-F238E27FC236}">
-                <a16:creationId xmlns:a16="http://schemas.microsoft.com/office/drawing/2014/main" id="{DC151F7B-5386-4E42-9E12-333BB6553287}"/>
+                <a16:creationId xmlns:a16="http://schemas.microsoft.com/office/drawing/2014/main" id="{411886A1-5E1A-4561-8D93-BE3B1EBE3201}"/>
               </a:ext>
             </a:extLst>
           </p:cNvPr>
-          <p:cNvGrpSpPr/>
-          <p:nvPr/>
-        </p:nvGrpSpPr>
-        <p:grpSpPr>
-          <a:xfrm>
-            <a:off x="1321891" y="4383168"/>
-            <a:ext cx="4136113" cy="1738687"/>
-            <a:chOff x="1321712" y="2286112"/>
-            <a:chExt cx="4136113" cy="1738687"/>
-          </a:xfrm>
-        </p:grpSpPr>
-        <p:grpSp>
-          <p:nvGrpSpPr>
-            <p:cNvPr id="30" name="그룹 29">
-              <a:extLst>
-                <a:ext uri="{FF2B5EF4-FFF2-40B4-BE49-F238E27FC236}">
-                  <a16:creationId xmlns:a16="http://schemas.microsoft.com/office/drawing/2014/main" id="{8E10590E-3FC6-4EA7-A46B-E9DBDE87BED1}"/>
-                </a:ext>
-              </a:extLst>
-            </p:cNvPr>
-            <p:cNvGrpSpPr/>
-            <p:nvPr/>
-          </p:nvGrpSpPr>
-          <p:grpSpPr>
-            <a:xfrm>
-              <a:off x="1321712" y="2286112"/>
-              <a:ext cx="2431338" cy="1620000"/>
-              <a:chOff x="918259" y="2529000"/>
-              <a:chExt cx="2431338" cy="1620000"/>
-            </a:xfrm>
-          </p:grpSpPr>
-          <p:sp>
-            <p:nvSpPr>
-              <p:cNvPr id="32" name="직사각형 31">
-                <a:extLst>
-                  <a:ext uri="{FF2B5EF4-FFF2-40B4-BE49-F238E27FC236}">
-                    <a16:creationId xmlns:a16="http://schemas.microsoft.com/office/drawing/2014/main" id="{82F6CF89-41F5-4500-A802-9656CC019CD7}"/>
-                  </a:ext>
-                </a:extLst>
-              </p:cNvPr>
-              <p:cNvSpPr>
-                <a:spLocks noChangeAspect="1"/>
-              </p:cNvSpPr>
-              <p:nvPr/>
-            </p:nvSpPr>
-            <p:spPr>
-              <a:xfrm>
-                <a:off x="918259" y="2529000"/>
-                <a:ext cx="1620000" cy="1620000"/>
-              </a:xfrm>
-              <a:prstGeom prst="rect">
-                <a:avLst/>
-              </a:prstGeom>
-            </p:spPr>
-            <p:style>
-              <a:lnRef idx="2">
-                <a:schemeClr val="accent1">
-                  <a:shade val="50000"/>
-                </a:schemeClr>
-              </a:lnRef>
-              <a:fillRef idx="1">
-                <a:schemeClr val="accent1"/>
-              </a:fillRef>
-              <a:effectRef idx="0">
-                <a:schemeClr val="accent1"/>
-              </a:effectRef>
-              <a:fontRef idx="minor">
-                <a:schemeClr val="lt1"/>
-              </a:fontRef>
-            </p:style>
-            <p:txBody>
-              <a:bodyPr rtlCol="0" anchor="ctr"/>
-              <a:lstStyle/>
-              <a:p>
-                <a:pPr algn="ctr"/>
-                <a:endParaRPr lang="ko-KR" altLang="en-US" dirty="0"/>
-              </a:p>
-            </p:txBody>
-          </p:sp>
-          <p:sp>
-            <p:nvSpPr>
-              <p:cNvPr id="33" name="TextBox 32">
-                <a:extLst>
-                  <a:ext uri="{FF2B5EF4-FFF2-40B4-BE49-F238E27FC236}">
-                    <a16:creationId xmlns:a16="http://schemas.microsoft.com/office/drawing/2014/main" id="{172AF78D-8501-442A-929A-BF18216691BD}"/>
-                  </a:ext>
-                </a:extLst>
-              </p:cNvPr>
-              <p:cNvSpPr txBox="1"/>
-              <p:nvPr/>
-            </p:nvSpPr>
-            <p:spPr>
-              <a:xfrm>
-                <a:off x="2651970" y="3502669"/>
-                <a:ext cx="697627" cy="646331"/>
-              </a:xfrm>
-              <a:prstGeom prst="rect">
-                <a:avLst/>
-              </a:prstGeom>
-              <a:noFill/>
-            </p:spPr>
-            <p:txBody>
-              <a:bodyPr wrap="none" rtlCol="0">
-                <a:spAutoFit/>
-              </a:bodyPr>
-              <a:lstStyle/>
-              <a:p>
-                <a:r>
-                  <a:rPr lang="ko-KR" altLang="en-US" dirty="0">
-                    <a:solidFill>
-                      <a:schemeClr val="accent1">
-                        <a:lumMod val="50000"/>
-                      </a:schemeClr>
-                    </a:solidFill>
-                  </a:rPr>
-                  <a:t>이름</a:t>
-                </a:r>
-                <a:r>
-                  <a:rPr lang="en-US" altLang="ko-KR" dirty="0">
-                    <a:solidFill>
-                      <a:schemeClr val="accent1">
-                        <a:lumMod val="50000"/>
-                      </a:schemeClr>
-                    </a:solidFill>
-                  </a:rPr>
-                  <a:t>:</a:t>
-                </a:r>
-              </a:p>
-              <a:p>
-                <a:r>
-                  <a:rPr lang="ko-KR" altLang="en-US" dirty="0">
-                    <a:solidFill>
-                      <a:schemeClr val="accent1">
-                        <a:lumMod val="50000"/>
-                      </a:schemeClr>
-                    </a:solidFill>
-                  </a:rPr>
-                  <a:t>담당</a:t>
-                </a:r>
-                <a:r>
-                  <a:rPr lang="en-US" altLang="ko-KR" dirty="0">
-                    <a:solidFill>
-                      <a:schemeClr val="accent1">
-                        <a:lumMod val="50000"/>
-                      </a:schemeClr>
-                    </a:solidFill>
-                  </a:rPr>
-                  <a:t>:</a:t>
-                </a:r>
-              </a:p>
-            </p:txBody>
-          </p:sp>
-        </p:grpSp>
-        <p:cxnSp>
-          <p:nvCxnSpPr>
-            <p:cNvPr id="31" name="직선 연결선 30">
-              <a:extLst>
-                <a:ext uri="{FF2B5EF4-FFF2-40B4-BE49-F238E27FC236}">
-                  <a16:creationId xmlns:a16="http://schemas.microsoft.com/office/drawing/2014/main" id="{411886A1-5E1A-4561-8D93-BE3B1EBE3201}"/>
-                </a:ext>
-              </a:extLst>
-            </p:cNvPr>
-            <p:cNvCxnSpPr>
-              <a:cxnSpLocks/>
-            </p:cNvCxnSpPr>
-            <p:nvPr/>
-          </p:nvCxnSpPr>
-          <p:spPr>
-            <a:xfrm flipV="1">
-              <a:off x="1321712" y="4014787"/>
-              <a:ext cx="4136113" cy="10012"/>
-            </a:xfrm>
-            <a:prstGeom prst="line">
-              <a:avLst/>
-            </a:prstGeom>
-            <a:ln w="50800">
-              <a:solidFill>
-                <a:schemeClr val="tx2">
-                  <a:lumMod val="75000"/>
-                </a:schemeClr>
-              </a:solidFill>
-            </a:ln>
-          </p:spPr>
-          <p:style>
-            <a:lnRef idx="1">
-              <a:schemeClr val="accent1"/>
-            </a:lnRef>
-            <a:fillRef idx="0">
-              <a:schemeClr val="accent1"/>
-            </a:fillRef>
-            <a:effectRef idx="0">
-              <a:schemeClr val="accent1"/>
-            </a:effectRef>
-            <a:fontRef idx="minor">
-              <a:schemeClr val="tx1"/>
-            </a:fontRef>
-          </p:style>
-        </p:cxnSp>
-      </p:grpSp>
+          <p:cNvCxnSpPr>
+            <a:cxnSpLocks/>
+          </p:cNvCxnSpPr>
+          <p:nvPr/>
+        </p:nvCxnSpPr>
+        <p:spPr>
+          <a:xfrm flipV="1">
+            <a:off x="1321891" y="6111843"/>
+            <a:ext cx="4136113" cy="10012"/>
+          </a:xfrm>
+          <a:prstGeom prst="line">
+            <a:avLst/>
+          </a:prstGeom>
+          <a:ln w="50800">
+            <a:solidFill>
+              <a:schemeClr val="tx2">
+                <a:lumMod val="75000"/>
+              </a:schemeClr>
+            </a:solidFill>
+          </a:ln>
+        </p:spPr>
+        <p:style>
+          <a:lnRef idx="1">
+            <a:schemeClr val="accent1"/>
+          </a:lnRef>
+          <a:fillRef idx="0">
+            <a:schemeClr val="accent1"/>
+          </a:fillRef>
+          <a:effectRef idx="0">
+            <a:schemeClr val="accent1"/>
+          </a:effectRef>
+          <a:fontRef idx="minor">
+            <a:schemeClr val="tx1"/>
+          </a:fontRef>
+        </p:style>
+      </p:cxnSp>
       <p:cxnSp>
         <p:nvCxnSpPr>
           <p:cNvPr id="4" name="직선 연결선 3"/>
@@ -8290,14 +7962,14 @@
       </p:cxnSp>
       <p:sp>
         <p:nvSpPr>
-          <p:cNvPr id="5" name="TextBox 4"/>
+          <p:cNvPr id="12" name="TextBox 11"/>
           <p:cNvSpPr txBox="1"/>
           <p:nvPr/>
         </p:nvSpPr>
         <p:spPr>
           <a:xfrm>
-            <a:off x="1428877" y="437393"/>
-            <a:ext cx="1358064" cy="584775"/>
+            <a:off x="495607" y="498947"/>
+            <a:ext cx="534121" cy="461665"/>
           </a:xfrm>
           <a:prstGeom prst="rect">
             <a:avLst/>
@@ -8312,54 +7984,11 @@
           <a:p>
             <a:pPr algn="ctr"/>
             <a:r>
-              <a:rPr lang="ko-KR" altLang="en-US" sz="3200" spc="-150" dirty="0" err="1">
-                <a:solidFill>
-                  <a:srgbClr val="00002F"/>
-                </a:solidFill>
-                <a:latin typeface="나눔스퀘어 ExtraBold" panose="020B0600000101010101" pitchFamily="50" charset="-127"/>
-                <a:ea typeface="나눔스퀘어 ExtraBold" panose="020B0600000101010101" pitchFamily="50" charset="-127"/>
-              </a:rPr>
-              <a:t>팀소개</a:t>
-            </a:r>
-            <a:endParaRPr lang="ko-KR" altLang="en-US" sz="3200" spc="-150" dirty="0">
-              <a:solidFill>
-                <a:srgbClr val="00002F"/>
-              </a:solidFill>
-              <a:latin typeface="나눔스퀘어 ExtraBold" panose="020B0600000101010101" pitchFamily="50" charset="-127"/>
-              <a:ea typeface="나눔스퀘어 ExtraBold" panose="020B0600000101010101" pitchFamily="50" charset="-127"/>
-            </a:endParaRPr>
-          </a:p>
-        </p:txBody>
-      </p:sp>
-      <p:sp>
-        <p:nvSpPr>
-          <p:cNvPr id="12" name="TextBox 11"/>
-          <p:cNvSpPr txBox="1"/>
-          <p:nvPr/>
-        </p:nvSpPr>
-        <p:spPr>
-          <a:xfrm>
-            <a:off x="455532" y="498947"/>
-            <a:ext cx="614271" cy="461665"/>
-          </a:xfrm>
-          <a:prstGeom prst="rect">
-            <a:avLst/>
-          </a:prstGeom>
-          <a:noFill/>
-        </p:spPr>
-        <p:txBody>
-          <a:bodyPr wrap="none" rtlCol="0">
-            <a:spAutoFit/>
-          </a:bodyPr>
-          <a:lstStyle/>
-          <a:p>
-            <a:pPr algn="ctr"/>
-            <a:r>
               <a:rPr lang="en-US" altLang="ko-KR" sz="2400" spc="-150" dirty="0">
                 <a:solidFill>
                   <a:srgbClr val="00002F"/>
                 </a:solidFill>
-                <a:latin typeface="나눔스퀘어 ExtraBold" panose="020B0600000101010101" pitchFamily="50" charset="-127"/>
+                <a:latin typeface="+mj-lt"/>
                 <a:ea typeface="나눔스퀘어 ExtraBold" panose="020B0600000101010101" pitchFamily="50" charset="-127"/>
               </a:rPr>
               <a:t>01.</a:t>
@@ -8368,7 +7997,7 @@
               <a:solidFill>
                 <a:srgbClr val="00002F"/>
               </a:solidFill>
-              <a:latin typeface="나눔스퀘어 ExtraBold" panose="020B0600000101010101" pitchFamily="50" charset="-127"/>
+              <a:latin typeface="+mj-lt"/>
               <a:ea typeface="나눔스퀘어 ExtraBold" panose="020B0600000101010101" pitchFamily="50" charset="-127"/>
             </a:endParaRPr>
           </a:p>
@@ -8617,154 +8246,91 @@
         </p:nvGrpSpPr>
         <p:grpSpPr>
           <a:xfrm>
-            <a:off x="1321712" y="2286112"/>
-            <a:ext cx="4136113" cy="1738687"/>
-            <a:chOff x="1321712" y="2286112"/>
-            <a:chExt cx="4136113" cy="1738687"/>
+            <a:off x="1321712" y="3557660"/>
+            <a:ext cx="4136113" cy="467139"/>
+            <a:chOff x="1321712" y="3557660"/>
+            <a:chExt cx="4136113" cy="467139"/>
           </a:xfrm>
         </p:grpSpPr>
-        <p:grpSp>
-          <p:nvGrpSpPr>
-            <p:cNvPr id="19" name="그룹 18">
+        <p:sp>
+          <p:nvSpPr>
+            <p:cNvPr id="2" name="TextBox 1">
               <a:extLst>
                 <a:ext uri="{FF2B5EF4-FFF2-40B4-BE49-F238E27FC236}">
-                  <a16:creationId xmlns:a16="http://schemas.microsoft.com/office/drawing/2014/main" id="{14F51E34-9FF5-46F3-8B66-90D9C8189085}"/>
+                  <a16:creationId xmlns:a16="http://schemas.microsoft.com/office/drawing/2014/main" id="{FE4642F1-C5E1-4984-8444-C04195DDF000}"/>
                 </a:ext>
               </a:extLst>
             </p:cNvPr>
-            <p:cNvGrpSpPr/>
+            <p:cNvSpPr txBox="1"/>
             <p:nvPr/>
-          </p:nvGrpSpPr>
-          <p:grpSpPr>
+          </p:nvSpPr>
+          <p:spPr>
             <a:xfrm>
-              <a:off x="1321712" y="2286112"/>
-              <a:ext cx="2431338" cy="1620000"/>
-              <a:chOff x="918259" y="2529000"/>
-              <a:chExt cx="2431338" cy="1620000"/>
+              <a:off x="3055423" y="3557660"/>
+              <a:ext cx="1382110" cy="369332"/>
             </a:xfrm>
-          </p:grpSpPr>
-          <p:sp>
-            <p:nvSpPr>
-              <p:cNvPr id="15" name="직사각형 14">
-                <a:extLst>
-                  <a:ext uri="{FF2B5EF4-FFF2-40B4-BE49-F238E27FC236}">
-                    <a16:creationId xmlns:a16="http://schemas.microsoft.com/office/drawing/2014/main" id="{BE90E507-D502-4073-AFCF-EF3043C54B34}"/>
-                  </a:ext>
-                </a:extLst>
-              </p:cNvPr>
-              <p:cNvSpPr>
-                <a:spLocks noChangeAspect="1"/>
-              </p:cNvSpPr>
-              <p:nvPr/>
-            </p:nvSpPr>
-            <p:spPr>
-              <a:xfrm>
-                <a:off x="918259" y="2529000"/>
-                <a:ext cx="1620000" cy="1620000"/>
-              </a:xfrm>
-              <a:prstGeom prst="rect">
-                <a:avLst/>
-              </a:prstGeom>
-            </p:spPr>
-            <p:style>
-              <a:lnRef idx="2">
-                <a:schemeClr val="accent1">
-                  <a:shade val="50000"/>
-                </a:schemeClr>
-              </a:lnRef>
-              <a:fillRef idx="1">
-                <a:schemeClr val="accent1"/>
-              </a:fillRef>
-              <a:effectRef idx="0">
-                <a:schemeClr val="accent1"/>
-              </a:effectRef>
-              <a:fontRef idx="minor">
-                <a:schemeClr val="lt1"/>
-              </a:fontRef>
-            </p:style>
-            <p:txBody>
-              <a:bodyPr rtlCol="0" anchor="ctr"/>
-              <a:lstStyle/>
-              <a:p>
-                <a:pPr algn="ctr"/>
-                <a:endParaRPr lang="ko-KR" altLang="en-US" dirty="0"/>
-              </a:p>
-            </p:txBody>
-          </p:sp>
-          <p:sp>
-            <p:nvSpPr>
-              <p:cNvPr id="2" name="TextBox 1">
-                <a:extLst>
-                  <a:ext uri="{FF2B5EF4-FFF2-40B4-BE49-F238E27FC236}">
-                    <a16:creationId xmlns:a16="http://schemas.microsoft.com/office/drawing/2014/main" id="{FE4642F1-C5E1-4984-8444-C04195DDF000}"/>
-                  </a:ext>
-                </a:extLst>
-              </p:cNvPr>
-              <p:cNvSpPr txBox="1"/>
-              <p:nvPr/>
-            </p:nvSpPr>
-            <p:spPr>
-              <a:xfrm>
-                <a:off x="2651970" y="3502669"/>
-                <a:ext cx="697627" cy="646331"/>
-              </a:xfrm>
-              <a:prstGeom prst="rect">
-                <a:avLst/>
-              </a:prstGeom>
-              <a:noFill/>
-            </p:spPr>
-            <p:txBody>
-              <a:bodyPr wrap="none" rtlCol="0">
-                <a:spAutoFit/>
-              </a:bodyPr>
-              <a:lstStyle/>
-              <a:p>
-                <a:r>
-                  <a:rPr lang="ko-KR" altLang="en-US" dirty="0">
-                    <a:solidFill>
-                      <a:schemeClr val="accent1">
-                        <a:lumMod val="50000"/>
-                      </a:schemeClr>
-                    </a:solidFill>
-                  </a:rPr>
-                  <a:t>이름</a:t>
-                </a:r>
-                <a:r>
-                  <a:rPr lang="en-US" altLang="ko-KR" dirty="0">
-                    <a:solidFill>
-                      <a:schemeClr val="accent1">
-                        <a:lumMod val="50000"/>
-                      </a:schemeClr>
-                    </a:solidFill>
-                  </a:rPr>
-                  <a:t>:</a:t>
-                </a:r>
-              </a:p>
-              <a:p>
-                <a:r>
-                  <a:rPr lang="ko-KR" altLang="en-US" dirty="0">
-                    <a:solidFill>
-                      <a:schemeClr val="accent1">
-                        <a:lumMod val="50000"/>
-                      </a:schemeClr>
-                    </a:solidFill>
-                  </a:rPr>
-                  <a:t>담당</a:t>
-                </a:r>
-                <a:r>
-                  <a:rPr lang="en-US" altLang="ko-KR" dirty="0">
-                    <a:solidFill>
-                      <a:schemeClr val="accent1">
-                        <a:lumMod val="50000"/>
-                      </a:schemeClr>
-                    </a:solidFill>
-                  </a:rPr>
-                  <a:t>:</a:t>
-                </a:r>
-              </a:p>
-            </p:txBody>
-          </p:sp>
-        </p:grpSp>
+            <a:prstGeom prst="rect">
+              <a:avLst/>
+            </a:prstGeom>
+            <a:noFill/>
+          </p:spPr>
+          <p:txBody>
+            <a:bodyPr wrap="none" rtlCol="0">
+              <a:spAutoFit/>
+            </a:bodyPr>
+            <a:lstStyle/>
+            <a:p>
+              <a:r>
+                <a:rPr lang="ko-KR" altLang="en-US" dirty="0">
+                  <a:solidFill>
+                    <a:schemeClr val="accent1">
+                      <a:lumMod val="50000"/>
+                    </a:schemeClr>
+                  </a:solidFill>
+                  <a:latin typeface="나눔바른고딕" panose="020B0603020101020101" pitchFamily="50" charset="-127"/>
+                  <a:ea typeface="나눔바른고딕" panose="020B0603020101020101" pitchFamily="50" charset="-127"/>
+                </a:rPr>
+                <a:t>이름</a:t>
+              </a:r>
+              <a:r>
+                <a:rPr lang="en-US" altLang="ko-KR" dirty="0">
+                  <a:solidFill>
+                    <a:schemeClr val="accent1">
+                      <a:lumMod val="50000"/>
+                    </a:schemeClr>
+                  </a:solidFill>
+                  <a:latin typeface="나눔바른고딕" panose="020B0603020101020101" pitchFamily="50" charset="-127"/>
+                  <a:ea typeface="나눔바른고딕" panose="020B0603020101020101" pitchFamily="50" charset="-127"/>
+                </a:rPr>
+                <a:t>: </a:t>
+              </a:r>
+              <a:r>
+                <a:rPr lang="ko-KR" altLang="en-US" dirty="0">
+                  <a:solidFill>
+                    <a:schemeClr val="accent1">
+                      <a:lumMod val="50000"/>
+                    </a:schemeClr>
+                  </a:solidFill>
+                  <a:latin typeface="나눔바른고딕" panose="020B0603020101020101" pitchFamily="50" charset="-127"/>
+                  <a:ea typeface="나눔바른고딕" panose="020B0603020101020101" pitchFamily="50" charset="-127"/>
+                </a:rPr>
+                <a:t>정주현</a:t>
+              </a:r>
+              <a:r>
+                <a:rPr lang="en-US" altLang="ko-KR" dirty="0">
+                  <a:solidFill>
+                    <a:schemeClr val="accent1">
+                      <a:lumMod val="50000"/>
+                    </a:schemeClr>
+                  </a:solidFill>
+                  <a:latin typeface="나눔바른고딕" panose="020B0603020101020101" pitchFamily="50" charset="-127"/>
+                  <a:ea typeface="나눔바른고딕" panose="020B0603020101020101" pitchFamily="50" charset="-127"/>
+                </a:rPr>
+                <a:t> </a:t>
+              </a:r>
+            </a:p>
+          </p:txBody>
+        </p:sp>
         <p:cxnSp>
           <p:nvCxnSpPr>
             <p:cNvPr id="27" name="직선 연결선 26">
@@ -8811,6 +8377,53 @@
           </p:style>
         </p:cxnSp>
       </p:grpSp>
+      <p:sp>
+        <p:nvSpPr>
+          <p:cNvPr id="49" name="TextBox 48">
+            <a:extLst>
+              <a:ext uri="{FF2B5EF4-FFF2-40B4-BE49-F238E27FC236}">
+                <a16:creationId xmlns:a16="http://schemas.microsoft.com/office/drawing/2014/main" id="{E0D42F5D-6786-40FA-B24C-561E79DF7B1E}"/>
+              </a:ext>
+            </a:extLst>
+          </p:cNvPr>
+          <p:cNvSpPr txBox="1"/>
+          <p:nvPr/>
+        </p:nvSpPr>
+        <p:spPr>
+          <a:xfrm>
+            <a:off x="971218" y="437393"/>
+            <a:ext cx="1358065" cy="584775"/>
+          </a:xfrm>
+          <a:prstGeom prst="rect">
+            <a:avLst/>
+          </a:prstGeom>
+          <a:noFill/>
+        </p:spPr>
+        <p:txBody>
+          <a:bodyPr wrap="none" rtlCol="0">
+            <a:spAutoFit/>
+          </a:bodyPr>
+          <a:lstStyle/>
+          <a:p>
+            <a:pPr algn="ctr"/>
+            <a:r>
+              <a:rPr lang="ko-KR" altLang="en-US" sz="3200" spc="-150" dirty="0" err="1">
+                <a:solidFill>
+                  <a:srgbClr val="00002F"/>
+                </a:solidFill>
+                <a:latin typeface="+mn-ea"/>
+              </a:rPr>
+              <a:t>팀소개</a:t>
+            </a:r>
+            <a:endParaRPr lang="ko-KR" altLang="en-US" sz="3200" spc="-150" dirty="0">
+              <a:solidFill>
+                <a:srgbClr val="00002F"/>
+              </a:solidFill>
+              <a:latin typeface="+mn-ea"/>
+            </a:endParaRPr>
+          </a:p>
+        </p:txBody>
+      </p:sp>
     </p:spTree>
     <p:extLst>
       <p:ext uri="{BB962C8B-B14F-4D97-AF65-F5344CB8AC3E}">
@@ -8864,7 +8477,7 @@
           <a:lstStyle/>
           <a:p>
             <a:r>
-              <a:rPr lang="en-US" altLang="ko-KR" sz="4400" spc="-300">
+              <a:rPr lang="en-US" altLang="ko-KR" sz="4400" spc="-300" dirty="0">
                 <a:solidFill>
                   <a:srgbClr val="00002F"/>
                 </a:solidFill>
@@ -8873,7 +8486,7 @@
               </a:rPr>
               <a:t>02</a:t>
             </a:r>
-            <a:endParaRPr lang="ko-KR" altLang="en-US" sz="4400" spc="-300">
+            <a:endParaRPr lang="ko-KR" altLang="en-US" sz="4400" spc="-300" dirty="0">
               <a:solidFill>
                 <a:srgbClr val="00002F"/>
               </a:solidFill>
@@ -9330,7 +8943,7 @@
           <a:p>
             <a:pPr algn="ctr"/>
             <a:r>
-              <a:rPr lang="ko-KR" altLang="en-US" sz="3200" b="1" spc="-150" dirty="0">
+              <a:rPr lang="ko-KR" altLang="en-US" sz="3200" spc="-150" dirty="0">
                 <a:solidFill>
                   <a:srgbClr val="00002F"/>
                 </a:solidFill>
@@ -9873,7 +9486,7 @@
           <a:p>
             <a:pPr algn="ctr"/>
             <a:r>
-              <a:rPr lang="ko-KR" altLang="en-US" sz="3200" b="1" spc="-150" dirty="0">
+              <a:rPr lang="ko-KR" altLang="en-US" sz="3200" spc="-150">
                 <a:solidFill>
                   <a:srgbClr val="00002F"/>
                 </a:solidFill>
@@ -9882,6 +9495,13 @@
               </a:rPr>
               <a:t>주제 및 현황</a:t>
             </a:r>
+            <a:endParaRPr lang="ko-KR" altLang="en-US" sz="3200" spc="-150" dirty="0">
+              <a:solidFill>
+                <a:srgbClr val="00002F"/>
+              </a:solidFill>
+              <a:latin typeface="Malgun Gothic Semilight" panose="020B0503020000020004" pitchFamily="34" charset="-127"/>
+              <a:ea typeface="Malgun Gothic Semilight" panose="020B0503020000020004" pitchFamily="34" charset="-127"/>
+            </a:endParaRPr>
           </a:p>
         </p:txBody>
       </p:sp>
@@ -10132,7 +9752,7 @@
         <p:spPr>
           <a:xfrm>
             <a:off x="4000500" y="2472873"/>
-            <a:ext cx="797013" cy="769441"/>
+            <a:ext cx="729687" cy="769441"/>
           </a:xfrm>
           <a:prstGeom prst="rect">
             <a:avLst/>
@@ -10150,8 +9770,7 @@
                 <a:solidFill>
                   <a:srgbClr val="00002F"/>
                 </a:solidFill>
-                <a:latin typeface="나눔스퀘어 Bold" panose="020B0600000101010101" pitchFamily="50" charset="-127"/>
-                <a:ea typeface="나눔스퀘어 Bold" panose="020B0600000101010101" pitchFamily="50" charset="-127"/>
+                <a:latin typeface="+mn-ea"/>
               </a:rPr>
               <a:t>03</a:t>
             </a:r>
@@ -10159,8 +9778,7 @@
               <a:solidFill>
                 <a:srgbClr val="00002F"/>
               </a:solidFill>
-              <a:latin typeface="나눔스퀘어 Bold" panose="020B0600000101010101" pitchFamily="50" charset="-127"/>
-              <a:ea typeface="나눔스퀘어 Bold" panose="020B0600000101010101" pitchFamily="50" charset="-127"/>
+              <a:latin typeface="+mn-ea"/>
             </a:endParaRPr>
           </a:p>
         </p:txBody>
@@ -10211,8 +9829,7 @@
             <a:pPr algn="ctr"/>
             <a:r>
               <a:rPr lang="ko-KR" altLang="en-US" dirty="0">
-                <a:latin typeface="나눔스퀘어 Bold" panose="020B0600000101010101" pitchFamily="50" charset="-127"/>
-                <a:ea typeface="나눔스퀘어 Bold" panose="020B0600000101010101" pitchFamily="50" charset="-127"/>
+                <a:latin typeface="+mn-ea"/>
               </a:rPr>
               <a:t>프로젝트 수행 목표</a:t>
             </a:r>
@@ -10483,7 +10100,32 @@
       </a:bgFillStyleLst>
     </a:fmtScheme>
   </a:themeElements>
-  <a:objectDefaults/>
+  <a:objectDefaults>
+    <a:txDef>
+      <a:spPr>
+        <a:noFill/>
+      </a:spPr>
+      <a:bodyPr wrap="none" rtlCol="0">
+        <a:spAutoFit/>
+      </a:bodyPr>
+      <a:lstStyle>
+        <a:defPPr marL="457200" indent="-457200" algn="l">
+          <a:lnSpc>
+            <a:spcPct val="200000"/>
+          </a:lnSpc>
+          <a:buFont typeface="Arial" panose="020B0604020202020204" pitchFamily="34" charset="0"/>
+          <a:buChar char="•"/>
+          <a:defRPr sz="3200" spc="-150" dirty="0" smtClean="0">
+            <a:solidFill>
+              <a:srgbClr val="8DBABD"/>
+            </a:solidFill>
+            <a:latin typeface="Malgun Gothic Semilight" panose="020B0503020000020004" pitchFamily="34" charset="-127"/>
+            <a:ea typeface="Malgun Gothic Semilight" panose="020B0503020000020004" pitchFamily="34" charset="-127"/>
+          </a:defRPr>
+        </a:defPPr>
+      </a:lstStyle>
+    </a:txDef>
+  </a:objectDefaults>
   <a:extraClrSchemeLst/>
   <a:extLst>
     <a:ext uri="{05A4C25C-085E-4340-85A3-A5531E510DB2}">
